--- a/MTSSAssignment3.pptx
+++ b/MTSSAssignment3.pptx
@@ -4,8 +4,28 @@
   <p:sldMasterIdLst>
     <p:sldMasterId id="2147483648" r:id="rId1"/>
   </p:sldMasterIdLst>
+  <p:notesMasterIdLst>
+    <p:notesMasterId r:id="rId20"/>
+  </p:notesMasterIdLst>
   <p:sldIdLst>
-    <p:sldId id="256" r:id="rId2"/>
+    <p:sldId id="257" r:id="rId2"/>
+    <p:sldId id="303" r:id="rId3"/>
+    <p:sldId id="268" r:id="rId4"/>
+    <p:sldId id="298" r:id="rId5"/>
+    <p:sldId id="300" r:id="rId6"/>
+    <p:sldId id="301" r:id="rId7"/>
+    <p:sldId id="302" r:id="rId8"/>
+    <p:sldId id="310" r:id="rId9"/>
+    <p:sldId id="311" r:id="rId10"/>
+    <p:sldId id="312" r:id="rId11"/>
+    <p:sldId id="313" r:id="rId12"/>
+    <p:sldId id="304" r:id="rId13"/>
+    <p:sldId id="305" r:id="rId14"/>
+    <p:sldId id="306" r:id="rId15"/>
+    <p:sldId id="307" r:id="rId16"/>
+    <p:sldId id="308" r:id="rId17"/>
+    <p:sldId id="309" r:id="rId18"/>
+    <p:sldId id="284" r:id="rId19"/>
   </p:sldIdLst>
   <p:sldSz cx="12192000" cy="6858000"/>
   <p:notesSz cx="6858000" cy="9144000"/>
@@ -104,7 +124,1117 @@
       </a:defRPr>
     </a:lvl9pPr>
   </p:defaultTextStyle>
+  <p:extLst>
+    <p:ext uri="{EFAFB233-063F-42B5-8137-9DF3F51BA10A}">
+      <p15:sldGuideLst xmlns:p15="http://schemas.microsoft.com/office/powerpoint/2012/main"/>
+    </p:ext>
+  </p:extLst>
 </p:presentation>
+</file>
+
+<file path=ppt/notesMasters/notesMaster1.xml><?xml version="1.0" encoding="utf-8"?>
+<p:notesMaster xmlns:a="http://schemas.openxmlformats.org/drawingml/2006/main" xmlns:r="http://schemas.openxmlformats.org/officeDocument/2006/relationships" xmlns:p="http://schemas.openxmlformats.org/presentationml/2006/main">
+  <p:cSld>
+    <p:bg>
+      <p:bgRef idx="1001">
+        <a:schemeClr val="bg1"/>
+      </p:bgRef>
+    </p:bg>
+    <p:spTree>
+      <p:nvGrpSpPr>
+        <p:cNvPr id="1" name=""/>
+        <p:cNvGrpSpPr/>
+        <p:nvPr/>
+      </p:nvGrpSpPr>
+      <p:grpSpPr>
+        <a:xfrm>
+          <a:off x="0" y="0"/>
+          <a:ext cx="0" cy="0"/>
+          <a:chOff x="0" y="0"/>
+          <a:chExt cx="0" cy="0"/>
+        </a:xfrm>
+      </p:grpSpPr>
+      <p:sp>
+        <p:nvSpPr>
+          <p:cNvPr id="2" name="Segnaposto intestazione 1"/>
+          <p:cNvSpPr>
+            <a:spLocks noGrp="1"/>
+          </p:cNvSpPr>
+          <p:nvPr>
+            <p:ph type="hdr" sz="quarter"/>
+          </p:nvPr>
+        </p:nvSpPr>
+        <p:spPr>
+          <a:xfrm>
+            <a:off x="0" y="0"/>
+            <a:ext cx="2971800" cy="458788"/>
+          </a:xfrm>
+          <a:prstGeom prst="rect">
+            <a:avLst/>
+          </a:prstGeom>
+        </p:spPr>
+        <p:txBody>
+          <a:bodyPr vert="horz" lIns="91440" tIns="45720" rIns="91440" bIns="45720" rtlCol="0"/>
+          <a:lstStyle>
+            <a:lvl1pPr algn="l">
+              <a:defRPr sz="1200"/>
+            </a:lvl1pPr>
+          </a:lstStyle>
+          <a:p>
+            <a:endParaRPr lang="it-IT"/>
+          </a:p>
+        </p:txBody>
+      </p:sp>
+      <p:sp>
+        <p:nvSpPr>
+          <p:cNvPr id="3" name="Segnaposto data 2"/>
+          <p:cNvSpPr>
+            <a:spLocks noGrp="1"/>
+          </p:cNvSpPr>
+          <p:nvPr>
+            <p:ph type="dt" idx="1"/>
+          </p:nvPr>
+        </p:nvSpPr>
+        <p:spPr>
+          <a:xfrm>
+            <a:off x="3884613" y="0"/>
+            <a:ext cx="2971800" cy="458788"/>
+          </a:xfrm>
+          <a:prstGeom prst="rect">
+            <a:avLst/>
+          </a:prstGeom>
+        </p:spPr>
+        <p:txBody>
+          <a:bodyPr vert="horz" lIns="91440" tIns="45720" rIns="91440" bIns="45720" rtlCol="0"/>
+          <a:lstStyle>
+            <a:lvl1pPr algn="r">
+              <a:defRPr sz="1200"/>
+            </a:lvl1pPr>
+          </a:lstStyle>
+          <a:p>
+            <a:fld id="{EFB7D28E-7638-40DD-9951-FAEDC6EFEA2A}" type="datetimeFigureOut">
+              <a:rPr lang="it-IT" smtClean="0"/>
+              <a:t>02/06/2022</a:t>
+            </a:fld>
+            <a:endParaRPr lang="it-IT"/>
+          </a:p>
+        </p:txBody>
+      </p:sp>
+      <p:sp>
+        <p:nvSpPr>
+          <p:cNvPr id="4" name="Segnaposto immagine diapositiva 3"/>
+          <p:cNvSpPr>
+            <a:spLocks noGrp="1" noRot="1" noChangeAspect="1"/>
+          </p:cNvSpPr>
+          <p:nvPr>
+            <p:ph type="sldImg" idx="2"/>
+          </p:nvPr>
+        </p:nvSpPr>
+        <p:spPr>
+          <a:xfrm>
+            <a:off x="685800" y="1143000"/>
+            <a:ext cx="5486400" cy="3086100"/>
+          </a:xfrm>
+          <a:prstGeom prst="rect">
+            <a:avLst/>
+          </a:prstGeom>
+          <a:noFill/>
+          <a:ln w="12700">
+            <a:solidFill>
+              <a:prstClr val="black"/>
+            </a:solidFill>
+          </a:ln>
+        </p:spPr>
+        <p:txBody>
+          <a:bodyPr vert="horz" lIns="91440" tIns="45720" rIns="91440" bIns="45720" rtlCol="0" anchor="ctr"/>
+          <a:lstStyle/>
+          <a:p>
+            <a:endParaRPr lang="it-IT"/>
+          </a:p>
+        </p:txBody>
+      </p:sp>
+      <p:sp>
+        <p:nvSpPr>
+          <p:cNvPr id="5" name="Segnaposto note 4"/>
+          <p:cNvSpPr>
+            <a:spLocks noGrp="1"/>
+          </p:cNvSpPr>
+          <p:nvPr>
+            <p:ph type="body" sz="quarter" idx="3"/>
+          </p:nvPr>
+        </p:nvSpPr>
+        <p:spPr>
+          <a:xfrm>
+            <a:off x="685800" y="4400550"/>
+            <a:ext cx="5486400" cy="3600450"/>
+          </a:xfrm>
+          <a:prstGeom prst="rect">
+            <a:avLst/>
+          </a:prstGeom>
+        </p:spPr>
+        <p:txBody>
+          <a:bodyPr vert="horz" lIns="91440" tIns="45720" rIns="91440" bIns="45720" rtlCol="0"/>
+          <a:lstStyle/>
+          <a:p>
+            <a:pPr lvl="0"/>
+            <a:r>
+              <a:rPr lang="it-IT"/>
+              <a:t>Fare clic per modificare gli stili del testo dello schema</a:t>
+            </a:r>
+          </a:p>
+          <a:p>
+            <a:pPr lvl="1"/>
+            <a:r>
+              <a:rPr lang="it-IT"/>
+              <a:t>Secondo livello</a:t>
+            </a:r>
+          </a:p>
+          <a:p>
+            <a:pPr lvl="2"/>
+            <a:r>
+              <a:rPr lang="it-IT"/>
+              <a:t>Terzo livello</a:t>
+            </a:r>
+          </a:p>
+          <a:p>
+            <a:pPr lvl="3"/>
+            <a:r>
+              <a:rPr lang="it-IT"/>
+              <a:t>Quarto livello</a:t>
+            </a:r>
+          </a:p>
+          <a:p>
+            <a:pPr lvl="4"/>
+            <a:r>
+              <a:rPr lang="it-IT"/>
+              <a:t>Quinto livello</a:t>
+            </a:r>
+          </a:p>
+        </p:txBody>
+      </p:sp>
+      <p:sp>
+        <p:nvSpPr>
+          <p:cNvPr id="6" name="Segnaposto piè di pagina 5"/>
+          <p:cNvSpPr>
+            <a:spLocks noGrp="1"/>
+          </p:cNvSpPr>
+          <p:nvPr>
+            <p:ph type="ftr" sz="quarter" idx="4"/>
+          </p:nvPr>
+        </p:nvSpPr>
+        <p:spPr>
+          <a:xfrm>
+            <a:off x="0" y="8685213"/>
+            <a:ext cx="2971800" cy="458787"/>
+          </a:xfrm>
+          <a:prstGeom prst="rect">
+            <a:avLst/>
+          </a:prstGeom>
+        </p:spPr>
+        <p:txBody>
+          <a:bodyPr vert="horz" lIns="91440" tIns="45720" rIns="91440" bIns="45720" rtlCol="0" anchor="b"/>
+          <a:lstStyle>
+            <a:lvl1pPr algn="l">
+              <a:defRPr sz="1200"/>
+            </a:lvl1pPr>
+          </a:lstStyle>
+          <a:p>
+            <a:endParaRPr lang="it-IT"/>
+          </a:p>
+        </p:txBody>
+      </p:sp>
+      <p:sp>
+        <p:nvSpPr>
+          <p:cNvPr id="7" name="Segnaposto numero diapositiva 6"/>
+          <p:cNvSpPr>
+            <a:spLocks noGrp="1"/>
+          </p:cNvSpPr>
+          <p:nvPr>
+            <p:ph type="sldNum" sz="quarter" idx="5"/>
+          </p:nvPr>
+        </p:nvSpPr>
+        <p:spPr>
+          <a:xfrm>
+            <a:off x="3884613" y="8685213"/>
+            <a:ext cx="2971800" cy="458787"/>
+          </a:xfrm>
+          <a:prstGeom prst="rect">
+            <a:avLst/>
+          </a:prstGeom>
+        </p:spPr>
+        <p:txBody>
+          <a:bodyPr vert="horz" lIns="91440" tIns="45720" rIns="91440" bIns="45720" rtlCol="0" anchor="b"/>
+          <a:lstStyle>
+            <a:lvl1pPr algn="r">
+              <a:defRPr sz="1200"/>
+            </a:lvl1pPr>
+          </a:lstStyle>
+          <a:p>
+            <a:fld id="{061E9DA9-0410-448A-94DB-B461A2D75F73}" type="slidenum">
+              <a:rPr lang="it-IT" smtClean="0"/>
+              <a:t>‹N›</a:t>
+            </a:fld>
+            <a:endParaRPr lang="it-IT"/>
+          </a:p>
+        </p:txBody>
+      </p:sp>
+    </p:spTree>
+    <p:extLst>
+      <p:ext uri="{BB962C8B-B14F-4D97-AF65-F5344CB8AC3E}">
+        <p14:creationId xmlns:p14="http://schemas.microsoft.com/office/powerpoint/2010/main" val="2782010837"/>
+      </p:ext>
+    </p:extLst>
+  </p:cSld>
+  <p:clrMap bg1="lt1" tx1="dk1" bg2="lt2" tx2="dk2" accent1="accent1" accent2="accent2" accent3="accent3" accent4="accent4" accent5="accent5" accent6="accent6" hlink="hlink" folHlink="folHlink"/>
+  <p:notesStyle>
+    <a:lvl1pPr marL="0" algn="l" defTabSz="914400" rtl="0" eaLnBrk="1" latinLnBrk="0" hangingPunct="1">
+      <a:defRPr sz="1200" kern="1200">
+        <a:solidFill>
+          <a:schemeClr val="tx1"/>
+        </a:solidFill>
+        <a:latin typeface="+mn-lt"/>
+        <a:ea typeface="+mn-ea"/>
+        <a:cs typeface="+mn-cs"/>
+      </a:defRPr>
+    </a:lvl1pPr>
+    <a:lvl2pPr marL="457200" algn="l" defTabSz="914400" rtl="0" eaLnBrk="1" latinLnBrk="0" hangingPunct="1">
+      <a:defRPr sz="1200" kern="1200">
+        <a:solidFill>
+          <a:schemeClr val="tx1"/>
+        </a:solidFill>
+        <a:latin typeface="+mn-lt"/>
+        <a:ea typeface="+mn-ea"/>
+        <a:cs typeface="+mn-cs"/>
+      </a:defRPr>
+    </a:lvl2pPr>
+    <a:lvl3pPr marL="914400" algn="l" defTabSz="914400" rtl="0" eaLnBrk="1" latinLnBrk="0" hangingPunct="1">
+      <a:defRPr sz="1200" kern="1200">
+        <a:solidFill>
+          <a:schemeClr val="tx1"/>
+        </a:solidFill>
+        <a:latin typeface="+mn-lt"/>
+        <a:ea typeface="+mn-ea"/>
+        <a:cs typeface="+mn-cs"/>
+      </a:defRPr>
+    </a:lvl3pPr>
+    <a:lvl4pPr marL="1371600" algn="l" defTabSz="914400" rtl="0" eaLnBrk="1" latinLnBrk="0" hangingPunct="1">
+      <a:defRPr sz="1200" kern="1200">
+        <a:solidFill>
+          <a:schemeClr val="tx1"/>
+        </a:solidFill>
+        <a:latin typeface="+mn-lt"/>
+        <a:ea typeface="+mn-ea"/>
+        <a:cs typeface="+mn-cs"/>
+      </a:defRPr>
+    </a:lvl4pPr>
+    <a:lvl5pPr marL="1828800" algn="l" defTabSz="914400" rtl="0" eaLnBrk="1" latinLnBrk="0" hangingPunct="1">
+      <a:defRPr sz="1200" kern="1200">
+        <a:solidFill>
+          <a:schemeClr val="tx1"/>
+        </a:solidFill>
+        <a:latin typeface="+mn-lt"/>
+        <a:ea typeface="+mn-ea"/>
+        <a:cs typeface="+mn-cs"/>
+      </a:defRPr>
+    </a:lvl5pPr>
+    <a:lvl6pPr marL="2286000" algn="l" defTabSz="914400" rtl="0" eaLnBrk="1" latinLnBrk="0" hangingPunct="1">
+      <a:defRPr sz="1200" kern="1200">
+        <a:solidFill>
+          <a:schemeClr val="tx1"/>
+        </a:solidFill>
+        <a:latin typeface="+mn-lt"/>
+        <a:ea typeface="+mn-ea"/>
+        <a:cs typeface="+mn-cs"/>
+      </a:defRPr>
+    </a:lvl6pPr>
+    <a:lvl7pPr marL="2743200" algn="l" defTabSz="914400" rtl="0" eaLnBrk="1" latinLnBrk="0" hangingPunct="1">
+      <a:defRPr sz="1200" kern="1200">
+        <a:solidFill>
+          <a:schemeClr val="tx1"/>
+        </a:solidFill>
+        <a:latin typeface="+mn-lt"/>
+        <a:ea typeface="+mn-ea"/>
+        <a:cs typeface="+mn-cs"/>
+      </a:defRPr>
+    </a:lvl7pPr>
+    <a:lvl8pPr marL="3200400" algn="l" defTabSz="914400" rtl="0" eaLnBrk="1" latinLnBrk="0" hangingPunct="1">
+      <a:defRPr sz="1200" kern="1200">
+        <a:solidFill>
+          <a:schemeClr val="tx1"/>
+        </a:solidFill>
+        <a:latin typeface="+mn-lt"/>
+        <a:ea typeface="+mn-ea"/>
+        <a:cs typeface="+mn-cs"/>
+      </a:defRPr>
+    </a:lvl8pPr>
+    <a:lvl9pPr marL="3657600" algn="l" defTabSz="914400" rtl="0" eaLnBrk="1" latinLnBrk="0" hangingPunct="1">
+      <a:defRPr sz="1200" kern="1200">
+        <a:solidFill>
+          <a:schemeClr val="tx1"/>
+        </a:solidFill>
+        <a:latin typeface="+mn-lt"/>
+        <a:ea typeface="+mn-ea"/>
+        <a:cs typeface="+mn-cs"/>
+      </a:defRPr>
+    </a:lvl9pPr>
+  </p:notesStyle>
+</p:notesMaster>
+</file>
+
+<file path=ppt/notesSlides/notesSlide1.xml><?xml version="1.0" encoding="utf-8"?>
+<p:notes xmlns:a="http://schemas.openxmlformats.org/drawingml/2006/main" xmlns:r="http://schemas.openxmlformats.org/officeDocument/2006/relationships" xmlns:p="http://schemas.openxmlformats.org/presentationml/2006/main">
+  <p:cSld>
+    <p:spTree>
+      <p:nvGrpSpPr>
+        <p:cNvPr id="1" name=""/>
+        <p:cNvGrpSpPr/>
+        <p:nvPr/>
+      </p:nvGrpSpPr>
+      <p:grpSpPr>
+        <a:xfrm>
+          <a:off x="0" y="0"/>
+          <a:ext cx="0" cy="0"/>
+          <a:chOff x="0" y="0"/>
+          <a:chExt cx="0" cy="0"/>
+        </a:xfrm>
+      </p:grpSpPr>
+      <p:sp>
+        <p:nvSpPr>
+          <p:cNvPr id="2" name="Segnaposto immagine diapositiva 1"/>
+          <p:cNvSpPr>
+            <a:spLocks noGrp="1" noRot="1" noChangeAspect="1"/>
+          </p:cNvSpPr>
+          <p:nvPr>
+            <p:ph type="sldImg"/>
+          </p:nvPr>
+        </p:nvSpPr>
+        <p:spPr/>
+      </p:sp>
+      <p:sp>
+        <p:nvSpPr>
+          <p:cNvPr id="3" name="Segnaposto note 2"/>
+          <p:cNvSpPr>
+            <a:spLocks noGrp="1"/>
+          </p:cNvSpPr>
+          <p:nvPr>
+            <p:ph type="body" idx="1"/>
+          </p:nvPr>
+        </p:nvSpPr>
+        <p:spPr/>
+        <p:txBody>
+          <a:bodyPr/>
+          <a:lstStyle/>
+          <a:p>
+            <a:endParaRPr lang="it-IT"/>
+          </a:p>
+        </p:txBody>
+      </p:sp>
+      <p:sp>
+        <p:nvSpPr>
+          <p:cNvPr id="4" name="Segnaposto numero diapositiva 3"/>
+          <p:cNvSpPr>
+            <a:spLocks noGrp="1"/>
+          </p:cNvSpPr>
+          <p:nvPr>
+            <p:ph type="sldNum" sz="quarter" idx="5"/>
+          </p:nvPr>
+        </p:nvSpPr>
+        <p:spPr/>
+        <p:txBody>
+          <a:bodyPr/>
+          <a:lstStyle/>
+          <a:p>
+            <a:fld id="{0BC78E95-8A02-4863-86BC-3BDFF2A12A63}" type="slidenum">
+              <a:rPr lang="it-IT" smtClean="0"/>
+              <a:t>3</a:t>
+            </a:fld>
+            <a:endParaRPr lang="it-IT"/>
+          </a:p>
+        </p:txBody>
+      </p:sp>
+    </p:spTree>
+    <p:extLst>
+      <p:ext uri="{BB962C8B-B14F-4D97-AF65-F5344CB8AC3E}">
+        <p14:creationId xmlns:p14="http://schemas.microsoft.com/office/powerpoint/2010/main" val="4090368568"/>
+      </p:ext>
+    </p:extLst>
+  </p:cSld>
+  <p:clrMapOvr>
+    <a:masterClrMapping/>
+  </p:clrMapOvr>
+</p:notes>
+</file>
+
+<file path=ppt/notesSlides/notesSlide2.xml><?xml version="1.0" encoding="utf-8"?>
+<p:notes xmlns:a="http://schemas.openxmlformats.org/drawingml/2006/main" xmlns:r="http://schemas.openxmlformats.org/officeDocument/2006/relationships" xmlns:p="http://schemas.openxmlformats.org/presentationml/2006/main">
+  <p:cSld>
+    <p:spTree>
+      <p:nvGrpSpPr>
+        <p:cNvPr id="1" name=""/>
+        <p:cNvGrpSpPr/>
+        <p:nvPr/>
+      </p:nvGrpSpPr>
+      <p:grpSpPr>
+        <a:xfrm>
+          <a:off x="0" y="0"/>
+          <a:ext cx="0" cy="0"/>
+          <a:chOff x="0" y="0"/>
+          <a:chExt cx="0" cy="0"/>
+        </a:xfrm>
+      </p:grpSpPr>
+      <p:sp>
+        <p:nvSpPr>
+          <p:cNvPr id="2" name="Segnaposto immagine diapositiva 1"/>
+          <p:cNvSpPr>
+            <a:spLocks noGrp="1" noRot="1" noChangeAspect="1"/>
+          </p:cNvSpPr>
+          <p:nvPr>
+            <p:ph type="sldImg"/>
+          </p:nvPr>
+        </p:nvSpPr>
+        <p:spPr/>
+      </p:sp>
+      <p:sp>
+        <p:nvSpPr>
+          <p:cNvPr id="3" name="Segnaposto note 2"/>
+          <p:cNvSpPr>
+            <a:spLocks noGrp="1"/>
+          </p:cNvSpPr>
+          <p:nvPr>
+            <p:ph type="body" idx="1"/>
+          </p:nvPr>
+        </p:nvSpPr>
+        <p:spPr/>
+        <p:txBody>
+          <a:bodyPr/>
+          <a:lstStyle/>
+          <a:p>
+            <a:endParaRPr lang="it-IT"/>
+          </a:p>
+        </p:txBody>
+      </p:sp>
+      <p:sp>
+        <p:nvSpPr>
+          <p:cNvPr id="4" name="Segnaposto numero diapositiva 3"/>
+          <p:cNvSpPr>
+            <a:spLocks noGrp="1"/>
+          </p:cNvSpPr>
+          <p:nvPr>
+            <p:ph type="sldNum" sz="quarter" idx="5"/>
+          </p:nvPr>
+        </p:nvSpPr>
+        <p:spPr/>
+        <p:txBody>
+          <a:bodyPr/>
+          <a:lstStyle/>
+          <a:p>
+            <a:fld id="{0BC78E95-8A02-4863-86BC-3BDFF2A12A63}" type="slidenum">
+              <a:rPr lang="it-IT" smtClean="0"/>
+              <a:t>4</a:t>
+            </a:fld>
+            <a:endParaRPr lang="it-IT"/>
+          </a:p>
+        </p:txBody>
+      </p:sp>
+    </p:spTree>
+    <p:extLst>
+      <p:ext uri="{BB962C8B-B14F-4D97-AF65-F5344CB8AC3E}">
+        <p14:creationId xmlns:p14="http://schemas.microsoft.com/office/powerpoint/2010/main" val="3746452285"/>
+      </p:ext>
+    </p:extLst>
+  </p:cSld>
+  <p:clrMapOvr>
+    <a:masterClrMapping/>
+  </p:clrMapOvr>
+</p:notes>
+</file>
+
+<file path=ppt/notesSlides/notesSlide3.xml><?xml version="1.0" encoding="utf-8"?>
+<p:notes xmlns:a="http://schemas.openxmlformats.org/drawingml/2006/main" xmlns:r="http://schemas.openxmlformats.org/officeDocument/2006/relationships" xmlns:p="http://schemas.openxmlformats.org/presentationml/2006/main">
+  <p:cSld>
+    <p:spTree>
+      <p:nvGrpSpPr>
+        <p:cNvPr id="1" name=""/>
+        <p:cNvGrpSpPr/>
+        <p:nvPr/>
+      </p:nvGrpSpPr>
+      <p:grpSpPr>
+        <a:xfrm>
+          <a:off x="0" y="0"/>
+          <a:ext cx="0" cy="0"/>
+          <a:chOff x="0" y="0"/>
+          <a:chExt cx="0" cy="0"/>
+        </a:xfrm>
+      </p:grpSpPr>
+      <p:sp>
+        <p:nvSpPr>
+          <p:cNvPr id="2" name="Segnaposto immagine diapositiva 1"/>
+          <p:cNvSpPr>
+            <a:spLocks noGrp="1" noRot="1" noChangeAspect="1"/>
+          </p:cNvSpPr>
+          <p:nvPr>
+            <p:ph type="sldImg"/>
+          </p:nvPr>
+        </p:nvSpPr>
+        <p:spPr/>
+      </p:sp>
+      <p:sp>
+        <p:nvSpPr>
+          <p:cNvPr id="3" name="Segnaposto note 2"/>
+          <p:cNvSpPr>
+            <a:spLocks noGrp="1"/>
+          </p:cNvSpPr>
+          <p:nvPr>
+            <p:ph type="body" idx="1"/>
+          </p:nvPr>
+        </p:nvSpPr>
+        <p:spPr/>
+        <p:txBody>
+          <a:bodyPr/>
+          <a:lstStyle/>
+          <a:p>
+            <a:endParaRPr lang="it-IT"/>
+          </a:p>
+        </p:txBody>
+      </p:sp>
+      <p:sp>
+        <p:nvSpPr>
+          <p:cNvPr id="4" name="Segnaposto numero diapositiva 3"/>
+          <p:cNvSpPr>
+            <a:spLocks noGrp="1"/>
+          </p:cNvSpPr>
+          <p:nvPr>
+            <p:ph type="sldNum" sz="quarter" idx="5"/>
+          </p:nvPr>
+        </p:nvSpPr>
+        <p:spPr/>
+        <p:txBody>
+          <a:bodyPr/>
+          <a:lstStyle/>
+          <a:p>
+            <a:fld id="{0BC78E95-8A02-4863-86BC-3BDFF2A12A63}" type="slidenum">
+              <a:rPr lang="it-IT" smtClean="0"/>
+              <a:t>5</a:t>
+            </a:fld>
+            <a:endParaRPr lang="it-IT"/>
+          </a:p>
+        </p:txBody>
+      </p:sp>
+    </p:spTree>
+    <p:extLst>
+      <p:ext uri="{BB962C8B-B14F-4D97-AF65-F5344CB8AC3E}">
+        <p14:creationId xmlns:p14="http://schemas.microsoft.com/office/powerpoint/2010/main" val="3072026231"/>
+      </p:ext>
+    </p:extLst>
+  </p:cSld>
+  <p:clrMapOvr>
+    <a:masterClrMapping/>
+  </p:clrMapOvr>
+</p:notes>
+</file>
+
+<file path=ppt/notesSlides/notesSlide4.xml><?xml version="1.0" encoding="utf-8"?>
+<p:notes xmlns:a="http://schemas.openxmlformats.org/drawingml/2006/main" xmlns:r="http://schemas.openxmlformats.org/officeDocument/2006/relationships" xmlns:p="http://schemas.openxmlformats.org/presentationml/2006/main">
+  <p:cSld>
+    <p:spTree>
+      <p:nvGrpSpPr>
+        <p:cNvPr id="1" name=""/>
+        <p:cNvGrpSpPr/>
+        <p:nvPr/>
+      </p:nvGrpSpPr>
+      <p:grpSpPr>
+        <a:xfrm>
+          <a:off x="0" y="0"/>
+          <a:ext cx="0" cy="0"/>
+          <a:chOff x="0" y="0"/>
+          <a:chExt cx="0" cy="0"/>
+        </a:xfrm>
+      </p:grpSpPr>
+      <p:sp>
+        <p:nvSpPr>
+          <p:cNvPr id="2" name="Segnaposto immagine diapositiva 1"/>
+          <p:cNvSpPr>
+            <a:spLocks noGrp="1" noRot="1" noChangeAspect="1"/>
+          </p:cNvSpPr>
+          <p:nvPr>
+            <p:ph type="sldImg"/>
+          </p:nvPr>
+        </p:nvSpPr>
+        <p:spPr/>
+      </p:sp>
+      <p:sp>
+        <p:nvSpPr>
+          <p:cNvPr id="3" name="Segnaposto note 2"/>
+          <p:cNvSpPr>
+            <a:spLocks noGrp="1"/>
+          </p:cNvSpPr>
+          <p:nvPr>
+            <p:ph type="body" idx="1"/>
+          </p:nvPr>
+        </p:nvSpPr>
+        <p:spPr/>
+        <p:txBody>
+          <a:bodyPr/>
+          <a:lstStyle/>
+          <a:p>
+            <a:endParaRPr lang="it-IT"/>
+          </a:p>
+        </p:txBody>
+      </p:sp>
+      <p:sp>
+        <p:nvSpPr>
+          <p:cNvPr id="4" name="Segnaposto numero diapositiva 3"/>
+          <p:cNvSpPr>
+            <a:spLocks noGrp="1"/>
+          </p:cNvSpPr>
+          <p:nvPr>
+            <p:ph type="sldNum" sz="quarter" idx="5"/>
+          </p:nvPr>
+        </p:nvSpPr>
+        <p:spPr/>
+        <p:txBody>
+          <a:bodyPr/>
+          <a:lstStyle/>
+          <a:p>
+            <a:fld id="{0BC78E95-8A02-4863-86BC-3BDFF2A12A63}" type="slidenum">
+              <a:rPr lang="it-IT" smtClean="0"/>
+              <a:t>6</a:t>
+            </a:fld>
+            <a:endParaRPr lang="it-IT"/>
+          </a:p>
+        </p:txBody>
+      </p:sp>
+    </p:spTree>
+    <p:extLst>
+      <p:ext uri="{BB962C8B-B14F-4D97-AF65-F5344CB8AC3E}">
+        <p14:creationId xmlns:p14="http://schemas.microsoft.com/office/powerpoint/2010/main" val="2403289088"/>
+      </p:ext>
+    </p:extLst>
+  </p:cSld>
+  <p:clrMapOvr>
+    <a:masterClrMapping/>
+  </p:clrMapOvr>
+</p:notes>
+</file>
+
+<file path=ppt/notesSlides/notesSlide5.xml><?xml version="1.0" encoding="utf-8"?>
+<p:notes xmlns:a="http://schemas.openxmlformats.org/drawingml/2006/main" xmlns:r="http://schemas.openxmlformats.org/officeDocument/2006/relationships" xmlns:p="http://schemas.openxmlformats.org/presentationml/2006/main">
+  <p:cSld>
+    <p:spTree>
+      <p:nvGrpSpPr>
+        <p:cNvPr id="1" name=""/>
+        <p:cNvGrpSpPr/>
+        <p:nvPr/>
+      </p:nvGrpSpPr>
+      <p:grpSpPr>
+        <a:xfrm>
+          <a:off x="0" y="0"/>
+          <a:ext cx="0" cy="0"/>
+          <a:chOff x="0" y="0"/>
+          <a:chExt cx="0" cy="0"/>
+        </a:xfrm>
+      </p:grpSpPr>
+      <p:sp>
+        <p:nvSpPr>
+          <p:cNvPr id="2" name="Segnaposto immagine diapositiva 1"/>
+          <p:cNvSpPr>
+            <a:spLocks noGrp="1" noRot="1" noChangeAspect="1"/>
+          </p:cNvSpPr>
+          <p:nvPr>
+            <p:ph type="sldImg"/>
+          </p:nvPr>
+        </p:nvSpPr>
+        <p:spPr/>
+      </p:sp>
+      <p:sp>
+        <p:nvSpPr>
+          <p:cNvPr id="3" name="Segnaposto note 2"/>
+          <p:cNvSpPr>
+            <a:spLocks noGrp="1"/>
+          </p:cNvSpPr>
+          <p:nvPr>
+            <p:ph type="body" idx="1"/>
+          </p:nvPr>
+        </p:nvSpPr>
+        <p:spPr/>
+        <p:txBody>
+          <a:bodyPr/>
+          <a:lstStyle/>
+          <a:p>
+            <a:endParaRPr lang="it-IT"/>
+          </a:p>
+        </p:txBody>
+      </p:sp>
+      <p:sp>
+        <p:nvSpPr>
+          <p:cNvPr id="4" name="Segnaposto numero diapositiva 3"/>
+          <p:cNvSpPr>
+            <a:spLocks noGrp="1"/>
+          </p:cNvSpPr>
+          <p:nvPr>
+            <p:ph type="sldNum" sz="quarter" idx="5"/>
+          </p:nvPr>
+        </p:nvSpPr>
+        <p:spPr/>
+        <p:txBody>
+          <a:bodyPr/>
+          <a:lstStyle/>
+          <a:p>
+            <a:fld id="{0BC78E95-8A02-4863-86BC-3BDFF2A12A63}" type="slidenum">
+              <a:rPr lang="it-IT" smtClean="0"/>
+              <a:t>7</a:t>
+            </a:fld>
+            <a:endParaRPr lang="it-IT"/>
+          </a:p>
+        </p:txBody>
+      </p:sp>
+    </p:spTree>
+    <p:extLst>
+      <p:ext uri="{BB962C8B-B14F-4D97-AF65-F5344CB8AC3E}">
+        <p14:creationId xmlns:p14="http://schemas.microsoft.com/office/powerpoint/2010/main" val="1039873415"/>
+      </p:ext>
+    </p:extLst>
+  </p:cSld>
+  <p:clrMapOvr>
+    <a:masterClrMapping/>
+  </p:clrMapOvr>
+</p:notes>
+</file>
+
+<file path=ppt/notesSlides/notesSlide6.xml><?xml version="1.0" encoding="utf-8"?>
+<p:notes xmlns:a="http://schemas.openxmlformats.org/drawingml/2006/main" xmlns:r="http://schemas.openxmlformats.org/officeDocument/2006/relationships" xmlns:p="http://schemas.openxmlformats.org/presentationml/2006/main">
+  <p:cSld>
+    <p:spTree>
+      <p:nvGrpSpPr>
+        <p:cNvPr id="1" name=""/>
+        <p:cNvGrpSpPr/>
+        <p:nvPr/>
+      </p:nvGrpSpPr>
+      <p:grpSpPr>
+        <a:xfrm>
+          <a:off x="0" y="0"/>
+          <a:ext cx="0" cy="0"/>
+          <a:chOff x="0" y="0"/>
+          <a:chExt cx="0" cy="0"/>
+        </a:xfrm>
+      </p:grpSpPr>
+      <p:sp>
+        <p:nvSpPr>
+          <p:cNvPr id="2" name="Segnaposto immagine diapositiva 1"/>
+          <p:cNvSpPr>
+            <a:spLocks noGrp="1" noRot="1" noChangeAspect="1"/>
+          </p:cNvSpPr>
+          <p:nvPr>
+            <p:ph type="sldImg"/>
+          </p:nvPr>
+        </p:nvSpPr>
+        <p:spPr/>
+      </p:sp>
+      <p:sp>
+        <p:nvSpPr>
+          <p:cNvPr id="3" name="Segnaposto note 2"/>
+          <p:cNvSpPr>
+            <a:spLocks noGrp="1"/>
+          </p:cNvSpPr>
+          <p:nvPr>
+            <p:ph type="body" idx="1"/>
+          </p:nvPr>
+        </p:nvSpPr>
+        <p:spPr/>
+        <p:txBody>
+          <a:bodyPr/>
+          <a:lstStyle/>
+          <a:p>
+            <a:endParaRPr lang="it-IT"/>
+          </a:p>
+        </p:txBody>
+      </p:sp>
+      <p:sp>
+        <p:nvSpPr>
+          <p:cNvPr id="4" name="Segnaposto numero diapositiva 3"/>
+          <p:cNvSpPr>
+            <a:spLocks noGrp="1"/>
+          </p:cNvSpPr>
+          <p:nvPr>
+            <p:ph type="sldNum" sz="quarter" idx="5"/>
+          </p:nvPr>
+        </p:nvSpPr>
+        <p:spPr/>
+        <p:txBody>
+          <a:bodyPr/>
+          <a:lstStyle/>
+          <a:p>
+            <a:fld id="{0BC78E95-8A02-4863-86BC-3BDFF2A12A63}" type="slidenum">
+              <a:rPr lang="it-IT" smtClean="0"/>
+              <a:t>8</a:t>
+            </a:fld>
+            <a:endParaRPr lang="it-IT"/>
+          </a:p>
+        </p:txBody>
+      </p:sp>
+    </p:spTree>
+    <p:extLst>
+      <p:ext uri="{BB962C8B-B14F-4D97-AF65-F5344CB8AC3E}">
+        <p14:creationId xmlns:p14="http://schemas.microsoft.com/office/powerpoint/2010/main" val="3489923339"/>
+      </p:ext>
+    </p:extLst>
+  </p:cSld>
+  <p:clrMapOvr>
+    <a:masterClrMapping/>
+  </p:clrMapOvr>
+</p:notes>
+</file>
+
+<file path=ppt/notesSlides/notesSlide7.xml><?xml version="1.0" encoding="utf-8"?>
+<p:notes xmlns:a="http://schemas.openxmlformats.org/drawingml/2006/main" xmlns:r="http://schemas.openxmlformats.org/officeDocument/2006/relationships" xmlns:p="http://schemas.openxmlformats.org/presentationml/2006/main">
+  <p:cSld>
+    <p:spTree>
+      <p:nvGrpSpPr>
+        <p:cNvPr id="1" name=""/>
+        <p:cNvGrpSpPr/>
+        <p:nvPr/>
+      </p:nvGrpSpPr>
+      <p:grpSpPr>
+        <a:xfrm>
+          <a:off x="0" y="0"/>
+          <a:ext cx="0" cy="0"/>
+          <a:chOff x="0" y="0"/>
+          <a:chExt cx="0" cy="0"/>
+        </a:xfrm>
+      </p:grpSpPr>
+      <p:sp>
+        <p:nvSpPr>
+          <p:cNvPr id="2" name="Segnaposto immagine diapositiva 1"/>
+          <p:cNvSpPr>
+            <a:spLocks noGrp="1" noRot="1" noChangeAspect="1"/>
+          </p:cNvSpPr>
+          <p:nvPr>
+            <p:ph type="sldImg"/>
+          </p:nvPr>
+        </p:nvSpPr>
+        <p:spPr/>
+      </p:sp>
+      <p:sp>
+        <p:nvSpPr>
+          <p:cNvPr id="3" name="Segnaposto note 2"/>
+          <p:cNvSpPr>
+            <a:spLocks noGrp="1"/>
+          </p:cNvSpPr>
+          <p:nvPr>
+            <p:ph type="body" idx="1"/>
+          </p:nvPr>
+        </p:nvSpPr>
+        <p:spPr/>
+        <p:txBody>
+          <a:bodyPr/>
+          <a:lstStyle/>
+          <a:p>
+            <a:endParaRPr lang="it-IT"/>
+          </a:p>
+        </p:txBody>
+      </p:sp>
+      <p:sp>
+        <p:nvSpPr>
+          <p:cNvPr id="4" name="Segnaposto numero diapositiva 3"/>
+          <p:cNvSpPr>
+            <a:spLocks noGrp="1"/>
+          </p:cNvSpPr>
+          <p:nvPr>
+            <p:ph type="sldNum" sz="quarter" idx="5"/>
+          </p:nvPr>
+        </p:nvSpPr>
+        <p:spPr/>
+        <p:txBody>
+          <a:bodyPr/>
+          <a:lstStyle/>
+          <a:p>
+            <a:fld id="{0BC78E95-8A02-4863-86BC-3BDFF2A12A63}" type="slidenum">
+              <a:rPr lang="it-IT" smtClean="0"/>
+              <a:t>9</a:t>
+            </a:fld>
+            <a:endParaRPr lang="it-IT"/>
+          </a:p>
+        </p:txBody>
+      </p:sp>
+    </p:spTree>
+    <p:extLst>
+      <p:ext uri="{BB962C8B-B14F-4D97-AF65-F5344CB8AC3E}">
+        <p14:creationId xmlns:p14="http://schemas.microsoft.com/office/powerpoint/2010/main" val="4189884078"/>
+      </p:ext>
+    </p:extLst>
+  </p:cSld>
+  <p:clrMapOvr>
+    <a:masterClrMapping/>
+  </p:clrMapOvr>
+</p:notes>
+</file>
+
+<file path=ppt/notesSlides/notesSlide8.xml><?xml version="1.0" encoding="utf-8"?>
+<p:notes xmlns:a="http://schemas.openxmlformats.org/drawingml/2006/main" xmlns:r="http://schemas.openxmlformats.org/officeDocument/2006/relationships" xmlns:p="http://schemas.openxmlformats.org/presentationml/2006/main">
+  <p:cSld>
+    <p:spTree>
+      <p:nvGrpSpPr>
+        <p:cNvPr id="1" name=""/>
+        <p:cNvGrpSpPr/>
+        <p:nvPr/>
+      </p:nvGrpSpPr>
+      <p:grpSpPr>
+        <a:xfrm>
+          <a:off x="0" y="0"/>
+          <a:ext cx="0" cy="0"/>
+          <a:chOff x="0" y="0"/>
+          <a:chExt cx="0" cy="0"/>
+        </a:xfrm>
+      </p:grpSpPr>
+      <p:sp>
+        <p:nvSpPr>
+          <p:cNvPr id="2" name="Segnaposto immagine diapositiva 1"/>
+          <p:cNvSpPr>
+            <a:spLocks noGrp="1" noRot="1" noChangeAspect="1"/>
+          </p:cNvSpPr>
+          <p:nvPr>
+            <p:ph type="sldImg"/>
+          </p:nvPr>
+        </p:nvSpPr>
+        <p:spPr/>
+      </p:sp>
+      <p:sp>
+        <p:nvSpPr>
+          <p:cNvPr id="3" name="Segnaposto note 2"/>
+          <p:cNvSpPr>
+            <a:spLocks noGrp="1"/>
+          </p:cNvSpPr>
+          <p:nvPr>
+            <p:ph type="body" idx="1"/>
+          </p:nvPr>
+        </p:nvSpPr>
+        <p:spPr/>
+        <p:txBody>
+          <a:bodyPr/>
+          <a:lstStyle/>
+          <a:p>
+            <a:endParaRPr lang="it-IT"/>
+          </a:p>
+        </p:txBody>
+      </p:sp>
+      <p:sp>
+        <p:nvSpPr>
+          <p:cNvPr id="4" name="Segnaposto numero diapositiva 3"/>
+          <p:cNvSpPr>
+            <a:spLocks noGrp="1"/>
+          </p:cNvSpPr>
+          <p:nvPr>
+            <p:ph type="sldNum" sz="quarter" idx="5"/>
+          </p:nvPr>
+        </p:nvSpPr>
+        <p:spPr/>
+        <p:txBody>
+          <a:bodyPr/>
+          <a:lstStyle/>
+          <a:p>
+            <a:fld id="{0BC78E95-8A02-4863-86BC-3BDFF2A12A63}" type="slidenum">
+              <a:rPr lang="it-IT" smtClean="0"/>
+              <a:t>10</a:t>
+            </a:fld>
+            <a:endParaRPr lang="it-IT"/>
+          </a:p>
+        </p:txBody>
+      </p:sp>
+    </p:spTree>
+    <p:extLst>
+      <p:ext uri="{BB962C8B-B14F-4D97-AF65-F5344CB8AC3E}">
+        <p14:creationId xmlns:p14="http://schemas.microsoft.com/office/powerpoint/2010/main" val="2373589265"/>
+      </p:ext>
+    </p:extLst>
+  </p:cSld>
+  <p:clrMapOvr>
+    <a:masterClrMapping/>
+  </p:clrMapOvr>
+</p:notes>
+</file>
+
+<file path=ppt/notesSlides/notesSlide9.xml><?xml version="1.0" encoding="utf-8"?>
+<p:notes xmlns:a="http://schemas.openxmlformats.org/drawingml/2006/main" xmlns:r="http://schemas.openxmlformats.org/officeDocument/2006/relationships" xmlns:p="http://schemas.openxmlformats.org/presentationml/2006/main">
+  <p:cSld>
+    <p:spTree>
+      <p:nvGrpSpPr>
+        <p:cNvPr id="1" name=""/>
+        <p:cNvGrpSpPr/>
+        <p:nvPr/>
+      </p:nvGrpSpPr>
+      <p:grpSpPr>
+        <a:xfrm>
+          <a:off x="0" y="0"/>
+          <a:ext cx="0" cy="0"/>
+          <a:chOff x="0" y="0"/>
+          <a:chExt cx="0" cy="0"/>
+        </a:xfrm>
+      </p:grpSpPr>
+      <p:sp>
+        <p:nvSpPr>
+          <p:cNvPr id="2" name="Segnaposto immagine diapositiva 1"/>
+          <p:cNvSpPr>
+            <a:spLocks noGrp="1" noRot="1" noChangeAspect="1"/>
+          </p:cNvSpPr>
+          <p:nvPr>
+            <p:ph type="sldImg"/>
+          </p:nvPr>
+        </p:nvSpPr>
+        <p:spPr/>
+      </p:sp>
+      <p:sp>
+        <p:nvSpPr>
+          <p:cNvPr id="3" name="Segnaposto note 2"/>
+          <p:cNvSpPr>
+            <a:spLocks noGrp="1"/>
+          </p:cNvSpPr>
+          <p:nvPr>
+            <p:ph type="body" idx="1"/>
+          </p:nvPr>
+        </p:nvSpPr>
+        <p:spPr/>
+        <p:txBody>
+          <a:bodyPr/>
+          <a:lstStyle/>
+          <a:p>
+            <a:endParaRPr lang="it-IT"/>
+          </a:p>
+        </p:txBody>
+      </p:sp>
+      <p:sp>
+        <p:nvSpPr>
+          <p:cNvPr id="4" name="Segnaposto numero diapositiva 3"/>
+          <p:cNvSpPr>
+            <a:spLocks noGrp="1"/>
+          </p:cNvSpPr>
+          <p:nvPr>
+            <p:ph type="sldNum" sz="quarter" idx="5"/>
+          </p:nvPr>
+        </p:nvSpPr>
+        <p:spPr/>
+        <p:txBody>
+          <a:bodyPr/>
+          <a:lstStyle/>
+          <a:p>
+            <a:fld id="{0BC78E95-8A02-4863-86BC-3BDFF2A12A63}" type="slidenum">
+              <a:rPr lang="it-IT" smtClean="0"/>
+              <a:t>11</a:t>
+            </a:fld>
+            <a:endParaRPr lang="it-IT"/>
+          </a:p>
+        </p:txBody>
+      </p:sp>
+    </p:spTree>
+    <p:extLst>
+      <p:ext uri="{BB962C8B-B14F-4D97-AF65-F5344CB8AC3E}">
+        <p14:creationId xmlns:p14="http://schemas.microsoft.com/office/powerpoint/2010/main" val="2219791075"/>
+      </p:ext>
+    </p:extLst>
+  </p:cSld>
+  <p:clrMapOvr>
+    <a:masterClrMapping/>
+  </p:clrMapOvr>
+</p:notes>
 </file>
 
 <file path=ppt/slideLayouts/slideLayout1.xml><?xml version="1.0" encoding="utf-8"?>
@@ -254,7 +1384,7 @@
           <a:p>
             <a:fld id="{F5AF2708-59DE-4D08-9295-20056C9D5A6B}" type="datetimeFigureOut">
               <a:rPr lang="it-IT" smtClean="0"/>
-              <a:t>01/06/2022</a:t>
+              <a:t>02/06/2022</a:t>
             </a:fld>
             <a:endParaRPr lang="it-IT"/>
           </a:p>
@@ -452,7 +1582,7 @@
           <a:p>
             <a:fld id="{F5AF2708-59DE-4D08-9295-20056C9D5A6B}" type="datetimeFigureOut">
               <a:rPr lang="it-IT" smtClean="0"/>
-              <a:t>01/06/2022</a:t>
+              <a:t>02/06/2022</a:t>
             </a:fld>
             <a:endParaRPr lang="it-IT"/>
           </a:p>
@@ -660,7 +1790,7 @@
           <a:p>
             <a:fld id="{F5AF2708-59DE-4D08-9295-20056C9D5A6B}" type="datetimeFigureOut">
               <a:rPr lang="it-IT" smtClean="0"/>
-              <a:t>01/06/2022</a:t>
+              <a:t>02/06/2022</a:t>
             </a:fld>
             <a:endParaRPr lang="it-IT"/>
           </a:p>
@@ -858,7 +1988,7 @@
           <a:p>
             <a:fld id="{F5AF2708-59DE-4D08-9295-20056C9D5A6B}" type="datetimeFigureOut">
               <a:rPr lang="it-IT" smtClean="0"/>
-              <a:t>01/06/2022</a:t>
+              <a:t>02/06/2022</a:t>
             </a:fld>
             <a:endParaRPr lang="it-IT"/>
           </a:p>
@@ -1133,7 +2263,7 @@
           <a:p>
             <a:fld id="{F5AF2708-59DE-4D08-9295-20056C9D5A6B}" type="datetimeFigureOut">
               <a:rPr lang="it-IT" smtClean="0"/>
-              <a:t>01/06/2022</a:t>
+              <a:t>02/06/2022</a:t>
             </a:fld>
             <a:endParaRPr lang="it-IT"/>
           </a:p>
@@ -1398,7 +2528,7 @@
           <a:p>
             <a:fld id="{F5AF2708-59DE-4D08-9295-20056C9D5A6B}" type="datetimeFigureOut">
               <a:rPr lang="it-IT" smtClean="0"/>
-              <a:t>01/06/2022</a:t>
+              <a:t>02/06/2022</a:t>
             </a:fld>
             <a:endParaRPr lang="it-IT"/>
           </a:p>
@@ -1810,7 +2940,7 @@
           <a:p>
             <a:fld id="{F5AF2708-59DE-4D08-9295-20056C9D5A6B}" type="datetimeFigureOut">
               <a:rPr lang="it-IT" smtClean="0"/>
-              <a:t>01/06/2022</a:t>
+              <a:t>02/06/2022</a:t>
             </a:fld>
             <a:endParaRPr lang="it-IT"/>
           </a:p>
@@ -1951,7 +3081,7 @@
           <a:p>
             <a:fld id="{F5AF2708-59DE-4D08-9295-20056C9D5A6B}" type="datetimeFigureOut">
               <a:rPr lang="it-IT" smtClean="0"/>
-              <a:t>01/06/2022</a:t>
+              <a:t>02/06/2022</a:t>
             </a:fld>
             <a:endParaRPr lang="it-IT"/>
           </a:p>
@@ -2064,7 +3194,7 @@
           <a:p>
             <a:fld id="{F5AF2708-59DE-4D08-9295-20056C9D5A6B}" type="datetimeFigureOut">
               <a:rPr lang="it-IT" smtClean="0"/>
-              <a:t>01/06/2022</a:t>
+              <a:t>02/06/2022</a:t>
             </a:fld>
             <a:endParaRPr lang="it-IT"/>
           </a:p>
@@ -2375,7 +3505,7 @@
           <a:p>
             <a:fld id="{F5AF2708-59DE-4D08-9295-20056C9D5A6B}" type="datetimeFigureOut">
               <a:rPr lang="it-IT" smtClean="0"/>
-              <a:t>01/06/2022</a:t>
+              <a:t>02/06/2022</a:t>
             </a:fld>
             <a:endParaRPr lang="it-IT"/>
           </a:p>
@@ -2663,7 +3793,7 @@
           <a:p>
             <a:fld id="{F5AF2708-59DE-4D08-9295-20056C9D5A6B}" type="datetimeFigureOut">
               <a:rPr lang="it-IT" smtClean="0"/>
-              <a:t>01/06/2022</a:t>
+              <a:t>02/06/2022</a:t>
             </a:fld>
             <a:endParaRPr lang="it-IT"/>
           </a:p>
@@ -2904,7 +4034,7 @@
           <a:p>
             <a:fld id="{F5AF2708-59DE-4D08-9295-20056C9D5A6B}" type="datetimeFigureOut">
               <a:rPr lang="it-IT" smtClean="0"/>
-              <a:t>01/06/2022</a:t>
+              <a:t>02/06/2022</a:t>
             </a:fld>
             <a:endParaRPr lang="it-IT"/>
           </a:p>
@@ -3323,18 +4453,204 @@
       </p:grpSpPr>
       <p:sp>
         <p:nvSpPr>
-          <p:cNvPr id="2" name="Titolo 1">
-            <a:extLst>
-              <a:ext uri="{FF2B5EF4-FFF2-40B4-BE49-F238E27FC236}">
-                <a16:creationId xmlns:a16="http://schemas.microsoft.com/office/drawing/2014/main" id="{8D6D100D-8368-66E5-F9A4-ACD3D42E2B5A}"/>
-              </a:ext>
-            </a:extLst>
-          </p:cNvPr>
-          <p:cNvSpPr>
-            <a:spLocks noGrp="1"/>
-          </p:cNvSpPr>
-          <p:nvPr>
-            <p:ph type="ctrTitle"/>
+          <p:cNvPr id="12" name="Rettangolo 11">
+            <a:extLst>
+              <a:ext uri="{FF2B5EF4-FFF2-40B4-BE49-F238E27FC236}">
+                <a16:creationId xmlns:a16="http://schemas.microsoft.com/office/drawing/2014/main" id="{26AF85FE-AABD-4811-A691-0F87FF26BCA2}"/>
+              </a:ext>
+            </a:extLst>
+          </p:cNvPr>
+          <p:cNvSpPr/>
+          <p:nvPr/>
+        </p:nvSpPr>
+        <p:spPr>
+          <a:xfrm>
+            <a:off x="8764622" y="0"/>
+            <a:ext cx="3427378" cy="6858000"/>
+          </a:xfrm>
+          <a:prstGeom prst="rect">
+            <a:avLst/>
+          </a:prstGeom>
+          <a:solidFill>
+            <a:srgbClr val="002060"/>
+          </a:solidFill>
+          <a:ln>
+            <a:noFill/>
+          </a:ln>
+        </p:spPr>
+        <p:style>
+          <a:lnRef idx="2">
+            <a:schemeClr val="accent3">
+              <a:shade val="50000"/>
+            </a:schemeClr>
+          </a:lnRef>
+          <a:fillRef idx="1">
+            <a:schemeClr val="accent3"/>
+          </a:fillRef>
+          <a:effectRef idx="0">
+            <a:schemeClr val="accent3"/>
+          </a:effectRef>
+          <a:fontRef idx="minor">
+            <a:schemeClr val="lt1"/>
+          </a:fontRef>
+        </p:style>
+        <p:txBody>
+          <a:bodyPr rtlCol="0" anchor="ctr"/>
+          <a:lstStyle/>
+          <a:p>
+            <a:pPr algn="ctr"/>
+            <a:endParaRPr lang="it-IT" dirty="0"/>
+          </a:p>
+        </p:txBody>
+      </p:sp>
+      <p:sp>
+        <p:nvSpPr>
+          <p:cNvPr id="3" name="Sottotitolo 2"/>
+          <p:cNvSpPr>
+            <a:spLocks noGrp="1"/>
+          </p:cNvSpPr>
+          <p:nvPr>
+            <p:ph type="subTitle" idx="1"/>
+          </p:nvPr>
+        </p:nvSpPr>
+        <p:spPr>
+          <a:xfrm>
+            <a:off x="9250830" y="3385180"/>
+            <a:ext cx="2743200" cy="3037742"/>
+          </a:xfrm>
+        </p:spPr>
+        <p:txBody>
+          <a:bodyPr vert="horz" lIns="91440" tIns="45720" rIns="91440" bIns="45720" numCol="1" rtlCol="0" anchor="t">
+            <a:normAutofit/>
+          </a:bodyPr>
+          <a:lstStyle/>
+          <a:p>
+            <a:pPr algn="l"/>
+            <a:r>
+              <a:rPr lang="de-DE" sz="2000" dirty="0">
+                <a:solidFill>
+                  <a:schemeClr val="bg1"/>
+                </a:solidFill>
+                <a:effectLst>
+                  <a:outerShdw blurRad="38100" dist="38100" dir="2700000" algn="tl">
+                    <a:srgbClr val="000000">
+                      <a:alpha val="43137"/>
+                    </a:srgbClr>
+                  </a:outerShdw>
+                </a:effectLst>
+                <a:latin typeface="Poppins Medium" panose="00000600000000000000" pitchFamily="2" charset="0"/>
+                <a:cs typeface="Poppins Medium" panose="00000600000000000000" pitchFamily="2" charset="0"/>
+              </a:rPr>
+              <a:t>Chen Xida</a:t>
+            </a:r>
+          </a:p>
+          <a:p>
+            <a:pPr algn="l"/>
+            <a:r>
+              <a:rPr lang="de-DE" sz="2000" dirty="0">
+                <a:solidFill>
+                  <a:schemeClr val="bg1"/>
+                </a:solidFill>
+                <a:effectLst>
+                  <a:outerShdw blurRad="38100" dist="38100" dir="2700000" algn="tl">
+                    <a:srgbClr val="000000">
+                      <a:alpha val="43137"/>
+                    </a:srgbClr>
+                  </a:outerShdw>
+                </a:effectLst>
+                <a:latin typeface="Poppins Medium" panose="00000600000000000000" pitchFamily="2" charset="0"/>
+                <a:cs typeface="Poppins Medium" panose="00000600000000000000" pitchFamily="2" charset="0"/>
+              </a:rPr>
+              <a:t>1217780</a:t>
+            </a:r>
+          </a:p>
+          <a:p>
+            <a:pPr algn="l"/>
+            <a:endParaRPr lang="de-DE" sz="2000" dirty="0">
+              <a:solidFill>
+                <a:schemeClr val="bg1"/>
+              </a:solidFill>
+              <a:effectLst>
+                <a:outerShdw blurRad="38100" dist="38100" dir="2700000" algn="tl">
+                  <a:srgbClr val="000000">
+                    <a:alpha val="43137"/>
+                  </a:srgbClr>
+                </a:outerShdw>
+              </a:effectLst>
+              <a:latin typeface="Poppins Medium" panose="00000600000000000000" pitchFamily="2" charset="0"/>
+              <a:cs typeface="Poppins Medium" panose="00000600000000000000" pitchFamily="2" charset="0"/>
+            </a:endParaRPr>
+          </a:p>
+          <a:p>
+            <a:pPr algn="l"/>
+            <a:r>
+              <a:rPr lang="de-DE" sz="2000" dirty="0">
+                <a:solidFill>
+                  <a:schemeClr val="bg1"/>
+                </a:solidFill>
+                <a:effectLst>
+                  <a:outerShdw blurRad="38100" dist="38100" dir="2700000" algn="tl">
+                    <a:srgbClr val="000000">
+                      <a:alpha val="43137"/>
+                    </a:srgbClr>
+                  </a:outerShdw>
+                </a:effectLst>
+                <a:latin typeface="Poppins Medium" panose="00000600000000000000" pitchFamily="2" charset="0"/>
+                <a:cs typeface="Poppins Medium" panose="00000600000000000000" pitchFamily="2" charset="0"/>
+              </a:rPr>
+              <a:t>Stojkovic Danilo</a:t>
+            </a:r>
+          </a:p>
+          <a:p>
+            <a:pPr algn="l"/>
+            <a:r>
+              <a:rPr lang="it-IT" sz="2000" dirty="0">
+                <a:solidFill>
+                  <a:schemeClr val="bg1"/>
+                </a:solidFill>
+                <a:effectLst>
+                  <a:outerShdw blurRad="38100" dist="38100" dir="2700000" algn="tl">
+                    <a:srgbClr val="000000">
+                      <a:alpha val="43137"/>
+                    </a:srgbClr>
+                  </a:outerShdw>
+                </a:effectLst>
+                <a:latin typeface="Poppins Medium" panose="00000600000000000000" pitchFamily="2" charset="0"/>
+                <a:cs typeface="Poppins Medium" panose="00000600000000000000" pitchFamily="2" charset="0"/>
+              </a:rPr>
+              <a:t>1222399 </a:t>
+            </a:r>
+            <a:endParaRPr lang="de-DE" sz="2000" dirty="0">
+              <a:solidFill>
+                <a:schemeClr val="bg1"/>
+              </a:solidFill>
+              <a:effectLst>
+                <a:outerShdw blurRad="38100" dist="38100" dir="2700000" algn="tl">
+                  <a:srgbClr val="000000">
+                    <a:alpha val="43137"/>
+                  </a:srgbClr>
+                </a:outerShdw>
+              </a:effectLst>
+              <a:latin typeface="Poppins Medium" panose="00000600000000000000" pitchFamily="2" charset="0"/>
+              <a:cs typeface="Poppins Medium" panose="00000600000000000000" pitchFamily="2" charset="0"/>
+            </a:endParaRPr>
+          </a:p>
+        </p:txBody>
+      </p:sp>
+      <p:sp>
+        <p:nvSpPr>
+          <p:cNvPr id="8" name="Segnaposto data 7">
+            <a:extLst>
+              <a:ext uri="{FF2B5EF4-FFF2-40B4-BE49-F238E27FC236}">
+                <a16:creationId xmlns:a16="http://schemas.microsoft.com/office/drawing/2014/main" id="{EC03F6E0-8BED-4913-8320-51F3B519E04F}"/>
+              </a:ext>
+            </a:extLst>
+          </p:cNvPr>
+          <p:cNvSpPr>
+            <a:spLocks noGrp="1"/>
+          </p:cNvSpPr>
+          <p:nvPr>
+            <p:ph type="dt" sz="half" idx="10"/>
           </p:nvPr>
         </p:nvSpPr>
         <p:spPr/>
@@ -3342,24 +4658,40 @@
           <a:bodyPr/>
           <a:lstStyle/>
           <a:p>
-            <a:endParaRPr lang="it-IT"/>
-          </a:p>
-        </p:txBody>
-      </p:sp>
-      <p:sp>
-        <p:nvSpPr>
-          <p:cNvPr id="3" name="Sottotitolo 2">
-            <a:extLst>
-              <a:ext uri="{FF2B5EF4-FFF2-40B4-BE49-F238E27FC236}">
-                <a16:creationId xmlns:a16="http://schemas.microsoft.com/office/drawing/2014/main" id="{EE9FAD76-ED23-097D-CF52-B7341647623B}"/>
-              </a:ext>
-            </a:extLst>
-          </p:cNvPr>
-          <p:cNvSpPr>
-            <a:spLocks noGrp="1"/>
-          </p:cNvSpPr>
-          <p:nvPr>
-            <p:ph type="subTitle" idx="1"/>
+            <a:r>
+              <a:rPr lang="it-IT" sz="1600">
+                <a:solidFill>
+                  <a:schemeClr val="tx1"/>
+                </a:solidFill>
+                <a:latin typeface="Poppins Medium" panose="00000600000000000000" pitchFamily="2" charset="0"/>
+                <a:cs typeface="Poppins Medium" panose="00000600000000000000" pitchFamily="2" charset="0"/>
+              </a:rPr>
+              <a:t>31 Maggio 2022</a:t>
+            </a:r>
+            <a:endParaRPr lang="de-DE" sz="1600">
+              <a:solidFill>
+                <a:schemeClr val="tx1"/>
+              </a:solidFill>
+              <a:latin typeface="Poppins Medium" panose="00000600000000000000" pitchFamily="2" charset="0"/>
+              <a:cs typeface="Poppins Medium" panose="00000600000000000000" pitchFamily="2" charset="0"/>
+            </a:endParaRPr>
+          </a:p>
+        </p:txBody>
+      </p:sp>
+      <p:sp>
+        <p:nvSpPr>
+          <p:cNvPr id="18" name="Segnaposto numero diapositiva 17">
+            <a:extLst>
+              <a:ext uri="{FF2B5EF4-FFF2-40B4-BE49-F238E27FC236}">
+                <a16:creationId xmlns:a16="http://schemas.microsoft.com/office/drawing/2014/main" id="{C6D24D8F-EDDE-41BC-BB9D-EC5010E69A15}"/>
+              </a:ext>
+            </a:extLst>
+          </p:cNvPr>
+          <p:cNvSpPr>
+            <a:spLocks noGrp="1"/>
+          </p:cNvSpPr>
+          <p:nvPr>
+            <p:ph type="sldNum" sz="quarter" idx="12"/>
           </p:nvPr>
         </p:nvSpPr>
         <p:spPr/>
@@ -3367,14 +4699,6314 @@
           <a:bodyPr/>
           <a:lstStyle/>
           <a:p>
-            <a:endParaRPr lang="it-IT"/>
-          </a:p>
-        </p:txBody>
-      </p:sp>
+            <a:fld id="{66CD45B7-DFE2-4393-8D37-380FC36BF3AA}" type="slidenum">
+              <a:rPr lang="de-DE" sz="1600" smtClean="0">
+                <a:solidFill>
+                  <a:schemeClr val="bg1"/>
+                </a:solidFill>
+                <a:effectLst>
+                  <a:outerShdw blurRad="38100" dist="38100" dir="2700000" algn="tl">
+                    <a:srgbClr val="000000">
+                      <a:alpha val="43137"/>
+                    </a:srgbClr>
+                  </a:outerShdw>
+                </a:effectLst>
+                <a:latin typeface="Poppins Medium" panose="00000600000000000000" pitchFamily="2" charset="0"/>
+                <a:cs typeface="Poppins Medium" panose="00000600000000000000" pitchFamily="2" charset="0"/>
+              </a:rPr>
+              <a:t>1</a:t>
+            </a:fld>
+            <a:r>
+              <a:rPr lang="de-DE" sz="1600">
+                <a:solidFill>
+                  <a:schemeClr val="bg1"/>
+                </a:solidFill>
+                <a:effectLst>
+                  <a:outerShdw blurRad="38100" dist="38100" dir="2700000" algn="tl">
+                    <a:srgbClr val="000000">
+                      <a:alpha val="43137"/>
+                    </a:srgbClr>
+                  </a:outerShdw>
+                </a:effectLst>
+                <a:latin typeface="Poppins Medium" panose="00000600000000000000" pitchFamily="2" charset="0"/>
+                <a:cs typeface="Poppins Medium" panose="00000600000000000000" pitchFamily="2" charset="0"/>
+              </a:rPr>
+              <a:t>/16</a:t>
+            </a:r>
+          </a:p>
+        </p:txBody>
+      </p:sp>
+      <p:pic>
+        <p:nvPicPr>
+          <p:cNvPr id="10" name="Immagine 9">
+            <a:extLst>
+              <a:ext uri="{FF2B5EF4-FFF2-40B4-BE49-F238E27FC236}">
+                <a16:creationId xmlns:a16="http://schemas.microsoft.com/office/drawing/2014/main" id="{B63970E9-178C-24AF-B2CC-2CFF97766558}"/>
+              </a:ext>
+            </a:extLst>
+          </p:cNvPr>
+          <p:cNvPicPr>
+            <a:picLocks noChangeAspect="1"/>
+          </p:cNvPicPr>
+          <p:nvPr/>
+        </p:nvPicPr>
+        <p:blipFill>
+          <a:blip r:embed="rId2">
+            <a:extLst>
+              <a:ext uri="{28A0092B-C50C-407E-A947-70E740481C1C}">
+                <a14:useLocalDpi xmlns:a14="http://schemas.microsoft.com/office/drawing/2010/main" val="0"/>
+              </a:ext>
+            </a:extLst>
+          </a:blip>
+          <a:stretch>
+            <a:fillRect/>
+          </a:stretch>
+        </p:blipFill>
+        <p:spPr>
+          <a:xfrm>
+            <a:off x="1555651" y="2021054"/>
+            <a:ext cx="5631782" cy="2815891"/>
+          </a:xfrm>
+          <a:prstGeom prst="rect">
+            <a:avLst/>
+          </a:prstGeom>
+        </p:spPr>
+      </p:pic>
+      <p:sp>
+        <p:nvSpPr>
+          <p:cNvPr id="20" name="CasellaDiTesto 19">
+            <a:extLst>
+              <a:ext uri="{FF2B5EF4-FFF2-40B4-BE49-F238E27FC236}">
+                <a16:creationId xmlns:a16="http://schemas.microsoft.com/office/drawing/2014/main" id="{2FEA37DB-AFAA-56F3-1682-C55B23892DC0}"/>
+              </a:ext>
+            </a:extLst>
+          </p:cNvPr>
+          <p:cNvSpPr txBox="1"/>
+          <p:nvPr/>
+        </p:nvSpPr>
+        <p:spPr>
+          <a:xfrm>
+            <a:off x="1429042" y="4904051"/>
+            <a:ext cx="6855821" cy="1200329"/>
+          </a:xfrm>
+          <a:prstGeom prst="rect">
+            <a:avLst/>
+          </a:prstGeom>
+          <a:noFill/>
+        </p:spPr>
+        <p:txBody>
+          <a:bodyPr wrap="square">
+            <a:spAutoFit/>
+          </a:bodyPr>
+          <a:lstStyle/>
+          <a:p>
+            <a:r>
+              <a:rPr lang="it-IT" sz="2400" dirty="0" err="1">
+                <a:latin typeface="Poppins Medium"/>
+                <a:cs typeface="Poppins Medium"/>
+              </a:rPr>
+              <a:t>Github</a:t>
+            </a:r>
+            <a:r>
+              <a:rPr lang="it-IT" sz="2400" dirty="0">
+                <a:latin typeface="Poppins Medium"/>
+                <a:cs typeface="Poppins Medium"/>
+              </a:rPr>
+              <a:t> repository: </a:t>
+            </a:r>
+            <a:r>
+              <a:rPr lang="en-US" sz="2400" dirty="0">
+                <a:solidFill>
+                  <a:schemeClr val="accent1">
+                    <a:lumMod val="75000"/>
+                  </a:schemeClr>
+                </a:solidFill>
+                <a:latin typeface="Consolas"/>
+                <a:cs typeface="Poppins Medium"/>
+              </a:rPr>
+              <a:t>https://github.com/vuejs/vue</a:t>
+            </a:r>
+            <a:br>
+              <a:rPr lang="en-US" sz="2400" i="1" dirty="0">
+                <a:latin typeface="Poppins Medium" panose="00000600000000000000" pitchFamily="2" charset="0"/>
+                <a:cs typeface="Poppins Medium" panose="00000600000000000000" pitchFamily="2" charset="0"/>
+              </a:rPr>
+            </a:br>
+            <a:endParaRPr lang="it-IT" sz="2400" dirty="0"/>
+          </a:p>
+        </p:txBody>
+      </p:sp>
+      <p:pic>
+        <p:nvPicPr>
+          <p:cNvPr id="24" name="Elemento grafico 23" descr="Sala riunioni con riempimento a tinta unita">
+            <a:extLst>
+              <a:ext uri="{FF2B5EF4-FFF2-40B4-BE49-F238E27FC236}">
+                <a16:creationId xmlns:a16="http://schemas.microsoft.com/office/drawing/2014/main" id="{D966EF36-9A06-E6B6-B3F0-A6BED6ED4724}"/>
+              </a:ext>
+            </a:extLst>
+          </p:cNvPr>
+          <p:cNvPicPr>
+            <a:picLocks noChangeAspect="1"/>
+          </p:cNvPicPr>
+          <p:nvPr/>
+        </p:nvPicPr>
+        <p:blipFill>
+          <a:blip r:embed="rId3">
+            <a:extLst>
+              <a:ext uri="{28A0092B-C50C-407E-A947-70E740481C1C}">
+                <a14:useLocalDpi xmlns:a14="http://schemas.microsoft.com/office/drawing/2010/main" val="0"/>
+              </a:ext>
+              <a:ext uri="{96DAC541-7B7A-43D3-8B79-37D633B846F1}">
+                <asvg:svgBlip xmlns:asvg="http://schemas.microsoft.com/office/drawing/2016/SVG/main" r:embed="rId4"/>
+              </a:ext>
+            </a:extLst>
+          </a:blip>
+          <a:stretch>
+            <a:fillRect/>
+          </a:stretch>
+        </p:blipFill>
+        <p:spPr>
+          <a:xfrm>
+            <a:off x="9470456" y="1017825"/>
+            <a:ext cx="2068801" cy="2068801"/>
+          </a:xfrm>
+          <a:prstGeom prst="rect">
+            <a:avLst/>
+          </a:prstGeom>
+        </p:spPr>
+      </p:pic>
     </p:spTree>
     <p:extLst>
       <p:ext uri="{BB962C8B-B14F-4D97-AF65-F5344CB8AC3E}">
-        <p14:creationId xmlns:p14="http://schemas.microsoft.com/office/powerpoint/2010/main" val="39913463"/>
+        <p14:creationId xmlns:p14="http://schemas.microsoft.com/office/powerpoint/2010/main" val="3962583941"/>
+      </p:ext>
+    </p:extLst>
+  </p:cSld>
+  <p:clrMapOvr>
+    <a:masterClrMapping/>
+  </p:clrMapOvr>
+</p:sld>
+</file>
+
+<file path=ppt/slides/slide10.xml><?xml version="1.0" encoding="utf-8"?>
+<p:sld xmlns:a="http://schemas.openxmlformats.org/drawingml/2006/main" xmlns:r="http://schemas.openxmlformats.org/officeDocument/2006/relationships" xmlns:p="http://schemas.openxmlformats.org/presentationml/2006/main">
+  <p:cSld>
+    <p:spTree>
+      <p:nvGrpSpPr>
+        <p:cNvPr id="1" name=""/>
+        <p:cNvGrpSpPr/>
+        <p:nvPr/>
+      </p:nvGrpSpPr>
+      <p:grpSpPr>
+        <a:xfrm>
+          <a:off x="0" y="0"/>
+          <a:ext cx="0" cy="0"/>
+          <a:chOff x="0" y="0"/>
+          <a:chExt cx="0" cy="0"/>
+        </a:xfrm>
+      </p:grpSpPr>
+      <p:sp>
+        <p:nvSpPr>
+          <p:cNvPr id="7" name="Segnaposto contenuto 6">
+            <a:extLst>
+              <a:ext uri="{FF2B5EF4-FFF2-40B4-BE49-F238E27FC236}">
+                <a16:creationId xmlns:a16="http://schemas.microsoft.com/office/drawing/2014/main" id="{02FC6CA0-25CF-64B7-760B-56A8388FA257}"/>
+              </a:ext>
+            </a:extLst>
+          </p:cNvPr>
+          <p:cNvSpPr>
+            <a:spLocks noGrp="1"/>
+          </p:cNvSpPr>
+          <p:nvPr>
+            <p:ph idx="1"/>
+          </p:nvPr>
+        </p:nvSpPr>
+        <p:spPr/>
+        <p:txBody>
+          <a:bodyPr/>
+          <a:lstStyle/>
+          <a:p>
+            <a:pPr marL="0" indent="0">
+              <a:buNone/>
+            </a:pPr>
+            <a:endParaRPr lang="it-IT" sz="2400" dirty="0">
+              <a:latin typeface="Poppins Medium" panose="00000600000000000000" pitchFamily="2" charset="0"/>
+              <a:cs typeface="Poppins Medium" panose="00000600000000000000" pitchFamily="2" charset="0"/>
+            </a:endParaRPr>
+          </a:p>
+          <a:p>
+            <a:pPr marL="0" indent="0">
+              <a:buNone/>
+            </a:pPr>
+            <a:endParaRPr lang="it-IT" sz="2400" dirty="0">
+              <a:latin typeface="Poppins Medium" panose="00000600000000000000" pitchFamily="2" charset="0"/>
+              <a:cs typeface="Poppins Medium" panose="00000600000000000000" pitchFamily="2" charset="0"/>
+            </a:endParaRPr>
+          </a:p>
+          <a:p>
+            <a:pPr marL="0" indent="0">
+              <a:buNone/>
+            </a:pPr>
+            <a:endParaRPr lang="it-IT" sz="2400" dirty="0">
+              <a:latin typeface="Poppins Medium" panose="00000600000000000000" pitchFamily="2" charset="0"/>
+              <a:cs typeface="Poppins Medium" panose="00000600000000000000" pitchFamily="2" charset="0"/>
+            </a:endParaRPr>
+          </a:p>
+          <a:p>
+            <a:pPr marL="0" indent="0">
+              <a:buNone/>
+            </a:pPr>
+            <a:endParaRPr lang="it-IT" sz="2400" dirty="0">
+              <a:latin typeface="Poppins Medium" panose="00000600000000000000" pitchFamily="2" charset="0"/>
+              <a:cs typeface="Poppins Medium" panose="00000600000000000000" pitchFamily="2" charset="0"/>
+            </a:endParaRPr>
+          </a:p>
+          <a:p>
+            <a:pPr marL="0" indent="0">
+              <a:buNone/>
+            </a:pPr>
+            <a:endParaRPr lang="it-IT" sz="2400" dirty="0">
+              <a:latin typeface="Poppins Medium" panose="00000600000000000000" pitchFamily="2" charset="0"/>
+              <a:cs typeface="Poppins Medium" panose="00000600000000000000" pitchFamily="2" charset="0"/>
+            </a:endParaRPr>
+          </a:p>
+          <a:p>
+            <a:pPr marL="0" indent="0">
+              <a:buNone/>
+            </a:pPr>
+            <a:endParaRPr lang="it-IT" sz="2400" dirty="0">
+              <a:latin typeface="Poppins Medium" panose="00000600000000000000" pitchFamily="2" charset="0"/>
+              <a:cs typeface="Poppins Medium" panose="00000600000000000000" pitchFamily="2" charset="0"/>
+            </a:endParaRPr>
+          </a:p>
+          <a:p>
+            <a:pPr marL="0" indent="0">
+              <a:buNone/>
+            </a:pPr>
+            <a:endParaRPr lang="it-IT" sz="2400" dirty="0">
+              <a:latin typeface="Poppins Medium" panose="00000600000000000000" pitchFamily="2" charset="0"/>
+              <a:cs typeface="Poppins Medium" panose="00000600000000000000" pitchFamily="2" charset="0"/>
+            </a:endParaRPr>
+          </a:p>
+          <a:p>
+            <a:pPr marL="0" indent="0">
+              <a:buNone/>
+            </a:pPr>
+            <a:endParaRPr lang="it-IT" sz="2400" dirty="0">
+              <a:latin typeface="Poppins Medium" panose="00000600000000000000" pitchFamily="2" charset="0"/>
+              <a:cs typeface="Poppins Medium" panose="00000600000000000000" pitchFamily="2" charset="0"/>
+            </a:endParaRPr>
+          </a:p>
+          <a:p>
+            <a:pPr marL="0" indent="0">
+              <a:buNone/>
+            </a:pPr>
+            <a:endParaRPr lang="it-IT" dirty="0">
+              <a:solidFill>
+                <a:schemeClr val="accent1">
+                  <a:lumMod val="75000"/>
+                </a:schemeClr>
+              </a:solidFill>
+            </a:endParaRPr>
+          </a:p>
+        </p:txBody>
+      </p:sp>
+      <p:sp>
+        <p:nvSpPr>
+          <p:cNvPr id="25" name="Segnaposto data 24">
+            <a:extLst>
+              <a:ext uri="{FF2B5EF4-FFF2-40B4-BE49-F238E27FC236}">
+                <a16:creationId xmlns:a16="http://schemas.microsoft.com/office/drawing/2014/main" id="{115DF917-AC48-486A-81F6-CF2DBBF5CD89}"/>
+              </a:ext>
+            </a:extLst>
+          </p:cNvPr>
+          <p:cNvSpPr>
+            <a:spLocks noGrp="1"/>
+          </p:cNvSpPr>
+          <p:nvPr>
+            <p:ph type="dt" sz="half" idx="10"/>
+          </p:nvPr>
+        </p:nvSpPr>
+        <p:spPr/>
+        <p:txBody>
+          <a:bodyPr/>
+          <a:lstStyle/>
+          <a:p>
+            <a:r>
+              <a:rPr lang="it-IT" sz="1600">
+                <a:solidFill>
+                  <a:schemeClr val="tx1"/>
+                </a:solidFill>
+                <a:latin typeface="Poppins Medium" panose="00000600000000000000" pitchFamily="2" charset="0"/>
+                <a:cs typeface="Poppins Medium" panose="00000600000000000000" pitchFamily="2" charset="0"/>
+              </a:rPr>
+              <a:t>31 Maggio 2022</a:t>
+            </a:r>
+            <a:endParaRPr lang="de-DE" sz="1600">
+              <a:solidFill>
+                <a:schemeClr val="tx1"/>
+              </a:solidFill>
+              <a:latin typeface="Poppins Medium" panose="00000600000000000000" pitchFamily="2" charset="0"/>
+              <a:cs typeface="Poppins Medium" panose="00000600000000000000" pitchFamily="2" charset="0"/>
+            </a:endParaRPr>
+          </a:p>
+        </p:txBody>
+      </p:sp>
+      <p:sp>
+        <p:nvSpPr>
+          <p:cNvPr id="27" name="Segnaposto numero diapositiva 26">
+            <a:extLst>
+              <a:ext uri="{FF2B5EF4-FFF2-40B4-BE49-F238E27FC236}">
+                <a16:creationId xmlns:a16="http://schemas.microsoft.com/office/drawing/2014/main" id="{F9C2EE25-215B-477C-AC6E-D2639B7A24B6}"/>
+              </a:ext>
+            </a:extLst>
+          </p:cNvPr>
+          <p:cNvSpPr>
+            <a:spLocks noGrp="1"/>
+          </p:cNvSpPr>
+          <p:nvPr>
+            <p:ph type="sldNum" sz="quarter" idx="12"/>
+          </p:nvPr>
+        </p:nvSpPr>
+        <p:spPr/>
+        <p:txBody>
+          <a:bodyPr/>
+          <a:lstStyle/>
+          <a:p>
+            <a:fld id="{66CD45B7-DFE2-4393-8D37-380FC36BF3AA}" type="slidenum">
+              <a:rPr lang="de-DE" sz="1600" smtClean="0">
+                <a:solidFill>
+                  <a:schemeClr val="tx1"/>
+                </a:solidFill>
+                <a:latin typeface="Poppins Medium" panose="00000600000000000000" pitchFamily="2" charset="0"/>
+                <a:cs typeface="Poppins Medium" panose="00000600000000000000" pitchFamily="2" charset="0"/>
+              </a:rPr>
+              <a:t>10</a:t>
+            </a:fld>
+            <a:r>
+              <a:rPr lang="de-DE" sz="1600">
+                <a:solidFill>
+                  <a:schemeClr val="tx1"/>
+                </a:solidFill>
+                <a:latin typeface="Poppins Medium" panose="00000600000000000000" pitchFamily="2" charset="0"/>
+                <a:cs typeface="Poppins Medium" panose="00000600000000000000" pitchFamily="2" charset="0"/>
+              </a:rPr>
+              <a:t>/16</a:t>
+            </a:r>
+          </a:p>
+        </p:txBody>
+      </p:sp>
+      <p:sp>
+        <p:nvSpPr>
+          <p:cNvPr id="12" name="Rettangolo 11">
+            <a:extLst>
+              <a:ext uri="{FF2B5EF4-FFF2-40B4-BE49-F238E27FC236}">
+                <a16:creationId xmlns:a16="http://schemas.microsoft.com/office/drawing/2014/main" id="{F0FAD030-2623-A89C-4FA1-55CE81C0AE08}"/>
+              </a:ext>
+            </a:extLst>
+          </p:cNvPr>
+          <p:cNvSpPr/>
+          <p:nvPr/>
+        </p:nvSpPr>
+        <p:spPr>
+          <a:xfrm>
+            <a:off x="0" y="0"/>
+            <a:ext cx="12184913" cy="1034891"/>
+          </a:xfrm>
+          <a:prstGeom prst="rect">
+            <a:avLst/>
+          </a:prstGeom>
+          <a:solidFill>
+            <a:srgbClr val="002060"/>
+          </a:solidFill>
+          <a:ln>
+            <a:noFill/>
+          </a:ln>
+        </p:spPr>
+        <p:style>
+          <a:lnRef idx="2">
+            <a:schemeClr val="accent3">
+              <a:shade val="50000"/>
+            </a:schemeClr>
+          </a:lnRef>
+          <a:fillRef idx="1">
+            <a:schemeClr val="accent3"/>
+          </a:fillRef>
+          <a:effectRef idx="0">
+            <a:schemeClr val="accent3"/>
+          </a:effectRef>
+          <a:fontRef idx="minor">
+            <a:schemeClr val="lt1"/>
+          </a:fontRef>
+        </p:style>
+        <p:txBody>
+          <a:bodyPr rtlCol="0" anchor="ctr"/>
+          <a:lstStyle/>
+          <a:p>
+            <a:pPr algn="ctr"/>
+            <a:endParaRPr lang="it-IT"/>
+          </a:p>
+        </p:txBody>
+      </p:sp>
+      <p:sp>
+        <p:nvSpPr>
+          <p:cNvPr id="13" name="Titolo 1">
+            <a:extLst>
+              <a:ext uri="{FF2B5EF4-FFF2-40B4-BE49-F238E27FC236}">
+                <a16:creationId xmlns:a16="http://schemas.microsoft.com/office/drawing/2014/main" id="{A0F14F07-00BE-A130-44A5-463A5F98673C}"/>
+              </a:ext>
+            </a:extLst>
+          </p:cNvPr>
+          <p:cNvSpPr>
+            <a:spLocks noGrp="1"/>
+          </p:cNvSpPr>
+          <p:nvPr>
+            <p:ph type="title"/>
+          </p:nvPr>
+        </p:nvSpPr>
+        <p:spPr>
+          <a:xfrm>
+            <a:off x="272535" y="163591"/>
+            <a:ext cx="10176803" cy="707708"/>
+          </a:xfrm>
+        </p:spPr>
+        <p:txBody>
+          <a:bodyPr anchor="b">
+            <a:normAutofit/>
+          </a:bodyPr>
+          <a:lstStyle/>
+          <a:p>
+            <a:r>
+              <a:rPr lang="it-IT" sz="4000" b="1" dirty="0">
+                <a:solidFill>
+                  <a:schemeClr val="bg1"/>
+                </a:solidFill>
+                <a:effectLst>
+                  <a:outerShdw blurRad="38100" dist="38100" dir="2700000" algn="tl">
+                    <a:srgbClr val="000000">
+                      <a:alpha val="43137"/>
+                    </a:srgbClr>
+                  </a:outerShdw>
+                </a:effectLst>
+                <a:latin typeface="Poppins"/>
+                <a:cs typeface="Poppins"/>
+              </a:rPr>
+              <a:t>Gestione contribuzioni</a:t>
+            </a:r>
+          </a:p>
+        </p:txBody>
+      </p:sp>
+      <p:sp>
+        <p:nvSpPr>
+          <p:cNvPr id="8" name="Segnaposto contenuto 6">
+            <a:extLst>
+              <a:ext uri="{FF2B5EF4-FFF2-40B4-BE49-F238E27FC236}">
+                <a16:creationId xmlns:a16="http://schemas.microsoft.com/office/drawing/2014/main" id="{FF6A0BBA-B7D9-2B93-B9BF-9BE1A3E1A856}"/>
+              </a:ext>
+            </a:extLst>
+          </p:cNvPr>
+          <p:cNvSpPr txBox="1">
+            <a:spLocks/>
+          </p:cNvSpPr>
+          <p:nvPr/>
+        </p:nvSpPr>
+        <p:spPr>
+          <a:xfrm>
+            <a:off x="570914" y="1519951"/>
+            <a:ext cx="10515600" cy="4351338"/>
+          </a:xfrm>
+          <a:prstGeom prst="rect">
+            <a:avLst/>
+          </a:prstGeom>
+        </p:spPr>
+        <p:txBody>
+          <a:bodyPr vert="horz" lIns="91440" tIns="45720" rIns="91440" bIns="45720" rtlCol="0">
+            <a:normAutofit/>
+          </a:bodyPr>
+          <a:lstStyle>
+            <a:lvl1pPr marL="228600" indent="-228600" algn="l" defTabSz="914400" rtl="0" eaLnBrk="1" latinLnBrk="0" hangingPunct="1">
+              <a:lnSpc>
+                <a:spcPct val="90000"/>
+              </a:lnSpc>
+              <a:spcBef>
+                <a:spcPts val="1000"/>
+              </a:spcBef>
+              <a:buFont typeface="Arial" panose="020B0604020202020204" pitchFamily="34" charset="0"/>
+              <a:buChar char="•"/>
+              <a:defRPr sz="2800" kern="1200">
+                <a:solidFill>
+                  <a:schemeClr val="tx1"/>
+                </a:solidFill>
+                <a:latin typeface="+mn-lt"/>
+                <a:ea typeface="+mn-ea"/>
+                <a:cs typeface="+mn-cs"/>
+              </a:defRPr>
+            </a:lvl1pPr>
+            <a:lvl2pPr marL="685800" indent="-228600" algn="l" defTabSz="914400" rtl="0" eaLnBrk="1" latinLnBrk="0" hangingPunct="1">
+              <a:lnSpc>
+                <a:spcPct val="90000"/>
+              </a:lnSpc>
+              <a:spcBef>
+                <a:spcPts val="500"/>
+              </a:spcBef>
+              <a:buFont typeface="Arial" panose="020B0604020202020204" pitchFamily="34" charset="0"/>
+              <a:buChar char="•"/>
+              <a:defRPr sz="2400" kern="1200">
+                <a:solidFill>
+                  <a:schemeClr val="tx1"/>
+                </a:solidFill>
+                <a:latin typeface="+mn-lt"/>
+                <a:ea typeface="+mn-ea"/>
+                <a:cs typeface="+mn-cs"/>
+              </a:defRPr>
+            </a:lvl2pPr>
+            <a:lvl3pPr marL="1143000" indent="-228600" algn="l" defTabSz="914400" rtl="0" eaLnBrk="1" latinLnBrk="0" hangingPunct="1">
+              <a:lnSpc>
+                <a:spcPct val="90000"/>
+              </a:lnSpc>
+              <a:spcBef>
+                <a:spcPts val="500"/>
+              </a:spcBef>
+              <a:buFont typeface="Arial" panose="020B0604020202020204" pitchFamily="34" charset="0"/>
+              <a:buChar char="•"/>
+              <a:defRPr sz="2000" kern="1200">
+                <a:solidFill>
+                  <a:schemeClr val="tx1"/>
+                </a:solidFill>
+                <a:latin typeface="+mn-lt"/>
+                <a:ea typeface="+mn-ea"/>
+                <a:cs typeface="+mn-cs"/>
+              </a:defRPr>
+            </a:lvl3pPr>
+            <a:lvl4pPr marL="1600200" indent="-228600" algn="l" defTabSz="914400" rtl="0" eaLnBrk="1" latinLnBrk="0" hangingPunct="1">
+              <a:lnSpc>
+                <a:spcPct val="90000"/>
+              </a:lnSpc>
+              <a:spcBef>
+                <a:spcPts val="500"/>
+              </a:spcBef>
+              <a:buFont typeface="Arial" panose="020B0604020202020204" pitchFamily="34" charset="0"/>
+              <a:buChar char="•"/>
+              <a:defRPr sz="1800" kern="1200">
+                <a:solidFill>
+                  <a:schemeClr val="tx1"/>
+                </a:solidFill>
+                <a:latin typeface="+mn-lt"/>
+                <a:ea typeface="+mn-ea"/>
+                <a:cs typeface="+mn-cs"/>
+              </a:defRPr>
+            </a:lvl4pPr>
+            <a:lvl5pPr marL="2057400" indent="-228600" algn="l" defTabSz="914400" rtl="0" eaLnBrk="1" latinLnBrk="0" hangingPunct="1">
+              <a:lnSpc>
+                <a:spcPct val="90000"/>
+              </a:lnSpc>
+              <a:spcBef>
+                <a:spcPts val="500"/>
+              </a:spcBef>
+              <a:buFont typeface="Arial" panose="020B0604020202020204" pitchFamily="34" charset="0"/>
+              <a:buChar char="•"/>
+              <a:defRPr sz="1800" kern="1200">
+                <a:solidFill>
+                  <a:schemeClr val="tx1"/>
+                </a:solidFill>
+                <a:latin typeface="+mn-lt"/>
+                <a:ea typeface="+mn-ea"/>
+                <a:cs typeface="+mn-cs"/>
+              </a:defRPr>
+            </a:lvl5pPr>
+            <a:lvl6pPr marL="2514600" indent="-228600" algn="l" defTabSz="914400" rtl="0" eaLnBrk="1" latinLnBrk="0" hangingPunct="1">
+              <a:lnSpc>
+                <a:spcPct val="90000"/>
+              </a:lnSpc>
+              <a:spcBef>
+                <a:spcPts val="500"/>
+              </a:spcBef>
+              <a:buFont typeface="Arial" panose="020B0604020202020204" pitchFamily="34" charset="0"/>
+              <a:buChar char="•"/>
+              <a:defRPr sz="1800" kern="1200">
+                <a:solidFill>
+                  <a:schemeClr val="tx1"/>
+                </a:solidFill>
+                <a:latin typeface="+mn-lt"/>
+                <a:ea typeface="+mn-ea"/>
+                <a:cs typeface="+mn-cs"/>
+              </a:defRPr>
+            </a:lvl6pPr>
+            <a:lvl7pPr marL="2971800" indent="-228600" algn="l" defTabSz="914400" rtl="0" eaLnBrk="1" latinLnBrk="0" hangingPunct="1">
+              <a:lnSpc>
+                <a:spcPct val="90000"/>
+              </a:lnSpc>
+              <a:spcBef>
+                <a:spcPts val="500"/>
+              </a:spcBef>
+              <a:buFont typeface="Arial" panose="020B0604020202020204" pitchFamily="34" charset="0"/>
+              <a:buChar char="•"/>
+              <a:defRPr sz="1800" kern="1200">
+                <a:solidFill>
+                  <a:schemeClr val="tx1"/>
+                </a:solidFill>
+                <a:latin typeface="+mn-lt"/>
+                <a:ea typeface="+mn-ea"/>
+                <a:cs typeface="+mn-cs"/>
+              </a:defRPr>
+            </a:lvl7pPr>
+            <a:lvl8pPr marL="3429000" indent="-228600" algn="l" defTabSz="914400" rtl="0" eaLnBrk="1" latinLnBrk="0" hangingPunct="1">
+              <a:lnSpc>
+                <a:spcPct val="90000"/>
+              </a:lnSpc>
+              <a:spcBef>
+                <a:spcPts val="500"/>
+              </a:spcBef>
+              <a:buFont typeface="Arial" panose="020B0604020202020204" pitchFamily="34" charset="0"/>
+              <a:buChar char="•"/>
+              <a:defRPr sz="1800" kern="1200">
+                <a:solidFill>
+                  <a:schemeClr val="tx1"/>
+                </a:solidFill>
+                <a:latin typeface="+mn-lt"/>
+                <a:ea typeface="+mn-ea"/>
+                <a:cs typeface="+mn-cs"/>
+              </a:defRPr>
+            </a:lvl8pPr>
+            <a:lvl9pPr marL="3886200" indent="-228600" algn="l" defTabSz="914400" rtl="0" eaLnBrk="1" latinLnBrk="0" hangingPunct="1">
+              <a:lnSpc>
+                <a:spcPct val="90000"/>
+              </a:lnSpc>
+              <a:spcBef>
+                <a:spcPts val="500"/>
+              </a:spcBef>
+              <a:buFont typeface="Arial" panose="020B0604020202020204" pitchFamily="34" charset="0"/>
+              <a:buChar char="•"/>
+              <a:defRPr sz="1800" kern="1200">
+                <a:solidFill>
+                  <a:schemeClr val="tx1"/>
+                </a:solidFill>
+                <a:latin typeface="+mn-lt"/>
+                <a:ea typeface="+mn-ea"/>
+                <a:cs typeface="+mn-cs"/>
+              </a:defRPr>
+            </a:lvl9pPr>
+          </a:lstStyle>
+          <a:p>
+            <a:pPr marL="0" indent="0">
+              <a:buNone/>
+            </a:pPr>
+            <a:r>
+              <a:rPr lang="it-IT" sz="2400" dirty="0">
+                <a:latin typeface="Poppins Medium" panose="00000600000000000000" pitchFamily="2" charset="0"/>
+                <a:cs typeface="Poppins Medium" panose="00000600000000000000" pitchFamily="2" charset="0"/>
+              </a:rPr>
+              <a:t>Per contribuire al progetto è sufficiente seguire la guida descritta nel file vue/.github/CONTRIBUITING.md ed è suddiviso in:</a:t>
+            </a:r>
+          </a:p>
+          <a:p>
+            <a:pPr marL="0" indent="0">
+              <a:buNone/>
+            </a:pPr>
+            <a:endParaRPr lang="it-IT" sz="2400" dirty="0">
+              <a:latin typeface="Poppins Medium" panose="00000600000000000000" pitchFamily="2" charset="0"/>
+              <a:cs typeface="Poppins Medium" panose="00000600000000000000" pitchFamily="2" charset="0"/>
+            </a:endParaRPr>
+          </a:p>
+          <a:p>
+            <a:r>
+              <a:rPr lang="it-IT" sz="2400" dirty="0" err="1">
+                <a:latin typeface="Poppins Medium" panose="00000600000000000000" pitchFamily="2" charset="0"/>
+                <a:cs typeface="Poppins Medium" panose="00000600000000000000" pitchFamily="2" charset="0"/>
+              </a:rPr>
+              <a:t>Issue</a:t>
+            </a:r>
+            <a:r>
+              <a:rPr lang="it-IT" sz="2400" dirty="0">
+                <a:latin typeface="Poppins Medium" panose="00000600000000000000" pitchFamily="2" charset="0"/>
+                <a:cs typeface="Poppins Medium" panose="00000600000000000000" pitchFamily="2" charset="0"/>
+              </a:rPr>
+              <a:t> Reporting Guidelines</a:t>
+            </a:r>
+          </a:p>
+          <a:p>
+            <a:pPr marL="0" indent="0">
+              <a:buNone/>
+            </a:pPr>
+            <a:r>
+              <a:rPr lang="it-IT" sz="2400" dirty="0">
+                <a:solidFill>
+                  <a:schemeClr val="accent1">
+                    <a:lumMod val="75000"/>
+                  </a:schemeClr>
+                </a:solidFill>
+                <a:latin typeface="Poppins" panose="00000500000000000000" pitchFamily="2" charset="0"/>
+                <a:cs typeface="Poppins" panose="00000500000000000000" pitchFamily="2" charset="0"/>
+                <a:hlinkClick r:id="rId3"/>
+              </a:rPr>
+              <a:t> https://new-issue.vuejs.org/?repo=vuejs/core#</a:t>
+            </a:r>
+            <a:endParaRPr lang="it-IT" sz="2400" dirty="0">
+              <a:solidFill>
+                <a:schemeClr val="accent1">
+                  <a:lumMod val="75000"/>
+                </a:schemeClr>
+              </a:solidFill>
+              <a:latin typeface="Poppins" panose="00000500000000000000" pitchFamily="2" charset="0"/>
+              <a:cs typeface="Poppins" panose="00000500000000000000" pitchFamily="2" charset="0"/>
+            </a:endParaRPr>
+          </a:p>
+          <a:p>
+            <a:endParaRPr lang="it-IT" sz="2400" dirty="0">
+              <a:latin typeface="Poppins Medium" panose="00000600000000000000" pitchFamily="2" charset="0"/>
+              <a:cs typeface="Poppins Medium" panose="00000600000000000000" pitchFamily="2" charset="0"/>
+            </a:endParaRPr>
+          </a:p>
+          <a:p>
+            <a:r>
+              <a:rPr lang="it-IT" sz="2400" dirty="0">
+                <a:latin typeface="Poppins Medium" panose="00000600000000000000" pitchFamily="2" charset="0"/>
+                <a:cs typeface="Poppins Medium" panose="00000600000000000000" pitchFamily="2" charset="0"/>
+              </a:rPr>
+              <a:t>Pull </a:t>
+            </a:r>
+            <a:r>
+              <a:rPr lang="it-IT" sz="2400" dirty="0" err="1">
+                <a:latin typeface="Poppins Medium" panose="00000600000000000000" pitchFamily="2" charset="0"/>
+                <a:cs typeface="Poppins Medium" panose="00000600000000000000" pitchFamily="2" charset="0"/>
+              </a:rPr>
+              <a:t>Request</a:t>
+            </a:r>
+            <a:r>
+              <a:rPr lang="it-IT" sz="2400" dirty="0">
+                <a:latin typeface="Poppins Medium" panose="00000600000000000000" pitchFamily="2" charset="0"/>
+                <a:cs typeface="Poppins Medium" panose="00000600000000000000" pitchFamily="2" charset="0"/>
+              </a:rPr>
+              <a:t> Guidelines (regole da seguire, ad es: fornire test case se si aggiungono feature)</a:t>
+            </a:r>
+          </a:p>
+          <a:p>
+            <a:r>
+              <a:rPr lang="it-IT" sz="2400" dirty="0">
+                <a:latin typeface="Poppins Medium" panose="00000600000000000000" pitchFamily="2" charset="0"/>
+                <a:cs typeface="Poppins Medium" panose="00000600000000000000" pitchFamily="2" charset="0"/>
+              </a:rPr>
+              <a:t>Development Setup (uso del prodotto)</a:t>
+            </a:r>
+          </a:p>
+          <a:p>
+            <a:r>
+              <a:rPr lang="it-IT" sz="2400" dirty="0">
+                <a:latin typeface="Poppins Medium" panose="00000600000000000000" pitchFamily="2" charset="0"/>
+                <a:cs typeface="Poppins Medium" panose="00000600000000000000" pitchFamily="2" charset="0"/>
+              </a:rPr>
+              <a:t>Project </a:t>
+            </a:r>
+            <a:r>
+              <a:rPr lang="it-IT" sz="2400" dirty="0" err="1">
+                <a:latin typeface="Poppins Medium" panose="00000600000000000000" pitchFamily="2" charset="0"/>
+                <a:cs typeface="Poppins Medium" panose="00000600000000000000" pitchFamily="2" charset="0"/>
+              </a:rPr>
+              <a:t>Structure</a:t>
+            </a:r>
+            <a:r>
+              <a:rPr lang="it-IT" sz="2400" dirty="0">
+                <a:latin typeface="Poppins Medium" panose="00000600000000000000" pitchFamily="2" charset="0"/>
+                <a:cs typeface="Poppins Medium" panose="00000600000000000000" pitchFamily="2" charset="0"/>
+              </a:rPr>
+              <a:t> (suddivisione file in un progetto </a:t>
+            </a:r>
+            <a:r>
+              <a:rPr lang="it-IT" sz="2400" dirty="0" err="1">
+                <a:latin typeface="Poppins Medium" panose="00000600000000000000" pitchFamily="2" charset="0"/>
+                <a:cs typeface="Poppins Medium" panose="00000600000000000000" pitchFamily="2" charset="0"/>
+              </a:rPr>
+              <a:t>Vue</a:t>
+            </a:r>
+            <a:r>
+              <a:rPr lang="it-IT" sz="2400" dirty="0">
+                <a:latin typeface="Poppins Medium" panose="00000600000000000000" pitchFamily="2" charset="0"/>
+                <a:cs typeface="Poppins Medium" panose="00000600000000000000" pitchFamily="2" charset="0"/>
+              </a:rPr>
+              <a:t>)</a:t>
+            </a:r>
+          </a:p>
+          <a:p>
+            <a:pPr marL="0" indent="0">
+              <a:buFont typeface="Arial" panose="020B0604020202020204" pitchFamily="34" charset="0"/>
+              <a:buNone/>
+            </a:pPr>
+            <a:endParaRPr lang="it-IT" sz="2400" dirty="0">
+              <a:latin typeface="Poppins Medium" panose="00000600000000000000" pitchFamily="2" charset="0"/>
+              <a:cs typeface="Poppins Medium" panose="00000600000000000000" pitchFamily="2" charset="0"/>
+            </a:endParaRPr>
+          </a:p>
+          <a:p>
+            <a:pPr marL="0" indent="0">
+              <a:buFont typeface="Arial" panose="020B0604020202020204" pitchFamily="34" charset="0"/>
+              <a:buNone/>
+            </a:pPr>
+            <a:endParaRPr lang="it-IT" sz="2400" dirty="0">
+              <a:latin typeface="Poppins Medium" panose="00000600000000000000" pitchFamily="2" charset="0"/>
+              <a:cs typeface="Poppins Medium" panose="00000600000000000000" pitchFamily="2" charset="0"/>
+            </a:endParaRPr>
+          </a:p>
+          <a:p>
+            <a:pPr marL="0" indent="0">
+              <a:buFont typeface="Arial" panose="020B0604020202020204" pitchFamily="34" charset="0"/>
+              <a:buNone/>
+            </a:pPr>
+            <a:endParaRPr lang="it-IT" sz="2400" dirty="0">
+              <a:latin typeface="Poppins Medium" panose="00000600000000000000" pitchFamily="2" charset="0"/>
+              <a:cs typeface="Poppins Medium" panose="00000600000000000000" pitchFamily="2" charset="0"/>
+            </a:endParaRPr>
+          </a:p>
+          <a:p>
+            <a:pPr marL="0" indent="0">
+              <a:buFont typeface="Arial" panose="020B0604020202020204" pitchFamily="34" charset="0"/>
+              <a:buNone/>
+            </a:pPr>
+            <a:endParaRPr lang="it-IT" sz="2400" dirty="0">
+              <a:latin typeface="Poppins Medium" panose="00000600000000000000" pitchFamily="2" charset="0"/>
+              <a:cs typeface="Poppins Medium" panose="00000600000000000000" pitchFamily="2" charset="0"/>
+            </a:endParaRPr>
+          </a:p>
+          <a:p>
+            <a:pPr marL="0" indent="0">
+              <a:buFont typeface="Arial" panose="020B0604020202020204" pitchFamily="34" charset="0"/>
+              <a:buNone/>
+            </a:pPr>
+            <a:endParaRPr lang="it-IT" sz="2400" dirty="0">
+              <a:latin typeface="Poppins Medium" panose="00000600000000000000" pitchFamily="2" charset="0"/>
+              <a:cs typeface="Poppins Medium" panose="00000600000000000000" pitchFamily="2" charset="0"/>
+            </a:endParaRPr>
+          </a:p>
+          <a:p>
+            <a:pPr marL="0" indent="0">
+              <a:buFont typeface="Arial" panose="020B0604020202020204" pitchFamily="34" charset="0"/>
+              <a:buNone/>
+            </a:pPr>
+            <a:endParaRPr lang="it-IT" sz="2400" dirty="0">
+              <a:latin typeface="Poppins Medium" panose="00000600000000000000" pitchFamily="2" charset="0"/>
+              <a:cs typeface="Poppins Medium" panose="00000600000000000000" pitchFamily="2" charset="0"/>
+            </a:endParaRPr>
+          </a:p>
+          <a:p>
+            <a:pPr marL="0" indent="0">
+              <a:buFont typeface="Arial" panose="020B0604020202020204" pitchFamily="34" charset="0"/>
+              <a:buNone/>
+            </a:pPr>
+            <a:endParaRPr lang="it-IT" dirty="0">
+              <a:solidFill>
+                <a:schemeClr val="accent1">
+                  <a:lumMod val="75000"/>
+                </a:schemeClr>
+              </a:solidFill>
+            </a:endParaRPr>
+          </a:p>
+        </p:txBody>
+      </p:sp>
+    </p:spTree>
+    <p:extLst>
+      <p:ext uri="{BB962C8B-B14F-4D97-AF65-F5344CB8AC3E}">
+        <p14:creationId xmlns:p14="http://schemas.microsoft.com/office/powerpoint/2010/main" val="2855183326"/>
+      </p:ext>
+    </p:extLst>
+  </p:cSld>
+  <p:clrMapOvr>
+    <a:masterClrMapping/>
+  </p:clrMapOvr>
+</p:sld>
+</file>
+
+<file path=ppt/slides/slide11.xml><?xml version="1.0" encoding="utf-8"?>
+<p:sld xmlns:a="http://schemas.openxmlformats.org/drawingml/2006/main" xmlns:r="http://schemas.openxmlformats.org/officeDocument/2006/relationships" xmlns:p="http://schemas.openxmlformats.org/presentationml/2006/main">
+  <p:cSld>
+    <p:spTree>
+      <p:nvGrpSpPr>
+        <p:cNvPr id="1" name=""/>
+        <p:cNvGrpSpPr/>
+        <p:nvPr/>
+      </p:nvGrpSpPr>
+      <p:grpSpPr>
+        <a:xfrm>
+          <a:off x="0" y="0"/>
+          <a:ext cx="0" cy="0"/>
+          <a:chOff x="0" y="0"/>
+          <a:chExt cx="0" cy="0"/>
+        </a:xfrm>
+      </p:grpSpPr>
+      <p:sp>
+        <p:nvSpPr>
+          <p:cNvPr id="7" name="Segnaposto contenuto 6">
+            <a:extLst>
+              <a:ext uri="{FF2B5EF4-FFF2-40B4-BE49-F238E27FC236}">
+                <a16:creationId xmlns:a16="http://schemas.microsoft.com/office/drawing/2014/main" id="{02FC6CA0-25CF-64B7-760B-56A8388FA257}"/>
+              </a:ext>
+            </a:extLst>
+          </p:cNvPr>
+          <p:cNvSpPr>
+            <a:spLocks noGrp="1"/>
+          </p:cNvSpPr>
+          <p:nvPr>
+            <p:ph idx="1"/>
+          </p:nvPr>
+        </p:nvSpPr>
+        <p:spPr/>
+        <p:txBody>
+          <a:bodyPr/>
+          <a:lstStyle/>
+          <a:p>
+            <a:pPr marL="0" indent="0">
+              <a:buNone/>
+            </a:pPr>
+            <a:endParaRPr lang="it-IT" sz="2400" dirty="0">
+              <a:latin typeface="Poppins Medium" panose="00000600000000000000" pitchFamily="2" charset="0"/>
+              <a:cs typeface="Poppins Medium" panose="00000600000000000000" pitchFamily="2" charset="0"/>
+            </a:endParaRPr>
+          </a:p>
+          <a:p>
+            <a:pPr marL="0" indent="0">
+              <a:buNone/>
+            </a:pPr>
+            <a:endParaRPr lang="it-IT" sz="2400" dirty="0">
+              <a:latin typeface="Poppins Medium" panose="00000600000000000000" pitchFamily="2" charset="0"/>
+              <a:cs typeface="Poppins Medium" panose="00000600000000000000" pitchFamily="2" charset="0"/>
+            </a:endParaRPr>
+          </a:p>
+          <a:p>
+            <a:pPr marL="0" indent="0">
+              <a:buNone/>
+            </a:pPr>
+            <a:endParaRPr lang="it-IT" sz="2400" dirty="0">
+              <a:latin typeface="Poppins Medium" panose="00000600000000000000" pitchFamily="2" charset="0"/>
+              <a:cs typeface="Poppins Medium" panose="00000600000000000000" pitchFamily="2" charset="0"/>
+            </a:endParaRPr>
+          </a:p>
+          <a:p>
+            <a:pPr marL="0" indent="0">
+              <a:buNone/>
+            </a:pPr>
+            <a:endParaRPr lang="it-IT" sz="2400" dirty="0">
+              <a:latin typeface="Poppins Medium" panose="00000600000000000000" pitchFamily="2" charset="0"/>
+              <a:cs typeface="Poppins Medium" panose="00000600000000000000" pitchFamily="2" charset="0"/>
+            </a:endParaRPr>
+          </a:p>
+          <a:p>
+            <a:pPr marL="0" indent="0">
+              <a:buNone/>
+            </a:pPr>
+            <a:endParaRPr lang="it-IT" sz="2400" dirty="0">
+              <a:latin typeface="Poppins Medium" panose="00000600000000000000" pitchFamily="2" charset="0"/>
+              <a:cs typeface="Poppins Medium" panose="00000600000000000000" pitchFamily="2" charset="0"/>
+            </a:endParaRPr>
+          </a:p>
+          <a:p>
+            <a:pPr marL="0" indent="0">
+              <a:buNone/>
+            </a:pPr>
+            <a:endParaRPr lang="it-IT" sz="2400" dirty="0">
+              <a:latin typeface="Poppins Medium" panose="00000600000000000000" pitchFamily="2" charset="0"/>
+              <a:cs typeface="Poppins Medium" panose="00000600000000000000" pitchFamily="2" charset="0"/>
+            </a:endParaRPr>
+          </a:p>
+          <a:p>
+            <a:pPr marL="0" indent="0">
+              <a:buNone/>
+            </a:pPr>
+            <a:endParaRPr lang="it-IT" sz="2400" dirty="0">
+              <a:latin typeface="Poppins Medium" panose="00000600000000000000" pitchFamily="2" charset="0"/>
+              <a:cs typeface="Poppins Medium" panose="00000600000000000000" pitchFamily="2" charset="0"/>
+            </a:endParaRPr>
+          </a:p>
+          <a:p>
+            <a:pPr marL="0" indent="0">
+              <a:buNone/>
+            </a:pPr>
+            <a:endParaRPr lang="it-IT" sz="2400" dirty="0">
+              <a:latin typeface="Poppins Medium" panose="00000600000000000000" pitchFamily="2" charset="0"/>
+              <a:cs typeface="Poppins Medium" panose="00000600000000000000" pitchFamily="2" charset="0"/>
+            </a:endParaRPr>
+          </a:p>
+          <a:p>
+            <a:pPr marL="0" indent="0">
+              <a:buNone/>
+            </a:pPr>
+            <a:endParaRPr lang="it-IT" dirty="0">
+              <a:solidFill>
+                <a:schemeClr val="accent1">
+                  <a:lumMod val="75000"/>
+                </a:schemeClr>
+              </a:solidFill>
+            </a:endParaRPr>
+          </a:p>
+        </p:txBody>
+      </p:sp>
+      <p:sp>
+        <p:nvSpPr>
+          <p:cNvPr id="25" name="Segnaposto data 24">
+            <a:extLst>
+              <a:ext uri="{FF2B5EF4-FFF2-40B4-BE49-F238E27FC236}">
+                <a16:creationId xmlns:a16="http://schemas.microsoft.com/office/drawing/2014/main" id="{115DF917-AC48-486A-81F6-CF2DBBF5CD89}"/>
+              </a:ext>
+            </a:extLst>
+          </p:cNvPr>
+          <p:cNvSpPr>
+            <a:spLocks noGrp="1"/>
+          </p:cNvSpPr>
+          <p:nvPr>
+            <p:ph type="dt" sz="half" idx="10"/>
+          </p:nvPr>
+        </p:nvSpPr>
+        <p:spPr/>
+        <p:txBody>
+          <a:bodyPr/>
+          <a:lstStyle/>
+          <a:p>
+            <a:r>
+              <a:rPr lang="it-IT" sz="1600">
+                <a:solidFill>
+                  <a:schemeClr val="tx1"/>
+                </a:solidFill>
+                <a:latin typeface="Poppins Medium" panose="00000600000000000000" pitchFamily="2" charset="0"/>
+                <a:cs typeface="Poppins Medium" panose="00000600000000000000" pitchFamily="2" charset="0"/>
+              </a:rPr>
+              <a:t>31 Maggio 2022</a:t>
+            </a:r>
+            <a:endParaRPr lang="de-DE" sz="1600">
+              <a:solidFill>
+                <a:schemeClr val="tx1"/>
+              </a:solidFill>
+              <a:latin typeface="Poppins Medium" panose="00000600000000000000" pitchFamily="2" charset="0"/>
+              <a:cs typeface="Poppins Medium" panose="00000600000000000000" pitchFamily="2" charset="0"/>
+            </a:endParaRPr>
+          </a:p>
+        </p:txBody>
+      </p:sp>
+      <p:sp>
+        <p:nvSpPr>
+          <p:cNvPr id="27" name="Segnaposto numero diapositiva 26">
+            <a:extLst>
+              <a:ext uri="{FF2B5EF4-FFF2-40B4-BE49-F238E27FC236}">
+                <a16:creationId xmlns:a16="http://schemas.microsoft.com/office/drawing/2014/main" id="{F9C2EE25-215B-477C-AC6E-D2639B7A24B6}"/>
+              </a:ext>
+            </a:extLst>
+          </p:cNvPr>
+          <p:cNvSpPr>
+            <a:spLocks noGrp="1"/>
+          </p:cNvSpPr>
+          <p:nvPr>
+            <p:ph type="sldNum" sz="quarter" idx="12"/>
+          </p:nvPr>
+        </p:nvSpPr>
+        <p:spPr/>
+        <p:txBody>
+          <a:bodyPr/>
+          <a:lstStyle/>
+          <a:p>
+            <a:fld id="{66CD45B7-DFE2-4393-8D37-380FC36BF3AA}" type="slidenum">
+              <a:rPr lang="de-DE" sz="1600" smtClean="0">
+                <a:solidFill>
+                  <a:schemeClr val="tx1"/>
+                </a:solidFill>
+                <a:latin typeface="Poppins Medium" panose="00000600000000000000" pitchFamily="2" charset="0"/>
+                <a:cs typeface="Poppins Medium" panose="00000600000000000000" pitchFamily="2" charset="0"/>
+              </a:rPr>
+              <a:t>11</a:t>
+            </a:fld>
+            <a:r>
+              <a:rPr lang="de-DE" sz="1600">
+                <a:solidFill>
+                  <a:schemeClr val="tx1"/>
+                </a:solidFill>
+                <a:latin typeface="Poppins Medium" panose="00000600000000000000" pitchFamily="2" charset="0"/>
+                <a:cs typeface="Poppins Medium" panose="00000600000000000000" pitchFamily="2" charset="0"/>
+              </a:rPr>
+              <a:t>/16</a:t>
+            </a:r>
+          </a:p>
+        </p:txBody>
+      </p:sp>
+      <p:sp>
+        <p:nvSpPr>
+          <p:cNvPr id="12" name="Rettangolo 11">
+            <a:extLst>
+              <a:ext uri="{FF2B5EF4-FFF2-40B4-BE49-F238E27FC236}">
+                <a16:creationId xmlns:a16="http://schemas.microsoft.com/office/drawing/2014/main" id="{F0FAD030-2623-A89C-4FA1-55CE81C0AE08}"/>
+              </a:ext>
+            </a:extLst>
+          </p:cNvPr>
+          <p:cNvSpPr/>
+          <p:nvPr/>
+        </p:nvSpPr>
+        <p:spPr>
+          <a:xfrm>
+            <a:off x="0" y="0"/>
+            <a:ext cx="12184913" cy="1034891"/>
+          </a:xfrm>
+          <a:prstGeom prst="rect">
+            <a:avLst/>
+          </a:prstGeom>
+          <a:solidFill>
+            <a:srgbClr val="002060"/>
+          </a:solidFill>
+          <a:ln>
+            <a:noFill/>
+          </a:ln>
+        </p:spPr>
+        <p:style>
+          <a:lnRef idx="2">
+            <a:schemeClr val="accent3">
+              <a:shade val="50000"/>
+            </a:schemeClr>
+          </a:lnRef>
+          <a:fillRef idx="1">
+            <a:schemeClr val="accent3"/>
+          </a:fillRef>
+          <a:effectRef idx="0">
+            <a:schemeClr val="accent3"/>
+          </a:effectRef>
+          <a:fontRef idx="minor">
+            <a:schemeClr val="lt1"/>
+          </a:fontRef>
+        </p:style>
+        <p:txBody>
+          <a:bodyPr rtlCol="0" anchor="ctr"/>
+          <a:lstStyle/>
+          <a:p>
+            <a:pPr algn="ctr"/>
+            <a:endParaRPr lang="it-IT"/>
+          </a:p>
+        </p:txBody>
+      </p:sp>
+      <p:sp>
+        <p:nvSpPr>
+          <p:cNvPr id="13" name="Titolo 1">
+            <a:extLst>
+              <a:ext uri="{FF2B5EF4-FFF2-40B4-BE49-F238E27FC236}">
+                <a16:creationId xmlns:a16="http://schemas.microsoft.com/office/drawing/2014/main" id="{A0F14F07-00BE-A130-44A5-463A5F98673C}"/>
+              </a:ext>
+            </a:extLst>
+          </p:cNvPr>
+          <p:cNvSpPr>
+            <a:spLocks noGrp="1"/>
+          </p:cNvSpPr>
+          <p:nvPr>
+            <p:ph type="title"/>
+          </p:nvPr>
+        </p:nvSpPr>
+        <p:spPr>
+          <a:xfrm>
+            <a:off x="272535" y="163591"/>
+            <a:ext cx="10176803" cy="707708"/>
+          </a:xfrm>
+        </p:spPr>
+        <p:txBody>
+          <a:bodyPr anchor="b">
+            <a:normAutofit/>
+          </a:bodyPr>
+          <a:lstStyle/>
+          <a:p>
+            <a:r>
+              <a:rPr lang="it-IT" sz="4000" b="1" dirty="0">
+                <a:solidFill>
+                  <a:schemeClr val="bg1"/>
+                </a:solidFill>
+                <a:effectLst>
+                  <a:outerShdw blurRad="38100" dist="38100" dir="2700000" algn="tl">
+                    <a:srgbClr val="000000">
+                      <a:alpha val="43137"/>
+                    </a:srgbClr>
+                  </a:outerShdw>
+                </a:effectLst>
+                <a:latin typeface="Poppins"/>
+                <a:cs typeface="Poppins"/>
+              </a:rPr>
+              <a:t>Gestione contribuzioni</a:t>
+            </a:r>
+          </a:p>
+        </p:txBody>
+      </p:sp>
+      <p:pic>
+        <p:nvPicPr>
+          <p:cNvPr id="3" name="Immagine 2">
+            <a:extLst>
+              <a:ext uri="{FF2B5EF4-FFF2-40B4-BE49-F238E27FC236}">
+                <a16:creationId xmlns:a16="http://schemas.microsoft.com/office/drawing/2014/main" id="{38E75A5B-DDA2-60B9-7809-46928BDA34C3}"/>
+              </a:ext>
+            </a:extLst>
+          </p:cNvPr>
+          <p:cNvPicPr>
+            <a:picLocks noChangeAspect="1"/>
+          </p:cNvPicPr>
+          <p:nvPr/>
+        </p:nvPicPr>
+        <p:blipFill>
+          <a:blip r:embed="rId3">
+            <a:extLst>
+              <a:ext uri="{28A0092B-C50C-407E-A947-70E740481C1C}">
+                <a14:useLocalDpi xmlns:a14="http://schemas.microsoft.com/office/drawing/2010/main" val="0"/>
+              </a:ext>
+            </a:extLst>
+          </a:blip>
+          <a:stretch>
+            <a:fillRect/>
+          </a:stretch>
+        </p:blipFill>
+        <p:spPr>
+          <a:xfrm>
+            <a:off x="739466" y="1535308"/>
+            <a:ext cx="10705980" cy="3787384"/>
+          </a:xfrm>
+          <a:prstGeom prst="rect">
+            <a:avLst/>
+          </a:prstGeom>
+        </p:spPr>
+      </p:pic>
+    </p:spTree>
+    <p:extLst>
+      <p:ext uri="{BB962C8B-B14F-4D97-AF65-F5344CB8AC3E}">
+        <p14:creationId xmlns:p14="http://schemas.microsoft.com/office/powerpoint/2010/main" val="1771736086"/>
+      </p:ext>
+    </p:extLst>
+  </p:cSld>
+  <p:clrMapOvr>
+    <a:masterClrMapping/>
+  </p:clrMapOvr>
+</p:sld>
+</file>
+
+<file path=ppt/slides/slide12.xml><?xml version="1.0" encoding="utf-8"?>
+<p:sld xmlns:a="http://schemas.openxmlformats.org/drawingml/2006/main" xmlns:r="http://schemas.openxmlformats.org/officeDocument/2006/relationships" xmlns:p="http://schemas.openxmlformats.org/presentationml/2006/main">
+  <p:cSld>
+    <p:spTree>
+      <p:nvGrpSpPr>
+        <p:cNvPr id="1" name=""/>
+        <p:cNvGrpSpPr/>
+        <p:nvPr/>
+      </p:nvGrpSpPr>
+      <p:grpSpPr>
+        <a:xfrm>
+          <a:off x="0" y="0"/>
+          <a:ext cx="0" cy="0"/>
+          <a:chOff x="0" y="0"/>
+          <a:chExt cx="0" cy="0"/>
+        </a:xfrm>
+      </p:grpSpPr>
+      <p:sp>
+        <p:nvSpPr>
+          <p:cNvPr id="9" name="Rettangolo 8">
+            <a:extLst>
+              <a:ext uri="{FF2B5EF4-FFF2-40B4-BE49-F238E27FC236}">
+                <a16:creationId xmlns:a16="http://schemas.microsoft.com/office/drawing/2014/main" id="{75A649AD-BFC8-D407-B3D8-768C796B24EE}"/>
+              </a:ext>
+            </a:extLst>
+          </p:cNvPr>
+          <p:cNvSpPr/>
+          <p:nvPr/>
+        </p:nvSpPr>
+        <p:spPr>
+          <a:xfrm>
+            <a:off x="1" y="-1039"/>
+            <a:ext cx="12188928" cy="6859039"/>
+          </a:xfrm>
+          <a:prstGeom prst="rect">
+            <a:avLst/>
+          </a:prstGeom>
+          <a:solidFill>
+            <a:srgbClr val="002060"/>
+          </a:solidFill>
+        </p:spPr>
+        <p:style>
+          <a:lnRef idx="2">
+            <a:schemeClr val="accent3">
+              <a:shade val="50000"/>
+            </a:schemeClr>
+          </a:lnRef>
+          <a:fillRef idx="1">
+            <a:schemeClr val="accent3"/>
+          </a:fillRef>
+          <a:effectRef idx="0">
+            <a:schemeClr val="accent3"/>
+          </a:effectRef>
+          <a:fontRef idx="minor">
+            <a:schemeClr val="lt1"/>
+          </a:fontRef>
+        </p:style>
+        <p:txBody>
+          <a:bodyPr rtlCol="0" anchor="ctr"/>
+          <a:lstStyle/>
+          <a:p>
+            <a:pPr algn="ctr"/>
+            <a:endParaRPr lang="it-IT">
+              <a:latin typeface="Poppins Medium" panose="00000600000000000000" pitchFamily="2" charset="0"/>
+              <a:cs typeface="Poppins Medium" panose="00000600000000000000" pitchFamily="2" charset="0"/>
+            </a:endParaRPr>
+          </a:p>
+        </p:txBody>
+      </p:sp>
+      <p:sp>
+        <p:nvSpPr>
+          <p:cNvPr id="2" name="Titolo 1">
+            <a:extLst>
+              <a:ext uri="{FF2B5EF4-FFF2-40B4-BE49-F238E27FC236}">
+                <a16:creationId xmlns:a16="http://schemas.microsoft.com/office/drawing/2014/main" id="{0433AC6E-9B67-D8D1-4A74-54158F91506A}"/>
+              </a:ext>
+            </a:extLst>
+          </p:cNvPr>
+          <p:cNvSpPr>
+            <a:spLocks noGrp="1"/>
+          </p:cNvSpPr>
+          <p:nvPr>
+            <p:ph type="title"/>
+          </p:nvPr>
+        </p:nvSpPr>
+        <p:spPr>
+          <a:xfrm>
+            <a:off x="836665" y="2236440"/>
+            <a:ext cx="10515600" cy="2384079"/>
+          </a:xfrm>
+          <a:ln>
+            <a:noFill/>
+          </a:ln>
+        </p:spPr>
+        <p:txBody>
+          <a:bodyPr>
+            <a:normAutofit fontScale="90000"/>
+          </a:bodyPr>
+          <a:lstStyle/>
+          <a:p>
+            <a:pPr algn="ctr"/>
+            <a:br>
+              <a:rPr lang="it-IT" b="1" dirty="0">
+                <a:solidFill>
+                  <a:schemeClr val="bg1"/>
+                </a:solidFill>
+                <a:latin typeface="Poppins Medium"/>
+                <a:ea typeface="Calibri Light"/>
+                <a:cs typeface="Poppins Medium"/>
+              </a:rPr>
+            </a:br>
+            <a:br>
+              <a:rPr lang="it-IT" sz="5300" b="1" dirty="0">
+                <a:solidFill>
+                  <a:schemeClr val="bg1"/>
+                </a:solidFill>
+                <a:latin typeface="Poppins Medium"/>
+                <a:ea typeface="Calibri Light"/>
+                <a:cs typeface="Poppins Medium"/>
+              </a:rPr>
+            </a:br>
+            <a:r>
+              <a:rPr lang="it-IT" sz="5300" b="1" dirty="0">
+                <a:solidFill>
+                  <a:schemeClr val="bg1"/>
+                </a:solidFill>
+                <a:latin typeface="Poppins Medium"/>
+                <a:ea typeface="Calibri Light"/>
+                <a:cs typeface="Poppins Medium"/>
+              </a:rPr>
+              <a:t>VERSION CONTROL</a:t>
+            </a:r>
+            <a:br>
+              <a:rPr lang="it-IT" sz="5300" b="1" dirty="0">
+                <a:solidFill>
+                  <a:schemeClr val="bg1"/>
+                </a:solidFill>
+                <a:latin typeface="Poppins Medium"/>
+                <a:ea typeface="Calibri Light"/>
+                <a:cs typeface="Poppins Medium"/>
+              </a:rPr>
+            </a:br>
+            <a:r>
+              <a:rPr lang="it-IT" sz="5300" b="1" dirty="0">
+                <a:solidFill>
+                  <a:schemeClr val="bg1"/>
+                </a:solidFill>
+                <a:latin typeface="Poppins Medium"/>
+                <a:ea typeface="Calibri Light"/>
+                <a:cs typeface="Poppins Medium"/>
+              </a:rPr>
+              <a:t>SYSTEM</a:t>
+            </a:r>
+            <a:br>
+              <a:rPr lang="it-IT" sz="5300" b="1" dirty="0">
+                <a:latin typeface="Poppins Medium" panose="00000600000000000000" pitchFamily="2" charset="0"/>
+                <a:ea typeface="Calibri Light"/>
+                <a:cs typeface="Poppins Medium" panose="00000600000000000000" pitchFamily="2" charset="0"/>
+              </a:rPr>
+            </a:br>
+            <a:br>
+              <a:rPr lang="it-IT" b="1" dirty="0">
+                <a:latin typeface="Poppins Medium"/>
+                <a:cs typeface="Poppins Medium"/>
+              </a:rPr>
+            </a:br>
+            <a:br>
+              <a:rPr lang="it-IT" sz="1800" i="1" dirty="0">
+                <a:latin typeface="Poppins Medium" panose="00000600000000000000" pitchFamily="2" charset="0"/>
+                <a:cs typeface="Poppins Medium" panose="00000600000000000000" pitchFamily="2" charset="0"/>
+              </a:rPr>
+            </a:br>
+            <a:endParaRPr lang="it-IT" sz="1800" dirty="0">
+              <a:latin typeface="Poppins Medium" panose="00000600000000000000" pitchFamily="2" charset="0"/>
+              <a:ea typeface="+mj-lt"/>
+              <a:cs typeface="Poppins Medium" panose="00000600000000000000" pitchFamily="2" charset="0"/>
+            </a:endParaRPr>
+          </a:p>
+        </p:txBody>
+      </p:sp>
+      <p:sp>
+        <p:nvSpPr>
+          <p:cNvPr id="4" name="Segnaposto data 3">
+            <a:extLst>
+              <a:ext uri="{FF2B5EF4-FFF2-40B4-BE49-F238E27FC236}">
+                <a16:creationId xmlns:a16="http://schemas.microsoft.com/office/drawing/2014/main" id="{2FDB7171-3E91-AF0B-DDA7-7C25BCB487A1}"/>
+              </a:ext>
+            </a:extLst>
+          </p:cNvPr>
+          <p:cNvSpPr>
+            <a:spLocks noGrp="1"/>
+          </p:cNvSpPr>
+          <p:nvPr>
+            <p:ph type="dt" sz="half" idx="10"/>
+          </p:nvPr>
+        </p:nvSpPr>
+        <p:spPr/>
+        <p:txBody>
+          <a:bodyPr/>
+          <a:lstStyle/>
+          <a:p>
+            <a:r>
+              <a:rPr lang="it-IT" sz="1600">
+                <a:solidFill>
+                  <a:schemeClr val="bg1"/>
+                </a:solidFill>
+                <a:effectLst>
+                  <a:outerShdw blurRad="38100" dist="38100" dir="2700000" algn="tl">
+                    <a:srgbClr val="000000">
+                      <a:alpha val="43137"/>
+                    </a:srgbClr>
+                  </a:outerShdw>
+                </a:effectLst>
+                <a:latin typeface="Poppins Medium" panose="00000600000000000000" pitchFamily="2" charset="0"/>
+                <a:cs typeface="Poppins Medium" panose="00000600000000000000" pitchFamily="2" charset="0"/>
+              </a:rPr>
+              <a:t>31 Maggio 2022</a:t>
+            </a:r>
+            <a:endParaRPr lang="de-DE" sz="1600">
+              <a:solidFill>
+                <a:schemeClr val="bg1"/>
+              </a:solidFill>
+              <a:effectLst>
+                <a:outerShdw blurRad="38100" dist="38100" dir="2700000" algn="tl">
+                  <a:srgbClr val="000000">
+                    <a:alpha val="43137"/>
+                  </a:srgbClr>
+                </a:outerShdw>
+              </a:effectLst>
+              <a:latin typeface="Poppins Medium" panose="00000600000000000000" pitchFamily="2" charset="0"/>
+              <a:cs typeface="Poppins Medium" panose="00000600000000000000" pitchFamily="2" charset="0"/>
+            </a:endParaRPr>
+          </a:p>
+        </p:txBody>
+      </p:sp>
+      <p:sp>
+        <p:nvSpPr>
+          <p:cNvPr id="6" name="Segnaposto numero diapositiva 5">
+            <a:extLst>
+              <a:ext uri="{FF2B5EF4-FFF2-40B4-BE49-F238E27FC236}">
+                <a16:creationId xmlns:a16="http://schemas.microsoft.com/office/drawing/2014/main" id="{D8ABE49A-B3ED-E602-CFFA-63BA9EA87067}"/>
+              </a:ext>
+            </a:extLst>
+          </p:cNvPr>
+          <p:cNvSpPr>
+            <a:spLocks noGrp="1"/>
+          </p:cNvSpPr>
+          <p:nvPr>
+            <p:ph type="sldNum" sz="quarter" idx="12"/>
+          </p:nvPr>
+        </p:nvSpPr>
+        <p:spPr/>
+        <p:txBody>
+          <a:bodyPr/>
+          <a:lstStyle/>
+          <a:p>
+            <a:fld id="{66CD45B7-DFE2-4393-8D37-380FC36BF3AA}" type="slidenum">
+              <a:rPr lang="de-DE" sz="1600" smtClean="0">
+                <a:solidFill>
+                  <a:schemeClr val="bg1"/>
+                </a:solidFill>
+                <a:effectLst>
+                  <a:outerShdw blurRad="38100" dist="38100" dir="2700000" algn="tl">
+                    <a:srgbClr val="000000">
+                      <a:alpha val="43137"/>
+                    </a:srgbClr>
+                  </a:outerShdw>
+                </a:effectLst>
+                <a:latin typeface="Poppins Medium" panose="00000600000000000000" pitchFamily="2" charset="0"/>
+                <a:cs typeface="Poppins Medium" panose="00000600000000000000" pitchFamily="2" charset="0"/>
+              </a:rPr>
+              <a:pPr/>
+              <a:t>12</a:t>
+            </a:fld>
+            <a:r>
+              <a:rPr lang="de-DE" sz="1600">
+                <a:solidFill>
+                  <a:schemeClr val="bg1"/>
+                </a:solidFill>
+                <a:effectLst>
+                  <a:outerShdw blurRad="38100" dist="38100" dir="2700000" algn="tl">
+                    <a:srgbClr val="000000">
+                      <a:alpha val="43137"/>
+                    </a:srgbClr>
+                  </a:outerShdw>
+                </a:effectLst>
+                <a:latin typeface="Poppins Medium" panose="00000600000000000000" pitchFamily="2" charset="0"/>
+                <a:cs typeface="Poppins Medium" panose="00000600000000000000" pitchFamily="2" charset="0"/>
+              </a:rPr>
+              <a:t>/16</a:t>
+            </a:r>
+          </a:p>
+        </p:txBody>
+      </p:sp>
+      <p:pic>
+        <p:nvPicPr>
+          <p:cNvPr id="7" name="Elemento grafico 6" descr="Connesso con riempimento a tinta unita">
+            <a:extLst>
+              <a:ext uri="{FF2B5EF4-FFF2-40B4-BE49-F238E27FC236}">
+                <a16:creationId xmlns:a16="http://schemas.microsoft.com/office/drawing/2014/main" id="{2A11401D-EF80-140C-8CF1-14A508D00499}"/>
+              </a:ext>
+            </a:extLst>
+          </p:cNvPr>
+          <p:cNvPicPr>
+            <a:picLocks noChangeAspect="1"/>
+          </p:cNvPicPr>
+          <p:nvPr/>
+        </p:nvPicPr>
+        <p:blipFill>
+          <a:blip r:embed="rId2">
+            <a:extLst>
+              <a:ext uri="{28A0092B-C50C-407E-A947-70E740481C1C}">
+                <a14:useLocalDpi xmlns:a14="http://schemas.microsoft.com/office/drawing/2010/main" val="0"/>
+              </a:ext>
+              <a:ext uri="{96DAC541-7B7A-43D3-8B79-37D633B846F1}">
+                <asvg:svgBlip xmlns:asvg="http://schemas.microsoft.com/office/drawing/2016/SVG/main" r:embed="rId3"/>
+              </a:ext>
+            </a:extLst>
+          </a:blip>
+          <a:stretch>
+            <a:fillRect/>
+          </a:stretch>
+        </p:blipFill>
+        <p:spPr>
+          <a:xfrm rot="18801795">
+            <a:off x="10040157" y="184056"/>
+            <a:ext cx="1522254" cy="1522254"/>
+          </a:xfrm>
+          <a:prstGeom prst="rect">
+            <a:avLst/>
+          </a:prstGeom>
+        </p:spPr>
+      </p:pic>
+    </p:spTree>
+    <p:extLst>
+      <p:ext uri="{BB962C8B-B14F-4D97-AF65-F5344CB8AC3E}">
+        <p14:creationId xmlns:p14="http://schemas.microsoft.com/office/powerpoint/2010/main" val="3531018986"/>
+      </p:ext>
+    </p:extLst>
+  </p:cSld>
+  <p:clrMapOvr>
+    <a:masterClrMapping/>
+  </p:clrMapOvr>
+</p:sld>
+</file>
+
+<file path=ppt/slides/slide13.xml><?xml version="1.0" encoding="utf-8"?>
+<p:sld xmlns:a="http://schemas.openxmlformats.org/drawingml/2006/main" xmlns:r="http://schemas.openxmlformats.org/officeDocument/2006/relationships" xmlns:p="http://schemas.openxmlformats.org/presentationml/2006/main">
+  <p:cSld>
+    <p:spTree>
+      <p:nvGrpSpPr>
+        <p:cNvPr id="1" name=""/>
+        <p:cNvGrpSpPr/>
+        <p:nvPr/>
+      </p:nvGrpSpPr>
+      <p:grpSpPr>
+        <a:xfrm>
+          <a:off x="0" y="0"/>
+          <a:ext cx="0" cy="0"/>
+          <a:chOff x="0" y="0"/>
+          <a:chExt cx="0" cy="0"/>
+        </a:xfrm>
+      </p:grpSpPr>
+      <p:sp>
+        <p:nvSpPr>
+          <p:cNvPr id="9" name="Rettangolo 8">
+            <a:extLst>
+              <a:ext uri="{FF2B5EF4-FFF2-40B4-BE49-F238E27FC236}">
+                <a16:creationId xmlns:a16="http://schemas.microsoft.com/office/drawing/2014/main" id="{75A649AD-BFC8-D407-B3D8-768C796B24EE}"/>
+              </a:ext>
+            </a:extLst>
+          </p:cNvPr>
+          <p:cNvSpPr/>
+          <p:nvPr/>
+        </p:nvSpPr>
+        <p:spPr>
+          <a:xfrm>
+            <a:off x="1" y="-1039"/>
+            <a:ext cx="12188928" cy="6859039"/>
+          </a:xfrm>
+          <a:prstGeom prst="rect">
+            <a:avLst/>
+          </a:prstGeom>
+          <a:solidFill>
+            <a:srgbClr val="002060"/>
+          </a:solidFill>
+        </p:spPr>
+        <p:style>
+          <a:lnRef idx="2">
+            <a:schemeClr val="accent3">
+              <a:shade val="50000"/>
+            </a:schemeClr>
+          </a:lnRef>
+          <a:fillRef idx="1">
+            <a:schemeClr val="accent3"/>
+          </a:fillRef>
+          <a:effectRef idx="0">
+            <a:schemeClr val="accent3"/>
+          </a:effectRef>
+          <a:fontRef idx="minor">
+            <a:schemeClr val="lt1"/>
+          </a:fontRef>
+        </p:style>
+        <p:txBody>
+          <a:bodyPr rtlCol="0" anchor="ctr"/>
+          <a:lstStyle/>
+          <a:p>
+            <a:pPr algn="ctr"/>
+            <a:endParaRPr lang="it-IT">
+              <a:latin typeface="Poppins Medium" panose="00000600000000000000" pitchFamily="2" charset="0"/>
+              <a:cs typeface="Poppins Medium" panose="00000600000000000000" pitchFamily="2" charset="0"/>
+            </a:endParaRPr>
+          </a:p>
+        </p:txBody>
+      </p:sp>
+      <p:sp>
+        <p:nvSpPr>
+          <p:cNvPr id="2" name="Titolo 1">
+            <a:extLst>
+              <a:ext uri="{FF2B5EF4-FFF2-40B4-BE49-F238E27FC236}">
+                <a16:creationId xmlns:a16="http://schemas.microsoft.com/office/drawing/2014/main" id="{0433AC6E-9B67-D8D1-4A74-54158F91506A}"/>
+              </a:ext>
+            </a:extLst>
+          </p:cNvPr>
+          <p:cNvSpPr>
+            <a:spLocks noGrp="1"/>
+          </p:cNvSpPr>
+          <p:nvPr>
+            <p:ph type="title"/>
+          </p:nvPr>
+        </p:nvSpPr>
+        <p:spPr>
+          <a:xfrm>
+            <a:off x="838200" y="2236440"/>
+            <a:ext cx="10515600" cy="2384079"/>
+          </a:xfrm>
+          <a:ln>
+            <a:noFill/>
+          </a:ln>
+        </p:spPr>
+        <p:txBody>
+          <a:bodyPr>
+            <a:normAutofit fontScale="90000"/>
+          </a:bodyPr>
+          <a:lstStyle/>
+          <a:p>
+            <a:pPr algn="ctr"/>
+            <a:br>
+              <a:rPr lang="it-IT" b="1" dirty="0">
+                <a:solidFill>
+                  <a:schemeClr val="bg1"/>
+                </a:solidFill>
+                <a:latin typeface="Poppins Medium"/>
+                <a:ea typeface="Calibri Light"/>
+                <a:cs typeface="Poppins Medium"/>
+              </a:rPr>
+            </a:br>
+            <a:r>
+              <a:rPr lang="it-IT" sz="5300" b="1" dirty="0">
+                <a:solidFill>
+                  <a:schemeClr val="bg1"/>
+                </a:solidFill>
+                <a:latin typeface="Poppins Medium"/>
+                <a:ea typeface="Calibri Light"/>
+                <a:cs typeface="Poppins Medium"/>
+              </a:rPr>
+              <a:t>BUILD AUTOMATION &amp;</a:t>
+            </a:r>
+            <a:br>
+              <a:rPr lang="it-IT" sz="5300" b="1" dirty="0">
+                <a:solidFill>
+                  <a:schemeClr val="bg1"/>
+                </a:solidFill>
+                <a:latin typeface="Poppins Medium"/>
+                <a:ea typeface="Calibri Light"/>
+                <a:cs typeface="Poppins Medium"/>
+              </a:rPr>
+            </a:br>
+            <a:r>
+              <a:rPr lang="it-IT" sz="5300" b="1" dirty="0">
+                <a:solidFill>
+                  <a:schemeClr val="bg1"/>
+                </a:solidFill>
+                <a:latin typeface="Poppins Medium"/>
+                <a:ea typeface="Calibri Light"/>
+                <a:cs typeface="Poppins Medium"/>
+              </a:rPr>
+              <a:t>CONTINUOS INTEGRATION</a:t>
+            </a:r>
+            <a:br>
+              <a:rPr lang="it-IT" b="1" dirty="0">
+                <a:latin typeface="Poppins Medium"/>
+                <a:cs typeface="Poppins Medium"/>
+              </a:rPr>
+            </a:br>
+            <a:br>
+              <a:rPr lang="it-IT" sz="1800" i="1" dirty="0">
+                <a:latin typeface="Poppins Medium" panose="00000600000000000000" pitchFamily="2" charset="0"/>
+                <a:cs typeface="Poppins Medium" panose="00000600000000000000" pitchFamily="2" charset="0"/>
+              </a:rPr>
+            </a:br>
+            <a:endParaRPr lang="it-IT" sz="1800" dirty="0">
+              <a:latin typeface="Poppins Medium" panose="00000600000000000000" pitchFamily="2" charset="0"/>
+              <a:ea typeface="+mj-lt"/>
+              <a:cs typeface="Poppins Medium" panose="00000600000000000000" pitchFamily="2" charset="0"/>
+            </a:endParaRPr>
+          </a:p>
+        </p:txBody>
+      </p:sp>
+      <p:sp>
+        <p:nvSpPr>
+          <p:cNvPr id="4" name="Segnaposto data 3">
+            <a:extLst>
+              <a:ext uri="{FF2B5EF4-FFF2-40B4-BE49-F238E27FC236}">
+                <a16:creationId xmlns:a16="http://schemas.microsoft.com/office/drawing/2014/main" id="{2FDB7171-3E91-AF0B-DDA7-7C25BCB487A1}"/>
+              </a:ext>
+            </a:extLst>
+          </p:cNvPr>
+          <p:cNvSpPr>
+            <a:spLocks noGrp="1"/>
+          </p:cNvSpPr>
+          <p:nvPr>
+            <p:ph type="dt" sz="half" idx="10"/>
+          </p:nvPr>
+        </p:nvSpPr>
+        <p:spPr/>
+        <p:txBody>
+          <a:bodyPr/>
+          <a:lstStyle/>
+          <a:p>
+            <a:r>
+              <a:rPr lang="it-IT" sz="1600">
+                <a:solidFill>
+                  <a:schemeClr val="bg1"/>
+                </a:solidFill>
+                <a:effectLst>
+                  <a:outerShdw blurRad="38100" dist="38100" dir="2700000" algn="tl">
+                    <a:srgbClr val="000000">
+                      <a:alpha val="43137"/>
+                    </a:srgbClr>
+                  </a:outerShdw>
+                </a:effectLst>
+                <a:latin typeface="Poppins Medium" panose="00000600000000000000" pitchFamily="2" charset="0"/>
+                <a:cs typeface="Poppins Medium" panose="00000600000000000000" pitchFamily="2" charset="0"/>
+              </a:rPr>
+              <a:t>31 Maggio 2022</a:t>
+            </a:r>
+            <a:endParaRPr lang="de-DE" sz="1600">
+              <a:solidFill>
+                <a:schemeClr val="bg1"/>
+              </a:solidFill>
+              <a:effectLst>
+                <a:outerShdw blurRad="38100" dist="38100" dir="2700000" algn="tl">
+                  <a:srgbClr val="000000">
+                    <a:alpha val="43137"/>
+                  </a:srgbClr>
+                </a:outerShdw>
+              </a:effectLst>
+              <a:latin typeface="Poppins Medium" panose="00000600000000000000" pitchFamily="2" charset="0"/>
+              <a:cs typeface="Poppins Medium" panose="00000600000000000000" pitchFamily="2" charset="0"/>
+            </a:endParaRPr>
+          </a:p>
+        </p:txBody>
+      </p:sp>
+      <p:sp>
+        <p:nvSpPr>
+          <p:cNvPr id="6" name="Segnaposto numero diapositiva 5">
+            <a:extLst>
+              <a:ext uri="{FF2B5EF4-FFF2-40B4-BE49-F238E27FC236}">
+                <a16:creationId xmlns:a16="http://schemas.microsoft.com/office/drawing/2014/main" id="{D8ABE49A-B3ED-E602-CFFA-63BA9EA87067}"/>
+              </a:ext>
+            </a:extLst>
+          </p:cNvPr>
+          <p:cNvSpPr>
+            <a:spLocks noGrp="1"/>
+          </p:cNvSpPr>
+          <p:nvPr>
+            <p:ph type="sldNum" sz="quarter" idx="12"/>
+          </p:nvPr>
+        </p:nvSpPr>
+        <p:spPr/>
+        <p:txBody>
+          <a:bodyPr/>
+          <a:lstStyle/>
+          <a:p>
+            <a:fld id="{66CD45B7-DFE2-4393-8D37-380FC36BF3AA}" type="slidenum">
+              <a:rPr lang="de-DE" sz="1600" smtClean="0">
+                <a:solidFill>
+                  <a:schemeClr val="bg1"/>
+                </a:solidFill>
+                <a:effectLst>
+                  <a:outerShdw blurRad="38100" dist="38100" dir="2700000" algn="tl">
+                    <a:srgbClr val="000000">
+                      <a:alpha val="43137"/>
+                    </a:srgbClr>
+                  </a:outerShdw>
+                </a:effectLst>
+                <a:latin typeface="Poppins Medium" panose="00000600000000000000" pitchFamily="2" charset="0"/>
+                <a:cs typeface="Poppins Medium" panose="00000600000000000000" pitchFamily="2" charset="0"/>
+              </a:rPr>
+              <a:pPr/>
+              <a:t>13</a:t>
+            </a:fld>
+            <a:r>
+              <a:rPr lang="de-DE" sz="1600">
+                <a:solidFill>
+                  <a:schemeClr val="bg1"/>
+                </a:solidFill>
+                <a:effectLst>
+                  <a:outerShdw blurRad="38100" dist="38100" dir="2700000" algn="tl">
+                    <a:srgbClr val="000000">
+                      <a:alpha val="43137"/>
+                    </a:srgbClr>
+                  </a:outerShdw>
+                </a:effectLst>
+                <a:latin typeface="Poppins Medium" panose="00000600000000000000" pitchFamily="2" charset="0"/>
+                <a:cs typeface="Poppins Medium" panose="00000600000000000000" pitchFamily="2" charset="0"/>
+              </a:rPr>
+              <a:t>/16</a:t>
+            </a:r>
+          </a:p>
+        </p:txBody>
+      </p:sp>
+      <p:pic>
+        <p:nvPicPr>
+          <p:cNvPr id="7" name="Elemento grafico 6" descr="Attrezzi da minatore con riempimento a tinta unita">
+            <a:extLst>
+              <a:ext uri="{FF2B5EF4-FFF2-40B4-BE49-F238E27FC236}">
+                <a16:creationId xmlns:a16="http://schemas.microsoft.com/office/drawing/2014/main" id="{FBC479FB-373C-E7DE-AE51-00015B98241D}"/>
+              </a:ext>
+            </a:extLst>
+          </p:cNvPr>
+          <p:cNvPicPr>
+            <a:picLocks noChangeAspect="1"/>
+          </p:cNvPicPr>
+          <p:nvPr/>
+        </p:nvPicPr>
+        <p:blipFill>
+          <a:blip r:embed="rId2">
+            <a:extLst>
+              <a:ext uri="{28A0092B-C50C-407E-A947-70E740481C1C}">
+                <a14:useLocalDpi xmlns:a14="http://schemas.microsoft.com/office/drawing/2010/main" val="0"/>
+              </a:ext>
+              <a:ext uri="{96DAC541-7B7A-43D3-8B79-37D633B846F1}">
+                <asvg:svgBlip xmlns:asvg="http://schemas.microsoft.com/office/drawing/2016/SVG/main" r:embed="rId3"/>
+              </a:ext>
+            </a:extLst>
+          </a:blip>
+          <a:stretch>
+            <a:fillRect/>
+          </a:stretch>
+        </p:blipFill>
+        <p:spPr>
+          <a:xfrm>
+            <a:off x="10241280" y="500609"/>
+            <a:ext cx="1232906" cy="1232906"/>
+          </a:xfrm>
+          <a:prstGeom prst="rect">
+            <a:avLst/>
+          </a:prstGeom>
+        </p:spPr>
+      </p:pic>
+    </p:spTree>
+    <p:extLst>
+      <p:ext uri="{BB962C8B-B14F-4D97-AF65-F5344CB8AC3E}">
+        <p14:creationId xmlns:p14="http://schemas.microsoft.com/office/powerpoint/2010/main" val="471125183"/>
+      </p:ext>
+    </p:extLst>
+  </p:cSld>
+  <p:clrMapOvr>
+    <a:masterClrMapping/>
+  </p:clrMapOvr>
+</p:sld>
+</file>
+
+<file path=ppt/slides/slide14.xml><?xml version="1.0" encoding="utf-8"?>
+<p:sld xmlns:a="http://schemas.openxmlformats.org/drawingml/2006/main" xmlns:r="http://schemas.openxmlformats.org/officeDocument/2006/relationships" xmlns:p="http://schemas.openxmlformats.org/presentationml/2006/main">
+  <p:cSld>
+    <p:spTree>
+      <p:nvGrpSpPr>
+        <p:cNvPr id="1" name=""/>
+        <p:cNvGrpSpPr/>
+        <p:nvPr/>
+      </p:nvGrpSpPr>
+      <p:grpSpPr>
+        <a:xfrm>
+          <a:off x="0" y="0"/>
+          <a:ext cx="0" cy="0"/>
+          <a:chOff x="0" y="0"/>
+          <a:chExt cx="0" cy="0"/>
+        </a:xfrm>
+      </p:grpSpPr>
+      <p:sp>
+        <p:nvSpPr>
+          <p:cNvPr id="9" name="Rettangolo 8">
+            <a:extLst>
+              <a:ext uri="{FF2B5EF4-FFF2-40B4-BE49-F238E27FC236}">
+                <a16:creationId xmlns:a16="http://schemas.microsoft.com/office/drawing/2014/main" id="{75A649AD-BFC8-D407-B3D8-768C796B24EE}"/>
+              </a:ext>
+            </a:extLst>
+          </p:cNvPr>
+          <p:cNvSpPr/>
+          <p:nvPr/>
+        </p:nvSpPr>
+        <p:spPr>
+          <a:xfrm>
+            <a:off x="1" y="-1039"/>
+            <a:ext cx="12188928" cy="6859039"/>
+          </a:xfrm>
+          <a:prstGeom prst="rect">
+            <a:avLst/>
+          </a:prstGeom>
+          <a:solidFill>
+            <a:srgbClr val="002060"/>
+          </a:solidFill>
+        </p:spPr>
+        <p:style>
+          <a:lnRef idx="2">
+            <a:schemeClr val="accent3">
+              <a:shade val="50000"/>
+            </a:schemeClr>
+          </a:lnRef>
+          <a:fillRef idx="1">
+            <a:schemeClr val="accent3"/>
+          </a:fillRef>
+          <a:effectRef idx="0">
+            <a:schemeClr val="accent3"/>
+          </a:effectRef>
+          <a:fontRef idx="minor">
+            <a:schemeClr val="lt1"/>
+          </a:fontRef>
+        </p:style>
+        <p:txBody>
+          <a:bodyPr rtlCol="0" anchor="ctr"/>
+          <a:lstStyle/>
+          <a:p>
+            <a:pPr algn="ctr"/>
+            <a:endParaRPr lang="it-IT">
+              <a:latin typeface="Poppins Medium" panose="00000600000000000000" pitchFamily="2" charset="0"/>
+              <a:cs typeface="Poppins Medium" panose="00000600000000000000" pitchFamily="2" charset="0"/>
+            </a:endParaRPr>
+          </a:p>
+        </p:txBody>
+      </p:sp>
+      <p:sp>
+        <p:nvSpPr>
+          <p:cNvPr id="2" name="Titolo 1">
+            <a:extLst>
+              <a:ext uri="{FF2B5EF4-FFF2-40B4-BE49-F238E27FC236}">
+                <a16:creationId xmlns:a16="http://schemas.microsoft.com/office/drawing/2014/main" id="{0433AC6E-9B67-D8D1-4A74-54158F91506A}"/>
+              </a:ext>
+            </a:extLst>
+          </p:cNvPr>
+          <p:cNvSpPr>
+            <a:spLocks noGrp="1"/>
+          </p:cNvSpPr>
+          <p:nvPr>
+            <p:ph type="title"/>
+          </p:nvPr>
+        </p:nvSpPr>
+        <p:spPr>
+          <a:xfrm>
+            <a:off x="838200" y="2236440"/>
+            <a:ext cx="10515600" cy="2384079"/>
+          </a:xfrm>
+          <a:ln>
+            <a:noFill/>
+          </a:ln>
+        </p:spPr>
+        <p:txBody>
+          <a:bodyPr>
+            <a:normAutofit/>
+          </a:bodyPr>
+          <a:lstStyle/>
+          <a:p>
+            <a:pPr algn="ctr"/>
+            <a:br>
+              <a:rPr lang="it-IT" b="1" dirty="0">
+                <a:solidFill>
+                  <a:schemeClr val="bg1"/>
+                </a:solidFill>
+                <a:latin typeface="Poppins Medium"/>
+                <a:ea typeface="Calibri Light"/>
+                <a:cs typeface="Poppins Medium"/>
+              </a:rPr>
+            </a:br>
+            <a:r>
+              <a:rPr lang="it-IT" sz="5300" b="1" dirty="0">
+                <a:solidFill>
+                  <a:schemeClr val="bg1"/>
+                </a:solidFill>
+                <a:latin typeface="Poppins Medium"/>
+                <a:ea typeface="Calibri Light"/>
+                <a:cs typeface="Poppins Medium"/>
+              </a:rPr>
+              <a:t>TESTING</a:t>
+            </a:r>
+            <a:br>
+              <a:rPr lang="it-IT" b="1" dirty="0">
+                <a:latin typeface="Poppins Medium"/>
+                <a:cs typeface="Poppins Medium"/>
+              </a:rPr>
+            </a:br>
+            <a:br>
+              <a:rPr lang="it-IT" sz="1800" i="1" dirty="0">
+                <a:latin typeface="Poppins Medium" panose="00000600000000000000" pitchFamily="2" charset="0"/>
+                <a:cs typeface="Poppins Medium" panose="00000600000000000000" pitchFamily="2" charset="0"/>
+              </a:rPr>
+            </a:br>
+            <a:endParaRPr lang="it-IT" sz="1800" dirty="0">
+              <a:latin typeface="Poppins Medium" panose="00000600000000000000" pitchFamily="2" charset="0"/>
+              <a:ea typeface="+mj-lt"/>
+              <a:cs typeface="Poppins Medium" panose="00000600000000000000" pitchFamily="2" charset="0"/>
+            </a:endParaRPr>
+          </a:p>
+        </p:txBody>
+      </p:sp>
+      <p:sp>
+        <p:nvSpPr>
+          <p:cNvPr id="4" name="Segnaposto data 3">
+            <a:extLst>
+              <a:ext uri="{FF2B5EF4-FFF2-40B4-BE49-F238E27FC236}">
+                <a16:creationId xmlns:a16="http://schemas.microsoft.com/office/drawing/2014/main" id="{2FDB7171-3E91-AF0B-DDA7-7C25BCB487A1}"/>
+              </a:ext>
+            </a:extLst>
+          </p:cNvPr>
+          <p:cNvSpPr>
+            <a:spLocks noGrp="1"/>
+          </p:cNvSpPr>
+          <p:nvPr>
+            <p:ph type="dt" sz="half" idx="10"/>
+          </p:nvPr>
+        </p:nvSpPr>
+        <p:spPr/>
+        <p:txBody>
+          <a:bodyPr/>
+          <a:lstStyle/>
+          <a:p>
+            <a:r>
+              <a:rPr lang="it-IT" sz="1600">
+                <a:solidFill>
+                  <a:schemeClr val="bg1"/>
+                </a:solidFill>
+                <a:effectLst>
+                  <a:outerShdw blurRad="38100" dist="38100" dir="2700000" algn="tl">
+                    <a:srgbClr val="000000">
+                      <a:alpha val="43137"/>
+                    </a:srgbClr>
+                  </a:outerShdw>
+                </a:effectLst>
+                <a:latin typeface="Poppins Medium" panose="00000600000000000000" pitchFamily="2" charset="0"/>
+                <a:cs typeface="Poppins Medium" panose="00000600000000000000" pitchFamily="2" charset="0"/>
+              </a:rPr>
+              <a:t>31 Maggio 2022</a:t>
+            </a:r>
+            <a:endParaRPr lang="de-DE" sz="1600">
+              <a:solidFill>
+                <a:schemeClr val="bg1"/>
+              </a:solidFill>
+              <a:effectLst>
+                <a:outerShdw blurRad="38100" dist="38100" dir="2700000" algn="tl">
+                  <a:srgbClr val="000000">
+                    <a:alpha val="43137"/>
+                  </a:srgbClr>
+                </a:outerShdw>
+              </a:effectLst>
+              <a:latin typeface="Poppins Medium" panose="00000600000000000000" pitchFamily="2" charset="0"/>
+              <a:cs typeface="Poppins Medium" panose="00000600000000000000" pitchFamily="2" charset="0"/>
+            </a:endParaRPr>
+          </a:p>
+        </p:txBody>
+      </p:sp>
+      <p:sp>
+        <p:nvSpPr>
+          <p:cNvPr id="6" name="Segnaposto numero diapositiva 5">
+            <a:extLst>
+              <a:ext uri="{FF2B5EF4-FFF2-40B4-BE49-F238E27FC236}">
+                <a16:creationId xmlns:a16="http://schemas.microsoft.com/office/drawing/2014/main" id="{D8ABE49A-B3ED-E602-CFFA-63BA9EA87067}"/>
+              </a:ext>
+            </a:extLst>
+          </p:cNvPr>
+          <p:cNvSpPr>
+            <a:spLocks noGrp="1"/>
+          </p:cNvSpPr>
+          <p:nvPr>
+            <p:ph type="sldNum" sz="quarter" idx="12"/>
+          </p:nvPr>
+        </p:nvSpPr>
+        <p:spPr/>
+        <p:txBody>
+          <a:bodyPr/>
+          <a:lstStyle/>
+          <a:p>
+            <a:fld id="{66CD45B7-DFE2-4393-8D37-380FC36BF3AA}" type="slidenum">
+              <a:rPr lang="de-DE" sz="1600" smtClean="0">
+                <a:solidFill>
+                  <a:schemeClr val="bg1"/>
+                </a:solidFill>
+                <a:effectLst>
+                  <a:outerShdw blurRad="38100" dist="38100" dir="2700000" algn="tl">
+                    <a:srgbClr val="000000">
+                      <a:alpha val="43137"/>
+                    </a:srgbClr>
+                  </a:outerShdw>
+                </a:effectLst>
+                <a:latin typeface="Poppins Medium" panose="00000600000000000000" pitchFamily="2" charset="0"/>
+                <a:cs typeface="Poppins Medium" panose="00000600000000000000" pitchFamily="2" charset="0"/>
+              </a:rPr>
+              <a:pPr/>
+              <a:t>14</a:t>
+            </a:fld>
+            <a:r>
+              <a:rPr lang="de-DE" sz="1600">
+                <a:solidFill>
+                  <a:schemeClr val="bg1"/>
+                </a:solidFill>
+                <a:effectLst>
+                  <a:outerShdw blurRad="38100" dist="38100" dir="2700000" algn="tl">
+                    <a:srgbClr val="000000">
+                      <a:alpha val="43137"/>
+                    </a:srgbClr>
+                  </a:outerShdw>
+                </a:effectLst>
+                <a:latin typeface="Poppins Medium" panose="00000600000000000000" pitchFamily="2" charset="0"/>
+                <a:cs typeface="Poppins Medium" panose="00000600000000000000" pitchFamily="2" charset="0"/>
+              </a:rPr>
+              <a:t>/16</a:t>
+            </a:r>
+          </a:p>
+        </p:txBody>
+      </p:sp>
+      <p:pic>
+        <p:nvPicPr>
+          <p:cNvPr id="5" name="Elemento grafico 4" descr="Insetto sotto lente d'ingrandimento con riempimento a tinta unita">
+            <a:extLst>
+              <a:ext uri="{FF2B5EF4-FFF2-40B4-BE49-F238E27FC236}">
+                <a16:creationId xmlns:a16="http://schemas.microsoft.com/office/drawing/2014/main" id="{5E086628-DDE8-2B81-FB29-95D470557848}"/>
+              </a:ext>
+            </a:extLst>
+          </p:cNvPr>
+          <p:cNvPicPr>
+            <a:picLocks noChangeAspect="1"/>
+          </p:cNvPicPr>
+          <p:nvPr/>
+        </p:nvPicPr>
+        <p:blipFill>
+          <a:blip r:embed="rId2">
+            <a:extLst>
+              <a:ext uri="{28A0092B-C50C-407E-A947-70E740481C1C}">
+                <a14:useLocalDpi xmlns:a14="http://schemas.microsoft.com/office/drawing/2010/main" val="0"/>
+              </a:ext>
+              <a:ext uri="{96DAC541-7B7A-43D3-8B79-37D633B846F1}">
+                <asvg:svgBlip xmlns:asvg="http://schemas.microsoft.com/office/drawing/2016/SVG/main" r:embed="rId3"/>
+              </a:ext>
+            </a:extLst>
+          </a:blip>
+          <a:stretch>
+            <a:fillRect/>
+          </a:stretch>
+        </p:blipFill>
+        <p:spPr>
+          <a:xfrm flipH="1">
+            <a:off x="9982200" y="500609"/>
+            <a:ext cx="1535723" cy="1535723"/>
+          </a:xfrm>
+          <a:prstGeom prst="rect">
+            <a:avLst/>
+          </a:prstGeom>
+        </p:spPr>
+      </p:pic>
+    </p:spTree>
+    <p:extLst>
+      <p:ext uri="{BB962C8B-B14F-4D97-AF65-F5344CB8AC3E}">
+        <p14:creationId xmlns:p14="http://schemas.microsoft.com/office/powerpoint/2010/main" val="3565926194"/>
+      </p:ext>
+    </p:extLst>
+  </p:cSld>
+  <p:clrMapOvr>
+    <a:masterClrMapping/>
+  </p:clrMapOvr>
+</p:sld>
+</file>
+
+<file path=ppt/slides/slide15.xml><?xml version="1.0" encoding="utf-8"?>
+<p:sld xmlns:a="http://schemas.openxmlformats.org/drawingml/2006/main" xmlns:r="http://schemas.openxmlformats.org/officeDocument/2006/relationships" xmlns:p="http://schemas.openxmlformats.org/presentationml/2006/main">
+  <p:cSld>
+    <p:spTree>
+      <p:nvGrpSpPr>
+        <p:cNvPr id="1" name=""/>
+        <p:cNvGrpSpPr/>
+        <p:nvPr/>
+      </p:nvGrpSpPr>
+      <p:grpSpPr>
+        <a:xfrm>
+          <a:off x="0" y="0"/>
+          <a:ext cx="0" cy="0"/>
+          <a:chOff x="0" y="0"/>
+          <a:chExt cx="0" cy="0"/>
+        </a:xfrm>
+      </p:grpSpPr>
+      <p:sp>
+        <p:nvSpPr>
+          <p:cNvPr id="9" name="Rettangolo 8">
+            <a:extLst>
+              <a:ext uri="{FF2B5EF4-FFF2-40B4-BE49-F238E27FC236}">
+                <a16:creationId xmlns:a16="http://schemas.microsoft.com/office/drawing/2014/main" id="{75A649AD-BFC8-D407-B3D8-768C796B24EE}"/>
+              </a:ext>
+            </a:extLst>
+          </p:cNvPr>
+          <p:cNvSpPr/>
+          <p:nvPr/>
+        </p:nvSpPr>
+        <p:spPr>
+          <a:xfrm>
+            <a:off x="1" y="-1039"/>
+            <a:ext cx="12188928" cy="6859039"/>
+          </a:xfrm>
+          <a:prstGeom prst="rect">
+            <a:avLst/>
+          </a:prstGeom>
+          <a:solidFill>
+            <a:srgbClr val="002060"/>
+          </a:solidFill>
+        </p:spPr>
+        <p:style>
+          <a:lnRef idx="2">
+            <a:schemeClr val="accent3">
+              <a:shade val="50000"/>
+            </a:schemeClr>
+          </a:lnRef>
+          <a:fillRef idx="1">
+            <a:schemeClr val="accent3"/>
+          </a:fillRef>
+          <a:effectRef idx="0">
+            <a:schemeClr val="accent3"/>
+          </a:effectRef>
+          <a:fontRef idx="minor">
+            <a:schemeClr val="lt1"/>
+          </a:fontRef>
+        </p:style>
+        <p:txBody>
+          <a:bodyPr rtlCol="0" anchor="ctr"/>
+          <a:lstStyle/>
+          <a:p>
+            <a:pPr algn="ctr"/>
+            <a:endParaRPr lang="it-IT">
+              <a:latin typeface="Poppins Medium" panose="00000600000000000000" pitchFamily="2" charset="0"/>
+              <a:cs typeface="Poppins Medium" panose="00000600000000000000" pitchFamily="2" charset="0"/>
+            </a:endParaRPr>
+          </a:p>
+        </p:txBody>
+      </p:sp>
+      <p:sp>
+        <p:nvSpPr>
+          <p:cNvPr id="2" name="Titolo 1">
+            <a:extLst>
+              <a:ext uri="{FF2B5EF4-FFF2-40B4-BE49-F238E27FC236}">
+                <a16:creationId xmlns:a16="http://schemas.microsoft.com/office/drawing/2014/main" id="{0433AC6E-9B67-D8D1-4A74-54158F91506A}"/>
+              </a:ext>
+            </a:extLst>
+          </p:cNvPr>
+          <p:cNvSpPr>
+            <a:spLocks noGrp="1"/>
+          </p:cNvSpPr>
+          <p:nvPr>
+            <p:ph type="title"/>
+          </p:nvPr>
+        </p:nvSpPr>
+        <p:spPr>
+          <a:xfrm>
+            <a:off x="838200" y="2236440"/>
+            <a:ext cx="10515600" cy="2384079"/>
+          </a:xfrm>
+          <a:ln>
+            <a:noFill/>
+          </a:ln>
+        </p:spPr>
+        <p:txBody>
+          <a:bodyPr>
+            <a:normAutofit/>
+          </a:bodyPr>
+          <a:lstStyle/>
+          <a:p>
+            <a:pPr algn="ctr"/>
+            <a:br>
+              <a:rPr lang="it-IT" b="1" dirty="0">
+                <a:solidFill>
+                  <a:schemeClr val="bg1"/>
+                </a:solidFill>
+                <a:latin typeface="Poppins Medium"/>
+                <a:ea typeface="Calibri Light"/>
+                <a:cs typeface="Poppins Medium"/>
+              </a:rPr>
+            </a:br>
+            <a:r>
+              <a:rPr lang="it-IT" sz="5300" b="1" dirty="0">
+                <a:solidFill>
+                  <a:schemeClr val="bg1"/>
+                </a:solidFill>
+                <a:latin typeface="Poppins Medium"/>
+                <a:ea typeface="Calibri Light"/>
+                <a:cs typeface="Poppins Medium"/>
+              </a:rPr>
+              <a:t>ARTIFACT REPOSITORY</a:t>
+            </a:r>
+            <a:br>
+              <a:rPr lang="it-IT" b="1" dirty="0">
+                <a:latin typeface="Poppins Medium"/>
+                <a:cs typeface="Poppins Medium"/>
+              </a:rPr>
+            </a:br>
+            <a:br>
+              <a:rPr lang="it-IT" sz="1800" i="1" dirty="0">
+                <a:latin typeface="Poppins Medium" panose="00000600000000000000" pitchFamily="2" charset="0"/>
+                <a:cs typeface="Poppins Medium" panose="00000600000000000000" pitchFamily="2" charset="0"/>
+              </a:rPr>
+            </a:br>
+            <a:endParaRPr lang="it-IT" sz="1800" dirty="0">
+              <a:latin typeface="Poppins Medium" panose="00000600000000000000" pitchFamily="2" charset="0"/>
+              <a:ea typeface="+mj-lt"/>
+              <a:cs typeface="Poppins Medium" panose="00000600000000000000" pitchFamily="2" charset="0"/>
+            </a:endParaRPr>
+          </a:p>
+        </p:txBody>
+      </p:sp>
+      <p:sp>
+        <p:nvSpPr>
+          <p:cNvPr id="4" name="Segnaposto data 3">
+            <a:extLst>
+              <a:ext uri="{FF2B5EF4-FFF2-40B4-BE49-F238E27FC236}">
+                <a16:creationId xmlns:a16="http://schemas.microsoft.com/office/drawing/2014/main" id="{2FDB7171-3E91-AF0B-DDA7-7C25BCB487A1}"/>
+              </a:ext>
+            </a:extLst>
+          </p:cNvPr>
+          <p:cNvSpPr>
+            <a:spLocks noGrp="1"/>
+          </p:cNvSpPr>
+          <p:nvPr>
+            <p:ph type="dt" sz="half" idx="10"/>
+          </p:nvPr>
+        </p:nvSpPr>
+        <p:spPr/>
+        <p:txBody>
+          <a:bodyPr/>
+          <a:lstStyle/>
+          <a:p>
+            <a:r>
+              <a:rPr lang="it-IT" sz="1600">
+                <a:solidFill>
+                  <a:schemeClr val="bg1"/>
+                </a:solidFill>
+                <a:effectLst>
+                  <a:outerShdw blurRad="38100" dist="38100" dir="2700000" algn="tl">
+                    <a:srgbClr val="000000">
+                      <a:alpha val="43137"/>
+                    </a:srgbClr>
+                  </a:outerShdw>
+                </a:effectLst>
+                <a:latin typeface="Poppins Medium" panose="00000600000000000000" pitchFamily="2" charset="0"/>
+                <a:cs typeface="Poppins Medium" panose="00000600000000000000" pitchFamily="2" charset="0"/>
+              </a:rPr>
+              <a:t>31 Maggio 2022</a:t>
+            </a:r>
+            <a:endParaRPr lang="de-DE" sz="1600">
+              <a:solidFill>
+                <a:schemeClr val="bg1"/>
+              </a:solidFill>
+              <a:effectLst>
+                <a:outerShdw blurRad="38100" dist="38100" dir="2700000" algn="tl">
+                  <a:srgbClr val="000000">
+                    <a:alpha val="43137"/>
+                  </a:srgbClr>
+                </a:outerShdw>
+              </a:effectLst>
+              <a:latin typeface="Poppins Medium" panose="00000600000000000000" pitchFamily="2" charset="0"/>
+              <a:cs typeface="Poppins Medium" panose="00000600000000000000" pitchFamily="2" charset="0"/>
+            </a:endParaRPr>
+          </a:p>
+        </p:txBody>
+      </p:sp>
+      <p:sp>
+        <p:nvSpPr>
+          <p:cNvPr id="6" name="Segnaposto numero diapositiva 5">
+            <a:extLst>
+              <a:ext uri="{FF2B5EF4-FFF2-40B4-BE49-F238E27FC236}">
+                <a16:creationId xmlns:a16="http://schemas.microsoft.com/office/drawing/2014/main" id="{D8ABE49A-B3ED-E602-CFFA-63BA9EA87067}"/>
+              </a:ext>
+            </a:extLst>
+          </p:cNvPr>
+          <p:cNvSpPr>
+            <a:spLocks noGrp="1"/>
+          </p:cNvSpPr>
+          <p:nvPr>
+            <p:ph type="sldNum" sz="quarter" idx="12"/>
+          </p:nvPr>
+        </p:nvSpPr>
+        <p:spPr/>
+        <p:txBody>
+          <a:bodyPr/>
+          <a:lstStyle/>
+          <a:p>
+            <a:fld id="{66CD45B7-DFE2-4393-8D37-380FC36BF3AA}" type="slidenum">
+              <a:rPr lang="de-DE" sz="1600" smtClean="0">
+                <a:solidFill>
+                  <a:schemeClr val="bg1"/>
+                </a:solidFill>
+                <a:effectLst>
+                  <a:outerShdw blurRad="38100" dist="38100" dir="2700000" algn="tl">
+                    <a:srgbClr val="000000">
+                      <a:alpha val="43137"/>
+                    </a:srgbClr>
+                  </a:outerShdw>
+                </a:effectLst>
+                <a:latin typeface="Poppins Medium" panose="00000600000000000000" pitchFamily="2" charset="0"/>
+                <a:cs typeface="Poppins Medium" panose="00000600000000000000" pitchFamily="2" charset="0"/>
+              </a:rPr>
+              <a:pPr/>
+              <a:t>15</a:t>
+            </a:fld>
+            <a:r>
+              <a:rPr lang="de-DE" sz="1600">
+                <a:solidFill>
+                  <a:schemeClr val="bg1"/>
+                </a:solidFill>
+                <a:effectLst>
+                  <a:outerShdw blurRad="38100" dist="38100" dir="2700000" algn="tl">
+                    <a:srgbClr val="000000">
+                      <a:alpha val="43137"/>
+                    </a:srgbClr>
+                  </a:outerShdw>
+                </a:effectLst>
+                <a:latin typeface="Poppins Medium" panose="00000600000000000000" pitchFamily="2" charset="0"/>
+                <a:cs typeface="Poppins Medium" panose="00000600000000000000" pitchFamily="2" charset="0"/>
+              </a:rPr>
+              <a:t>/16</a:t>
+            </a:r>
+          </a:p>
+        </p:txBody>
+      </p:sp>
+      <p:pic>
+        <p:nvPicPr>
+          <p:cNvPr id="7" name="Elemento grafico 6" descr="Scatola con riempimento a tinta unita">
+            <a:extLst>
+              <a:ext uri="{FF2B5EF4-FFF2-40B4-BE49-F238E27FC236}">
+                <a16:creationId xmlns:a16="http://schemas.microsoft.com/office/drawing/2014/main" id="{B1CD20B1-D24B-5B2E-CADD-348CF7FF02A6}"/>
+              </a:ext>
+            </a:extLst>
+          </p:cNvPr>
+          <p:cNvPicPr>
+            <a:picLocks noChangeAspect="1"/>
+          </p:cNvPicPr>
+          <p:nvPr/>
+        </p:nvPicPr>
+        <p:blipFill>
+          <a:blip r:embed="rId2">
+            <a:extLst>
+              <a:ext uri="{28A0092B-C50C-407E-A947-70E740481C1C}">
+                <a14:useLocalDpi xmlns:a14="http://schemas.microsoft.com/office/drawing/2010/main" val="0"/>
+              </a:ext>
+              <a:ext uri="{96DAC541-7B7A-43D3-8B79-37D633B846F1}">
+                <asvg:svgBlip xmlns:asvg="http://schemas.microsoft.com/office/drawing/2016/SVG/main" r:embed="rId3"/>
+              </a:ext>
+            </a:extLst>
+          </a:blip>
+          <a:stretch>
+            <a:fillRect/>
+          </a:stretch>
+        </p:blipFill>
+        <p:spPr>
+          <a:xfrm>
+            <a:off x="9982200" y="545973"/>
+            <a:ext cx="1553942" cy="1553942"/>
+          </a:xfrm>
+          <a:prstGeom prst="rect">
+            <a:avLst/>
+          </a:prstGeom>
+        </p:spPr>
+      </p:pic>
+    </p:spTree>
+    <p:extLst>
+      <p:ext uri="{BB962C8B-B14F-4D97-AF65-F5344CB8AC3E}">
+        <p14:creationId xmlns:p14="http://schemas.microsoft.com/office/powerpoint/2010/main" val="974300391"/>
+      </p:ext>
+    </p:extLst>
+  </p:cSld>
+  <p:clrMapOvr>
+    <a:masterClrMapping/>
+  </p:clrMapOvr>
+</p:sld>
+</file>
+
+<file path=ppt/slides/slide16.xml><?xml version="1.0" encoding="utf-8"?>
+<p:sld xmlns:a="http://schemas.openxmlformats.org/drawingml/2006/main" xmlns:r="http://schemas.openxmlformats.org/officeDocument/2006/relationships" xmlns:p="http://schemas.openxmlformats.org/presentationml/2006/main">
+  <p:cSld>
+    <p:spTree>
+      <p:nvGrpSpPr>
+        <p:cNvPr id="1" name=""/>
+        <p:cNvGrpSpPr/>
+        <p:nvPr/>
+      </p:nvGrpSpPr>
+      <p:grpSpPr>
+        <a:xfrm>
+          <a:off x="0" y="0"/>
+          <a:ext cx="0" cy="0"/>
+          <a:chOff x="0" y="0"/>
+          <a:chExt cx="0" cy="0"/>
+        </a:xfrm>
+      </p:grpSpPr>
+      <p:sp>
+        <p:nvSpPr>
+          <p:cNvPr id="9" name="Rettangolo 8">
+            <a:extLst>
+              <a:ext uri="{FF2B5EF4-FFF2-40B4-BE49-F238E27FC236}">
+                <a16:creationId xmlns:a16="http://schemas.microsoft.com/office/drawing/2014/main" id="{75A649AD-BFC8-D407-B3D8-768C796B24EE}"/>
+              </a:ext>
+            </a:extLst>
+          </p:cNvPr>
+          <p:cNvSpPr/>
+          <p:nvPr/>
+        </p:nvSpPr>
+        <p:spPr>
+          <a:xfrm>
+            <a:off x="1" y="-1039"/>
+            <a:ext cx="12188928" cy="6859039"/>
+          </a:xfrm>
+          <a:prstGeom prst="rect">
+            <a:avLst/>
+          </a:prstGeom>
+          <a:solidFill>
+            <a:srgbClr val="002060"/>
+          </a:solidFill>
+        </p:spPr>
+        <p:style>
+          <a:lnRef idx="2">
+            <a:schemeClr val="accent3">
+              <a:shade val="50000"/>
+            </a:schemeClr>
+          </a:lnRef>
+          <a:fillRef idx="1">
+            <a:schemeClr val="accent3"/>
+          </a:fillRef>
+          <a:effectRef idx="0">
+            <a:schemeClr val="accent3"/>
+          </a:effectRef>
+          <a:fontRef idx="minor">
+            <a:schemeClr val="lt1"/>
+          </a:fontRef>
+        </p:style>
+        <p:txBody>
+          <a:bodyPr rtlCol="0" anchor="ctr"/>
+          <a:lstStyle/>
+          <a:p>
+            <a:pPr algn="ctr"/>
+            <a:endParaRPr lang="it-IT">
+              <a:latin typeface="Poppins Medium" panose="00000600000000000000" pitchFamily="2" charset="0"/>
+              <a:cs typeface="Poppins Medium" panose="00000600000000000000" pitchFamily="2" charset="0"/>
+            </a:endParaRPr>
+          </a:p>
+        </p:txBody>
+      </p:sp>
+      <p:sp>
+        <p:nvSpPr>
+          <p:cNvPr id="2" name="Titolo 1">
+            <a:extLst>
+              <a:ext uri="{FF2B5EF4-FFF2-40B4-BE49-F238E27FC236}">
+                <a16:creationId xmlns:a16="http://schemas.microsoft.com/office/drawing/2014/main" id="{0433AC6E-9B67-D8D1-4A74-54158F91506A}"/>
+              </a:ext>
+            </a:extLst>
+          </p:cNvPr>
+          <p:cNvSpPr>
+            <a:spLocks noGrp="1"/>
+          </p:cNvSpPr>
+          <p:nvPr>
+            <p:ph type="title"/>
+          </p:nvPr>
+        </p:nvSpPr>
+        <p:spPr>
+          <a:xfrm>
+            <a:off x="838200" y="2236440"/>
+            <a:ext cx="10515600" cy="2384079"/>
+          </a:xfrm>
+          <a:ln>
+            <a:noFill/>
+          </a:ln>
+        </p:spPr>
+        <p:txBody>
+          <a:bodyPr>
+            <a:normAutofit/>
+          </a:bodyPr>
+          <a:lstStyle/>
+          <a:p>
+            <a:pPr algn="ctr"/>
+            <a:br>
+              <a:rPr lang="it-IT" b="1" dirty="0">
+                <a:solidFill>
+                  <a:schemeClr val="bg1"/>
+                </a:solidFill>
+                <a:latin typeface="Poppins Medium"/>
+                <a:ea typeface="Calibri Light"/>
+                <a:cs typeface="Poppins Medium"/>
+              </a:rPr>
+            </a:br>
+            <a:r>
+              <a:rPr lang="it-IT" sz="5300" b="1" dirty="0">
+                <a:solidFill>
+                  <a:schemeClr val="bg1"/>
+                </a:solidFill>
+                <a:latin typeface="Poppins Medium"/>
+                <a:ea typeface="Calibri Light"/>
+                <a:cs typeface="Poppins Medium"/>
+              </a:rPr>
+              <a:t>CONTINUOS DELIVERY</a:t>
+            </a:r>
+            <a:br>
+              <a:rPr lang="it-IT" b="1" dirty="0">
+                <a:latin typeface="Poppins Medium"/>
+                <a:cs typeface="Poppins Medium"/>
+              </a:rPr>
+            </a:br>
+            <a:br>
+              <a:rPr lang="it-IT" sz="1800" i="1" dirty="0">
+                <a:latin typeface="Poppins Medium" panose="00000600000000000000" pitchFamily="2" charset="0"/>
+                <a:cs typeface="Poppins Medium" panose="00000600000000000000" pitchFamily="2" charset="0"/>
+              </a:rPr>
+            </a:br>
+            <a:endParaRPr lang="it-IT" sz="1800" dirty="0">
+              <a:latin typeface="Poppins Medium" panose="00000600000000000000" pitchFamily="2" charset="0"/>
+              <a:ea typeface="+mj-lt"/>
+              <a:cs typeface="Poppins Medium" panose="00000600000000000000" pitchFamily="2" charset="0"/>
+            </a:endParaRPr>
+          </a:p>
+        </p:txBody>
+      </p:sp>
+      <p:sp>
+        <p:nvSpPr>
+          <p:cNvPr id="4" name="Segnaposto data 3">
+            <a:extLst>
+              <a:ext uri="{FF2B5EF4-FFF2-40B4-BE49-F238E27FC236}">
+                <a16:creationId xmlns:a16="http://schemas.microsoft.com/office/drawing/2014/main" id="{2FDB7171-3E91-AF0B-DDA7-7C25BCB487A1}"/>
+              </a:ext>
+            </a:extLst>
+          </p:cNvPr>
+          <p:cNvSpPr>
+            <a:spLocks noGrp="1"/>
+          </p:cNvSpPr>
+          <p:nvPr>
+            <p:ph type="dt" sz="half" idx="10"/>
+          </p:nvPr>
+        </p:nvSpPr>
+        <p:spPr/>
+        <p:txBody>
+          <a:bodyPr/>
+          <a:lstStyle/>
+          <a:p>
+            <a:r>
+              <a:rPr lang="it-IT" sz="1600">
+                <a:solidFill>
+                  <a:schemeClr val="bg1"/>
+                </a:solidFill>
+                <a:effectLst>
+                  <a:outerShdw blurRad="38100" dist="38100" dir="2700000" algn="tl">
+                    <a:srgbClr val="000000">
+                      <a:alpha val="43137"/>
+                    </a:srgbClr>
+                  </a:outerShdw>
+                </a:effectLst>
+                <a:latin typeface="Poppins Medium" panose="00000600000000000000" pitchFamily="2" charset="0"/>
+                <a:cs typeface="Poppins Medium" panose="00000600000000000000" pitchFamily="2" charset="0"/>
+              </a:rPr>
+              <a:t>31 Maggio 2022</a:t>
+            </a:r>
+            <a:endParaRPr lang="de-DE" sz="1600">
+              <a:solidFill>
+                <a:schemeClr val="bg1"/>
+              </a:solidFill>
+              <a:effectLst>
+                <a:outerShdw blurRad="38100" dist="38100" dir="2700000" algn="tl">
+                  <a:srgbClr val="000000">
+                    <a:alpha val="43137"/>
+                  </a:srgbClr>
+                </a:outerShdw>
+              </a:effectLst>
+              <a:latin typeface="Poppins Medium" panose="00000600000000000000" pitchFamily="2" charset="0"/>
+              <a:cs typeface="Poppins Medium" panose="00000600000000000000" pitchFamily="2" charset="0"/>
+            </a:endParaRPr>
+          </a:p>
+        </p:txBody>
+      </p:sp>
+      <p:sp>
+        <p:nvSpPr>
+          <p:cNvPr id="6" name="Segnaposto numero diapositiva 5">
+            <a:extLst>
+              <a:ext uri="{FF2B5EF4-FFF2-40B4-BE49-F238E27FC236}">
+                <a16:creationId xmlns:a16="http://schemas.microsoft.com/office/drawing/2014/main" id="{D8ABE49A-B3ED-E602-CFFA-63BA9EA87067}"/>
+              </a:ext>
+            </a:extLst>
+          </p:cNvPr>
+          <p:cNvSpPr>
+            <a:spLocks noGrp="1"/>
+          </p:cNvSpPr>
+          <p:nvPr>
+            <p:ph type="sldNum" sz="quarter" idx="12"/>
+          </p:nvPr>
+        </p:nvSpPr>
+        <p:spPr/>
+        <p:txBody>
+          <a:bodyPr/>
+          <a:lstStyle/>
+          <a:p>
+            <a:fld id="{66CD45B7-DFE2-4393-8D37-380FC36BF3AA}" type="slidenum">
+              <a:rPr lang="de-DE" sz="1600" smtClean="0">
+                <a:solidFill>
+                  <a:schemeClr val="bg1"/>
+                </a:solidFill>
+                <a:effectLst>
+                  <a:outerShdw blurRad="38100" dist="38100" dir="2700000" algn="tl">
+                    <a:srgbClr val="000000">
+                      <a:alpha val="43137"/>
+                    </a:srgbClr>
+                  </a:outerShdw>
+                </a:effectLst>
+                <a:latin typeface="Poppins Medium" panose="00000600000000000000" pitchFamily="2" charset="0"/>
+                <a:cs typeface="Poppins Medium" panose="00000600000000000000" pitchFamily="2" charset="0"/>
+              </a:rPr>
+              <a:pPr/>
+              <a:t>16</a:t>
+            </a:fld>
+            <a:r>
+              <a:rPr lang="de-DE" sz="1600">
+                <a:solidFill>
+                  <a:schemeClr val="bg1"/>
+                </a:solidFill>
+                <a:effectLst>
+                  <a:outerShdw blurRad="38100" dist="38100" dir="2700000" algn="tl">
+                    <a:srgbClr val="000000">
+                      <a:alpha val="43137"/>
+                    </a:srgbClr>
+                  </a:outerShdw>
+                </a:effectLst>
+                <a:latin typeface="Poppins Medium" panose="00000600000000000000" pitchFamily="2" charset="0"/>
+                <a:cs typeface="Poppins Medium" panose="00000600000000000000" pitchFamily="2" charset="0"/>
+              </a:rPr>
+              <a:t>/16</a:t>
+            </a:r>
+          </a:p>
+        </p:txBody>
+      </p:sp>
+      <p:pic>
+        <p:nvPicPr>
+          <p:cNvPr id="7" name="Elemento grafico 6" descr="Consegna con riempimento a tinta unita">
+            <a:extLst>
+              <a:ext uri="{FF2B5EF4-FFF2-40B4-BE49-F238E27FC236}">
+                <a16:creationId xmlns:a16="http://schemas.microsoft.com/office/drawing/2014/main" id="{B0022F48-8E3C-0B01-9B7E-709C6BACF039}"/>
+              </a:ext>
+            </a:extLst>
+          </p:cNvPr>
+          <p:cNvPicPr>
+            <a:picLocks noChangeAspect="1"/>
+          </p:cNvPicPr>
+          <p:nvPr/>
+        </p:nvPicPr>
+        <p:blipFill>
+          <a:blip r:embed="rId2">
+            <a:extLst>
+              <a:ext uri="{28A0092B-C50C-407E-A947-70E740481C1C}">
+                <a14:useLocalDpi xmlns:a14="http://schemas.microsoft.com/office/drawing/2010/main" val="0"/>
+              </a:ext>
+              <a:ext uri="{96DAC541-7B7A-43D3-8B79-37D633B846F1}">
+                <asvg:svgBlip xmlns:asvg="http://schemas.microsoft.com/office/drawing/2016/SVG/main" r:embed="rId3"/>
+              </a:ext>
+            </a:extLst>
+          </a:blip>
+          <a:stretch>
+            <a:fillRect/>
+          </a:stretch>
+        </p:blipFill>
+        <p:spPr>
+          <a:xfrm>
+            <a:off x="9982200" y="238470"/>
+            <a:ext cx="1758461" cy="1758461"/>
+          </a:xfrm>
+          <a:prstGeom prst="rect">
+            <a:avLst/>
+          </a:prstGeom>
+        </p:spPr>
+      </p:pic>
+    </p:spTree>
+    <p:extLst>
+      <p:ext uri="{BB962C8B-B14F-4D97-AF65-F5344CB8AC3E}">
+        <p14:creationId xmlns:p14="http://schemas.microsoft.com/office/powerpoint/2010/main" val="2438197588"/>
+      </p:ext>
+    </p:extLst>
+  </p:cSld>
+  <p:clrMapOvr>
+    <a:masterClrMapping/>
+  </p:clrMapOvr>
+</p:sld>
+</file>
+
+<file path=ppt/slides/slide17.xml><?xml version="1.0" encoding="utf-8"?>
+<p:sld xmlns:a="http://schemas.openxmlformats.org/drawingml/2006/main" xmlns:r="http://schemas.openxmlformats.org/officeDocument/2006/relationships" xmlns:p="http://schemas.openxmlformats.org/presentationml/2006/main">
+  <p:cSld>
+    <p:spTree>
+      <p:nvGrpSpPr>
+        <p:cNvPr id="1" name=""/>
+        <p:cNvGrpSpPr/>
+        <p:nvPr/>
+      </p:nvGrpSpPr>
+      <p:grpSpPr>
+        <a:xfrm>
+          <a:off x="0" y="0"/>
+          <a:ext cx="0" cy="0"/>
+          <a:chOff x="0" y="0"/>
+          <a:chExt cx="0" cy="0"/>
+        </a:xfrm>
+      </p:grpSpPr>
+      <p:sp>
+        <p:nvSpPr>
+          <p:cNvPr id="9" name="Rettangolo 8">
+            <a:extLst>
+              <a:ext uri="{FF2B5EF4-FFF2-40B4-BE49-F238E27FC236}">
+                <a16:creationId xmlns:a16="http://schemas.microsoft.com/office/drawing/2014/main" id="{75A649AD-BFC8-D407-B3D8-768C796B24EE}"/>
+              </a:ext>
+            </a:extLst>
+          </p:cNvPr>
+          <p:cNvSpPr/>
+          <p:nvPr/>
+        </p:nvSpPr>
+        <p:spPr>
+          <a:xfrm>
+            <a:off x="1" y="-1039"/>
+            <a:ext cx="12188928" cy="6859039"/>
+          </a:xfrm>
+          <a:prstGeom prst="rect">
+            <a:avLst/>
+          </a:prstGeom>
+          <a:solidFill>
+            <a:srgbClr val="002060"/>
+          </a:solidFill>
+        </p:spPr>
+        <p:style>
+          <a:lnRef idx="2">
+            <a:schemeClr val="accent3">
+              <a:shade val="50000"/>
+            </a:schemeClr>
+          </a:lnRef>
+          <a:fillRef idx="1">
+            <a:schemeClr val="accent3"/>
+          </a:fillRef>
+          <a:effectRef idx="0">
+            <a:schemeClr val="accent3"/>
+          </a:effectRef>
+          <a:fontRef idx="minor">
+            <a:schemeClr val="lt1"/>
+          </a:fontRef>
+        </p:style>
+        <p:txBody>
+          <a:bodyPr rtlCol="0" anchor="ctr"/>
+          <a:lstStyle/>
+          <a:p>
+            <a:pPr algn="ctr"/>
+            <a:endParaRPr lang="it-IT">
+              <a:latin typeface="Poppins Medium" panose="00000600000000000000" pitchFamily="2" charset="0"/>
+              <a:cs typeface="Poppins Medium" panose="00000600000000000000" pitchFamily="2" charset="0"/>
+            </a:endParaRPr>
+          </a:p>
+        </p:txBody>
+      </p:sp>
+      <p:sp>
+        <p:nvSpPr>
+          <p:cNvPr id="2" name="Titolo 1">
+            <a:extLst>
+              <a:ext uri="{FF2B5EF4-FFF2-40B4-BE49-F238E27FC236}">
+                <a16:creationId xmlns:a16="http://schemas.microsoft.com/office/drawing/2014/main" id="{0433AC6E-9B67-D8D1-4A74-54158F91506A}"/>
+              </a:ext>
+            </a:extLst>
+          </p:cNvPr>
+          <p:cNvSpPr>
+            <a:spLocks noGrp="1"/>
+          </p:cNvSpPr>
+          <p:nvPr>
+            <p:ph type="title"/>
+          </p:nvPr>
+        </p:nvSpPr>
+        <p:spPr>
+          <a:xfrm>
+            <a:off x="838200" y="2236440"/>
+            <a:ext cx="10515600" cy="2384079"/>
+          </a:xfrm>
+          <a:ln>
+            <a:noFill/>
+          </a:ln>
+        </p:spPr>
+        <p:txBody>
+          <a:bodyPr>
+            <a:normAutofit fontScale="90000"/>
+          </a:bodyPr>
+          <a:lstStyle/>
+          <a:p>
+            <a:pPr algn="ctr"/>
+            <a:br>
+              <a:rPr lang="it-IT" b="1" dirty="0">
+                <a:solidFill>
+                  <a:schemeClr val="bg1"/>
+                </a:solidFill>
+                <a:latin typeface="Poppins Medium"/>
+                <a:ea typeface="Calibri Light"/>
+                <a:cs typeface="Poppins Medium"/>
+              </a:rPr>
+            </a:br>
+            <a:r>
+              <a:rPr lang="it-IT" sz="5300" b="1" dirty="0">
+                <a:solidFill>
+                  <a:schemeClr val="bg1"/>
+                </a:solidFill>
+                <a:latin typeface="Poppins Medium"/>
+                <a:ea typeface="Calibri Light"/>
+                <a:cs typeface="Poppins Medium"/>
+              </a:rPr>
+              <a:t>CONFIGURATION </a:t>
+            </a:r>
+            <a:br>
+              <a:rPr lang="it-IT" sz="5300" b="1" dirty="0">
+                <a:solidFill>
+                  <a:schemeClr val="bg1"/>
+                </a:solidFill>
+                <a:latin typeface="Poppins Medium"/>
+                <a:ea typeface="Calibri Light"/>
+                <a:cs typeface="Poppins Medium"/>
+              </a:rPr>
+            </a:br>
+            <a:r>
+              <a:rPr lang="it-IT" sz="5300" b="1" dirty="0">
+                <a:solidFill>
+                  <a:schemeClr val="bg1"/>
+                </a:solidFill>
+                <a:latin typeface="Poppins Medium"/>
+                <a:ea typeface="Calibri Light"/>
+                <a:cs typeface="Poppins Medium"/>
+              </a:rPr>
+              <a:t>MANAGEMENT TOOLS</a:t>
+            </a:r>
+            <a:br>
+              <a:rPr lang="it-IT" b="1" dirty="0">
+                <a:latin typeface="Poppins Medium"/>
+                <a:cs typeface="Poppins Medium"/>
+              </a:rPr>
+            </a:br>
+            <a:br>
+              <a:rPr lang="it-IT" sz="1800" i="1" dirty="0">
+                <a:latin typeface="Poppins Medium" panose="00000600000000000000" pitchFamily="2" charset="0"/>
+                <a:cs typeface="Poppins Medium" panose="00000600000000000000" pitchFamily="2" charset="0"/>
+              </a:rPr>
+            </a:br>
+            <a:endParaRPr lang="it-IT" sz="1800" dirty="0">
+              <a:latin typeface="Poppins Medium" panose="00000600000000000000" pitchFamily="2" charset="0"/>
+              <a:ea typeface="+mj-lt"/>
+              <a:cs typeface="Poppins Medium" panose="00000600000000000000" pitchFamily="2" charset="0"/>
+            </a:endParaRPr>
+          </a:p>
+        </p:txBody>
+      </p:sp>
+      <p:sp>
+        <p:nvSpPr>
+          <p:cNvPr id="4" name="Segnaposto data 3">
+            <a:extLst>
+              <a:ext uri="{FF2B5EF4-FFF2-40B4-BE49-F238E27FC236}">
+                <a16:creationId xmlns:a16="http://schemas.microsoft.com/office/drawing/2014/main" id="{2FDB7171-3E91-AF0B-DDA7-7C25BCB487A1}"/>
+              </a:ext>
+            </a:extLst>
+          </p:cNvPr>
+          <p:cNvSpPr>
+            <a:spLocks noGrp="1"/>
+          </p:cNvSpPr>
+          <p:nvPr>
+            <p:ph type="dt" sz="half" idx="10"/>
+          </p:nvPr>
+        </p:nvSpPr>
+        <p:spPr/>
+        <p:txBody>
+          <a:bodyPr/>
+          <a:lstStyle/>
+          <a:p>
+            <a:r>
+              <a:rPr lang="it-IT" sz="1600">
+                <a:solidFill>
+                  <a:schemeClr val="bg1"/>
+                </a:solidFill>
+                <a:effectLst>
+                  <a:outerShdw blurRad="38100" dist="38100" dir="2700000" algn="tl">
+                    <a:srgbClr val="000000">
+                      <a:alpha val="43137"/>
+                    </a:srgbClr>
+                  </a:outerShdw>
+                </a:effectLst>
+                <a:latin typeface="Poppins Medium" panose="00000600000000000000" pitchFamily="2" charset="0"/>
+                <a:cs typeface="Poppins Medium" panose="00000600000000000000" pitchFamily="2" charset="0"/>
+              </a:rPr>
+              <a:t>31 Maggio 2022</a:t>
+            </a:r>
+            <a:endParaRPr lang="de-DE" sz="1600">
+              <a:solidFill>
+                <a:schemeClr val="bg1"/>
+              </a:solidFill>
+              <a:effectLst>
+                <a:outerShdw blurRad="38100" dist="38100" dir="2700000" algn="tl">
+                  <a:srgbClr val="000000">
+                    <a:alpha val="43137"/>
+                  </a:srgbClr>
+                </a:outerShdw>
+              </a:effectLst>
+              <a:latin typeface="Poppins Medium" panose="00000600000000000000" pitchFamily="2" charset="0"/>
+              <a:cs typeface="Poppins Medium" panose="00000600000000000000" pitchFamily="2" charset="0"/>
+            </a:endParaRPr>
+          </a:p>
+        </p:txBody>
+      </p:sp>
+      <p:sp>
+        <p:nvSpPr>
+          <p:cNvPr id="6" name="Segnaposto numero diapositiva 5">
+            <a:extLst>
+              <a:ext uri="{FF2B5EF4-FFF2-40B4-BE49-F238E27FC236}">
+                <a16:creationId xmlns:a16="http://schemas.microsoft.com/office/drawing/2014/main" id="{D8ABE49A-B3ED-E602-CFFA-63BA9EA87067}"/>
+              </a:ext>
+            </a:extLst>
+          </p:cNvPr>
+          <p:cNvSpPr>
+            <a:spLocks noGrp="1"/>
+          </p:cNvSpPr>
+          <p:nvPr>
+            <p:ph type="sldNum" sz="quarter" idx="12"/>
+          </p:nvPr>
+        </p:nvSpPr>
+        <p:spPr/>
+        <p:txBody>
+          <a:bodyPr/>
+          <a:lstStyle/>
+          <a:p>
+            <a:fld id="{66CD45B7-DFE2-4393-8D37-380FC36BF3AA}" type="slidenum">
+              <a:rPr lang="de-DE" sz="1600" smtClean="0">
+                <a:solidFill>
+                  <a:schemeClr val="bg1"/>
+                </a:solidFill>
+                <a:effectLst>
+                  <a:outerShdw blurRad="38100" dist="38100" dir="2700000" algn="tl">
+                    <a:srgbClr val="000000">
+                      <a:alpha val="43137"/>
+                    </a:srgbClr>
+                  </a:outerShdw>
+                </a:effectLst>
+                <a:latin typeface="Poppins Medium" panose="00000600000000000000" pitchFamily="2" charset="0"/>
+                <a:cs typeface="Poppins Medium" panose="00000600000000000000" pitchFamily="2" charset="0"/>
+              </a:rPr>
+              <a:pPr/>
+              <a:t>17</a:t>
+            </a:fld>
+            <a:r>
+              <a:rPr lang="de-DE" sz="1600">
+                <a:solidFill>
+                  <a:schemeClr val="bg1"/>
+                </a:solidFill>
+                <a:effectLst>
+                  <a:outerShdw blurRad="38100" dist="38100" dir="2700000" algn="tl">
+                    <a:srgbClr val="000000">
+                      <a:alpha val="43137"/>
+                    </a:srgbClr>
+                  </a:outerShdw>
+                </a:effectLst>
+                <a:latin typeface="Poppins Medium" panose="00000600000000000000" pitchFamily="2" charset="0"/>
+                <a:cs typeface="Poppins Medium" panose="00000600000000000000" pitchFamily="2" charset="0"/>
+              </a:rPr>
+              <a:t>/16</a:t>
+            </a:r>
+          </a:p>
+        </p:txBody>
+      </p:sp>
+      <p:pic>
+        <p:nvPicPr>
+          <p:cNvPr id="8" name="Elemento grafico 7" descr="Gerarchia con riempimento a tinta unita">
+            <a:extLst>
+              <a:ext uri="{FF2B5EF4-FFF2-40B4-BE49-F238E27FC236}">
+                <a16:creationId xmlns:a16="http://schemas.microsoft.com/office/drawing/2014/main" id="{BE1A5518-9A85-4B30-D43F-AD3F2CE538E5}"/>
+              </a:ext>
+            </a:extLst>
+          </p:cNvPr>
+          <p:cNvPicPr>
+            <a:picLocks noChangeAspect="1"/>
+          </p:cNvPicPr>
+          <p:nvPr/>
+        </p:nvPicPr>
+        <p:blipFill>
+          <a:blip r:embed="rId2">
+            <a:extLst>
+              <a:ext uri="{28A0092B-C50C-407E-A947-70E740481C1C}">
+                <a14:useLocalDpi xmlns:a14="http://schemas.microsoft.com/office/drawing/2010/main" val="0"/>
+              </a:ext>
+              <a:ext uri="{96DAC541-7B7A-43D3-8B79-37D633B846F1}">
+                <asvg:svgBlip xmlns:asvg="http://schemas.microsoft.com/office/drawing/2016/SVG/main" r:embed="rId3"/>
+              </a:ext>
+            </a:extLst>
+          </a:blip>
+          <a:stretch>
+            <a:fillRect/>
+          </a:stretch>
+        </p:blipFill>
+        <p:spPr>
+          <a:xfrm>
+            <a:off x="10100603" y="261456"/>
+            <a:ext cx="1638831" cy="1638831"/>
+          </a:xfrm>
+          <a:prstGeom prst="rect">
+            <a:avLst/>
+          </a:prstGeom>
+        </p:spPr>
+      </p:pic>
+    </p:spTree>
+    <p:extLst>
+      <p:ext uri="{BB962C8B-B14F-4D97-AF65-F5344CB8AC3E}">
+        <p14:creationId xmlns:p14="http://schemas.microsoft.com/office/powerpoint/2010/main" val="3672941020"/>
+      </p:ext>
+    </p:extLst>
+  </p:cSld>
+  <p:clrMapOvr>
+    <a:masterClrMapping/>
+  </p:clrMapOvr>
+</p:sld>
+</file>
+
+<file path=ppt/slides/slide18.xml><?xml version="1.0" encoding="utf-8"?>
+<p:sld xmlns:a="http://schemas.openxmlformats.org/drawingml/2006/main" xmlns:r="http://schemas.openxmlformats.org/officeDocument/2006/relationships" xmlns:p="http://schemas.openxmlformats.org/presentationml/2006/main">
+  <p:cSld>
+    <p:spTree>
+      <p:nvGrpSpPr>
+        <p:cNvPr id="1" name=""/>
+        <p:cNvGrpSpPr/>
+        <p:nvPr/>
+      </p:nvGrpSpPr>
+      <p:grpSpPr>
+        <a:xfrm>
+          <a:off x="0" y="0"/>
+          <a:ext cx="0" cy="0"/>
+          <a:chOff x="0" y="0"/>
+          <a:chExt cx="0" cy="0"/>
+        </a:xfrm>
+      </p:grpSpPr>
+      <p:sp>
+        <p:nvSpPr>
+          <p:cNvPr id="9" name="Rettangolo 8">
+            <a:extLst>
+              <a:ext uri="{FF2B5EF4-FFF2-40B4-BE49-F238E27FC236}">
+                <a16:creationId xmlns:a16="http://schemas.microsoft.com/office/drawing/2014/main" id="{75A649AD-BFC8-D407-B3D8-768C796B24EE}"/>
+              </a:ext>
+            </a:extLst>
+          </p:cNvPr>
+          <p:cNvSpPr/>
+          <p:nvPr/>
+        </p:nvSpPr>
+        <p:spPr>
+          <a:xfrm>
+            <a:off x="1" y="-1039"/>
+            <a:ext cx="12188928" cy="6859039"/>
+          </a:xfrm>
+          <a:prstGeom prst="rect">
+            <a:avLst/>
+          </a:prstGeom>
+          <a:solidFill>
+            <a:srgbClr val="002060"/>
+          </a:solidFill>
+        </p:spPr>
+        <p:style>
+          <a:lnRef idx="2">
+            <a:schemeClr val="accent3">
+              <a:shade val="50000"/>
+            </a:schemeClr>
+          </a:lnRef>
+          <a:fillRef idx="1">
+            <a:schemeClr val="accent3"/>
+          </a:fillRef>
+          <a:effectRef idx="0">
+            <a:schemeClr val="accent3"/>
+          </a:effectRef>
+          <a:fontRef idx="minor">
+            <a:schemeClr val="lt1"/>
+          </a:fontRef>
+        </p:style>
+        <p:txBody>
+          <a:bodyPr rtlCol="0" anchor="ctr"/>
+          <a:lstStyle/>
+          <a:p>
+            <a:pPr algn="ctr"/>
+            <a:endParaRPr lang="it-IT">
+              <a:latin typeface="Poppins Medium" panose="00000600000000000000" pitchFamily="2" charset="0"/>
+              <a:cs typeface="Poppins Medium" panose="00000600000000000000" pitchFamily="2" charset="0"/>
+            </a:endParaRPr>
+          </a:p>
+        </p:txBody>
+      </p:sp>
+      <p:sp>
+        <p:nvSpPr>
+          <p:cNvPr id="2" name="Titolo 1">
+            <a:extLst>
+              <a:ext uri="{FF2B5EF4-FFF2-40B4-BE49-F238E27FC236}">
+                <a16:creationId xmlns:a16="http://schemas.microsoft.com/office/drawing/2014/main" id="{0433AC6E-9B67-D8D1-4A74-54158F91506A}"/>
+              </a:ext>
+            </a:extLst>
+          </p:cNvPr>
+          <p:cNvSpPr>
+            <a:spLocks noGrp="1"/>
+          </p:cNvSpPr>
+          <p:nvPr>
+            <p:ph type="title"/>
+          </p:nvPr>
+        </p:nvSpPr>
+        <p:spPr>
+          <a:xfrm>
+            <a:off x="836665" y="2103515"/>
+            <a:ext cx="10515600" cy="2384079"/>
+          </a:xfrm>
+          <a:ln>
+            <a:noFill/>
+          </a:ln>
+        </p:spPr>
+        <p:txBody>
+          <a:bodyPr>
+            <a:normAutofit fontScale="90000"/>
+          </a:bodyPr>
+          <a:lstStyle/>
+          <a:p>
+            <a:pPr algn="ctr"/>
+            <a:br>
+              <a:rPr lang="it-IT" b="1" dirty="0">
+                <a:solidFill>
+                  <a:schemeClr val="bg1"/>
+                </a:solidFill>
+                <a:latin typeface="Poppins Medium"/>
+                <a:ea typeface="Calibri Light"/>
+                <a:cs typeface="Poppins Medium"/>
+              </a:rPr>
+            </a:br>
+            <a:br>
+              <a:rPr lang="it-IT" b="1" dirty="0">
+                <a:solidFill>
+                  <a:schemeClr val="bg1"/>
+                </a:solidFill>
+                <a:latin typeface="Poppins Medium"/>
+                <a:ea typeface="Calibri Light"/>
+                <a:cs typeface="Poppins Medium"/>
+              </a:rPr>
+            </a:br>
+            <a:r>
+              <a:rPr lang="it-IT" b="1" dirty="0">
+                <a:solidFill>
+                  <a:schemeClr val="bg1"/>
+                </a:solidFill>
+                <a:latin typeface="Poppins Medium"/>
+                <a:ea typeface="Calibri Light"/>
+                <a:cs typeface="Poppins Medium"/>
+              </a:rPr>
+              <a:t>Grazie per l'attenzione</a:t>
+            </a:r>
+            <a:br>
+              <a:rPr lang="it-IT" b="1" dirty="0">
+                <a:latin typeface="Poppins Medium" panose="00000600000000000000" pitchFamily="2" charset="0"/>
+                <a:ea typeface="Calibri Light"/>
+                <a:cs typeface="Poppins Medium" panose="00000600000000000000" pitchFamily="2" charset="0"/>
+              </a:rPr>
+            </a:br>
+            <a:br>
+              <a:rPr lang="it-IT" b="1" dirty="0">
+                <a:latin typeface="Poppins Medium"/>
+                <a:cs typeface="Poppins Medium"/>
+              </a:rPr>
+            </a:br>
+            <a:br>
+              <a:rPr lang="it-IT" sz="1800" i="1" dirty="0">
+                <a:latin typeface="Poppins Medium" panose="00000600000000000000" pitchFamily="2" charset="0"/>
+                <a:cs typeface="Poppins Medium" panose="00000600000000000000" pitchFamily="2" charset="0"/>
+              </a:rPr>
+            </a:br>
+            <a:endParaRPr lang="it-IT" sz="1800" dirty="0">
+              <a:latin typeface="Poppins Medium" panose="00000600000000000000" pitchFamily="2" charset="0"/>
+              <a:ea typeface="+mj-lt"/>
+              <a:cs typeface="Poppins Medium" panose="00000600000000000000" pitchFamily="2" charset="0"/>
+            </a:endParaRPr>
+          </a:p>
+        </p:txBody>
+      </p:sp>
+      <p:sp>
+        <p:nvSpPr>
+          <p:cNvPr id="4" name="Segnaposto data 3">
+            <a:extLst>
+              <a:ext uri="{FF2B5EF4-FFF2-40B4-BE49-F238E27FC236}">
+                <a16:creationId xmlns:a16="http://schemas.microsoft.com/office/drawing/2014/main" id="{2FDB7171-3E91-AF0B-DDA7-7C25BCB487A1}"/>
+              </a:ext>
+            </a:extLst>
+          </p:cNvPr>
+          <p:cNvSpPr>
+            <a:spLocks noGrp="1"/>
+          </p:cNvSpPr>
+          <p:nvPr>
+            <p:ph type="dt" sz="half" idx="10"/>
+          </p:nvPr>
+        </p:nvSpPr>
+        <p:spPr/>
+        <p:txBody>
+          <a:bodyPr/>
+          <a:lstStyle/>
+          <a:p>
+            <a:r>
+              <a:rPr lang="it-IT" sz="1600">
+                <a:solidFill>
+                  <a:schemeClr val="bg1"/>
+                </a:solidFill>
+                <a:effectLst>
+                  <a:outerShdw blurRad="38100" dist="38100" dir="2700000" algn="tl">
+                    <a:srgbClr val="000000">
+                      <a:alpha val="43137"/>
+                    </a:srgbClr>
+                  </a:outerShdw>
+                </a:effectLst>
+                <a:latin typeface="Poppins Medium" panose="00000600000000000000" pitchFamily="2" charset="0"/>
+                <a:cs typeface="Poppins Medium" panose="00000600000000000000" pitchFamily="2" charset="0"/>
+              </a:rPr>
+              <a:t>31 Maggio 2022</a:t>
+            </a:r>
+            <a:endParaRPr lang="de-DE" sz="1600">
+              <a:solidFill>
+                <a:schemeClr val="bg1"/>
+              </a:solidFill>
+              <a:effectLst>
+                <a:outerShdw blurRad="38100" dist="38100" dir="2700000" algn="tl">
+                  <a:srgbClr val="000000">
+                    <a:alpha val="43137"/>
+                  </a:srgbClr>
+                </a:outerShdw>
+              </a:effectLst>
+              <a:latin typeface="Poppins Medium" panose="00000600000000000000" pitchFamily="2" charset="0"/>
+              <a:cs typeface="Poppins Medium" panose="00000600000000000000" pitchFamily="2" charset="0"/>
+            </a:endParaRPr>
+          </a:p>
+        </p:txBody>
+      </p:sp>
+      <p:sp>
+        <p:nvSpPr>
+          <p:cNvPr id="6" name="Segnaposto numero diapositiva 5">
+            <a:extLst>
+              <a:ext uri="{FF2B5EF4-FFF2-40B4-BE49-F238E27FC236}">
+                <a16:creationId xmlns:a16="http://schemas.microsoft.com/office/drawing/2014/main" id="{D8ABE49A-B3ED-E602-CFFA-63BA9EA87067}"/>
+              </a:ext>
+            </a:extLst>
+          </p:cNvPr>
+          <p:cNvSpPr>
+            <a:spLocks noGrp="1"/>
+          </p:cNvSpPr>
+          <p:nvPr>
+            <p:ph type="sldNum" sz="quarter" idx="12"/>
+          </p:nvPr>
+        </p:nvSpPr>
+        <p:spPr/>
+        <p:txBody>
+          <a:bodyPr/>
+          <a:lstStyle/>
+          <a:p>
+            <a:fld id="{66CD45B7-DFE2-4393-8D37-380FC36BF3AA}" type="slidenum">
+              <a:rPr lang="de-DE" sz="1600" smtClean="0">
+                <a:solidFill>
+                  <a:schemeClr val="bg1"/>
+                </a:solidFill>
+                <a:effectLst>
+                  <a:outerShdw blurRad="38100" dist="38100" dir="2700000" algn="tl">
+                    <a:srgbClr val="000000">
+                      <a:alpha val="43137"/>
+                    </a:srgbClr>
+                  </a:outerShdw>
+                </a:effectLst>
+                <a:latin typeface="Poppins Medium" panose="00000600000000000000" pitchFamily="2" charset="0"/>
+                <a:cs typeface="Poppins Medium" panose="00000600000000000000" pitchFamily="2" charset="0"/>
+              </a:rPr>
+              <a:pPr/>
+              <a:t>18</a:t>
+            </a:fld>
+            <a:r>
+              <a:rPr lang="de-DE" sz="1600">
+                <a:solidFill>
+                  <a:schemeClr val="bg1"/>
+                </a:solidFill>
+                <a:effectLst>
+                  <a:outerShdw blurRad="38100" dist="38100" dir="2700000" algn="tl">
+                    <a:srgbClr val="000000">
+                      <a:alpha val="43137"/>
+                    </a:srgbClr>
+                  </a:outerShdw>
+                </a:effectLst>
+                <a:latin typeface="Poppins Medium" panose="00000600000000000000" pitchFamily="2" charset="0"/>
+                <a:cs typeface="Poppins Medium" panose="00000600000000000000" pitchFamily="2" charset="0"/>
+              </a:rPr>
+              <a:t>/16</a:t>
+            </a:r>
+          </a:p>
+        </p:txBody>
+      </p:sp>
+    </p:spTree>
+    <p:extLst>
+      <p:ext uri="{BB962C8B-B14F-4D97-AF65-F5344CB8AC3E}">
+        <p14:creationId xmlns:p14="http://schemas.microsoft.com/office/powerpoint/2010/main" val="753678749"/>
+      </p:ext>
+    </p:extLst>
+  </p:cSld>
+  <p:clrMapOvr>
+    <a:masterClrMapping/>
+  </p:clrMapOvr>
+</p:sld>
+</file>
+
+<file path=ppt/slides/slide2.xml><?xml version="1.0" encoding="utf-8"?>
+<p:sld xmlns:a="http://schemas.openxmlformats.org/drawingml/2006/main" xmlns:r="http://schemas.openxmlformats.org/officeDocument/2006/relationships" xmlns:p="http://schemas.openxmlformats.org/presentationml/2006/main">
+  <p:cSld>
+    <p:spTree>
+      <p:nvGrpSpPr>
+        <p:cNvPr id="1" name=""/>
+        <p:cNvGrpSpPr/>
+        <p:nvPr/>
+      </p:nvGrpSpPr>
+      <p:grpSpPr>
+        <a:xfrm>
+          <a:off x="0" y="0"/>
+          <a:ext cx="0" cy="0"/>
+          <a:chOff x="0" y="0"/>
+          <a:chExt cx="0" cy="0"/>
+        </a:xfrm>
+      </p:grpSpPr>
+      <p:sp>
+        <p:nvSpPr>
+          <p:cNvPr id="9" name="Rettangolo 8">
+            <a:extLst>
+              <a:ext uri="{FF2B5EF4-FFF2-40B4-BE49-F238E27FC236}">
+                <a16:creationId xmlns:a16="http://schemas.microsoft.com/office/drawing/2014/main" id="{75A649AD-BFC8-D407-B3D8-768C796B24EE}"/>
+              </a:ext>
+            </a:extLst>
+          </p:cNvPr>
+          <p:cNvSpPr/>
+          <p:nvPr/>
+        </p:nvSpPr>
+        <p:spPr>
+          <a:xfrm>
+            <a:off x="1" y="-1039"/>
+            <a:ext cx="12188928" cy="6859039"/>
+          </a:xfrm>
+          <a:prstGeom prst="rect">
+            <a:avLst/>
+          </a:prstGeom>
+          <a:solidFill>
+            <a:srgbClr val="002060"/>
+          </a:solidFill>
+        </p:spPr>
+        <p:style>
+          <a:lnRef idx="2">
+            <a:schemeClr val="accent3">
+              <a:shade val="50000"/>
+            </a:schemeClr>
+          </a:lnRef>
+          <a:fillRef idx="1">
+            <a:schemeClr val="accent3"/>
+          </a:fillRef>
+          <a:effectRef idx="0">
+            <a:schemeClr val="accent3"/>
+          </a:effectRef>
+          <a:fontRef idx="minor">
+            <a:schemeClr val="lt1"/>
+          </a:fontRef>
+        </p:style>
+        <p:txBody>
+          <a:bodyPr rtlCol="0" anchor="ctr"/>
+          <a:lstStyle/>
+          <a:p>
+            <a:pPr algn="ctr"/>
+            <a:endParaRPr lang="it-IT">
+              <a:latin typeface="Poppins Medium" panose="00000600000000000000" pitchFamily="2" charset="0"/>
+              <a:cs typeface="Poppins Medium" panose="00000600000000000000" pitchFamily="2" charset="0"/>
+            </a:endParaRPr>
+          </a:p>
+        </p:txBody>
+      </p:sp>
+      <p:sp>
+        <p:nvSpPr>
+          <p:cNvPr id="2" name="Titolo 1">
+            <a:extLst>
+              <a:ext uri="{FF2B5EF4-FFF2-40B4-BE49-F238E27FC236}">
+                <a16:creationId xmlns:a16="http://schemas.microsoft.com/office/drawing/2014/main" id="{0433AC6E-9B67-D8D1-4A74-54158F91506A}"/>
+              </a:ext>
+            </a:extLst>
+          </p:cNvPr>
+          <p:cNvSpPr>
+            <a:spLocks noGrp="1"/>
+          </p:cNvSpPr>
+          <p:nvPr>
+            <p:ph type="title"/>
+          </p:nvPr>
+        </p:nvSpPr>
+        <p:spPr>
+          <a:xfrm>
+            <a:off x="783101" y="1712434"/>
+            <a:ext cx="10515600" cy="2384079"/>
+          </a:xfrm>
+          <a:ln>
+            <a:noFill/>
+          </a:ln>
+        </p:spPr>
+        <p:txBody>
+          <a:bodyPr>
+            <a:normAutofit fontScale="90000"/>
+          </a:bodyPr>
+          <a:lstStyle/>
+          <a:p>
+            <a:pPr algn="ctr"/>
+            <a:br>
+              <a:rPr lang="it-IT" b="1" dirty="0">
+                <a:solidFill>
+                  <a:schemeClr val="bg1"/>
+                </a:solidFill>
+                <a:latin typeface="Poppins Medium"/>
+                <a:ea typeface="Calibri Light"/>
+                <a:cs typeface="Poppins Medium"/>
+              </a:rPr>
+            </a:br>
+            <a:br>
+              <a:rPr lang="it-IT" sz="5300" b="1" dirty="0">
+                <a:solidFill>
+                  <a:schemeClr val="bg1"/>
+                </a:solidFill>
+                <a:latin typeface="Poppins Medium"/>
+                <a:ea typeface="Calibri Light"/>
+                <a:cs typeface="Poppins Medium"/>
+              </a:rPr>
+            </a:br>
+            <a:r>
+              <a:rPr lang="it-IT" sz="5300" b="1" dirty="0">
+                <a:solidFill>
+                  <a:schemeClr val="bg1"/>
+                </a:solidFill>
+                <a:latin typeface="Poppins Medium"/>
+                <a:ea typeface="Calibri Light"/>
+                <a:cs typeface="Poppins Medium"/>
+              </a:rPr>
+              <a:t>ISSUE TRACKING </a:t>
+            </a:r>
+            <a:br>
+              <a:rPr lang="it-IT" sz="5300" b="1" dirty="0">
+                <a:solidFill>
+                  <a:schemeClr val="bg1"/>
+                </a:solidFill>
+                <a:latin typeface="Poppins Medium"/>
+                <a:ea typeface="Calibri Light"/>
+                <a:cs typeface="Poppins Medium"/>
+              </a:rPr>
+            </a:br>
+            <a:r>
+              <a:rPr lang="it-IT" sz="5300" b="1" dirty="0">
+                <a:solidFill>
+                  <a:schemeClr val="bg1"/>
+                </a:solidFill>
+                <a:latin typeface="Poppins Medium"/>
+                <a:ea typeface="Calibri Light"/>
+                <a:cs typeface="Poppins Medium"/>
+              </a:rPr>
+              <a:t>SYSTEM</a:t>
+            </a:r>
+            <a:br>
+              <a:rPr lang="it-IT" sz="5300" b="1" dirty="0">
+                <a:latin typeface="Poppins Medium" panose="00000600000000000000" pitchFamily="2" charset="0"/>
+                <a:ea typeface="Calibri Light"/>
+                <a:cs typeface="Poppins Medium" panose="00000600000000000000" pitchFamily="2" charset="0"/>
+              </a:rPr>
+            </a:br>
+            <a:br>
+              <a:rPr lang="it-IT" b="1" dirty="0">
+                <a:latin typeface="Poppins Medium"/>
+                <a:cs typeface="Poppins Medium"/>
+              </a:rPr>
+            </a:br>
+            <a:br>
+              <a:rPr lang="it-IT" sz="1800" i="1" dirty="0">
+                <a:latin typeface="Poppins Medium" panose="00000600000000000000" pitchFamily="2" charset="0"/>
+                <a:cs typeface="Poppins Medium" panose="00000600000000000000" pitchFamily="2" charset="0"/>
+              </a:rPr>
+            </a:br>
+            <a:endParaRPr lang="it-IT" sz="1800" dirty="0">
+              <a:latin typeface="Poppins Medium" panose="00000600000000000000" pitchFamily="2" charset="0"/>
+              <a:ea typeface="+mj-lt"/>
+              <a:cs typeface="Poppins Medium" panose="00000600000000000000" pitchFamily="2" charset="0"/>
+            </a:endParaRPr>
+          </a:p>
+        </p:txBody>
+      </p:sp>
+      <p:sp>
+        <p:nvSpPr>
+          <p:cNvPr id="4" name="Segnaposto data 3">
+            <a:extLst>
+              <a:ext uri="{FF2B5EF4-FFF2-40B4-BE49-F238E27FC236}">
+                <a16:creationId xmlns:a16="http://schemas.microsoft.com/office/drawing/2014/main" id="{2FDB7171-3E91-AF0B-DDA7-7C25BCB487A1}"/>
+              </a:ext>
+            </a:extLst>
+          </p:cNvPr>
+          <p:cNvSpPr>
+            <a:spLocks noGrp="1"/>
+          </p:cNvSpPr>
+          <p:nvPr>
+            <p:ph type="dt" sz="half" idx="10"/>
+          </p:nvPr>
+        </p:nvSpPr>
+        <p:spPr/>
+        <p:txBody>
+          <a:bodyPr/>
+          <a:lstStyle/>
+          <a:p>
+            <a:r>
+              <a:rPr lang="it-IT" sz="1600">
+                <a:solidFill>
+                  <a:schemeClr val="bg1"/>
+                </a:solidFill>
+                <a:effectLst>
+                  <a:outerShdw blurRad="38100" dist="38100" dir="2700000" algn="tl">
+                    <a:srgbClr val="000000">
+                      <a:alpha val="43137"/>
+                    </a:srgbClr>
+                  </a:outerShdw>
+                </a:effectLst>
+                <a:latin typeface="Poppins Medium" panose="00000600000000000000" pitchFamily="2" charset="0"/>
+                <a:cs typeface="Poppins Medium" panose="00000600000000000000" pitchFamily="2" charset="0"/>
+              </a:rPr>
+              <a:t>31 Maggio 2022</a:t>
+            </a:r>
+            <a:endParaRPr lang="de-DE" sz="1600">
+              <a:solidFill>
+                <a:schemeClr val="bg1"/>
+              </a:solidFill>
+              <a:effectLst>
+                <a:outerShdw blurRad="38100" dist="38100" dir="2700000" algn="tl">
+                  <a:srgbClr val="000000">
+                    <a:alpha val="43137"/>
+                  </a:srgbClr>
+                </a:outerShdw>
+              </a:effectLst>
+              <a:latin typeface="Poppins Medium" panose="00000600000000000000" pitchFamily="2" charset="0"/>
+              <a:cs typeface="Poppins Medium" panose="00000600000000000000" pitchFamily="2" charset="0"/>
+            </a:endParaRPr>
+          </a:p>
+        </p:txBody>
+      </p:sp>
+      <p:sp>
+        <p:nvSpPr>
+          <p:cNvPr id="6" name="Segnaposto numero diapositiva 5">
+            <a:extLst>
+              <a:ext uri="{FF2B5EF4-FFF2-40B4-BE49-F238E27FC236}">
+                <a16:creationId xmlns:a16="http://schemas.microsoft.com/office/drawing/2014/main" id="{D8ABE49A-B3ED-E602-CFFA-63BA9EA87067}"/>
+              </a:ext>
+            </a:extLst>
+          </p:cNvPr>
+          <p:cNvSpPr>
+            <a:spLocks noGrp="1"/>
+          </p:cNvSpPr>
+          <p:nvPr>
+            <p:ph type="sldNum" sz="quarter" idx="12"/>
+          </p:nvPr>
+        </p:nvSpPr>
+        <p:spPr/>
+        <p:txBody>
+          <a:bodyPr/>
+          <a:lstStyle/>
+          <a:p>
+            <a:fld id="{66CD45B7-DFE2-4393-8D37-380FC36BF3AA}" type="slidenum">
+              <a:rPr lang="de-DE" sz="1600" smtClean="0">
+                <a:solidFill>
+                  <a:schemeClr val="bg1"/>
+                </a:solidFill>
+                <a:effectLst>
+                  <a:outerShdw blurRad="38100" dist="38100" dir="2700000" algn="tl">
+                    <a:srgbClr val="000000">
+                      <a:alpha val="43137"/>
+                    </a:srgbClr>
+                  </a:outerShdw>
+                </a:effectLst>
+                <a:latin typeface="Poppins Medium" panose="00000600000000000000" pitchFamily="2" charset="0"/>
+                <a:cs typeface="Poppins Medium" panose="00000600000000000000" pitchFamily="2" charset="0"/>
+              </a:rPr>
+              <a:pPr/>
+              <a:t>2</a:t>
+            </a:fld>
+            <a:r>
+              <a:rPr lang="de-DE" sz="1600">
+                <a:solidFill>
+                  <a:schemeClr val="bg1"/>
+                </a:solidFill>
+                <a:effectLst>
+                  <a:outerShdw blurRad="38100" dist="38100" dir="2700000" algn="tl">
+                    <a:srgbClr val="000000">
+                      <a:alpha val="43137"/>
+                    </a:srgbClr>
+                  </a:outerShdw>
+                </a:effectLst>
+                <a:latin typeface="Poppins Medium" panose="00000600000000000000" pitchFamily="2" charset="0"/>
+                <a:cs typeface="Poppins Medium" panose="00000600000000000000" pitchFamily="2" charset="0"/>
+              </a:rPr>
+              <a:t>/16</a:t>
+            </a:r>
+          </a:p>
+        </p:txBody>
+      </p:sp>
+      <p:pic>
+        <p:nvPicPr>
+          <p:cNvPr id="5" name="Elemento grafico 4" descr="Strada con due vie con un sentiero con riempimento a tinta unita">
+            <a:extLst>
+              <a:ext uri="{FF2B5EF4-FFF2-40B4-BE49-F238E27FC236}">
+                <a16:creationId xmlns:a16="http://schemas.microsoft.com/office/drawing/2014/main" id="{83302C6D-8160-0A2F-BFE3-1CE49310B7D5}"/>
+              </a:ext>
+            </a:extLst>
+          </p:cNvPr>
+          <p:cNvPicPr>
+            <a:picLocks noChangeAspect="1"/>
+          </p:cNvPicPr>
+          <p:nvPr/>
+        </p:nvPicPr>
+        <p:blipFill>
+          <a:blip r:embed="rId2">
+            <a:extLst>
+              <a:ext uri="{28A0092B-C50C-407E-A947-70E740481C1C}">
+                <a14:useLocalDpi xmlns:a14="http://schemas.microsoft.com/office/drawing/2010/main" val="0"/>
+              </a:ext>
+              <a:ext uri="{96DAC541-7B7A-43D3-8B79-37D633B846F1}">
+                <asvg:svgBlip xmlns:asvg="http://schemas.microsoft.com/office/drawing/2016/SVG/main" r:embed="rId3"/>
+              </a:ext>
+            </a:extLst>
+          </a:blip>
+          <a:stretch>
+            <a:fillRect/>
+          </a:stretch>
+        </p:blipFill>
+        <p:spPr>
+          <a:xfrm>
+            <a:off x="10017732" y="500609"/>
+            <a:ext cx="1336068" cy="1336068"/>
+          </a:xfrm>
+          <a:prstGeom prst="rect">
+            <a:avLst/>
+          </a:prstGeom>
+        </p:spPr>
+      </p:pic>
+      <p:pic>
+        <p:nvPicPr>
+          <p:cNvPr id="10" name="Immagine 9">
+            <a:extLst>
+              <a:ext uri="{FF2B5EF4-FFF2-40B4-BE49-F238E27FC236}">
+                <a16:creationId xmlns:a16="http://schemas.microsoft.com/office/drawing/2014/main" id="{AA71ED45-A8ED-37D5-E54E-0F8321FB2CF7}"/>
+              </a:ext>
+            </a:extLst>
+          </p:cNvPr>
+          <p:cNvPicPr>
+            <a:picLocks noChangeAspect="1"/>
+          </p:cNvPicPr>
+          <p:nvPr/>
+        </p:nvPicPr>
+        <p:blipFill>
+          <a:blip r:embed="rId4">
+            <a:extLst>
+              <a:ext uri="{28A0092B-C50C-407E-A947-70E740481C1C}">
+                <a14:useLocalDpi xmlns:a14="http://schemas.microsoft.com/office/drawing/2010/main" val="0"/>
+              </a:ext>
+            </a:extLst>
+          </a:blip>
+          <a:stretch>
+            <a:fillRect/>
+          </a:stretch>
+        </p:blipFill>
+        <p:spPr>
+          <a:xfrm>
+            <a:off x="3634963" y="2945341"/>
+            <a:ext cx="4919003" cy="2766939"/>
+          </a:xfrm>
+          <a:prstGeom prst="rect">
+            <a:avLst/>
+          </a:prstGeom>
+        </p:spPr>
+      </p:pic>
+    </p:spTree>
+    <p:extLst>
+      <p:ext uri="{BB962C8B-B14F-4D97-AF65-F5344CB8AC3E}">
+        <p14:creationId xmlns:p14="http://schemas.microsoft.com/office/powerpoint/2010/main" val="3859299600"/>
+      </p:ext>
+    </p:extLst>
+  </p:cSld>
+  <p:clrMapOvr>
+    <a:masterClrMapping/>
+  </p:clrMapOvr>
+</p:sld>
+</file>
+
+<file path=ppt/slides/slide3.xml><?xml version="1.0" encoding="utf-8"?>
+<p:sld xmlns:a="http://schemas.openxmlformats.org/drawingml/2006/main" xmlns:r="http://schemas.openxmlformats.org/officeDocument/2006/relationships" xmlns:p="http://schemas.openxmlformats.org/presentationml/2006/main">
+  <p:cSld>
+    <p:spTree>
+      <p:nvGrpSpPr>
+        <p:cNvPr id="1" name=""/>
+        <p:cNvGrpSpPr/>
+        <p:nvPr/>
+      </p:nvGrpSpPr>
+      <p:grpSpPr>
+        <a:xfrm>
+          <a:off x="0" y="0"/>
+          <a:ext cx="0" cy="0"/>
+          <a:chOff x="0" y="0"/>
+          <a:chExt cx="0" cy="0"/>
+        </a:xfrm>
+      </p:grpSpPr>
+      <p:sp>
+        <p:nvSpPr>
+          <p:cNvPr id="7" name="Segnaposto contenuto 6">
+            <a:extLst>
+              <a:ext uri="{FF2B5EF4-FFF2-40B4-BE49-F238E27FC236}">
+                <a16:creationId xmlns:a16="http://schemas.microsoft.com/office/drawing/2014/main" id="{02FC6CA0-25CF-64B7-760B-56A8388FA257}"/>
+              </a:ext>
+            </a:extLst>
+          </p:cNvPr>
+          <p:cNvSpPr>
+            <a:spLocks noGrp="1"/>
+          </p:cNvSpPr>
+          <p:nvPr>
+            <p:ph idx="1"/>
+          </p:nvPr>
+        </p:nvSpPr>
+        <p:spPr/>
+        <p:txBody>
+          <a:bodyPr/>
+          <a:lstStyle/>
+          <a:p>
+            <a:pPr marL="0" indent="0">
+              <a:buNone/>
+            </a:pPr>
+            <a:r>
+              <a:rPr lang="it-IT" sz="2400" dirty="0">
+                <a:latin typeface="Poppins Medium" panose="00000600000000000000" pitchFamily="2" charset="0"/>
+                <a:cs typeface="Poppins Medium" panose="00000600000000000000" pitchFamily="2" charset="0"/>
+              </a:rPr>
+              <a:t>Per aprire una </a:t>
+            </a:r>
+            <a:r>
+              <a:rPr lang="it-IT" sz="2400" dirty="0" err="1">
+                <a:latin typeface="Poppins Medium" panose="00000600000000000000" pitchFamily="2" charset="0"/>
+                <a:cs typeface="Poppins Medium" panose="00000600000000000000" pitchFamily="2" charset="0"/>
+              </a:rPr>
+              <a:t>issue</a:t>
+            </a:r>
+            <a:r>
+              <a:rPr lang="it-IT" sz="2400" dirty="0">
+                <a:latin typeface="Poppins Medium" panose="00000600000000000000" pitchFamily="2" charset="0"/>
+                <a:cs typeface="Poppins Medium" panose="00000600000000000000" pitchFamily="2" charset="0"/>
+              </a:rPr>
+              <a:t> si deve usare:</a:t>
+            </a:r>
+          </a:p>
+          <a:p>
+            <a:pPr marL="0" indent="0">
+              <a:buNone/>
+            </a:pPr>
+            <a:r>
+              <a:rPr lang="it-IT" sz="2400" dirty="0">
+                <a:solidFill>
+                  <a:schemeClr val="accent1">
+                    <a:lumMod val="75000"/>
+                  </a:schemeClr>
+                </a:solidFill>
+                <a:latin typeface="Poppins" panose="00000500000000000000" pitchFamily="2" charset="0"/>
+                <a:cs typeface="Poppins" panose="00000500000000000000" pitchFamily="2" charset="0"/>
+                <a:hlinkClick r:id="rId3"/>
+              </a:rPr>
+              <a:t>https://new-issue.vuejs.org/?repo=vuejs/core#</a:t>
+            </a:r>
+            <a:endParaRPr lang="it-IT" sz="2400" dirty="0">
+              <a:solidFill>
+                <a:schemeClr val="accent1">
+                  <a:lumMod val="75000"/>
+                </a:schemeClr>
+              </a:solidFill>
+              <a:latin typeface="Poppins" panose="00000500000000000000" pitchFamily="2" charset="0"/>
+              <a:cs typeface="Poppins" panose="00000500000000000000" pitchFamily="2" charset="0"/>
+            </a:endParaRPr>
+          </a:p>
+          <a:p>
+            <a:pPr marL="0" indent="0">
+              <a:buNone/>
+            </a:pPr>
+            <a:endParaRPr lang="it-IT" dirty="0">
+              <a:solidFill>
+                <a:schemeClr val="accent1">
+                  <a:lumMod val="75000"/>
+                </a:schemeClr>
+              </a:solidFill>
+            </a:endParaRPr>
+          </a:p>
+        </p:txBody>
+      </p:sp>
+      <p:sp>
+        <p:nvSpPr>
+          <p:cNvPr id="25" name="Segnaposto data 24">
+            <a:extLst>
+              <a:ext uri="{FF2B5EF4-FFF2-40B4-BE49-F238E27FC236}">
+                <a16:creationId xmlns:a16="http://schemas.microsoft.com/office/drawing/2014/main" id="{115DF917-AC48-486A-81F6-CF2DBBF5CD89}"/>
+              </a:ext>
+            </a:extLst>
+          </p:cNvPr>
+          <p:cNvSpPr>
+            <a:spLocks noGrp="1"/>
+          </p:cNvSpPr>
+          <p:nvPr>
+            <p:ph type="dt" sz="half" idx="10"/>
+          </p:nvPr>
+        </p:nvSpPr>
+        <p:spPr/>
+        <p:txBody>
+          <a:bodyPr/>
+          <a:lstStyle/>
+          <a:p>
+            <a:r>
+              <a:rPr lang="it-IT" sz="1600">
+                <a:solidFill>
+                  <a:schemeClr val="tx1"/>
+                </a:solidFill>
+                <a:latin typeface="Poppins Medium" panose="00000600000000000000" pitchFamily="2" charset="0"/>
+                <a:cs typeface="Poppins Medium" panose="00000600000000000000" pitchFamily="2" charset="0"/>
+              </a:rPr>
+              <a:t>31 Maggio 2022</a:t>
+            </a:r>
+            <a:endParaRPr lang="de-DE" sz="1600">
+              <a:solidFill>
+                <a:schemeClr val="tx1"/>
+              </a:solidFill>
+              <a:latin typeface="Poppins Medium" panose="00000600000000000000" pitchFamily="2" charset="0"/>
+              <a:cs typeface="Poppins Medium" panose="00000600000000000000" pitchFamily="2" charset="0"/>
+            </a:endParaRPr>
+          </a:p>
+        </p:txBody>
+      </p:sp>
+      <p:sp>
+        <p:nvSpPr>
+          <p:cNvPr id="27" name="Segnaposto numero diapositiva 26">
+            <a:extLst>
+              <a:ext uri="{FF2B5EF4-FFF2-40B4-BE49-F238E27FC236}">
+                <a16:creationId xmlns:a16="http://schemas.microsoft.com/office/drawing/2014/main" id="{F9C2EE25-215B-477C-AC6E-D2639B7A24B6}"/>
+              </a:ext>
+            </a:extLst>
+          </p:cNvPr>
+          <p:cNvSpPr>
+            <a:spLocks noGrp="1"/>
+          </p:cNvSpPr>
+          <p:nvPr>
+            <p:ph type="sldNum" sz="quarter" idx="12"/>
+          </p:nvPr>
+        </p:nvSpPr>
+        <p:spPr/>
+        <p:txBody>
+          <a:bodyPr/>
+          <a:lstStyle/>
+          <a:p>
+            <a:fld id="{66CD45B7-DFE2-4393-8D37-380FC36BF3AA}" type="slidenum">
+              <a:rPr lang="de-DE" sz="1600" smtClean="0">
+                <a:solidFill>
+                  <a:schemeClr val="tx1"/>
+                </a:solidFill>
+                <a:latin typeface="Poppins Medium" panose="00000600000000000000" pitchFamily="2" charset="0"/>
+                <a:cs typeface="Poppins Medium" panose="00000600000000000000" pitchFamily="2" charset="0"/>
+              </a:rPr>
+              <a:t>3</a:t>
+            </a:fld>
+            <a:r>
+              <a:rPr lang="de-DE" sz="1600">
+                <a:solidFill>
+                  <a:schemeClr val="tx1"/>
+                </a:solidFill>
+                <a:latin typeface="Poppins Medium" panose="00000600000000000000" pitchFamily="2" charset="0"/>
+                <a:cs typeface="Poppins Medium" panose="00000600000000000000" pitchFamily="2" charset="0"/>
+              </a:rPr>
+              <a:t>/16</a:t>
+            </a:r>
+          </a:p>
+        </p:txBody>
+      </p:sp>
+      <p:pic>
+        <p:nvPicPr>
+          <p:cNvPr id="9" name="Immagine 8" descr="Immagine che contiene testo&#10;&#10;Descrizione generata automaticamente">
+            <a:extLst>
+              <a:ext uri="{FF2B5EF4-FFF2-40B4-BE49-F238E27FC236}">
+                <a16:creationId xmlns:a16="http://schemas.microsoft.com/office/drawing/2014/main" id="{F95EC3CA-A266-0594-7DBD-E728DB78F0E8}"/>
+              </a:ext>
+            </a:extLst>
+          </p:cNvPr>
+          <p:cNvPicPr>
+            <a:picLocks noChangeAspect="1"/>
+          </p:cNvPicPr>
+          <p:nvPr/>
+        </p:nvPicPr>
+        <p:blipFill>
+          <a:blip r:embed="rId4">
+            <a:extLst>
+              <a:ext uri="{28A0092B-C50C-407E-A947-70E740481C1C}">
+                <a14:useLocalDpi xmlns:a14="http://schemas.microsoft.com/office/drawing/2010/main" val="0"/>
+              </a:ext>
+            </a:extLst>
+          </a:blip>
+          <a:stretch>
+            <a:fillRect/>
+          </a:stretch>
+        </p:blipFill>
+        <p:spPr>
+          <a:xfrm>
+            <a:off x="838200" y="2903620"/>
+            <a:ext cx="7292926" cy="3247695"/>
+          </a:xfrm>
+          <a:prstGeom prst="rect">
+            <a:avLst/>
+          </a:prstGeom>
+        </p:spPr>
+      </p:pic>
+      <p:sp>
+        <p:nvSpPr>
+          <p:cNvPr id="24" name="Rettangolo 23">
+            <a:extLst>
+              <a:ext uri="{FF2B5EF4-FFF2-40B4-BE49-F238E27FC236}">
+                <a16:creationId xmlns:a16="http://schemas.microsoft.com/office/drawing/2014/main" id="{71C5E46E-415B-CDB4-BE22-19B4CD41D603}"/>
+              </a:ext>
+            </a:extLst>
+          </p:cNvPr>
+          <p:cNvSpPr/>
+          <p:nvPr/>
+        </p:nvSpPr>
+        <p:spPr>
+          <a:xfrm>
+            <a:off x="0" y="0"/>
+            <a:ext cx="12184913" cy="1034891"/>
+          </a:xfrm>
+          <a:prstGeom prst="rect">
+            <a:avLst/>
+          </a:prstGeom>
+          <a:solidFill>
+            <a:srgbClr val="002060"/>
+          </a:solidFill>
+          <a:ln>
+            <a:noFill/>
+          </a:ln>
+        </p:spPr>
+        <p:style>
+          <a:lnRef idx="2">
+            <a:schemeClr val="accent3">
+              <a:shade val="50000"/>
+            </a:schemeClr>
+          </a:lnRef>
+          <a:fillRef idx="1">
+            <a:schemeClr val="accent3"/>
+          </a:fillRef>
+          <a:effectRef idx="0">
+            <a:schemeClr val="accent3"/>
+          </a:effectRef>
+          <a:fontRef idx="minor">
+            <a:schemeClr val="lt1"/>
+          </a:fontRef>
+        </p:style>
+        <p:txBody>
+          <a:bodyPr rtlCol="0" anchor="ctr"/>
+          <a:lstStyle/>
+          <a:p>
+            <a:pPr algn="ctr"/>
+            <a:endParaRPr lang="it-IT"/>
+          </a:p>
+        </p:txBody>
+      </p:sp>
+      <p:sp>
+        <p:nvSpPr>
+          <p:cNvPr id="28" name="Titolo 1">
+            <a:extLst>
+              <a:ext uri="{FF2B5EF4-FFF2-40B4-BE49-F238E27FC236}">
+                <a16:creationId xmlns:a16="http://schemas.microsoft.com/office/drawing/2014/main" id="{B5D7AE2C-90E2-7B91-00EC-386C77D3753C}"/>
+              </a:ext>
+            </a:extLst>
+          </p:cNvPr>
+          <p:cNvSpPr>
+            <a:spLocks noGrp="1"/>
+          </p:cNvSpPr>
+          <p:nvPr>
+            <p:ph type="title"/>
+          </p:nvPr>
+        </p:nvSpPr>
+        <p:spPr>
+          <a:xfrm>
+            <a:off x="272535" y="163591"/>
+            <a:ext cx="10176803" cy="707708"/>
+          </a:xfrm>
+        </p:spPr>
+        <p:txBody>
+          <a:bodyPr anchor="b">
+            <a:normAutofit/>
+          </a:bodyPr>
+          <a:lstStyle/>
+          <a:p>
+            <a:r>
+              <a:rPr lang="it-IT" sz="4000" b="1" dirty="0">
+                <a:solidFill>
+                  <a:schemeClr val="bg1"/>
+                </a:solidFill>
+                <a:effectLst>
+                  <a:outerShdw blurRad="38100" dist="38100" dir="2700000" algn="tl">
+                    <a:srgbClr val="000000">
+                      <a:alpha val="43137"/>
+                    </a:srgbClr>
+                  </a:outerShdw>
+                </a:effectLst>
+                <a:latin typeface="Poppins"/>
+                <a:cs typeface="Poppins"/>
+              </a:rPr>
+              <a:t>Apertura </a:t>
+            </a:r>
+            <a:r>
+              <a:rPr lang="it-IT" sz="4000" b="1" dirty="0" err="1">
+                <a:solidFill>
+                  <a:schemeClr val="bg1"/>
+                </a:solidFill>
+                <a:effectLst>
+                  <a:outerShdw blurRad="38100" dist="38100" dir="2700000" algn="tl">
+                    <a:srgbClr val="000000">
+                      <a:alpha val="43137"/>
+                    </a:srgbClr>
+                  </a:outerShdw>
+                </a:effectLst>
+                <a:latin typeface="Poppins"/>
+                <a:cs typeface="Poppins"/>
+              </a:rPr>
+              <a:t>issues</a:t>
+            </a:r>
+            <a:endParaRPr lang="it-IT" sz="4000" b="1" dirty="0">
+              <a:solidFill>
+                <a:schemeClr val="bg1"/>
+              </a:solidFill>
+              <a:effectLst>
+                <a:outerShdw blurRad="38100" dist="38100" dir="2700000" algn="tl">
+                  <a:srgbClr val="000000">
+                    <a:alpha val="43137"/>
+                  </a:srgbClr>
+                </a:outerShdw>
+              </a:effectLst>
+              <a:latin typeface="Poppins"/>
+              <a:cs typeface="Poppins"/>
+            </a:endParaRPr>
+          </a:p>
+        </p:txBody>
+      </p:sp>
+    </p:spTree>
+    <p:extLst>
+      <p:ext uri="{BB962C8B-B14F-4D97-AF65-F5344CB8AC3E}">
+        <p14:creationId xmlns:p14="http://schemas.microsoft.com/office/powerpoint/2010/main" val="4282466121"/>
+      </p:ext>
+    </p:extLst>
+  </p:cSld>
+  <p:clrMapOvr>
+    <a:masterClrMapping/>
+  </p:clrMapOvr>
+</p:sld>
+</file>
+
+<file path=ppt/slides/slide4.xml><?xml version="1.0" encoding="utf-8"?>
+<p:sld xmlns:a="http://schemas.openxmlformats.org/drawingml/2006/main" xmlns:r="http://schemas.openxmlformats.org/officeDocument/2006/relationships" xmlns:p="http://schemas.openxmlformats.org/presentationml/2006/main">
+  <p:cSld>
+    <p:spTree>
+      <p:nvGrpSpPr>
+        <p:cNvPr id="1" name=""/>
+        <p:cNvGrpSpPr/>
+        <p:nvPr/>
+      </p:nvGrpSpPr>
+      <p:grpSpPr>
+        <a:xfrm>
+          <a:off x="0" y="0"/>
+          <a:ext cx="0" cy="0"/>
+          <a:chOff x="0" y="0"/>
+          <a:chExt cx="0" cy="0"/>
+        </a:xfrm>
+      </p:grpSpPr>
+      <p:pic>
+        <p:nvPicPr>
+          <p:cNvPr id="4" name="Segnaposto contenuto 3" descr="Immagine che contiene testo&#10;&#10;Descrizione generata automaticamente">
+            <a:extLst>
+              <a:ext uri="{FF2B5EF4-FFF2-40B4-BE49-F238E27FC236}">
+                <a16:creationId xmlns:a16="http://schemas.microsoft.com/office/drawing/2014/main" id="{D0C90B2C-8687-BFC1-6594-15AFA0892C9A}"/>
+              </a:ext>
+            </a:extLst>
+          </p:cNvPr>
+          <p:cNvPicPr>
+            <a:picLocks noGrp="1" noChangeAspect="1"/>
+          </p:cNvPicPr>
+          <p:nvPr>
+            <p:ph idx="1"/>
+          </p:nvPr>
+        </p:nvPicPr>
+        <p:blipFill>
+          <a:blip r:embed="rId3">
+            <a:extLst>
+              <a:ext uri="{28A0092B-C50C-407E-A947-70E740481C1C}">
+                <a14:useLocalDpi xmlns:a14="http://schemas.microsoft.com/office/drawing/2010/main" val="0"/>
+              </a:ext>
+            </a:extLst>
+          </a:blip>
+          <a:stretch>
+            <a:fillRect/>
+          </a:stretch>
+        </p:blipFill>
+        <p:spPr>
+          <a:xfrm>
+            <a:off x="2359469" y="1640382"/>
+            <a:ext cx="7134264" cy="4351338"/>
+          </a:xfrm>
+        </p:spPr>
+      </p:pic>
+      <p:sp>
+        <p:nvSpPr>
+          <p:cNvPr id="25" name="Segnaposto data 24">
+            <a:extLst>
+              <a:ext uri="{FF2B5EF4-FFF2-40B4-BE49-F238E27FC236}">
+                <a16:creationId xmlns:a16="http://schemas.microsoft.com/office/drawing/2014/main" id="{115DF917-AC48-486A-81F6-CF2DBBF5CD89}"/>
+              </a:ext>
+            </a:extLst>
+          </p:cNvPr>
+          <p:cNvSpPr>
+            <a:spLocks noGrp="1"/>
+          </p:cNvSpPr>
+          <p:nvPr>
+            <p:ph type="dt" sz="half" idx="10"/>
+          </p:nvPr>
+        </p:nvSpPr>
+        <p:spPr/>
+        <p:txBody>
+          <a:bodyPr/>
+          <a:lstStyle/>
+          <a:p>
+            <a:r>
+              <a:rPr lang="it-IT" sz="1600">
+                <a:solidFill>
+                  <a:schemeClr val="tx1"/>
+                </a:solidFill>
+                <a:latin typeface="Poppins Medium" panose="00000600000000000000" pitchFamily="2" charset="0"/>
+                <a:cs typeface="Poppins Medium" panose="00000600000000000000" pitchFamily="2" charset="0"/>
+              </a:rPr>
+              <a:t>31 Maggio 2022</a:t>
+            </a:r>
+            <a:endParaRPr lang="de-DE" sz="1600">
+              <a:solidFill>
+                <a:schemeClr val="tx1"/>
+              </a:solidFill>
+              <a:latin typeface="Poppins Medium" panose="00000600000000000000" pitchFamily="2" charset="0"/>
+              <a:cs typeface="Poppins Medium" panose="00000600000000000000" pitchFamily="2" charset="0"/>
+            </a:endParaRPr>
+          </a:p>
+        </p:txBody>
+      </p:sp>
+      <p:sp>
+        <p:nvSpPr>
+          <p:cNvPr id="27" name="Segnaposto numero diapositiva 26">
+            <a:extLst>
+              <a:ext uri="{FF2B5EF4-FFF2-40B4-BE49-F238E27FC236}">
+                <a16:creationId xmlns:a16="http://schemas.microsoft.com/office/drawing/2014/main" id="{F9C2EE25-215B-477C-AC6E-D2639B7A24B6}"/>
+              </a:ext>
+            </a:extLst>
+          </p:cNvPr>
+          <p:cNvSpPr>
+            <a:spLocks noGrp="1"/>
+          </p:cNvSpPr>
+          <p:nvPr>
+            <p:ph type="sldNum" sz="quarter" idx="12"/>
+          </p:nvPr>
+        </p:nvSpPr>
+        <p:spPr/>
+        <p:txBody>
+          <a:bodyPr/>
+          <a:lstStyle/>
+          <a:p>
+            <a:fld id="{66CD45B7-DFE2-4393-8D37-380FC36BF3AA}" type="slidenum">
+              <a:rPr lang="de-DE" sz="1600" smtClean="0">
+                <a:solidFill>
+                  <a:schemeClr val="tx1"/>
+                </a:solidFill>
+                <a:latin typeface="Poppins Medium" panose="00000600000000000000" pitchFamily="2" charset="0"/>
+                <a:cs typeface="Poppins Medium" panose="00000600000000000000" pitchFamily="2" charset="0"/>
+              </a:rPr>
+              <a:t>4</a:t>
+            </a:fld>
+            <a:r>
+              <a:rPr lang="de-DE" sz="1600">
+                <a:solidFill>
+                  <a:schemeClr val="tx1"/>
+                </a:solidFill>
+                <a:latin typeface="Poppins Medium" panose="00000600000000000000" pitchFamily="2" charset="0"/>
+                <a:cs typeface="Poppins Medium" panose="00000600000000000000" pitchFamily="2" charset="0"/>
+              </a:rPr>
+              <a:t>/16</a:t>
+            </a:r>
+          </a:p>
+        </p:txBody>
+      </p:sp>
+      <p:sp>
+        <p:nvSpPr>
+          <p:cNvPr id="13" name="Rettangolo 12">
+            <a:extLst>
+              <a:ext uri="{FF2B5EF4-FFF2-40B4-BE49-F238E27FC236}">
+                <a16:creationId xmlns:a16="http://schemas.microsoft.com/office/drawing/2014/main" id="{CD367F64-EA27-ABEF-147D-2B2D52A904CF}"/>
+              </a:ext>
+            </a:extLst>
+          </p:cNvPr>
+          <p:cNvSpPr/>
+          <p:nvPr/>
+        </p:nvSpPr>
+        <p:spPr>
+          <a:xfrm>
+            <a:off x="0" y="0"/>
+            <a:ext cx="12184913" cy="1034891"/>
+          </a:xfrm>
+          <a:prstGeom prst="rect">
+            <a:avLst/>
+          </a:prstGeom>
+          <a:solidFill>
+            <a:srgbClr val="002060"/>
+          </a:solidFill>
+          <a:ln>
+            <a:noFill/>
+          </a:ln>
+        </p:spPr>
+        <p:style>
+          <a:lnRef idx="2">
+            <a:schemeClr val="accent3">
+              <a:shade val="50000"/>
+            </a:schemeClr>
+          </a:lnRef>
+          <a:fillRef idx="1">
+            <a:schemeClr val="accent3"/>
+          </a:fillRef>
+          <a:effectRef idx="0">
+            <a:schemeClr val="accent3"/>
+          </a:effectRef>
+          <a:fontRef idx="minor">
+            <a:schemeClr val="lt1"/>
+          </a:fontRef>
+        </p:style>
+        <p:txBody>
+          <a:bodyPr rtlCol="0" anchor="ctr"/>
+          <a:lstStyle/>
+          <a:p>
+            <a:pPr algn="ctr"/>
+            <a:endParaRPr lang="it-IT" dirty="0"/>
+          </a:p>
+        </p:txBody>
+      </p:sp>
+      <p:sp>
+        <p:nvSpPr>
+          <p:cNvPr id="14" name="Titolo 1">
+            <a:extLst>
+              <a:ext uri="{FF2B5EF4-FFF2-40B4-BE49-F238E27FC236}">
+                <a16:creationId xmlns:a16="http://schemas.microsoft.com/office/drawing/2014/main" id="{E3EEB2F2-F50E-1971-1624-B472F31C576E}"/>
+              </a:ext>
+            </a:extLst>
+          </p:cNvPr>
+          <p:cNvSpPr>
+            <a:spLocks noGrp="1"/>
+          </p:cNvSpPr>
+          <p:nvPr>
+            <p:ph type="title"/>
+          </p:nvPr>
+        </p:nvSpPr>
+        <p:spPr>
+          <a:xfrm>
+            <a:off x="272535" y="163591"/>
+            <a:ext cx="10176803" cy="707708"/>
+          </a:xfrm>
+        </p:spPr>
+        <p:txBody>
+          <a:bodyPr anchor="b">
+            <a:normAutofit/>
+          </a:bodyPr>
+          <a:lstStyle/>
+          <a:p>
+            <a:r>
+              <a:rPr lang="it-IT" sz="4000" b="1" dirty="0">
+                <a:solidFill>
+                  <a:schemeClr val="bg1"/>
+                </a:solidFill>
+                <a:effectLst>
+                  <a:outerShdw blurRad="38100" dist="38100" dir="2700000" algn="tl">
+                    <a:srgbClr val="000000">
+                      <a:alpha val="43137"/>
+                    </a:srgbClr>
+                  </a:outerShdw>
+                </a:effectLst>
+                <a:latin typeface="Poppins"/>
+                <a:cs typeface="Poppins"/>
+              </a:rPr>
+              <a:t>Apertura </a:t>
+            </a:r>
+            <a:r>
+              <a:rPr lang="it-IT" sz="4000" b="1" dirty="0" err="1">
+                <a:solidFill>
+                  <a:schemeClr val="bg1"/>
+                </a:solidFill>
+                <a:effectLst>
+                  <a:outerShdw blurRad="38100" dist="38100" dir="2700000" algn="tl">
+                    <a:srgbClr val="000000">
+                      <a:alpha val="43137"/>
+                    </a:srgbClr>
+                  </a:outerShdw>
+                </a:effectLst>
+                <a:latin typeface="Poppins"/>
+                <a:cs typeface="Poppins"/>
+              </a:rPr>
+              <a:t>issues</a:t>
+            </a:r>
+            <a:endParaRPr lang="it-IT" sz="4000" b="1" dirty="0">
+              <a:solidFill>
+                <a:schemeClr val="bg1"/>
+              </a:solidFill>
+              <a:effectLst>
+                <a:outerShdw blurRad="38100" dist="38100" dir="2700000" algn="tl">
+                  <a:srgbClr val="000000">
+                    <a:alpha val="43137"/>
+                  </a:srgbClr>
+                </a:outerShdw>
+              </a:effectLst>
+              <a:latin typeface="Poppins"/>
+              <a:cs typeface="Poppins"/>
+            </a:endParaRPr>
+          </a:p>
+        </p:txBody>
+      </p:sp>
+    </p:spTree>
+    <p:extLst>
+      <p:ext uri="{BB962C8B-B14F-4D97-AF65-F5344CB8AC3E}">
+        <p14:creationId xmlns:p14="http://schemas.microsoft.com/office/powerpoint/2010/main" val="4034127686"/>
+      </p:ext>
+    </p:extLst>
+  </p:cSld>
+  <p:clrMapOvr>
+    <a:masterClrMapping/>
+  </p:clrMapOvr>
+</p:sld>
+</file>
+
+<file path=ppt/slides/slide5.xml><?xml version="1.0" encoding="utf-8"?>
+<p:sld xmlns:a="http://schemas.openxmlformats.org/drawingml/2006/main" xmlns:r="http://schemas.openxmlformats.org/officeDocument/2006/relationships" xmlns:p="http://schemas.openxmlformats.org/presentationml/2006/main">
+  <p:cSld>
+    <p:spTree>
+      <p:nvGrpSpPr>
+        <p:cNvPr id="1" name=""/>
+        <p:cNvGrpSpPr/>
+        <p:nvPr/>
+      </p:nvGrpSpPr>
+      <p:grpSpPr>
+        <a:xfrm>
+          <a:off x="0" y="0"/>
+          <a:ext cx="0" cy="0"/>
+          <a:chOff x="0" y="0"/>
+          <a:chExt cx="0" cy="0"/>
+        </a:xfrm>
+      </p:grpSpPr>
+      <p:sp>
+        <p:nvSpPr>
+          <p:cNvPr id="16" name="Rettangolo 15">
+            <a:extLst>
+              <a:ext uri="{FF2B5EF4-FFF2-40B4-BE49-F238E27FC236}">
+                <a16:creationId xmlns:a16="http://schemas.microsoft.com/office/drawing/2014/main" id="{F10E26DF-D468-4925-8EDF-7181366707BD}"/>
+              </a:ext>
+            </a:extLst>
+          </p:cNvPr>
+          <p:cNvSpPr/>
+          <p:nvPr/>
+        </p:nvSpPr>
+        <p:spPr>
+          <a:xfrm>
+            <a:off x="0" y="0"/>
+            <a:ext cx="12184913" cy="1034891"/>
+          </a:xfrm>
+          <a:prstGeom prst="rect">
+            <a:avLst/>
+          </a:prstGeom>
+          <a:solidFill>
+            <a:srgbClr val="002060"/>
+          </a:solidFill>
+          <a:ln>
+            <a:noFill/>
+          </a:ln>
+        </p:spPr>
+        <p:style>
+          <a:lnRef idx="2">
+            <a:schemeClr val="accent3">
+              <a:shade val="50000"/>
+            </a:schemeClr>
+          </a:lnRef>
+          <a:fillRef idx="1">
+            <a:schemeClr val="accent3"/>
+          </a:fillRef>
+          <a:effectRef idx="0">
+            <a:schemeClr val="accent3"/>
+          </a:effectRef>
+          <a:fontRef idx="minor">
+            <a:schemeClr val="lt1"/>
+          </a:fontRef>
+        </p:style>
+        <p:txBody>
+          <a:bodyPr rtlCol="0" anchor="ctr"/>
+          <a:lstStyle/>
+          <a:p>
+            <a:pPr algn="ctr"/>
+            <a:endParaRPr lang="it-IT"/>
+          </a:p>
+        </p:txBody>
+      </p:sp>
+      <p:sp>
+        <p:nvSpPr>
+          <p:cNvPr id="2" name="Titolo 1">
+            <a:extLst>
+              <a:ext uri="{FF2B5EF4-FFF2-40B4-BE49-F238E27FC236}">
+                <a16:creationId xmlns:a16="http://schemas.microsoft.com/office/drawing/2014/main" id="{608FD0CA-B6BA-4A51-836C-4F09E44FF9FD}"/>
+              </a:ext>
+            </a:extLst>
+          </p:cNvPr>
+          <p:cNvSpPr>
+            <a:spLocks noGrp="1"/>
+          </p:cNvSpPr>
+          <p:nvPr>
+            <p:ph type="title"/>
+          </p:nvPr>
+        </p:nvSpPr>
+        <p:spPr>
+          <a:xfrm>
+            <a:off x="272535" y="163591"/>
+            <a:ext cx="10176803" cy="707708"/>
+          </a:xfrm>
+        </p:spPr>
+        <p:txBody>
+          <a:bodyPr anchor="b">
+            <a:normAutofit/>
+          </a:bodyPr>
+          <a:lstStyle/>
+          <a:p>
+            <a:r>
+              <a:rPr lang="it-IT" sz="4000" b="1" dirty="0">
+                <a:solidFill>
+                  <a:schemeClr val="bg1"/>
+                </a:solidFill>
+                <a:effectLst>
+                  <a:outerShdw blurRad="38100" dist="38100" dir="2700000" algn="tl">
+                    <a:srgbClr val="000000">
+                      <a:alpha val="43137"/>
+                    </a:srgbClr>
+                  </a:outerShdw>
+                </a:effectLst>
+                <a:latin typeface="Poppins"/>
+                <a:cs typeface="Poppins"/>
+              </a:rPr>
+              <a:t>Labels</a:t>
+            </a:r>
+          </a:p>
+        </p:txBody>
+      </p:sp>
+      <p:sp>
+        <p:nvSpPr>
+          <p:cNvPr id="25" name="Segnaposto data 24">
+            <a:extLst>
+              <a:ext uri="{FF2B5EF4-FFF2-40B4-BE49-F238E27FC236}">
+                <a16:creationId xmlns:a16="http://schemas.microsoft.com/office/drawing/2014/main" id="{115DF917-AC48-486A-81F6-CF2DBBF5CD89}"/>
+              </a:ext>
+            </a:extLst>
+          </p:cNvPr>
+          <p:cNvSpPr>
+            <a:spLocks noGrp="1"/>
+          </p:cNvSpPr>
+          <p:nvPr>
+            <p:ph type="dt" sz="half" idx="10"/>
+          </p:nvPr>
+        </p:nvSpPr>
+        <p:spPr/>
+        <p:txBody>
+          <a:bodyPr/>
+          <a:lstStyle/>
+          <a:p>
+            <a:r>
+              <a:rPr lang="it-IT" sz="1600">
+                <a:solidFill>
+                  <a:schemeClr val="tx1"/>
+                </a:solidFill>
+                <a:latin typeface="Poppins Medium" panose="00000600000000000000" pitchFamily="2" charset="0"/>
+                <a:cs typeface="Poppins Medium" panose="00000600000000000000" pitchFamily="2" charset="0"/>
+              </a:rPr>
+              <a:t>31 Maggio 2022</a:t>
+            </a:r>
+            <a:endParaRPr lang="de-DE" sz="1600">
+              <a:solidFill>
+                <a:schemeClr val="tx1"/>
+              </a:solidFill>
+              <a:latin typeface="Poppins Medium" panose="00000600000000000000" pitchFamily="2" charset="0"/>
+              <a:cs typeface="Poppins Medium" panose="00000600000000000000" pitchFamily="2" charset="0"/>
+            </a:endParaRPr>
+          </a:p>
+        </p:txBody>
+      </p:sp>
+      <p:sp>
+        <p:nvSpPr>
+          <p:cNvPr id="27" name="Segnaposto numero diapositiva 26">
+            <a:extLst>
+              <a:ext uri="{FF2B5EF4-FFF2-40B4-BE49-F238E27FC236}">
+                <a16:creationId xmlns:a16="http://schemas.microsoft.com/office/drawing/2014/main" id="{F9C2EE25-215B-477C-AC6E-D2639B7A24B6}"/>
+              </a:ext>
+            </a:extLst>
+          </p:cNvPr>
+          <p:cNvSpPr>
+            <a:spLocks noGrp="1"/>
+          </p:cNvSpPr>
+          <p:nvPr>
+            <p:ph type="sldNum" sz="quarter" idx="12"/>
+          </p:nvPr>
+        </p:nvSpPr>
+        <p:spPr/>
+        <p:txBody>
+          <a:bodyPr/>
+          <a:lstStyle/>
+          <a:p>
+            <a:fld id="{66CD45B7-DFE2-4393-8D37-380FC36BF3AA}" type="slidenum">
+              <a:rPr lang="de-DE" sz="1600" smtClean="0">
+                <a:solidFill>
+                  <a:schemeClr val="tx1"/>
+                </a:solidFill>
+                <a:latin typeface="Poppins Medium" panose="00000600000000000000" pitchFamily="2" charset="0"/>
+                <a:cs typeface="Poppins Medium" panose="00000600000000000000" pitchFamily="2" charset="0"/>
+              </a:rPr>
+              <a:t>5</a:t>
+            </a:fld>
+            <a:r>
+              <a:rPr lang="de-DE" sz="1600">
+                <a:solidFill>
+                  <a:schemeClr val="tx1"/>
+                </a:solidFill>
+                <a:latin typeface="Poppins Medium" panose="00000600000000000000" pitchFamily="2" charset="0"/>
+                <a:cs typeface="Poppins Medium" panose="00000600000000000000" pitchFamily="2" charset="0"/>
+              </a:rPr>
+              <a:t>/16</a:t>
+            </a:r>
+          </a:p>
+        </p:txBody>
+      </p:sp>
+      <p:pic>
+        <p:nvPicPr>
+          <p:cNvPr id="4" name="Immagine 3" descr="Immagine che contiene testo&#10;&#10;Descrizione generata automaticamente">
+            <a:extLst>
+              <a:ext uri="{FF2B5EF4-FFF2-40B4-BE49-F238E27FC236}">
+                <a16:creationId xmlns:a16="http://schemas.microsoft.com/office/drawing/2014/main" id="{CD6B7C19-4B83-D154-EC89-61C03CD93C9A}"/>
+              </a:ext>
+            </a:extLst>
+          </p:cNvPr>
+          <p:cNvPicPr>
+            <a:picLocks noChangeAspect="1"/>
+          </p:cNvPicPr>
+          <p:nvPr/>
+        </p:nvPicPr>
+        <p:blipFill>
+          <a:blip r:embed="rId3">
+            <a:extLst>
+              <a:ext uri="{28A0092B-C50C-407E-A947-70E740481C1C}">
+                <a14:useLocalDpi xmlns:a14="http://schemas.microsoft.com/office/drawing/2010/main" val="0"/>
+              </a:ext>
+            </a:extLst>
+          </a:blip>
+          <a:stretch>
+            <a:fillRect/>
+          </a:stretch>
+        </p:blipFill>
+        <p:spPr>
+          <a:xfrm>
+            <a:off x="1132142" y="1305891"/>
+            <a:ext cx="9927715" cy="4886867"/>
+          </a:xfrm>
+          <a:prstGeom prst="rect">
+            <a:avLst/>
+          </a:prstGeom>
+        </p:spPr>
+      </p:pic>
+    </p:spTree>
+    <p:extLst>
+      <p:ext uri="{BB962C8B-B14F-4D97-AF65-F5344CB8AC3E}">
+        <p14:creationId xmlns:p14="http://schemas.microsoft.com/office/powerpoint/2010/main" val="1539323962"/>
+      </p:ext>
+    </p:extLst>
+  </p:cSld>
+  <p:clrMapOvr>
+    <a:masterClrMapping/>
+  </p:clrMapOvr>
+</p:sld>
+</file>
+
+<file path=ppt/slides/slide6.xml><?xml version="1.0" encoding="utf-8"?>
+<p:sld xmlns:a="http://schemas.openxmlformats.org/drawingml/2006/main" xmlns:r="http://schemas.openxmlformats.org/officeDocument/2006/relationships" xmlns:p="http://schemas.openxmlformats.org/presentationml/2006/main">
+  <p:cSld>
+    <p:spTree>
+      <p:nvGrpSpPr>
+        <p:cNvPr id="1" name=""/>
+        <p:cNvGrpSpPr/>
+        <p:nvPr/>
+      </p:nvGrpSpPr>
+      <p:grpSpPr>
+        <a:xfrm>
+          <a:off x="0" y="0"/>
+          <a:ext cx="0" cy="0"/>
+          <a:chOff x="0" y="0"/>
+          <a:chExt cx="0" cy="0"/>
+        </a:xfrm>
+      </p:grpSpPr>
+      <p:sp>
+        <p:nvSpPr>
+          <p:cNvPr id="7" name="Segnaposto contenuto 6">
+            <a:extLst>
+              <a:ext uri="{FF2B5EF4-FFF2-40B4-BE49-F238E27FC236}">
+                <a16:creationId xmlns:a16="http://schemas.microsoft.com/office/drawing/2014/main" id="{02FC6CA0-25CF-64B7-760B-56A8388FA257}"/>
+              </a:ext>
+            </a:extLst>
+          </p:cNvPr>
+          <p:cNvSpPr>
+            <a:spLocks noGrp="1"/>
+          </p:cNvSpPr>
+          <p:nvPr>
+            <p:ph idx="1"/>
+          </p:nvPr>
+        </p:nvSpPr>
+        <p:spPr/>
+        <p:txBody>
+          <a:bodyPr/>
+          <a:lstStyle/>
+          <a:p>
+            <a:pPr marL="0" indent="0">
+              <a:buNone/>
+            </a:pPr>
+            <a:endParaRPr lang="it-IT" sz="2400" dirty="0">
+              <a:latin typeface="Poppins Medium" panose="00000600000000000000" pitchFamily="2" charset="0"/>
+              <a:cs typeface="Poppins Medium" panose="00000600000000000000" pitchFamily="2" charset="0"/>
+            </a:endParaRPr>
+          </a:p>
+          <a:p>
+            <a:pPr marL="0" indent="0">
+              <a:buNone/>
+            </a:pPr>
+            <a:endParaRPr lang="it-IT" sz="2400" dirty="0">
+              <a:latin typeface="Poppins Medium" panose="00000600000000000000" pitchFamily="2" charset="0"/>
+              <a:cs typeface="Poppins Medium" panose="00000600000000000000" pitchFamily="2" charset="0"/>
+            </a:endParaRPr>
+          </a:p>
+          <a:p>
+            <a:pPr marL="0" indent="0">
+              <a:buNone/>
+            </a:pPr>
+            <a:endParaRPr lang="it-IT" sz="2400" dirty="0">
+              <a:latin typeface="Poppins Medium" panose="00000600000000000000" pitchFamily="2" charset="0"/>
+              <a:cs typeface="Poppins Medium" panose="00000600000000000000" pitchFamily="2" charset="0"/>
+            </a:endParaRPr>
+          </a:p>
+          <a:p>
+            <a:pPr marL="0" indent="0">
+              <a:buNone/>
+            </a:pPr>
+            <a:endParaRPr lang="it-IT" sz="2400" dirty="0">
+              <a:latin typeface="Poppins Medium" panose="00000600000000000000" pitchFamily="2" charset="0"/>
+              <a:cs typeface="Poppins Medium" panose="00000600000000000000" pitchFamily="2" charset="0"/>
+            </a:endParaRPr>
+          </a:p>
+          <a:p>
+            <a:pPr marL="0" indent="0">
+              <a:buNone/>
+            </a:pPr>
+            <a:endParaRPr lang="it-IT" sz="2400" dirty="0">
+              <a:latin typeface="Poppins Medium" panose="00000600000000000000" pitchFamily="2" charset="0"/>
+              <a:cs typeface="Poppins Medium" panose="00000600000000000000" pitchFamily="2" charset="0"/>
+            </a:endParaRPr>
+          </a:p>
+          <a:p>
+            <a:pPr marL="0" indent="0">
+              <a:buNone/>
+            </a:pPr>
+            <a:endParaRPr lang="it-IT" sz="2400" dirty="0">
+              <a:latin typeface="Poppins Medium" panose="00000600000000000000" pitchFamily="2" charset="0"/>
+              <a:cs typeface="Poppins Medium" panose="00000600000000000000" pitchFamily="2" charset="0"/>
+            </a:endParaRPr>
+          </a:p>
+          <a:p>
+            <a:pPr marL="0" indent="0">
+              <a:buNone/>
+            </a:pPr>
+            <a:endParaRPr lang="it-IT" dirty="0">
+              <a:solidFill>
+                <a:schemeClr val="accent1">
+                  <a:lumMod val="75000"/>
+                </a:schemeClr>
+              </a:solidFill>
+            </a:endParaRPr>
+          </a:p>
+        </p:txBody>
+      </p:sp>
+      <p:sp>
+        <p:nvSpPr>
+          <p:cNvPr id="25" name="Segnaposto data 24">
+            <a:extLst>
+              <a:ext uri="{FF2B5EF4-FFF2-40B4-BE49-F238E27FC236}">
+                <a16:creationId xmlns:a16="http://schemas.microsoft.com/office/drawing/2014/main" id="{115DF917-AC48-486A-81F6-CF2DBBF5CD89}"/>
+              </a:ext>
+            </a:extLst>
+          </p:cNvPr>
+          <p:cNvSpPr>
+            <a:spLocks noGrp="1"/>
+          </p:cNvSpPr>
+          <p:nvPr>
+            <p:ph type="dt" sz="half" idx="10"/>
+          </p:nvPr>
+        </p:nvSpPr>
+        <p:spPr/>
+        <p:txBody>
+          <a:bodyPr/>
+          <a:lstStyle/>
+          <a:p>
+            <a:r>
+              <a:rPr lang="it-IT" sz="1600">
+                <a:solidFill>
+                  <a:schemeClr val="tx1"/>
+                </a:solidFill>
+                <a:latin typeface="Poppins Medium" panose="00000600000000000000" pitchFamily="2" charset="0"/>
+                <a:cs typeface="Poppins Medium" panose="00000600000000000000" pitchFamily="2" charset="0"/>
+              </a:rPr>
+              <a:t>31 Maggio 2022</a:t>
+            </a:r>
+            <a:endParaRPr lang="de-DE" sz="1600">
+              <a:solidFill>
+                <a:schemeClr val="tx1"/>
+              </a:solidFill>
+              <a:latin typeface="Poppins Medium" panose="00000600000000000000" pitchFamily="2" charset="0"/>
+              <a:cs typeface="Poppins Medium" panose="00000600000000000000" pitchFamily="2" charset="0"/>
+            </a:endParaRPr>
+          </a:p>
+        </p:txBody>
+      </p:sp>
+      <p:sp>
+        <p:nvSpPr>
+          <p:cNvPr id="27" name="Segnaposto numero diapositiva 26">
+            <a:extLst>
+              <a:ext uri="{FF2B5EF4-FFF2-40B4-BE49-F238E27FC236}">
+                <a16:creationId xmlns:a16="http://schemas.microsoft.com/office/drawing/2014/main" id="{F9C2EE25-215B-477C-AC6E-D2639B7A24B6}"/>
+              </a:ext>
+            </a:extLst>
+          </p:cNvPr>
+          <p:cNvSpPr>
+            <a:spLocks noGrp="1"/>
+          </p:cNvSpPr>
+          <p:nvPr>
+            <p:ph type="sldNum" sz="quarter" idx="12"/>
+          </p:nvPr>
+        </p:nvSpPr>
+        <p:spPr/>
+        <p:txBody>
+          <a:bodyPr/>
+          <a:lstStyle/>
+          <a:p>
+            <a:fld id="{66CD45B7-DFE2-4393-8D37-380FC36BF3AA}" type="slidenum">
+              <a:rPr lang="de-DE" sz="1600" smtClean="0">
+                <a:solidFill>
+                  <a:schemeClr val="tx1"/>
+                </a:solidFill>
+                <a:latin typeface="Poppins Medium" panose="00000600000000000000" pitchFamily="2" charset="0"/>
+                <a:cs typeface="Poppins Medium" panose="00000600000000000000" pitchFamily="2" charset="0"/>
+              </a:rPr>
+              <a:t>6</a:t>
+            </a:fld>
+            <a:r>
+              <a:rPr lang="de-DE" sz="1600">
+                <a:solidFill>
+                  <a:schemeClr val="tx1"/>
+                </a:solidFill>
+                <a:latin typeface="Poppins Medium" panose="00000600000000000000" pitchFamily="2" charset="0"/>
+                <a:cs typeface="Poppins Medium" panose="00000600000000000000" pitchFamily="2" charset="0"/>
+              </a:rPr>
+              <a:t>/16</a:t>
+            </a:r>
+          </a:p>
+        </p:txBody>
+      </p:sp>
+      <p:pic>
+        <p:nvPicPr>
+          <p:cNvPr id="8" name="Immagine 7">
+            <a:extLst>
+              <a:ext uri="{FF2B5EF4-FFF2-40B4-BE49-F238E27FC236}">
+                <a16:creationId xmlns:a16="http://schemas.microsoft.com/office/drawing/2014/main" id="{F3DD256C-563B-76BD-1527-15F6ECB9FFD6}"/>
+              </a:ext>
+            </a:extLst>
+          </p:cNvPr>
+          <p:cNvPicPr>
+            <a:picLocks noChangeAspect="1"/>
+          </p:cNvPicPr>
+          <p:nvPr/>
+        </p:nvPicPr>
+        <p:blipFill>
+          <a:blip r:embed="rId3">
+            <a:extLst>
+              <a:ext uri="{28A0092B-C50C-407E-A947-70E740481C1C}">
+                <a14:useLocalDpi xmlns:a14="http://schemas.microsoft.com/office/drawing/2010/main" val="0"/>
+              </a:ext>
+            </a:extLst>
+          </a:blip>
+          <a:stretch>
+            <a:fillRect/>
+          </a:stretch>
+        </p:blipFill>
+        <p:spPr>
+          <a:xfrm>
+            <a:off x="1179900" y="1389889"/>
+            <a:ext cx="9825111" cy="4611463"/>
+          </a:xfrm>
+          <a:prstGeom prst="rect">
+            <a:avLst/>
+          </a:prstGeom>
+        </p:spPr>
+      </p:pic>
+      <p:sp>
+        <p:nvSpPr>
+          <p:cNvPr id="14" name="Rettangolo 13">
+            <a:extLst>
+              <a:ext uri="{FF2B5EF4-FFF2-40B4-BE49-F238E27FC236}">
+                <a16:creationId xmlns:a16="http://schemas.microsoft.com/office/drawing/2014/main" id="{25D43BB6-BE61-FDC4-798D-4AB081CBC8BA}"/>
+              </a:ext>
+            </a:extLst>
+          </p:cNvPr>
+          <p:cNvSpPr/>
+          <p:nvPr/>
+        </p:nvSpPr>
+        <p:spPr>
+          <a:xfrm>
+            <a:off x="0" y="0"/>
+            <a:ext cx="12184913" cy="1034891"/>
+          </a:xfrm>
+          <a:prstGeom prst="rect">
+            <a:avLst/>
+          </a:prstGeom>
+          <a:solidFill>
+            <a:srgbClr val="002060"/>
+          </a:solidFill>
+          <a:ln>
+            <a:noFill/>
+          </a:ln>
+        </p:spPr>
+        <p:style>
+          <a:lnRef idx="2">
+            <a:schemeClr val="accent3">
+              <a:shade val="50000"/>
+            </a:schemeClr>
+          </a:lnRef>
+          <a:fillRef idx="1">
+            <a:schemeClr val="accent3"/>
+          </a:fillRef>
+          <a:effectRef idx="0">
+            <a:schemeClr val="accent3"/>
+          </a:effectRef>
+          <a:fontRef idx="minor">
+            <a:schemeClr val="lt1"/>
+          </a:fontRef>
+        </p:style>
+        <p:txBody>
+          <a:bodyPr rtlCol="0" anchor="ctr"/>
+          <a:lstStyle/>
+          <a:p>
+            <a:pPr algn="ctr"/>
+            <a:endParaRPr lang="it-IT"/>
+          </a:p>
+        </p:txBody>
+      </p:sp>
+      <p:sp>
+        <p:nvSpPr>
+          <p:cNvPr id="15" name="Titolo 1">
+            <a:extLst>
+              <a:ext uri="{FF2B5EF4-FFF2-40B4-BE49-F238E27FC236}">
+                <a16:creationId xmlns:a16="http://schemas.microsoft.com/office/drawing/2014/main" id="{CC231C38-FFA1-B6E1-58DA-ECD876524CB2}"/>
+              </a:ext>
+            </a:extLst>
+          </p:cNvPr>
+          <p:cNvSpPr>
+            <a:spLocks noGrp="1"/>
+          </p:cNvSpPr>
+          <p:nvPr>
+            <p:ph type="title"/>
+          </p:nvPr>
+        </p:nvSpPr>
+        <p:spPr>
+          <a:xfrm>
+            <a:off x="272535" y="163591"/>
+            <a:ext cx="10176803" cy="707708"/>
+          </a:xfrm>
+        </p:spPr>
+        <p:txBody>
+          <a:bodyPr anchor="b">
+            <a:normAutofit/>
+          </a:bodyPr>
+          <a:lstStyle/>
+          <a:p>
+            <a:r>
+              <a:rPr lang="it-IT" sz="4000" b="1" dirty="0">
+                <a:solidFill>
+                  <a:schemeClr val="bg1"/>
+                </a:solidFill>
+                <a:effectLst>
+                  <a:outerShdw blurRad="38100" dist="38100" dir="2700000" algn="tl">
+                    <a:srgbClr val="000000">
+                      <a:alpha val="43137"/>
+                    </a:srgbClr>
+                  </a:outerShdw>
+                </a:effectLst>
+                <a:latin typeface="Poppins"/>
+                <a:cs typeface="Poppins"/>
+              </a:rPr>
+              <a:t>Milestones</a:t>
+            </a:r>
+          </a:p>
+        </p:txBody>
+      </p:sp>
+    </p:spTree>
+    <p:extLst>
+      <p:ext uri="{BB962C8B-B14F-4D97-AF65-F5344CB8AC3E}">
+        <p14:creationId xmlns:p14="http://schemas.microsoft.com/office/powerpoint/2010/main" val="2443014758"/>
+      </p:ext>
+    </p:extLst>
+  </p:cSld>
+  <p:clrMapOvr>
+    <a:masterClrMapping/>
+  </p:clrMapOvr>
+</p:sld>
+</file>
+
+<file path=ppt/slides/slide7.xml><?xml version="1.0" encoding="utf-8"?>
+<p:sld xmlns:a="http://schemas.openxmlformats.org/drawingml/2006/main" xmlns:r="http://schemas.openxmlformats.org/officeDocument/2006/relationships" xmlns:p="http://schemas.openxmlformats.org/presentationml/2006/main">
+  <p:cSld>
+    <p:spTree>
+      <p:nvGrpSpPr>
+        <p:cNvPr id="1" name=""/>
+        <p:cNvGrpSpPr/>
+        <p:nvPr/>
+      </p:nvGrpSpPr>
+      <p:grpSpPr>
+        <a:xfrm>
+          <a:off x="0" y="0"/>
+          <a:ext cx="0" cy="0"/>
+          <a:chOff x="0" y="0"/>
+          <a:chExt cx="0" cy="0"/>
+        </a:xfrm>
+      </p:grpSpPr>
+      <p:sp>
+        <p:nvSpPr>
+          <p:cNvPr id="7" name="Segnaposto contenuto 6">
+            <a:extLst>
+              <a:ext uri="{FF2B5EF4-FFF2-40B4-BE49-F238E27FC236}">
+                <a16:creationId xmlns:a16="http://schemas.microsoft.com/office/drawing/2014/main" id="{02FC6CA0-25CF-64B7-760B-56A8388FA257}"/>
+              </a:ext>
+            </a:extLst>
+          </p:cNvPr>
+          <p:cNvSpPr>
+            <a:spLocks noGrp="1"/>
+          </p:cNvSpPr>
+          <p:nvPr>
+            <p:ph idx="1"/>
+          </p:nvPr>
+        </p:nvSpPr>
+        <p:spPr/>
+        <p:txBody>
+          <a:bodyPr/>
+          <a:lstStyle/>
+          <a:p>
+            <a:pPr marL="0" indent="0">
+              <a:buNone/>
+            </a:pPr>
+            <a:endParaRPr lang="it-IT" sz="2400" dirty="0">
+              <a:latin typeface="Poppins Medium" panose="00000600000000000000" pitchFamily="2" charset="0"/>
+              <a:cs typeface="Poppins Medium" panose="00000600000000000000" pitchFamily="2" charset="0"/>
+            </a:endParaRPr>
+          </a:p>
+          <a:p>
+            <a:pPr marL="0" indent="0">
+              <a:buNone/>
+            </a:pPr>
+            <a:endParaRPr lang="it-IT" sz="2400" dirty="0">
+              <a:latin typeface="Poppins Medium" panose="00000600000000000000" pitchFamily="2" charset="0"/>
+              <a:cs typeface="Poppins Medium" panose="00000600000000000000" pitchFamily="2" charset="0"/>
+            </a:endParaRPr>
+          </a:p>
+          <a:p>
+            <a:pPr marL="0" indent="0">
+              <a:buNone/>
+            </a:pPr>
+            <a:endParaRPr lang="it-IT" sz="2400" dirty="0">
+              <a:latin typeface="Poppins Medium" panose="00000600000000000000" pitchFamily="2" charset="0"/>
+              <a:cs typeface="Poppins Medium" panose="00000600000000000000" pitchFamily="2" charset="0"/>
+            </a:endParaRPr>
+          </a:p>
+          <a:p>
+            <a:pPr marL="0" indent="0">
+              <a:buNone/>
+            </a:pPr>
+            <a:endParaRPr lang="it-IT" sz="2400" dirty="0">
+              <a:latin typeface="Poppins Medium" panose="00000600000000000000" pitchFamily="2" charset="0"/>
+              <a:cs typeface="Poppins Medium" panose="00000600000000000000" pitchFamily="2" charset="0"/>
+            </a:endParaRPr>
+          </a:p>
+          <a:p>
+            <a:pPr marL="0" indent="0">
+              <a:buNone/>
+            </a:pPr>
+            <a:endParaRPr lang="it-IT" sz="2400" dirty="0">
+              <a:latin typeface="Poppins Medium" panose="00000600000000000000" pitchFamily="2" charset="0"/>
+              <a:cs typeface="Poppins Medium" panose="00000600000000000000" pitchFamily="2" charset="0"/>
+            </a:endParaRPr>
+          </a:p>
+          <a:p>
+            <a:pPr marL="0" indent="0">
+              <a:buNone/>
+            </a:pPr>
+            <a:endParaRPr lang="it-IT" sz="2400" dirty="0">
+              <a:latin typeface="Poppins Medium" panose="00000600000000000000" pitchFamily="2" charset="0"/>
+              <a:cs typeface="Poppins Medium" panose="00000600000000000000" pitchFamily="2" charset="0"/>
+            </a:endParaRPr>
+          </a:p>
+          <a:p>
+            <a:pPr marL="0" indent="0">
+              <a:buNone/>
+            </a:pPr>
+            <a:endParaRPr lang="it-IT" sz="2400" dirty="0">
+              <a:latin typeface="Poppins Medium" panose="00000600000000000000" pitchFamily="2" charset="0"/>
+              <a:cs typeface="Poppins Medium" panose="00000600000000000000" pitchFamily="2" charset="0"/>
+            </a:endParaRPr>
+          </a:p>
+          <a:p>
+            <a:pPr marL="0" indent="0">
+              <a:buNone/>
+            </a:pPr>
+            <a:endParaRPr lang="it-IT" sz="2400" dirty="0">
+              <a:latin typeface="Poppins Medium" panose="00000600000000000000" pitchFamily="2" charset="0"/>
+              <a:cs typeface="Poppins Medium" panose="00000600000000000000" pitchFamily="2" charset="0"/>
+            </a:endParaRPr>
+          </a:p>
+          <a:p>
+            <a:pPr marL="0" indent="0">
+              <a:buNone/>
+            </a:pPr>
+            <a:endParaRPr lang="it-IT" dirty="0">
+              <a:solidFill>
+                <a:schemeClr val="accent1">
+                  <a:lumMod val="75000"/>
+                </a:schemeClr>
+              </a:solidFill>
+            </a:endParaRPr>
+          </a:p>
+        </p:txBody>
+      </p:sp>
+      <p:sp>
+        <p:nvSpPr>
+          <p:cNvPr id="25" name="Segnaposto data 24">
+            <a:extLst>
+              <a:ext uri="{FF2B5EF4-FFF2-40B4-BE49-F238E27FC236}">
+                <a16:creationId xmlns:a16="http://schemas.microsoft.com/office/drawing/2014/main" id="{115DF917-AC48-486A-81F6-CF2DBBF5CD89}"/>
+              </a:ext>
+            </a:extLst>
+          </p:cNvPr>
+          <p:cNvSpPr>
+            <a:spLocks noGrp="1"/>
+          </p:cNvSpPr>
+          <p:nvPr>
+            <p:ph type="dt" sz="half" idx="10"/>
+          </p:nvPr>
+        </p:nvSpPr>
+        <p:spPr/>
+        <p:txBody>
+          <a:bodyPr/>
+          <a:lstStyle/>
+          <a:p>
+            <a:r>
+              <a:rPr lang="it-IT" sz="1600">
+                <a:solidFill>
+                  <a:schemeClr val="tx1"/>
+                </a:solidFill>
+                <a:latin typeface="Poppins Medium" panose="00000600000000000000" pitchFamily="2" charset="0"/>
+                <a:cs typeface="Poppins Medium" panose="00000600000000000000" pitchFamily="2" charset="0"/>
+              </a:rPr>
+              <a:t>31 Maggio 2022</a:t>
+            </a:r>
+            <a:endParaRPr lang="de-DE" sz="1600">
+              <a:solidFill>
+                <a:schemeClr val="tx1"/>
+              </a:solidFill>
+              <a:latin typeface="Poppins Medium" panose="00000600000000000000" pitchFamily="2" charset="0"/>
+              <a:cs typeface="Poppins Medium" panose="00000600000000000000" pitchFamily="2" charset="0"/>
+            </a:endParaRPr>
+          </a:p>
+        </p:txBody>
+      </p:sp>
+      <p:sp>
+        <p:nvSpPr>
+          <p:cNvPr id="27" name="Segnaposto numero diapositiva 26">
+            <a:extLst>
+              <a:ext uri="{FF2B5EF4-FFF2-40B4-BE49-F238E27FC236}">
+                <a16:creationId xmlns:a16="http://schemas.microsoft.com/office/drawing/2014/main" id="{F9C2EE25-215B-477C-AC6E-D2639B7A24B6}"/>
+              </a:ext>
+            </a:extLst>
+          </p:cNvPr>
+          <p:cNvSpPr>
+            <a:spLocks noGrp="1"/>
+          </p:cNvSpPr>
+          <p:nvPr>
+            <p:ph type="sldNum" sz="quarter" idx="12"/>
+          </p:nvPr>
+        </p:nvSpPr>
+        <p:spPr/>
+        <p:txBody>
+          <a:bodyPr/>
+          <a:lstStyle/>
+          <a:p>
+            <a:fld id="{66CD45B7-DFE2-4393-8D37-380FC36BF3AA}" type="slidenum">
+              <a:rPr lang="de-DE" sz="1600" smtClean="0">
+                <a:solidFill>
+                  <a:schemeClr val="tx1"/>
+                </a:solidFill>
+                <a:latin typeface="Poppins Medium" panose="00000600000000000000" pitchFamily="2" charset="0"/>
+                <a:cs typeface="Poppins Medium" panose="00000600000000000000" pitchFamily="2" charset="0"/>
+              </a:rPr>
+              <a:t>7</a:t>
+            </a:fld>
+            <a:r>
+              <a:rPr lang="de-DE" sz="1600">
+                <a:solidFill>
+                  <a:schemeClr val="tx1"/>
+                </a:solidFill>
+                <a:latin typeface="Poppins Medium" panose="00000600000000000000" pitchFamily="2" charset="0"/>
+                <a:cs typeface="Poppins Medium" panose="00000600000000000000" pitchFamily="2" charset="0"/>
+              </a:rPr>
+              <a:t>/16</a:t>
+            </a:r>
+          </a:p>
+        </p:txBody>
+      </p:sp>
+      <p:pic>
+        <p:nvPicPr>
+          <p:cNvPr id="4" name="Immagine 3">
+            <a:extLst>
+              <a:ext uri="{FF2B5EF4-FFF2-40B4-BE49-F238E27FC236}">
+                <a16:creationId xmlns:a16="http://schemas.microsoft.com/office/drawing/2014/main" id="{CC0346A8-B9B7-62A4-E844-8F73091F3BF0}"/>
+              </a:ext>
+            </a:extLst>
+          </p:cNvPr>
+          <p:cNvPicPr>
+            <a:picLocks noChangeAspect="1"/>
+          </p:cNvPicPr>
+          <p:nvPr/>
+        </p:nvPicPr>
+        <p:blipFill>
+          <a:blip r:embed="rId3">
+            <a:extLst>
+              <a:ext uri="{28A0092B-C50C-407E-A947-70E740481C1C}">
+                <a14:useLocalDpi xmlns:a14="http://schemas.microsoft.com/office/drawing/2010/main" val="0"/>
+              </a:ext>
+            </a:extLst>
+          </a:blip>
+          <a:stretch>
+            <a:fillRect/>
+          </a:stretch>
+        </p:blipFill>
+        <p:spPr>
+          <a:xfrm>
+            <a:off x="838200" y="1311189"/>
+            <a:ext cx="11046957" cy="4235621"/>
+          </a:xfrm>
+          <a:prstGeom prst="rect">
+            <a:avLst/>
+          </a:prstGeom>
+        </p:spPr>
+      </p:pic>
+      <p:sp>
+        <p:nvSpPr>
+          <p:cNvPr id="12" name="Rettangolo 11">
+            <a:extLst>
+              <a:ext uri="{FF2B5EF4-FFF2-40B4-BE49-F238E27FC236}">
+                <a16:creationId xmlns:a16="http://schemas.microsoft.com/office/drawing/2014/main" id="{F0FAD030-2623-A89C-4FA1-55CE81C0AE08}"/>
+              </a:ext>
+            </a:extLst>
+          </p:cNvPr>
+          <p:cNvSpPr/>
+          <p:nvPr/>
+        </p:nvSpPr>
+        <p:spPr>
+          <a:xfrm>
+            <a:off x="0" y="0"/>
+            <a:ext cx="12184913" cy="1034891"/>
+          </a:xfrm>
+          <a:prstGeom prst="rect">
+            <a:avLst/>
+          </a:prstGeom>
+          <a:solidFill>
+            <a:srgbClr val="002060"/>
+          </a:solidFill>
+          <a:ln>
+            <a:noFill/>
+          </a:ln>
+        </p:spPr>
+        <p:style>
+          <a:lnRef idx="2">
+            <a:schemeClr val="accent3">
+              <a:shade val="50000"/>
+            </a:schemeClr>
+          </a:lnRef>
+          <a:fillRef idx="1">
+            <a:schemeClr val="accent3"/>
+          </a:fillRef>
+          <a:effectRef idx="0">
+            <a:schemeClr val="accent3"/>
+          </a:effectRef>
+          <a:fontRef idx="minor">
+            <a:schemeClr val="lt1"/>
+          </a:fontRef>
+        </p:style>
+        <p:txBody>
+          <a:bodyPr rtlCol="0" anchor="ctr"/>
+          <a:lstStyle/>
+          <a:p>
+            <a:pPr algn="ctr"/>
+            <a:endParaRPr lang="it-IT"/>
+          </a:p>
+        </p:txBody>
+      </p:sp>
+      <p:sp>
+        <p:nvSpPr>
+          <p:cNvPr id="13" name="Titolo 1">
+            <a:extLst>
+              <a:ext uri="{FF2B5EF4-FFF2-40B4-BE49-F238E27FC236}">
+                <a16:creationId xmlns:a16="http://schemas.microsoft.com/office/drawing/2014/main" id="{A0F14F07-00BE-A130-44A5-463A5F98673C}"/>
+              </a:ext>
+            </a:extLst>
+          </p:cNvPr>
+          <p:cNvSpPr>
+            <a:spLocks noGrp="1"/>
+          </p:cNvSpPr>
+          <p:nvPr>
+            <p:ph type="title"/>
+          </p:nvPr>
+        </p:nvSpPr>
+        <p:spPr>
+          <a:xfrm>
+            <a:off x="272535" y="163591"/>
+            <a:ext cx="10176803" cy="707708"/>
+          </a:xfrm>
+        </p:spPr>
+        <p:txBody>
+          <a:bodyPr anchor="b">
+            <a:normAutofit/>
+          </a:bodyPr>
+          <a:lstStyle/>
+          <a:p>
+            <a:r>
+              <a:rPr lang="it-IT" sz="4000" b="1" dirty="0">
+                <a:solidFill>
+                  <a:schemeClr val="bg1"/>
+                </a:solidFill>
+                <a:effectLst>
+                  <a:outerShdw blurRad="38100" dist="38100" dir="2700000" algn="tl">
+                    <a:srgbClr val="000000">
+                      <a:alpha val="43137"/>
+                    </a:srgbClr>
+                  </a:outerShdw>
+                </a:effectLst>
+                <a:latin typeface="Poppins"/>
+                <a:cs typeface="Poppins"/>
+              </a:rPr>
+              <a:t>Board</a:t>
+            </a:r>
+          </a:p>
+        </p:txBody>
+      </p:sp>
+    </p:spTree>
+    <p:extLst>
+      <p:ext uri="{BB962C8B-B14F-4D97-AF65-F5344CB8AC3E}">
+        <p14:creationId xmlns:p14="http://schemas.microsoft.com/office/powerpoint/2010/main" val="36069879"/>
+      </p:ext>
+    </p:extLst>
+  </p:cSld>
+  <p:clrMapOvr>
+    <a:masterClrMapping/>
+  </p:clrMapOvr>
+</p:sld>
+</file>
+
+<file path=ppt/slides/slide8.xml><?xml version="1.0" encoding="utf-8"?>
+<p:sld xmlns:a="http://schemas.openxmlformats.org/drawingml/2006/main" xmlns:r="http://schemas.openxmlformats.org/officeDocument/2006/relationships" xmlns:p="http://schemas.openxmlformats.org/presentationml/2006/main">
+  <p:cSld>
+    <p:spTree>
+      <p:nvGrpSpPr>
+        <p:cNvPr id="1" name=""/>
+        <p:cNvGrpSpPr/>
+        <p:nvPr/>
+      </p:nvGrpSpPr>
+      <p:grpSpPr>
+        <a:xfrm>
+          <a:off x="0" y="0"/>
+          <a:ext cx="0" cy="0"/>
+          <a:chOff x="0" y="0"/>
+          <a:chExt cx="0" cy="0"/>
+        </a:xfrm>
+      </p:grpSpPr>
+      <p:sp>
+        <p:nvSpPr>
+          <p:cNvPr id="7" name="Segnaposto contenuto 6">
+            <a:extLst>
+              <a:ext uri="{FF2B5EF4-FFF2-40B4-BE49-F238E27FC236}">
+                <a16:creationId xmlns:a16="http://schemas.microsoft.com/office/drawing/2014/main" id="{02FC6CA0-25CF-64B7-760B-56A8388FA257}"/>
+              </a:ext>
+            </a:extLst>
+          </p:cNvPr>
+          <p:cNvSpPr>
+            <a:spLocks noGrp="1"/>
+          </p:cNvSpPr>
+          <p:nvPr>
+            <p:ph idx="1"/>
+          </p:nvPr>
+        </p:nvSpPr>
+        <p:spPr>
+          <a:xfrm>
+            <a:off x="570914" y="1519951"/>
+            <a:ext cx="10515600" cy="4351338"/>
+          </a:xfrm>
+        </p:spPr>
+        <p:txBody>
+          <a:bodyPr/>
+          <a:lstStyle/>
+          <a:p>
+            <a:r>
+              <a:rPr lang="it-IT" sz="2400" dirty="0">
+                <a:latin typeface="Poppins Medium" panose="00000600000000000000" pitchFamily="2" charset="0"/>
+                <a:cs typeface="Poppins Medium" panose="00000600000000000000" pitchFamily="2" charset="0"/>
+              </a:rPr>
+              <a:t>Nei report vengono specificati i seguenti campi:</a:t>
+            </a:r>
+          </a:p>
+          <a:p>
+            <a:r>
+              <a:rPr lang="it-IT" sz="2400" dirty="0">
+                <a:latin typeface="Poppins Medium" panose="00000600000000000000" pitchFamily="2" charset="0"/>
+                <a:cs typeface="Poppins Medium" panose="00000600000000000000" pitchFamily="2" charset="0"/>
+              </a:rPr>
+              <a:t>Breve descrizione</a:t>
+            </a:r>
+          </a:p>
+          <a:p>
+            <a:r>
+              <a:rPr lang="it-IT" sz="2400" dirty="0">
+                <a:latin typeface="Poppins Medium" panose="00000600000000000000" pitchFamily="2" charset="0"/>
+                <a:cs typeface="Poppins Medium" panose="00000600000000000000" pitchFamily="2" charset="0"/>
+              </a:rPr>
+              <a:t>Tipo di cambiamento (</a:t>
+            </a:r>
+            <a:r>
+              <a:rPr lang="it-IT" sz="2400" dirty="0" err="1">
+                <a:latin typeface="Poppins Medium" panose="00000600000000000000" pitchFamily="2" charset="0"/>
+                <a:cs typeface="Poppins Medium" panose="00000600000000000000" pitchFamily="2" charset="0"/>
+              </a:rPr>
+              <a:t>Bugfix</a:t>
+            </a:r>
+            <a:r>
+              <a:rPr lang="it-IT" sz="2400" dirty="0">
+                <a:latin typeface="Poppins Medium" panose="00000600000000000000" pitchFamily="2" charset="0"/>
+                <a:cs typeface="Poppins Medium" panose="00000600000000000000" pitchFamily="2" charset="0"/>
+              </a:rPr>
+              <a:t>, Feature, </a:t>
+            </a:r>
+          </a:p>
+          <a:p>
+            <a:r>
+              <a:rPr lang="it-IT" sz="2400" dirty="0">
+                <a:latin typeface="Poppins Medium" panose="00000600000000000000" pitchFamily="2" charset="0"/>
+                <a:cs typeface="Poppins Medium" panose="00000600000000000000" pitchFamily="2" charset="0"/>
+              </a:rPr>
+              <a:t>La pull </a:t>
+            </a:r>
+            <a:r>
+              <a:rPr lang="it-IT" sz="2400" dirty="0" err="1">
+                <a:latin typeface="Poppins Medium" panose="00000600000000000000" pitchFamily="2" charset="0"/>
+                <a:cs typeface="Poppins Medium" panose="00000600000000000000" pitchFamily="2" charset="0"/>
+              </a:rPr>
+              <a:t>request</a:t>
+            </a:r>
+            <a:r>
+              <a:rPr lang="it-IT" sz="2400" dirty="0">
+                <a:latin typeface="Poppins Medium" panose="00000600000000000000" pitchFamily="2" charset="0"/>
+                <a:cs typeface="Poppins Medium" panose="00000600000000000000" pitchFamily="2" charset="0"/>
+              </a:rPr>
+              <a:t> crea rotture nel progetto? (se si fornire ulteriori informazioni)</a:t>
+            </a:r>
+          </a:p>
+          <a:p>
+            <a:r>
+              <a:rPr lang="it-IT" sz="2400" dirty="0">
+                <a:latin typeface="Poppins Medium" panose="00000600000000000000" pitchFamily="2" charset="0"/>
+                <a:cs typeface="Poppins Medium" panose="00000600000000000000" pitchFamily="2" charset="0"/>
+              </a:rPr>
+              <a:t>La pull </a:t>
+            </a:r>
+            <a:r>
+              <a:rPr lang="it-IT" sz="2400" dirty="0" err="1">
+                <a:latin typeface="Poppins Medium" panose="00000600000000000000" pitchFamily="2" charset="0"/>
+                <a:cs typeface="Poppins Medium" panose="00000600000000000000" pitchFamily="2" charset="0"/>
+              </a:rPr>
+              <a:t>request</a:t>
+            </a:r>
+            <a:r>
+              <a:rPr lang="it-IT" sz="2400" dirty="0">
+                <a:latin typeface="Poppins Medium" panose="00000600000000000000" pitchFamily="2" charset="0"/>
+                <a:cs typeface="Poppins Medium" panose="00000600000000000000" pitchFamily="2" charset="0"/>
+              </a:rPr>
+              <a:t> soddisfa i seguenti requisiti (spuntare le opzioni soddisfatte es: (è richiesto sul ramo di </a:t>
+            </a:r>
+            <a:r>
+              <a:rPr lang="it-IT" sz="2400" dirty="0" err="1">
+                <a:latin typeface="Poppins Medium" panose="00000600000000000000" pitchFamily="2" charset="0"/>
+                <a:cs typeface="Poppins Medium" panose="00000600000000000000" pitchFamily="2" charset="0"/>
+              </a:rPr>
+              <a:t>dev</a:t>
+            </a:r>
+            <a:r>
+              <a:rPr lang="it-IT" sz="2400" dirty="0">
+                <a:latin typeface="Poppins Medium" panose="00000600000000000000" pitchFamily="2" charset="0"/>
+                <a:cs typeface="Poppins Medium" panose="00000600000000000000" pitchFamily="2" charset="0"/>
+              </a:rPr>
+              <a:t> v2.x, passa tutti i test, </a:t>
+            </a:r>
+            <a:r>
+              <a:rPr lang="it-IT" sz="2400" dirty="0" err="1">
+                <a:latin typeface="Poppins Medium" panose="00000600000000000000" pitchFamily="2" charset="0"/>
+                <a:cs typeface="Poppins Medium" panose="00000600000000000000" pitchFamily="2" charset="0"/>
+              </a:rPr>
+              <a:t>etc</a:t>
+            </a:r>
+            <a:r>
+              <a:rPr lang="it-IT" sz="2400" dirty="0">
+                <a:latin typeface="Poppins Medium" panose="00000600000000000000" pitchFamily="2" charset="0"/>
+                <a:cs typeface="Poppins Medium" panose="00000600000000000000" pitchFamily="2" charset="0"/>
+              </a:rPr>
+              <a:t>…)</a:t>
+            </a:r>
+          </a:p>
+          <a:p>
+            <a:r>
+              <a:rPr lang="it-IT" sz="2400" dirty="0">
+                <a:latin typeface="Poppins Medium" panose="00000600000000000000" pitchFamily="2" charset="0"/>
+                <a:cs typeface="Poppins Medium" panose="00000600000000000000" pitchFamily="2" charset="0"/>
+              </a:rPr>
+              <a:t>Se si aggiunge una nuova feature, motivare in modo convincente</a:t>
+            </a:r>
+          </a:p>
+          <a:p>
+            <a:r>
+              <a:rPr lang="it-IT" sz="2400" dirty="0">
+                <a:latin typeface="Poppins Medium" panose="00000600000000000000" pitchFamily="2" charset="0"/>
+                <a:cs typeface="Poppins Medium" panose="00000600000000000000" pitchFamily="2" charset="0"/>
+              </a:rPr>
+              <a:t>Altre informazioni</a:t>
+            </a:r>
+          </a:p>
+          <a:p>
+            <a:pPr marL="0" indent="0">
+              <a:buNone/>
+            </a:pPr>
+            <a:endParaRPr lang="it-IT" sz="2400" dirty="0">
+              <a:latin typeface="Poppins Medium" panose="00000600000000000000" pitchFamily="2" charset="0"/>
+              <a:cs typeface="Poppins Medium" panose="00000600000000000000" pitchFamily="2" charset="0"/>
+            </a:endParaRPr>
+          </a:p>
+          <a:p>
+            <a:pPr marL="0" indent="0">
+              <a:buNone/>
+            </a:pPr>
+            <a:endParaRPr lang="it-IT" sz="2400" dirty="0">
+              <a:latin typeface="Poppins Medium" panose="00000600000000000000" pitchFamily="2" charset="0"/>
+              <a:cs typeface="Poppins Medium" panose="00000600000000000000" pitchFamily="2" charset="0"/>
+            </a:endParaRPr>
+          </a:p>
+          <a:p>
+            <a:pPr marL="0" indent="0">
+              <a:buNone/>
+            </a:pPr>
+            <a:endParaRPr lang="it-IT" sz="2400" dirty="0">
+              <a:latin typeface="Poppins Medium" panose="00000600000000000000" pitchFamily="2" charset="0"/>
+              <a:cs typeface="Poppins Medium" panose="00000600000000000000" pitchFamily="2" charset="0"/>
+            </a:endParaRPr>
+          </a:p>
+          <a:p>
+            <a:pPr marL="0" indent="0">
+              <a:buNone/>
+            </a:pPr>
+            <a:endParaRPr lang="it-IT" sz="2400" dirty="0">
+              <a:latin typeface="Poppins Medium" panose="00000600000000000000" pitchFamily="2" charset="0"/>
+              <a:cs typeface="Poppins Medium" panose="00000600000000000000" pitchFamily="2" charset="0"/>
+            </a:endParaRPr>
+          </a:p>
+          <a:p>
+            <a:pPr marL="0" indent="0">
+              <a:buNone/>
+            </a:pPr>
+            <a:endParaRPr lang="it-IT" sz="2400" dirty="0">
+              <a:latin typeface="Poppins Medium" panose="00000600000000000000" pitchFamily="2" charset="0"/>
+              <a:cs typeface="Poppins Medium" panose="00000600000000000000" pitchFamily="2" charset="0"/>
+            </a:endParaRPr>
+          </a:p>
+          <a:p>
+            <a:pPr marL="0" indent="0">
+              <a:buNone/>
+            </a:pPr>
+            <a:endParaRPr lang="it-IT" sz="2400" dirty="0">
+              <a:latin typeface="Poppins Medium" panose="00000600000000000000" pitchFamily="2" charset="0"/>
+              <a:cs typeface="Poppins Medium" panose="00000600000000000000" pitchFamily="2" charset="0"/>
+            </a:endParaRPr>
+          </a:p>
+          <a:p>
+            <a:pPr marL="0" indent="0">
+              <a:buNone/>
+            </a:pPr>
+            <a:endParaRPr lang="it-IT" dirty="0">
+              <a:solidFill>
+                <a:schemeClr val="accent1">
+                  <a:lumMod val="75000"/>
+                </a:schemeClr>
+              </a:solidFill>
+            </a:endParaRPr>
+          </a:p>
+        </p:txBody>
+      </p:sp>
+      <p:sp>
+        <p:nvSpPr>
+          <p:cNvPr id="25" name="Segnaposto data 24">
+            <a:extLst>
+              <a:ext uri="{FF2B5EF4-FFF2-40B4-BE49-F238E27FC236}">
+                <a16:creationId xmlns:a16="http://schemas.microsoft.com/office/drawing/2014/main" id="{115DF917-AC48-486A-81F6-CF2DBBF5CD89}"/>
+              </a:ext>
+            </a:extLst>
+          </p:cNvPr>
+          <p:cNvSpPr>
+            <a:spLocks noGrp="1"/>
+          </p:cNvSpPr>
+          <p:nvPr>
+            <p:ph type="dt" sz="half" idx="10"/>
+          </p:nvPr>
+        </p:nvSpPr>
+        <p:spPr/>
+        <p:txBody>
+          <a:bodyPr/>
+          <a:lstStyle/>
+          <a:p>
+            <a:r>
+              <a:rPr lang="it-IT" sz="1600">
+                <a:solidFill>
+                  <a:schemeClr val="tx1"/>
+                </a:solidFill>
+                <a:latin typeface="Poppins Medium" panose="00000600000000000000" pitchFamily="2" charset="0"/>
+                <a:cs typeface="Poppins Medium" panose="00000600000000000000" pitchFamily="2" charset="0"/>
+              </a:rPr>
+              <a:t>31 Maggio 2022</a:t>
+            </a:r>
+            <a:endParaRPr lang="de-DE" sz="1600">
+              <a:solidFill>
+                <a:schemeClr val="tx1"/>
+              </a:solidFill>
+              <a:latin typeface="Poppins Medium" panose="00000600000000000000" pitchFamily="2" charset="0"/>
+              <a:cs typeface="Poppins Medium" panose="00000600000000000000" pitchFamily="2" charset="0"/>
+            </a:endParaRPr>
+          </a:p>
+        </p:txBody>
+      </p:sp>
+      <p:sp>
+        <p:nvSpPr>
+          <p:cNvPr id="27" name="Segnaposto numero diapositiva 26">
+            <a:extLst>
+              <a:ext uri="{FF2B5EF4-FFF2-40B4-BE49-F238E27FC236}">
+                <a16:creationId xmlns:a16="http://schemas.microsoft.com/office/drawing/2014/main" id="{F9C2EE25-215B-477C-AC6E-D2639B7A24B6}"/>
+              </a:ext>
+            </a:extLst>
+          </p:cNvPr>
+          <p:cNvSpPr>
+            <a:spLocks noGrp="1"/>
+          </p:cNvSpPr>
+          <p:nvPr>
+            <p:ph type="sldNum" sz="quarter" idx="12"/>
+          </p:nvPr>
+        </p:nvSpPr>
+        <p:spPr/>
+        <p:txBody>
+          <a:bodyPr/>
+          <a:lstStyle/>
+          <a:p>
+            <a:fld id="{66CD45B7-DFE2-4393-8D37-380FC36BF3AA}" type="slidenum">
+              <a:rPr lang="de-DE" sz="1600" smtClean="0">
+                <a:solidFill>
+                  <a:schemeClr val="tx1"/>
+                </a:solidFill>
+                <a:latin typeface="Poppins Medium" panose="00000600000000000000" pitchFamily="2" charset="0"/>
+                <a:cs typeface="Poppins Medium" panose="00000600000000000000" pitchFamily="2" charset="0"/>
+              </a:rPr>
+              <a:t>8</a:t>
+            </a:fld>
+            <a:r>
+              <a:rPr lang="de-DE" sz="1600">
+                <a:solidFill>
+                  <a:schemeClr val="tx1"/>
+                </a:solidFill>
+                <a:latin typeface="Poppins Medium" panose="00000600000000000000" pitchFamily="2" charset="0"/>
+                <a:cs typeface="Poppins Medium" panose="00000600000000000000" pitchFamily="2" charset="0"/>
+              </a:rPr>
+              <a:t>/16</a:t>
+            </a:r>
+          </a:p>
+        </p:txBody>
+      </p:sp>
+      <p:sp>
+        <p:nvSpPr>
+          <p:cNvPr id="12" name="Rettangolo 11">
+            <a:extLst>
+              <a:ext uri="{FF2B5EF4-FFF2-40B4-BE49-F238E27FC236}">
+                <a16:creationId xmlns:a16="http://schemas.microsoft.com/office/drawing/2014/main" id="{F0FAD030-2623-A89C-4FA1-55CE81C0AE08}"/>
+              </a:ext>
+            </a:extLst>
+          </p:cNvPr>
+          <p:cNvSpPr/>
+          <p:nvPr/>
+        </p:nvSpPr>
+        <p:spPr>
+          <a:xfrm>
+            <a:off x="0" y="0"/>
+            <a:ext cx="12184913" cy="1034891"/>
+          </a:xfrm>
+          <a:prstGeom prst="rect">
+            <a:avLst/>
+          </a:prstGeom>
+          <a:solidFill>
+            <a:srgbClr val="002060"/>
+          </a:solidFill>
+          <a:ln>
+            <a:noFill/>
+          </a:ln>
+        </p:spPr>
+        <p:style>
+          <a:lnRef idx="2">
+            <a:schemeClr val="accent3">
+              <a:shade val="50000"/>
+            </a:schemeClr>
+          </a:lnRef>
+          <a:fillRef idx="1">
+            <a:schemeClr val="accent3"/>
+          </a:fillRef>
+          <a:effectRef idx="0">
+            <a:schemeClr val="accent3"/>
+          </a:effectRef>
+          <a:fontRef idx="minor">
+            <a:schemeClr val="lt1"/>
+          </a:fontRef>
+        </p:style>
+        <p:txBody>
+          <a:bodyPr rtlCol="0" anchor="ctr"/>
+          <a:lstStyle/>
+          <a:p>
+            <a:pPr algn="ctr"/>
+            <a:endParaRPr lang="it-IT"/>
+          </a:p>
+        </p:txBody>
+      </p:sp>
+      <p:sp>
+        <p:nvSpPr>
+          <p:cNvPr id="13" name="Titolo 1">
+            <a:extLst>
+              <a:ext uri="{FF2B5EF4-FFF2-40B4-BE49-F238E27FC236}">
+                <a16:creationId xmlns:a16="http://schemas.microsoft.com/office/drawing/2014/main" id="{A0F14F07-00BE-A130-44A5-463A5F98673C}"/>
+              </a:ext>
+            </a:extLst>
+          </p:cNvPr>
+          <p:cNvSpPr>
+            <a:spLocks noGrp="1"/>
+          </p:cNvSpPr>
+          <p:nvPr>
+            <p:ph type="title"/>
+          </p:nvPr>
+        </p:nvSpPr>
+        <p:spPr>
+          <a:xfrm>
+            <a:off x="272535" y="163591"/>
+            <a:ext cx="10176803" cy="707708"/>
+          </a:xfrm>
+        </p:spPr>
+        <p:txBody>
+          <a:bodyPr anchor="b">
+            <a:normAutofit/>
+          </a:bodyPr>
+          <a:lstStyle/>
+          <a:p>
+            <a:r>
+              <a:rPr lang="it-IT" sz="4000" b="1" dirty="0">
+                <a:solidFill>
+                  <a:schemeClr val="bg1"/>
+                </a:solidFill>
+                <a:effectLst>
+                  <a:outerShdw blurRad="38100" dist="38100" dir="2700000" algn="tl">
+                    <a:srgbClr val="000000">
+                      <a:alpha val="43137"/>
+                    </a:srgbClr>
+                  </a:outerShdw>
+                </a:effectLst>
+                <a:latin typeface="Poppins"/>
+                <a:cs typeface="Poppins"/>
+              </a:rPr>
+              <a:t>Reportistica</a:t>
+            </a:r>
+          </a:p>
+        </p:txBody>
+      </p:sp>
+    </p:spTree>
+    <p:extLst>
+      <p:ext uri="{BB962C8B-B14F-4D97-AF65-F5344CB8AC3E}">
+        <p14:creationId xmlns:p14="http://schemas.microsoft.com/office/powerpoint/2010/main" val="4098395211"/>
+      </p:ext>
+    </p:extLst>
+  </p:cSld>
+  <p:clrMapOvr>
+    <a:masterClrMapping/>
+  </p:clrMapOvr>
+</p:sld>
+</file>
+
+<file path=ppt/slides/slide9.xml><?xml version="1.0" encoding="utf-8"?>
+<p:sld xmlns:a="http://schemas.openxmlformats.org/drawingml/2006/main" xmlns:r="http://schemas.openxmlformats.org/officeDocument/2006/relationships" xmlns:p="http://schemas.openxmlformats.org/presentationml/2006/main">
+  <p:cSld>
+    <p:spTree>
+      <p:nvGrpSpPr>
+        <p:cNvPr id="1" name=""/>
+        <p:cNvGrpSpPr/>
+        <p:nvPr/>
+      </p:nvGrpSpPr>
+      <p:grpSpPr>
+        <a:xfrm>
+          <a:off x="0" y="0"/>
+          <a:ext cx="0" cy="0"/>
+          <a:chOff x="0" y="0"/>
+          <a:chExt cx="0" cy="0"/>
+        </a:xfrm>
+      </p:grpSpPr>
+      <p:sp>
+        <p:nvSpPr>
+          <p:cNvPr id="7" name="Segnaposto contenuto 6">
+            <a:extLst>
+              <a:ext uri="{FF2B5EF4-FFF2-40B4-BE49-F238E27FC236}">
+                <a16:creationId xmlns:a16="http://schemas.microsoft.com/office/drawing/2014/main" id="{02FC6CA0-25CF-64B7-760B-56A8388FA257}"/>
+              </a:ext>
+            </a:extLst>
+          </p:cNvPr>
+          <p:cNvSpPr>
+            <a:spLocks noGrp="1"/>
+          </p:cNvSpPr>
+          <p:nvPr>
+            <p:ph idx="1"/>
+          </p:nvPr>
+        </p:nvSpPr>
+        <p:spPr/>
+        <p:txBody>
+          <a:bodyPr/>
+          <a:lstStyle/>
+          <a:p>
+            <a:pPr marL="0" indent="0">
+              <a:buNone/>
+            </a:pPr>
+            <a:r>
+              <a:rPr lang="it-IT" sz="2400" dirty="0">
+                <a:latin typeface="Poppins Medium" panose="00000600000000000000" pitchFamily="2" charset="0"/>
+                <a:cs typeface="Poppins Medium" panose="00000600000000000000" pitchFamily="2" charset="0"/>
+              </a:rPr>
+              <a:t>Le release sono gestite direttamente dai sponsor principali del progetto.</a:t>
+            </a:r>
+          </a:p>
+          <a:p>
+            <a:pPr marL="0" indent="0">
+              <a:buNone/>
+            </a:pPr>
+            <a:r>
+              <a:rPr lang="it-IT" sz="2400" dirty="0">
+                <a:latin typeface="Poppins Medium" panose="00000600000000000000" pitchFamily="2" charset="0"/>
+                <a:cs typeface="Poppins Medium" panose="00000600000000000000" pitchFamily="2" charset="0"/>
+              </a:rPr>
+              <a:t>Le versioni sono contrassegnate dai tags ed inoltre le modifiche sono descritte dettagliatamente in: </a:t>
+            </a:r>
+            <a:r>
+              <a:rPr lang="it-IT" sz="2400" dirty="0" err="1">
+                <a:latin typeface="Poppins Medium" panose="00000600000000000000" pitchFamily="2" charset="0"/>
+                <a:cs typeface="Poppins Medium" panose="00000600000000000000" pitchFamily="2" charset="0"/>
+              </a:rPr>
+              <a:t>vue</a:t>
+            </a:r>
+            <a:r>
+              <a:rPr lang="it-IT" sz="2400" dirty="0">
+                <a:latin typeface="Poppins Medium" panose="00000600000000000000" pitchFamily="2" charset="0"/>
+                <a:cs typeface="Poppins Medium" panose="00000600000000000000" pitchFamily="2" charset="0"/>
+              </a:rPr>
+              <a:t>/blob/</a:t>
+            </a:r>
+            <a:r>
+              <a:rPr lang="it-IT" sz="2400" dirty="0" err="1">
+                <a:latin typeface="Poppins Medium" panose="00000600000000000000" pitchFamily="2" charset="0"/>
+                <a:cs typeface="Poppins Medium" panose="00000600000000000000" pitchFamily="2" charset="0"/>
+              </a:rPr>
+              <a:t>main</a:t>
+            </a:r>
+            <a:r>
+              <a:rPr lang="fr-FR" sz="2400" dirty="0">
+                <a:latin typeface="Poppins Medium" panose="00000600000000000000" pitchFamily="2" charset="0"/>
+                <a:cs typeface="Poppins Medium" panose="00000600000000000000" pitchFamily="2" charset="0"/>
+              </a:rPr>
+              <a:t>vue/blob/main/CHANGELOG.md</a:t>
+            </a:r>
+            <a:endParaRPr lang="it-IT" sz="2400" dirty="0">
+              <a:latin typeface="Poppins Medium" panose="00000600000000000000" pitchFamily="2" charset="0"/>
+              <a:cs typeface="Poppins Medium" panose="00000600000000000000" pitchFamily="2" charset="0"/>
+            </a:endParaRPr>
+          </a:p>
+          <a:p>
+            <a:pPr marL="0" indent="0">
+              <a:buNone/>
+            </a:pPr>
+            <a:endParaRPr lang="it-IT" sz="2400" dirty="0">
+              <a:latin typeface="Poppins Medium" panose="00000600000000000000" pitchFamily="2" charset="0"/>
+              <a:cs typeface="Poppins Medium" panose="00000600000000000000" pitchFamily="2" charset="0"/>
+            </a:endParaRPr>
+          </a:p>
+          <a:p>
+            <a:pPr marL="0" indent="0">
+              <a:buNone/>
+            </a:pPr>
+            <a:r>
+              <a:rPr lang="it-IT" sz="2400" dirty="0">
+                <a:latin typeface="Poppins Medium" panose="00000600000000000000" pitchFamily="2" charset="0"/>
+                <a:cs typeface="Poppins Medium" panose="00000600000000000000" pitchFamily="2" charset="0"/>
+              </a:rPr>
+              <a:t>Fino ad ora sono state create  214 release</a:t>
+            </a:r>
+          </a:p>
+          <a:p>
+            <a:pPr marL="0" indent="0">
+              <a:buNone/>
+            </a:pPr>
+            <a:r>
+              <a:rPr lang="it-IT" sz="2400" dirty="0">
+                <a:latin typeface="Poppins Medium" panose="00000600000000000000" pitchFamily="2" charset="0"/>
+                <a:cs typeface="Poppins Medium" panose="00000600000000000000" pitchFamily="2" charset="0"/>
+              </a:rPr>
+              <a:t>La </a:t>
+            </a:r>
+            <a:r>
+              <a:rPr lang="it-IT" sz="2400" dirty="0" err="1">
+                <a:latin typeface="Poppins Medium" panose="00000600000000000000" pitchFamily="2" charset="0"/>
+                <a:cs typeface="Poppins Medium" panose="00000600000000000000" pitchFamily="2" charset="0"/>
+              </a:rPr>
+              <a:t>latest</a:t>
+            </a:r>
+            <a:r>
+              <a:rPr lang="it-IT" sz="2400" dirty="0">
+                <a:latin typeface="Poppins Medium" panose="00000600000000000000" pitchFamily="2" charset="0"/>
+                <a:cs typeface="Poppins Medium" panose="00000600000000000000" pitchFamily="2" charset="0"/>
+              </a:rPr>
+              <a:t> </a:t>
+            </a:r>
+            <a:r>
+              <a:rPr lang="it-IT" sz="2400" dirty="0" err="1">
+                <a:latin typeface="Poppins Medium" panose="00000600000000000000" pitchFamily="2" charset="0"/>
+                <a:cs typeface="Poppins Medium" panose="00000600000000000000" pitchFamily="2" charset="0"/>
+              </a:rPr>
+              <a:t>version</a:t>
+            </a:r>
+            <a:r>
+              <a:rPr lang="it-IT" sz="2400" dirty="0">
+                <a:latin typeface="Poppins Medium" panose="00000600000000000000" pitchFamily="2" charset="0"/>
+                <a:cs typeface="Poppins Medium" panose="00000600000000000000" pitchFamily="2" charset="0"/>
+              </a:rPr>
+              <a:t> della repo è 2.6.14</a:t>
+            </a:r>
+          </a:p>
+          <a:p>
+            <a:pPr marL="0" indent="0">
+              <a:buNone/>
+            </a:pPr>
+            <a:endParaRPr lang="it-IT" sz="2400" dirty="0">
+              <a:latin typeface="Poppins Medium" panose="00000600000000000000" pitchFamily="2" charset="0"/>
+              <a:cs typeface="Poppins Medium" panose="00000600000000000000" pitchFamily="2" charset="0"/>
+            </a:endParaRPr>
+          </a:p>
+          <a:p>
+            <a:pPr marL="0" indent="0">
+              <a:buNone/>
+            </a:pPr>
+            <a:endParaRPr lang="it-IT" dirty="0">
+              <a:solidFill>
+                <a:schemeClr val="accent1">
+                  <a:lumMod val="75000"/>
+                </a:schemeClr>
+              </a:solidFill>
+            </a:endParaRPr>
+          </a:p>
+        </p:txBody>
+      </p:sp>
+      <p:sp>
+        <p:nvSpPr>
+          <p:cNvPr id="25" name="Segnaposto data 24">
+            <a:extLst>
+              <a:ext uri="{FF2B5EF4-FFF2-40B4-BE49-F238E27FC236}">
+                <a16:creationId xmlns:a16="http://schemas.microsoft.com/office/drawing/2014/main" id="{115DF917-AC48-486A-81F6-CF2DBBF5CD89}"/>
+              </a:ext>
+            </a:extLst>
+          </p:cNvPr>
+          <p:cNvSpPr>
+            <a:spLocks noGrp="1"/>
+          </p:cNvSpPr>
+          <p:nvPr>
+            <p:ph type="dt" sz="half" idx="10"/>
+          </p:nvPr>
+        </p:nvSpPr>
+        <p:spPr/>
+        <p:txBody>
+          <a:bodyPr/>
+          <a:lstStyle/>
+          <a:p>
+            <a:r>
+              <a:rPr lang="it-IT" sz="1600">
+                <a:solidFill>
+                  <a:schemeClr val="tx1"/>
+                </a:solidFill>
+                <a:latin typeface="Poppins Medium" panose="00000600000000000000" pitchFamily="2" charset="0"/>
+                <a:cs typeface="Poppins Medium" panose="00000600000000000000" pitchFamily="2" charset="0"/>
+              </a:rPr>
+              <a:t>31 Maggio 2022</a:t>
+            </a:r>
+            <a:endParaRPr lang="de-DE" sz="1600">
+              <a:solidFill>
+                <a:schemeClr val="tx1"/>
+              </a:solidFill>
+              <a:latin typeface="Poppins Medium" panose="00000600000000000000" pitchFamily="2" charset="0"/>
+              <a:cs typeface="Poppins Medium" panose="00000600000000000000" pitchFamily="2" charset="0"/>
+            </a:endParaRPr>
+          </a:p>
+        </p:txBody>
+      </p:sp>
+      <p:sp>
+        <p:nvSpPr>
+          <p:cNvPr id="27" name="Segnaposto numero diapositiva 26">
+            <a:extLst>
+              <a:ext uri="{FF2B5EF4-FFF2-40B4-BE49-F238E27FC236}">
+                <a16:creationId xmlns:a16="http://schemas.microsoft.com/office/drawing/2014/main" id="{F9C2EE25-215B-477C-AC6E-D2639B7A24B6}"/>
+              </a:ext>
+            </a:extLst>
+          </p:cNvPr>
+          <p:cNvSpPr>
+            <a:spLocks noGrp="1"/>
+          </p:cNvSpPr>
+          <p:nvPr>
+            <p:ph type="sldNum" sz="quarter" idx="12"/>
+          </p:nvPr>
+        </p:nvSpPr>
+        <p:spPr/>
+        <p:txBody>
+          <a:bodyPr/>
+          <a:lstStyle/>
+          <a:p>
+            <a:fld id="{66CD45B7-DFE2-4393-8D37-380FC36BF3AA}" type="slidenum">
+              <a:rPr lang="de-DE" sz="1600" smtClean="0">
+                <a:solidFill>
+                  <a:schemeClr val="tx1"/>
+                </a:solidFill>
+                <a:latin typeface="Poppins Medium" panose="00000600000000000000" pitchFamily="2" charset="0"/>
+                <a:cs typeface="Poppins Medium" panose="00000600000000000000" pitchFamily="2" charset="0"/>
+              </a:rPr>
+              <a:t>9</a:t>
+            </a:fld>
+            <a:r>
+              <a:rPr lang="de-DE" sz="1600">
+                <a:solidFill>
+                  <a:schemeClr val="tx1"/>
+                </a:solidFill>
+                <a:latin typeface="Poppins Medium" panose="00000600000000000000" pitchFamily="2" charset="0"/>
+                <a:cs typeface="Poppins Medium" panose="00000600000000000000" pitchFamily="2" charset="0"/>
+              </a:rPr>
+              <a:t>/16</a:t>
+            </a:r>
+          </a:p>
+        </p:txBody>
+      </p:sp>
+      <p:sp>
+        <p:nvSpPr>
+          <p:cNvPr id="12" name="Rettangolo 11">
+            <a:extLst>
+              <a:ext uri="{FF2B5EF4-FFF2-40B4-BE49-F238E27FC236}">
+                <a16:creationId xmlns:a16="http://schemas.microsoft.com/office/drawing/2014/main" id="{F0FAD030-2623-A89C-4FA1-55CE81C0AE08}"/>
+              </a:ext>
+            </a:extLst>
+          </p:cNvPr>
+          <p:cNvSpPr/>
+          <p:nvPr/>
+        </p:nvSpPr>
+        <p:spPr>
+          <a:xfrm>
+            <a:off x="0" y="0"/>
+            <a:ext cx="12184913" cy="1034891"/>
+          </a:xfrm>
+          <a:prstGeom prst="rect">
+            <a:avLst/>
+          </a:prstGeom>
+          <a:solidFill>
+            <a:srgbClr val="002060"/>
+          </a:solidFill>
+          <a:ln>
+            <a:noFill/>
+          </a:ln>
+        </p:spPr>
+        <p:style>
+          <a:lnRef idx="2">
+            <a:schemeClr val="accent3">
+              <a:shade val="50000"/>
+            </a:schemeClr>
+          </a:lnRef>
+          <a:fillRef idx="1">
+            <a:schemeClr val="accent3"/>
+          </a:fillRef>
+          <a:effectRef idx="0">
+            <a:schemeClr val="accent3"/>
+          </a:effectRef>
+          <a:fontRef idx="minor">
+            <a:schemeClr val="lt1"/>
+          </a:fontRef>
+        </p:style>
+        <p:txBody>
+          <a:bodyPr rtlCol="0" anchor="ctr"/>
+          <a:lstStyle/>
+          <a:p>
+            <a:pPr algn="ctr"/>
+            <a:endParaRPr lang="it-IT"/>
+          </a:p>
+        </p:txBody>
+      </p:sp>
+      <p:sp>
+        <p:nvSpPr>
+          <p:cNvPr id="13" name="Titolo 1">
+            <a:extLst>
+              <a:ext uri="{FF2B5EF4-FFF2-40B4-BE49-F238E27FC236}">
+                <a16:creationId xmlns:a16="http://schemas.microsoft.com/office/drawing/2014/main" id="{A0F14F07-00BE-A130-44A5-463A5F98673C}"/>
+              </a:ext>
+            </a:extLst>
+          </p:cNvPr>
+          <p:cNvSpPr>
+            <a:spLocks noGrp="1"/>
+          </p:cNvSpPr>
+          <p:nvPr>
+            <p:ph type="title"/>
+          </p:nvPr>
+        </p:nvSpPr>
+        <p:spPr>
+          <a:xfrm>
+            <a:off x="272535" y="163591"/>
+            <a:ext cx="10176803" cy="707708"/>
+          </a:xfrm>
+        </p:spPr>
+        <p:txBody>
+          <a:bodyPr anchor="b">
+            <a:normAutofit/>
+          </a:bodyPr>
+          <a:lstStyle/>
+          <a:p>
+            <a:r>
+              <a:rPr lang="it-IT" sz="4000" b="1" dirty="0">
+                <a:solidFill>
+                  <a:schemeClr val="bg1"/>
+                </a:solidFill>
+                <a:effectLst>
+                  <a:outerShdw blurRad="38100" dist="38100" dir="2700000" algn="tl">
+                    <a:srgbClr val="000000">
+                      <a:alpha val="43137"/>
+                    </a:srgbClr>
+                  </a:outerShdw>
+                </a:effectLst>
+                <a:latin typeface="Poppins"/>
+                <a:cs typeface="Poppins"/>
+              </a:rPr>
+              <a:t>Gestione rilasci</a:t>
+            </a:r>
+          </a:p>
+        </p:txBody>
+      </p:sp>
+      <p:pic>
+        <p:nvPicPr>
+          <p:cNvPr id="3" name="Immagine 2" descr="Immagine che contiene testo&#10;&#10;Descrizione generata automaticamente">
+            <a:extLst>
+              <a:ext uri="{FF2B5EF4-FFF2-40B4-BE49-F238E27FC236}">
+                <a16:creationId xmlns:a16="http://schemas.microsoft.com/office/drawing/2014/main" id="{76FF0637-FBAD-FF86-BDEF-B76E412EF244}"/>
+              </a:ext>
+            </a:extLst>
+          </p:cNvPr>
+          <p:cNvPicPr>
+            <a:picLocks noChangeAspect="1"/>
+          </p:cNvPicPr>
+          <p:nvPr/>
+        </p:nvPicPr>
+        <p:blipFill>
+          <a:blip r:embed="rId3">
+            <a:extLst>
+              <a:ext uri="{28A0092B-C50C-407E-A947-70E740481C1C}">
+                <a14:useLocalDpi xmlns:a14="http://schemas.microsoft.com/office/drawing/2010/main" val="0"/>
+              </a:ext>
+            </a:extLst>
+          </a:blip>
+          <a:stretch>
+            <a:fillRect/>
+          </a:stretch>
+        </p:blipFill>
+        <p:spPr>
+          <a:xfrm>
+            <a:off x="8173329" y="4022049"/>
+            <a:ext cx="2740243" cy="1795969"/>
+          </a:xfrm>
+          <a:prstGeom prst="rect">
+            <a:avLst/>
+          </a:prstGeom>
+        </p:spPr>
+      </p:pic>
+    </p:spTree>
+    <p:extLst>
+      <p:ext uri="{BB962C8B-B14F-4D97-AF65-F5344CB8AC3E}">
+        <p14:creationId xmlns:p14="http://schemas.microsoft.com/office/powerpoint/2010/main" val="4266945042"/>
       </p:ext>
     </p:extLst>
   </p:cSld>
@@ -3677,4 +11309,299 @@
     </a:ext>
   </a:extLst>
 </a:theme>
+</file>
+
+<file path=ppt/theme/theme2.xml><?xml version="1.0" encoding="utf-8"?>
+<a:theme xmlns:a="http://schemas.openxmlformats.org/drawingml/2006/main" name="Tema di Office">
+  <a:themeElements>
+    <a:clrScheme name="Office">
+      <a:dk1>
+        <a:sysClr val="windowText" lastClr="000000"/>
+      </a:dk1>
+      <a:lt1>
+        <a:sysClr val="window" lastClr="FFFFFF"/>
+      </a:lt1>
+      <a:dk2>
+        <a:srgbClr val="44546A"/>
+      </a:dk2>
+      <a:lt2>
+        <a:srgbClr val="E7E6E6"/>
+      </a:lt2>
+      <a:accent1>
+        <a:srgbClr val="4472C4"/>
+      </a:accent1>
+      <a:accent2>
+        <a:srgbClr val="ED7D31"/>
+      </a:accent2>
+      <a:accent3>
+        <a:srgbClr val="A5A5A5"/>
+      </a:accent3>
+      <a:accent4>
+        <a:srgbClr val="FFC000"/>
+      </a:accent4>
+      <a:accent5>
+        <a:srgbClr val="5B9BD5"/>
+      </a:accent5>
+      <a:accent6>
+        <a:srgbClr val="70AD47"/>
+      </a:accent6>
+      <a:hlink>
+        <a:srgbClr val="0563C1"/>
+      </a:hlink>
+      <a:folHlink>
+        <a:srgbClr val="954F72"/>
+      </a:folHlink>
+    </a:clrScheme>
+    <a:fontScheme name="Office">
+      <a:majorFont>
+        <a:latin typeface="Calibri Light" panose="020F0302020204030204"/>
+        <a:ea typeface=""/>
+        <a:cs typeface=""/>
+        <a:font script="Jpan" typeface="游ゴシック Light"/>
+        <a:font script="Hang" typeface="맑은 고딕"/>
+        <a:font script="Hans" typeface="等线 Light"/>
+        <a:font script="Hant" typeface="新細明體"/>
+        <a:font script="Arab" typeface="Times New Roman"/>
+        <a:font script="Hebr" typeface="Times New Roman"/>
+        <a:font script="Thai" typeface="Angsana New"/>
+        <a:font script="Ethi" typeface="Nyala"/>
+        <a:font script="Beng" typeface="Vrinda"/>
+        <a:font script="Gujr" typeface="Shruti"/>
+        <a:font script="Khmr" typeface="MoolBoran"/>
+        <a:font script="Knda" typeface="Tunga"/>
+        <a:font script="Guru" typeface="Raavi"/>
+        <a:font script="Cans" typeface="Euphemia"/>
+        <a:font script="Cher" typeface="Plantagenet Cherokee"/>
+        <a:font script="Yiii" typeface="Microsoft Yi Baiti"/>
+        <a:font script="Tibt" typeface="Microsoft Himalaya"/>
+        <a:font script="Thaa" typeface="MV Boli"/>
+        <a:font script="Deva" typeface="Mangal"/>
+        <a:font script="Telu" typeface="Gautami"/>
+        <a:font script="Taml" typeface="Latha"/>
+        <a:font script="Syrc" typeface="Estrangelo Edessa"/>
+        <a:font script="Orya" typeface="Kalinga"/>
+        <a:font script="Mlym" typeface="Kartika"/>
+        <a:font script="Laoo" typeface="DokChampa"/>
+        <a:font script="Sinh" typeface="Iskoola Pota"/>
+        <a:font script="Mong" typeface="Mongolian Baiti"/>
+        <a:font script="Viet" typeface="Times New Roman"/>
+        <a:font script="Uigh" typeface="Microsoft Uighur"/>
+        <a:font script="Geor" typeface="Sylfaen"/>
+        <a:font script="Armn" typeface="Arial"/>
+        <a:font script="Bugi" typeface="Leelawadee UI"/>
+        <a:font script="Bopo" typeface="Microsoft JhengHei"/>
+        <a:font script="Java" typeface="Javanese Text"/>
+        <a:font script="Lisu" typeface="Segoe UI"/>
+        <a:font script="Mymr" typeface="Myanmar Text"/>
+        <a:font script="Nkoo" typeface="Ebrima"/>
+        <a:font script="Olck" typeface="Nirmala UI"/>
+        <a:font script="Osma" typeface="Ebrima"/>
+        <a:font script="Phag" typeface="Phagspa"/>
+        <a:font script="Syrn" typeface="Estrangelo Edessa"/>
+        <a:font script="Syrj" typeface="Estrangelo Edessa"/>
+        <a:font script="Syre" typeface="Estrangelo Edessa"/>
+        <a:font script="Sora" typeface="Nirmala UI"/>
+        <a:font script="Tale" typeface="Microsoft Tai Le"/>
+        <a:font script="Talu" typeface="Microsoft New Tai Lue"/>
+        <a:font script="Tfng" typeface="Ebrima"/>
+      </a:majorFont>
+      <a:minorFont>
+        <a:latin typeface="Calibri" panose="020F0502020204030204"/>
+        <a:ea typeface=""/>
+        <a:cs typeface=""/>
+        <a:font script="Jpan" typeface="游ゴシック"/>
+        <a:font script="Hang" typeface="맑은 고딕"/>
+        <a:font script="Hans" typeface="等线"/>
+        <a:font script="Hant" typeface="新細明體"/>
+        <a:font script="Arab" typeface="Arial"/>
+        <a:font script="Hebr" typeface="Arial"/>
+        <a:font script="Thai" typeface="Cordia New"/>
+        <a:font script="Ethi" typeface="Nyala"/>
+        <a:font script="Beng" typeface="Vrinda"/>
+        <a:font script="Gujr" typeface="Shruti"/>
+        <a:font script="Khmr" typeface="DaunPenh"/>
+        <a:font script="Knda" typeface="Tunga"/>
+        <a:font script="Guru" typeface="Raavi"/>
+        <a:font script="Cans" typeface="Euphemia"/>
+        <a:font script="Cher" typeface="Plantagenet Cherokee"/>
+        <a:font script="Yiii" typeface="Microsoft Yi Baiti"/>
+        <a:font script="Tibt" typeface="Microsoft Himalaya"/>
+        <a:font script="Thaa" typeface="MV Boli"/>
+        <a:font script="Deva" typeface="Mangal"/>
+        <a:font script="Telu" typeface="Gautami"/>
+        <a:font script="Taml" typeface="Latha"/>
+        <a:font script="Syrc" typeface="Estrangelo Edessa"/>
+        <a:font script="Orya" typeface="Kalinga"/>
+        <a:font script="Mlym" typeface="Kartika"/>
+        <a:font script="Laoo" typeface="DokChampa"/>
+        <a:font script="Sinh" typeface="Iskoola Pota"/>
+        <a:font script="Mong" typeface="Mongolian Baiti"/>
+        <a:font script="Viet" typeface="Arial"/>
+        <a:font script="Uigh" typeface="Microsoft Uighur"/>
+        <a:font script="Geor" typeface="Sylfaen"/>
+        <a:font script="Armn" typeface="Arial"/>
+        <a:font script="Bugi" typeface="Leelawadee UI"/>
+        <a:font script="Bopo" typeface="Microsoft JhengHei"/>
+        <a:font script="Java" typeface="Javanese Text"/>
+        <a:font script="Lisu" typeface="Segoe UI"/>
+        <a:font script="Mymr" typeface="Myanmar Text"/>
+        <a:font script="Nkoo" typeface="Ebrima"/>
+        <a:font script="Olck" typeface="Nirmala UI"/>
+        <a:font script="Osma" typeface="Ebrima"/>
+        <a:font script="Phag" typeface="Phagspa"/>
+        <a:font script="Syrn" typeface="Estrangelo Edessa"/>
+        <a:font script="Syrj" typeface="Estrangelo Edessa"/>
+        <a:font script="Syre" typeface="Estrangelo Edessa"/>
+        <a:font script="Sora" typeface="Nirmala UI"/>
+        <a:font script="Tale" typeface="Microsoft Tai Le"/>
+        <a:font script="Talu" typeface="Microsoft New Tai Lue"/>
+        <a:font script="Tfng" typeface="Ebrima"/>
+      </a:minorFont>
+    </a:fontScheme>
+    <a:fmtScheme name="Office">
+      <a:fillStyleLst>
+        <a:solidFill>
+          <a:schemeClr val="phClr"/>
+        </a:solidFill>
+        <a:gradFill rotWithShape="1">
+          <a:gsLst>
+            <a:gs pos="0">
+              <a:schemeClr val="phClr">
+                <a:lumMod val="110000"/>
+                <a:satMod val="105000"/>
+                <a:tint val="67000"/>
+              </a:schemeClr>
+            </a:gs>
+            <a:gs pos="50000">
+              <a:schemeClr val="phClr">
+                <a:lumMod val="105000"/>
+                <a:satMod val="103000"/>
+                <a:tint val="73000"/>
+              </a:schemeClr>
+            </a:gs>
+            <a:gs pos="100000">
+              <a:schemeClr val="phClr">
+                <a:lumMod val="105000"/>
+                <a:satMod val="109000"/>
+                <a:tint val="81000"/>
+              </a:schemeClr>
+            </a:gs>
+          </a:gsLst>
+          <a:lin ang="5400000" scaled="0"/>
+        </a:gradFill>
+        <a:gradFill rotWithShape="1">
+          <a:gsLst>
+            <a:gs pos="0">
+              <a:schemeClr val="phClr">
+                <a:satMod val="103000"/>
+                <a:lumMod val="102000"/>
+                <a:tint val="94000"/>
+              </a:schemeClr>
+            </a:gs>
+            <a:gs pos="50000">
+              <a:schemeClr val="phClr">
+                <a:satMod val="110000"/>
+                <a:lumMod val="100000"/>
+                <a:shade val="100000"/>
+              </a:schemeClr>
+            </a:gs>
+            <a:gs pos="100000">
+              <a:schemeClr val="phClr">
+                <a:lumMod val="99000"/>
+                <a:satMod val="120000"/>
+                <a:shade val="78000"/>
+              </a:schemeClr>
+            </a:gs>
+          </a:gsLst>
+          <a:lin ang="5400000" scaled="0"/>
+        </a:gradFill>
+      </a:fillStyleLst>
+      <a:lnStyleLst>
+        <a:ln w="6350" cap="flat" cmpd="sng" algn="ctr">
+          <a:solidFill>
+            <a:schemeClr val="phClr"/>
+          </a:solidFill>
+          <a:prstDash val="solid"/>
+          <a:miter lim="800000"/>
+        </a:ln>
+        <a:ln w="12700" cap="flat" cmpd="sng" algn="ctr">
+          <a:solidFill>
+            <a:schemeClr val="phClr"/>
+          </a:solidFill>
+          <a:prstDash val="solid"/>
+          <a:miter lim="800000"/>
+        </a:ln>
+        <a:ln w="19050" cap="flat" cmpd="sng" algn="ctr">
+          <a:solidFill>
+            <a:schemeClr val="phClr"/>
+          </a:solidFill>
+          <a:prstDash val="solid"/>
+          <a:miter lim="800000"/>
+        </a:ln>
+      </a:lnStyleLst>
+      <a:effectStyleLst>
+        <a:effectStyle>
+          <a:effectLst/>
+        </a:effectStyle>
+        <a:effectStyle>
+          <a:effectLst/>
+        </a:effectStyle>
+        <a:effectStyle>
+          <a:effectLst>
+            <a:outerShdw blurRad="57150" dist="19050" dir="5400000" algn="ctr" rotWithShape="0">
+              <a:srgbClr val="000000">
+                <a:alpha val="63000"/>
+              </a:srgbClr>
+            </a:outerShdw>
+          </a:effectLst>
+        </a:effectStyle>
+      </a:effectStyleLst>
+      <a:bgFillStyleLst>
+        <a:solidFill>
+          <a:schemeClr val="phClr"/>
+        </a:solidFill>
+        <a:solidFill>
+          <a:schemeClr val="phClr">
+            <a:tint val="95000"/>
+            <a:satMod val="170000"/>
+          </a:schemeClr>
+        </a:solidFill>
+        <a:gradFill rotWithShape="1">
+          <a:gsLst>
+            <a:gs pos="0">
+              <a:schemeClr val="phClr">
+                <a:tint val="93000"/>
+                <a:satMod val="150000"/>
+                <a:shade val="98000"/>
+                <a:lumMod val="102000"/>
+              </a:schemeClr>
+            </a:gs>
+            <a:gs pos="50000">
+              <a:schemeClr val="phClr">
+                <a:tint val="98000"/>
+                <a:satMod val="130000"/>
+                <a:shade val="90000"/>
+                <a:lumMod val="103000"/>
+              </a:schemeClr>
+            </a:gs>
+            <a:gs pos="100000">
+              <a:schemeClr val="phClr">
+                <a:shade val="63000"/>
+                <a:satMod val="120000"/>
+              </a:schemeClr>
+            </a:gs>
+          </a:gsLst>
+          <a:lin ang="5400000" scaled="0"/>
+        </a:gradFill>
+      </a:bgFillStyleLst>
+    </a:fmtScheme>
+  </a:themeElements>
+  <a:objectDefaults/>
+  <a:extraClrSchemeLst/>
+  <a:extLst>
+    <a:ext uri="{05A4C25C-085E-4340-85A3-A5531E510DB2}">
+      <thm15:themeFamily xmlns:thm15="http://schemas.microsoft.com/office/thememl/2012/main" name="Office Theme" id="{62F939B6-93AF-4DB8-9C6B-D6C7DFDC589F}" vid="{4A3C46E8-61CC-4603-A589-7422A47A8E4A}"/>
+    </a:ext>
+  </a:extLst>
+</a:theme>
 </file>
--- a/MTSSAssignment3.pptx
+++ b/MTSSAssignment3.pptx
@@ -5,7 +5,7 @@
     <p:sldMasterId id="2147483648" r:id="rId1"/>
   </p:sldMasterIdLst>
   <p:notesMasterIdLst>
-    <p:notesMasterId r:id="rId20"/>
+    <p:notesMasterId r:id="rId23"/>
   </p:notesMasterIdLst>
   <p:sldIdLst>
     <p:sldId id="257" r:id="rId2"/>
@@ -20,12 +20,15 @@
     <p:sldId id="312" r:id="rId11"/>
     <p:sldId id="313" r:id="rId12"/>
     <p:sldId id="304" r:id="rId13"/>
-    <p:sldId id="305" r:id="rId14"/>
-    <p:sldId id="306" r:id="rId15"/>
-    <p:sldId id="307" r:id="rId16"/>
-    <p:sldId id="308" r:id="rId17"/>
-    <p:sldId id="309" r:id="rId18"/>
-    <p:sldId id="284" r:id="rId19"/>
+    <p:sldId id="314" r:id="rId14"/>
+    <p:sldId id="316" r:id="rId15"/>
+    <p:sldId id="317" r:id="rId16"/>
+    <p:sldId id="305" r:id="rId17"/>
+    <p:sldId id="306" r:id="rId18"/>
+    <p:sldId id="307" r:id="rId19"/>
+    <p:sldId id="308" r:id="rId20"/>
+    <p:sldId id="309" r:id="rId21"/>
+    <p:sldId id="284" r:id="rId22"/>
   </p:sldIdLst>
   <p:sldSz cx="12192000" cy="6858000"/>
   <p:notesSz cx="6858000" cy="9144000"/>
@@ -556,6 +559,258 @@
     <p:extLst>
       <p:ext uri="{BB962C8B-B14F-4D97-AF65-F5344CB8AC3E}">
         <p14:creationId xmlns:p14="http://schemas.microsoft.com/office/powerpoint/2010/main" val="4090368568"/>
+      </p:ext>
+    </p:extLst>
+  </p:cSld>
+  <p:clrMapOvr>
+    <a:masterClrMapping/>
+  </p:clrMapOvr>
+</p:notes>
+</file>
+
+<file path=ppt/notesSlides/notesSlide10.xml><?xml version="1.0" encoding="utf-8"?>
+<p:notes xmlns:a="http://schemas.openxmlformats.org/drawingml/2006/main" xmlns:r="http://schemas.openxmlformats.org/officeDocument/2006/relationships" xmlns:p="http://schemas.openxmlformats.org/presentationml/2006/main">
+  <p:cSld>
+    <p:spTree>
+      <p:nvGrpSpPr>
+        <p:cNvPr id="1" name=""/>
+        <p:cNvGrpSpPr/>
+        <p:nvPr/>
+      </p:nvGrpSpPr>
+      <p:grpSpPr>
+        <a:xfrm>
+          <a:off x="0" y="0"/>
+          <a:ext cx="0" cy="0"/>
+          <a:chOff x="0" y="0"/>
+          <a:chExt cx="0" cy="0"/>
+        </a:xfrm>
+      </p:grpSpPr>
+      <p:sp>
+        <p:nvSpPr>
+          <p:cNvPr id="2" name="Segnaposto immagine diapositiva 1"/>
+          <p:cNvSpPr>
+            <a:spLocks noGrp="1" noRot="1" noChangeAspect="1"/>
+          </p:cNvSpPr>
+          <p:nvPr>
+            <p:ph type="sldImg"/>
+          </p:nvPr>
+        </p:nvSpPr>
+        <p:spPr/>
+      </p:sp>
+      <p:sp>
+        <p:nvSpPr>
+          <p:cNvPr id="3" name="Segnaposto note 2"/>
+          <p:cNvSpPr>
+            <a:spLocks noGrp="1"/>
+          </p:cNvSpPr>
+          <p:nvPr>
+            <p:ph type="body" idx="1"/>
+          </p:nvPr>
+        </p:nvSpPr>
+        <p:spPr/>
+        <p:txBody>
+          <a:bodyPr/>
+          <a:lstStyle/>
+          <a:p>
+            <a:endParaRPr lang="it-IT"/>
+          </a:p>
+        </p:txBody>
+      </p:sp>
+      <p:sp>
+        <p:nvSpPr>
+          <p:cNvPr id="4" name="Segnaposto numero diapositiva 3"/>
+          <p:cNvSpPr>
+            <a:spLocks noGrp="1"/>
+          </p:cNvSpPr>
+          <p:nvPr>
+            <p:ph type="sldNum" sz="quarter" idx="5"/>
+          </p:nvPr>
+        </p:nvSpPr>
+        <p:spPr/>
+        <p:txBody>
+          <a:bodyPr/>
+          <a:lstStyle/>
+          <a:p>
+            <a:fld id="{0BC78E95-8A02-4863-86BC-3BDFF2A12A63}" type="slidenum">
+              <a:rPr lang="it-IT" smtClean="0"/>
+              <a:t>13</a:t>
+            </a:fld>
+            <a:endParaRPr lang="it-IT"/>
+          </a:p>
+        </p:txBody>
+      </p:sp>
+    </p:spTree>
+    <p:extLst>
+      <p:ext uri="{BB962C8B-B14F-4D97-AF65-F5344CB8AC3E}">
+        <p14:creationId xmlns:p14="http://schemas.microsoft.com/office/powerpoint/2010/main" val="3030672935"/>
+      </p:ext>
+    </p:extLst>
+  </p:cSld>
+  <p:clrMapOvr>
+    <a:masterClrMapping/>
+  </p:clrMapOvr>
+</p:notes>
+</file>
+
+<file path=ppt/notesSlides/notesSlide11.xml><?xml version="1.0" encoding="utf-8"?>
+<p:notes xmlns:a="http://schemas.openxmlformats.org/drawingml/2006/main" xmlns:r="http://schemas.openxmlformats.org/officeDocument/2006/relationships" xmlns:p="http://schemas.openxmlformats.org/presentationml/2006/main">
+  <p:cSld>
+    <p:spTree>
+      <p:nvGrpSpPr>
+        <p:cNvPr id="1" name=""/>
+        <p:cNvGrpSpPr/>
+        <p:nvPr/>
+      </p:nvGrpSpPr>
+      <p:grpSpPr>
+        <a:xfrm>
+          <a:off x="0" y="0"/>
+          <a:ext cx="0" cy="0"/>
+          <a:chOff x="0" y="0"/>
+          <a:chExt cx="0" cy="0"/>
+        </a:xfrm>
+      </p:grpSpPr>
+      <p:sp>
+        <p:nvSpPr>
+          <p:cNvPr id="2" name="Segnaposto immagine diapositiva 1"/>
+          <p:cNvSpPr>
+            <a:spLocks noGrp="1" noRot="1" noChangeAspect="1"/>
+          </p:cNvSpPr>
+          <p:nvPr>
+            <p:ph type="sldImg"/>
+          </p:nvPr>
+        </p:nvSpPr>
+        <p:spPr/>
+      </p:sp>
+      <p:sp>
+        <p:nvSpPr>
+          <p:cNvPr id="3" name="Segnaposto note 2"/>
+          <p:cNvSpPr>
+            <a:spLocks noGrp="1"/>
+          </p:cNvSpPr>
+          <p:nvPr>
+            <p:ph type="body" idx="1"/>
+          </p:nvPr>
+        </p:nvSpPr>
+        <p:spPr/>
+        <p:txBody>
+          <a:bodyPr/>
+          <a:lstStyle/>
+          <a:p>
+            <a:endParaRPr lang="it-IT"/>
+          </a:p>
+        </p:txBody>
+      </p:sp>
+      <p:sp>
+        <p:nvSpPr>
+          <p:cNvPr id="4" name="Segnaposto numero diapositiva 3"/>
+          <p:cNvSpPr>
+            <a:spLocks noGrp="1"/>
+          </p:cNvSpPr>
+          <p:nvPr>
+            <p:ph type="sldNum" sz="quarter" idx="5"/>
+          </p:nvPr>
+        </p:nvSpPr>
+        <p:spPr/>
+        <p:txBody>
+          <a:bodyPr/>
+          <a:lstStyle/>
+          <a:p>
+            <a:fld id="{0BC78E95-8A02-4863-86BC-3BDFF2A12A63}" type="slidenum">
+              <a:rPr lang="it-IT" smtClean="0"/>
+              <a:t>14</a:t>
+            </a:fld>
+            <a:endParaRPr lang="it-IT"/>
+          </a:p>
+        </p:txBody>
+      </p:sp>
+    </p:spTree>
+    <p:extLst>
+      <p:ext uri="{BB962C8B-B14F-4D97-AF65-F5344CB8AC3E}">
+        <p14:creationId xmlns:p14="http://schemas.microsoft.com/office/powerpoint/2010/main" val="374493845"/>
+      </p:ext>
+    </p:extLst>
+  </p:cSld>
+  <p:clrMapOvr>
+    <a:masterClrMapping/>
+  </p:clrMapOvr>
+</p:notes>
+</file>
+
+<file path=ppt/notesSlides/notesSlide12.xml><?xml version="1.0" encoding="utf-8"?>
+<p:notes xmlns:a="http://schemas.openxmlformats.org/drawingml/2006/main" xmlns:r="http://schemas.openxmlformats.org/officeDocument/2006/relationships" xmlns:p="http://schemas.openxmlformats.org/presentationml/2006/main">
+  <p:cSld>
+    <p:spTree>
+      <p:nvGrpSpPr>
+        <p:cNvPr id="1" name=""/>
+        <p:cNvGrpSpPr/>
+        <p:nvPr/>
+      </p:nvGrpSpPr>
+      <p:grpSpPr>
+        <a:xfrm>
+          <a:off x="0" y="0"/>
+          <a:ext cx="0" cy="0"/>
+          <a:chOff x="0" y="0"/>
+          <a:chExt cx="0" cy="0"/>
+        </a:xfrm>
+      </p:grpSpPr>
+      <p:sp>
+        <p:nvSpPr>
+          <p:cNvPr id="2" name="Segnaposto immagine diapositiva 1"/>
+          <p:cNvSpPr>
+            <a:spLocks noGrp="1" noRot="1" noChangeAspect="1"/>
+          </p:cNvSpPr>
+          <p:nvPr>
+            <p:ph type="sldImg"/>
+          </p:nvPr>
+        </p:nvSpPr>
+        <p:spPr/>
+      </p:sp>
+      <p:sp>
+        <p:nvSpPr>
+          <p:cNvPr id="3" name="Segnaposto note 2"/>
+          <p:cNvSpPr>
+            <a:spLocks noGrp="1"/>
+          </p:cNvSpPr>
+          <p:nvPr>
+            <p:ph type="body" idx="1"/>
+          </p:nvPr>
+        </p:nvSpPr>
+        <p:spPr/>
+        <p:txBody>
+          <a:bodyPr/>
+          <a:lstStyle/>
+          <a:p>
+            <a:endParaRPr lang="it-IT"/>
+          </a:p>
+        </p:txBody>
+      </p:sp>
+      <p:sp>
+        <p:nvSpPr>
+          <p:cNvPr id="4" name="Segnaposto numero diapositiva 3"/>
+          <p:cNvSpPr>
+            <a:spLocks noGrp="1"/>
+          </p:cNvSpPr>
+          <p:nvPr>
+            <p:ph type="sldNum" sz="quarter" idx="5"/>
+          </p:nvPr>
+        </p:nvSpPr>
+        <p:spPr/>
+        <p:txBody>
+          <a:bodyPr/>
+          <a:lstStyle/>
+          <a:p>
+            <a:fld id="{0BC78E95-8A02-4863-86BC-3BDFF2A12A63}" type="slidenum">
+              <a:rPr lang="it-IT" smtClean="0"/>
+              <a:t>15</a:t>
+            </a:fld>
+            <a:endParaRPr lang="it-IT"/>
+          </a:p>
+        </p:txBody>
+      </p:sp>
+    </p:spTree>
+    <p:extLst>
+      <p:ext uri="{BB962C8B-B14F-4D97-AF65-F5344CB8AC3E}">
+        <p14:creationId xmlns:p14="http://schemas.microsoft.com/office/powerpoint/2010/main" val="1737367170"/>
       </p:ext>
     </p:extLst>
   </p:cSld>
@@ -6058,7 +6313,7 @@
         </p:nvSpPr>
         <p:spPr>
           <a:xfrm>
-            <a:off x="836665" y="2236440"/>
+            <a:off x="836665" y="1506784"/>
             <a:ext cx="10515600" cy="2384079"/>
           </a:xfrm>
           <a:ln>
@@ -6298,6 +6553,42 @@
           <a:xfrm rot="18801795">
             <a:off x="10040157" y="184056"/>
             <a:ext cx="1522254" cy="1522254"/>
+          </a:xfrm>
+          <a:prstGeom prst="rect">
+            <a:avLst/>
+          </a:prstGeom>
+        </p:spPr>
+      </p:pic>
+      <p:pic>
+        <p:nvPicPr>
+          <p:cNvPr id="16" name="Immagine 15" descr="Immagine che contiene testo, clipart&#10;&#10;Descrizione generata automaticamente">
+            <a:extLst>
+              <a:ext uri="{FF2B5EF4-FFF2-40B4-BE49-F238E27FC236}">
+                <a16:creationId xmlns:a16="http://schemas.microsoft.com/office/drawing/2014/main" id="{239C8295-3373-CED6-BA0B-AA61001A640B}"/>
+              </a:ext>
+            </a:extLst>
+          </p:cNvPr>
+          <p:cNvPicPr>
+            <a:picLocks noChangeAspect="1"/>
+          </p:cNvPicPr>
+          <p:nvPr/>
+        </p:nvPicPr>
+        <p:blipFill>
+          <a:blip r:embed="rId4">
+            <a:extLst>
+              <a:ext uri="{28A0092B-C50C-407E-A947-70E740481C1C}">
+                <a14:useLocalDpi xmlns:a14="http://schemas.microsoft.com/office/drawing/2010/main" val="0"/>
+              </a:ext>
+            </a:extLst>
+          </a:blip>
+          <a:stretch>
+            <a:fillRect/>
+          </a:stretch>
+        </p:blipFill>
+        <p:spPr>
+          <a:xfrm>
+            <a:off x="4255099" y="3637645"/>
+            <a:ext cx="3316040" cy="1381683"/>
           </a:xfrm>
           <a:prstGeom prst="rect">
             <a:avLst/>
@@ -6336,6 +6627,2031 @@
       </p:grpSpPr>
       <p:sp>
         <p:nvSpPr>
+          <p:cNvPr id="7" name="Segnaposto contenuto 6">
+            <a:extLst>
+              <a:ext uri="{FF2B5EF4-FFF2-40B4-BE49-F238E27FC236}">
+                <a16:creationId xmlns:a16="http://schemas.microsoft.com/office/drawing/2014/main" id="{02FC6CA0-25CF-64B7-760B-56A8388FA257}"/>
+              </a:ext>
+            </a:extLst>
+          </p:cNvPr>
+          <p:cNvSpPr>
+            <a:spLocks noGrp="1"/>
+          </p:cNvSpPr>
+          <p:nvPr>
+            <p:ph idx="1"/>
+          </p:nvPr>
+        </p:nvSpPr>
+        <p:spPr/>
+        <p:txBody>
+          <a:bodyPr/>
+          <a:lstStyle/>
+          <a:p>
+            <a:pPr marL="0" indent="0">
+              <a:buNone/>
+            </a:pPr>
+            <a:endParaRPr lang="it-IT" sz="2400" dirty="0">
+              <a:latin typeface="Poppins Medium" panose="00000600000000000000" pitchFamily="2" charset="0"/>
+              <a:cs typeface="Poppins Medium" panose="00000600000000000000" pitchFamily="2" charset="0"/>
+            </a:endParaRPr>
+          </a:p>
+          <a:p>
+            <a:pPr marL="0" indent="0">
+              <a:buNone/>
+            </a:pPr>
+            <a:endParaRPr lang="it-IT" sz="2400" dirty="0">
+              <a:latin typeface="Poppins Medium" panose="00000600000000000000" pitchFamily="2" charset="0"/>
+              <a:cs typeface="Poppins Medium" panose="00000600000000000000" pitchFamily="2" charset="0"/>
+            </a:endParaRPr>
+          </a:p>
+          <a:p>
+            <a:pPr marL="0" indent="0">
+              <a:buNone/>
+            </a:pPr>
+            <a:endParaRPr lang="it-IT" sz="2400" dirty="0">
+              <a:latin typeface="Poppins Medium" panose="00000600000000000000" pitchFamily="2" charset="0"/>
+              <a:cs typeface="Poppins Medium" panose="00000600000000000000" pitchFamily="2" charset="0"/>
+            </a:endParaRPr>
+          </a:p>
+          <a:p>
+            <a:pPr marL="0" indent="0">
+              <a:buNone/>
+            </a:pPr>
+            <a:endParaRPr lang="it-IT" sz="2400" dirty="0">
+              <a:latin typeface="Poppins Medium" panose="00000600000000000000" pitchFamily="2" charset="0"/>
+              <a:cs typeface="Poppins Medium" panose="00000600000000000000" pitchFamily="2" charset="0"/>
+            </a:endParaRPr>
+          </a:p>
+          <a:p>
+            <a:pPr marL="0" indent="0">
+              <a:buNone/>
+            </a:pPr>
+            <a:endParaRPr lang="it-IT" sz="2400" dirty="0">
+              <a:latin typeface="Poppins Medium" panose="00000600000000000000" pitchFamily="2" charset="0"/>
+              <a:cs typeface="Poppins Medium" panose="00000600000000000000" pitchFamily="2" charset="0"/>
+            </a:endParaRPr>
+          </a:p>
+          <a:p>
+            <a:pPr marL="0" indent="0">
+              <a:buNone/>
+            </a:pPr>
+            <a:endParaRPr lang="it-IT" sz="2400" dirty="0">
+              <a:latin typeface="Poppins Medium" panose="00000600000000000000" pitchFamily="2" charset="0"/>
+              <a:cs typeface="Poppins Medium" panose="00000600000000000000" pitchFamily="2" charset="0"/>
+            </a:endParaRPr>
+          </a:p>
+          <a:p>
+            <a:pPr marL="0" indent="0">
+              <a:buNone/>
+            </a:pPr>
+            <a:endParaRPr lang="it-IT" sz="2400" dirty="0">
+              <a:latin typeface="Poppins Medium" panose="00000600000000000000" pitchFamily="2" charset="0"/>
+              <a:cs typeface="Poppins Medium" panose="00000600000000000000" pitchFamily="2" charset="0"/>
+            </a:endParaRPr>
+          </a:p>
+          <a:p>
+            <a:pPr marL="0" indent="0">
+              <a:buNone/>
+            </a:pPr>
+            <a:endParaRPr lang="it-IT" sz="2400" dirty="0">
+              <a:latin typeface="Poppins Medium" panose="00000600000000000000" pitchFamily="2" charset="0"/>
+              <a:cs typeface="Poppins Medium" panose="00000600000000000000" pitchFamily="2" charset="0"/>
+            </a:endParaRPr>
+          </a:p>
+          <a:p>
+            <a:pPr marL="0" indent="0">
+              <a:buNone/>
+            </a:pPr>
+            <a:endParaRPr lang="it-IT" dirty="0">
+              <a:solidFill>
+                <a:schemeClr val="accent1">
+                  <a:lumMod val="75000"/>
+                </a:schemeClr>
+              </a:solidFill>
+            </a:endParaRPr>
+          </a:p>
+        </p:txBody>
+      </p:sp>
+      <p:sp>
+        <p:nvSpPr>
+          <p:cNvPr id="25" name="Segnaposto data 24">
+            <a:extLst>
+              <a:ext uri="{FF2B5EF4-FFF2-40B4-BE49-F238E27FC236}">
+                <a16:creationId xmlns:a16="http://schemas.microsoft.com/office/drawing/2014/main" id="{115DF917-AC48-486A-81F6-CF2DBBF5CD89}"/>
+              </a:ext>
+            </a:extLst>
+          </p:cNvPr>
+          <p:cNvSpPr>
+            <a:spLocks noGrp="1"/>
+          </p:cNvSpPr>
+          <p:nvPr>
+            <p:ph type="dt" sz="half" idx="10"/>
+          </p:nvPr>
+        </p:nvSpPr>
+        <p:spPr/>
+        <p:txBody>
+          <a:bodyPr/>
+          <a:lstStyle/>
+          <a:p>
+            <a:r>
+              <a:rPr lang="it-IT" sz="1600">
+                <a:solidFill>
+                  <a:schemeClr val="tx1"/>
+                </a:solidFill>
+                <a:latin typeface="Poppins Medium" panose="00000600000000000000" pitchFamily="2" charset="0"/>
+                <a:cs typeface="Poppins Medium" panose="00000600000000000000" pitchFamily="2" charset="0"/>
+              </a:rPr>
+              <a:t>31 Maggio 2022</a:t>
+            </a:r>
+            <a:endParaRPr lang="de-DE" sz="1600">
+              <a:solidFill>
+                <a:schemeClr val="tx1"/>
+              </a:solidFill>
+              <a:latin typeface="Poppins Medium" panose="00000600000000000000" pitchFamily="2" charset="0"/>
+              <a:cs typeface="Poppins Medium" panose="00000600000000000000" pitchFamily="2" charset="0"/>
+            </a:endParaRPr>
+          </a:p>
+        </p:txBody>
+      </p:sp>
+      <p:sp>
+        <p:nvSpPr>
+          <p:cNvPr id="27" name="Segnaposto numero diapositiva 26">
+            <a:extLst>
+              <a:ext uri="{FF2B5EF4-FFF2-40B4-BE49-F238E27FC236}">
+                <a16:creationId xmlns:a16="http://schemas.microsoft.com/office/drawing/2014/main" id="{F9C2EE25-215B-477C-AC6E-D2639B7A24B6}"/>
+              </a:ext>
+            </a:extLst>
+          </p:cNvPr>
+          <p:cNvSpPr>
+            <a:spLocks noGrp="1"/>
+          </p:cNvSpPr>
+          <p:nvPr>
+            <p:ph type="sldNum" sz="quarter" idx="12"/>
+          </p:nvPr>
+        </p:nvSpPr>
+        <p:spPr/>
+        <p:txBody>
+          <a:bodyPr/>
+          <a:lstStyle/>
+          <a:p>
+            <a:fld id="{66CD45B7-DFE2-4393-8D37-380FC36BF3AA}" type="slidenum">
+              <a:rPr lang="de-DE" sz="1600" smtClean="0">
+                <a:solidFill>
+                  <a:schemeClr val="tx1"/>
+                </a:solidFill>
+                <a:latin typeface="Poppins Medium" panose="00000600000000000000" pitchFamily="2" charset="0"/>
+                <a:cs typeface="Poppins Medium" panose="00000600000000000000" pitchFamily="2" charset="0"/>
+              </a:rPr>
+              <a:t>13</a:t>
+            </a:fld>
+            <a:r>
+              <a:rPr lang="de-DE" sz="1600">
+                <a:solidFill>
+                  <a:schemeClr val="tx1"/>
+                </a:solidFill>
+                <a:latin typeface="Poppins Medium" panose="00000600000000000000" pitchFamily="2" charset="0"/>
+                <a:cs typeface="Poppins Medium" panose="00000600000000000000" pitchFamily="2" charset="0"/>
+              </a:rPr>
+              <a:t>/16</a:t>
+            </a:r>
+          </a:p>
+        </p:txBody>
+      </p:sp>
+      <p:sp>
+        <p:nvSpPr>
+          <p:cNvPr id="12" name="Rettangolo 11">
+            <a:extLst>
+              <a:ext uri="{FF2B5EF4-FFF2-40B4-BE49-F238E27FC236}">
+                <a16:creationId xmlns:a16="http://schemas.microsoft.com/office/drawing/2014/main" id="{F0FAD030-2623-A89C-4FA1-55CE81C0AE08}"/>
+              </a:ext>
+            </a:extLst>
+          </p:cNvPr>
+          <p:cNvSpPr/>
+          <p:nvPr/>
+        </p:nvSpPr>
+        <p:spPr>
+          <a:xfrm>
+            <a:off x="0" y="0"/>
+            <a:ext cx="12184913" cy="1034891"/>
+          </a:xfrm>
+          <a:prstGeom prst="rect">
+            <a:avLst/>
+          </a:prstGeom>
+          <a:solidFill>
+            <a:srgbClr val="002060"/>
+          </a:solidFill>
+          <a:ln>
+            <a:noFill/>
+          </a:ln>
+        </p:spPr>
+        <p:style>
+          <a:lnRef idx="2">
+            <a:schemeClr val="accent3">
+              <a:shade val="50000"/>
+            </a:schemeClr>
+          </a:lnRef>
+          <a:fillRef idx="1">
+            <a:schemeClr val="accent3"/>
+          </a:fillRef>
+          <a:effectRef idx="0">
+            <a:schemeClr val="accent3"/>
+          </a:effectRef>
+          <a:fontRef idx="minor">
+            <a:schemeClr val="lt1"/>
+          </a:fontRef>
+        </p:style>
+        <p:txBody>
+          <a:bodyPr rtlCol="0" anchor="ctr"/>
+          <a:lstStyle/>
+          <a:p>
+            <a:pPr algn="ctr"/>
+            <a:endParaRPr lang="it-IT"/>
+          </a:p>
+        </p:txBody>
+      </p:sp>
+      <p:sp>
+        <p:nvSpPr>
+          <p:cNvPr id="13" name="Titolo 1">
+            <a:extLst>
+              <a:ext uri="{FF2B5EF4-FFF2-40B4-BE49-F238E27FC236}">
+                <a16:creationId xmlns:a16="http://schemas.microsoft.com/office/drawing/2014/main" id="{A0F14F07-00BE-A130-44A5-463A5F98673C}"/>
+              </a:ext>
+            </a:extLst>
+          </p:cNvPr>
+          <p:cNvSpPr>
+            <a:spLocks noGrp="1"/>
+          </p:cNvSpPr>
+          <p:nvPr>
+            <p:ph type="title"/>
+          </p:nvPr>
+        </p:nvSpPr>
+        <p:spPr>
+          <a:xfrm>
+            <a:off x="272535" y="163591"/>
+            <a:ext cx="10176803" cy="707708"/>
+          </a:xfrm>
+        </p:spPr>
+        <p:txBody>
+          <a:bodyPr anchor="b">
+            <a:normAutofit/>
+          </a:bodyPr>
+          <a:lstStyle/>
+          <a:p>
+            <a:r>
+              <a:rPr lang="it-IT" sz="4000" b="1" dirty="0" err="1">
+                <a:solidFill>
+                  <a:schemeClr val="bg1"/>
+                </a:solidFill>
+                <a:effectLst>
+                  <a:outerShdw blurRad="38100" dist="38100" dir="2700000" algn="tl">
+                    <a:srgbClr val="000000">
+                      <a:alpha val="43137"/>
+                    </a:srgbClr>
+                  </a:outerShdw>
+                </a:effectLst>
+                <a:latin typeface="Poppins"/>
+                <a:cs typeface="Poppins"/>
+              </a:rPr>
+              <a:t>Git</a:t>
+            </a:r>
+            <a:endParaRPr lang="it-IT" sz="4000" b="1" dirty="0">
+              <a:solidFill>
+                <a:schemeClr val="bg1"/>
+              </a:solidFill>
+              <a:effectLst>
+                <a:outerShdw blurRad="38100" dist="38100" dir="2700000" algn="tl">
+                  <a:srgbClr val="000000">
+                    <a:alpha val="43137"/>
+                  </a:srgbClr>
+                </a:outerShdw>
+              </a:effectLst>
+              <a:latin typeface="Poppins"/>
+              <a:cs typeface="Poppins"/>
+            </a:endParaRPr>
+          </a:p>
+        </p:txBody>
+      </p:sp>
+      <p:sp>
+        <p:nvSpPr>
+          <p:cNvPr id="8" name="Segnaposto contenuto 6">
+            <a:extLst>
+              <a:ext uri="{FF2B5EF4-FFF2-40B4-BE49-F238E27FC236}">
+                <a16:creationId xmlns:a16="http://schemas.microsoft.com/office/drawing/2014/main" id="{A2A66EE2-0006-626A-ADEF-D44ECC0503E3}"/>
+              </a:ext>
+            </a:extLst>
+          </p:cNvPr>
+          <p:cNvSpPr txBox="1">
+            <a:spLocks/>
+          </p:cNvSpPr>
+          <p:nvPr/>
+        </p:nvSpPr>
+        <p:spPr>
+          <a:xfrm>
+            <a:off x="570914" y="1519951"/>
+            <a:ext cx="10515600" cy="4351338"/>
+          </a:xfrm>
+          <a:prstGeom prst="rect">
+            <a:avLst/>
+          </a:prstGeom>
+        </p:spPr>
+        <p:txBody>
+          <a:bodyPr vert="horz" lIns="91440" tIns="45720" rIns="91440" bIns="45720" rtlCol="0">
+            <a:normAutofit/>
+          </a:bodyPr>
+          <a:lstStyle>
+            <a:lvl1pPr marL="228600" indent="-228600" algn="l" defTabSz="914400" rtl="0" eaLnBrk="1" latinLnBrk="0" hangingPunct="1">
+              <a:lnSpc>
+                <a:spcPct val="90000"/>
+              </a:lnSpc>
+              <a:spcBef>
+                <a:spcPts val="1000"/>
+              </a:spcBef>
+              <a:buFont typeface="Arial" panose="020B0604020202020204" pitchFamily="34" charset="0"/>
+              <a:buChar char="•"/>
+              <a:defRPr sz="2800" kern="1200">
+                <a:solidFill>
+                  <a:schemeClr val="tx1"/>
+                </a:solidFill>
+                <a:latin typeface="+mn-lt"/>
+                <a:ea typeface="+mn-ea"/>
+                <a:cs typeface="+mn-cs"/>
+              </a:defRPr>
+            </a:lvl1pPr>
+            <a:lvl2pPr marL="685800" indent="-228600" algn="l" defTabSz="914400" rtl="0" eaLnBrk="1" latinLnBrk="0" hangingPunct="1">
+              <a:lnSpc>
+                <a:spcPct val="90000"/>
+              </a:lnSpc>
+              <a:spcBef>
+                <a:spcPts val="500"/>
+              </a:spcBef>
+              <a:buFont typeface="Arial" panose="020B0604020202020204" pitchFamily="34" charset="0"/>
+              <a:buChar char="•"/>
+              <a:defRPr sz="2400" kern="1200">
+                <a:solidFill>
+                  <a:schemeClr val="tx1"/>
+                </a:solidFill>
+                <a:latin typeface="+mn-lt"/>
+                <a:ea typeface="+mn-ea"/>
+                <a:cs typeface="+mn-cs"/>
+              </a:defRPr>
+            </a:lvl2pPr>
+            <a:lvl3pPr marL="1143000" indent="-228600" algn="l" defTabSz="914400" rtl="0" eaLnBrk="1" latinLnBrk="0" hangingPunct="1">
+              <a:lnSpc>
+                <a:spcPct val="90000"/>
+              </a:lnSpc>
+              <a:spcBef>
+                <a:spcPts val="500"/>
+              </a:spcBef>
+              <a:buFont typeface="Arial" panose="020B0604020202020204" pitchFamily="34" charset="0"/>
+              <a:buChar char="•"/>
+              <a:defRPr sz="2000" kern="1200">
+                <a:solidFill>
+                  <a:schemeClr val="tx1"/>
+                </a:solidFill>
+                <a:latin typeface="+mn-lt"/>
+                <a:ea typeface="+mn-ea"/>
+                <a:cs typeface="+mn-cs"/>
+              </a:defRPr>
+            </a:lvl3pPr>
+            <a:lvl4pPr marL="1600200" indent="-228600" algn="l" defTabSz="914400" rtl="0" eaLnBrk="1" latinLnBrk="0" hangingPunct="1">
+              <a:lnSpc>
+                <a:spcPct val="90000"/>
+              </a:lnSpc>
+              <a:spcBef>
+                <a:spcPts val="500"/>
+              </a:spcBef>
+              <a:buFont typeface="Arial" panose="020B0604020202020204" pitchFamily="34" charset="0"/>
+              <a:buChar char="•"/>
+              <a:defRPr sz="1800" kern="1200">
+                <a:solidFill>
+                  <a:schemeClr val="tx1"/>
+                </a:solidFill>
+                <a:latin typeface="+mn-lt"/>
+                <a:ea typeface="+mn-ea"/>
+                <a:cs typeface="+mn-cs"/>
+              </a:defRPr>
+            </a:lvl4pPr>
+            <a:lvl5pPr marL="2057400" indent="-228600" algn="l" defTabSz="914400" rtl="0" eaLnBrk="1" latinLnBrk="0" hangingPunct="1">
+              <a:lnSpc>
+                <a:spcPct val="90000"/>
+              </a:lnSpc>
+              <a:spcBef>
+                <a:spcPts val="500"/>
+              </a:spcBef>
+              <a:buFont typeface="Arial" panose="020B0604020202020204" pitchFamily="34" charset="0"/>
+              <a:buChar char="•"/>
+              <a:defRPr sz="1800" kern="1200">
+                <a:solidFill>
+                  <a:schemeClr val="tx1"/>
+                </a:solidFill>
+                <a:latin typeface="+mn-lt"/>
+                <a:ea typeface="+mn-ea"/>
+                <a:cs typeface="+mn-cs"/>
+              </a:defRPr>
+            </a:lvl5pPr>
+            <a:lvl6pPr marL="2514600" indent="-228600" algn="l" defTabSz="914400" rtl="0" eaLnBrk="1" latinLnBrk="0" hangingPunct="1">
+              <a:lnSpc>
+                <a:spcPct val="90000"/>
+              </a:lnSpc>
+              <a:spcBef>
+                <a:spcPts val="500"/>
+              </a:spcBef>
+              <a:buFont typeface="Arial" panose="020B0604020202020204" pitchFamily="34" charset="0"/>
+              <a:buChar char="•"/>
+              <a:defRPr sz="1800" kern="1200">
+                <a:solidFill>
+                  <a:schemeClr val="tx1"/>
+                </a:solidFill>
+                <a:latin typeface="+mn-lt"/>
+                <a:ea typeface="+mn-ea"/>
+                <a:cs typeface="+mn-cs"/>
+              </a:defRPr>
+            </a:lvl6pPr>
+            <a:lvl7pPr marL="2971800" indent="-228600" algn="l" defTabSz="914400" rtl="0" eaLnBrk="1" latinLnBrk="0" hangingPunct="1">
+              <a:lnSpc>
+                <a:spcPct val="90000"/>
+              </a:lnSpc>
+              <a:spcBef>
+                <a:spcPts val="500"/>
+              </a:spcBef>
+              <a:buFont typeface="Arial" panose="020B0604020202020204" pitchFamily="34" charset="0"/>
+              <a:buChar char="•"/>
+              <a:defRPr sz="1800" kern="1200">
+                <a:solidFill>
+                  <a:schemeClr val="tx1"/>
+                </a:solidFill>
+                <a:latin typeface="+mn-lt"/>
+                <a:ea typeface="+mn-ea"/>
+                <a:cs typeface="+mn-cs"/>
+              </a:defRPr>
+            </a:lvl7pPr>
+            <a:lvl8pPr marL="3429000" indent="-228600" algn="l" defTabSz="914400" rtl="0" eaLnBrk="1" latinLnBrk="0" hangingPunct="1">
+              <a:lnSpc>
+                <a:spcPct val="90000"/>
+              </a:lnSpc>
+              <a:spcBef>
+                <a:spcPts val="500"/>
+              </a:spcBef>
+              <a:buFont typeface="Arial" panose="020B0604020202020204" pitchFamily="34" charset="0"/>
+              <a:buChar char="•"/>
+              <a:defRPr sz="1800" kern="1200">
+                <a:solidFill>
+                  <a:schemeClr val="tx1"/>
+                </a:solidFill>
+                <a:latin typeface="+mn-lt"/>
+                <a:ea typeface="+mn-ea"/>
+                <a:cs typeface="+mn-cs"/>
+              </a:defRPr>
+            </a:lvl8pPr>
+            <a:lvl9pPr marL="3886200" indent="-228600" algn="l" defTabSz="914400" rtl="0" eaLnBrk="1" latinLnBrk="0" hangingPunct="1">
+              <a:lnSpc>
+                <a:spcPct val="90000"/>
+              </a:lnSpc>
+              <a:spcBef>
+                <a:spcPts val="500"/>
+              </a:spcBef>
+              <a:buFont typeface="Arial" panose="020B0604020202020204" pitchFamily="34" charset="0"/>
+              <a:buChar char="•"/>
+              <a:defRPr sz="1800" kern="1200">
+                <a:solidFill>
+                  <a:schemeClr val="tx1"/>
+                </a:solidFill>
+                <a:latin typeface="+mn-lt"/>
+                <a:ea typeface="+mn-ea"/>
+                <a:cs typeface="+mn-cs"/>
+              </a:defRPr>
+            </a:lvl9pPr>
+          </a:lstStyle>
+          <a:p>
+            <a:pPr marL="0" indent="0">
+              <a:buNone/>
+            </a:pPr>
+            <a:r>
+              <a:rPr lang="it-IT" sz="2400" dirty="0">
+                <a:latin typeface="Poppins Medium" panose="00000600000000000000" pitchFamily="2" charset="0"/>
+                <a:cs typeface="Poppins Medium" panose="00000600000000000000" pitchFamily="2" charset="0"/>
+              </a:rPr>
+              <a:t>E’ stato usato </a:t>
+            </a:r>
+            <a:r>
+              <a:rPr lang="it-IT" sz="2400" dirty="0" err="1">
+                <a:latin typeface="Poppins Medium" panose="00000600000000000000" pitchFamily="2" charset="0"/>
+                <a:cs typeface="Poppins Medium" panose="00000600000000000000" pitchFamily="2" charset="0"/>
+              </a:rPr>
+              <a:t>Git</a:t>
+            </a:r>
+            <a:r>
+              <a:rPr lang="it-IT" sz="2400" dirty="0">
+                <a:latin typeface="Poppins Medium" panose="00000600000000000000" pitchFamily="2" charset="0"/>
+                <a:cs typeface="Poppins Medium" panose="00000600000000000000" pitchFamily="2" charset="0"/>
+              </a:rPr>
+              <a:t> nel progetto di </a:t>
+            </a:r>
+            <a:r>
+              <a:rPr lang="it-IT" sz="2400" dirty="0" err="1">
+                <a:latin typeface="Poppins Medium" panose="00000600000000000000" pitchFamily="2" charset="0"/>
+                <a:cs typeface="Poppins Medium" panose="00000600000000000000" pitchFamily="2" charset="0"/>
+              </a:rPr>
+              <a:t>Vue</a:t>
+            </a:r>
+            <a:r>
+              <a:rPr lang="it-IT" sz="2400" dirty="0">
+                <a:latin typeface="Poppins Medium" panose="00000600000000000000" pitchFamily="2" charset="0"/>
+                <a:cs typeface="Poppins Medium" panose="00000600000000000000" pitchFamily="2" charset="0"/>
+              </a:rPr>
+              <a:t> e ha queste caratteristiche:</a:t>
+            </a:r>
+          </a:p>
+          <a:p>
+            <a:r>
+              <a:rPr lang="it-IT" sz="2400" dirty="0">
+                <a:latin typeface="Poppins Medium" panose="00000600000000000000" pitchFamily="2" charset="0"/>
+                <a:cs typeface="Poppins Medium" panose="00000600000000000000" pitchFamily="2" charset="0"/>
+              </a:rPr>
+              <a:t>Fornisce la possibilità di creare diversi </a:t>
+            </a:r>
+            <a:r>
+              <a:rPr lang="it-IT" sz="2400" dirty="0" err="1">
+                <a:latin typeface="Poppins Medium" panose="00000600000000000000" pitchFamily="2" charset="0"/>
+                <a:cs typeface="Poppins Medium" panose="00000600000000000000" pitchFamily="2" charset="0"/>
+              </a:rPr>
+              <a:t>branch</a:t>
+            </a:r>
+            <a:r>
+              <a:rPr lang="it-IT" sz="2400" dirty="0">
+                <a:latin typeface="Poppins Medium" panose="00000600000000000000" pitchFamily="2" charset="0"/>
+                <a:cs typeface="Poppins Medium" panose="00000600000000000000" pitchFamily="2" charset="0"/>
+              </a:rPr>
+              <a:t> (rami) a seconda delle necessità del progetto (</a:t>
+            </a:r>
+            <a:r>
+              <a:rPr lang="it-IT" sz="2400" dirty="0" err="1">
+                <a:latin typeface="Poppins Medium" panose="00000600000000000000" pitchFamily="2" charset="0"/>
+                <a:cs typeface="Poppins Medium" panose="00000600000000000000" pitchFamily="2" charset="0"/>
+              </a:rPr>
+              <a:t>main</a:t>
+            </a:r>
+            <a:r>
+              <a:rPr lang="it-IT" sz="2400" dirty="0">
+                <a:latin typeface="Poppins Medium" panose="00000600000000000000" pitchFamily="2" charset="0"/>
+                <a:cs typeface="Poppins Medium" panose="00000600000000000000" pitchFamily="2" charset="0"/>
+              </a:rPr>
+              <a:t>, features, </a:t>
+            </a:r>
+            <a:r>
+              <a:rPr lang="it-IT" sz="2400" dirty="0" err="1">
+                <a:latin typeface="Poppins Medium" panose="00000600000000000000" pitchFamily="2" charset="0"/>
+                <a:cs typeface="Poppins Medium" panose="00000600000000000000" pitchFamily="2" charset="0"/>
+              </a:rPr>
+              <a:t>develop</a:t>
+            </a:r>
+            <a:r>
+              <a:rPr lang="it-IT" sz="2400" dirty="0">
+                <a:latin typeface="Poppins Medium" panose="00000600000000000000" pitchFamily="2" charset="0"/>
+                <a:cs typeface="Poppins Medium" panose="00000600000000000000" pitchFamily="2" charset="0"/>
+              </a:rPr>
+              <a:t>, release, etc..)</a:t>
+            </a:r>
+          </a:p>
+          <a:p>
+            <a:r>
+              <a:rPr lang="it-IT" sz="2400" dirty="0">
+                <a:latin typeface="Poppins Medium" panose="00000600000000000000" pitchFamily="2" charset="0"/>
+                <a:cs typeface="Poppins Medium" panose="00000600000000000000" pitchFamily="2" charset="0"/>
+              </a:rPr>
+              <a:t>È un DVCS, quindi permette storicizzazione e condivisione in due momenti separati</a:t>
+            </a:r>
+          </a:p>
+          <a:p>
+            <a:r>
+              <a:rPr lang="it-IT" sz="2400" dirty="0">
+                <a:latin typeface="Poppins Medium" panose="00000600000000000000" pitchFamily="2" charset="0"/>
+                <a:cs typeface="Poppins Medium" panose="00000600000000000000" pitchFamily="2" charset="0"/>
+              </a:rPr>
+              <a:t>È  collegato con </a:t>
+            </a:r>
+            <a:r>
+              <a:rPr lang="it-IT" sz="2400" dirty="0" err="1">
+                <a:latin typeface="Poppins Medium" panose="00000600000000000000" pitchFamily="2" charset="0"/>
+                <a:cs typeface="Poppins Medium" panose="00000600000000000000" pitchFamily="2" charset="0"/>
+              </a:rPr>
+              <a:t>IssueTrackingSystem</a:t>
+            </a:r>
+            <a:r>
+              <a:rPr lang="it-IT" sz="2400" dirty="0">
+                <a:latin typeface="Poppins Medium" panose="00000600000000000000" pitchFamily="2" charset="0"/>
+                <a:cs typeface="Poppins Medium" panose="00000600000000000000" pitchFamily="2" charset="0"/>
+              </a:rPr>
+              <a:t> di GitHub attraverso i messaggi scritti nel </a:t>
+            </a:r>
+            <a:r>
+              <a:rPr lang="it-IT" sz="2400" dirty="0" err="1">
+                <a:latin typeface="Poppins Medium" panose="00000600000000000000" pitchFamily="2" charset="0"/>
+                <a:cs typeface="Poppins Medium" panose="00000600000000000000" pitchFamily="2" charset="0"/>
+              </a:rPr>
+              <a:t>commit</a:t>
+            </a:r>
+            <a:r>
+              <a:rPr lang="it-IT" sz="2400" dirty="0">
+                <a:latin typeface="Poppins Medium" panose="00000600000000000000" pitchFamily="2" charset="0"/>
+                <a:cs typeface="Poppins Medium" panose="00000600000000000000" pitchFamily="2" charset="0"/>
+              </a:rPr>
+              <a:t>, ad esempio con «Close #numeroIssue» è possibile spostare le </a:t>
+            </a:r>
+            <a:r>
+              <a:rPr lang="it-IT" sz="2400" dirty="0" err="1">
+                <a:latin typeface="Poppins Medium" panose="00000600000000000000" pitchFamily="2" charset="0"/>
+                <a:cs typeface="Poppins Medium" panose="00000600000000000000" pitchFamily="2" charset="0"/>
+              </a:rPr>
+              <a:t>issue</a:t>
+            </a:r>
+            <a:r>
+              <a:rPr lang="it-IT" sz="2400" dirty="0">
+                <a:latin typeface="Poppins Medium" panose="00000600000000000000" pitchFamily="2" charset="0"/>
+                <a:cs typeface="Poppins Medium" panose="00000600000000000000" pitchFamily="2" charset="0"/>
+              </a:rPr>
+              <a:t> in stato di </a:t>
+            </a:r>
+            <a:r>
+              <a:rPr lang="it-IT" sz="2400" dirty="0" err="1">
+                <a:latin typeface="Poppins Medium" panose="00000600000000000000" pitchFamily="2" charset="0"/>
+                <a:cs typeface="Poppins Medium" panose="00000600000000000000" pitchFamily="2" charset="0"/>
+              </a:rPr>
+              <a:t>Done</a:t>
+            </a:r>
+            <a:r>
+              <a:rPr lang="it-IT" sz="2400" dirty="0">
+                <a:latin typeface="Poppins Medium" panose="00000600000000000000" pitchFamily="2" charset="0"/>
+                <a:cs typeface="Poppins Medium" panose="00000600000000000000" pitchFamily="2" charset="0"/>
+              </a:rPr>
+              <a:t> nella Board del progetto. </a:t>
+            </a:r>
+          </a:p>
+          <a:p>
+            <a:pPr marL="0" indent="0">
+              <a:buNone/>
+            </a:pPr>
+            <a:r>
+              <a:rPr lang="it-IT" sz="2400" dirty="0">
+                <a:latin typeface="Poppins Medium" panose="00000600000000000000" pitchFamily="2" charset="0"/>
+                <a:cs typeface="Poppins Medium" panose="00000600000000000000" pitchFamily="2" charset="0"/>
+              </a:rPr>
+              <a:t>Link download: https://git-scm.com/downloads</a:t>
+            </a:r>
+          </a:p>
+          <a:p>
+            <a:pPr marL="0" indent="0">
+              <a:buFont typeface="Arial" panose="020B0604020202020204" pitchFamily="34" charset="0"/>
+              <a:buNone/>
+            </a:pPr>
+            <a:endParaRPr lang="it-IT" sz="2400" dirty="0">
+              <a:latin typeface="Poppins Medium" panose="00000600000000000000" pitchFamily="2" charset="0"/>
+              <a:cs typeface="Poppins Medium" panose="00000600000000000000" pitchFamily="2" charset="0"/>
+            </a:endParaRPr>
+          </a:p>
+          <a:p>
+            <a:pPr marL="0" indent="0">
+              <a:buFont typeface="Arial" panose="020B0604020202020204" pitchFamily="34" charset="0"/>
+              <a:buNone/>
+            </a:pPr>
+            <a:endParaRPr lang="it-IT" sz="2400" dirty="0">
+              <a:latin typeface="Poppins Medium" panose="00000600000000000000" pitchFamily="2" charset="0"/>
+              <a:cs typeface="Poppins Medium" panose="00000600000000000000" pitchFamily="2" charset="0"/>
+            </a:endParaRPr>
+          </a:p>
+          <a:p>
+            <a:pPr marL="0" indent="0">
+              <a:buFont typeface="Arial" panose="020B0604020202020204" pitchFamily="34" charset="0"/>
+              <a:buNone/>
+            </a:pPr>
+            <a:endParaRPr lang="it-IT" sz="2400" dirty="0">
+              <a:latin typeface="Poppins Medium" panose="00000600000000000000" pitchFamily="2" charset="0"/>
+              <a:cs typeface="Poppins Medium" panose="00000600000000000000" pitchFamily="2" charset="0"/>
+            </a:endParaRPr>
+          </a:p>
+          <a:p>
+            <a:pPr marL="0" indent="0">
+              <a:buFont typeface="Arial" panose="020B0604020202020204" pitchFamily="34" charset="0"/>
+              <a:buNone/>
+            </a:pPr>
+            <a:endParaRPr lang="it-IT" sz="2400" dirty="0">
+              <a:latin typeface="Poppins Medium" panose="00000600000000000000" pitchFamily="2" charset="0"/>
+              <a:cs typeface="Poppins Medium" panose="00000600000000000000" pitchFamily="2" charset="0"/>
+            </a:endParaRPr>
+          </a:p>
+          <a:p>
+            <a:pPr marL="0" indent="0">
+              <a:buFont typeface="Arial" panose="020B0604020202020204" pitchFamily="34" charset="0"/>
+              <a:buNone/>
+            </a:pPr>
+            <a:endParaRPr lang="it-IT" sz="2400" dirty="0">
+              <a:latin typeface="Poppins Medium" panose="00000600000000000000" pitchFamily="2" charset="0"/>
+              <a:cs typeface="Poppins Medium" panose="00000600000000000000" pitchFamily="2" charset="0"/>
+            </a:endParaRPr>
+          </a:p>
+          <a:p>
+            <a:pPr marL="0" indent="0">
+              <a:buFont typeface="Arial" panose="020B0604020202020204" pitchFamily="34" charset="0"/>
+              <a:buNone/>
+            </a:pPr>
+            <a:endParaRPr lang="it-IT" sz="2400" dirty="0">
+              <a:latin typeface="Poppins Medium" panose="00000600000000000000" pitchFamily="2" charset="0"/>
+              <a:cs typeface="Poppins Medium" panose="00000600000000000000" pitchFamily="2" charset="0"/>
+            </a:endParaRPr>
+          </a:p>
+          <a:p>
+            <a:pPr marL="0" indent="0">
+              <a:buFont typeface="Arial" panose="020B0604020202020204" pitchFamily="34" charset="0"/>
+              <a:buNone/>
+            </a:pPr>
+            <a:endParaRPr lang="it-IT" dirty="0">
+              <a:solidFill>
+                <a:schemeClr val="accent1">
+                  <a:lumMod val="75000"/>
+                </a:schemeClr>
+              </a:solidFill>
+            </a:endParaRPr>
+          </a:p>
+        </p:txBody>
+      </p:sp>
+    </p:spTree>
+    <p:extLst>
+      <p:ext uri="{BB962C8B-B14F-4D97-AF65-F5344CB8AC3E}">
+        <p14:creationId xmlns:p14="http://schemas.microsoft.com/office/powerpoint/2010/main" val="3283211746"/>
+      </p:ext>
+    </p:extLst>
+  </p:cSld>
+  <p:clrMapOvr>
+    <a:masterClrMapping/>
+  </p:clrMapOvr>
+</p:sld>
+</file>
+
+<file path=ppt/slides/slide14.xml><?xml version="1.0" encoding="utf-8"?>
+<p:sld xmlns:a="http://schemas.openxmlformats.org/drawingml/2006/main" xmlns:r="http://schemas.openxmlformats.org/officeDocument/2006/relationships" xmlns:p="http://schemas.openxmlformats.org/presentationml/2006/main">
+  <p:cSld>
+    <p:spTree>
+      <p:nvGrpSpPr>
+        <p:cNvPr id="1" name=""/>
+        <p:cNvGrpSpPr/>
+        <p:nvPr/>
+      </p:nvGrpSpPr>
+      <p:grpSpPr>
+        <a:xfrm>
+          <a:off x="0" y="0"/>
+          <a:ext cx="0" cy="0"/>
+          <a:chOff x="0" y="0"/>
+          <a:chExt cx="0" cy="0"/>
+        </a:xfrm>
+      </p:grpSpPr>
+      <p:sp>
+        <p:nvSpPr>
+          <p:cNvPr id="25" name="Segnaposto data 24">
+            <a:extLst>
+              <a:ext uri="{FF2B5EF4-FFF2-40B4-BE49-F238E27FC236}">
+                <a16:creationId xmlns:a16="http://schemas.microsoft.com/office/drawing/2014/main" id="{115DF917-AC48-486A-81F6-CF2DBBF5CD89}"/>
+              </a:ext>
+            </a:extLst>
+          </p:cNvPr>
+          <p:cNvSpPr>
+            <a:spLocks noGrp="1"/>
+          </p:cNvSpPr>
+          <p:nvPr>
+            <p:ph type="dt" sz="half" idx="10"/>
+          </p:nvPr>
+        </p:nvSpPr>
+        <p:spPr/>
+        <p:txBody>
+          <a:bodyPr/>
+          <a:lstStyle/>
+          <a:p>
+            <a:r>
+              <a:rPr lang="it-IT" sz="1600">
+                <a:solidFill>
+                  <a:schemeClr val="tx1"/>
+                </a:solidFill>
+                <a:latin typeface="Poppins Medium" panose="00000600000000000000" pitchFamily="2" charset="0"/>
+                <a:cs typeface="Poppins Medium" panose="00000600000000000000" pitchFamily="2" charset="0"/>
+              </a:rPr>
+              <a:t>31 Maggio 2022</a:t>
+            </a:r>
+            <a:endParaRPr lang="de-DE" sz="1600">
+              <a:solidFill>
+                <a:schemeClr val="tx1"/>
+              </a:solidFill>
+              <a:latin typeface="Poppins Medium" panose="00000600000000000000" pitchFamily="2" charset="0"/>
+              <a:cs typeface="Poppins Medium" panose="00000600000000000000" pitchFamily="2" charset="0"/>
+            </a:endParaRPr>
+          </a:p>
+        </p:txBody>
+      </p:sp>
+      <p:sp>
+        <p:nvSpPr>
+          <p:cNvPr id="27" name="Segnaposto numero diapositiva 26">
+            <a:extLst>
+              <a:ext uri="{FF2B5EF4-FFF2-40B4-BE49-F238E27FC236}">
+                <a16:creationId xmlns:a16="http://schemas.microsoft.com/office/drawing/2014/main" id="{F9C2EE25-215B-477C-AC6E-D2639B7A24B6}"/>
+              </a:ext>
+            </a:extLst>
+          </p:cNvPr>
+          <p:cNvSpPr>
+            <a:spLocks noGrp="1"/>
+          </p:cNvSpPr>
+          <p:nvPr>
+            <p:ph type="sldNum" sz="quarter" idx="12"/>
+          </p:nvPr>
+        </p:nvSpPr>
+        <p:spPr/>
+        <p:txBody>
+          <a:bodyPr/>
+          <a:lstStyle/>
+          <a:p>
+            <a:fld id="{66CD45B7-DFE2-4393-8D37-380FC36BF3AA}" type="slidenum">
+              <a:rPr lang="de-DE" sz="1600" smtClean="0">
+                <a:solidFill>
+                  <a:schemeClr val="tx1"/>
+                </a:solidFill>
+                <a:latin typeface="Poppins Medium" panose="00000600000000000000" pitchFamily="2" charset="0"/>
+                <a:cs typeface="Poppins Medium" panose="00000600000000000000" pitchFamily="2" charset="0"/>
+              </a:rPr>
+              <a:t>14</a:t>
+            </a:fld>
+            <a:r>
+              <a:rPr lang="de-DE" sz="1600">
+                <a:solidFill>
+                  <a:schemeClr val="tx1"/>
+                </a:solidFill>
+                <a:latin typeface="Poppins Medium" panose="00000600000000000000" pitchFamily="2" charset="0"/>
+                <a:cs typeface="Poppins Medium" panose="00000600000000000000" pitchFamily="2" charset="0"/>
+              </a:rPr>
+              <a:t>/16</a:t>
+            </a:r>
+          </a:p>
+        </p:txBody>
+      </p:sp>
+      <p:sp>
+        <p:nvSpPr>
+          <p:cNvPr id="12" name="Rettangolo 11">
+            <a:extLst>
+              <a:ext uri="{FF2B5EF4-FFF2-40B4-BE49-F238E27FC236}">
+                <a16:creationId xmlns:a16="http://schemas.microsoft.com/office/drawing/2014/main" id="{F0FAD030-2623-A89C-4FA1-55CE81C0AE08}"/>
+              </a:ext>
+            </a:extLst>
+          </p:cNvPr>
+          <p:cNvSpPr/>
+          <p:nvPr/>
+        </p:nvSpPr>
+        <p:spPr>
+          <a:xfrm>
+            <a:off x="0" y="0"/>
+            <a:ext cx="12184913" cy="1034891"/>
+          </a:xfrm>
+          <a:prstGeom prst="rect">
+            <a:avLst/>
+          </a:prstGeom>
+          <a:solidFill>
+            <a:srgbClr val="002060"/>
+          </a:solidFill>
+          <a:ln>
+            <a:noFill/>
+          </a:ln>
+        </p:spPr>
+        <p:style>
+          <a:lnRef idx="2">
+            <a:schemeClr val="accent3">
+              <a:shade val="50000"/>
+            </a:schemeClr>
+          </a:lnRef>
+          <a:fillRef idx="1">
+            <a:schemeClr val="accent3"/>
+          </a:fillRef>
+          <a:effectRef idx="0">
+            <a:schemeClr val="accent3"/>
+          </a:effectRef>
+          <a:fontRef idx="minor">
+            <a:schemeClr val="lt1"/>
+          </a:fontRef>
+        </p:style>
+        <p:txBody>
+          <a:bodyPr rtlCol="0" anchor="ctr"/>
+          <a:lstStyle/>
+          <a:p>
+            <a:pPr algn="ctr"/>
+            <a:endParaRPr lang="it-IT"/>
+          </a:p>
+        </p:txBody>
+      </p:sp>
+      <p:sp>
+        <p:nvSpPr>
+          <p:cNvPr id="13" name="Titolo 1">
+            <a:extLst>
+              <a:ext uri="{FF2B5EF4-FFF2-40B4-BE49-F238E27FC236}">
+                <a16:creationId xmlns:a16="http://schemas.microsoft.com/office/drawing/2014/main" id="{A0F14F07-00BE-A130-44A5-463A5F98673C}"/>
+              </a:ext>
+            </a:extLst>
+          </p:cNvPr>
+          <p:cNvSpPr>
+            <a:spLocks noGrp="1"/>
+          </p:cNvSpPr>
+          <p:nvPr>
+            <p:ph type="title"/>
+          </p:nvPr>
+        </p:nvSpPr>
+        <p:spPr>
+          <a:xfrm>
+            <a:off x="272535" y="163591"/>
+            <a:ext cx="10176803" cy="707708"/>
+          </a:xfrm>
+        </p:spPr>
+        <p:txBody>
+          <a:bodyPr anchor="b">
+            <a:normAutofit/>
+          </a:bodyPr>
+          <a:lstStyle/>
+          <a:p>
+            <a:r>
+              <a:rPr lang="it-IT" sz="4000" b="1" dirty="0">
+                <a:solidFill>
+                  <a:schemeClr val="bg1"/>
+                </a:solidFill>
+                <a:effectLst>
+                  <a:outerShdw blurRad="38100" dist="38100" dir="2700000" algn="tl">
+                    <a:srgbClr val="000000">
+                      <a:alpha val="43137"/>
+                    </a:srgbClr>
+                  </a:outerShdw>
+                </a:effectLst>
+                <a:latin typeface="Poppins"/>
+                <a:cs typeface="Poppins"/>
+              </a:rPr>
+              <a:t>Workflow</a:t>
+            </a:r>
+          </a:p>
+        </p:txBody>
+      </p:sp>
+      <p:sp>
+        <p:nvSpPr>
+          <p:cNvPr id="8" name="Segnaposto contenuto 6">
+            <a:extLst>
+              <a:ext uri="{FF2B5EF4-FFF2-40B4-BE49-F238E27FC236}">
+                <a16:creationId xmlns:a16="http://schemas.microsoft.com/office/drawing/2014/main" id="{F832EED3-9182-E3BD-D2D5-1723AFD8A0BD}"/>
+              </a:ext>
+            </a:extLst>
+          </p:cNvPr>
+          <p:cNvSpPr txBox="1">
+            <a:spLocks/>
+          </p:cNvSpPr>
+          <p:nvPr/>
+        </p:nvSpPr>
+        <p:spPr>
+          <a:xfrm>
+            <a:off x="570914" y="1519951"/>
+            <a:ext cx="10515600" cy="4351338"/>
+          </a:xfrm>
+          <a:prstGeom prst="rect">
+            <a:avLst/>
+          </a:prstGeom>
+        </p:spPr>
+        <p:txBody>
+          <a:bodyPr vert="horz" lIns="91440" tIns="45720" rIns="91440" bIns="45720" rtlCol="0">
+            <a:normAutofit/>
+          </a:bodyPr>
+          <a:lstStyle>
+            <a:lvl1pPr marL="228600" indent="-228600" algn="l" defTabSz="914400" rtl="0" eaLnBrk="1" latinLnBrk="0" hangingPunct="1">
+              <a:lnSpc>
+                <a:spcPct val="90000"/>
+              </a:lnSpc>
+              <a:spcBef>
+                <a:spcPts val="1000"/>
+              </a:spcBef>
+              <a:buFont typeface="Arial" panose="020B0604020202020204" pitchFamily="34" charset="0"/>
+              <a:buChar char="•"/>
+              <a:defRPr sz="2800" kern="1200">
+                <a:solidFill>
+                  <a:schemeClr val="tx1"/>
+                </a:solidFill>
+                <a:latin typeface="+mn-lt"/>
+                <a:ea typeface="+mn-ea"/>
+                <a:cs typeface="+mn-cs"/>
+              </a:defRPr>
+            </a:lvl1pPr>
+            <a:lvl2pPr marL="685800" indent="-228600" algn="l" defTabSz="914400" rtl="0" eaLnBrk="1" latinLnBrk="0" hangingPunct="1">
+              <a:lnSpc>
+                <a:spcPct val="90000"/>
+              </a:lnSpc>
+              <a:spcBef>
+                <a:spcPts val="500"/>
+              </a:spcBef>
+              <a:buFont typeface="Arial" panose="020B0604020202020204" pitchFamily="34" charset="0"/>
+              <a:buChar char="•"/>
+              <a:defRPr sz="2400" kern="1200">
+                <a:solidFill>
+                  <a:schemeClr val="tx1"/>
+                </a:solidFill>
+                <a:latin typeface="+mn-lt"/>
+                <a:ea typeface="+mn-ea"/>
+                <a:cs typeface="+mn-cs"/>
+              </a:defRPr>
+            </a:lvl2pPr>
+            <a:lvl3pPr marL="1143000" indent="-228600" algn="l" defTabSz="914400" rtl="0" eaLnBrk="1" latinLnBrk="0" hangingPunct="1">
+              <a:lnSpc>
+                <a:spcPct val="90000"/>
+              </a:lnSpc>
+              <a:spcBef>
+                <a:spcPts val="500"/>
+              </a:spcBef>
+              <a:buFont typeface="Arial" panose="020B0604020202020204" pitchFamily="34" charset="0"/>
+              <a:buChar char="•"/>
+              <a:defRPr sz="2000" kern="1200">
+                <a:solidFill>
+                  <a:schemeClr val="tx1"/>
+                </a:solidFill>
+                <a:latin typeface="+mn-lt"/>
+                <a:ea typeface="+mn-ea"/>
+                <a:cs typeface="+mn-cs"/>
+              </a:defRPr>
+            </a:lvl3pPr>
+            <a:lvl4pPr marL="1600200" indent="-228600" algn="l" defTabSz="914400" rtl="0" eaLnBrk="1" latinLnBrk="0" hangingPunct="1">
+              <a:lnSpc>
+                <a:spcPct val="90000"/>
+              </a:lnSpc>
+              <a:spcBef>
+                <a:spcPts val="500"/>
+              </a:spcBef>
+              <a:buFont typeface="Arial" panose="020B0604020202020204" pitchFamily="34" charset="0"/>
+              <a:buChar char="•"/>
+              <a:defRPr sz="1800" kern="1200">
+                <a:solidFill>
+                  <a:schemeClr val="tx1"/>
+                </a:solidFill>
+                <a:latin typeface="+mn-lt"/>
+                <a:ea typeface="+mn-ea"/>
+                <a:cs typeface="+mn-cs"/>
+              </a:defRPr>
+            </a:lvl4pPr>
+            <a:lvl5pPr marL="2057400" indent="-228600" algn="l" defTabSz="914400" rtl="0" eaLnBrk="1" latinLnBrk="0" hangingPunct="1">
+              <a:lnSpc>
+                <a:spcPct val="90000"/>
+              </a:lnSpc>
+              <a:spcBef>
+                <a:spcPts val="500"/>
+              </a:spcBef>
+              <a:buFont typeface="Arial" panose="020B0604020202020204" pitchFamily="34" charset="0"/>
+              <a:buChar char="•"/>
+              <a:defRPr sz="1800" kern="1200">
+                <a:solidFill>
+                  <a:schemeClr val="tx1"/>
+                </a:solidFill>
+                <a:latin typeface="+mn-lt"/>
+                <a:ea typeface="+mn-ea"/>
+                <a:cs typeface="+mn-cs"/>
+              </a:defRPr>
+            </a:lvl5pPr>
+            <a:lvl6pPr marL="2514600" indent="-228600" algn="l" defTabSz="914400" rtl="0" eaLnBrk="1" latinLnBrk="0" hangingPunct="1">
+              <a:lnSpc>
+                <a:spcPct val="90000"/>
+              </a:lnSpc>
+              <a:spcBef>
+                <a:spcPts val="500"/>
+              </a:spcBef>
+              <a:buFont typeface="Arial" panose="020B0604020202020204" pitchFamily="34" charset="0"/>
+              <a:buChar char="•"/>
+              <a:defRPr sz="1800" kern="1200">
+                <a:solidFill>
+                  <a:schemeClr val="tx1"/>
+                </a:solidFill>
+                <a:latin typeface="+mn-lt"/>
+                <a:ea typeface="+mn-ea"/>
+                <a:cs typeface="+mn-cs"/>
+              </a:defRPr>
+            </a:lvl6pPr>
+            <a:lvl7pPr marL="2971800" indent="-228600" algn="l" defTabSz="914400" rtl="0" eaLnBrk="1" latinLnBrk="0" hangingPunct="1">
+              <a:lnSpc>
+                <a:spcPct val="90000"/>
+              </a:lnSpc>
+              <a:spcBef>
+                <a:spcPts val="500"/>
+              </a:spcBef>
+              <a:buFont typeface="Arial" panose="020B0604020202020204" pitchFamily="34" charset="0"/>
+              <a:buChar char="•"/>
+              <a:defRPr sz="1800" kern="1200">
+                <a:solidFill>
+                  <a:schemeClr val="tx1"/>
+                </a:solidFill>
+                <a:latin typeface="+mn-lt"/>
+                <a:ea typeface="+mn-ea"/>
+                <a:cs typeface="+mn-cs"/>
+              </a:defRPr>
+            </a:lvl7pPr>
+            <a:lvl8pPr marL="3429000" indent="-228600" algn="l" defTabSz="914400" rtl="0" eaLnBrk="1" latinLnBrk="0" hangingPunct="1">
+              <a:lnSpc>
+                <a:spcPct val="90000"/>
+              </a:lnSpc>
+              <a:spcBef>
+                <a:spcPts val="500"/>
+              </a:spcBef>
+              <a:buFont typeface="Arial" panose="020B0604020202020204" pitchFamily="34" charset="0"/>
+              <a:buChar char="•"/>
+              <a:defRPr sz="1800" kern="1200">
+                <a:solidFill>
+                  <a:schemeClr val="tx1"/>
+                </a:solidFill>
+                <a:latin typeface="+mn-lt"/>
+                <a:ea typeface="+mn-ea"/>
+                <a:cs typeface="+mn-cs"/>
+              </a:defRPr>
+            </a:lvl8pPr>
+            <a:lvl9pPr marL="3886200" indent="-228600" algn="l" defTabSz="914400" rtl="0" eaLnBrk="1" latinLnBrk="0" hangingPunct="1">
+              <a:lnSpc>
+                <a:spcPct val="90000"/>
+              </a:lnSpc>
+              <a:spcBef>
+                <a:spcPts val="500"/>
+              </a:spcBef>
+              <a:buFont typeface="Arial" panose="020B0604020202020204" pitchFamily="34" charset="0"/>
+              <a:buChar char="•"/>
+              <a:defRPr sz="1800" kern="1200">
+                <a:solidFill>
+                  <a:schemeClr val="tx1"/>
+                </a:solidFill>
+                <a:latin typeface="+mn-lt"/>
+                <a:ea typeface="+mn-ea"/>
+                <a:cs typeface="+mn-cs"/>
+              </a:defRPr>
+            </a:lvl9pPr>
+          </a:lstStyle>
+          <a:p>
+            <a:pPr marL="0" indent="0">
+              <a:buNone/>
+            </a:pPr>
+            <a:r>
+              <a:rPr lang="it-IT" sz="2400" dirty="0">
+                <a:latin typeface="Poppins Medium" panose="00000600000000000000" pitchFamily="2" charset="0"/>
+                <a:cs typeface="Poppins Medium" panose="00000600000000000000" pitchFamily="2" charset="0"/>
+              </a:rPr>
+              <a:t>Si suppone che un workflow basato su </a:t>
+            </a:r>
+            <a:r>
+              <a:rPr lang="it-IT" sz="2400" dirty="0" err="1">
+                <a:latin typeface="Poppins Medium" panose="00000600000000000000" pitchFamily="2" charset="0"/>
+                <a:cs typeface="Poppins Medium" panose="00000600000000000000" pitchFamily="2" charset="0"/>
+              </a:rPr>
+              <a:t>gitflow</a:t>
+            </a:r>
+            <a:r>
+              <a:rPr lang="it-IT" sz="2400" dirty="0">
+                <a:latin typeface="Poppins Medium" panose="00000600000000000000" pitchFamily="2" charset="0"/>
+                <a:cs typeface="Poppins Medium" panose="00000600000000000000" pitchFamily="2" charset="0"/>
+              </a:rPr>
+              <a:t> possa essere adatto a questo progetto, ossia riportare sul ramo di </a:t>
+            </a:r>
+            <a:r>
+              <a:rPr lang="it-IT" sz="2400" b="1" dirty="0" err="1">
+                <a:latin typeface="Poppins Medium" panose="00000600000000000000" pitchFamily="2" charset="0"/>
+                <a:cs typeface="Poppins Medium" panose="00000600000000000000" pitchFamily="2" charset="0"/>
+              </a:rPr>
+              <a:t>develop</a:t>
+            </a:r>
+            <a:r>
+              <a:rPr lang="it-IT" sz="2400" dirty="0">
+                <a:latin typeface="Poppins Medium" panose="00000600000000000000" pitchFamily="2" charset="0"/>
+                <a:cs typeface="Poppins Medium" panose="00000600000000000000" pitchFamily="2" charset="0"/>
+              </a:rPr>
+              <a:t> ogni qualvolta che una feature viene completata nel ramo di </a:t>
+            </a:r>
+            <a:r>
+              <a:rPr lang="it-IT" sz="2400" b="1" dirty="0">
+                <a:latin typeface="Poppins Medium" panose="00000600000000000000" pitchFamily="2" charset="0"/>
+                <a:cs typeface="Poppins Medium" panose="00000600000000000000" pitchFamily="2" charset="0"/>
+              </a:rPr>
+              <a:t>feature</a:t>
+            </a:r>
+            <a:r>
+              <a:rPr lang="it-IT" sz="2400" dirty="0">
+                <a:latin typeface="Poppins Medium" panose="00000600000000000000" pitchFamily="2" charset="0"/>
+                <a:cs typeface="Poppins Medium" panose="00000600000000000000" pitchFamily="2" charset="0"/>
+              </a:rPr>
+              <a:t>. </a:t>
+            </a:r>
+          </a:p>
+          <a:p>
+            <a:pPr marL="0" indent="0">
+              <a:buNone/>
+            </a:pPr>
+            <a:r>
+              <a:rPr lang="it-IT" sz="2400" dirty="0">
+                <a:latin typeface="Poppins Medium" panose="00000600000000000000" pitchFamily="2" charset="0"/>
+                <a:cs typeface="Poppins Medium" panose="00000600000000000000" pitchFamily="2" charset="0"/>
+              </a:rPr>
+              <a:t>Quindi una volta che si decide il rilascio della versione, si passa al ramo di </a:t>
+            </a:r>
+            <a:r>
+              <a:rPr lang="it-IT" sz="2400" b="1" dirty="0">
+                <a:latin typeface="Poppins Medium" panose="00000600000000000000" pitchFamily="2" charset="0"/>
+                <a:cs typeface="Poppins Medium" panose="00000600000000000000" pitchFamily="2" charset="0"/>
+              </a:rPr>
+              <a:t>release</a:t>
+            </a:r>
+            <a:r>
+              <a:rPr lang="it-IT" sz="2400" dirty="0">
+                <a:latin typeface="Poppins Medium" panose="00000600000000000000" pitchFamily="2" charset="0"/>
+                <a:cs typeface="Poppins Medium" panose="00000600000000000000" pitchFamily="2" charset="0"/>
+              </a:rPr>
+              <a:t> per modifiche minori ed infine rilasciare in produzione nel ramo </a:t>
+            </a:r>
+            <a:r>
+              <a:rPr lang="it-IT" sz="2400" b="1" dirty="0">
+                <a:latin typeface="Poppins Medium" panose="00000600000000000000" pitchFamily="2" charset="0"/>
+                <a:cs typeface="Poppins Medium" panose="00000600000000000000" pitchFamily="2" charset="0"/>
+              </a:rPr>
+              <a:t>master</a:t>
+            </a:r>
+            <a:r>
+              <a:rPr lang="it-IT" sz="2400" dirty="0">
+                <a:latin typeface="Poppins Medium" panose="00000600000000000000" pitchFamily="2" charset="0"/>
+                <a:cs typeface="Poppins Medium" panose="00000600000000000000" pitchFamily="2" charset="0"/>
+              </a:rPr>
+              <a:t>.</a:t>
+            </a:r>
+          </a:p>
+          <a:p>
+            <a:pPr marL="0" indent="0">
+              <a:buNone/>
+            </a:pPr>
+            <a:r>
+              <a:rPr lang="it-IT" sz="2400" dirty="0">
+                <a:latin typeface="Poppins Medium" panose="00000600000000000000" pitchFamily="2" charset="0"/>
+                <a:cs typeface="Poppins Medium" panose="00000600000000000000" pitchFamily="2" charset="0"/>
+              </a:rPr>
+              <a:t>Così come descritto  è descritto anche nelle linee guida del progetto è bene NON sottoscrivere PR al ramo master.</a:t>
+            </a:r>
+          </a:p>
+          <a:p>
+            <a:pPr marL="0" indent="0">
+              <a:buNone/>
+            </a:pPr>
+            <a:r>
+              <a:rPr lang="it-IT" sz="2400" dirty="0">
+                <a:latin typeface="Poppins Medium" panose="00000600000000000000" pitchFamily="2" charset="0"/>
+                <a:cs typeface="Poppins Medium" panose="00000600000000000000" pitchFamily="2" charset="0"/>
+              </a:rPr>
+              <a:t>È inoltre necessario superare i test in locale con «</a:t>
+            </a:r>
+            <a:r>
+              <a:rPr lang="it-IT" sz="2400" dirty="0" err="1">
+                <a:latin typeface="Poppins Medium" panose="00000600000000000000" pitchFamily="2" charset="0"/>
+                <a:cs typeface="Poppins Medium" panose="00000600000000000000" pitchFamily="2" charset="0"/>
+              </a:rPr>
+              <a:t>npm</a:t>
+            </a:r>
+            <a:r>
+              <a:rPr lang="it-IT" sz="2400" dirty="0">
+                <a:latin typeface="Poppins Medium" panose="00000600000000000000" pitchFamily="2" charset="0"/>
+                <a:cs typeface="Poppins Medium" panose="00000600000000000000" pitchFamily="2" charset="0"/>
+              </a:rPr>
+              <a:t> test» </a:t>
+            </a:r>
+            <a:r>
+              <a:rPr lang="it-IT" sz="2400" dirty="0" err="1">
+                <a:latin typeface="Poppins Medium" panose="00000600000000000000" pitchFamily="2" charset="0"/>
+                <a:cs typeface="Poppins Medium" panose="00000600000000000000" pitchFamily="2" charset="0"/>
+              </a:rPr>
+              <a:t>primadi</a:t>
+            </a:r>
+            <a:r>
+              <a:rPr lang="it-IT" sz="2400" dirty="0">
+                <a:latin typeface="Poppins Medium" panose="00000600000000000000" pitchFamily="2" charset="0"/>
+                <a:cs typeface="Poppins Medium" panose="00000600000000000000" pitchFamily="2" charset="0"/>
+              </a:rPr>
+              <a:t> fare la PR, dato che fallirebbe la build automatica di GitHub Actions.</a:t>
+            </a:r>
+          </a:p>
+          <a:p>
+            <a:pPr marL="0" indent="0">
+              <a:buFont typeface="Arial" panose="020B0604020202020204" pitchFamily="34" charset="0"/>
+              <a:buNone/>
+            </a:pPr>
+            <a:endParaRPr lang="it-IT" sz="2400" dirty="0">
+              <a:latin typeface="Poppins Medium" panose="00000600000000000000" pitchFamily="2" charset="0"/>
+              <a:cs typeface="Poppins Medium" panose="00000600000000000000" pitchFamily="2" charset="0"/>
+            </a:endParaRPr>
+          </a:p>
+          <a:p>
+            <a:pPr marL="0" indent="0">
+              <a:buFont typeface="Arial" panose="020B0604020202020204" pitchFamily="34" charset="0"/>
+              <a:buNone/>
+            </a:pPr>
+            <a:endParaRPr lang="it-IT" sz="2400" dirty="0">
+              <a:latin typeface="Poppins Medium" panose="00000600000000000000" pitchFamily="2" charset="0"/>
+              <a:cs typeface="Poppins Medium" panose="00000600000000000000" pitchFamily="2" charset="0"/>
+            </a:endParaRPr>
+          </a:p>
+          <a:p>
+            <a:pPr marL="0" indent="0">
+              <a:buFont typeface="Arial" panose="020B0604020202020204" pitchFamily="34" charset="0"/>
+              <a:buNone/>
+            </a:pPr>
+            <a:endParaRPr lang="it-IT" sz="2400" dirty="0">
+              <a:latin typeface="Poppins Medium" panose="00000600000000000000" pitchFamily="2" charset="0"/>
+              <a:cs typeface="Poppins Medium" panose="00000600000000000000" pitchFamily="2" charset="0"/>
+            </a:endParaRPr>
+          </a:p>
+          <a:p>
+            <a:pPr marL="0" indent="0">
+              <a:buFont typeface="Arial" panose="020B0604020202020204" pitchFamily="34" charset="0"/>
+              <a:buNone/>
+            </a:pPr>
+            <a:endParaRPr lang="it-IT" sz="2400" dirty="0">
+              <a:latin typeface="Poppins Medium" panose="00000600000000000000" pitchFamily="2" charset="0"/>
+              <a:cs typeface="Poppins Medium" panose="00000600000000000000" pitchFamily="2" charset="0"/>
+            </a:endParaRPr>
+          </a:p>
+          <a:p>
+            <a:pPr marL="0" indent="0">
+              <a:buFont typeface="Arial" panose="020B0604020202020204" pitchFamily="34" charset="0"/>
+              <a:buNone/>
+            </a:pPr>
+            <a:endParaRPr lang="it-IT" sz="2400" dirty="0">
+              <a:latin typeface="Poppins Medium" panose="00000600000000000000" pitchFamily="2" charset="0"/>
+              <a:cs typeface="Poppins Medium" panose="00000600000000000000" pitchFamily="2" charset="0"/>
+            </a:endParaRPr>
+          </a:p>
+          <a:p>
+            <a:pPr marL="0" indent="0">
+              <a:buFont typeface="Arial" panose="020B0604020202020204" pitchFamily="34" charset="0"/>
+              <a:buNone/>
+            </a:pPr>
+            <a:endParaRPr lang="it-IT" dirty="0">
+              <a:solidFill>
+                <a:schemeClr val="accent1">
+                  <a:lumMod val="75000"/>
+                </a:schemeClr>
+              </a:solidFill>
+            </a:endParaRPr>
+          </a:p>
+        </p:txBody>
+      </p:sp>
+    </p:spTree>
+    <p:extLst>
+      <p:ext uri="{BB962C8B-B14F-4D97-AF65-F5344CB8AC3E}">
+        <p14:creationId xmlns:p14="http://schemas.microsoft.com/office/powerpoint/2010/main" val="2994335031"/>
+      </p:ext>
+    </p:extLst>
+  </p:cSld>
+  <p:clrMapOvr>
+    <a:masterClrMapping/>
+  </p:clrMapOvr>
+</p:sld>
+</file>
+
+<file path=ppt/slides/slide15.xml><?xml version="1.0" encoding="utf-8"?>
+<p:sld xmlns:a="http://schemas.openxmlformats.org/drawingml/2006/main" xmlns:r="http://schemas.openxmlformats.org/officeDocument/2006/relationships" xmlns:p="http://schemas.openxmlformats.org/presentationml/2006/main">
+  <p:cSld>
+    <p:spTree>
+      <p:nvGrpSpPr>
+        <p:cNvPr id="1" name=""/>
+        <p:cNvGrpSpPr/>
+        <p:nvPr/>
+      </p:nvGrpSpPr>
+      <p:grpSpPr>
+        <a:xfrm>
+          <a:off x="0" y="0"/>
+          <a:ext cx="0" cy="0"/>
+          <a:chOff x="0" y="0"/>
+          <a:chExt cx="0" cy="0"/>
+        </a:xfrm>
+      </p:grpSpPr>
+      <p:sp>
+        <p:nvSpPr>
+          <p:cNvPr id="25" name="Segnaposto data 24">
+            <a:extLst>
+              <a:ext uri="{FF2B5EF4-FFF2-40B4-BE49-F238E27FC236}">
+                <a16:creationId xmlns:a16="http://schemas.microsoft.com/office/drawing/2014/main" id="{115DF917-AC48-486A-81F6-CF2DBBF5CD89}"/>
+              </a:ext>
+            </a:extLst>
+          </p:cNvPr>
+          <p:cNvSpPr>
+            <a:spLocks noGrp="1"/>
+          </p:cNvSpPr>
+          <p:nvPr>
+            <p:ph type="dt" sz="half" idx="10"/>
+          </p:nvPr>
+        </p:nvSpPr>
+        <p:spPr/>
+        <p:txBody>
+          <a:bodyPr/>
+          <a:lstStyle/>
+          <a:p>
+            <a:r>
+              <a:rPr lang="it-IT" sz="1600">
+                <a:solidFill>
+                  <a:schemeClr val="tx1"/>
+                </a:solidFill>
+                <a:latin typeface="Poppins Medium" panose="00000600000000000000" pitchFamily="2" charset="0"/>
+                <a:cs typeface="Poppins Medium" panose="00000600000000000000" pitchFamily="2" charset="0"/>
+              </a:rPr>
+              <a:t>31 Maggio 2022</a:t>
+            </a:r>
+            <a:endParaRPr lang="de-DE" sz="1600">
+              <a:solidFill>
+                <a:schemeClr val="tx1"/>
+              </a:solidFill>
+              <a:latin typeface="Poppins Medium" panose="00000600000000000000" pitchFamily="2" charset="0"/>
+              <a:cs typeface="Poppins Medium" panose="00000600000000000000" pitchFamily="2" charset="0"/>
+            </a:endParaRPr>
+          </a:p>
+        </p:txBody>
+      </p:sp>
+      <p:sp>
+        <p:nvSpPr>
+          <p:cNvPr id="27" name="Segnaposto numero diapositiva 26">
+            <a:extLst>
+              <a:ext uri="{FF2B5EF4-FFF2-40B4-BE49-F238E27FC236}">
+                <a16:creationId xmlns:a16="http://schemas.microsoft.com/office/drawing/2014/main" id="{F9C2EE25-215B-477C-AC6E-D2639B7A24B6}"/>
+              </a:ext>
+            </a:extLst>
+          </p:cNvPr>
+          <p:cNvSpPr>
+            <a:spLocks noGrp="1"/>
+          </p:cNvSpPr>
+          <p:nvPr>
+            <p:ph type="sldNum" sz="quarter" idx="12"/>
+          </p:nvPr>
+        </p:nvSpPr>
+        <p:spPr/>
+        <p:txBody>
+          <a:bodyPr/>
+          <a:lstStyle/>
+          <a:p>
+            <a:fld id="{66CD45B7-DFE2-4393-8D37-380FC36BF3AA}" type="slidenum">
+              <a:rPr lang="de-DE" sz="1600" smtClean="0">
+                <a:solidFill>
+                  <a:schemeClr val="tx1"/>
+                </a:solidFill>
+                <a:latin typeface="Poppins Medium" panose="00000600000000000000" pitchFamily="2" charset="0"/>
+                <a:cs typeface="Poppins Medium" panose="00000600000000000000" pitchFamily="2" charset="0"/>
+              </a:rPr>
+              <a:t>15</a:t>
+            </a:fld>
+            <a:r>
+              <a:rPr lang="de-DE" sz="1600">
+                <a:solidFill>
+                  <a:schemeClr val="tx1"/>
+                </a:solidFill>
+                <a:latin typeface="Poppins Medium" panose="00000600000000000000" pitchFamily="2" charset="0"/>
+                <a:cs typeface="Poppins Medium" panose="00000600000000000000" pitchFamily="2" charset="0"/>
+              </a:rPr>
+              <a:t>/16</a:t>
+            </a:r>
+          </a:p>
+        </p:txBody>
+      </p:sp>
+      <p:sp>
+        <p:nvSpPr>
+          <p:cNvPr id="12" name="Rettangolo 11">
+            <a:extLst>
+              <a:ext uri="{FF2B5EF4-FFF2-40B4-BE49-F238E27FC236}">
+                <a16:creationId xmlns:a16="http://schemas.microsoft.com/office/drawing/2014/main" id="{F0FAD030-2623-A89C-4FA1-55CE81C0AE08}"/>
+              </a:ext>
+            </a:extLst>
+          </p:cNvPr>
+          <p:cNvSpPr/>
+          <p:nvPr/>
+        </p:nvSpPr>
+        <p:spPr>
+          <a:xfrm>
+            <a:off x="0" y="0"/>
+            <a:ext cx="12184913" cy="1034891"/>
+          </a:xfrm>
+          <a:prstGeom prst="rect">
+            <a:avLst/>
+          </a:prstGeom>
+          <a:solidFill>
+            <a:srgbClr val="002060"/>
+          </a:solidFill>
+          <a:ln>
+            <a:noFill/>
+          </a:ln>
+        </p:spPr>
+        <p:style>
+          <a:lnRef idx="2">
+            <a:schemeClr val="accent3">
+              <a:shade val="50000"/>
+            </a:schemeClr>
+          </a:lnRef>
+          <a:fillRef idx="1">
+            <a:schemeClr val="accent3"/>
+          </a:fillRef>
+          <a:effectRef idx="0">
+            <a:schemeClr val="accent3"/>
+          </a:effectRef>
+          <a:fontRef idx="minor">
+            <a:schemeClr val="lt1"/>
+          </a:fontRef>
+        </p:style>
+        <p:txBody>
+          <a:bodyPr rtlCol="0" anchor="ctr"/>
+          <a:lstStyle/>
+          <a:p>
+            <a:pPr algn="ctr"/>
+            <a:endParaRPr lang="it-IT"/>
+          </a:p>
+        </p:txBody>
+      </p:sp>
+      <p:sp>
+        <p:nvSpPr>
+          <p:cNvPr id="13" name="Titolo 1">
+            <a:extLst>
+              <a:ext uri="{FF2B5EF4-FFF2-40B4-BE49-F238E27FC236}">
+                <a16:creationId xmlns:a16="http://schemas.microsoft.com/office/drawing/2014/main" id="{A0F14F07-00BE-A130-44A5-463A5F98673C}"/>
+              </a:ext>
+            </a:extLst>
+          </p:cNvPr>
+          <p:cNvSpPr>
+            <a:spLocks noGrp="1"/>
+          </p:cNvSpPr>
+          <p:nvPr>
+            <p:ph type="title"/>
+          </p:nvPr>
+        </p:nvSpPr>
+        <p:spPr>
+          <a:xfrm>
+            <a:off x="272535" y="163591"/>
+            <a:ext cx="10176803" cy="707708"/>
+          </a:xfrm>
+        </p:spPr>
+        <p:txBody>
+          <a:bodyPr anchor="b">
+            <a:normAutofit/>
+          </a:bodyPr>
+          <a:lstStyle/>
+          <a:p>
+            <a:r>
+              <a:rPr lang="it-IT" sz="4000" b="1" dirty="0">
+                <a:solidFill>
+                  <a:schemeClr val="bg1"/>
+                </a:solidFill>
+                <a:effectLst>
+                  <a:outerShdw blurRad="38100" dist="38100" dir="2700000" algn="tl">
+                    <a:srgbClr val="000000">
+                      <a:alpha val="43137"/>
+                    </a:srgbClr>
+                  </a:outerShdw>
+                </a:effectLst>
+                <a:latin typeface="Poppins"/>
+                <a:cs typeface="Poppins"/>
+              </a:rPr>
+              <a:t>Steps per contribuire al progetto</a:t>
+            </a:r>
+          </a:p>
+        </p:txBody>
+      </p:sp>
+      <p:sp>
+        <p:nvSpPr>
+          <p:cNvPr id="8" name="Segnaposto contenuto 6">
+            <a:extLst>
+              <a:ext uri="{FF2B5EF4-FFF2-40B4-BE49-F238E27FC236}">
+                <a16:creationId xmlns:a16="http://schemas.microsoft.com/office/drawing/2014/main" id="{F832EED3-9182-E3BD-D2D5-1723AFD8A0BD}"/>
+              </a:ext>
+            </a:extLst>
+          </p:cNvPr>
+          <p:cNvSpPr txBox="1">
+            <a:spLocks/>
+          </p:cNvSpPr>
+          <p:nvPr/>
+        </p:nvSpPr>
+        <p:spPr>
+          <a:xfrm>
+            <a:off x="834656" y="2005012"/>
+            <a:ext cx="10515600" cy="4351338"/>
+          </a:xfrm>
+          <a:prstGeom prst="rect">
+            <a:avLst/>
+          </a:prstGeom>
+        </p:spPr>
+        <p:txBody>
+          <a:bodyPr vert="horz" lIns="91440" tIns="45720" rIns="91440" bIns="45720" rtlCol="0">
+            <a:normAutofit/>
+          </a:bodyPr>
+          <a:lstStyle>
+            <a:lvl1pPr marL="228600" indent="-228600" algn="l" defTabSz="914400" rtl="0" eaLnBrk="1" latinLnBrk="0" hangingPunct="1">
+              <a:lnSpc>
+                <a:spcPct val="90000"/>
+              </a:lnSpc>
+              <a:spcBef>
+                <a:spcPts val="1000"/>
+              </a:spcBef>
+              <a:buFont typeface="Arial" panose="020B0604020202020204" pitchFamily="34" charset="0"/>
+              <a:buChar char="•"/>
+              <a:defRPr sz="2800" kern="1200">
+                <a:solidFill>
+                  <a:schemeClr val="tx1"/>
+                </a:solidFill>
+                <a:latin typeface="+mn-lt"/>
+                <a:ea typeface="+mn-ea"/>
+                <a:cs typeface="+mn-cs"/>
+              </a:defRPr>
+            </a:lvl1pPr>
+            <a:lvl2pPr marL="685800" indent="-228600" algn="l" defTabSz="914400" rtl="0" eaLnBrk="1" latinLnBrk="0" hangingPunct="1">
+              <a:lnSpc>
+                <a:spcPct val="90000"/>
+              </a:lnSpc>
+              <a:spcBef>
+                <a:spcPts val="500"/>
+              </a:spcBef>
+              <a:buFont typeface="Arial" panose="020B0604020202020204" pitchFamily="34" charset="0"/>
+              <a:buChar char="•"/>
+              <a:defRPr sz="2400" kern="1200">
+                <a:solidFill>
+                  <a:schemeClr val="tx1"/>
+                </a:solidFill>
+                <a:latin typeface="+mn-lt"/>
+                <a:ea typeface="+mn-ea"/>
+                <a:cs typeface="+mn-cs"/>
+              </a:defRPr>
+            </a:lvl2pPr>
+            <a:lvl3pPr marL="1143000" indent="-228600" algn="l" defTabSz="914400" rtl="0" eaLnBrk="1" latinLnBrk="0" hangingPunct="1">
+              <a:lnSpc>
+                <a:spcPct val="90000"/>
+              </a:lnSpc>
+              <a:spcBef>
+                <a:spcPts val="500"/>
+              </a:spcBef>
+              <a:buFont typeface="Arial" panose="020B0604020202020204" pitchFamily="34" charset="0"/>
+              <a:buChar char="•"/>
+              <a:defRPr sz="2000" kern="1200">
+                <a:solidFill>
+                  <a:schemeClr val="tx1"/>
+                </a:solidFill>
+                <a:latin typeface="+mn-lt"/>
+                <a:ea typeface="+mn-ea"/>
+                <a:cs typeface="+mn-cs"/>
+              </a:defRPr>
+            </a:lvl3pPr>
+            <a:lvl4pPr marL="1600200" indent="-228600" algn="l" defTabSz="914400" rtl="0" eaLnBrk="1" latinLnBrk="0" hangingPunct="1">
+              <a:lnSpc>
+                <a:spcPct val="90000"/>
+              </a:lnSpc>
+              <a:spcBef>
+                <a:spcPts val="500"/>
+              </a:spcBef>
+              <a:buFont typeface="Arial" panose="020B0604020202020204" pitchFamily="34" charset="0"/>
+              <a:buChar char="•"/>
+              <a:defRPr sz="1800" kern="1200">
+                <a:solidFill>
+                  <a:schemeClr val="tx1"/>
+                </a:solidFill>
+                <a:latin typeface="+mn-lt"/>
+                <a:ea typeface="+mn-ea"/>
+                <a:cs typeface="+mn-cs"/>
+              </a:defRPr>
+            </a:lvl4pPr>
+            <a:lvl5pPr marL="2057400" indent="-228600" algn="l" defTabSz="914400" rtl="0" eaLnBrk="1" latinLnBrk="0" hangingPunct="1">
+              <a:lnSpc>
+                <a:spcPct val="90000"/>
+              </a:lnSpc>
+              <a:spcBef>
+                <a:spcPts val="500"/>
+              </a:spcBef>
+              <a:buFont typeface="Arial" panose="020B0604020202020204" pitchFamily="34" charset="0"/>
+              <a:buChar char="•"/>
+              <a:defRPr sz="1800" kern="1200">
+                <a:solidFill>
+                  <a:schemeClr val="tx1"/>
+                </a:solidFill>
+                <a:latin typeface="+mn-lt"/>
+                <a:ea typeface="+mn-ea"/>
+                <a:cs typeface="+mn-cs"/>
+              </a:defRPr>
+            </a:lvl5pPr>
+            <a:lvl6pPr marL="2514600" indent="-228600" algn="l" defTabSz="914400" rtl="0" eaLnBrk="1" latinLnBrk="0" hangingPunct="1">
+              <a:lnSpc>
+                <a:spcPct val="90000"/>
+              </a:lnSpc>
+              <a:spcBef>
+                <a:spcPts val="500"/>
+              </a:spcBef>
+              <a:buFont typeface="Arial" panose="020B0604020202020204" pitchFamily="34" charset="0"/>
+              <a:buChar char="•"/>
+              <a:defRPr sz="1800" kern="1200">
+                <a:solidFill>
+                  <a:schemeClr val="tx1"/>
+                </a:solidFill>
+                <a:latin typeface="+mn-lt"/>
+                <a:ea typeface="+mn-ea"/>
+                <a:cs typeface="+mn-cs"/>
+              </a:defRPr>
+            </a:lvl6pPr>
+            <a:lvl7pPr marL="2971800" indent="-228600" algn="l" defTabSz="914400" rtl="0" eaLnBrk="1" latinLnBrk="0" hangingPunct="1">
+              <a:lnSpc>
+                <a:spcPct val="90000"/>
+              </a:lnSpc>
+              <a:spcBef>
+                <a:spcPts val="500"/>
+              </a:spcBef>
+              <a:buFont typeface="Arial" panose="020B0604020202020204" pitchFamily="34" charset="0"/>
+              <a:buChar char="•"/>
+              <a:defRPr sz="1800" kern="1200">
+                <a:solidFill>
+                  <a:schemeClr val="tx1"/>
+                </a:solidFill>
+                <a:latin typeface="+mn-lt"/>
+                <a:ea typeface="+mn-ea"/>
+                <a:cs typeface="+mn-cs"/>
+              </a:defRPr>
+            </a:lvl7pPr>
+            <a:lvl8pPr marL="3429000" indent="-228600" algn="l" defTabSz="914400" rtl="0" eaLnBrk="1" latinLnBrk="0" hangingPunct="1">
+              <a:lnSpc>
+                <a:spcPct val="90000"/>
+              </a:lnSpc>
+              <a:spcBef>
+                <a:spcPts val="500"/>
+              </a:spcBef>
+              <a:buFont typeface="Arial" panose="020B0604020202020204" pitchFamily="34" charset="0"/>
+              <a:buChar char="•"/>
+              <a:defRPr sz="1800" kern="1200">
+                <a:solidFill>
+                  <a:schemeClr val="tx1"/>
+                </a:solidFill>
+                <a:latin typeface="+mn-lt"/>
+                <a:ea typeface="+mn-ea"/>
+                <a:cs typeface="+mn-cs"/>
+              </a:defRPr>
+            </a:lvl8pPr>
+            <a:lvl9pPr marL="3886200" indent="-228600" algn="l" defTabSz="914400" rtl="0" eaLnBrk="1" latinLnBrk="0" hangingPunct="1">
+              <a:lnSpc>
+                <a:spcPct val="90000"/>
+              </a:lnSpc>
+              <a:spcBef>
+                <a:spcPts val="500"/>
+              </a:spcBef>
+              <a:buFont typeface="Arial" panose="020B0604020202020204" pitchFamily="34" charset="0"/>
+              <a:buChar char="•"/>
+              <a:defRPr sz="1800" kern="1200">
+                <a:solidFill>
+                  <a:schemeClr val="tx1"/>
+                </a:solidFill>
+                <a:latin typeface="+mn-lt"/>
+                <a:ea typeface="+mn-ea"/>
+                <a:cs typeface="+mn-cs"/>
+              </a:defRPr>
+            </a:lvl9pPr>
+          </a:lstStyle>
+          <a:p>
+            <a:pPr marL="457200" indent="-457200">
+              <a:buFont typeface="+mj-lt"/>
+              <a:buAutoNum type="arabicPeriod"/>
+            </a:pPr>
+            <a:r>
+              <a:rPr lang="it-IT" sz="2400" dirty="0">
+                <a:latin typeface="Poppins Medium" panose="00000600000000000000" pitchFamily="2" charset="0"/>
+                <a:cs typeface="Poppins Medium" panose="00000600000000000000" pitchFamily="2" charset="0"/>
+              </a:rPr>
+              <a:t>Leggere le linee guida del progetto</a:t>
+            </a:r>
+          </a:p>
+          <a:p>
+            <a:pPr marL="457200" indent="-457200">
+              <a:buFont typeface="+mj-lt"/>
+              <a:buAutoNum type="arabicPeriod"/>
+            </a:pPr>
+            <a:r>
+              <a:rPr lang="it-IT" sz="2400" dirty="0">
+                <a:latin typeface="Poppins Medium" panose="00000600000000000000" pitchFamily="2" charset="0"/>
+                <a:cs typeface="Poppins Medium" panose="00000600000000000000" pitchFamily="2" charset="0"/>
+              </a:rPr>
+              <a:t>Aprire una </a:t>
+            </a:r>
+            <a:r>
+              <a:rPr lang="it-IT" sz="2400" dirty="0" err="1">
+                <a:latin typeface="Poppins Medium" panose="00000600000000000000" pitchFamily="2" charset="0"/>
+                <a:cs typeface="Poppins Medium" panose="00000600000000000000" pitchFamily="2" charset="0"/>
+              </a:rPr>
+              <a:t>issue</a:t>
+            </a:r>
+            <a:r>
+              <a:rPr lang="it-IT" sz="2400" dirty="0">
+                <a:latin typeface="Poppins Medium" panose="00000600000000000000" pitchFamily="2" charset="0"/>
+                <a:cs typeface="Poppins Medium" panose="00000600000000000000" pitchFamily="2" charset="0"/>
+              </a:rPr>
+              <a:t> ed aspettare la conferma</a:t>
+            </a:r>
+          </a:p>
+          <a:p>
+            <a:pPr marL="457200" indent="-457200">
+              <a:buFont typeface="+mj-lt"/>
+              <a:buAutoNum type="arabicPeriod"/>
+            </a:pPr>
+            <a:r>
+              <a:rPr lang="it-IT" sz="2400" dirty="0" err="1">
+                <a:latin typeface="Poppins Medium" panose="00000600000000000000" pitchFamily="2" charset="0"/>
+                <a:cs typeface="Poppins Medium" panose="00000600000000000000" pitchFamily="2" charset="0"/>
+              </a:rPr>
+              <a:t>Forkare</a:t>
+            </a:r>
+            <a:r>
+              <a:rPr lang="it-IT" sz="2400" dirty="0">
+                <a:latin typeface="Poppins Medium" panose="00000600000000000000" pitchFamily="2" charset="0"/>
+                <a:cs typeface="Poppins Medium" panose="00000600000000000000" pitchFamily="2" charset="0"/>
+              </a:rPr>
+              <a:t> la repository</a:t>
+            </a:r>
+          </a:p>
+          <a:p>
+            <a:pPr marL="457200" indent="-457200">
+              <a:buFont typeface="+mj-lt"/>
+              <a:buAutoNum type="arabicPeriod"/>
+            </a:pPr>
+            <a:r>
+              <a:rPr lang="it-IT" sz="2400" dirty="0">
+                <a:latin typeface="Poppins Medium" panose="00000600000000000000" pitchFamily="2" charset="0"/>
+                <a:cs typeface="Poppins Medium" panose="00000600000000000000" pitchFamily="2" charset="0"/>
+              </a:rPr>
+              <a:t>Effettuare le modifiche (</a:t>
+            </a:r>
+            <a:r>
+              <a:rPr lang="it-IT" sz="2400" dirty="0" err="1">
+                <a:latin typeface="Poppins Medium" panose="00000600000000000000" pitchFamily="2" charset="0"/>
+                <a:cs typeface="Poppins Medium" panose="00000600000000000000" pitchFamily="2" charset="0"/>
+              </a:rPr>
+              <a:t>bugfix</a:t>
+            </a:r>
+            <a:r>
+              <a:rPr lang="it-IT" sz="2400" dirty="0">
+                <a:latin typeface="Poppins Medium" panose="00000600000000000000" pitchFamily="2" charset="0"/>
+                <a:cs typeface="Poppins Medium" panose="00000600000000000000" pitchFamily="2" charset="0"/>
+              </a:rPr>
+              <a:t> o feature)</a:t>
+            </a:r>
+          </a:p>
+          <a:p>
+            <a:pPr marL="457200" indent="-457200">
+              <a:buFont typeface="+mj-lt"/>
+              <a:buAutoNum type="arabicPeriod"/>
+            </a:pPr>
+            <a:r>
+              <a:rPr lang="it-IT" sz="2400" dirty="0">
+                <a:latin typeface="Poppins Medium" panose="00000600000000000000" pitchFamily="2" charset="0"/>
+                <a:cs typeface="Poppins Medium" panose="00000600000000000000" pitchFamily="2" charset="0"/>
+              </a:rPr>
+              <a:t>Superare i test localmente</a:t>
+            </a:r>
+          </a:p>
+          <a:p>
+            <a:pPr marL="457200" indent="-457200">
+              <a:buFont typeface="+mj-lt"/>
+              <a:buAutoNum type="arabicPeriod"/>
+            </a:pPr>
+            <a:r>
+              <a:rPr lang="it-IT" sz="2400" dirty="0">
+                <a:latin typeface="Poppins Medium" panose="00000600000000000000" pitchFamily="2" charset="0"/>
+                <a:cs typeface="Poppins Medium" panose="00000600000000000000" pitchFamily="2" charset="0"/>
+              </a:rPr>
+              <a:t>Creare una pull </a:t>
+            </a:r>
+            <a:r>
+              <a:rPr lang="it-IT" sz="2400" dirty="0" err="1">
+                <a:latin typeface="Poppins Medium" panose="00000600000000000000" pitchFamily="2" charset="0"/>
+                <a:cs typeface="Poppins Medium" panose="00000600000000000000" pitchFamily="2" charset="0"/>
+              </a:rPr>
+              <a:t>request</a:t>
+            </a:r>
+            <a:r>
+              <a:rPr lang="it-IT" sz="2400" dirty="0">
+                <a:latin typeface="Poppins Medium" panose="00000600000000000000" pitchFamily="2" charset="0"/>
+                <a:cs typeface="Poppins Medium" panose="00000600000000000000" pitchFamily="2" charset="0"/>
+              </a:rPr>
+              <a:t> </a:t>
+            </a:r>
+          </a:p>
+          <a:p>
+            <a:pPr marL="457200" indent="-457200">
+              <a:buFont typeface="+mj-lt"/>
+              <a:buAutoNum type="arabicPeriod"/>
+            </a:pPr>
+            <a:r>
+              <a:rPr lang="it-IT" sz="2400" dirty="0">
+                <a:latin typeface="Poppins Medium" panose="00000600000000000000" pitchFamily="2" charset="0"/>
+                <a:cs typeface="Poppins Medium" panose="00000600000000000000" pitchFamily="2" charset="0"/>
+              </a:rPr>
+              <a:t>Aspettare l’approvazione degli amministratori per il merge</a:t>
+            </a:r>
+          </a:p>
+          <a:p>
+            <a:pPr marL="0" indent="0">
+              <a:buFont typeface="Arial" panose="020B0604020202020204" pitchFamily="34" charset="0"/>
+              <a:buNone/>
+            </a:pPr>
+            <a:endParaRPr lang="it-IT" sz="2400" dirty="0">
+              <a:latin typeface="Poppins Medium" panose="00000600000000000000" pitchFamily="2" charset="0"/>
+              <a:cs typeface="Poppins Medium" panose="00000600000000000000" pitchFamily="2" charset="0"/>
+            </a:endParaRPr>
+          </a:p>
+          <a:p>
+            <a:pPr marL="0" indent="0">
+              <a:buFont typeface="Arial" panose="020B0604020202020204" pitchFamily="34" charset="0"/>
+              <a:buNone/>
+            </a:pPr>
+            <a:endParaRPr lang="it-IT" sz="2400" dirty="0">
+              <a:latin typeface="Poppins Medium" panose="00000600000000000000" pitchFamily="2" charset="0"/>
+              <a:cs typeface="Poppins Medium" panose="00000600000000000000" pitchFamily="2" charset="0"/>
+            </a:endParaRPr>
+          </a:p>
+          <a:p>
+            <a:pPr marL="0" indent="0">
+              <a:buFont typeface="Arial" panose="020B0604020202020204" pitchFamily="34" charset="0"/>
+              <a:buNone/>
+            </a:pPr>
+            <a:endParaRPr lang="it-IT" sz="2400" dirty="0">
+              <a:latin typeface="Poppins Medium" panose="00000600000000000000" pitchFamily="2" charset="0"/>
+              <a:cs typeface="Poppins Medium" panose="00000600000000000000" pitchFamily="2" charset="0"/>
+            </a:endParaRPr>
+          </a:p>
+          <a:p>
+            <a:pPr marL="0" indent="0">
+              <a:buFont typeface="Arial" panose="020B0604020202020204" pitchFamily="34" charset="0"/>
+              <a:buNone/>
+            </a:pPr>
+            <a:endParaRPr lang="it-IT" dirty="0">
+              <a:solidFill>
+                <a:schemeClr val="accent1">
+                  <a:lumMod val="75000"/>
+                </a:schemeClr>
+              </a:solidFill>
+            </a:endParaRPr>
+          </a:p>
+        </p:txBody>
+      </p:sp>
+      <p:pic>
+        <p:nvPicPr>
+          <p:cNvPr id="3" name="Elemento grafico 2" descr="Programmatore (maschile) con riempimento a tinta unita">
+            <a:extLst>
+              <a:ext uri="{FF2B5EF4-FFF2-40B4-BE49-F238E27FC236}">
+                <a16:creationId xmlns:a16="http://schemas.microsoft.com/office/drawing/2014/main" id="{2523D90E-AE1D-D364-30AB-89BC5463B080}"/>
+              </a:ext>
+            </a:extLst>
+          </p:cNvPr>
+          <p:cNvPicPr>
+            <a:picLocks noChangeAspect="1"/>
+          </p:cNvPicPr>
+          <p:nvPr/>
+        </p:nvPicPr>
+        <p:blipFill>
+          <a:blip r:embed="rId3">
+            <a:extLst>
+              <a:ext uri="{28A0092B-C50C-407E-A947-70E740481C1C}">
+                <a14:useLocalDpi xmlns:a14="http://schemas.microsoft.com/office/drawing/2010/main" val="0"/>
+              </a:ext>
+              <a:ext uri="{96DAC541-7B7A-43D3-8B79-37D633B846F1}">
+                <asvg:svgBlip xmlns:asvg="http://schemas.microsoft.com/office/drawing/2016/SVG/main" r:embed="rId4"/>
+              </a:ext>
+            </a:extLst>
+          </a:blip>
+          <a:stretch>
+            <a:fillRect/>
+          </a:stretch>
+        </p:blipFill>
+        <p:spPr>
+          <a:xfrm>
+            <a:off x="8610600" y="2127410"/>
+            <a:ext cx="2053271" cy="2053271"/>
+          </a:xfrm>
+          <a:prstGeom prst="rect">
+            <a:avLst/>
+          </a:prstGeom>
+        </p:spPr>
+      </p:pic>
+    </p:spTree>
+    <p:extLst>
+      <p:ext uri="{BB962C8B-B14F-4D97-AF65-F5344CB8AC3E}">
+        <p14:creationId xmlns:p14="http://schemas.microsoft.com/office/powerpoint/2010/main" val="2383752845"/>
+      </p:ext>
+    </p:extLst>
+  </p:cSld>
+  <p:clrMapOvr>
+    <a:masterClrMapping/>
+  </p:clrMapOvr>
+</p:sld>
+</file>
+
+<file path=ppt/slides/slide16.xml><?xml version="1.0" encoding="utf-8"?>
+<p:sld xmlns:a="http://schemas.openxmlformats.org/drawingml/2006/main" xmlns:r="http://schemas.openxmlformats.org/officeDocument/2006/relationships" xmlns:p="http://schemas.openxmlformats.org/presentationml/2006/main">
+  <p:cSld>
+    <p:spTree>
+      <p:nvGrpSpPr>
+        <p:cNvPr id="1" name=""/>
+        <p:cNvGrpSpPr/>
+        <p:nvPr/>
+      </p:nvGrpSpPr>
+      <p:grpSpPr>
+        <a:xfrm>
+          <a:off x="0" y="0"/>
+          <a:ext cx="0" cy="0"/>
+          <a:chOff x="0" y="0"/>
+          <a:chExt cx="0" cy="0"/>
+        </a:xfrm>
+      </p:grpSpPr>
+      <p:sp>
+        <p:nvSpPr>
           <p:cNvPr id="9" name="Rettangolo 8">
             <a:extLst>
               <a:ext uri="{FF2B5EF4-FFF2-40B4-BE49-F238E27FC236}">
@@ -6572,7 +8888,7 @@
                 <a:cs typeface="Poppins Medium" panose="00000600000000000000" pitchFamily="2" charset="0"/>
               </a:rPr>
               <a:pPr/>
-              <a:t>13</a:t>
+              <a:t>16</a:t>
             </a:fld>
             <a:r>
               <a:rPr lang="de-DE" sz="1600">
@@ -6646,7 +8962,7 @@
 </p:sld>
 </file>
 
-<file path=ppt/slides/slide14.xml><?xml version="1.0" encoding="utf-8"?>
+<file path=ppt/slides/slide17.xml><?xml version="1.0" encoding="utf-8"?>
 <p:sld xmlns:a="http://schemas.openxmlformats.org/drawingml/2006/main" xmlns:r="http://schemas.openxmlformats.org/officeDocument/2006/relationships" xmlns:p="http://schemas.openxmlformats.org/presentationml/2006/main">
   <p:cSld>
     <p:spTree>
@@ -6880,7 +9196,7 @@
                 <a:cs typeface="Poppins Medium" panose="00000600000000000000" pitchFamily="2" charset="0"/>
               </a:rPr>
               <a:pPr/>
-              <a:t>14</a:t>
+              <a:t>17</a:t>
             </a:fld>
             <a:r>
               <a:rPr lang="de-DE" sz="1600">
@@ -6954,7 +9270,7 @@
 </p:sld>
 </file>
 
-<file path=ppt/slides/slide15.xml><?xml version="1.0" encoding="utf-8"?>
+<file path=ppt/slides/slide18.xml><?xml version="1.0" encoding="utf-8"?>
 <p:sld xmlns:a="http://schemas.openxmlformats.org/drawingml/2006/main" xmlns:r="http://schemas.openxmlformats.org/officeDocument/2006/relationships" xmlns:p="http://schemas.openxmlformats.org/presentationml/2006/main">
   <p:cSld>
     <p:spTree>
@@ -7188,7 +9504,7 @@
                 <a:cs typeface="Poppins Medium" panose="00000600000000000000" pitchFamily="2" charset="0"/>
               </a:rPr>
               <a:pPr/>
-              <a:t>15</a:t>
+              <a:t>18</a:t>
             </a:fld>
             <a:r>
               <a:rPr lang="de-DE" sz="1600">
@@ -7262,7 +9578,7 @@
 </p:sld>
 </file>
 
-<file path=ppt/slides/slide16.xml><?xml version="1.0" encoding="utf-8"?>
+<file path=ppt/slides/slide19.xml><?xml version="1.0" encoding="utf-8"?>
 <p:sld xmlns:a="http://schemas.openxmlformats.org/drawingml/2006/main" xmlns:r="http://schemas.openxmlformats.org/officeDocument/2006/relationships" xmlns:p="http://schemas.openxmlformats.org/presentationml/2006/main">
   <p:cSld>
     <p:spTree>
@@ -7496,7 +9812,7 @@
                 <a:cs typeface="Poppins Medium" panose="00000600000000000000" pitchFamily="2" charset="0"/>
               </a:rPr>
               <a:pPr/>
-              <a:t>16</a:t>
+              <a:t>19</a:t>
             </a:fld>
             <a:r>
               <a:rPr lang="de-DE" sz="1600">
@@ -7570,7 +9886,7 @@
 </p:sld>
 </file>
 
-<file path=ppt/slides/slide17.xml><?xml version="1.0" encoding="utf-8"?>
+<file path=ppt/slides/slide2.xml><?xml version="1.0" encoding="utf-8"?>
 <p:sld xmlns:a="http://schemas.openxmlformats.org/drawingml/2006/main" xmlns:r="http://schemas.openxmlformats.org/officeDocument/2006/relationships" xmlns:p="http://schemas.openxmlformats.org/presentationml/2006/main">
   <p:cSld>
     <p:spTree>
@@ -7657,7 +9973,7 @@
         </p:nvSpPr>
         <p:spPr>
           <a:xfrm>
-            <a:off x="838200" y="2236440"/>
+            <a:off x="783101" y="1712434"/>
             <a:ext cx="10515600" cy="2384079"/>
           </a:xfrm>
           <a:ln>
@@ -7681,7 +9997,7 @@
                 <a:cs typeface="Poppins Medium"/>
               </a:rPr>
             </a:br>
-            <a:r>
+            <a:br>
               <a:rPr lang="it-IT" sz="5300" b="1" dirty="0">
                 <a:solidFill>
                   <a:schemeClr val="bg1"/>
@@ -7690,9 +10006,8 @@
                 <a:ea typeface="Calibri Light"/>
                 <a:cs typeface="Poppins Medium"/>
               </a:rPr>
-              <a:t>CONFIGURATION </a:t>
-            </a:r>
-            <a:br>
+            </a:br>
+            <a:r>
               <a:rPr lang="it-IT" sz="5300" b="1" dirty="0">
                 <a:solidFill>
                   <a:schemeClr val="bg1"/>
@@ -7701,8 +10016,9 @@
                 <a:ea typeface="Calibri Light"/>
                 <a:cs typeface="Poppins Medium"/>
               </a:rPr>
-            </a:br>
-            <a:r>
+              <a:t>ISSUE TRACKING </a:t>
+            </a:r>
+            <a:br>
               <a:rPr lang="it-IT" sz="5300" b="1" dirty="0">
                 <a:solidFill>
                   <a:schemeClr val="bg1"/>
@@ -7711,8 +10027,25 @@
                 <a:ea typeface="Calibri Light"/>
                 <a:cs typeface="Poppins Medium"/>
               </a:rPr>
-              <a:t>MANAGEMENT TOOLS</a:t>
-            </a:r>
+            </a:br>
+            <a:r>
+              <a:rPr lang="it-IT" sz="5300" b="1" dirty="0">
+                <a:solidFill>
+                  <a:schemeClr val="bg1"/>
+                </a:solidFill>
+                <a:latin typeface="Poppins Medium"/>
+                <a:ea typeface="Calibri Light"/>
+                <a:cs typeface="Poppins Medium"/>
+              </a:rPr>
+              <a:t>SYSTEM</a:t>
+            </a:r>
+            <a:br>
+              <a:rPr lang="it-IT" sz="5300" b="1" dirty="0">
+                <a:latin typeface="Poppins Medium" panose="00000600000000000000" pitchFamily="2" charset="0"/>
+                <a:ea typeface="Calibri Light"/>
+                <a:cs typeface="Poppins Medium" panose="00000600000000000000" pitchFamily="2" charset="0"/>
+              </a:rPr>
+            </a:br>
             <a:br>
               <a:rPr lang="it-IT" b="1" dirty="0">
                 <a:latin typeface="Poppins Medium"/>
@@ -7825,7 +10158,372 @@
                 <a:cs typeface="Poppins Medium" panose="00000600000000000000" pitchFamily="2" charset="0"/>
               </a:rPr>
               <a:pPr/>
-              <a:t>17</a:t>
+              <a:t>2</a:t>
+            </a:fld>
+            <a:r>
+              <a:rPr lang="de-DE" sz="1600">
+                <a:solidFill>
+                  <a:schemeClr val="bg1"/>
+                </a:solidFill>
+                <a:effectLst>
+                  <a:outerShdw blurRad="38100" dist="38100" dir="2700000" algn="tl">
+                    <a:srgbClr val="000000">
+                      <a:alpha val="43137"/>
+                    </a:srgbClr>
+                  </a:outerShdw>
+                </a:effectLst>
+                <a:latin typeface="Poppins Medium" panose="00000600000000000000" pitchFamily="2" charset="0"/>
+                <a:cs typeface="Poppins Medium" panose="00000600000000000000" pitchFamily="2" charset="0"/>
+              </a:rPr>
+              <a:t>/16</a:t>
+            </a:r>
+          </a:p>
+        </p:txBody>
+      </p:sp>
+      <p:pic>
+        <p:nvPicPr>
+          <p:cNvPr id="5" name="Elemento grafico 4" descr="Strada con due vie con un sentiero con riempimento a tinta unita">
+            <a:extLst>
+              <a:ext uri="{FF2B5EF4-FFF2-40B4-BE49-F238E27FC236}">
+                <a16:creationId xmlns:a16="http://schemas.microsoft.com/office/drawing/2014/main" id="{83302C6D-8160-0A2F-BFE3-1CE49310B7D5}"/>
+              </a:ext>
+            </a:extLst>
+          </p:cNvPr>
+          <p:cNvPicPr>
+            <a:picLocks noChangeAspect="1"/>
+          </p:cNvPicPr>
+          <p:nvPr/>
+        </p:nvPicPr>
+        <p:blipFill>
+          <a:blip r:embed="rId2">
+            <a:extLst>
+              <a:ext uri="{28A0092B-C50C-407E-A947-70E740481C1C}">
+                <a14:useLocalDpi xmlns:a14="http://schemas.microsoft.com/office/drawing/2010/main" val="0"/>
+              </a:ext>
+              <a:ext uri="{96DAC541-7B7A-43D3-8B79-37D633B846F1}">
+                <asvg:svgBlip xmlns:asvg="http://schemas.microsoft.com/office/drawing/2016/SVG/main" r:embed="rId3"/>
+              </a:ext>
+            </a:extLst>
+          </a:blip>
+          <a:stretch>
+            <a:fillRect/>
+          </a:stretch>
+        </p:blipFill>
+        <p:spPr>
+          <a:xfrm>
+            <a:off x="10017732" y="500609"/>
+            <a:ext cx="1336068" cy="1336068"/>
+          </a:xfrm>
+          <a:prstGeom prst="rect">
+            <a:avLst/>
+          </a:prstGeom>
+        </p:spPr>
+      </p:pic>
+      <p:pic>
+        <p:nvPicPr>
+          <p:cNvPr id="7" name="Immagine 6">
+            <a:extLst>
+              <a:ext uri="{FF2B5EF4-FFF2-40B4-BE49-F238E27FC236}">
+                <a16:creationId xmlns:a16="http://schemas.microsoft.com/office/drawing/2014/main" id="{333ED38C-4610-3A5A-F3EB-9D7E1F2C312F}"/>
+              </a:ext>
+            </a:extLst>
+          </p:cNvPr>
+          <p:cNvPicPr>
+            <a:picLocks noChangeAspect="1"/>
+          </p:cNvPicPr>
+          <p:nvPr/>
+        </p:nvPicPr>
+        <p:blipFill>
+          <a:blip r:embed="rId4">
+            <a:extLst>
+              <a:ext uri="{28A0092B-C50C-407E-A947-70E740481C1C}">
+                <a14:useLocalDpi xmlns:a14="http://schemas.microsoft.com/office/drawing/2010/main" val="0"/>
+              </a:ext>
+            </a:extLst>
+          </a:blip>
+          <a:stretch>
+            <a:fillRect/>
+          </a:stretch>
+        </p:blipFill>
+        <p:spPr>
+          <a:xfrm>
+            <a:off x="4073573" y="3264012"/>
+            <a:ext cx="3934655" cy="2213244"/>
+          </a:xfrm>
+          <a:prstGeom prst="rect">
+            <a:avLst/>
+          </a:prstGeom>
+        </p:spPr>
+      </p:pic>
+    </p:spTree>
+    <p:extLst>
+      <p:ext uri="{BB962C8B-B14F-4D97-AF65-F5344CB8AC3E}">
+        <p14:creationId xmlns:p14="http://schemas.microsoft.com/office/powerpoint/2010/main" val="3859299600"/>
+      </p:ext>
+    </p:extLst>
+  </p:cSld>
+  <p:clrMapOvr>
+    <a:masterClrMapping/>
+  </p:clrMapOvr>
+</p:sld>
+</file>
+
+<file path=ppt/slides/slide20.xml><?xml version="1.0" encoding="utf-8"?>
+<p:sld xmlns:a="http://schemas.openxmlformats.org/drawingml/2006/main" xmlns:r="http://schemas.openxmlformats.org/officeDocument/2006/relationships" xmlns:p="http://schemas.openxmlformats.org/presentationml/2006/main">
+  <p:cSld>
+    <p:spTree>
+      <p:nvGrpSpPr>
+        <p:cNvPr id="1" name=""/>
+        <p:cNvGrpSpPr/>
+        <p:nvPr/>
+      </p:nvGrpSpPr>
+      <p:grpSpPr>
+        <a:xfrm>
+          <a:off x="0" y="0"/>
+          <a:ext cx="0" cy="0"/>
+          <a:chOff x="0" y="0"/>
+          <a:chExt cx="0" cy="0"/>
+        </a:xfrm>
+      </p:grpSpPr>
+      <p:sp>
+        <p:nvSpPr>
+          <p:cNvPr id="9" name="Rettangolo 8">
+            <a:extLst>
+              <a:ext uri="{FF2B5EF4-FFF2-40B4-BE49-F238E27FC236}">
+                <a16:creationId xmlns:a16="http://schemas.microsoft.com/office/drawing/2014/main" id="{75A649AD-BFC8-D407-B3D8-768C796B24EE}"/>
+              </a:ext>
+            </a:extLst>
+          </p:cNvPr>
+          <p:cNvSpPr/>
+          <p:nvPr/>
+        </p:nvSpPr>
+        <p:spPr>
+          <a:xfrm>
+            <a:off x="1" y="-1039"/>
+            <a:ext cx="12188928" cy="6859039"/>
+          </a:xfrm>
+          <a:prstGeom prst="rect">
+            <a:avLst/>
+          </a:prstGeom>
+          <a:solidFill>
+            <a:srgbClr val="002060"/>
+          </a:solidFill>
+        </p:spPr>
+        <p:style>
+          <a:lnRef idx="2">
+            <a:schemeClr val="accent3">
+              <a:shade val="50000"/>
+            </a:schemeClr>
+          </a:lnRef>
+          <a:fillRef idx="1">
+            <a:schemeClr val="accent3"/>
+          </a:fillRef>
+          <a:effectRef idx="0">
+            <a:schemeClr val="accent3"/>
+          </a:effectRef>
+          <a:fontRef idx="minor">
+            <a:schemeClr val="lt1"/>
+          </a:fontRef>
+        </p:style>
+        <p:txBody>
+          <a:bodyPr rtlCol="0" anchor="ctr"/>
+          <a:lstStyle/>
+          <a:p>
+            <a:pPr algn="ctr"/>
+            <a:endParaRPr lang="it-IT">
+              <a:latin typeface="Poppins Medium" panose="00000600000000000000" pitchFamily="2" charset="0"/>
+              <a:cs typeface="Poppins Medium" panose="00000600000000000000" pitchFamily="2" charset="0"/>
+            </a:endParaRPr>
+          </a:p>
+        </p:txBody>
+      </p:sp>
+      <p:sp>
+        <p:nvSpPr>
+          <p:cNvPr id="2" name="Titolo 1">
+            <a:extLst>
+              <a:ext uri="{FF2B5EF4-FFF2-40B4-BE49-F238E27FC236}">
+                <a16:creationId xmlns:a16="http://schemas.microsoft.com/office/drawing/2014/main" id="{0433AC6E-9B67-D8D1-4A74-54158F91506A}"/>
+              </a:ext>
+            </a:extLst>
+          </p:cNvPr>
+          <p:cNvSpPr>
+            <a:spLocks noGrp="1"/>
+          </p:cNvSpPr>
+          <p:nvPr>
+            <p:ph type="title"/>
+          </p:nvPr>
+        </p:nvSpPr>
+        <p:spPr>
+          <a:xfrm>
+            <a:off x="838200" y="2236440"/>
+            <a:ext cx="10515600" cy="2384079"/>
+          </a:xfrm>
+          <a:ln>
+            <a:noFill/>
+          </a:ln>
+        </p:spPr>
+        <p:txBody>
+          <a:bodyPr>
+            <a:normAutofit fontScale="90000"/>
+          </a:bodyPr>
+          <a:lstStyle/>
+          <a:p>
+            <a:pPr algn="ctr"/>
+            <a:br>
+              <a:rPr lang="it-IT" b="1" dirty="0">
+                <a:solidFill>
+                  <a:schemeClr val="bg1"/>
+                </a:solidFill>
+                <a:latin typeface="Poppins Medium"/>
+                <a:ea typeface="Calibri Light"/>
+                <a:cs typeface="Poppins Medium"/>
+              </a:rPr>
+            </a:br>
+            <a:r>
+              <a:rPr lang="it-IT" sz="5300" b="1" dirty="0">
+                <a:solidFill>
+                  <a:schemeClr val="bg1"/>
+                </a:solidFill>
+                <a:latin typeface="Poppins Medium"/>
+                <a:ea typeface="Calibri Light"/>
+                <a:cs typeface="Poppins Medium"/>
+              </a:rPr>
+              <a:t>CONFIGURATION </a:t>
+            </a:r>
+            <a:br>
+              <a:rPr lang="it-IT" sz="5300" b="1" dirty="0">
+                <a:solidFill>
+                  <a:schemeClr val="bg1"/>
+                </a:solidFill>
+                <a:latin typeface="Poppins Medium"/>
+                <a:ea typeface="Calibri Light"/>
+                <a:cs typeface="Poppins Medium"/>
+              </a:rPr>
+            </a:br>
+            <a:r>
+              <a:rPr lang="it-IT" sz="5300" b="1" dirty="0">
+                <a:solidFill>
+                  <a:schemeClr val="bg1"/>
+                </a:solidFill>
+                <a:latin typeface="Poppins Medium"/>
+                <a:ea typeface="Calibri Light"/>
+                <a:cs typeface="Poppins Medium"/>
+              </a:rPr>
+              <a:t>MANAGEMENT TOOLS</a:t>
+            </a:r>
+            <a:br>
+              <a:rPr lang="it-IT" b="1" dirty="0">
+                <a:latin typeface="Poppins Medium"/>
+                <a:cs typeface="Poppins Medium"/>
+              </a:rPr>
+            </a:br>
+            <a:br>
+              <a:rPr lang="it-IT" sz="1800" i="1" dirty="0">
+                <a:latin typeface="Poppins Medium" panose="00000600000000000000" pitchFamily="2" charset="0"/>
+                <a:cs typeface="Poppins Medium" panose="00000600000000000000" pitchFamily="2" charset="0"/>
+              </a:rPr>
+            </a:br>
+            <a:endParaRPr lang="it-IT" sz="1800" dirty="0">
+              <a:latin typeface="Poppins Medium" panose="00000600000000000000" pitchFamily="2" charset="0"/>
+              <a:ea typeface="+mj-lt"/>
+              <a:cs typeface="Poppins Medium" panose="00000600000000000000" pitchFamily="2" charset="0"/>
+            </a:endParaRPr>
+          </a:p>
+        </p:txBody>
+      </p:sp>
+      <p:sp>
+        <p:nvSpPr>
+          <p:cNvPr id="4" name="Segnaposto data 3">
+            <a:extLst>
+              <a:ext uri="{FF2B5EF4-FFF2-40B4-BE49-F238E27FC236}">
+                <a16:creationId xmlns:a16="http://schemas.microsoft.com/office/drawing/2014/main" id="{2FDB7171-3E91-AF0B-DDA7-7C25BCB487A1}"/>
+              </a:ext>
+            </a:extLst>
+          </p:cNvPr>
+          <p:cNvSpPr>
+            <a:spLocks noGrp="1"/>
+          </p:cNvSpPr>
+          <p:nvPr>
+            <p:ph type="dt" sz="half" idx="10"/>
+          </p:nvPr>
+        </p:nvSpPr>
+        <p:spPr/>
+        <p:txBody>
+          <a:bodyPr/>
+          <a:lstStyle/>
+          <a:p>
+            <a:r>
+              <a:rPr lang="it-IT" sz="1600">
+                <a:solidFill>
+                  <a:schemeClr val="bg1"/>
+                </a:solidFill>
+                <a:effectLst>
+                  <a:outerShdw blurRad="38100" dist="38100" dir="2700000" algn="tl">
+                    <a:srgbClr val="000000">
+                      <a:alpha val="43137"/>
+                    </a:srgbClr>
+                  </a:outerShdw>
+                </a:effectLst>
+                <a:latin typeface="Poppins Medium" panose="00000600000000000000" pitchFamily="2" charset="0"/>
+                <a:cs typeface="Poppins Medium" panose="00000600000000000000" pitchFamily="2" charset="0"/>
+              </a:rPr>
+              <a:t>31 Maggio 2022</a:t>
+            </a:r>
+            <a:endParaRPr lang="de-DE" sz="1600">
+              <a:solidFill>
+                <a:schemeClr val="bg1"/>
+              </a:solidFill>
+              <a:effectLst>
+                <a:outerShdw blurRad="38100" dist="38100" dir="2700000" algn="tl">
+                  <a:srgbClr val="000000">
+                    <a:alpha val="43137"/>
+                  </a:srgbClr>
+                </a:outerShdw>
+              </a:effectLst>
+              <a:latin typeface="Poppins Medium" panose="00000600000000000000" pitchFamily="2" charset="0"/>
+              <a:cs typeface="Poppins Medium" panose="00000600000000000000" pitchFamily="2" charset="0"/>
+            </a:endParaRPr>
+          </a:p>
+        </p:txBody>
+      </p:sp>
+      <p:sp>
+        <p:nvSpPr>
+          <p:cNvPr id="6" name="Segnaposto numero diapositiva 5">
+            <a:extLst>
+              <a:ext uri="{FF2B5EF4-FFF2-40B4-BE49-F238E27FC236}">
+                <a16:creationId xmlns:a16="http://schemas.microsoft.com/office/drawing/2014/main" id="{D8ABE49A-B3ED-E602-CFFA-63BA9EA87067}"/>
+              </a:ext>
+            </a:extLst>
+          </p:cNvPr>
+          <p:cNvSpPr>
+            <a:spLocks noGrp="1"/>
+          </p:cNvSpPr>
+          <p:nvPr>
+            <p:ph type="sldNum" sz="quarter" idx="12"/>
+          </p:nvPr>
+        </p:nvSpPr>
+        <p:spPr/>
+        <p:txBody>
+          <a:bodyPr/>
+          <a:lstStyle/>
+          <a:p>
+            <a:fld id="{66CD45B7-DFE2-4393-8D37-380FC36BF3AA}" type="slidenum">
+              <a:rPr lang="de-DE" sz="1600" smtClean="0">
+                <a:solidFill>
+                  <a:schemeClr val="bg1"/>
+                </a:solidFill>
+                <a:effectLst>
+                  <a:outerShdw blurRad="38100" dist="38100" dir="2700000" algn="tl">
+                    <a:srgbClr val="000000">
+                      <a:alpha val="43137"/>
+                    </a:srgbClr>
+                  </a:outerShdw>
+                </a:effectLst>
+                <a:latin typeface="Poppins Medium" panose="00000600000000000000" pitchFamily="2" charset="0"/>
+                <a:cs typeface="Poppins Medium" panose="00000600000000000000" pitchFamily="2" charset="0"/>
+              </a:rPr>
+              <a:pPr/>
+              <a:t>20</a:t>
             </a:fld>
             <a:r>
               <a:rPr lang="de-DE" sz="1600">
@@ -7899,7 +10597,7 @@
 </p:sld>
 </file>
 
-<file path=ppt/slides/slide18.xml><?xml version="1.0" encoding="utf-8"?>
+<file path=ppt/slides/slide21.xml><?xml version="1.0" encoding="utf-8"?>
 <p:sld xmlns:a="http://schemas.openxmlformats.org/drawingml/2006/main" xmlns:r="http://schemas.openxmlformats.org/officeDocument/2006/relationships" xmlns:p="http://schemas.openxmlformats.org/presentationml/2006/main">
   <p:cSld>
     <p:spTree>
@@ -8150,7 +10848,7 @@
                 <a:cs typeface="Poppins Medium" panose="00000600000000000000" pitchFamily="2" charset="0"/>
               </a:rPr>
               <a:pPr/>
-              <a:t>18</a:t>
+              <a:t>21</a:t>
             </a:fld>
             <a:r>
               <a:rPr lang="de-DE" sz="1600">
@@ -8176,388 +10874,6 @@
     <p:extLst>
       <p:ext uri="{BB962C8B-B14F-4D97-AF65-F5344CB8AC3E}">
         <p14:creationId xmlns:p14="http://schemas.microsoft.com/office/powerpoint/2010/main" val="753678749"/>
-      </p:ext>
-    </p:extLst>
-  </p:cSld>
-  <p:clrMapOvr>
-    <a:masterClrMapping/>
-  </p:clrMapOvr>
-</p:sld>
-</file>
-
-<file path=ppt/slides/slide2.xml><?xml version="1.0" encoding="utf-8"?>
-<p:sld xmlns:a="http://schemas.openxmlformats.org/drawingml/2006/main" xmlns:r="http://schemas.openxmlformats.org/officeDocument/2006/relationships" xmlns:p="http://schemas.openxmlformats.org/presentationml/2006/main">
-  <p:cSld>
-    <p:spTree>
-      <p:nvGrpSpPr>
-        <p:cNvPr id="1" name=""/>
-        <p:cNvGrpSpPr/>
-        <p:nvPr/>
-      </p:nvGrpSpPr>
-      <p:grpSpPr>
-        <a:xfrm>
-          <a:off x="0" y="0"/>
-          <a:ext cx="0" cy="0"/>
-          <a:chOff x="0" y="0"/>
-          <a:chExt cx="0" cy="0"/>
-        </a:xfrm>
-      </p:grpSpPr>
-      <p:sp>
-        <p:nvSpPr>
-          <p:cNvPr id="9" name="Rettangolo 8">
-            <a:extLst>
-              <a:ext uri="{FF2B5EF4-FFF2-40B4-BE49-F238E27FC236}">
-                <a16:creationId xmlns:a16="http://schemas.microsoft.com/office/drawing/2014/main" id="{75A649AD-BFC8-D407-B3D8-768C796B24EE}"/>
-              </a:ext>
-            </a:extLst>
-          </p:cNvPr>
-          <p:cNvSpPr/>
-          <p:nvPr/>
-        </p:nvSpPr>
-        <p:spPr>
-          <a:xfrm>
-            <a:off x="1" y="-1039"/>
-            <a:ext cx="12188928" cy="6859039"/>
-          </a:xfrm>
-          <a:prstGeom prst="rect">
-            <a:avLst/>
-          </a:prstGeom>
-          <a:solidFill>
-            <a:srgbClr val="002060"/>
-          </a:solidFill>
-        </p:spPr>
-        <p:style>
-          <a:lnRef idx="2">
-            <a:schemeClr val="accent3">
-              <a:shade val="50000"/>
-            </a:schemeClr>
-          </a:lnRef>
-          <a:fillRef idx="1">
-            <a:schemeClr val="accent3"/>
-          </a:fillRef>
-          <a:effectRef idx="0">
-            <a:schemeClr val="accent3"/>
-          </a:effectRef>
-          <a:fontRef idx="minor">
-            <a:schemeClr val="lt1"/>
-          </a:fontRef>
-        </p:style>
-        <p:txBody>
-          <a:bodyPr rtlCol="0" anchor="ctr"/>
-          <a:lstStyle/>
-          <a:p>
-            <a:pPr algn="ctr"/>
-            <a:endParaRPr lang="it-IT">
-              <a:latin typeface="Poppins Medium" panose="00000600000000000000" pitchFamily="2" charset="0"/>
-              <a:cs typeface="Poppins Medium" panose="00000600000000000000" pitchFamily="2" charset="0"/>
-            </a:endParaRPr>
-          </a:p>
-        </p:txBody>
-      </p:sp>
-      <p:sp>
-        <p:nvSpPr>
-          <p:cNvPr id="2" name="Titolo 1">
-            <a:extLst>
-              <a:ext uri="{FF2B5EF4-FFF2-40B4-BE49-F238E27FC236}">
-                <a16:creationId xmlns:a16="http://schemas.microsoft.com/office/drawing/2014/main" id="{0433AC6E-9B67-D8D1-4A74-54158F91506A}"/>
-              </a:ext>
-            </a:extLst>
-          </p:cNvPr>
-          <p:cNvSpPr>
-            <a:spLocks noGrp="1"/>
-          </p:cNvSpPr>
-          <p:nvPr>
-            <p:ph type="title"/>
-          </p:nvPr>
-        </p:nvSpPr>
-        <p:spPr>
-          <a:xfrm>
-            <a:off x="783101" y="1712434"/>
-            <a:ext cx="10515600" cy="2384079"/>
-          </a:xfrm>
-          <a:ln>
-            <a:noFill/>
-          </a:ln>
-        </p:spPr>
-        <p:txBody>
-          <a:bodyPr>
-            <a:normAutofit fontScale="90000"/>
-          </a:bodyPr>
-          <a:lstStyle/>
-          <a:p>
-            <a:pPr algn="ctr"/>
-            <a:br>
-              <a:rPr lang="it-IT" b="1" dirty="0">
-                <a:solidFill>
-                  <a:schemeClr val="bg1"/>
-                </a:solidFill>
-                <a:latin typeface="Poppins Medium"/>
-                <a:ea typeface="Calibri Light"/>
-                <a:cs typeface="Poppins Medium"/>
-              </a:rPr>
-            </a:br>
-            <a:br>
-              <a:rPr lang="it-IT" sz="5300" b="1" dirty="0">
-                <a:solidFill>
-                  <a:schemeClr val="bg1"/>
-                </a:solidFill>
-                <a:latin typeface="Poppins Medium"/>
-                <a:ea typeface="Calibri Light"/>
-                <a:cs typeface="Poppins Medium"/>
-              </a:rPr>
-            </a:br>
-            <a:r>
-              <a:rPr lang="it-IT" sz="5300" b="1" dirty="0">
-                <a:solidFill>
-                  <a:schemeClr val="bg1"/>
-                </a:solidFill>
-                <a:latin typeface="Poppins Medium"/>
-                <a:ea typeface="Calibri Light"/>
-                <a:cs typeface="Poppins Medium"/>
-              </a:rPr>
-              <a:t>ISSUE TRACKING </a:t>
-            </a:r>
-            <a:br>
-              <a:rPr lang="it-IT" sz="5300" b="1" dirty="0">
-                <a:solidFill>
-                  <a:schemeClr val="bg1"/>
-                </a:solidFill>
-                <a:latin typeface="Poppins Medium"/>
-                <a:ea typeface="Calibri Light"/>
-                <a:cs typeface="Poppins Medium"/>
-              </a:rPr>
-            </a:br>
-            <a:r>
-              <a:rPr lang="it-IT" sz="5300" b="1" dirty="0">
-                <a:solidFill>
-                  <a:schemeClr val="bg1"/>
-                </a:solidFill>
-                <a:latin typeface="Poppins Medium"/>
-                <a:ea typeface="Calibri Light"/>
-                <a:cs typeface="Poppins Medium"/>
-              </a:rPr>
-              <a:t>SYSTEM</a:t>
-            </a:r>
-            <a:br>
-              <a:rPr lang="it-IT" sz="5300" b="1" dirty="0">
-                <a:latin typeface="Poppins Medium" panose="00000600000000000000" pitchFamily="2" charset="0"/>
-                <a:ea typeface="Calibri Light"/>
-                <a:cs typeface="Poppins Medium" panose="00000600000000000000" pitchFamily="2" charset="0"/>
-              </a:rPr>
-            </a:br>
-            <a:br>
-              <a:rPr lang="it-IT" b="1" dirty="0">
-                <a:latin typeface="Poppins Medium"/>
-                <a:cs typeface="Poppins Medium"/>
-              </a:rPr>
-            </a:br>
-            <a:br>
-              <a:rPr lang="it-IT" sz="1800" i="1" dirty="0">
-                <a:latin typeface="Poppins Medium" panose="00000600000000000000" pitchFamily="2" charset="0"/>
-                <a:cs typeface="Poppins Medium" panose="00000600000000000000" pitchFamily="2" charset="0"/>
-              </a:rPr>
-            </a:br>
-            <a:endParaRPr lang="it-IT" sz="1800" dirty="0">
-              <a:latin typeface="Poppins Medium" panose="00000600000000000000" pitchFamily="2" charset="0"/>
-              <a:ea typeface="+mj-lt"/>
-              <a:cs typeface="Poppins Medium" panose="00000600000000000000" pitchFamily="2" charset="0"/>
-            </a:endParaRPr>
-          </a:p>
-        </p:txBody>
-      </p:sp>
-      <p:sp>
-        <p:nvSpPr>
-          <p:cNvPr id="4" name="Segnaposto data 3">
-            <a:extLst>
-              <a:ext uri="{FF2B5EF4-FFF2-40B4-BE49-F238E27FC236}">
-                <a16:creationId xmlns:a16="http://schemas.microsoft.com/office/drawing/2014/main" id="{2FDB7171-3E91-AF0B-DDA7-7C25BCB487A1}"/>
-              </a:ext>
-            </a:extLst>
-          </p:cNvPr>
-          <p:cNvSpPr>
-            <a:spLocks noGrp="1"/>
-          </p:cNvSpPr>
-          <p:nvPr>
-            <p:ph type="dt" sz="half" idx="10"/>
-          </p:nvPr>
-        </p:nvSpPr>
-        <p:spPr/>
-        <p:txBody>
-          <a:bodyPr/>
-          <a:lstStyle/>
-          <a:p>
-            <a:r>
-              <a:rPr lang="it-IT" sz="1600">
-                <a:solidFill>
-                  <a:schemeClr val="bg1"/>
-                </a:solidFill>
-                <a:effectLst>
-                  <a:outerShdw blurRad="38100" dist="38100" dir="2700000" algn="tl">
-                    <a:srgbClr val="000000">
-                      <a:alpha val="43137"/>
-                    </a:srgbClr>
-                  </a:outerShdw>
-                </a:effectLst>
-                <a:latin typeface="Poppins Medium" panose="00000600000000000000" pitchFamily="2" charset="0"/>
-                <a:cs typeface="Poppins Medium" panose="00000600000000000000" pitchFamily="2" charset="0"/>
-              </a:rPr>
-              <a:t>31 Maggio 2022</a:t>
-            </a:r>
-            <a:endParaRPr lang="de-DE" sz="1600">
-              <a:solidFill>
-                <a:schemeClr val="bg1"/>
-              </a:solidFill>
-              <a:effectLst>
-                <a:outerShdw blurRad="38100" dist="38100" dir="2700000" algn="tl">
-                  <a:srgbClr val="000000">
-                    <a:alpha val="43137"/>
-                  </a:srgbClr>
-                </a:outerShdw>
-              </a:effectLst>
-              <a:latin typeface="Poppins Medium" panose="00000600000000000000" pitchFamily="2" charset="0"/>
-              <a:cs typeface="Poppins Medium" panose="00000600000000000000" pitchFamily="2" charset="0"/>
-            </a:endParaRPr>
-          </a:p>
-        </p:txBody>
-      </p:sp>
-      <p:sp>
-        <p:nvSpPr>
-          <p:cNvPr id="6" name="Segnaposto numero diapositiva 5">
-            <a:extLst>
-              <a:ext uri="{FF2B5EF4-FFF2-40B4-BE49-F238E27FC236}">
-                <a16:creationId xmlns:a16="http://schemas.microsoft.com/office/drawing/2014/main" id="{D8ABE49A-B3ED-E602-CFFA-63BA9EA87067}"/>
-              </a:ext>
-            </a:extLst>
-          </p:cNvPr>
-          <p:cNvSpPr>
-            <a:spLocks noGrp="1"/>
-          </p:cNvSpPr>
-          <p:nvPr>
-            <p:ph type="sldNum" sz="quarter" idx="12"/>
-          </p:nvPr>
-        </p:nvSpPr>
-        <p:spPr/>
-        <p:txBody>
-          <a:bodyPr/>
-          <a:lstStyle/>
-          <a:p>
-            <a:fld id="{66CD45B7-DFE2-4393-8D37-380FC36BF3AA}" type="slidenum">
-              <a:rPr lang="de-DE" sz="1600" smtClean="0">
-                <a:solidFill>
-                  <a:schemeClr val="bg1"/>
-                </a:solidFill>
-                <a:effectLst>
-                  <a:outerShdw blurRad="38100" dist="38100" dir="2700000" algn="tl">
-                    <a:srgbClr val="000000">
-                      <a:alpha val="43137"/>
-                    </a:srgbClr>
-                  </a:outerShdw>
-                </a:effectLst>
-                <a:latin typeface="Poppins Medium" panose="00000600000000000000" pitchFamily="2" charset="0"/>
-                <a:cs typeface="Poppins Medium" panose="00000600000000000000" pitchFamily="2" charset="0"/>
-              </a:rPr>
-              <a:pPr/>
-              <a:t>2</a:t>
-            </a:fld>
-            <a:r>
-              <a:rPr lang="de-DE" sz="1600">
-                <a:solidFill>
-                  <a:schemeClr val="bg1"/>
-                </a:solidFill>
-                <a:effectLst>
-                  <a:outerShdw blurRad="38100" dist="38100" dir="2700000" algn="tl">
-                    <a:srgbClr val="000000">
-                      <a:alpha val="43137"/>
-                    </a:srgbClr>
-                  </a:outerShdw>
-                </a:effectLst>
-                <a:latin typeface="Poppins Medium" panose="00000600000000000000" pitchFamily="2" charset="0"/>
-                <a:cs typeface="Poppins Medium" panose="00000600000000000000" pitchFamily="2" charset="0"/>
-              </a:rPr>
-              <a:t>/16</a:t>
-            </a:r>
-          </a:p>
-        </p:txBody>
-      </p:sp>
-      <p:pic>
-        <p:nvPicPr>
-          <p:cNvPr id="5" name="Elemento grafico 4" descr="Strada con due vie con un sentiero con riempimento a tinta unita">
-            <a:extLst>
-              <a:ext uri="{FF2B5EF4-FFF2-40B4-BE49-F238E27FC236}">
-                <a16:creationId xmlns:a16="http://schemas.microsoft.com/office/drawing/2014/main" id="{83302C6D-8160-0A2F-BFE3-1CE49310B7D5}"/>
-              </a:ext>
-            </a:extLst>
-          </p:cNvPr>
-          <p:cNvPicPr>
-            <a:picLocks noChangeAspect="1"/>
-          </p:cNvPicPr>
-          <p:nvPr/>
-        </p:nvPicPr>
-        <p:blipFill>
-          <a:blip r:embed="rId2">
-            <a:extLst>
-              <a:ext uri="{28A0092B-C50C-407E-A947-70E740481C1C}">
-                <a14:useLocalDpi xmlns:a14="http://schemas.microsoft.com/office/drawing/2010/main" val="0"/>
-              </a:ext>
-              <a:ext uri="{96DAC541-7B7A-43D3-8B79-37D633B846F1}">
-                <asvg:svgBlip xmlns:asvg="http://schemas.microsoft.com/office/drawing/2016/SVG/main" r:embed="rId3"/>
-              </a:ext>
-            </a:extLst>
-          </a:blip>
-          <a:stretch>
-            <a:fillRect/>
-          </a:stretch>
-        </p:blipFill>
-        <p:spPr>
-          <a:xfrm>
-            <a:off x="10017732" y="500609"/>
-            <a:ext cx="1336068" cy="1336068"/>
-          </a:xfrm>
-          <a:prstGeom prst="rect">
-            <a:avLst/>
-          </a:prstGeom>
-        </p:spPr>
-      </p:pic>
-      <p:pic>
-        <p:nvPicPr>
-          <p:cNvPr id="10" name="Immagine 9">
-            <a:extLst>
-              <a:ext uri="{FF2B5EF4-FFF2-40B4-BE49-F238E27FC236}">
-                <a16:creationId xmlns:a16="http://schemas.microsoft.com/office/drawing/2014/main" id="{AA71ED45-A8ED-37D5-E54E-0F8321FB2CF7}"/>
-              </a:ext>
-            </a:extLst>
-          </p:cNvPr>
-          <p:cNvPicPr>
-            <a:picLocks noChangeAspect="1"/>
-          </p:cNvPicPr>
-          <p:nvPr/>
-        </p:nvPicPr>
-        <p:blipFill>
-          <a:blip r:embed="rId4">
-            <a:extLst>
-              <a:ext uri="{28A0092B-C50C-407E-A947-70E740481C1C}">
-                <a14:useLocalDpi xmlns:a14="http://schemas.microsoft.com/office/drawing/2010/main" val="0"/>
-              </a:ext>
-            </a:extLst>
-          </a:blip>
-          <a:stretch>
-            <a:fillRect/>
-          </a:stretch>
-        </p:blipFill>
-        <p:spPr>
-          <a:xfrm>
-            <a:off x="3634963" y="2945341"/>
-            <a:ext cx="4919003" cy="2766939"/>
-          </a:xfrm>
-          <a:prstGeom prst="rect">
-            <a:avLst/>
-          </a:prstGeom>
-        </p:spPr>
-      </p:pic>
-    </p:spTree>
-    <p:extLst>
-      <p:ext uri="{BB962C8B-B14F-4D97-AF65-F5344CB8AC3E}">
-        <p14:creationId xmlns:p14="http://schemas.microsoft.com/office/powerpoint/2010/main" val="3859299600"/>
       </p:ext>
     </p:extLst>
   </p:cSld>

--- a/MTSSAssignment3.pptx
+++ b/MTSSAssignment3.pptx
@@ -5,7 +5,7 @@
     <p:sldMasterId id="2147483648" r:id="rId1"/>
   </p:sldMasterIdLst>
   <p:notesMasterIdLst>
-    <p:notesMasterId r:id="rId23"/>
+    <p:notesMasterId r:id="rId26"/>
   </p:notesMasterIdLst>
   <p:sldIdLst>
     <p:sldId id="257" r:id="rId2"/>
@@ -24,11 +24,14 @@
     <p:sldId id="316" r:id="rId15"/>
     <p:sldId id="317" r:id="rId16"/>
     <p:sldId id="305" r:id="rId17"/>
-    <p:sldId id="306" r:id="rId18"/>
-    <p:sldId id="307" r:id="rId19"/>
-    <p:sldId id="308" r:id="rId20"/>
-    <p:sldId id="309" r:id="rId21"/>
-    <p:sldId id="284" r:id="rId22"/>
+    <p:sldId id="319" r:id="rId18"/>
+    <p:sldId id="320" r:id="rId19"/>
+    <p:sldId id="321" r:id="rId20"/>
+    <p:sldId id="306" r:id="rId21"/>
+    <p:sldId id="307" r:id="rId22"/>
+    <p:sldId id="308" r:id="rId23"/>
+    <p:sldId id="309" r:id="rId24"/>
+    <p:sldId id="284" r:id="rId25"/>
   </p:sldIdLst>
   <p:sldSz cx="12192000" cy="6858000"/>
   <p:notesSz cx="6858000" cy="9144000"/>
@@ -811,6 +814,258 @@
     <p:extLst>
       <p:ext uri="{BB962C8B-B14F-4D97-AF65-F5344CB8AC3E}">
         <p14:creationId xmlns:p14="http://schemas.microsoft.com/office/powerpoint/2010/main" val="1737367170"/>
+      </p:ext>
+    </p:extLst>
+  </p:cSld>
+  <p:clrMapOvr>
+    <a:masterClrMapping/>
+  </p:clrMapOvr>
+</p:notes>
+</file>
+
+<file path=ppt/notesSlides/notesSlide13.xml><?xml version="1.0" encoding="utf-8"?>
+<p:notes xmlns:a="http://schemas.openxmlformats.org/drawingml/2006/main" xmlns:r="http://schemas.openxmlformats.org/officeDocument/2006/relationships" xmlns:p="http://schemas.openxmlformats.org/presentationml/2006/main">
+  <p:cSld>
+    <p:spTree>
+      <p:nvGrpSpPr>
+        <p:cNvPr id="1" name=""/>
+        <p:cNvGrpSpPr/>
+        <p:nvPr/>
+      </p:nvGrpSpPr>
+      <p:grpSpPr>
+        <a:xfrm>
+          <a:off x="0" y="0"/>
+          <a:ext cx="0" cy="0"/>
+          <a:chOff x="0" y="0"/>
+          <a:chExt cx="0" cy="0"/>
+        </a:xfrm>
+      </p:grpSpPr>
+      <p:sp>
+        <p:nvSpPr>
+          <p:cNvPr id="2" name="Segnaposto immagine diapositiva 1"/>
+          <p:cNvSpPr>
+            <a:spLocks noGrp="1" noRot="1" noChangeAspect="1"/>
+          </p:cNvSpPr>
+          <p:nvPr>
+            <p:ph type="sldImg"/>
+          </p:nvPr>
+        </p:nvSpPr>
+        <p:spPr/>
+      </p:sp>
+      <p:sp>
+        <p:nvSpPr>
+          <p:cNvPr id="3" name="Segnaposto note 2"/>
+          <p:cNvSpPr>
+            <a:spLocks noGrp="1"/>
+          </p:cNvSpPr>
+          <p:nvPr>
+            <p:ph type="body" idx="1"/>
+          </p:nvPr>
+        </p:nvSpPr>
+        <p:spPr/>
+        <p:txBody>
+          <a:bodyPr/>
+          <a:lstStyle/>
+          <a:p>
+            <a:endParaRPr lang="it-IT"/>
+          </a:p>
+        </p:txBody>
+      </p:sp>
+      <p:sp>
+        <p:nvSpPr>
+          <p:cNvPr id="4" name="Segnaposto numero diapositiva 3"/>
+          <p:cNvSpPr>
+            <a:spLocks noGrp="1"/>
+          </p:cNvSpPr>
+          <p:nvPr>
+            <p:ph type="sldNum" sz="quarter" idx="5"/>
+          </p:nvPr>
+        </p:nvSpPr>
+        <p:spPr/>
+        <p:txBody>
+          <a:bodyPr/>
+          <a:lstStyle/>
+          <a:p>
+            <a:fld id="{0BC78E95-8A02-4863-86BC-3BDFF2A12A63}" type="slidenum">
+              <a:rPr lang="it-IT" smtClean="0"/>
+              <a:t>17</a:t>
+            </a:fld>
+            <a:endParaRPr lang="it-IT"/>
+          </a:p>
+        </p:txBody>
+      </p:sp>
+    </p:spTree>
+    <p:extLst>
+      <p:ext uri="{BB962C8B-B14F-4D97-AF65-F5344CB8AC3E}">
+        <p14:creationId xmlns:p14="http://schemas.microsoft.com/office/powerpoint/2010/main" val="4114624295"/>
+      </p:ext>
+    </p:extLst>
+  </p:cSld>
+  <p:clrMapOvr>
+    <a:masterClrMapping/>
+  </p:clrMapOvr>
+</p:notes>
+</file>
+
+<file path=ppt/notesSlides/notesSlide14.xml><?xml version="1.0" encoding="utf-8"?>
+<p:notes xmlns:a="http://schemas.openxmlformats.org/drawingml/2006/main" xmlns:r="http://schemas.openxmlformats.org/officeDocument/2006/relationships" xmlns:p="http://schemas.openxmlformats.org/presentationml/2006/main">
+  <p:cSld>
+    <p:spTree>
+      <p:nvGrpSpPr>
+        <p:cNvPr id="1" name=""/>
+        <p:cNvGrpSpPr/>
+        <p:nvPr/>
+      </p:nvGrpSpPr>
+      <p:grpSpPr>
+        <a:xfrm>
+          <a:off x="0" y="0"/>
+          <a:ext cx="0" cy="0"/>
+          <a:chOff x="0" y="0"/>
+          <a:chExt cx="0" cy="0"/>
+        </a:xfrm>
+      </p:grpSpPr>
+      <p:sp>
+        <p:nvSpPr>
+          <p:cNvPr id="2" name="Segnaposto immagine diapositiva 1"/>
+          <p:cNvSpPr>
+            <a:spLocks noGrp="1" noRot="1" noChangeAspect="1"/>
+          </p:cNvSpPr>
+          <p:nvPr>
+            <p:ph type="sldImg"/>
+          </p:nvPr>
+        </p:nvSpPr>
+        <p:spPr/>
+      </p:sp>
+      <p:sp>
+        <p:nvSpPr>
+          <p:cNvPr id="3" name="Segnaposto note 2"/>
+          <p:cNvSpPr>
+            <a:spLocks noGrp="1"/>
+          </p:cNvSpPr>
+          <p:nvPr>
+            <p:ph type="body" idx="1"/>
+          </p:nvPr>
+        </p:nvSpPr>
+        <p:spPr/>
+        <p:txBody>
+          <a:bodyPr/>
+          <a:lstStyle/>
+          <a:p>
+            <a:endParaRPr lang="it-IT"/>
+          </a:p>
+        </p:txBody>
+      </p:sp>
+      <p:sp>
+        <p:nvSpPr>
+          <p:cNvPr id="4" name="Segnaposto numero diapositiva 3"/>
+          <p:cNvSpPr>
+            <a:spLocks noGrp="1"/>
+          </p:cNvSpPr>
+          <p:nvPr>
+            <p:ph type="sldNum" sz="quarter" idx="5"/>
+          </p:nvPr>
+        </p:nvSpPr>
+        <p:spPr/>
+        <p:txBody>
+          <a:bodyPr/>
+          <a:lstStyle/>
+          <a:p>
+            <a:fld id="{0BC78E95-8A02-4863-86BC-3BDFF2A12A63}" type="slidenum">
+              <a:rPr lang="it-IT" smtClean="0"/>
+              <a:t>18</a:t>
+            </a:fld>
+            <a:endParaRPr lang="it-IT"/>
+          </a:p>
+        </p:txBody>
+      </p:sp>
+    </p:spTree>
+    <p:extLst>
+      <p:ext uri="{BB962C8B-B14F-4D97-AF65-F5344CB8AC3E}">
+        <p14:creationId xmlns:p14="http://schemas.microsoft.com/office/powerpoint/2010/main" val="2805207569"/>
+      </p:ext>
+    </p:extLst>
+  </p:cSld>
+  <p:clrMapOvr>
+    <a:masterClrMapping/>
+  </p:clrMapOvr>
+</p:notes>
+</file>
+
+<file path=ppt/notesSlides/notesSlide15.xml><?xml version="1.0" encoding="utf-8"?>
+<p:notes xmlns:a="http://schemas.openxmlformats.org/drawingml/2006/main" xmlns:r="http://schemas.openxmlformats.org/officeDocument/2006/relationships" xmlns:p="http://schemas.openxmlformats.org/presentationml/2006/main">
+  <p:cSld>
+    <p:spTree>
+      <p:nvGrpSpPr>
+        <p:cNvPr id="1" name=""/>
+        <p:cNvGrpSpPr/>
+        <p:nvPr/>
+      </p:nvGrpSpPr>
+      <p:grpSpPr>
+        <a:xfrm>
+          <a:off x="0" y="0"/>
+          <a:ext cx="0" cy="0"/>
+          <a:chOff x="0" y="0"/>
+          <a:chExt cx="0" cy="0"/>
+        </a:xfrm>
+      </p:grpSpPr>
+      <p:sp>
+        <p:nvSpPr>
+          <p:cNvPr id="2" name="Segnaposto immagine diapositiva 1"/>
+          <p:cNvSpPr>
+            <a:spLocks noGrp="1" noRot="1" noChangeAspect="1"/>
+          </p:cNvSpPr>
+          <p:nvPr>
+            <p:ph type="sldImg"/>
+          </p:nvPr>
+        </p:nvSpPr>
+        <p:spPr/>
+      </p:sp>
+      <p:sp>
+        <p:nvSpPr>
+          <p:cNvPr id="3" name="Segnaposto note 2"/>
+          <p:cNvSpPr>
+            <a:spLocks noGrp="1"/>
+          </p:cNvSpPr>
+          <p:nvPr>
+            <p:ph type="body" idx="1"/>
+          </p:nvPr>
+        </p:nvSpPr>
+        <p:spPr/>
+        <p:txBody>
+          <a:bodyPr/>
+          <a:lstStyle/>
+          <a:p>
+            <a:endParaRPr lang="it-IT"/>
+          </a:p>
+        </p:txBody>
+      </p:sp>
+      <p:sp>
+        <p:nvSpPr>
+          <p:cNvPr id="4" name="Segnaposto numero diapositiva 3"/>
+          <p:cNvSpPr>
+            <a:spLocks noGrp="1"/>
+          </p:cNvSpPr>
+          <p:nvPr>
+            <p:ph type="sldNum" sz="quarter" idx="5"/>
+          </p:nvPr>
+        </p:nvSpPr>
+        <p:spPr/>
+        <p:txBody>
+          <a:bodyPr/>
+          <a:lstStyle/>
+          <a:p>
+            <a:fld id="{0BC78E95-8A02-4863-86BC-3BDFF2A12A63}" type="slidenum">
+              <a:rPr lang="it-IT" smtClean="0"/>
+              <a:t>19</a:t>
+            </a:fld>
+            <a:endParaRPr lang="it-IT"/>
+          </a:p>
+        </p:txBody>
+      </p:sp>
+    </p:spTree>
+    <p:extLst>
+      <p:ext uri="{BB962C8B-B14F-4D97-AF65-F5344CB8AC3E}">
+        <p14:creationId xmlns:p14="http://schemas.microsoft.com/office/powerpoint/2010/main" val="2075209901"/>
       </p:ext>
     </p:extLst>
   </p:cSld>
@@ -8664,7 +8919,7 @@
         </p:nvSpPr>
         <p:spPr>
           <a:xfrm>
-            <a:off x="1" y="-1039"/>
+            <a:off x="0" y="136525"/>
             <a:ext cx="12188928" cy="6859039"/>
           </a:xfrm>
           <a:prstGeom prst="rect">
@@ -8720,7 +8975,7 @@
         </p:nvSpPr>
         <p:spPr>
           <a:xfrm>
-            <a:off x="838200" y="2236440"/>
+            <a:off x="836664" y="1660853"/>
             <a:ext cx="10515600" cy="2384079"/>
           </a:xfrm>
           <a:ln>
@@ -8753,7 +9008,7 @@
                 <a:ea typeface="Calibri Light"/>
                 <a:cs typeface="Poppins Medium"/>
               </a:rPr>
-              <a:t>BUILD AUTOMATION &amp;</a:t>
+              <a:t>CONTINUOS INTEGRATION &amp;</a:t>
             </a:r>
             <a:br>
               <a:rPr lang="it-IT" sz="5300" b="1" dirty="0">
@@ -8774,8 +9029,18 @@
                 <a:ea typeface="Calibri Light"/>
                 <a:cs typeface="Poppins Medium"/>
               </a:rPr>
-              <a:t>CONTINUOS INTEGRATION</a:t>
-            </a:r>
+              <a:t>BUILD AUTOMATION</a:t>
+            </a:r>
+            <a:br>
+              <a:rPr lang="it-IT" sz="5300" b="1" dirty="0">
+                <a:solidFill>
+                  <a:schemeClr val="bg1"/>
+                </a:solidFill>
+                <a:latin typeface="Poppins Medium"/>
+                <a:ea typeface="Calibri Light"/>
+                <a:cs typeface="Poppins Medium"/>
+              </a:rPr>
+            </a:br>
             <a:br>
               <a:rPr lang="it-IT" b="1" dirty="0">
                 <a:latin typeface="Poppins Medium"/>
@@ -8943,6 +9208,78 @@
           <a:xfrm>
             <a:off x="10241280" y="500609"/>
             <a:ext cx="1232906" cy="1232906"/>
+          </a:xfrm>
+          <a:prstGeom prst="rect">
+            <a:avLst/>
+          </a:prstGeom>
+        </p:spPr>
+      </p:pic>
+      <p:pic>
+        <p:nvPicPr>
+          <p:cNvPr id="10" name="Immagine 9">
+            <a:extLst>
+              <a:ext uri="{FF2B5EF4-FFF2-40B4-BE49-F238E27FC236}">
+                <a16:creationId xmlns:a16="http://schemas.microsoft.com/office/drawing/2014/main" id="{55F24CEE-FF4C-5235-8214-7E631CAC3913}"/>
+              </a:ext>
+            </a:extLst>
+          </p:cNvPr>
+          <p:cNvPicPr>
+            <a:picLocks noChangeAspect="1"/>
+          </p:cNvPicPr>
+          <p:nvPr/>
+        </p:nvPicPr>
+        <p:blipFill>
+          <a:blip r:embed="rId4">
+            <a:extLst>
+              <a:ext uri="{28A0092B-C50C-407E-A947-70E740481C1C}">
+                <a14:useLocalDpi xmlns:a14="http://schemas.microsoft.com/office/drawing/2010/main" val="0"/>
+              </a:ext>
+            </a:extLst>
+          </a:blip>
+          <a:stretch>
+            <a:fillRect/>
+          </a:stretch>
+        </p:blipFill>
+        <p:spPr>
+          <a:xfrm>
+            <a:off x="1238249" y="3428999"/>
+            <a:ext cx="5039440" cy="2578318"/>
+          </a:xfrm>
+          <a:prstGeom prst="rect">
+            <a:avLst/>
+          </a:prstGeom>
+        </p:spPr>
+      </p:pic>
+      <p:pic>
+        <p:nvPicPr>
+          <p:cNvPr id="14" name="Immagine 13" descr="Immagine che contiene testo, silhouette, clipart&#10;&#10;Descrizione generata automaticamente">
+            <a:extLst>
+              <a:ext uri="{FF2B5EF4-FFF2-40B4-BE49-F238E27FC236}">
+                <a16:creationId xmlns:a16="http://schemas.microsoft.com/office/drawing/2014/main" id="{345F4737-889A-EA38-B52D-DEE1F30A07B4}"/>
+              </a:ext>
+            </a:extLst>
+          </p:cNvPr>
+          <p:cNvPicPr>
+            <a:picLocks noChangeAspect="1"/>
+          </p:cNvPicPr>
+          <p:nvPr/>
+        </p:nvPicPr>
+        <p:blipFill>
+          <a:blip r:embed="rId5">
+            <a:extLst>
+              <a:ext uri="{28A0092B-C50C-407E-A947-70E740481C1C}">
+                <a14:useLocalDpi xmlns:a14="http://schemas.microsoft.com/office/drawing/2010/main" val="0"/>
+              </a:ext>
+            </a:extLst>
+          </a:blip>
+          <a:stretch>
+            <a:fillRect/>
+          </a:stretch>
+        </p:blipFill>
+        <p:spPr>
+          <a:xfrm>
+            <a:off x="7160184" y="2335591"/>
+            <a:ext cx="4765133" cy="4765133"/>
           </a:xfrm>
           <a:prstGeom prst="rect">
             <a:avLst/>
@@ -8981,10 +9318,95 @@
       </p:grpSpPr>
       <p:sp>
         <p:nvSpPr>
-          <p:cNvPr id="9" name="Rettangolo 8">
-            <a:extLst>
-              <a:ext uri="{FF2B5EF4-FFF2-40B4-BE49-F238E27FC236}">
-                <a16:creationId xmlns:a16="http://schemas.microsoft.com/office/drawing/2014/main" id="{75A649AD-BFC8-D407-B3D8-768C796B24EE}"/>
+          <p:cNvPr id="25" name="Segnaposto data 24">
+            <a:extLst>
+              <a:ext uri="{FF2B5EF4-FFF2-40B4-BE49-F238E27FC236}">
+                <a16:creationId xmlns:a16="http://schemas.microsoft.com/office/drawing/2014/main" id="{115DF917-AC48-486A-81F6-CF2DBBF5CD89}"/>
+              </a:ext>
+            </a:extLst>
+          </p:cNvPr>
+          <p:cNvSpPr>
+            <a:spLocks noGrp="1"/>
+          </p:cNvSpPr>
+          <p:nvPr>
+            <p:ph type="dt" sz="half" idx="10"/>
+          </p:nvPr>
+        </p:nvSpPr>
+        <p:spPr/>
+        <p:txBody>
+          <a:bodyPr/>
+          <a:lstStyle/>
+          <a:p>
+            <a:r>
+              <a:rPr lang="it-IT" sz="1600">
+                <a:solidFill>
+                  <a:schemeClr val="tx1"/>
+                </a:solidFill>
+                <a:latin typeface="Poppins Medium" panose="00000600000000000000" pitchFamily="2" charset="0"/>
+                <a:cs typeface="Poppins Medium" panose="00000600000000000000" pitchFamily="2" charset="0"/>
+              </a:rPr>
+              <a:t>31 Maggio 2022</a:t>
+            </a:r>
+            <a:endParaRPr lang="de-DE" sz="1600">
+              <a:solidFill>
+                <a:schemeClr val="tx1"/>
+              </a:solidFill>
+              <a:latin typeface="Poppins Medium" panose="00000600000000000000" pitchFamily="2" charset="0"/>
+              <a:cs typeface="Poppins Medium" panose="00000600000000000000" pitchFamily="2" charset="0"/>
+            </a:endParaRPr>
+          </a:p>
+        </p:txBody>
+      </p:sp>
+      <p:sp>
+        <p:nvSpPr>
+          <p:cNvPr id="27" name="Segnaposto numero diapositiva 26">
+            <a:extLst>
+              <a:ext uri="{FF2B5EF4-FFF2-40B4-BE49-F238E27FC236}">
+                <a16:creationId xmlns:a16="http://schemas.microsoft.com/office/drawing/2014/main" id="{F9C2EE25-215B-477C-AC6E-D2639B7A24B6}"/>
+              </a:ext>
+            </a:extLst>
+          </p:cNvPr>
+          <p:cNvSpPr>
+            <a:spLocks noGrp="1"/>
+          </p:cNvSpPr>
+          <p:nvPr>
+            <p:ph type="sldNum" sz="quarter" idx="12"/>
+          </p:nvPr>
+        </p:nvSpPr>
+        <p:spPr/>
+        <p:txBody>
+          <a:bodyPr/>
+          <a:lstStyle/>
+          <a:p>
+            <a:fld id="{66CD45B7-DFE2-4393-8D37-380FC36BF3AA}" type="slidenum">
+              <a:rPr lang="de-DE" sz="1600" smtClean="0">
+                <a:solidFill>
+                  <a:schemeClr val="tx1"/>
+                </a:solidFill>
+                <a:latin typeface="Poppins Medium" panose="00000600000000000000" pitchFamily="2" charset="0"/>
+                <a:cs typeface="Poppins Medium" panose="00000600000000000000" pitchFamily="2" charset="0"/>
+              </a:rPr>
+              <a:t>17</a:t>
+            </a:fld>
+            <a:r>
+              <a:rPr lang="de-DE" sz="1600">
+                <a:solidFill>
+                  <a:schemeClr val="tx1"/>
+                </a:solidFill>
+                <a:latin typeface="Poppins Medium" panose="00000600000000000000" pitchFamily="2" charset="0"/>
+                <a:cs typeface="Poppins Medium" panose="00000600000000000000" pitchFamily="2" charset="0"/>
+              </a:rPr>
+              <a:t>/16</a:t>
+            </a:r>
+          </a:p>
+        </p:txBody>
+      </p:sp>
+      <p:sp>
+        <p:nvSpPr>
+          <p:cNvPr id="12" name="Rettangolo 11">
+            <a:extLst>
+              <a:ext uri="{FF2B5EF4-FFF2-40B4-BE49-F238E27FC236}">
+                <a16:creationId xmlns:a16="http://schemas.microsoft.com/office/drawing/2014/main" id="{F0FAD030-2623-A89C-4FA1-55CE81C0AE08}"/>
               </a:ext>
             </a:extLst>
           </p:cNvPr>
@@ -8993,8 +9415,8 @@
         </p:nvSpPr>
         <p:spPr>
           <a:xfrm>
-            <a:off x="1" y="-1039"/>
-            <a:ext cx="12188928" cy="6859039"/>
+            <a:off x="0" y="0"/>
+            <a:ext cx="12184913" cy="1034891"/>
           </a:xfrm>
           <a:prstGeom prst="rect">
             <a:avLst/>
@@ -9002,6 +9424,9 @@
           <a:solidFill>
             <a:srgbClr val="002060"/>
           </a:solidFill>
+          <a:ln>
+            <a:noFill/>
+          </a:ln>
         </p:spPr>
         <p:style>
           <a:lnRef idx="2">
@@ -9024,19 +9449,16 @@
           <a:lstStyle/>
           <a:p>
             <a:pPr algn="ctr"/>
-            <a:endParaRPr lang="it-IT">
-              <a:latin typeface="Poppins Medium" panose="00000600000000000000" pitchFamily="2" charset="0"/>
-              <a:cs typeface="Poppins Medium" panose="00000600000000000000" pitchFamily="2" charset="0"/>
-            </a:endParaRPr>
-          </a:p>
-        </p:txBody>
-      </p:sp>
-      <p:sp>
-        <p:nvSpPr>
-          <p:cNvPr id="2" name="Titolo 1">
-            <a:extLst>
-              <a:ext uri="{FF2B5EF4-FFF2-40B4-BE49-F238E27FC236}">
-                <a16:creationId xmlns:a16="http://schemas.microsoft.com/office/drawing/2014/main" id="{0433AC6E-9B67-D8D1-4A74-54158F91506A}"/>
+            <a:endParaRPr lang="it-IT"/>
+          </a:p>
+        </p:txBody>
+      </p:sp>
+      <p:sp>
+        <p:nvSpPr>
+          <p:cNvPr id="13" name="Titolo 1">
+            <a:extLst>
+              <a:ext uri="{FF2B5EF4-FFF2-40B4-BE49-F238E27FC236}">
+                <a16:creationId xmlns:a16="http://schemas.microsoft.com/office/drawing/2014/main" id="{A0F14F07-00BE-A130-44A5-463A5F98673C}"/>
               </a:ext>
             </a:extLst>
           </p:cNvPr>
@@ -9049,84 +9471,18 @@
         </p:nvSpPr>
         <p:spPr>
           <a:xfrm>
-            <a:off x="838200" y="2236440"/>
-            <a:ext cx="10515600" cy="2384079"/>
+            <a:off x="272535" y="163591"/>
+            <a:ext cx="10176803" cy="707708"/>
           </a:xfrm>
-          <a:ln>
-            <a:noFill/>
-          </a:ln>
         </p:spPr>
         <p:txBody>
-          <a:bodyPr>
+          <a:bodyPr anchor="b">
             <a:normAutofit/>
           </a:bodyPr>
           <a:lstStyle/>
           <a:p>
-            <a:pPr algn="ctr"/>
-            <a:br>
-              <a:rPr lang="it-IT" b="1" dirty="0">
-                <a:solidFill>
-                  <a:schemeClr val="bg1"/>
-                </a:solidFill>
-                <a:latin typeface="Poppins Medium"/>
-                <a:ea typeface="Calibri Light"/>
-                <a:cs typeface="Poppins Medium"/>
-              </a:rPr>
-            </a:br>
-            <a:r>
-              <a:rPr lang="it-IT" sz="5300" b="1" dirty="0">
-                <a:solidFill>
-                  <a:schemeClr val="bg1"/>
-                </a:solidFill>
-                <a:latin typeface="Poppins Medium"/>
-                <a:ea typeface="Calibri Light"/>
-                <a:cs typeface="Poppins Medium"/>
-              </a:rPr>
-              <a:t>TESTING</a:t>
-            </a:r>
-            <a:br>
-              <a:rPr lang="it-IT" b="1" dirty="0">
-                <a:latin typeface="Poppins Medium"/>
-                <a:cs typeface="Poppins Medium"/>
-              </a:rPr>
-            </a:br>
-            <a:br>
-              <a:rPr lang="it-IT" sz="1800" i="1" dirty="0">
-                <a:latin typeface="Poppins Medium" panose="00000600000000000000" pitchFamily="2" charset="0"/>
-                <a:cs typeface="Poppins Medium" panose="00000600000000000000" pitchFamily="2" charset="0"/>
-              </a:rPr>
-            </a:br>
-            <a:endParaRPr lang="it-IT" sz="1800" dirty="0">
-              <a:latin typeface="Poppins Medium" panose="00000600000000000000" pitchFamily="2" charset="0"/>
-              <a:ea typeface="+mj-lt"/>
-              <a:cs typeface="Poppins Medium" panose="00000600000000000000" pitchFamily="2" charset="0"/>
-            </a:endParaRPr>
-          </a:p>
-        </p:txBody>
-      </p:sp>
-      <p:sp>
-        <p:nvSpPr>
-          <p:cNvPr id="4" name="Segnaposto data 3">
-            <a:extLst>
-              <a:ext uri="{FF2B5EF4-FFF2-40B4-BE49-F238E27FC236}">
-                <a16:creationId xmlns:a16="http://schemas.microsoft.com/office/drawing/2014/main" id="{2FDB7171-3E91-AF0B-DDA7-7C25BCB487A1}"/>
-              </a:ext>
-            </a:extLst>
-          </p:cNvPr>
-          <p:cNvSpPr>
-            <a:spLocks noGrp="1"/>
-          </p:cNvSpPr>
-          <p:nvPr>
-            <p:ph type="dt" sz="half" idx="10"/>
-          </p:nvPr>
-        </p:nvSpPr>
-        <p:spPr/>
-        <p:txBody>
-          <a:bodyPr/>
-          <a:lstStyle/>
-          <a:p>
-            <a:r>
-              <a:rPr lang="it-IT" sz="1600">
+            <a:r>
+              <a:rPr lang="it-IT" sz="4000" b="1" dirty="0" err="1">
                 <a:solidFill>
                   <a:schemeClr val="bg1"/>
                 </a:solidFill>
@@ -9137,12 +9493,46 @@
                     </a:srgbClr>
                   </a:outerShdw>
                 </a:effectLst>
-                <a:latin typeface="Poppins Medium" panose="00000600000000000000" pitchFamily="2" charset="0"/>
-                <a:cs typeface="Poppins Medium" panose="00000600000000000000" pitchFamily="2" charset="0"/>
-              </a:rPr>
-              <a:t>31 Maggio 2022</a:t>
-            </a:r>
-            <a:endParaRPr lang="de-DE" sz="1600">
+                <a:latin typeface="Poppins"/>
+                <a:cs typeface="Poppins"/>
+              </a:rPr>
+              <a:t>Continuos</a:t>
+            </a:r>
+            <a:r>
+              <a:rPr lang="it-IT" sz="4000" b="1" dirty="0">
+                <a:solidFill>
+                  <a:schemeClr val="bg1"/>
+                </a:solidFill>
+                <a:effectLst>
+                  <a:outerShdw blurRad="38100" dist="38100" dir="2700000" algn="tl">
+                    <a:srgbClr val="000000">
+                      <a:alpha val="43137"/>
+                    </a:srgbClr>
+                  </a:outerShdw>
+                </a:effectLst>
+                <a:latin typeface="Poppins"/>
+                <a:cs typeface="Poppins"/>
+              </a:rPr>
+              <a:t> </a:t>
+            </a:r>
+            <a:r>
+              <a:rPr lang="it-IT" sz="4000" b="1" dirty="0" err="1">
+                <a:solidFill>
+                  <a:schemeClr val="bg1"/>
+                </a:solidFill>
+                <a:effectLst>
+                  <a:outerShdw blurRad="38100" dist="38100" dir="2700000" algn="tl">
+                    <a:srgbClr val="000000">
+                      <a:alpha val="43137"/>
+                    </a:srgbClr>
+                  </a:outerShdw>
+                </a:effectLst>
+                <a:latin typeface="Poppins"/>
+                <a:cs typeface="Poppins"/>
+              </a:rPr>
+              <a:t>integration</a:t>
+            </a:r>
+            <a:endParaRPr lang="it-IT" sz="4000" b="1" dirty="0">
               <a:solidFill>
                 <a:schemeClr val="bg1"/>
               </a:solidFill>
@@ -9153,114 +9543,663 @@
                   </a:srgbClr>
                 </a:outerShdw>
               </a:effectLst>
-              <a:latin typeface="Poppins Medium" panose="00000600000000000000" pitchFamily="2" charset="0"/>
-              <a:cs typeface="Poppins Medium" panose="00000600000000000000" pitchFamily="2" charset="0"/>
+              <a:latin typeface="Poppins"/>
+              <a:cs typeface="Poppins"/>
             </a:endParaRPr>
           </a:p>
         </p:txBody>
       </p:sp>
       <p:sp>
         <p:nvSpPr>
-          <p:cNvPr id="6" name="Segnaposto numero diapositiva 5">
-            <a:extLst>
-              <a:ext uri="{FF2B5EF4-FFF2-40B4-BE49-F238E27FC236}">
-                <a16:creationId xmlns:a16="http://schemas.microsoft.com/office/drawing/2014/main" id="{D8ABE49A-B3ED-E602-CFFA-63BA9EA87067}"/>
-              </a:ext>
-            </a:extLst>
-          </p:cNvPr>
-          <p:cNvSpPr>
-            <a:spLocks noGrp="1"/>
-          </p:cNvSpPr>
-          <p:nvPr>
-            <p:ph type="sldNum" sz="quarter" idx="12"/>
-          </p:nvPr>
-        </p:nvSpPr>
-        <p:spPr/>
-        <p:txBody>
-          <a:bodyPr/>
-          <a:lstStyle/>
-          <a:p>
-            <a:fld id="{66CD45B7-DFE2-4393-8D37-380FC36BF3AA}" type="slidenum">
-              <a:rPr lang="de-DE" sz="1600" smtClean="0">
-                <a:solidFill>
-                  <a:schemeClr val="bg1"/>
-                </a:solidFill>
-                <a:effectLst>
-                  <a:outerShdw blurRad="38100" dist="38100" dir="2700000" algn="tl">
-                    <a:srgbClr val="000000">
-                      <a:alpha val="43137"/>
-                    </a:srgbClr>
-                  </a:outerShdw>
-                </a:effectLst>
-                <a:latin typeface="Poppins Medium" panose="00000600000000000000" pitchFamily="2" charset="0"/>
-                <a:cs typeface="Poppins Medium" panose="00000600000000000000" pitchFamily="2" charset="0"/>
-              </a:rPr>
-              <a:pPr/>
-              <a:t>17</a:t>
-            </a:fld>
-            <a:r>
-              <a:rPr lang="de-DE" sz="1600">
-                <a:solidFill>
-                  <a:schemeClr val="bg1"/>
-                </a:solidFill>
-                <a:effectLst>
-                  <a:outerShdw blurRad="38100" dist="38100" dir="2700000" algn="tl">
-                    <a:srgbClr val="000000">
-                      <a:alpha val="43137"/>
-                    </a:srgbClr>
-                  </a:outerShdw>
-                </a:effectLst>
-                <a:latin typeface="Poppins Medium" panose="00000600000000000000" pitchFamily="2" charset="0"/>
-                <a:cs typeface="Poppins Medium" panose="00000600000000000000" pitchFamily="2" charset="0"/>
-              </a:rPr>
-              <a:t>/16</a:t>
-            </a:r>
-          </a:p>
-        </p:txBody>
-      </p:sp>
-      <p:pic>
-        <p:nvPicPr>
-          <p:cNvPr id="5" name="Elemento grafico 4" descr="Insetto sotto lente d'ingrandimento con riempimento a tinta unita">
-            <a:extLst>
-              <a:ext uri="{FF2B5EF4-FFF2-40B4-BE49-F238E27FC236}">
-                <a16:creationId xmlns:a16="http://schemas.microsoft.com/office/drawing/2014/main" id="{5E086628-DDE8-2B81-FB29-95D470557848}"/>
-              </a:ext>
-            </a:extLst>
-          </p:cNvPr>
-          <p:cNvPicPr>
-            <a:picLocks noChangeAspect="1"/>
-          </p:cNvPicPr>
+          <p:cNvPr id="8" name="Segnaposto contenuto 6">
+            <a:extLst>
+              <a:ext uri="{FF2B5EF4-FFF2-40B4-BE49-F238E27FC236}">
+                <a16:creationId xmlns:a16="http://schemas.microsoft.com/office/drawing/2014/main" id="{F832EED3-9182-E3BD-D2D5-1723AFD8A0BD}"/>
+              </a:ext>
+            </a:extLst>
+          </p:cNvPr>
+          <p:cNvSpPr txBox="1">
+            <a:spLocks/>
+          </p:cNvSpPr>
           <p:nvPr/>
-        </p:nvPicPr>
-        <p:blipFill>
-          <a:blip r:embed="rId2">
-            <a:extLst>
-              <a:ext uri="{28A0092B-C50C-407E-A947-70E740481C1C}">
-                <a14:useLocalDpi xmlns:a14="http://schemas.microsoft.com/office/drawing/2010/main" val="0"/>
-              </a:ext>
-              <a:ext uri="{96DAC541-7B7A-43D3-8B79-37D633B846F1}">
-                <asvg:svgBlip xmlns:asvg="http://schemas.microsoft.com/office/drawing/2016/SVG/main" r:embed="rId3"/>
-              </a:ext>
-            </a:extLst>
-          </a:blip>
-          <a:stretch>
-            <a:fillRect/>
-          </a:stretch>
-        </p:blipFill>
+        </p:nvSpPr>
         <p:spPr>
-          <a:xfrm flipH="1">
-            <a:off x="9982200" y="500609"/>
-            <a:ext cx="1535723" cy="1535723"/>
+          <a:xfrm>
+            <a:off x="834656" y="2005012"/>
+            <a:ext cx="10515600" cy="4351338"/>
           </a:xfrm>
           <a:prstGeom prst="rect">
             <a:avLst/>
           </a:prstGeom>
         </p:spPr>
-      </p:pic>
+        <p:txBody>
+          <a:bodyPr vert="horz" lIns="91440" tIns="45720" rIns="91440" bIns="45720" rtlCol="0">
+            <a:normAutofit/>
+          </a:bodyPr>
+          <a:lstStyle>
+            <a:lvl1pPr marL="228600" indent="-228600" algn="l" defTabSz="914400" rtl="0" eaLnBrk="1" latinLnBrk="0" hangingPunct="1">
+              <a:lnSpc>
+                <a:spcPct val="90000"/>
+              </a:lnSpc>
+              <a:spcBef>
+                <a:spcPts val="1000"/>
+              </a:spcBef>
+              <a:buFont typeface="Arial" panose="020B0604020202020204" pitchFamily="34" charset="0"/>
+              <a:buChar char="•"/>
+              <a:defRPr sz="2800" kern="1200">
+                <a:solidFill>
+                  <a:schemeClr val="tx1"/>
+                </a:solidFill>
+                <a:latin typeface="+mn-lt"/>
+                <a:ea typeface="+mn-ea"/>
+                <a:cs typeface="+mn-cs"/>
+              </a:defRPr>
+            </a:lvl1pPr>
+            <a:lvl2pPr marL="685800" indent="-228600" algn="l" defTabSz="914400" rtl="0" eaLnBrk="1" latinLnBrk="0" hangingPunct="1">
+              <a:lnSpc>
+                <a:spcPct val="90000"/>
+              </a:lnSpc>
+              <a:spcBef>
+                <a:spcPts val="500"/>
+              </a:spcBef>
+              <a:buFont typeface="Arial" panose="020B0604020202020204" pitchFamily="34" charset="0"/>
+              <a:buChar char="•"/>
+              <a:defRPr sz="2400" kern="1200">
+                <a:solidFill>
+                  <a:schemeClr val="tx1"/>
+                </a:solidFill>
+                <a:latin typeface="+mn-lt"/>
+                <a:ea typeface="+mn-ea"/>
+                <a:cs typeface="+mn-cs"/>
+              </a:defRPr>
+            </a:lvl2pPr>
+            <a:lvl3pPr marL="1143000" indent="-228600" algn="l" defTabSz="914400" rtl="0" eaLnBrk="1" latinLnBrk="0" hangingPunct="1">
+              <a:lnSpc>
+                <a:spcPct val="90000"/>
+              </a:lnSpc>
+              <a:spcBef>
+                <a:spcPts val="500"/>
+              </a:spcBef>
+              <a:buFont typeface="Arial" panose="020B0604020202020204" pitchFamily="34" charset="0"/>
+              <a:buChar char="•"/>
+              <a:defRPr sz="2000" kern="1200">
+                <a:solidFill>
+                  <a:schemeClr val="tx1"/>
+                </a:solidFill>
+                <a:latin typeface="+mn-lt"/>
+                <a:ea typeface="+mn-ea"/>
+                <a:cs typeface="+mn-cs"/>
+              </a:defRPr>
+            </a:lvl3pPr>
+            <a:lvl4pPr marL="1600200" indent="-228600" algn="l" defTabSz="914400" rtl="0" eaLnBrk="1" latinLnBrk="0" hangingPunct="1">
+              <a:lnSpc>
+                <a:spcPct val="90000"/>
+              </a:lnSpc>
+              <a:spcBef>
+                <a:spcPts val="500"/>
+              </a:spcBef>
+              <a:buFont typeface="Arial" panose="020B0604020202020204" pitchFamily="34" charset="0"/>
+              <a:buChar char="•"/>
+              <a:defRPr sz="1800" kern="1200">
+                <a:solidFill>
+                  <a:schemeClr val="tx1"/>
+                </a:solidFill>
+                <a:latin typeface="+mn-lt"/>
+                <a:ea typeface="+mn-ea"/>
+                <a:cs typeface="+mn-cs"/>
+              </a:defRPr>
+            </a:lvl4pPr>
+            <a:lvl5pPr marL="2057400" indent="-228600" algn="l" defTabSz="914400" rtl="0" eaLnBrk="1" latinLnBrk="0" hangingPunct="1">
+              <a:lnSpc>
+                <a:spcPct val="90000"/>
+              </a:lnSpc>
+              <a:spcBef>
+                <a:spcPts val="500"/>
+              </a:spcBef>
+              <a:buFont typeface="Arial" panose="020B0604020202020204" pitchFamily="34" charset="0"/>
+              <a:buChar char="•"/>
+              <a:defRPr sz="1800" kern="1200">
+                <a:solidFill>
+                  <a:schemeClr val="tx1"/>
+                </a:solidFill>
+                <a:latin typeface="+mn-lt"/>
+                <a:ea typeface="+mn-ea"/>
+                <a:cs typeface="+mn-cs"/>
+              </a:defRPr>
+            </a:lvl5pPr>
+            <a:lvl6pPr marL="2514600" indent="-228600" algn="l" defTabSz="914400" rtl="0" eaLnBrk="1" latinLnBrk="0" hangingPunct="1">
+              <a:lnSpc>
+                <a:spcPct val="90000"/>
+              </a:lnSpc>
+              <a:spcBef>
+                <a:spcPts val="500"/>
+              </a:spcBef>
+              <a:buFont typeface="Arial" panose="020B0604020202020204" pitchFamily="34" charset="0"/>
+              <a:buChar char="•"/>
+              <a:defRPr sz="1800" kern="1200">
+                <a:solidFill>
+                  <a:schemeClr val="tx1"/>
+                </a:solidFill>
+                <a:latin typeface="+mn-lt"/>
+                <a:ea typeface="+mn-ea"/>
+                <a:cs typeface="+mn-cs"/>
+              </a:defRPr>
+            </a:lvl6pPr>
+            <a:lvl7pPr marL="2971800" indent="-228600" algn="l" defTabSz="914400" rtl="0" eaLnBrk="1" latinLnBrk="0" hangingPunct="1">
+              <a:lnSpc>
+                <a:spcPct val="90000"/>
+              </a:lnSpc>
+              <a:spcBef>
+                <a:spcPts val="500"/>
+              </a:spcBef>
+              <a:buFont typeface="Arial" panose="020B0604020202020204" pitchFamily="34" charset="0"/>
+              <a:buChar char="•"/>
+              <a:defRPr sz="1800" kern="1200">
+                <a:solidFill>
+                  <a:schemeClr val="tx1"/>
+                </a:solidFill>
+                <a:latin typeface="+mn-lt"/>
+                <a:ea typeface="+mn-ea"/>
+                <a:cs typeface="+mn-cs"/>
+              </a:defRPr>
+            </a:lvl7pPr>
+            <a:lvl8pPr marL="3429000" indent="-228600" algn="l" defTabSz="914400" rtl="0" eaLnBrk="1" latinLnBrk="0" hangingPunct="1">
+              <a:lnSpc>
+                <a:spcPct val="90000"/>
+              </a:lnSpc>
+              <a:spcBef>
+                <a:spcPts val="500"/>
+              </a:spcBef>
+              <a:buFont typeface="Arial" panose="020B0604020202020204" pitchFamily="34" charset="0"/>
+              <a:buChar char="•"/>
+              <a:defRPr sz="1800" kern="1200">
+                <a:solidFill>
+                  <a:schemeClr val="tx1"/>
+                </a:solidFill>
+                <a:latin typeface="+mn-lt"/>
+                <a:ea typeface="+mn-ea"/>
+                <a:cs typeface="+mn-cs"/>
+              </a:defRPr>
+            </a:lvl8pPr>
+            <a:lvl9pPr marL="3886200" indent="-228600" algn="l" defTabSz="914400" rtl="0" eaLnBrk="1" latinLnBrk="0" hangingPunct="1">
+              <a:lnSpc>
+                <a:spcPct val="90000"/>
+              </a:lnSpc>
+              <a:spcBef>
+                <a:spcPts val="500"/>
+              </a:spcBef>
+              <a:buFont typeface="Arial" panose="020B0604020202020204" pitchFamily="34" charset="0"/>
+              <a:buChar char="•"/>
+              <a:defRPr sz="1800" kern="1200">
+                <a:solidFill>
+                  <a:schemeClr val="tx1"/>
+                </a:solidFill>
+                <a:latin typeface="+mn-lt"/>
+                <a:ea typeface="+mn-ea"/>
+                <a:cs typeface="+mn-cs"/>
+              </a:defRPr>
+            </a:lvl9pPr>
+          </a:lstStyle>
+          <a:p>
+            <a:pPr marL="0" indent="0">
+              <a:buFont typeface="Arial" panose="020B0604020202020204" pitchFamily="34" charset="0"/>
+              <a:buNone/>
+            </a:pPr>
+            <a:endParaRPr lang="it-IT" sz="2400" dirty="0">
+              <a:latin typeface="Poppins Medium" panose="00000600000000000000" pitchFamily="2" charset="0"/>
+              <a:cs typeface="Poppins Medium" panose="00000600000000000000" pitchFamily="2" charset="0"/>
+            </a:endParaRPr>
+          </a:p>
+          <a:p>
+            <a:pPr marL="0" indent="0">
+              <a:buFont typeface="Arial" panose="020B0604020202020204" pitchFamily="34" charset="0"/>
+              <a:buNone/>
+            </a:pPr>
+            <a:endParaRPr lang="it-IT" sz="2400" dirty="0">
+              <a:latin typeface="Poppins Medium" panose="00000600000000000000" pitchFamily="2" charset="0"/>
+              <a:cs typeface="Poppins Medium" panose="00000600000000000000" pitchFamily="2" charset="0"/>
+            </a:endParaRPr>
+          </a:p>
+          <a:p>
+            <a:pPr marL="0" indent="0">
+              <a:buFont typeface="Arial" panose="020B0604020202020204" pitchFamily="34" charset="0"/>
+              <a:buNone/>
+            </a:pPr>
+            <a:endParaRPr lang="it-IT" sz="2400" dirty="0">
+              <a:latin typeface="Poppins Medium" panose="00000600000000000000" pitchFamily="2" charset="0"/>
+              <a:cs typeface="Poppins Medium" panose="00000600000000000000" pitchFamily="2" charset="0"/>
+            </a:endParaRPr>
+          </a:p>
+          <a:p>
+            <a:pPr marL="0" indent="0">
+              <a:buFont typeface="Arial" panose="020B0604020202020204" pitchFamily="34" charset="0"/>
+              <a:buNone/>
+            </a:pPr>
+            <a:endParaRPr lang="it-IT" dirty="0">
+              <a:solidFill>
+                <a:schemeClr val="accent1">
+                  <a:lumMod val="75000"/>
+                </a:schemeClr>
+              </a:solidFill>
+            </a:endParaRPr>
+          </a:p>
+        </p:txBody>
+      </p:sp>
+      <p:sp>
+        <p:nvSpPr>
+          <p:cNvPr id="11" name="Segnaposto contenuto 6">
+            <a:extLst>
+              <a:ext uri="{FF2B5EF4-FFF2-40B4-BE49-F238E27FC236}">
+                <a16:creationId xmlns:a16="http://schemas.microsoft.com/office/drawing/2014/main" id="{1E627025-5628-A732-F09C-9FAD37D9036C}"/>
+              </a:ext>
+            </a:extLst>
+          </p:cNvPr>
+          <p:cNvSpPr txBox="1">
+            <a:spLocks/>
+          </p:cNvSpPr>
+          <p:nvPr/>
+        </p:nvSpPr>
+        <p:spPr>
+          <a:xfrm>
+            <a:off x="570914" y="1359217"/>
+            <a:ext cx="10515600" cy="4833541"/>
+          </a:xfrm>
+          <a:prstGeom prst="rect">
+            <a:avLst/>
+          </a:prstGeom>
+        </p:spPr>
+        <p:txBody>
+          <a:bodyPr vert="horz" lIns="91440" tIns="45720" rIns="91440" bIns="45720" rtlCol="0">
+            <a:normAutofit lnSpcReduction="10000"/>
+          </a:bodyPr>
+          <a:lstStyle>
+            <a:lvl1pPr marL="228600" indent="-228600" algn="l" defTabSz="914400" rtl="0" eaLnBrk="1" latinLnBrk="0" hangingPunct="1">
+              <a:lnSpc>
+                <a:spcPct val="90000"/>
+              </a:lnSpc>
+              <a:spcBef>
+                <a:spcPts val="1000"/>
+              </a:spcBef>
+              <a:buFont typeface="Arial" panose="020B0604020202020204" pitchFamily="34" charset="0"/>
+              <a:buChar char="•"/>
+              <a:defRPr sz="2800" kern="1200">
+                <a:solidFill>
+                  <a:schemeClr val="tx1"/>
+                </a:solidFill>
+                <a:latin typeface="+mn-lt"/>
+                <a:ea typeface="+mn-ea"/>
+                <a:cs typeface="+mn-cs"/>
+              </a:defRPr>
+            </a:lvl1pPr>
+            <a:lvl2pPr marL="685800" indent="-228600" algn="l" defTabSz="914400" rtl="0" eaLnBrk="1" latinLnBrk="0" hangingPunct="1">
+              <a:lnSpc>
+                <a:spcPct val="90000"/>
+              </a:lnSpc>
+              <a:spcBef>
+                <a:spcPts val="500"/>
+              </a:spcBef>
+              <a:buFont typeface="Arial" panose="020B0604020202020204" pitchFamily="34" charset="0"/>
+              <a:buChar char="•"/>
+              <a:defRPr sz="2400" kern="1200">
+                <a:solidFill>
+                  <a:schemeClr val="tx1"/>
+                </a:solidFill>
+                <a:latin typeface="+mn-lt"/>
+                <a:ea typeface="+mn-ea"/>
+                <a:cs typeface="+mn-cs"/>
+              </a:defRPr>
+            </a:lvl2pPr>
+            <a:lvl3pPr marL="1143000" indent="-228600" algn="l" defTabSz="914400" rtl="0" eaLnBrk="1" latinLnBrk="0" hangingPunct="1">
+              <a:lnSpc>
+                <a:spcPct val="90000"/>
+              </a:lnSpc>
+              <a:spcBef>
+                <a:spcPts val="500"/>
+              </a:spcBef>
+              <a:buFont typeface="Arial" panose="020B0604020202020204" pitchFamily="34" charset="0"/>
+              <a:buChar char="•"/>
+              <a:defRPr sz="2000" kern="1200">
+                <a:solidFill>
+                  <a:schemeClr val="tx1"/>
+                </a:solidFill>
+                <a:latin typeface="+mn-lt"/>
+                <a:ea typeface="+mn-ea"/>
+                <a:cs typeface="+mn-cs"/>
+              </a:defRPr>
+            </a:lvl3pPr>
+            <a:lvl4pPr marL="1600200" indent="-228600" algn="l" defTabSz="914400" rtl="0" eaLnBrk="1" latinLnBrk="0" hangingPunct="1">
+              <a:lnSpc>
+                <a:spcPct val="90000"/>
+              </a:lnSpc>
+              <a:spcBef>
+                <a:spcPts val="500"/>
+              </a:spcBef>
+              <a:buFont typeface="Arial" panose="020B0604020202020204" pitchFamily="34" charset="0"/>
+              <a:buChar char="•"/>
+              <a:defRPr sz="1800" kern="1200">
+                <a:solidFill>
+                  <a:schemeClr val="tx1"/>
+                </a:solidFill>
+                <a:latin typeface="+mn-lt"/>
+                <a:ea typeface="+mn-ea"/>
+                <a:cs typeface="+mn-cs"/>
+              </a:defRPr>
+            </a:lvl4pPr>
+            <a:lvl5pPr marL="2057400" indent="-228600" algn="l" defTabSz="914400" rtl="0" eaLnBrk="1" latinLnBrk="0" hangingPunct="1">
+              <a:lnSpc>
+                <a:spcPct val="90000"/>
+              </a:lnSpc>
+              <a:spcBef>
+                <a:spcPts val="500"/>
+              </a:spcBef>
+              <a:buFont typeface="Arial" panose="020B0604020202020204" pitchFamily="34" charset="0"/>
+              <a:buChar char="•"/>
+              <a:defRPr sz="1800" kern="1200">
+                <a:solidFill>
+                  <a:schemeClr val="tx1"/>
+                </a:solidFill>
+                <a:latin typeface="+mn-lt"/>
+                <a:ea typeface="+mn-ea"/>
+                <a:cs typeface="+mn-cs"/>
+              </a:defRPr>
+            </a:lvl5pPr>
+            <a:lvl6pPr marL="2514600" indent="-228600" algn="l" defTabSz="914400" rtl="0" eaLnBrk="1" latinLnBrk="0" hangingPunct="1">
+              <a:lnSpc>
+                <a:spcPct val="90000"/>
+              </a:lnSpc>
+              <a:spcBef>
+                <a:spcPts val="500"/>
+              </a:spcBef>
+              <a:buFont typeface="Arial" panose="020B0604020202020204" pitchFamily="34" charset="0"/>
+              <a:buChar char="•"/>
+              <a:defRPr sz="1800" kern="1200">
+                <a:solidFill>
+                  <a:schemeClr val="tx1"/>
+                </a:solidFill>
+                <a:latin typeface="+mn-lt"/>
+                <a:ea typeface="+mn-ea"/>
+                <a:cs typeface="+mn-cs"/>
+              </a:defRPr>
+            </a:lvl6pPr>
+            <a:lvl7pPr marL="2971800" indent="-228600" algn="l" defTabSz="914400" rtl="0" eaLnBrk="1" latinLnBrk="0" hangingPunct="1">
+              <a:lnSpc>
+                <a:spcPct val="90000"/>
+              </a:lnSpc>
+              <a:spcBef>
+                <a:spcPts val="500"/>
+              </a:spcBef>
+              <a:buFont typeface="Arial" panose="020B0604020202020204" pitchFamily="34" charset="0"/>
+              <a:buChar char="•"/>
+              <a:defRPr sz="1800" kern="1200">
+                <a:solidFill>
+                  <a:schemeClr val="tx1"/>
+                </a:solidFill>
+                <a:latin typeface="+mn-lt"/>
+                <a:ea typeface="+mn-ea"/>
+                <a:cs typeface="+mn-cs"/>
+              </a:defRPr>
+            </a:lvl7pPr>
+            <a:lvl8pPr marL="3429000" indent="-228600" algn="l" defTabSz="914400" rtl="0" eaLnBrk="1" latinLnBrk="0" hangingPunct="1">
+              <a:lnSpc>
+                <a:spcPct val="90000"/>
+              </a:lnSpc>
+              <a:spcBef>
+                <a:spcPts val="500"/>
+              </a:spcBef>
+              <a:buFont typeface="Arial" panose="020B0604020202020204" pitchFamily="34" charset="0"/>
+              <a:buChar char="•"/>
+              <a:defRPr sz="1800" kern="1200">
+                <a:solidFill>
+                  <a:schemeClr val="tx1"/>
+                </a:solidFill>
+                <a:latin typeface="+mn-lt"/>
+                <a:ea typeface="+mn-ea"/>
+                <a:cs typeface="+mn-cs"/>
+              </a:defRPr>
+            </a:lvl8pPr>
+            <a:lvl9pPr marL="3886200" indent="-228600" algn="l" defTabSz="914400" rtl="0" eaLnBrk="1" latinLnBrk="0" hangingPunct="1">
+              <a:lnSpc>
+                <a:spcPct val="90000"/>
+              </a:lnSpc>
+              <a:spcBef>
+                <a:spcPts val="500"/>
+              </a:spcBef>
+              <a:buFont typeface="Arial" panose="020B0604020202020204" pitchFamily="34" charset="0"/>
+              <a:buChar char="•"/>
+              <a:defRPr sz="1800" kern="1200">
+                <a:solidFill>
+                  <a:schemeClr val="tx1"/>
+                </a:solidFill>
+                <a:latin typeface="+mn-lt"/>
+                <a:ea typeface="+mn-ea"/>
+                <a:cs typeface="+mn-cs"/>
+              </a:defRPr>
+            </a:lvl9pPr>
+          </a:lstStyle>
+          <a:p>
+            <a:pPr marL="0" indent="0">
+              <a:buNone/>
+            </a:pPr>
+            <a:r>
+              <a:rPr lang="it-IT" sz="2400" dirty="0">
+                <a:latin typeface="Poppins Medium" panose="00000600000000000000" pitchFamily="2" charset="0"/>
+                <a:cs typeface="Poppins Medium" panose="00000600000000000000" pitchFamily="2" charset="0"/>
+              </a:rPr>
+              <a:t>Lo strumento utilizzato per la </a:t>
+            </a:r>
+            <a:r>
+              <a:rPr lang="it-IT" sz="2400" dirty="0" err="1">
+                <a:latin typeface="Poppins Medium" panose="00000600000000000000" pitchFamily="2" charset="0"/>
+                <a:cs typeface="Poppins Medium" panose="00000600000000000000" pitchFamily="2" charset="0"/>
+              </a:rPr>
+              <a:t>Continuos</a:t>
+            </a:r>
+            <a:r>
+              <a:rPr lang="it-IT" sz="2400" dirty="0">
+                <a:latin typeface="Poppins Medium" panose="00000600000000000000" pitchFamily="2" charset="0"/>
+                <a:cs typeface="Poppins Medium" panose="00000600000000000000" pitchFamily="2" charset="0"/>
+              </a:rPr>
+              <a:t> Integration è GitHub Actions: </a:t>
+            </a:r>
+            <a:r>
+              <a:rPr lang="it-IT" sz="2400" dirty="0">
+                <a:latin typeface="Poppins Medium" panose="00000600000000000000" pitchFamily="2" charset="0"/>
+                <a:cs typeface="Poppins Medium" panose="00000600000000000000" pitchFamily="2" charset="0"/>
+                <a:hlinkClick r:id="rId3"/>
+              </a:rPr>
+              <a:t>https://docs.github.com/en/actions</a:t>
+            </a:r>
+            <a:endParaRPr lang="it-IT" sz="2400" dirty="0">
+              <a:latin typeface="Poppins Medium" panose="00000600000000000000" pitchFamily="2" charset="0"/>
+              <a:cs typeface="Poppins Medium" panose="00000600000000000000" pitchFamily="2" charset="0"/>
+            </a:endParaRPr>
+          </a:p>
+          <a:p>
+            <a:pPr marL="0" indent="0">
+              <a:buNone/>
+            </a:pPr>
+            <a:r>
+              <a:rPr lang="it-IT" sz="2400" dirty="0" err="1">
+                <a:latin typeface="Poppins Medium" panose="00000600000000000000" pitchFamily="2" charset="0"/>
+                <a:cs typeface="Poppins Medium" panose="00000600000000000000" pitchFamily="2" charset="0"/>
+              </a:rPr>
+              <a:t>Github</a:t>
+            </a:r>
+            <a:r>
+              <a:rPr lang="it-IT" sz="2400" dirty="0">
+                <a:latin typeface="Poppins Medium" panose="00000600000000000000" pitchFamily="2" charset="0"/>
+                <a:cs typeface="Poppins Medium" panose="00000600000000000000" pitchFamily="2" charset="0"/>
+              </a:rPr>
+              <a:t> Action è uno strumento che permette di configurare la pipeline di </a:t>
+            </a:r>
+            <a:r>
+              <a:rPr lang="it-IT" sz="2400" dirty="0" err="1">
+                <a:latin typeface="Poppins Medium" panose="00000600000000000000" pitchFamily="2" charset="0"/>
+                <a:cs typeface="Poppins Medium" panose="00000600000000000000" pitchFamily="2" charset="0"/>
+              </a:rPr>
+              <a:t>integration</a:t>
+            </a:r>
+            <a:r>
+              <a:rPr lang="it-IT" sz="2400" dirty="0">
+                <a:latin typeface="Poppins Medium" panose="00000600000000000000" pitchFamily="2" charset="0"/>
+                <a:cs typeface="Poppins Medium" panose="00000600000000000000" pitchFamily="2" charset="0"/>
+              </a:rPr>
+              <a:t> attraverso la configurazione di </a:t>
+            </a:r>
+            <a:r>
+              <a:rPr lang="it-IT" sz="2400" dirty="0" err="1">
+                <a:latin typeface="Poppins Medium" panose="00000600000000000000" pitchFamily="2" charset="0"/>
+                <a:cs typeface="Poppins Medium" panose="00000600000000000000" pitchFamily="2" charset="0"/>
+              </a:rPr>
+              <a:t>file.yml</a:t>
+            </a:r>
+            <a:r>
+              <a:rPr lang="it-IT" sz="2400" dirty="0">
+                <a:latin typeface="Poppins Medium" panose="00000600000000000000" pitchFamily="2" charset="0"/>
+                <a:cs typeface="Poppins Medium" panose="00000600000000000000" pitchFamily="2" charset="0"/>
+              </a:rPr>
+              <a:t> creando un workflow componibile in base all’esigenza dell’organizzazione.</a:t>
+            </a:r>
+          </a:p>
+          <a:p>
+            <a:pPr marL="0" indent="0">
+              <a:buNone/>
+            </a:pPr>
+            <a:r>
+              <a:rPr lang="it-IT" sz="2400" dirty="0">
+                <a:latin typeface="Poppins Medium" panose="00000600000000000000" pitchFamily="2" charset="0"/>
+                <a:cs typeface="Poppins Medium" panose="00000600000000000000" pitchFamily="2" charset="0"/>
+              </a:rPr>
+              <a:t>In genere sono configurati per automatizzare build, test e report.</a:t>
+            </a:r>
+          </a:p>
+          <a:p>
+            <a:pPr marL="0" indent="0">
+              <a:buNone/>
+            </a:pPr>
+            <a:r>
+              <a:rPr lang="it-IT" sz="2400" dirty="0">
+                <a:latin typeface="Poppins Medium" panose="00000600000000000000" pitchFamily="2" charset="0"/>
+                <a:cs typeface="Poppins Medium" panose="00000600000000000000" pitchFamily="2" charset="0"/>
+              </a:rPr>
+              <a:t>Inoltre la peculiarità di questo strumento è la disposizione di Actions dal marketplace, che permettono di importare configurazioni anche molto complesse.</a:t>
+            </a:r>
+          </a:p>
+          <a:p>
+            <a:pPr marL="0" indent="0">
+              <a:buNone/>
+            </a:pPr>
+            <a:r>
+              <a:rPr lang="it-IT" sz="2400" dirty="0">
+                <a:latin typeface="Poppins Medium" panose="00000600000000000000" pitchFamily="2" charset="0"/>
+                <a:cs typeface="Poppins Medium" panose="00000600000000000000" pitchFamily="2" charset="0"/>
+              </a:rPr>
+              <a:t>Nel progetto sono presenti due workflow principali: </a:t>
+            </a:r>
+          </a:p>
+          <a:p>
+            <a:pPr marL="0" indent="0">
+              <a:buNone/>
+            </a:pPr>
+            <a:r>
+              <a:rPr lang="it-IT" sz="2400" dirty="0">
+                <a:latin typeface="Poppins Medium" panose="00000600000000000000" pitchFamily="2" charset="0"/>
+                <a:cs typeface="Poppins Medium" panose="00000600000000000000" pitchFamily="2" charset="0"/>
+                <a:hlinkClick r:id="rId4"/>
+              </a:rPr>
+              <a:t>https://github.com/vuejs/vue/actions/workflows/release-tag.yml</a:t>
+            </a:r>
+            <a:endParaRPr lang="it-IT" sz="2400" dirty="0">
+              <a:latin typeface="Poppins Medium" panose="00000600000000000000" pitchFamily="2" charset="0"/>
+              <a:cs typeface="Poppins Medium" panose="00000600000000000000" pitchFamily="2" charset="0"/>
+            </a:endParaRPr>
+          </a:p>
+          <a:p>
+            <a:pPr marL="0" indent="0">
+              <a:buNone/>
+            </a:pPr>
+            <a:r>
+              <a:rPr lang="it-IT" sz="2400" dirty="0">
+                <a:latin typeface="Poppins Medium" panose="00000600000000000000" pitchFamily="2" charset="0"/>
+                <a:cs typeface="Poppins Medium" panose="00000600000000000000" pitchFamily="2" charset="0"/>
+                <a:hlinkClick r:id="rId5"/>
+              </a:rPr>
+              <a:t>https://github.com/vuejs/vue/actions/workflows/ci.yml</a:t>
+            </a:r>
+            <a:endParaRPr lang="it-IT" sz="2400" dirty="0">
+              <a:latin typeface="Poppins Medium" panose="00000600000000000000" pitchFamily="2" charset="0"/>
+              <a:cs typeface="Poppins Medium" panose="00000600000000000000" pitchFamily="2" charset="0"/>
+            </a:endParaRPr>
+          </a:p>
+          <a:p>
+            <a:pPr marL="0" indent="0">
+              <a:buFont typeface="Arial" panose="020B0604020202020204" pitchFamily="34" charset="0"/>
+              <a:buNone/>
+            </a:pPr>
+            <a:endParaRPr lang="it-IT" sz="2400" dirty="0">
+              <a:latin typeface="Poppins Medium" panose="00000600000000000000" pitchFamily="2" charset="0"/>
+              <a:cs typeface="Poppins Medium" panose="00000600000000000000" pitchFamily="2" charset="0"/>
+            </a:endParaRPr>
+          </a:p>
+          <a:p>
+            <a:pPr marL="0" indent="0">
+              <a:buFont typeface="Arial" panose="020B0604020202020204" pitchFamily="34" charset="0"/>
+              <a:buNone/>
+            </a:pPr>
+            <a:endParaRPr lang="it-IT" sz="2400" dirty="0">
+              <a:latin typeface="Poppins Medium" panose="00000600000000000000" pitchFamily="2" charset="0"/>
+              <a:cs typeface="Poppins Medium" panose="00000600000000000000" pitchFamily="2" charset="0"/>
+            </a:endParaRPr>
+          </a:p>
+          <a:p>
+            <a:pPr marL="0" indent="0">
+              <a:buFont typeface="Arial" panose="020B0604020202020204" pitchFamily="34" charset="0"/>
+              <a:buNone/>
+            </a:pPr>
+            <a:endParaRPr lang="it-IT" sz="2400" dirty="0">
+              <a:latin typeface="Poppins Medium" panose="00000600000000000000" pitchFamily="2" charset="0"/>
+              <a:cs typeface="Poppins Medium" panose="00000600000000000000" pitchFamily="2" charset="0"/>
+            </a:endParaRPr>
+          </a:p>
+          <a:p>
+            <a:pPr marL="0" indent="0">
+              <a:buFont typeface="Arial" panose="020B0604020202020204" pitchFamily="34" charset="0"/>
+              <a:buNone/>
+            </a:pPr>
+            <a:endParaRPr lang="it-IT" sz="2400" dirty="0">
+              <a:latin typeface="Poppins Medium" panose="00000600000000000000" pitchFamily="2" charset="0"/>
+              <a:cs typeface="Poppins Medium" panose="00000600000000000000" pitchFamily="2" charset="0"/>
+            </a:endParaRPr>
+          </a:p>
+          <a:p>
+            <a:pPr marL="0" indent="0">
+              <a:buFont typeface="Arial" panose="020B0604020202020204" pitchFamily="34" charset="0"/>
+              <a:buNone/>
+            </a:pPr>
+            <a:endParaRPr lang="it-IT" sz="2400" dirty="0">
+              <a:latin typeface="Poppins Medium" panose="00000600000000000000" pitchFamily="2" charset="0"/>
+              <a:cs typeface="Poppins Medium" panose="00000600000000000000" pitchFamily="2" charset="0"/>
+            </a:endParaRPr>
+          </a:p>
+          <a:p>
+            <a:pPr marL="0" indent="0">
+              <a:buFont typeface="Arial" panose="020B0604020202020204" pitchFamily="34" charset="0"/>
+              <a:buNone/>
+            </a:pPr>
+            <a:endParaRPr lang="it-IT" dirty="0">
+              <a:solidFill>
+                <a:schemeClr val="accent1">
+                  <a:lumMod val="75000"/>
+                </a:schemeClr>
+              </a:solidFill>
+            </a:endParaRPr>
+          </a:p>
+        </p:txBody>
+      </p:sp>
     </p:spTree>
     <p:extLst>
       <p:ext uri="{BB962C8B-B14F-4D97-AF65-F5344CB8AC3E}">
-        <p14:creationId xmlns:p14="http://schemas.microsoft.com/office/powerpoint/2010/main" val="3565926194"/>
+        <p14:creationId xmlns:p14="http://schemas.microsoft.com/office/powerpoint/2010/main" val="244662617"/>
       </p:ext>
     </p:extLst>
   </p:cSld>
@@ -9289,10 +10228,95 @@
       </p:grpSpPr>
       <p:sp>
         <p:nvSpPr>
-          <p:cNvPr id="9" name="Rettangolo 8">
-            <a:extLst>
-              <a:ext uri="{FF2B5EF4-FFF2-40B4-BE49-F238E27FC236}">
-                <a16:creationId xmlns:a16="http://schemas.microsoft.com/office/drawing/2014/main" id="{75A649AD-BFC8-D407-B3D8-768C796B24EE}"/>
+          <p:cNvPr id="25" name="Segnaposto data 24">
+            <a:extLst>
+              <a:ext uri="{FF2B5EF4-FFF2-40B4-BE49-F238E27FC236}">
+                <a16:creationId xmlns:a16="http://schemas.microsoft.com/office/drawing/2014/main" id="{115DF917-AC48-486A-81F6-CF2DBBF5CD89}"/>
+              </a:ext>
+            </a:extLst>
+          </p:cNvPr>
+          <p:cNvSpPr>
+            <a:spLocks noGrp="1"/>
+          </p:cNvSpPr>
+          <p:nvPr>
+            <p:ph type="dt" sz="half" idx="10"/>
+          </p:nvPr>
+        </p:nvSpPr>
+        <p:spPr/>
+        <p:txBody>
+          <a:bodyPr/>
+          <a:lstStyle/>
+          <a:p>
+            <a:r>
+              <a:rPr lang="it-IT" sz="1600">
+                <a:solidFill>
+                  <a:schemeClr val="tx1"/>
+                </a:solidFill>
+                <a:latin typeface="Poppins Medium" panose="00000600000000000000" pitchFamily="2" charset="0"/>
+                <a:cs typeface="Poppins Medium" panose="00000600000000000000" pitchFamily="2" charset="0"/>
+              </a:rPr>
+              <a:t>31 Maggio 2022</a:t>
+            </a:r>
+            <a:endParaRPr lang="de-DE" sz="1600">
+              <a:solidFill>
+                <a:schemeClr val="tx1"/>
+              </a:solidFill>
+              <a:latin typeface="Poppins Medium" panose="00000600000000000000" pitchFamily="2" charset="0"/>
+              <a:cs typeface="Poppins Medium" panose="00000600000000000000" pitchFamily="2" charset="0"/>
+            </a:endParaRPr>
+          </a:p>
+        </p:txBody>
+      </p:sp>
+      <p:sp>
+        <p:nvSpPr>
+          <p:cNvPr id="27" name="Segnaposto numero diapositiva 26">
+            <a:extLst>
+              <a:ext uri="{FF2B5EF4-FFF2-40B4-BE49-F238E27FC236}">
+                <a16:creationId xmlns:a16="http://schemas.microsoft.com/office/drawing/2014/main" id="{F9C2EE25-215B-477C-AC6E-D2639B7A24B6}"/>
+              </a:ext>
+            </a:extLst>
+          </p:cNvPr>
+          <p:cNvSpPr>
+            <a:spLocks noGrp="1"/>
+          </p:cNvSpPr>
+          <p:nvPr>
+            <p:ph type="sldNum" sz="quarter" idx="12"/>
+          </p:nvPr>
+        </p:nvSpPr>
+        <p:spPr/>
+        <p:txBody>
+          <a:bodyPr/>
+          <a:lstStyle/>
+          <a:p>
+            <a:fld id="{66CD45B7-DFE2-4393-8D37-380FC36BF3AA}" type="slidenum">
+              <a:rPr lang="de-DE" sz="1600" smtClean="0">
+                <a:solidFill>
+                  <a:schemeClr val="tx1"/>
+                </a:solidFill>
+                <a:latin typeface="Poppins Medium" panose="00000600000000000000" pitchFamily="2" charset="0"/>
+                <a:cs typeface="Poppins Medium" panose="00000600000000000000" pitchFamily="2" charset="0"/>
+              </a:rPr>
+              <a:t>18</a:t>
+            </a:fld>
+            <a:r>
+              <a:rPr lang="de-DE" sz="1600">
+                <a:solidFill>
+                  <a:schemeClr val="tx1"/>
+                </a:solidFill>
+                <a:latin typeface="Poppins Medium" panose="00000600000000000000" pitchFamily="2" charset="0"/>
+                <a:cs typeface="Poppins Medium" panose="00000600000000000000" pitchFamily="2" charset="0"/>
+              </a:rPr>
+              <a:t>/16</a:t>
+            </a:r>
+          </a:p>
+        </p:txBody>
+      </p:sp>
+      <p:sp>
+        <p:nvSpPr>
+          <p:cNvPr id="12" name="Rettangolo 11">
+            <a:extLst>
+              <a:ext uri="{FF2B5EF4-FFF2-40B4-BE49-F238E27FC236}">
+                <a16:creationId xmlns:a16="http://schemas.microsoft.com/office/drawing/2014/main" id="{F0FAD030-2623-A89C-4FA1-55CE81C0AE08}"/>
               </a:ext>
             </a:extLst>
           </p:cNvPr>
@@ -9301,8 +10325,8 @@
         </p:nvSpPr>
         <p:spPr>
           <a:xfrm>
-            <a:off x="1" y="-1039"/>
-            <a:ext cx="12188928" cy="6859039"/>
+            <a:off x="0" y="0"/>
+            <a:ext cx="12184913" cy="1034891"/>
           </a:xfrm>
           <a:prstGeom prst="rect">
             <a:avLst/>
@@ -9310,6 +10334,9 @@
           <a:solidFill>
             <a:srgbClr val="002060"/>
           </a:solidFill>
+          <a:ln>
+            <a:noFill/>
+          </a:ln>
         </p:spPr>
         <p:style>
           <a:lnRef idx="2">
@@ -9332,19 +10359,16 @@
           <a:lstStyle/>
           <a:p>
             <a:pPr algn="ctr"/>
-            <a:endParaRPr lang="it-IT">
-              <a:latin typeface="Poppins Medium" panose="00000600000000000000" pitchFamily="2" charset="0"/>
-              <a:cs typeface="Poppins Medium" panose="00000600000000000000" pitchFamily="2" charset="0"/>
-            </a:endParaRPr>
-          </a:p>
-        </p:txBody>
-      </p:sp>
-      <p:sp>
-        <p:nvSpPr>
-          <p:cNvPr id="2" name="Titolo 1">
-            <a:extLst>
-              <a:ext uri="{FF2B5EF4-FFF2-40B4-BE49-F238E27FC236}">
-                <a16:creationId xmlns:a16="http://schemas.microsoft.com/office/drawing/2014/main" id="{0433AC6E-9B67-D8D1-4A74-54158F91506A}"/>
+            <a:endParaRPr lang="it-IT"/>
+          </a:p>
+        </p:txBody>
+      </p:sp>
+      <p:sp>
+        <p:nvSpPr>
+          <p:cNvPr id="13" name="Titolo 1">
+            <a:extLst>
+              <a:ext uri="{FF2B5EF4-FFF2-40B4-BE49-F238E27FC236}">
+                <a16:creationId xmlns:a16="http://schemas.microsoft.com/office/drawing/2014/main" id="{A0F14F07-00BE-A130-44A5-463A5F98673C}"/>
               </a:ext>
             </a:extLst>
           </p:cNvPr>
@@ -9357,84 +10381,18 @@
         </p:nvSpPr>
         <p:spPr>
           <a:xfrm>
-            <a:off x="838200" y="2236440"/>
-            <a:ext cx="10515600" cy="2384079"/>
+            <a:off x="272535" y="163591"/>
+            <a:ext cx="10176803" cy="707708"/>
           </a:xfrm>
-          <a:ln>
-            <a:noFill/>
-          </a:ln>
         </p:spPr>
         <p:txBody>
-          <a:bodyPr>
+          <a:bodyPr anchor="b">
             <a:normAutofit/>
           </a:bodyPr>
           <a:lstStyle/>
           <a:p>
-            <a:pPr algn="ctr"/>
-            <a:br>
-              <a:rPr lang="it-IT" b="1" dirty="0">
-                <a:solidFill>
-                  <a:schemeClr val="bg1"/>
-                </a:solidFill>
-                <a:latin typeface="Poppins Medium"/>
-                <a:ea typeface="Calibri Light"/>
-                <a:cs typeface="Poppins Medium"/>
-              </a:rPr>
-            </a:br>
-            <a:r>
-              <a:rPr lang="it-IT" sz="5300" b="1" dirty="0">
-                <a:solidFill>
-                  <a:schemeClr val="bg1"/>
-                </a:solidFill>
-                <a:latin typeface="Poppins Medium"/>
-                <a:ea typeface="Calibri Light"/>
-                <a:cs typeface="Poppins Medium"/>
-              </a:rPr>
-              <a:t>ARTIFACT REPOSITORY</a:t>
-            </a:r>
-            <a:br>
-              <a:rPr lang="it-IT" b="1" dirty="0">
-                <a:latin typeface="Poppins Medium"/>
-                <a:cs typeface="Poppins Medium"/>
-              </a:rPr>
-            </a:br>
-            <a:br>
-              <a:rPr lang="it-IT" sz="1800" i="1" dirty="0">
-                <a:latin typeface="Poppins Medium" panose="00000600000000000000" pitchFamily="2" charset="0"/>
-                <a:cs typeface="Poppins Medium" panose="00000600000000000000" pitchFamily="2" charset="0"/>
-              </a:rPr>
-            </a:br>
-            <a:endParaRPr lang="it-IT" sz="1800" dirty="0">
-              <a:latin typeface="Poppins Medium" panose="00000600000000000000" pitchFamily="2" charset="0"/>
-              <a:ea typeface="+mj-lt"/>
-              <a:cs typeface="Poppins Medium" panose="00000600000000000000" pitchFamily="2" charset="0"/>
-            </a:endParaRPr>
-          </a:p>
-        </p:txBody>
-      </p:sp>
-      <p:sp>
-        <p:nvSpPr>
-          <p:cNvPr id="4" name="Segnaposto data 3">
-            <a:extLst>
-              <a:ext uri="{FF2B5EF4-FFF2-40B4-BE49-F238E27FC236}">
-                <a16:creationId xmlns:a16="http://schemas.microsoft.com/office/drawing/2014/main" id="{2FDB7171-3E91-AF0B-DDA7-7C25BCB487A1}"/>
-              </a:ext>
-            </a:extLst>
-          </p:cNvPr>
-          <p:cNvSpPr>
-            <a:spLocks noGrp="1"/>
-          </p:cNvSpPr>
-          <p:nvPr>
-            <p:ph type="dt" sz="half" idx="10"/>
-          </p:nvPr>
-        </p:nvSpPr>
-        <p:spPr/>
-        <p:txBody>
-          <a:bodyPr/>
-          <a:lstStyle/>
-          <a:p>
-            <a:r>
-              <a:rPr lang="it-IT" sz="1600">
+            <a:r>
+              <a:rPr lang="it-IT" sz="4000" b="1" dirty="0">
                 <a:solidFill>
                   <a:schemeClr val="bg1"/>
                 </a:solidFill>
@@ -9445,12 +10403,29 @@
                     </a:srgbClr>
                   </a:outerShdw>
                 </a:effectLst>
-                <a:latin typeface="Poppins Medium" panose="00000600000000000000" pitchFamily="2" charset="0"/>
-                <a:cs typeface="Poppins Medium" panose="00000600000000000000" pitchFamily="2" charset="0"/>
-              </a:rPr>
-              <a:t>31 Maggio 2022</a:t>
-            </a:r>
-            <a:endParaRPr lang="de-DE" sz="1600">
+                <a:latin typeface="Poppins"/>
+                <a:cs typeface="Poppins"/>
+              </a:rPr>
+              <a:t>Build </a:t>
+            </a:r>
+            <a:r>
+              <a:rPr lang="it-IT" sz="4000" b="1" dirty="0" err="1">
+                <a:solidFill>
+                  <a:schemeClr val="bg1"/>
+                </a:solidFill>
+                <a:effectLst>
+                  <a:outerShdw blurRad="38100" dist="38100" dir="2700000" algn="tl">
+                    <a:srgbClr val="000000">
+                      <a:alpha val="43137"/>
+                    </a:srgbClr>
+                  </a:outerShdw>
+                </a:effectLst>
+                <a:latin typeface="Poppins"/>
+                <a:cs typeface="Poppins"/>
+              </a:rPr>
+              <a:t>automation</a:t>
+            </a:r>
+            <a:endParaRPr lang="it-IT" sz="4000" b="1" dirty="0">
               <a:solidFill>
                 <a:schemeClr val="bg1"/>
               </a:solidFill>
@@ -9461,77 +10436,474 @@
                   </a:srgbClr>
                 </a:outerShdw>
               </a:effectLst>
+              <a:latin typeface="Poppins"/>
+              <a:cs typeface="Poppins"/>
+            </a:endParaRPr>
+          </a:p>
+        </p:txBody>
+      </p:sp>
+      <p:sp>
+        <p:nvSpPr>
+          <p:cNvPr id="8" name="Segnaposto contenuto 6">
+            <a:extLst>
+              <a:ext uri="{FF2B5EF4-FFF2-40B4-BE49-F238E27FC236}">
+                <a16:creationId xmlns:a16="http://schemas.microsoft.com/office/drawing/2014/main" id="{F832EED3-9182-E3BD-D2D5-1723AFD8A0BD}"/>
+              </a:ext>
+            </a:extLst>
+          </p:cNvPr>
+          <p:cNvSpPr txBox="1">
+            <a:spLocks/>
+          </p:cNvSpPr>
+          <p:nvPr/>
+        </p:nvSpPr>
+        <p:spPr>
+          <a:xfrm>
+            <a:off x="834656" y="2005012"/>
+            <a:ext cx="10515600" cy="4351338"/>
+          </a:xfrm>
+          <a:prstGeom prst="rect">
+            <a:avLst/>
+          </a:prstGeom>
+        </p:spPr>
+        <p:txBody>
+          <a:bodyPr vert="horz" lIns="91440" tIns="45720" rIns="91440" bIns="45720" rtlCol="0">
+            <a:normAutofit/>
+          </a:bodyPr>
+          <a:lstStyle>
+            <a:lvl1pPr marL="228600" indent="-228600" algn="l" defTabSz="914400" rtl="0" eaLnBrk="1" latinLnBrk="0" hangingPunct="1">
+              <a:lnSpc>
+                <a:spcPct val="90000"/>
+              </a:lnSpc>
+              <a:spcBef>
+                <a:spcPts val="1000"/>
+              </a:spcBef>
+              <a:buFont typeface="Arial" panose="020B0604020202020204" pitchFamily="34" charset="0"/>
+              <a:buChar char="•"/>
+              <a:defRPr sz="2800" kern="1200">
+                <a:solidFill>
+                  <a:schemeClr val="tx1"/>
+                </a:solidFill>
+                <a:latin typeface="+mn-lt"/>
+                <a:ea typeface="+mn-ea"/>
+                <a:cs typeface="+mn-cs"/>
+              </a:defRPr>
+            </a:lvl1pPr>
+            <a:lvl2pPr marL="685800" indent="-228600" algn="l" defTabSz="914400" rtl="0" eaLnBrk="1" latinLnBrk="0" hangingPunct="1">
+              <a:lnSpc>
+                <a:spcPct val="90000"/>
+              </a:lnSpc>
+              <a:spcBef>
+                <a:spcPts val="500"/>
+              </a:spcBef>
+              <a:buFont typeface="Arial" panose="020B0604020202020204" pitchFamily="34" charset="0"/>
+              <a:buChar char="•"/>
+              <a:defRPr sz="2400" kern="1200">
+                <a:solidFill>
+                  <a:schemeClr val="tx1"/>
+                </a:solidFill>
+                <a:latin typeface="+mn-lt"/>
+                <a:ea typeface="+mn-ea"/>
+                <a:cs typeface="+mn-cs"/>
+              </a:defRPr>
+            </a:lvl2pPr>
+            <a:lvl3pPr marL="1143000" indent="-228600" algn="l" defTabSz="914400" rtl="0" eaLnBrk="1" latinLnBrk="0" hangingPunct="1">
+              <a:lnSpc>
+                <a:spcPct val="90000"/>
+              </a:lnSpc>
+              <a:spcBef>
+                <a:spcPts val="500"/>
+              </a:spcBef>
+              <a:buFont typeface="Arial" panose="020B0604020202020204" pitchFamily="34" charset="0"/>
+              <a:buChar char="•"/>
+              <a:defRPr sz="2000" kern="1200">
+                <a:solidFill>
+                  <a:schemeClr val="tx1"/>
+                </a:solidFill>
+                <a:latin typeface="+mn-lt"/>
+                <a:ea typeface="+mn-ea"/>
+                <a:cs typeface="+mn-cs"/>
+              </a:defRPr>
+            </a:lvl3pPr>
+            <a:lvl4pPr marL="1600200" indent="-228600" algn="l" defTabSz="914400" rtl="0" eaLnBrk="1" latinLnBrk="0" hangingPunct="1">
+              <a:lnSpc>
+                <a:spcPct val="90000"/>
+              </a:lnSpc>
+              <a:spcBef>
+                <a:spcPts val="500"/>
+              </a:spcBef>
+              <a:buFont typeface="Arial" panose="020B0604020202020204" pitchFamily="34" charset="0"/>
+              <a:buChar char="•"/>
+              <a:defRPr sz="1800" kern="1200">
+                <a:solidFill>
+                  <a:schemeClr val="tx1"/>
+                </a:solidFill>
+                <a:latin typeface="+mn-lt"/>
+                <a:ea typeface="+mn-ea"/>
+                <a:cs typeface="+mn-cs"/>
+              </a:defRPr>
+            </a:lvl4pPr>
+            <a:lvl5pPr marL="2057400" indent="-228600" algn="l" defTabSz="914400" rtl="0" eaLnBrk="1" latinLnBrk="0" hangingPunct="1">
+              <a:lnSpc>
+                <a:spcPct val="90000"/>
+              </a:lnSpc>
+              <a:spcBef>
+                <a:spcPts val="500"/>
+              </a:spcBef>
+              <a:buFont typeface="Arial" panose="020B0604020202020204" pitchFamily="34" charset="0"/>
+              <a:buChar char="•"/>
+              <a:defRPr sz="1800" kern="1200">
+                <a:solidFill>
+                  <a:schemeClr val="tx1"/>
+                </a:solidFill>
+                <a:latin typeface="+mn-lt"/>
+                <a:ea typeface="+mn-ea"/>
+                <a:cs typeface="+mn-cs"/>
+              </a:defRPr>
+            </a:lvl5pPr>
+            <a:lvl6pPr marL="2514600" indent="-228600" algn="l" defTabSz="914400" rtl="0" eaLnBrk="1" latinLnBrk="0" hangingPunct="1">
+              <a:lnSpc>
+                <a:spcPct val="90000"/>
+              </a:lnSpc>
+              <a:spcBef>
+                <a:spcPts val="500"/>
+              </a:spcBef>
+              <a:buFont typeface="Arial" panose="020B0604020202020204" pitchFamily="34" charset="0"/>
+              <a:buChar char="•"/>
+              <a:defRPr sz="1800" kern="1200">
+                <a:solidFill>
+                  <a:schemeClr val="tx1"/>
+                </a:solidFill>
+                <a:latin typeface="+mn-lt"/>
+                <a:ea typeface="+mn-ea"/>
+                <a:cs typeface="+mn-cs"/>
+              </a:defRPr>
+            </a:lvl6pPr>
+            <a:lvl7pPr marL="2971800" indent="-228600" algn="l" defTabSz="914400" rtl="0" eaLnBrk="1" latinLnBrk="0" hangingPunct="1">
+              <a:lnSpc>
+                <a:spcPct val="90000"/>
+              </a:lnSpc>
+              <a:spcBef>
+                <a:spcPts val="500"/>
+              </a:spcBef>
+              <a:buFont typeface="Arial" panose="020B0604020202020204" pitchFamily="34" charset="0"/>
+              <a:buChar char="•"/>
+              <a:defRPr sz="1800" kern="1200">
+                <a:solidFill>
+                  <a:schemeClr val="tx1"/>
+                </a:solidFill>
+                <a:latin typeface="+mn-lt"/>
+                <a:ea typeface="+mn-ea"/>
+                <a:cs typeface="+mn-cs"/>
+              </a:defRPr>
+            </a:lvl7pPr>
+            <a:lvl8pPr marL="3429000" indent="-228600" algn="l" defTabSz="914400" rtl="0" eaLnBrk="1" latinLnBrk="0" hangingPunct="1">
+              <a:lnSpc>
+                <a:spcPct val="90000"/>
+              </a:lnSpc>
+              <a:spcBef>
+                <a:spcPts val="500"/>
+              </a:spcBef>
+              <a:buFont typeface="Arial" panose="020B0604020202020204" pitchFamily="34" charset="0"/>
+              <a:buChar char="•"/>
+              <a:defRPr sz="1800" kern="1200">
+                <a:solidFill>
+                  <a:schemeClr val="tx1"/>
+                </a:solidFill>
+                <a:latin typeface="+mn-lt"/>
+                <a:ea typeface="+mn-ea"/>
+                <a:cs typeface="+mn-cs"/>
+              </a:defRPr>
+            </a:lvl8pPr>
+            <a:lvl9pPr marL="3886200" indent="-228600" algn="l" defTabSz="914400" rtl="0" eaLnBrk="1" latinLnBrk="0" hangingPunct="1">
+              <a:lnSpc>
+                <a:spcPct val="90000"/>
+              </a:lnSpc>
+              <a:spcBef>
+                <a:spcPts val="500"/>
+              </a:spcBef>
+              <a:buFont typeface="Arial" panose="020B0604020202020204" pitchFamily="34" charset="0"/>
+              <a:buChar char="•"/>
+              <a:defRPr sz="1800" kern="1200">
+                <a:solidFill>
+                  <a:schemeClr val="tx1"/>
+                </a:solidFill>
+                <a:latin typeface="+mn-lt"/>
+                <a:ea typeface="+mn-ea"/>
+                <a:cs typeface="+mn-cs"/>
+              </a:defRPr>
+            </a:lvl9pPr>
+          </a:lstStyle>
+          <a:p>
+            <a:pPr marL="0" indent="0">
+              <a:buFont typeface="Arial" panose="020B0604020202020204" pitchFamily="34" charset="0"/>
+              <a:buNone/>
+            </a:pPr>
+            <a:endParaRPr lang="it-IT" sz="2400" dirty="0">
               <a:latin typeface="Poppins Medium" panose="00000600000000000000" pitchFamily="2" charset="0"/>
               <a:cs typeface="Poppins Medium" panose="00000600000000000000" pitchFamily="2" charset="0"/>
             </a:endParaRPr>
           </a:p>
-        </p:txBody>
-      </p:sp>
-      <p:sp>
-        <p:nvSpPr>
-          <p:cNvPr id="6" name="Segnaposto numero diapositiva 5">
-            <a:extLst>
-              <a:ext uri="{FF2B5EF4-FFF2-40B4-BE49-F238E27FC236}">
-                <a16:creationId xmlns:a16="http://schemas.microsoft.com/office/drawing/2014/main" id="{D8ABE49A-B3ED-E602-CFFA-63BA9EA87067}"/>
-              </a:ext>
-            </a:extLst>
-          </p:cNvPr>
-          <p:cNvSpPr>
-            <a:spLocks noGrp="1"/>
-          </p:cNvSpPr>
-          <p:nvPr>
-            <p:ph type="sldNum" sz="quarter" idx="12"/>
-          </p:nvPr>
-        </p:nvSpPr>
-        <p:spPr/>
-        <p:txBody>
-          <a:bodyPr/>
-          <a:lstStyle/>
-          <a:p>
-            <a:fld id="{66CD45B7-DFE2-4393-8D37-380FC36BF3AA}" type="slidenum">
-              <a:rPr lang="de-DE" sz="1600" smtClean="0">
-                <a:solidFill>
-                  <a:schemeClr val="bg1"/>
-                </a:solidFill>
-                <a:effectLst>
-                  <a:outerShdw blurRad="38100" dist="38100" dir="2700000" algn="tl">
-                    <a:srgbClr val="000000">
-                      <a:alpha val="43137"/>
-                    </a:srgbClr>
-                  </a:outerShdw>
-                </a:effectLst>
-                <a:latin typeface="Poppins Medium" panose="00000600000000000000" pitchFamily="2" charset="0"/>
-                <a:cs typeface="Poppins Medium" panose="00000600000000000000" pitchFamily="2" charset="0"/>
-              </a:rPr>
-              <a:pPr/>
-              <a:t>18</a:t>
-            </a:fld>
-            <a:r>
-              <a:rPr lang="de-DE" sz="1600">
-                <a:solidFill>
-                  <a:schemeClr val="bg1"/>
-                </a:solidFill>
-                <a:effectLst>
-                  <a:outerShdw blurRad="38100" dist="38100" dir="2700000" algn="tl">
-                    <a:srgbClr val="000000">
-                      <a:alpha val="43137"/>
-                    </a:srgbClr>
-                  </a:outerShdw>
-                </a:effectLst>
-                <a:latin typeface="Poppins Medium" panose="00000600000000000000" pitchFamily="2" charset="0"/>
-                <a:cs typeface="Poppins Medium" panose="00000600000000000000" pitchFamily="2" charset="0"/>
-              </a:rPr>
-              <a:t>/16</a:t>
-            </a:r>
+          <a:p>
+            <a:pPr marL="0" indent="0">
+              <a:buFont typeface="Arial" panose="020B0604020202020204" pitchFamily="34" charset="0"/>
+              <a:buNone/>
+            </a:pPr>
+            <a:endParaRPr lang="it-IT" sz="2400" dirty="0">
+              <a:latin typeface="Poppins Medium" panose="00000600000000000000" pitchFamily="2" charset="0"/>
+              <a:cs typeface="Poppins Medium" panose="00000600000000000000" pitchFamily="2" charset="0"/>
+            </a:endParaRPr>
+          </a:p>
+          <a:p>
+            <a:pPr marL="0" indent="0">
+              <a:buFont typeface="Arial" panose="020B0604020202020204" pitchFamily="34" charset="0"/>
+              <a:buNone/>
+            </a:pPr>
+            <a:endParaRPr lang="it-IT" sz="2400" dirty="0">
+              <a:latin typeface="Poppins Medium" panose="00000600000000000000" pitchFamily="2" charset="0"/>
+              <a:cs typeface="Poppins Medium" panose="00000600000000000000" pitchFamily="2" charset="0"/>
+            </a:endParaRPr>
+          </a:p>
+          <a:p>
+            <a:pPr marL="0" indent="0">
+              <a:buFont typeface="Arial" panose="020B0604020202020204" pitchFamily="34" charset="0"/>
+              <a:buNone/>
+            </a:pPr>
+            <a:endParaRPr lang="it-IT" dirty="0">
+              <a:solidFill>
+                <a:schemeClr val="accent1">
+                  <a:lumMod val="75000"/>
+                </a:schemeClr>
+              </a:solidFill>
+            </a:endParaRPr>
+          </a:p>
+        </p:txBody>
+      </p:sp>
+      <p:sp>
+        <p:nvSpPr>
+          <p:cNvPr id="9" name="Segnaposto contenuto 6">
+            <a:extLst>
+              <a:ext uri="{FF2B5EF4-FFF2-40B4-BE49-F238E27FC236}">
+                <a16:creationId xmlns:a16="http://schemas.microsoft.com/office/drawing/2014/main" id="{7AC3ED64-EC96-BC83-5912-B2CE023F9977}"/>
+              </a:ext>
+            </a:extLst>
+          </p:cNvPr>
+          <p:cNvSpPr txBox="1">
+            <a:spLocks/>
+          </p:cNvSpPr>
+          <p:nvPr/>
+        </p:nvSpPr>
+        <p:spPr>
+          <a:xfrm>
+            <a:off x="570914" y="1519951"/>
+            <a:ext cx="10187574" cy="607813"/>
+          </a:xfrm>
+          <a:prstGeom prst="rect">
+            <a:avLst/>
+          </a:prstGeom>
+        </p:spPr>
+        <p:txBody>
+          <a:bodyPr vert="horz" lIns="91440" tIns="45720" rIns="91440" bIns="45720" rtlCol="0">
+            <a:normAutofit/>
+          </a:bodyPr>
+          <a:lstStyle>
+            <a:lvl1pPr marL="228600" indent="-228600" algn="l" defTabSz="914400" rtl="0" eaLnBrk="1" latinLnBrk="0" hangingPunct="1">
+              <a:lnSpc>
+                <a:spcPct val="90000"/>
+              </a:lnSpc>
+              <a:spcBef>
+                <a:spcPts val="1000"/>
+              </a:spcBef>
+              <a:buFont typeface="Arial" panose="020B0604020202020204" pitchFamily="34" charset="0"/>
+              <a:buChar char="•"/>
+              <a:defRPr sz="2800" kern="1200">
+                <a:solidFill>
+                  <a:schemeClr val="tx1"/>
+                </a:solidFill>
+                <a:latin typeface="+mn-lt"/>
+                <a:ea typeface="+mn-ea"/>
+                <a:cs typeface="+mn-cs"/>
+              </a:defRPr>
+            </a:lvl1pPr>
+            <a:lvl2pPr marL="685800" indent="-228600" algn="l" defTabSz="914400" rtl="0" eaLnBrk="1" latinLnBrk="0" hangingPunct="1">
+              <a:lnSpc>
+                <a:spcPct val="90000"/>
+              </a:lnSpc>
+              <a:spcBef>
+                <a:spcPts val="500"/>
+              </a:spcBef>
+              <a:buFont typeface="Arial" panose="020B0604020202020204" pitchFamily="34" charset="0"/>
+              <a:buChar char="•"/>
+              <a:defRPr sz="2400" kern="1200">
+                <a:solidFill>
+                  <a:schemeClr val="tx1"/>
+                </a:solidFill>
+                <a:latin typeface="+mn-lt"/>
+                <a:ea typeface="+mn-ea"/>
+                <a:cs typeface="+mn-cs"/>
+              </a:defRPr>
+            </a:lvl2pPr>
+            <a:lvl3pPr marL="1143000" indent="-228600" algn="l" defTabSz="914400" rtl="0" eaLnBrk="1" latinLnBrk="0" hangingPunct="1">
+              <a:lnSpc>
+                <a:spcPct val="90000"/>
+              </a:lnSpc>
+              <a:spcBef>
+                <a:spcPts val="500"/>
+              </a:spcBef>
+              <a:buFont typeface="Arial" panose="020B0604020202020204" pitchFamily="34" charset="0"/>
+              <a:buChar char="•"/>
+              <a:defRPr sz="2000" kern="1200">
+                <a:solidFill>
+                  <a:schemeClr val="tx1"/>
+                </a:solidFill>
+                <a:latin typeface="+mn-lt"/>
+                <a:ea typeface="+mn-ea"/>
+                <a:cs typeface="+mn-cs"/>
+              </a:defRPr>
+            </a:lvl3pPr>
+            <a:lvl4pPr marL="1600200" indent="-228600" algn="l" defTabSz="914400" rtl="0" eaLnBrk="1" latinLnBrk="0" hangingPunct="1">
+              <a:lnSpc>
+                <a:spcPct val="90000"/>
+              </a:lnSpc>
+              <a:spcBef>
+                <a:spcPts val="500"/>
+              </a:spcBef>
+              <a:buFont typeface="Arial" panose="020B0604020202020204" pitchFamily="34" charset="0"/>
+              <a:buChar char="•"/>
+              <a:defRPr sz="1800" kern="1200">
+                <a:solidFill>
+                  <a:schemeClr val="tx1"/>
+                </a:solidFill>
+                <a:latin typeface="+mn-lt"/>
+                <a:ea typeface="+mn-ea"/>
+                <a:cs typeface="+mn-cs"/>
+              </a:defRPr>
+            </a:lvl4pPr>
+            <a:lvl5pPr marL="2057400" indent="-228600" algn="l" defTabSz="914400" rtl="0" eaLnBrk="1" latinLnBrk="0" hangingPunct="1">
+              <a:lnSpc>
+                <a:spcPct val="90000"/>
+              </a:lnSpc>
+              <a:spcBef>
+                <a:spcPts val="500"/>
+              </a:spcBef>
+              <a:buFont typeface="Arial" panose="020B0604020202020204" pitchFamily="34" charset="0"/>
+              <a:buChar char="•"/>
+              <a:defRPr sz="1800" kern="1200">
+                <a:solidFill>
+                  <a:schemeClr val="tx1"/>
+                </a:solidFill>
+                <a:latin typeface="+mn-lt"/>
+                <a:ea typeface="+mn-ea"/>
+                <a:cs typeface="+mn-cs"/>
+              </a:defRPr>
+            </a:lvl5pPr>
+            <a:lvl6pPr marL="2514600" indent="-228600" algn="l" defTabSz="914400" rtl="0" eaLnBrk="1" latinLnBrk="0" hangingPunct="1">
+              <a:lnSpc>
+                <a:spcPct val="90000"/>
+              </a:lnSpc>
+              <a:spcBef>
+                <a:spcPts val="500"/>
+              </a:spcBef>
+              <a:buFont typeface="Arial" panose="020B0604020202020204" pitchFamily="34" charset="0"/>
+              <a:buChar char="•"/>
+              <a:defRPr sz="1800" kern="1200">
+                <a:solidFill>
+                  <a:schemeClr val="tx1"/>
+                </a:solidFill>
+                <a:latin typeface="+mn-lt"/>
+                <a:ea typeface="+mn-ea"/>
+                <a:cs typeface="+mn-cs"/>
+              </a:defRPr>
+            </a:lvl6pPr>
+            <a:lvl7pPr marL="2971800" indent="-228600" algn="l" defTabSz="914400" rtl="0" eaLnBrk="1" latinLnBrk="0" hangingPunct="1">
+              <a:lnSpc>
+                <a:spcPct val="90000"/>
+              </a:lnSpc>
+              <a:spcBef>
+                <a:spcPts val="500"/>
+              </a:spcBef>
+              <a:buFont typeface="Arial" panose="020B0604020202020204" pitchFamily="34" charset="0"/>
+              <a:buChar char="•"/>
+              <a:defRPr sz="1800" kern="1200">
+                <a:solidFill>
+                  <a:schemeClr val="tx1"/>
+                </a:solidFill>
+                <a:latin typeface="+mn-lt"/>
+                <a:ea typeface="+mn-ea"/>
+                <a:cs typeface="+mn-cs"/>
+              </a:defRPr>
+            </a:lvl7pPr>
+            <a:lvl8pPr marL="3429000" indent="-228600" algn="l" defTabSz="914400" rtl="0" eaLnBrk="1" latinLnBrk="0" hangingPunct="1">
+              <a:lnSpc>
+                <a:spcPct val="90000"/>
+              </a:lnSpc>
+              <a:spcBef>
+                <a:spcPts val="500"/>
+              </a:spcBef>
+              <a:buFont typeface="Arial" panose="020B0604020202020204" pitchFamily="34" charset="0"/>
+              <a:buChar char="•"/>
+              <a:defRPr sz="1800" kern="1200">
+                <a:solidFill>
+                  <a:schemeClr val="tx1"/>
+                </a:solidFill>
+                <a:latin typeface="+mn-lt"/>
+                <a:ea typeface="+mn-ea"/>
+                <a:cs typeface="+mn-cs"/>
+              </a:defRPr>
+            </a:lvl8pPr>
+            <a:lvl9pPr marL="3886200" indent="-228600" algn="l" defTabSz="914400" rtl="0" eaLnBrk="1" latinLnBrk="0" hangingPunct="1">
+              <a:lnSpc>
+                <a:spcPct val="90000"/>
+              </a:lnSpc>
+              <a:spcBef>
+                <a:spcPts val="500"/>
+              </a:spcBef>
+              <a:buFont typeface="Arial" panose="020B0604020202020204" pitchFamily="34" charset="0"/>
+              <a:buChar char="•"/>
+              <a:defRPr sz="1800" kern="1200">
+                <a:solidFill>
+                  <a:schemeClr val="tx1"/>
+                </a:solidFill>
+                <a:latin typeface="+mn-lt"/>
+                <a:ea typeface="+mn-ea"/>
+                <a:cs typeface="+mn-cs"/>
+              </a:defRPr>
+            </a:lvl9pPr>
+          </a:lstStyle>
+          <a:p>
+            <a:pPr marL="0" indent="0">
+              <a:buFont typeface="Arial" panose="020B0604020202020204" pitchFamily="34" charset="0"/>
+              <a:buNone/>
+            </a:pPr>
+            <a:r>
+              <a:rPr lang="it-IT" sz="2800" dirty="0">
+                <a:latin typeface="Poppins Medium" panose="00000600000000000000" pitchFamily="2" charset="0"/>
+                <a:cs typeface="Poppins Medium" panose="00000600000000000000" pitchFamily="2" charset="0"/>
+              </a:rPr>
+              <a:t>Release-</a:t>
+            </a:r>
+            <a:r>
+              <a:rPr lang="it-IT" sz="2800" dirty="0" err="1">
+                <a:latin typeface="Poppins Medium" panose="00000600000000000000" pitchFamily="2" charset="0"/>
+                <a:cs typeface="Poppins Medium" panose="00000600000000000000" pitchFamily="2" charset="0"/>
+              </a:rPr>
+              <a:t>tag.yml</a:t>
+            </a:r>
+            <a:endParaRPr lang="it-IT" dirty="0">
+              <a:solidFill>
+                <a:schemeClr val="accent1">
+                  <a:lumMod val="75000"/>
+                </a:schemeClr>
+              </a:solidFill>
+            </a:endParaRPr>
           </a:p>
         </p:txBody>
       </p:sp>
       <p:pic>
         <p:nvPicPr>
-          <p:cNvPr id="7" name="Elemento grafico 6" descr="Scatola con riempimento a tinta unita">
-            <a:extLst>
-              <a:ext uri="{FF2B5EF4-FFF2-40B4-BE49-F238E27FC236}">
-                <a16:creationId xmlns:a16="http://schemas.microsoft.com/office/drawing/2014/main" id="{B1CD20B1-D24B-5B2E-CADD-348CF7FF02A6}"/>
+          <p:cNvPr id="5" name="Immagine 4" descr="Immagine che contiene testo&#10;&#10;Descrizione generata automaticamente">
+            <a:extLst>
+              <a:ext uri="{FF2B5EF4-FFF2-40B4-BE49-F238E27FC236}">
+                <a16:creationId xmlns:a16="http://schemas.microsoft.com/office/drawing/2014/main" id="{EDA9068A-5DFC-769C-C368-6566927098F3}"/>
               </a:ext>
             </a:extLst>
           </p:cNvPr>
@@ -9541,13 +10913,10 @@
           <p:nvPr/>
         </p:nvPicPr>
         <p:blipFill>
-          <a:blip r:embed="rId2">
+          <a:blip r:embed="rId3">
             <a:extLst>
               <a:ext uri="{28A0092B-C50C-407E-A947-70E740481C1C}">
                 <a14:useLocalDpi xmlns:a14="http://schemas.microsoft.com/office/drawing/2010/main" val="0"/>
-              </a:ext>
-              <a:ext uri="{96DAC541-7B7A-43D3-8B79-37D633B846F1}">
-                <asvg:svgBlip xmlns:asvg="http://schemas.microsoft.com/office/drawing/2016/SVG/main" r:embed="rId3"/>
               </a:ext>
             </a:extLst>
           </a:blip>
@@ -9557,8 +10926,8 @@
         </p:blipFill>
         <p:spPr>
           <a:xfrm>
-            <a:off x="9982200" y="545973"/>
-            <a:ext cx="1553942" cy="1553942"/>
+            <a:off x="570914" y="2005013"/>
+            <a:ext cx="9960044" cy="4187746"/>
           </a:xfrm>
           <a:prstGeom prst="rect">
             <a:avLst/>
@@ -9568,7 +10937,7 @@
     </p:spTree>
     <p:extLst>
       <p:ext uri="{BB962C8B-B14F-4D97-AF65-F5344CB8AC3E}">
-        <p14:creationId xmlns:p14="http://schemas.microsoft.com/office/powerpoint/2010/main" val="974300391"/>
+        <p14:creationId xmlns:p14="http://schemas.microsoft.com/office/powerpoint/2010/main" val="1437737435"/>
       </p:ext>
     </p:extLst>
   </p:cSld>
@@ -9597,10 +10966,95 @@
       </p:grpSpPr>
       <p:sp>
         <p:nvSpPr>
-          <p:cNvPr id="9" name="Rettangolo 8">
-            <a:extLst>
-              <a:ext uri="{FF2B5EF4-FFF2-40B4-BE49-F238E27FC236}">
-                <a16:creationId xmlns:a16="http://schemas.microsoft.com/office/drawing/2014/main" id="{75A649AD-BFC8-D407-B3D8-768C796B24EE}"/>
+          <p:cNvPr id="25" name="Segnaposto data 24">
+            <a:extLst>
+              <a:ext uri="{FF2B5EF4-FFF2-40B4-BE49-F238E27FC236}">
+                <a16:creationId xmlns:a16="http://schemas.microsoft.com/office/drawing/2014/main" id="{115DF917-AC48-486A-81F6-CF2DBBF5CD89}"/>
+              </a:ext>
+            </a:extLst>
+          </p:cNvPr>
+          <p:cNvSpPr>
+            <a:spLocks noGrp="1"/>
+          </p:cNvSpPr>
+          <p:nvPr>
+            <p:ph type="dt" sz="half" idx="10"/>
+          </p:nvPr>
+        </p:nvSpPr>
+        <p:spPr/>
+        <p:txBody>
+          <a:bodyPr/>
+          <a:lstStyle/>
+          <a:p>
+            <a:r>
+              <a:rPr lang="it-IT" sz="1600">
+                <a:solidFill>
+                  <a:schemeClr val="tx1"/>
+                </a:solidFill>
+                <a:latin typeface="Poppins Medium" panose="00000600000000000000" pitchFamily="2" charset="0"/>
+                <a:cs typeface="Poppins Medium" panose="00000600000000000000" pitchFamily="2" charset="0"/>
+              </a:rPr>
+              <a:t>31 Maggio 2022</a:t>
+            </a:r>
+            <a:endParaRPr lang="de-DE" sz="1600">
+              <a:solidFill>
+                <a:schemeClr val="tx1"/>
+              </a:solidFill>
+              <a:latin typeface="Poppins Medium" panose="00000600000000000000" pitchFamily="2" charset="0"/>
+              <a:cs typeface="Poppins Medium" panose="00000600000000000000" pitchFamily="2" charset="0"/>
+            </a:endParaRPr>
+          </a:p>
+        </p:txBody>
+      </p:sp>
+      <p:sp>
+        <p:nvSpPr>
+          <p:cNvPr id="27" name="Segnaposto numero diapositiva 26">
+            <a:extLst>
+              <a:ext uri="{FF2B5EF4-FFF2-40B4-BE49-F238E27FC236}">
+                <a16:creationId xmlns:a16="http://schemas.microsoft.com/office/drawing/2014/main" id="{F9C2EE25-215B-477C-AC6E-D2639B7A24B6}"/>
+              </a:ext>
+            </a:extLst>
+          </p:cNvPr>
+          <p:cNvSpPr>
+            <a:spLocks noGrp="1"/>
+          </p:cNvSpPr>
+          <p:nvPr>
+            <p:ph type="sldNum" sz="quarter" idx="12"/>
+          </p:nvPr>
+        </p:nvSpPr>
+        <p:spPr/>
+        <p:txBody>
+          <a:bodyPr/>
+          <a:lstStyle/>
+          <a:p>
+            <a:fld id="{66CD45B7-DFE2-4393-8D37-380FC36BF3AA}" type="slidenum">
+              <a:rPr lang="de-DE" sz="1600" smtClean="0">
+                <a:solidFill>
+                  <a:schemeClr val="tx1"/>
+                </a:solidFill>
+                <a:latin typeface="Poppins Medium" panose="00000600000000000000" pitchFamily="2" charset="0"/>
+                <a:cs typeface="Poppins Medium" panose="00000600000000000000" pitchFamily="2" charset="0"/>
+              </a:rPr>
+              <a:t>19</a:t>
+            </a:fld>
+            <a:r>
+              <a:rPr lang="de-DE" sz="1600">
+                <a:solidFill>
+                  <a:schemeClr val="tx1"/>
+                </a:solidFill>
+                <a:latin typeface="Poppins Medium" panose="00000600000000000000" pitchFamily="2" charset="0"/>
+                <a:cs typeface="Poppins Medium" panose="00000600000000000000" pitchFamily="2" charset="0"/>
+              </a:rPr>
+              <a:t>/16</a:t>
+            </a:r>
+          </a:p>
+        </p:txBody>
+      </p:sp>
+      <p:sp>
+        <p:nvSpPr>
+          <p:cNvPr id="12" name="Rettangolo 11">
+            <a:extLst>
+              <a:ext uri="{FF2B5EF4-FFF2-40B4-BE49-F238E27FC236}">
+                <a16:creationId xmlns:a16="http://schemas.microsoft.com/office/drawing/2014/main" id="{F0FAD030-2623-A89C-4FA1-55CE81C0AE08}"/>
               </a:ext>
             </a:extLst>
           </p:cNvPr>
@@ -9609,8 +11063,8 @@
         </p:nvSpPr>
         <p:spPr>
           <a:xfrm>
-            <a:off x="1" y="-1039"/>
-            <a:ext cx="12188928" cy="6859039"/>
+            <a:off x="0" y="0"/>
+            <a:ext cx="12184913" cy="1034891"/>
           </a:xfrm>
           <a:prstGeom prst="rect">
             <a:avLst/>
@@ -9618,6 +11072,9 @@
           <a:solidFill>
             <a:srgbClr val="002060"/>
           </a:solidFill>
+          <a:ln>
+            <a:noFill/>
+          </a:ln>
         </p:spPr>
         <p:style>
           <a:lnRef idx="2">
@@ -9640,19 +11097,16 @@
           <a:lstStyle/>
           <a:p>
             <a:pPr algn="ctr"/>
-            <a:endParaRPr lang="it-IT">
-              <a:latin typeface="Poppins Medium" panose="00000600000000000000" pitchFamily="2" charset="0"/>
-              <a:cs typeface="Poppins Medium" panose="00000600000000000000" pitchFamily="2" charset="0"/>
-            </a:endParaRPr>
-          </a:p>
-        </p:txBody>
-      </p:sp>
-      <p:sp>
-        <p:nvSpPr>
-          <p:cNvPr id="2" name="Titolo 1">
-            <a:extLst>
-              <a:ext uri="{FF2B5EF4-FFF2-40B4-BE49-F238E27FC236}">
-                <a16:creationId xmlns:a16="http://schemas.microsoft.com/office/drawing/2014/main" id="{0433AC6E-9B67-D8D1-4A74-54158F91506A}"/>
+            <a:endParaRPr lang="it-IT"/>
+          </a:p>
+        </p:txBody>
+      </p:sp>
+      <p:sp>
+        <p:nvSpPr>
+          <p:cNvPr id="13" name="Titolo 1">
+            <a:extLst>
+              <a:ext uri="{FF2B5EF4-FFF2-40B4-BE49-F238E27FC236}">
+                <a16:creationId xmlns:a16="http://schemas.microsoft.com/office/drawing/2014/main" id="{A0F14F07-00BE-A130-44A5-463A5F98673C}"/>
               </a:ext>
             </a:extLst>
           </p:cNvPr>
@@ -9665,84 +11119,18 @@
         </p:nvSpPr>
         <p:spPr>
           <a:xfrm>
-            <a:off x="838200" y="2236440"/>
-            <a:ext cx="10515600" cy="2384079"/>
+            <a:off x="272535" y="163591"/>
+            <a:ext cx="10176803" cy="707708"/>
           </a:xfrm>
-          <a:ln>
-            <a:noFill/>
-          </a:ln>
         </p:spPr>
         <p:txBody>
-          <a:bodyPr>
+          <a:bodyPr anchor="b">
             <a:normAutofit/>
           </a:bodyPr>
           <a:lstStyle/>
           <a:p>
-            <a:pPr algn="ctr"/>
-            <a:br>
-              <a:rPr lang="it-IT" b="1" dirty="0">
-                <a:solidFill>
-                  <a:schemeClr val="bg1"/>
-                </a:solidFill>
-                <a:latin typeface="Poppins Medium"/>
-                <a:ea typeface="Calibri Light"/>
-                <a:cs typeface="Poppins Medium"/>
-              </a:rPr>
-            </a:br>
-            <a:r>
-              <a:rPr lang="it-IT" sz="5300" b="1" dirty="0">
-                <a:solidFill>
-                  <a:schemeClr val="bg1"/>
-                </a:solidFill>
-                <a:latin typeface="Poppins Medium"/>
-                <a:ea typeface="Calibri Light"/>
-                <a:cs typeface="Poppins Medium"/>
-              </a:rPr>
-              <a:t>CONTINUOS DELIVERY</a:t>
-            </a:r>
-            <a:br>
-              <a:rPr lang="it-IT" b="1" dirty="0">
-                <a:latin typeface="Poppins Medium"/>
-                <a:cs typeface="Poppins Medium"/>
-              </a:rPr>
-            </a:br>
-            <a:br>
-              <a:rPr lang="it-IT" sz="1800" i="1" dirty="0">
-                <a:latin typeface="Poppins Medium" panose="00000600000000000000" pitchFamily="2" charset="0"/>
-                <a:cs typeface="Poppins Medium" panose="00000600000000000000" pitchFamily="2" charset="0"/>
-              </a:rPr>
-            </a:br>
-            <a:endParaRPr lang="it-IT" sz="1800" dirty="0">
-              <a:latin typeface="Poppins Medium" panose="00000600000000000000" pitchFamily="2" charset="0"/>
-              <a:ea typeface="+mj-lt"/>
-              <a:cs typeface="Poppins Medium" panose="00000600000000000000" pitchFamily="2" charset="0"/>
-            </a:endParaRPr>
-          </a:p>
-        </p:txBody>
-      </p:sp>
-      <p:sp>
-        <p:nvSpPr>
-          <p:cNvPr id="4" name="Segnaposto data 3">
-            <a:extLst>
-              <a:ext uri="{FF2B5EF4-FFF2-40B4-BE49-F238E27FC236}">
-                <a16:creationId xmlns:a16="http://schemas.microsoft.com/office/drawing/2014/main" id="{2FDB7171-3E91-AF0B-DDA7-7C25BCB487A1}"/>
-              </a:ext>
-            </a:extLst>
-          </p:cNvPr>
-          <p:cNvSpPr>
-            <a:spLocks noGrp="1"/>
-          </p:cNvSpPr>
-          <p:nvPr>
-            <p:ph type="dt" sz="half" idx="10"/>
-          </p:nvPr>
-        </p:nvSpPr>
-        <p:spPr/>
-        <p:txBody>
-          <a:bodyPr/>
-          <a:lstStyle/>
-          <a:p>
-            <a:r>
-              <a:rPr lang="it-IT" sz="1600">
+            <a:r>
+              <a:rPr lang="it-IT" sz="4000" b="1" dirty="0">
                 <a:solidFill>
                   <a:schemeClr val="bg1"/>
                 </a:solidFill>
@@ -9753,12 +11141,29 @@
                     </a:srgbClr>
                   </a:outerShdw>
                 </a:effectLst>
-                <a:latin typeface="Poppins Medium" panose="00000600000000000000" pitchFamily="2" charset="0"/>
-                <a:cs typeface="Poppins Medium" panose="00000600000000000000" pitchFamily="2" charset="0"/>
-              </a:rPr>
-              <a:t>31 Maggio 2022</a:t>
-            </a:r>
-            <a:endParaRPr lang="de-DE" sz="1600">
+                <a:latin typeface="Poppins"/>
+                <a:cs typeface="Poppins"/>
+              </a:rPr>
+              <a:t>Build </a:t>
+            </a:r>
+            <a:r>
+              <a:rPr lang="it-IT" sz="4000" b="1" dirty="0" err="1">
+                <a:solidFill>
+                  <a:schemeClr val="bg1"/>
+                </a:solidFill>
+                <a:effectLst>
+                  <a:outerShdw blurRad="38100" dist="38100" dir="2700000" algn="tl">
+                    <a:srgbClr val="000000">
+                      <a:alpha val="43137"/>
+                    </a:srgbClr>
+                  </a:outerShdw>
+                </a:effectLst>
+                <a:latin typeface="Poppins"/>
+                <a:cs typeface="Poppins"/>
+              </a:rPr>
+              <a:t>automation</a:t>
+            </a:r>
+            <a:endParaRPr lang="it-IT" sz="4000" b="1" dirty="0">
               <a:solidFill>
                 <a:schemeClr val="bg1"/>
               </a:solidFill>
@@ -9769,77 +11174,254 @@
                   </a:srgbClr>
                 </a:outerShdw>
               </a:effectLst>
+              <a:latin typeface="Poppins"/>
+              <a:cs typeface="Poppins"/>
+            </a:endParaRPr>
+          </a:p>
+        </p:txBody>
+      </p:sp>
+      <p:sp>
+        <p:nvSpPr>
+          <p:cNvPr id="8" name="Segnaposto contenuto 6">
+            <a:extLst>
+              <a:ext uri="{FF2B5EF4-FFF2-40B4-BE49-F238E27FC236}">
+                <a16:creationId xmlns:a16="http://schemas.microsoft.com/office/drawing/2014/main" id="{F832EED3-9182-E3BD-D2D5-1723AFD8A0BD}"/>
+              </a:ext>
+            </a:extLst>
+          </p:cNvPr>
+          <p:cNvSpPr txBox="1">
+            <a:spLocks/>
+          </p:cNvSpPr>
+          <p:nvPr/>
+        </p:nvSpPr>
+        <p:spPr>
+          <a:xfrm>
+            <a:off x="834656" y="2005012"/>
+            <a:ext cx="10515600" cy="4351338"/>
+          </a:xfrm>
+          <a:prstGeom prst="rect">
+            <a:avLst/>
+          </a:prstGeom>
+        </p:spPr>
+        <p:txBody>
+          <a:bodyPr vert="horz" lIns="91440" tIns="45720" rIns="91440" bIns="45720" rtlCol="0">
+            <a:normAutofit/>
+          </a:bodyPr>
+          <a:lstStyle>
+            <a:lvl1pPr marL="228600" indent="-228600" algn="l" defTabSz="914400" rtl="0" eaLnBrk="1" latinLnBrk="0" hangingPunct="1">
+              <a:lnSpc>
+                <a:spcPct val="90000"/>
+              </a:lnSpc>
+              <a:spcBef>
+                <a:spcPts val="1000"/>
+              </a:spcBef>
+              <a:buFont typeface="Arial" panose="020B0604020202020204" pitchFamily="34" charset="0"/>
+              <a:buChar char="•"/>
+              <a:defRPr sz="2800" kern="1200">
+                <a:solidFill>
+                  <a:schemeClr val="tx1"/>
+                </a:solidFill>
+                <a:latin typeface="+mn-lt"/>
+                <a:ea typeface="+mn-ea"/>
+                <a:cs typeface="+mn-cs"/>
+              </a:defRPr>
+            </a:lvl1pPr>
+            <a:lvl2pPr marL="685800" indent="-228600" algn="l" defTabSz="914400" rtl="0" eaLnBrk="1" latinLnBrk="0" hangingPunct="1">
+              <a:lnSpc>
+                <a:spcPct val="90000"/>
+              </a:lnSpc>
+              <a:spcBef>
+                <a:spcPts val="500"/>
+              </a:spcBef>
+              <a:buFont typeface="Arial" panose="020B0604020202020204" pitchFamily="34" charset="0"/>
+              <a:buChar char="•"/>
+              <a:defRPr sz="2400" kern="1200">
+                <a:solidFill>
+                  <a:schemeClr val="tx1"/>
+                </a:solidFill>
+                <a:latin typeface="+mn-lt"/>
+                <a:ea typeface="+mn-ea"/>
+                <a:cs typeface="+mn-cs"/>
+              </a:defRPr>
+            </a:lvl2pPr>
+            <a:lvl3pPr marL="1143000" indent="-228600" algn="l" defTabSz="914400" rtl="0" eaLnBrk="1" latinLnBrk="0" hangingPunct="1">
+              <a:lnSpc>
+                <a:spcPct val="90000"/>
+              </a:lnSpc>
+              <a:spcBef>
+                <a:spcPts val="500"/>
+              </a:spcBef>
+              <a:buFont typeface="Arial" panose="020B0604020202020204" pitchFamily="34" charset="0"/>
+              <a:buChar char="•"/>
+              <a:defRPr sz="2000" kern="1200">
+                <a:solidFill>
+                  <a:schemeClr val="tx1"/>
+                </a:solidFill>
+                <a:latin typeface="+mn-lt"/>
+                <a:ea typeface="+mn-ea"/>
+                <a:cs typeface="+mn-cs"/>
+              </a:defRPr>
+            </a:lvl3pPr>
+            <a:lvl4pPr marL="1600200" indent="-228600" algn="l" defTabSz="914400" rtl="0" eaLnBrk="1" latinLnBrk="0" hangingPunct="1">
+              <a:lnSpc>
+                <a:spcPct val="90000"/>
+              </a:lnSpc>
+              <a:spcBef>
+                <a:spcPts val="500"/>
+              </a:spcBef>
+              <a:buFont typeface="Arial" panose="020B0604020202020204" pitchFamily="34" charset="0"/>
+              <a:buChar char="•"/>
+              <a:defRPr sz="1800" kern="1200">
+                <a:solidFill>
+                  <a:schemeClr val="tx1"/>
+                </a:solidFill>
+                <a:latin typeface="+mn-lt"/>
+                <a:ea typeface="+mn-ea"/>
+                <a:cs typeface="+mn-cs"/>
+              </a:defRPr>
+            </a:lvl4pPr>
+            <a:lvl5pPr marL="2057400" indent="-228600" algn="l" defTabSz="914400" rtl="0" eaLnBrk="1" latinLnBrk="0" hangingPunct="1">
+              <a:lnSpc>
+                <a:spcPct val="90000"/>
+              </a:lnSpc>
+              <a:spcBef>
+                <a:spcPts val="500"/>
+              </a:spcBef>
+              <a:buFont typeface="Arial" panose="020B0604020202020204" pitchFamily="34" charset="0"/>
+              <a:buChar char="•"/>
+              <a:defRPr sz="1800" kern="1200">
+                <a:solidFill>
+                  <a:schemeClr val="tx1"/>
+                </a:solidFill>
+                <a:latin typeface="+mn-lt"/>
+                <a:ea typeface="+mn-ea"/>
+                <a:cs typeface="+mn-cs"/>
+              </a:defRPr>
+            </a:lvl5pPr>
+            <a:lvl6pPr marL="2514600" indent="-228600" algn="l" defTabSz="914400" rtl="0" eaLnBrk="1" latinLnBrk="0" hangingPunct="1">
+              <a:lnSpc>
+                <a:spcPct val="90000"/>
+              </a:lnSpc>
+              <a:spcBef>
+                <a:spcPts val="500"/>
+              </a:spcBef>
+              <a:buFont typeface="Arial" panose="020B0604020202020204" pitchFamily="34" charset="0"/>
+              <a:buChar char="•"/>
+              <a:defRPr sz="1800" kern="1200">
+                <a:solidFill>
+                  <a:schemeClr val="tx1"/>
+                </a:solidFill>
+                <a:latin typeface="+mn-lt"/>
+                <a:ea typeface="+mn-ea"/>
+                <a:cs typeface="+mn-cs"/>
+              </a:defRPr>
+            </a:lvl6pPr>
+            <a:lvl7pPr marL="2971800" indent="-228600" algn="l" defTabSz="914400" rtl="0" eaLnBrk="1" latinLnBrk="0" hangingPunct="1">
+              <a:lnSpc>
+                <a:spcPct val="90000"/>
+              </a:lnSpc>
+              <a:spcBef>
+                <a:spcPts val="500"/>
+              </a:spcBef>
+              <a:buFont typeface="Arial" panose="020B0604020202020204" pitchFamily="34" charset="0"/>
+              <a:buChar char="•"/>
+              <a:defRPr sz="1800" kern="1200">
+                <a:solidFill>
+                  <a:schemeClr val="tx1"/>
+                </a:solidFill>
+                <a:latin typeface="+mn-lt"/>
+                <a:ea typeface="+mn-ea"/>
+                <a:cs typeface="+mn-cs"/>
+              </a:defRPr>
+            </a:lvl7pPr>
+            <a:lvl8pPr marL="3429000" indent="-228600" algn="l" defTabSz="914400" rtl="0" eaLnBrk="1" latinLnBrk="0" hangingPunct="1">
+              <a:lnSpc>
+                <a:spcPct val="90000"/>
+              </a:lnSpc>
+              <a:spcBef>
+                <a:spcPts val="500"/>
+              </a:spcBef>
+              <a:buFont typeface="Arial" panose="020B0604020202020204" pitchFamily="34" charset="0"/>
+              <a:buChar char="•"/>
+              <a:defRPr sz="1800" kern="1200">
+                <a:solidFill>
+                  <a:schemeClr val="tx1"/>
+                </a:solidFill>
+                <a:latin typeface="+mn-lt"/>
+                <a:ea typeface="+mn-ea"/>
+                <a:cs typeface="+mn-cs"/>
+              </a:defRPr>
+            </a:lvl8pPr>
+            <a:lvl9pPr marL="3886200" indent="-228600" algn="l" defTabSz="914400" rtl="0" eaLnBrk="1" latinLnBrk="0" hangingPunct="1">
+              <a:lnSpc>
+                <a:spcPct val="90000"/>
+              </a:lnSpc>
+              <a:spcBef>
+                <a:spcPts val="500"/>
+              </a:spcBef>
+              <a:buFont typeface="Arial" panose="020B0604020202020204" pitchFamily="34" charset="0"/>
+              <a:buChar char="•"/>
+              <a:defRPr sz="1800" kern="1200">
+                <a:solidFill>
+                  <a:schemeClr val="tx1"/>
+                </a:solidFill>
+                <a:latin typeface="+mn-lt"/>
+                <a:ea typeface="+mn-ea"/>
+                <a:cs typeface="+mn-cs"/>
+              </a:defRPr>
+            </a:lvl9pPr>
+          </a:lstStyle>
+          <a:p>
+            <a:pPr marL="0" indent="0">
+              <a:buFont typeface="Arial" panose="020B0604020202020204" pitchFamily="34" charset="0"/>
+              <a:buNone/>
+            </a:pPr>
+            <a:endParaRPr lang="it-IT" sz="2400" dirty="0">
               <a:latin typeface="Poppins Medium" panose="00000600000000000000" pitchFamily="2" charset="0"/>
               <a:cs typeface="Poppins Medium" panose="00000600000000000000" pitchFamily="2" charset="0"/>
             </a:endParaRPr>
           </a:p>
-        </p:txBody>
-      </p:sp>
-      <p:sp>
-        <p:nvSpPr>
-          <p:cNvPr id="6" name="Segnaposto numero diapositiva 5">
-            <a:extLst>
-              <a:ext uri="{FF2B5EF4-FFF2-40B4-BE49-F238E27FC236}">
-                <a16:creationId xmlns:a16="http://schemas.microsoft.com/office/drawing/2014/main" id="{D8ABE49A-B3ED-E602-CFFA-63BA9EA87067}"/>
-              </a:ext>
-            </a:extLst>
-          </p:cNvPr>
-          <p:cNvSpPr>
-            <a:spLocks noGrp="1"/>
-          </p:cNvSpPr>
-          <p:nvPr>
-            <p:ph type="sldNum" sz="quarter" idx="12"/>
-          </p:nvPr>
-        </p:nvSpPr>
-        <p:spPr/>
-        <p:txBody>
-          <a:bodyPr/>
-          <a:lstStyle/>
-          <a:p>
-            <a:fld id="{66CD45B7-DFE2-4393-8D37-380FC36BF3AA}" type="slidenum">
-              <a:rPr lang="de-DE" sz="1600" smtClean="0">
-                <a:solidFill>
-                  <a:schemeClr val="bg1"/>
-                </a:solidFill>
-                <a:effectLst>
-                  <a:outerShdw blurRad="38100" dist="38100" dir="2700000" algn="tl">
-                    <a:srgbClr val="000000">
-                      <a:alpha val="43137"/>
-                    </a:srgbClr>
-                  </a:outerShdw>
-                </a:effectLst>
-                <a:latin typeface="Poppins Medium" panose="00000600000000000000" pitchFamily="2" charset="0"/>
-                <a:cs typeface="Poppins Medium" panose="00000600000000000000" pitchFamily="2" charset="0"/>
-              </a:rPr>
-              <a:pPr/>
-              <a:t>19</a:t>
-            </a:fld>
-            <a:r>
-              <a:rPr lang="de-DE" sz="1600">
-                <a:solidFill>
-                  <a:schemeClr val="bg1"/>
-                </a:solidFill>
-                <a:effectLst>
-                  <a:outerShdw blurRad="38100" dist="38100" dir="2700000" algn="tl">
-                    <a:srgbClr val="000000">
-                      <a:alpha val="43137"/>
-                    </a:srgbClr>
-                  </a:outerShdw>
-                </a:effectLst>
-                <a:latin typeface="Poppins Medium" panose="00000600000000000000" pitchFamily="2" charset="0"/>
-                <a:cs typeface="Poppins Medium" panose="00000600000000000000" pitchFamily="2" charset="0"/>
-              </a:rPr>
-              <a:t>/16</a:t>
-            </a:r>
+          <a:p>
+            <a:pPr marL="0" indent="0">
+              <a:buFont typeface="Arial" panose="020B0604020202020204" pitchFamily="34" charset="0"/>
+              <a:buNone/>
+            </a:pPr>
+            <a:endParaRPr lang="it-IT" sz="2400" dirty="0">
+              <a:latin typeface="Poppins Medium" panose="00000600000000000000" pitchFamily="2" charset="0"/>
+              <a:cs typeface="Poppins Medium" panose="00000600000000000000" pitchFamily="2" charset="0"/>
+            </a:endParaRPr>
+          </a:p>
+          <a:p>
+            <a:pPr marL="0" indent="0">
+              <a:buFont typeface="Arial" panose="020B0604020202020204" pitchFamily="34" charset="0"/>
+              <a:buNone/>
+            </a:pPr>
+            <a:endParaRPr lang="it-IT" sz="2400" dirty="0">
+              <a:latin typeface="Poppins Medium" panose="00000600000000000000" pitchFamily="2" charset="0"/>
+              <a:cs typeface="Poppins Medium" panose="00000600000000000000" pitchFamily="2" charset="0"/>
+            </a:endParaRPr>
+          </a:p>
+          <a:p>
+            <a:pPr marL="0" indent="0">
+              <a:buFont typeface="Arial" panose="020B0604020202020204" pitchFamily="34" charset="0"/>
+              <a:buNone/>
+            </a:pPr>
+            <a:endParaRPr lang="it-IT" dirty="0">
+              <a:solidFill>
+                <a:schemeClr val="accent1">
+                  <a:lumMod val="75000"/>
+                </a:schemeClr>
+              </a:solidFill>
+            </a:endParaRPr>
           </a:p>
         </p:txBody>
       </p:sp>
       <p:pic>
         <p:nvPicPr>
-          <p:cNvPr id="7" name="Elemento grafico 6" descr="Consegna con riempimento a tinta unita">
-            <a:extLst>
-              <a:ext uri="{FF2B5EF4-FFF2-40B4-BE49-F238E27FC236}">
-                <a16:creationId xmlns:a16="http://schemas.microsoft.com/office/drawing/2014/main" id="{B0022F48-8E3C-0B01-9B7E-709C6BACF039}"/>
+          <p:cNvPr id="3" name="Immagine 2">
+            <a:extLst>
+              <a:ext uri="{FF2B5EF4-FFF2-40B4-BE49-F238E27FC236}">
+                <a16:creationId xmlns:a16="http://schemas.microsoft.com/office/drawing/2014/main" id="{8018A934-E500-0C59-94EB-A5538034F185}"/>
               </a:ext>
             </a:extLst>
           </p:cNvPr>
@@ -9849,13 +11431,10 @@
           <p:nvPr/>
         </p:nvPicPr>
         <p:blipFill>
-          <a:blip r:embed="rId2">
+          <a:blip r:embed="rId3">
             <a:extLst>
               <a:ext uri="{28A0092B-C50C-407E-A947-70E740481C1C}">
                 <a14:useLocalDpi xmlns:a14="http://schemas.microsoft.com/office/drawing/2010/main" val="0"/>
-              </a:ext>
-              <a:ext uri="{96DAC541-7B7A-43D3-8B79-37D633B846F1}">
-                <asvg:svgBlip xmlns:asvg="http://schemas.microsoft.com/office/drawing/2016/SVG/main" r:embed="rId3"/>
               </a:ext>
             </a:extLst>
           </a:blip>
@@ -9865,18 +11444,231 @@
         </p:blipFill>
         <p:spPr>
           <a:xfrm>
-            <a:off x="9982200" y="238470"/>
-            <a:ext cx="1758461" cy="1758461"/>
+            <a:off x="570914" y="2127764"/>
+            <a:ext cx="7772400" cy="3743525"/>
           </a:xfrm>
           <a:prstGeom prst="rect">
             <a:avLst/>
           </a:prstGeom>
         </p:spPr>
       </p:pic>
+      <p:sp>
+        <p:nvSpPr>
+          <p:cNvPr id="9" name="Segnaposto contenuto 6">
+            <a:extLst>
+              <a:ext uri="{FF2B5EF4-FFF2-40B4-BE49-F238E27FC236}">
+                <a16:creationId xmlns:a16="http://schemas.microsoft.com/office/drawing/2014/main" id="{7AC3ED64-EC96-BC83-5912-B2CE023F9977}"/>
+              </a:ext>
+            </a:extLst>
+          </p:cNvPr>
+          <p:cNvSpPr txBox="1">
+            <a:spLocks/>
+          </p:cNvSpPr>
+          <p:nvPr/>
+        </p:nvSpPr>
+        <p:spPr>
+          <a:xfrm>
+            <a:off x="570914" y="1519951"/>
+            <a:ext cx="10187574" cy="607813"/>
+          </a:xfrm>
+          <a:prstGeom prst="rect">
+            <a:avLst/>
+          </a:prstGeom>
+        </p:spPr>
+        <p:txBody>
+          <a:bodyPr vert="horz" lIns="91440" tIns="45720" rIns="91440" bIns="45720" rtlCol="0">
+            <a:normAutofit/>
+          </a:bodyPr>
+          <a:lstStyle>
+            <a:lvl1pPr marL="228600" indent="-228600" algn="l" defTabSz="914400" rtl="0" eaLnBrk="1" latinLnBrk="0" hangingPunct="1">
+              <a:lnSpc>
+                <a:spcPct val="90000"/>
+              </a:lnSpc>
+              <a:spcBef>
+                <a:spcPts val="1000"/>
+              </a:spcBef>
+              <a:buFont typeface="Arial" panose="020B0604020202020204" pitchFamily="34" charset="0"/>
+              <a:buChar char="•"/>
+              <a:defRPr sz="2800" kern="1200">
+                <a:solidFill>
+                  <a:schemeClr val="tx1"/>
+                </a:solidFill>
+                <a:latin typeface="+mn-lt"/>
+                <a:ea typeface="+mn-ea"/>
+                <a:cs typeface="+mn-cs"/>
+              </a:defRPr>
+            </a:lvl1pPr>
+            <a:lvl2pPr marL="685800" indent="-228600" algn="l" defTabSz="914400" rtl="0" eaLnBrk="1" latinLnBrk="0" hangingPunct="1">
+              <a:lnSpc>
+                <a:spcPct val="90000"/>
+              </a:lnSpc>
+              <a:spcBef>
+                <a:spcPts val="500"/>
+              </a:spcBef>
+              <a:buFont typeface="Arial" panose="020B0604020202020204" pitchFamily="34" charset="0"/>
+              <a:buChar char="•"/>
+              <a:defRPr sz="2400" kern="1200">
+                <a:solidFill>
+                  <a:schemeClr val="tx1"/>
+                </a:solidFill>
+                <a:latin typeface="+mn-lt"/>
+                <a:ea typeface="+mn-ea"/>
+                <a:cs typeface="+mn-cs"/>
+              </a:defRPr>
+            </a:lvl2pPr>
+            <a:lvl3pPr marL="1143000" indent="-228600" algn="l" defTabSz="914400" rtl="0" eaLnBrk="1" latinLnBrk="0" hangingPunct="1">
+              <a:lnSpc>
+                <a:spcPct val="90000"/>
+              </a:lnSpc>
+              <a:spcBef>
+                <a:spcPts val="500"/>
+              </a:spcBef>
+              <a:buFont typeface="Arial" panose="020B0604020202020204" pitchFamily="34" charset="0"/>
+              <a:buChar char="•"/>
+              <a:defRPr sz="2000" kern="1200">
+                <a:solidFill>
+                  <a:schemeClr val="tx1"/>
+                </a:solidFill>
+                <a:latin typeface="+mn-lt"/>
+                <a:ea typeface="+mn-ea"/>
+                <a:cs typeface="+mn-cs"/>
+              </a:defRPr>
+            </a:lvl3pPr>
+            <a:lvl4pPr marL="1600200" indent="-228600" algn="l" defTabSz="914400" rtl="0" eaLnBrk="1" latinLnBrk="0" hangingPunct="1">
+              <a:lnSpc>
+                <a:spcPct val="90000"/>
+              </a:lnSpc>
+              <a:spcBef>
+                <a:spcPts val="500"/>
+              </a:spcBef>
+              <a:buFont typeface="Arial" panose="020B0604020202020204" pitchFamily="34" charset="0"/>
+              <a:buChar char="•"/>
+              <a:defRPr sz="1800" kern="1200">
+                <a:solidFill>
+                  <a:schemeClr val="tx1"/>
+                </a:solidFill>
+                <a:latin typeface="+mn-lt"/>
+                <a:ea typeface="+mn-ea"/>
+                <a:cs typeface="+mn-cs"/>
+              </a:defRPr>
+            </a:lvl4pPr>
+            <a:lvl5pPr marL="2057400" indent="-228600" algn="l" defTabSz="914400" rtl="0" eaLnBrk="1" latinLnBrk="0" hangingPunct="1">
+              <a:lnSpc>
+                <a:spcPct val="90000"/>
+              </a:lnSpc>
+              <a:spcBef>
+                <a:spcPts val="500"/>
+              </a:spcBef>
+              <a:buFont typeface="Arial" panose="020B0604020202020204" pitchFamily="34" charset="0"/>
+              <a:buChar char="•"/>
+              <a:defRPr sz="1800" kern="1200">
+                <a:solidFill>
+                  <a:schemeClr val="tx1"/>
+                </a:solidFill>
+                <a:latin typeface="+mn-lt"/>
+                <a:ea typeface="+mn-ea"/>
+                <a:cs typeface="+mn-cs"/>
+              </a:defRPr>
+            </a:lvl5pPr>
+            <a:lvl6pPr marL="2514600" indent="-228600" algn="l" defTabSz="914400" rtl="0" eaLnBrk="1" latinLnBrk="0" hangingPunct="1">
+              <a:lnSpc>
+                <a:spcPct val="90000"/>
+              </a:lnSpc>
+              <a:spcBef>
+                <a:spcPts val="500"/>
+              </a:spcBef>
+              <a:buFont typeface="Arial" panose="020B0604020202020204" pitchFamily="34" charset="0"/>
+              <a:buChar char="•"/>
+              <a:defRPr sz="1800" kern="1200">
+                <a:solidFill>
+                  <a:schemeClr val="tx1"/>
+                </a:solidFill>
+                <a:latin typeface="+mn-lt"/>
+                <a:ea typeface="+mn-ea"/>
+                <a:cs typeface="+mn-cs"/>
+              </a:defRPr>
+            </a:lvl6pPr>
+            <a:lvl7pPr marL="2971800" indent="-228600" algn="l" defTabSz="914400" rtl="0" eaLnBrk="1" latinLnBrk="0" hangingPunct="1">
+              <a:lnSpc>
+                <a:spcPct val="90000"/>
+              </a:lnSpc>
+              <a:spcBef>
+                <a:spcPts val="500"/>
+              </a:spcBef>
+              <a:buFont typeface="Arial" panose="020B0604020202020204" pitchFamily="34" charset="0"/>
+              <a:buChar char="•"/>
+              <a:defRPr sz="1800" kern="1200">
+                <a:solidFill>
+                  <a:schemeClr val="tx1"/>
+                </a:solidFill>
+                <a:latin typeface="+mn-lt"/>
+                <a:ea typeface="+mn-ea"/>
+                <a:cs typeface="+mn-cs"/>
+              </a:defRPr>
+            </a:lvl7pPr>
+            <a:lvl8pPr marL="3429000" indent="-228600" algn="l" defTabSz="914400" rtl="0" eaLnBrk="1" latinLnBrk="0" hangingPunct="1">
+              <a:lnSpc>
+                <a:spcPct val="90000"/>
+              </a:lnSpc>
+              <a:spcBef>
+                <a:spcPts val="500"/>
+              </a:spcBef>
+              <a:buFont typeface="Arial" panose="020B0604020202020204" pitchFamily="34" charset="0"/>
+              <a:buChar char="•"/>
+              <a:defRPr sz="1800" kern="1200">
+                <a:solidFill>
+                  <a:schemeClr val="tx1"/>
+                </a:solidFill>
+                <a:latin typeface="+mn-lt"/>
+                <a:ea typeface="+mn-ea"/>
+                <a:cs typeface="+mn-cs"/>
+              </a:defRPr>
+            </a:lvl8pPr>
+            <a:lvl9pPr marL="3886200" indent="-228600" algn="l" defTabSz="914400" rtl="0" eaLnBrk="1" latinLnBrk="0" hangingPunct="1">
+              <a:lnSpc>
+                <a:spcPct val="90000"/>
+              </a:lnSpc>
+              <a:spcBef>
+                <a:spcPts val="500"/>
+              </a:spcBef>
+              <a:buFont typeface="Arial" panose="020B0604020202020204" pitchFamily="34" charset="0"/>
+              <a:buChar char="•"/>
+              <a:defRPr sz="1800" kern="1200">
+                <a:solidFill>
+                  <a:schemeClr val="tx1"/>
+                </a:solidFill>
+                <a:latin typeface="+mn-lt"/>
+                <a:ea typeface="+mn-ea"/>
+                <a:cs typeface="+mn-cs"/>
+              </a:defRPr>
+            </a:lvl9pPr>
+          </a:lstStyle>
+          <a:p>
+            <a:pPr marL="0" indent="0">
+              <a:buFont typeface="Arial" panose="020B0604020202020204" pitchFamily="34" charset="0"/>
+              <a:buNone/>
+            </a:pPr>
+            <a:r>
+              <a:rPr lang="it-IT" sz="2800" dirty="0" err="1">
+                <a:latin typeface="Poppins Medium" panose="00000600000000000000" pitchFamily="2" charset="0"/>
+                <a:cs typeface="Poppins Medium" panose="00000600000000000000" pitchFamily="2" charset="0"/>
+              </a:rPr>
+              <a:t>ci.yml</a:t>
+            </a:r>
+            <a:endParaRPr lang="it-IT" dirty="0">
+              <a:solidFill>
+                <a:schemeClr val="accent1">
+                  <a:lumMod val="75000"/>
+                </a:schemeClr>
+              </a:solidFill>
+            </a:endParaRPr>
+          </a:p>
+        </p:txBody>
+      </p:sp>
     </p:spTree>
     <p:extLst>
       <p:ext uri="{BB962C8B-B14F-4D97-AF65-F5344CB8AC3E}">
-        <p14:creationId xmlns:p14="http://schemas.microsoft.com/office/powerpoint/2010/main" val="2438197588"/>
+        <p14:creationId xmlns:p14="http://schemas.microsoft.com/office/powerpoint/2010/main" val="2906159189"/>
       </p:ext>
     </p:extLst>
   </p:cSld>
@@ -10364,7 +12156,7 @@
         </p:spPr>
         <p:txBody>
           <a:bodyPr>
-            <a:normAutofit fontScale="90000"/>
+            <a:normAutofit/>
           </a:bodyPr>
           <a:lstStyle/>
           <a:p>
@@ -10388,28 +12180,7 @@
                 <a:ea typeface="Calibri Light"/>
                 <a:cs typeface="Poppins Medium"/>
               </a:rPr>
-              <a:t>CONFIGURATION </a:t>
-            </a:r>
-            <a:br>
-              <a:rPr lang="it-IT" sz="5300" b="1" dirty="0">
-                <a:solidFill>
-                  <a:schemeClr val="bg1"/>
-                </a:solidFill>
-                <a:latin typeface="Poppins Medium"/>
-                <a:ea typeface="Calibri Light"/>
-                <a:cs typeface="Poppins Medium"/>
-              </a:rPr>
-            </a:br>
-            <a:r>
-              <a:rPr lang="it-IT" sz="5300" b="1" dirty="0">
-                <a:solidFill>
-                  <a:schemeClr val="bg1"/>
-                </a:solidFill>
-                <a:latin typeface="Poppins Medium"/>
-                <a:ea typeface="Calibri Light"/>
-                <a:cs typeface="Poppins Medium"/>
-              </a:rPr>
-              <a:t>MANAGEMENT TOOLS</a:t>
+              <a:t>TESTING</a:t>
             </a:r>
             <a:br>
               <a:rPr lang="it-IT" b="1" dirty="0">
@@ -10524,6 +12295,951 @@
               </a:rPr>
               <a:pPr/>
               <a:t>20</a:t>
+            </a:fld>
+            <a:r>
+              <a:rPr lang="de-DE" sz="1600">
+                <a:solidFill>
+                  <a:schemeClr val="bg1"/>
+                </a:solidFill>
+                <a:effectLst>
+                  <a:outerShdw blurRad="38100" dist="38100" dir="2700000" algn="tl">
+                    <a:srgbClr val="000000">
+                      <a:alpha val="43137"/>
+                    </a:srgbClr>
+                  </a:outerShdw>
+                </a:effectLst>
+                <a:latin typeface="Poppins Medium" panose="00000600000000000000" pitchFamily="2" charset="0"/>
+                <a:cs typeface="Poppins Medium" panose="00000600000000000000" pitchFamily="2" charset="0"/>
+              </a:rPr>
+              <a:t>/16</a:t>
+            </a:r>
+          </a:p>
+        </p:txBody>
+      </p:sp>
+      <p:pic>
+        <p:nvPicPr>
+          <p:cNvPr id="5" name="Elemento grafico 4" descr="Insetto sotto lente d'ingrandimento con riempimento a tinta unita">
+            <a:extLst>
+              <a:ext uri="{FF2B5EF4-FFF2-40B4-BE49-F238E27FC236}">
+                <a16:creationId xmlns:a16="http://schemas.microsoft.com/office/drawing/2014/main" id="{5E086628-DDE8-2B81-FB29-95D470557848}"/>
+              </a:ext>
+            </a:extLst>
+          </p:cNvPr>
+          <p:cNvPicPr>
+            <a:picLocks noChangeAspect="1"/>
+          </p:cNvPicPr>
+          <p:nvPr/>
+        </p:nvPicPr>
+        <p:blipFill>
+          <a:blip r:embed="rId2">
+            <a:extLst>
+              <a:ext uri="{28A0092B-C50C-407E-A947-70E740481C1C}">
+                <a14:useLocalDpi xmlns:a14="http://schemas.microsoft.com/office/drawing/2010/main" val="0"/>
+              </a:ext>
+              <a:ext uri="{96DAC541-7B7A-43D3-8B79-37D633B846F1}">
+                <asvg:svgBlip xmlns:asvg="http://schemas.microsoft.com/office/drawing/2016/SVG/main" r:embed="rId3"/>
+              </a:ext>
+            </a:extLst>
+          </a:blip>
+          <a:stretch>
+            <a:fillRect/>
+          </a:stretch>
+        </p:blipFill>
+        <p:spPr>
+          <a:xfrm flipH="1">
+            <a:off x="9982200" y="500609"/>
+            <a:ext cx="1535723" cy="1535723"/>
+          </a:xfrm>
+          <a:prstGeom prst="rect">
+            <a:avLst/>
+          </a:prstGeom>
+        </p:spPr>
+      </p:pic>
+    </p:spTree>
+    <p:extLst>
+      <p:ext uri="{BB962C8B-B14F-4D97-AF65-F5344CB8AC3E}">
+        <p14:creationId xmlns:p14="http://schemas.microsoft.com/office/powerpoint/2010/main" val="3565926194"/>
+      </p:ext>
+    </p:extLst>
+  </p:cSld>
+  <p:clrMapOvr>
+    <a:masterClrMapping/>
+  </p:clrMapOvr>
+</p:sld>
+</file>
+
+<file path=ppt/slides/slide21.xml><?xml version="1.0" encoding="utf-8"?>
+<p:sld xmlns:a="http://schemas.openxmlformats.org/drawingml/2006/main" xmlns:r="http://schemas.openxmlformats.org/officeDocument/2006/relationships" xmlns:p="http://schemas.openxmlformats.org/presentationml/2006/main">
+  <p:cSld>
+    <p:spTree>
+      <p:nvGrpSpPr>
+        <p:cNvPr id="1" name=""/>
+        <p:cNvGrpSpPr/>
+        <p:nvPr/>
+      </p:nvGrpSpPr>
+      <p:grpSpPr>
+        <a:xfrm>
+          <a:off x="0" y="0"/>
+          <a:ext cx="0" cy="0"/>
+          <a:chOff x="0" y="0"/>
+          <a:chExt cx="0" cy="0"/>
+        </a:xfrm>
+      </p:grpSpPr>
+      <p:sp>
+        <p:nvSpPr>
+          <p:cNvPr id="9" name="Rettangolo 8">
+            <a:extLst>
+              <a:ext uri="{FF2B5EF4-FFF2-40B4-BE49-F238E27FC236}">
+                <a16:creationId xmlns:a16="http://schemas.microsoft.com/office/drawing/2014/main" id="{75A649AD-BFC8-D407-B3D8-768C796B24EE}"/>
+              </a:ext>
+            </a:extLst>
+          </p:cNvPr>
+          <p:cNvSpPr/>
+          <p:nvPr/>
+        </p:nvSpPr>
+        <p:spPr>
+          <a:xfrm>
+            <a:off x="1" y="-1039"/>
+            <a:ext cx="12188928" cy="6859039"/>
+          </a:xfrm>
+          <a:prstGeom prst="rect">
+            <a:avLst/>
+          </a:prstGeom>
+          <a:solidFill>
+            <a:srgbClr val="002060"/>
+          </a:solidFill>
+        </p:spPr>
+        <p:style>
+          <a:lnRef idx="2">
+            <a:schemeClr val="accent3">
+              <a:shade val="50000"/>
+            </a:schemeClr>
+          </a:lnRef>
+          <a:fillRef idx="1">
+            <a:schemeClr val="accent3"/>
+          </a:fillRef>
+          <a:effectRef idx="0">
+            <a:schemeClr val="accent3"/>
+          </a:effectRef>
+          <a:fontRef idx="minor">
+            <a:schemeClr val="lt1"/>
+          </a:fontRef>
+        </p:style>
+        <p:txBody>
+          <a:bodyPr rtlCol="0" anchor="ctr"/>
+          <a:lstStyle/>
+          <a:p>
+            <a:pPr algn="ctr"/>
+            <a:endParaRPr lang="it-IT">
+              <a:latin typeface="Poppins Medium" panose="00000600000000000000" pitchFamily="2" charset="0"/>
+              <a:cs typeface="Poppins Medium" panose="00000600000000000000" pitchFamily="2" charset="0"/>
+            </a:endParaRPr>
+          </a:p>
+        </p:txBody>
+      </p:sp>
+      <p:sp>
+        <p:nvSpPr>
+          <p:cNvPr id="2" name="Titolo 1">
+            <a:extLst>
+              <a:ext uri="{FF2B5EF4-FFF2-40B4-BE49-F238E27FC236}">
+                <a16:creationId xmlns:a16="http://schemas.microsoft.com/office/drawing/2014/main" id="{0433AC6E-9B67-D8D1-4A74-54158F91506A}"/>
+              </a:ext>
+            </a:extLst>
+          </p:cNvPr>
+          <p:cNvSpPr>
+            <a:spLocks noGrp="1"/>
+          </p:cNvSpPr>
+          <p:nvPr>
+            <p:ph type="title"/>
+          </p:nvPr>
+        </p:nvSpPr>
+        <p:spPr>
+          <a:xfrm>
+            <a:off x="838200" y="2236440"/>
+            <a:ext cx="10515600" cy="2384079"/>
+          </a:xfrm>
+          <a:ln>
+            <a:noFill/>
+          </a:ln>
+        </p:spPr>
+        <p:txBody>
+          <a:bodyPr>
+            <a:normAutofit/>
+          </a:bodyPr>
+          <a:lstStyle/>
+          <a:p>
+            <a:pPr algn="ctr"/>
+            <a:br>
+              <a:rPr lang="it-IT" b="1" dirty="0">
+                <a:solidFill>
+                  <a:schemeClr val="bg1"/>
+                </a:solidFill>
+                <a:latin typeface="Poppins Medium"/>
+                <a:ea typeface="Calibri Light"/>
+                <a:cs typeface="Poppins Medium"/>
+              </a:rPr>
+            </a:br>
+            <a:r>
+              <a:rPr lang="it-IT" sz="5300" b="1" dirty="0">
+                <a:solidFill>
+                  <a:schemeClr val="bg1"/>
+                </a:solidFill>
+                <a:latin typeface="Poppins Medium"/>
+                <a:ea typeface="Calibri Light"/>
+                <a:cs typeface="Poppins Medium"/>
+              </a:rPr>
+              <a:t>ARTIFACT REPOSITORY</a:t>
+            </a:r>
+            <a:br>
+              <a:rPr lang="it-IT" b="1" dirty="0">
+                <a:latin typeface="Poppins Medium"/>
+                <a:cs typeface="Poppins Medium"/>
+              </a:rPr>
+            </a:br>
+            <a:br>
+              <a:rPr lang="it-IT" sz="1800" i="1" dirty="0">
+                <a:latin typeface="Poppins Medium" panose="00000600000000000000" pitchFamily="2" charset="0"/>
+                <a:cs typeface="Poppins Medium" panose="00000600000000000000" pitchFamily="2" charset="0"/>
+              </a:rPr>
+            </a:br>
+            <a:endParaRPr lang="it-IT" sz="1800" dirty="0">
+              <a:latin typeface="Poppins Medium" panose="00000600000000000000" pitchFamily="2" charset="0"/>
+              <a:ea typeface="+mj-lt"/>
+              <a:cs typeface="Poppins Medium" panose="00000600000000000000" pitchFamily="2" charset="0"/>
+            </a:endParaRPr>
+          </a:p>
+        </p:txBody>
+      </p:sp>
+      <p:sp>
+        <p:nvSpPr>
+          <p:cNvPr id="4" name="Segnaposto data 3">
+            <a:extLst>
+              <a:ext uri="{FF2B5EF4-FFF2-40B4-BE49-F238E27FC236}">
+                <a16:creationId xmlns:a16="http://schemas.microsoft.com/office/drawing/2014/main" id="{2FDB7171-3E91-AF0B-DDA7-7C25BCB487A1}"/>
+              </a:ext>
+            </a:extLst>
+          </p:cNvPr>
+          <p:cNvSpPr>
+            <a:spLocks noGrp="1"/>
+          </p:cNvSpPr>
+          <p:nvPr>
+            <p:ph type="dt" sz="half" idx="10"/>
+          </p:nvPr>
+        </p:nvSpPr>
+        <p:spPr/>
+        <p:txBody>
+          <a:bodyPr/>
+          <a:lstStyle/>
+          <a:p>
+            <a:r>
+              <a:rPr lang="it-IT" sz="1600">
+                <a:solidFill>
+                  <a:schemeClr val="bg1"/>
+                </a:solidFill>
+                <a:effectLst>
+                  <a:outerShdw blurRad="38100" dist="38100" dir="2700000" algn="tl">
+                    <a:srgbClr val="000000">
+                      <a:alpha val="43137"/>
+                    </a:srgbClr>
+                  </a:outerShdw>
+                </a:effectLst>
+                <a:latin typeface="Poppins Medium" panose="00000600000000000000" pitchFamily="2" charset="0"/>
+                <a:cs typeface="Poppins Medium" panose="00000600000000000000" pitchFamily="2" charset="0"/>
+              </a:rPr>
+              <a:t>31 Maggio 2022</a:t>
+            </a:r>
+            <a:endParaRPr lang="de-DE" sz="1600">
+              <a:solidFill>
+                <a:schemeClr val="bg1"/>
+              </a:solidFill>
+              <a:effectLst>
+                <a:outerShdw blurRad="38100" dist="38100" dir="2700000" algn="tl">
+                  <a:srgbClr val="000000">
+                    <a:alpha val="43137"/>
+                  </a:srgbClr>
+                </a:outerShdw>
+              </a:effectLst>
+              <a:latin typeface="Poppins Medium" panose="00000600000000000000" pitchFamily="2" charset="0"/>
+              <a:cs typeface="Poppins Medium" panose="00000600000000000000" pitchFamily="2" charset="0"/>
+            </a:endParaRPr>
+          </a:p>
+        </p:txBody>
+      </p:sp>
+      <p:sp>
+        <p:nvSpPr>
+          <p:cNvPr id="6" name="Segnaposto numero diapositiva 5">
+            <a:extLst>
+              <a:ext uri="{FF2B5EF4-FFF2-40B4-BE49-F238E27FC236}">
+                <a16:creationId xmlns:a16="http://schemas.microsoft.com/office/drawing/2014/main" id="{D8ABE49A-B3ED-E602-CFFA-63BA9EA87067}"/>
+              </a:ext>
+            </a:extLst>
+          </p:cNvPr>
+          <p:cNvSpPr>
+            <a:spLocks noGrp="1"/>
+          </p:cNvSpPr>
+          <p:nvPr>
+            <p:ph type="sldNum" sz="quarter" idx="12"/>
+          </p:nvPr>
+        </p:nvSpPr>
+        <p:spPr/>
+        <p:txBody>
+          <a:bodyPr/>
+          <a:lstStyle/>
+          <a:p>
+            <a:fld id="{66CD45B7-DFE2-4393-8D37-380FC36BF3AA}" type="slidenum">
+              <a:rPr lang="de-DE" sz="1600" smtClean="0">
+                <a:solidFill>
+                  <a:schemeClr val="bg1"/>
+                </a:solidFill>
+                <a:effectLst>
+                  <a:outerShdw blurRad="38100" dist="38100" dir="2700000" algn="tl">
+                    <a:srgbClr val="000000">
+                      <a:alpha val="43137"/>
+                    </a:srgbClr>
+                  </a:outerShdw>
+                </a:effectLst>
+                <a:latin typeface="Poppins Medium" panose="00000600000000000000" pitchFamily="2" charset="0"/>
+                <a:cs typeface="Poppins Medium" panose="00000600000000000000" pitchFamily="2" charset="0"/>
+              </a:rPr>
+              <a:pPr/>
+              <a:t>21</a:t>
+            </a:fld>
+            <a:r>
+              <a:rPr lang="de-DE" sz="1600">
+                <a:solidFill>
+                  <a:schemeClr val="bg1"/>
+                </a:solidFill>
+                <a:effectLst>
+                  <a:outerShdw blurRad="38100" dist="38100" dir="2700000" algn="tl">
+                    <a:srgbClr val="000000">
+                      <a:alpha val="43137"/>
+                    </a:srgbClr>
+                  </a:outerShdw>
+                </a:effectLst>
+                <a:latin typeface="Poppins Medium" panose="00000600000000000000" pitchFamily="2" charset="0"/>
+                <a:cs typeface="Poppins Medium" panose="00000600000000000000" pitchFamily="2" charset="0"/>
+              </a:rPr>
+              <a:t>/16</a:t>
+            </a:r>
+          </a:p>
+        </p:txBody>
+      </p:sp>
+      <p:pic>
+        <p:nvPicPr>
+          <p:cNvPr id="7" name="Elemento grafico 6" descr="Scatola con riempimento a tinta unita">
+            <a:extLst>
+              <a:ext uri="{FF2B5EF4-FFF2-40B4-BE49-F238E27FC236}">
+                <a16:creationId xmlns:a16="http://schemas.microsoft.com/office/drawing/2014/main" id="{B1CD20B1-D24B-5B2E-CADD-348CF7FF02A6}"/>
+              </a:ext>
+            </a:extLst>
+          </p:cNvPr>
+          <p:cNvPicPr>
+            <a:picLocks noChangeAspect="1"/>
+          </p:cNvPicPr>
+          <p:nvPr/>
+        </p:nvPicPr>
+        <p:blipFill>
+          <a:blip r:embed="rId2">
+            <a:extLst>
+              <a:ext uri="{28A0092B-C50C-407E-A947-70E740481C1C}">
+                <a14:useLocalDpi xmlns:a14="http://schemas.microsoft.com/office/drawing/2010/main" val="0"/>
+              </a:ext>
+              <a:ext uri="{96DAC541-7B7A-43D3-8B79-37D633B846F1}">
+                <asvg:svgBlip xmlns:asvg="http://schemas.microsoft.com/office/drawing/2016/SVG/main" r:embed="rId3"/>
+              </a:ext>
+            </a:extLst>
+          </a:blip>
+          <a:stretch>
+            <a:fillRect/>
+          </a:stretch>
+        </p:blipFill>
+        <p:spPr>
+          <a:xfrm>
+            <a:off x="9982200" y="545973"/>
+            <a:ext cx="1553942" cy="1553942"/>
+          </a:xfrm>
+          <a:prstGeom prst="rect">
+            <a:avLst/>
+          </a:prstGeom>
+        </p:spPr>
+      </p:pic>
+    </p:spTree>
+    <p:extLst>
+      <p:ext uri="{BB962C8B-B14F-4D97-AF65-F5344CB8AC3E}">
+        <p14:creationId xmlns:p14="http://schemas.microsoft.com/office/powerpoint/2010/main" val="974300391"/>
+      </p:ext>
+    </p:extLst>
+  </p:cSld>
+  <p:clrMapOvr>
+    <a:masterClrMapping/>
+  </p:clrMapOvr>
+</p:sld>
+</file>
+
+<file path=ppt/slides/slide22.xml><?xml version="1.0" encoding="utf-8"?>
+<p:sld xmlns:a="http://schemas.openxmlformats.org/drawingml/2006/main" xmlns:r="http://schemas.openxmlformats.org/officeDocument/2006/relationships" xmlns:p="http://schemas.openxmlformats.org/presentationml/2006/main">
+  <p:cSld>
+    <p:spTree>
+      <p:nvGrpSpPr>
+        <p:cNvPr id="1" name=""/>
+        <p:cNvGrpSpPr/>
+        <p:nvPr/>
+      </p:nvGrpSpPr>
+      <p:grpSpPr>
+        <a:xfrm>
+          <a:off x="0" y="0"/>
+          <a:ext cx="0" cy="0"/>
+          <a:chOff x="0" y="0"/>
+          <a:chExt cx="0" cy="0"/>
+        </a:xfrm>
+      </p:grpSpPr>
+      <p:sp>
+        <p:nvSpPr>
+          <p:cNvPr id="9" name="Rettangolo 8">
+            <a:extLst>
+              <a:ext uri="{FF2B5EF4-FFF2-40B4-BE49-F238E27FC236}">
+                <a16:creationId xmlns:a16="http://schemas.microsoft.com/office/drawing/2014/main" id="{75A649AD-BFC8-D407-B3D8-768C796B24EE}"/>
+              </a:ext>
+            </a:extLst>
+          </p:cNvPr>
+          <p:cNvSpPr/>
+          <p:nvPr/>
+        </p:nvSpPr>
+        <p:spPr>
+          <a:xfrm>
+            <a:off x="1" y="-1039"/>
+            <a:ext cx="12188928" cy="6859039"/>
+          </a:xfrm>
+          <a:prstGeom prst="rect">
+            <a:avLst/>
+          </a:prstGeom>
+          <a:solidFill>
+            <a:srgbClr val="002060"/>
+          </a:solidFill>
+        </p:spPr>
+        <p:style>
+          <a:lnRef idx="2">
+            <a:schemeClr val="accent3">
+              <a:shade val="50000"/>
+            </a:schemeClr>
+          </a:lnRef>
+          <a:fillRef idx="1">
+            <a:schemeClr val="accent3"/>
+          </a:fillRef>
+          <a:effectRef idx="0">
+            <a:schemeClr val="accent3"/>
+          </a:effectRef>
+          <a:fontRef idx="minor">
+            <a:schemeClr val="lt1"/>
+          </a:fontRef>
+        </p:style>
+        <p:txBody>
+          <a:bodyPr rtlCol="0" anchor="ctr"/>
+          <a:lstStyle/>
+          <a:p>
+            <a:pPr algn="ctr"/>
+            <a:endParaRPr lang="it-IT">
+              <a:latin typeface="Poppins Medium" panose="00000600000000000000" pitchFamily="2" charset="0"/>
+              <a:cs typeface="Poppins Medium" panose="00000600000000000000" pitchFamily="2" charset="0"/>
+            </a:endParaRPr>
+          </a:p>
+        </p:txBody>
+      </p:sp>
+      <p:sp>
+        <p:nvSpPr>
+          <p:cNvPr id="2" name="Titolo 1">
+            <a:extLst>
+              <a:ext uri="{FF2B5EF4-FFF2-40B4-BE49-F238E27FC236}">
+                <a16:creationId xmlns:a16="http://schemas.microsoft.com/office/drawing/2014/main" id="{0433AC6E-9B67-D8D1-4A74-54158F91506A}"/>
+              </a:ext>
+            </a:extLst>
+          </p:cNvPr>
+          <p:cNvSpPr>
+            <a:spLocks noGrp="1"/>
+          </p:cNvSpPr>
+          <p:nvPr>
+            <p:ph type="title"/>
+          </p:nvPr>
+        </p:nvSpPr>
+        <p:spPr>
+          <a:xfrm>
+            <a:off x="838200" y="2236440"/>
+            <a:ext cx="10515600" cy="2384079"/>
+          </a:xfrm>
+          <a:ln>
+            <a:noFill/>
+          </a:ln>
+        </p:spPr>
+        <p:txBody>
+          <a:bodyPr>
+            <a:normAutofit/>
+          </a:bodyPr>
+          <a:lstStyle/>
+          <a:p>
+            <a:pPr algn="ctr"/>
+            <a:br>
+              <a:rPr lang="it-IT" b="1" dirty="0">
+                <a:solidFill>
+                  <a:schemeClr val="bg1"/>
+                </a:solidFill>
+                <a:latin typeface="Poppins Medium"/>
+                <a:ea typeface="Calibri Light"/>
+                <a:cs typeface="Poppins Medium"/>
+              </a:rPr>
+            </a:br>
+            <a:r>
+              <a:rPr lang="it-IT" sz="5300" b="1" dirty="0">
+                <a:solidFill>
+                  <a:schemeClr val="bg1"/>
+                </a:solidFill>
+                <a:latin typeface="Poppins Medium"/>
+                <a:ea typeface="Calibri Light"/>
+                <a:cs typeface="Poppins Medium"/>
+              </a:rPr>
+              <a:t>CONTINUOS DELIVERY</a:t>
+            </a:r>
+            <a:br>
+              <a:rPr lang="it-IT" b="1" dirty="0">
+                <a:latin typeface="Poppins Medium"/>
+                <a:cs typeface="Poppins Medium"/>
+              </a:rPr>
+            </a:br>
+            <a:br>
+              <a:rPr lang="it-IT" sz="1800" i="1" dirty="0">
+                <a:latin typeface="Poppins Medium" panose="00000600000000000000" pitchFamily="2" charset="0"/>
+                <a:cs typeface="Poppins Medium" panose="00000600000000000000" pitchFamily="2" charset="0"/>
+              </a:rPr>
+            </a:br>
+            <a:endParaRPr lang="it-IT" sz="1800" dirty="0">
+              <a:latin typeface="Poppins Medium" panose="00000600000000000000" pitchFamily="2" charset="0"/>
+              <a:ea typeface="+mj-lt"/>
+              <a:cs typeface="Poppins Medium" panose="00000600000000000000" pitchFamily="2" charset="0"/>
+            </a:endParaRPr>
+          </a:p>
+        </p:txBody>
+      </p:sp>
+      <p:sp>
+        <p:nvSpPr>
+          <p:cNvPr id="4" name="Segnaposto data 3">
+            <a:extLst>
+              <a:ext uri="{FF2B5EF4-FFF2-40B4-BE49-F238E27FC236}">
+                <a16:creationId xmlns:a16="http://schemas.microsoft.com/office/drawing/2014/main" id="{2FDB7171-3E91-AF0B-DDA7-7C25BCB487A1}"/>
+              </a:ext>
+            </a:extLst>
+          </p:cNvPr>
+          <p:cNvSpPr>
+            <a:spLocks noGrp="1"/>
+          </p:cNvSpPr>
+          <p:nvPr>
+            <p:ph type="dt" sz="half" idx="10"/>
+          </p:nvPr>
+        </p:nvSpPr>
+        <p:spPr/>
+        <p:txBody>
+          <a:bodyPr/>
+          <a:lstStyle/>
+          <a:p>
+            <a:r>
+              <a:rPr lang="it-IT" sz="1600">
+                <a:solidFill>
+                  <a:schemeClr val="bg1"/>
+                </a:solidFill>
+                <a:effectLst>
+                  <a:outerShdw blurRad="38100" dist="38100" dir="2700000" algn="tl">
+                    <a:srgbClr val="000000">
+                      <a:alpha val="43137"/>
+                    </a:srgbClr>
+                  </a:outerShdw>
+                </a:effectLst>
+                <a:latin typeface="Poppins Medium" panose="00000600000000000000" pitchFamily="2" charset="0"/>
+                <a:cs typeface="Poppins Medium" panose="00000600000000000000" pitchFamily="2" charset="0"/>
+              </a:rPr>
+              <a:t>31 Maggio 2022</a:t>
+            </a:r>
+            <a:endParaRPr lang="de-DE" sz="1600">
+              <a:solidFill>
+                <a:schemeClr val="bg1"/>
+              </a:solidFill>
+              <a:effectLst>
+                <a:outerShdw blurRad="38100" dist="38100" dir="2700000" algn="tl">
+                  <a:srgbClr val="000000">
+                    <a:alpha val="43137"/>
+                  </a:srgbClr>
+                </a:outerShdw>
+              </a:effectLst>
+              <a:latin typeface="Poppins Medium" panose="00000600000000000000" pitchFamily="2" charset="0"/>
+              <a:cs typeface="Poppins Medium" panose="00000600000000000000" pitchFamily="2" charset="0"/>
+            </a:endParaRPr>
+          </a:p>
+        </p:txBody>
+      </p:sp>
+      <p:sp>
+        <p:nvSpPr>
+          <p:cNvPr id="6" name="Segnaposto numero diapositiva 5">
+            <a:extLst>
+              <a:ext uri="{FF2B5EF4-FFF2-40B4-BE49-F238E27FC236}">
+                <a16:creationId xmlns:a16="http://schemas.microsoft.com/office/drawing/2014/main" id="{D8ABE49A-B3ED-E602-CFFA-63BA9EA87067}"/>
+              </a:ext>
+            </a:extLst>
+          </p:cNvPr>
+          <p:cNvSpPr>
+            <a:spLocks noGrp="1"/>
+          </p:cNvSpPr>
+          <p:nvPr>
+            <p:ph type="sldNum" sz="quarter" idx="12"/>
+          </p:nvPr>
+        </p:nvSpPr>
+        <p:spPr/>
+        <p:txBody>
+          <a:bodyPr/>
+          <a:lstStyle/>
+          <a:p>
+            <a:fld id="{66CD45B7-DFE2-4393-8D37-380FC36BF3AA}" type="slidenum">
+              <a:rPr lang="de-DE" sz="1600" smtClean="0">
+                <a:solidFill>
+                  <a:schemeClr val="bg1"/>
+                </a:solidFill>
+                <a:effectLst>
+                  <a:outerShdw blurRad="38100" dist="38100" dir="2700000" algn="tl">
+                    <a:srgbClr val="000000">
+                      <a:alpha val="43137"/>
+                    </a:srgbClr>
+                  </a:outerShdw>
+                </a:effectLst>
+                <a:latin typeface="Poppins Medium" panose="00000600000000000000" pitchFamily="2" charset="0"/>
+                <a:cs typeface="Poppins Medium" panose="00000600000000000000" pitchFamily="2" charset="0"/>
+              </a:rPr>
+              <a:pPr/>
+              <a:t>22</a:t>
+            </a:fld>
+            <a:r>
+              <a:rPr lang="de-DE" sz="1600">
+                <a:solidFill>
+                  <a:schemeClr val="bg1"/>
+                </a:solidFill>
+                <a:effectLst>
+                  <a:outerShdw blurRad="38100" dist="38100" dir="2700000" algn="tl">
+                    <a:srgbClr val="000000">
+                      <a:alpha val="43137"/>
+                    </a:srgbClr>
+                  </a:outerShdw>
+                </a:effectLst>
+                <a:latin typeface="Poppins Medium" panose="00000600000000000000" pitchFamily="2" charset="0"/>
+                <a:cs typeface="Poppins Medium" panose="00000600000000000000" pitchFamily="2" charset="0"/>
+              </a:rPr>
+              <a:t>/16</a:t>
+            </a:r>
+          </a:p>
+        </p:txBody>
+      </p:sp>
+      <p:pic>
+        <p:nvPicPr>
+          <p:cNvPr id="7" name="Elemento grafico 6" descr="Consegna con riempimento a tinta unita">
+            <a:extLst>
+              <a:ext uri="{FF2B5EF4-FFF2-40B4-BE49-F238E27FC236}">
+                <a16:creationId xmlns:a16="http://schemas.microsoft.com/office/drawing/2014/main" id="{B0022F48-8E3C-0B01-9B7E-709C6BACF039}"/>
+              </a:ext>
+            </a:extLst>
+          </p:cNvPr>
+          <p:cNvPicPr>
+            <a:picLocks noChangeAspect="1"/>
+          </p:cNvPicPr>
+          <p:nvPr/>
+        </p:nvPicPr>
+        <p:blipFill>
+          <a:blip r:embed="rId2">
+            <a:extLst>
+              <a:ext uri="{28A0092B-C50C-407E-A947-70E740481C1C}">
+                <a14:useLocalDpi xmlns:a14="http://schemas.microsoft.com/office/drawing/2010/main" val="0"/>
+              </a:ext>
+              <a:ext uri="{96DAC541-7B7A-43D3-8B79-37D633B846F1}">
+                <asvg:svgBlip xmlns:asvg="http://schemas.microsoft.com/office/drawing/2016/SVG/main" r:embed="rId3"/>
+              </a:ext>
+            </a:extLst>
+          </a:blip>
+          <a:stretch>
+            <a:fillRect/>
+          </a:stretch>
+        </p:blipFill>
+        <p:spPr>
+          <a:xfrm>
+            <a:off x="9982200" y="238470"/>
+            <a:ext cx="1758461" cy="1758461"/>
+          </a:xfrm>
+          <a:prstGeom prst="rect">
+            <a:avLst/>
+          </a:prstGeom>
+        </p:spPr>
+      </p:pic>
+    </p:spTree>
+    <p:extLst>
+      <p:ext uri="{BB962C8B-B14F-4D97-AF65-F5344CB8AC3E}">
+        <p14:creationId xmlns:p14="http://schemas.microsoft.com/office/powerpoint/2010/main" val="2438197588"/>
+      </p:ext>
+    </p:extLst>
+  </p:cSld>
+  <p:clrMapOvr>
+    <a:masterClrMapping/>
+  </p:clrMapOvr>
+</p:sld>
+</file>
+
+<file path=ppt/slides/slide23.xml><?xml version="1.0" encoding="utf-8"?>
+<p:sld xmlns:a="http://schemas.openxmlformats.org/drawingml/2006/main" xmlns:r="http://schemas.openxmlformats.org/officeDocument/2006/relationships" xmlns:p="http://schemas.openxmlformats.org/presentationml/2006/main">
+  <p:cSld>
+    <p:spTree>
+      <p:nvGrpSpPr>
+        <p:cNvPr id="1" name=""/>
+        <p:cNvGrpSpPr/>
+        <p:nvPr/>
+      </p:nvGrpSpPr>
+      <p:grpSpPr>
+        <a:xfrm>
+          <a:off x="0" y="0"/>
+          <a:ext cx="0" cy="0"/>
+          <a:chOff x="0" y="0"/>
+          <a:chExt cx="0" cy="0"/>
+        </a:xfrm>
+      </p:grpSpPr>
+      <p:sp>
+        <p:nvSpPr>
+          <p:cNvPr id="9" name="Rettangolo 8">
+            <a:extLst>
+              <a:ext uri="{FF2B5EF4-FFF2-40B4-BE49-F238E27FC236}">
+                <a16:creationId xmlns:a16="http://schemas.microsoft.com/office/drawing/2014/main" id="{75A649AD-BFC8-D407-B3D8-768C796B24EE}"/>
+              </a:ext>
+            </a:extLst>
+          </p:cNvPr>
+          <p:cNvSpPr/>
+          <p:nvPr/>
+        </p:nvSpPr>
+        <p:spPr>
+          <a:xfrm>
+            <a:off x="1" y="-1039"/>
+            <a:ext cx="12188928" cy="6859039"/>
+          </a:xfrm>
+          <a:prstGeom prst="rect">
+            <a:avLst/>
+          </a:prstGeom>
+          <a:solidFill>
+            <a:srgbClr val="002060"/>
+          </a:solidFill>
+        </p:spPr>
+        <p:style>
+          <a:lnRef idx="2">
+            <a:schemeClr val="accent3">
+              <a:shade val="50000"/>
+            </a:schemeClr>
+          </a:lnRef>
+          <a:fillRef idx="1">
+            <a:schemeClr val="accent3"/>
+          </a:fillRef>
+          <a:effectRef idx="0">
+            <a:schemeClr val="accent3"/>
+          </a:effectRef>
+          <a:fontRef idx="minor">
+            <a:schemeClr val="lt1"/>
+          </a:fontRef>
+        </p:style>
+        <p:txBody>
+          <a:bodyPr rtlCol="0" anchor="ctr"/>
+          <a:lstStyle/>
+          <a:p>
+            <a:pPr algn="ctr"/>
+            <a:endParaRPr lang="it-IT">
+              <a:latin typeface="Poppins Medium" panose="00000600000000000000" pitchFamily="2" charset="0"/>
+              <a:cs typeface="Poppins Medium" panose="00000600000000000000" pitchFamily="2" charset="0"/>
+            </a:endParaRPr>
+          </a:p>
+        </p:txBody>
+      </p:sp>
+      <p:sp>
+        <p:nvSpPr>
+          <p:cNvPr id="2" name="Titolo 1">
+            <a:extLst>
+              <a:ext uri="{FF2B5EF4-FFF2-40B4-BE49-F238E27FC236}">
+                <a16:creationId xmlns:a16="http://schemas.microsoft.com/office/drawing/2014/main" id="{0433AC6E-9B67-D8D1-4A74-54158F91506A}"/>
+              </a:ext>
+            </a:extLst>
+          </p:cNvPr>
+          <p:cNvSpPr>
+            <a:spLocks noGrp="1"/>
+          </p:cNvSpPr>
+          <p:nvPr>
+            <p:ph type="title"/>
+          </p:nvPr>
+        </p:nvSpPr>
+        <p:spPr>
+          <a:xfrm>
+            <a:off x="838200" y="2236440"/>
+            <a:ext cx="10515600" cy="2384079"/>
+          </a:xfrm>
+          <a:ln>
+            <a:noFill/>
+          </a:ln>
+        </p:spPr>
+        <p:txBody>
+          <a:bodyPr>
+            <a:normAutofit fontScale="90000"/>
+          </a:bodyPr>
+          <a:lstStyle/>
+          <a:p>
+            <a:pPr algn="ctr"/>
+            <a:br>
+              <a:rPr lang="it-IT" b="1" dirty="0">
+                <a:solidFill>
+                  <a:schemeClr val="bg1"/>
+                </a:solidFill>
+                <a:latin typeface="Poppins Medium"/>
+                <a:ea typeface="Calibri Light"/>
+                <a:cs typeface="Poppins Medium"/>
+              </a:rPr>
+            </a:br>
+            <a:r>
+              <a:rPr lang="it-IT" sz="5300" b="1" dirty="0">
+                <a:solidFill>
+                  <a:schemeClr val="bg1"/>
+                </a:solidFill>
+                <a:latin typeface="Poppins Medium"/>
+                <a:ea typeface="Calibri Light"/>
+                <a:cs typeface="Poppins Medium"/>
+              </a:rPr>
+              <a:t>CONFIGURATION </a:t>
+            </a:r>
+            <a:br>
+              <a:rPr lang="it-IT" sz="5300" b="1" dirty="0">
+                <a:solidFill>
+                  <a:schemeClr val="bg1"/>
+                </a:solidFill>
+                <a:latin typeface="Poppins Medium"/>
+                <a:ea typeface="Calibri Light"/>
+                <a:cs typeface="Poppins Medium"/>
+              </a:rPr>
+            </a:br>
+            <a:r>
+              <a:rPr lang="it-IT" sz="5300" b="1" dirty="0">
+                <a:solidFill>
+                  <a:schemeClr val="bg1"/>
+                </a:solidFill>
+                <a:latin typeface="Poppins Medium"/>
+                <a:ea typeface="Calibri Light"/>
+                <a:cs typeface="Poppins Medium"/>
+              </a:rPr>
+              <a:t>MANAGEMENT TOOLS</a:t>
+            </a:r>
+            <a:br>
+              <a:rPr lang="it-IT" b="1" dirty="0">
+                <a:latin typeface="Poppins Medium"/>
+                <a:cs typeface="Poppins Medium"/>
+              </a:rPr>
+            </a:br>
+            <a:br>
+              <a:rPr lang="it-IT" sz="1800" i="1" dirty="0">
+                <a:latin typeface="Poppins Medium" panose="00000600000000000000" pitchFamily="2" charset="0"/>
+                <a:cs typeface="Poppins Medium" panose="00000600000000000000" pitchFamily="2" charset="0"/>
+              </a:rPr>
+            </a:br>
+            <a:endParaRPr lang="it-IT" sz="1800" dirty="0">
+              <a:latin typeface="Poppins Medium" panose="00000600000000000000" pitchFamily="2" charset="0"/>
+              <a:ea typeface="+mj-lt"/>
+              <a:cs typeface="Poppins Medium" panose="00000600000000000000" pitchFamily="2" charset="0"/>
+            </a:endParaRPr>
+          </a:p>
+        </p:txBody>
+      </p:sp>
+      <p:sp>
+        <p:nvSpPr>
+          <p:cNvPr id="4" name="Segnaposto data 3">
+            <a:extLst>
+              <a:ext uri="{FF2B5EF4-FFF2-40B4-BE49-F238E27FC236}">
+                <a16:creationId xmlns:a16="http://schemas.microsoft.com/office/drawing/2014/main" id="{2FDB7171-3E91-AF0B-DDA7-7C25BCB487A1}"/>
+              </a:ext>
+            </a:extLst>
+          </p:cNvPr>
+          <p:cNvSpPr>
+            <a:spLocks noGrp="1"/>
+          </p:cNvSpPr>
+          <p:nvPr>
+            <p:ph type="dt" sz="half" idx="10"/>
+          </p:nvPr>
+        </p:nvSpPr>
+        <p:spPr/>
+        <p:txBody>
+          <a:bodyPr/>
+          <a:lstStyle/>
+          <a:p>
+            <a:r>
+              <a:rPr lang="it-IT" sz="1600">
+                <a:solidFill>
+                  <a:schemeClr val="bg1"/>
+                </a:solidFill>
+                <a:effectLst>
+                  <a:outerShdw blurRad="38100" dist="38100" dir="2700000" algn="tl">
+                    <a:srgbClr val="000000">
+                      <a:alpha val="43137"/>
+                    </a:srgbClr>
+                  </a:outerShdw>
+                </a:effectLst>
+                <a:latin typeface="Poppins Medium" panose="00000600000000000000" pitchFamily="2" charset="0"/>
+                <a:cs typeface="Poppins Medium" panose="00000600000000000000" pitchFamily="2" charset="0"/>
+              </a:rPr>
+              <a:t>31 Maggio 2022</a:t>
+            </a:r>
+            <a:endParaRPr lang="de-DE" sz="1600">
+              <a:solidFill>
+                <a:schemeClr val="bg1"/>
+              </a:solidFill>
+              <a:effectLst>
+                <a:outerShdw blurRad="38100" dist="38100" dir="2700000" algn="tl">
+                  <a:srgbClr val="000000">
+                    <a:alpha val="43137"/>
+                  </a:srgbClr>
+                </a:outerShdw>
+              </a:effectLst>
+              <a:latin typeface="Poppins Medium" panose="00000600000000000000" pitchFamily="2" charset="0"/>
+              <a:cs typeface="Poppins Medium" panose="00000600000000000000" pitchFamily="2" charset="0"/>
+            </a:endParaRPr>
+          </a:p>
+        </p:txBody>
+      </p:sp>
+      <p:sp>
+        <p:nvSpPr>
+          <p:cNvPr id="6" name="Segnaposto numero diapositiva 5">
+            <a:extLst>
+              <a:ext uri="{FF2B5EF4-FFF2-40B4-BE49-F238E27FC236}">
+                <a16:creationId xmlns:a16="http://schemas.microsoft.com/office/drawing/2014/main" id="{D8ABE49A-B3ED-E602-CFFA-63BA9EA87067}"/>
+              </a:ext>
+            </a:extLst>
+          </p:cNvPr>
+          <p:cNvSpPr>
+            <a:spLocks noGrp="1"/>
+          </p:cNvSpPr>
+          <p:nvPr>
+            <p:ph type="sldNum" sz="quarter" idx="12"/>
+          </p:nvPr>
+        </p:nvSpPr>
+        <p:spPr/>
+        <p:txBody>
+          <a:bodyPr/>
+          <a:lstStyle/>
+          <a:p>
+            <a:fld id="{66CD45B7-DFE2-4393-8D37-380FC36BF3AA}" type="slidenum">
+              <a:rPr lang="de-DE" sz="1600" smtClean="0">
+                <a:solidFill>
+                  <a:schemeClr val="bg1"/>
+                </a:solidFill>
+                <a:effectLst>
+                  <a:outerShdw blurRad="38100" dist="38100" dir="2700000" algn="tl">
+                    <a:srgbClr val="000000">
+                      <a:alpha val="43137"/>
+                    </a:srgbClr>
+                  </a:outerShdw>
+                </a:effectLst>
+                <a:latin typeface="Poppins Medium" panose="00000600000000000000" pitchFamily="2" charset="0"/>
+                <a:cs typeface="Poppins Medium" panose="00000600000000000000" pitchFamily="2" charset="0"/>
+              </a:rPr>
+              <a:pPr/>
+              <a:t>23</a:t>
             </a:fld>
             <a:r>
               <a:rPr lang="de-DE" sz="1600">
@@ -10597,7 +13313,7 @@
 </p:sld>
 </file>
 
-<file path=ppt/slides/slide21.xml><?xml version="1.0" encoding="utf-8"?>
+<file path=ppt/slides/slide24.xml><?xml version="1.0" encoding="utf-8"?>
 <p:sld xmlns:a="http://schemas.openxmlformats.org/drawingml/2006/main" xmlns:r="http://schemas.openxmlformats.org/officeDocument/2006/relationships" xmlns:p="http://schemas.openxmlformats.org/presentationml/2006/main">
   <p:cSld>
     <p:spTree>
@@ -10848,7 +13564,7 @@
                 <a:cs typeface="Poppins Medium" panose="00000600000000000000" pitchFamily="2" charset="0"/>
               </a:rPr>
               <a:pPr/>
-              <a:t>21</a:t>
+              <a:t>24</a:t>
             </a:fld>
             <a:r>
               <a:rPr lang="de-DE" sz="1600">
@@ -13335,7 +16051,7 @@
 <file path=ppt/theme/theme1.xml><?xml version="1.0" encoding="utf-8"?>
 <a:theme xmlns:a="http://schemas.openxmlformats.org/drawingml/2006/main" name="Tema di Office">
   <a:themeElements>
-    <a:clrScheme name="Office">
+    <a:clrScheme name="Personalizzato 1">
       <a:dk1>
         <a:sysClr val="windowText" lastClr="000000"/>
       </a:dk1>
@@ -13370,7 +16086,7 @@
         <a:srgbClr val="0563C1"/>
       </a:hlink>
       <a:folHlink>
-        <a:srgbClr val="954F72"/>
+        <a:srgbClr val="0563C1"/>
       </a:folHlink>
     </a:clrScheme>
     <a:fontScheme name="Office">

--- a/MTSSAssignment3.pptx
+++ b/MTSSAssignment3.pptx
@@ -5,7 +5,7 @@
     <p:sldMasterId id="2147483648" r:id="rId1"/>
   </p:sldMasterIdLst>
   <p:notesMasterIdLst>
-    <p:notesMasterId r:id="rId26"/>
+    <p:notesMasterId r:id="rId30"/>
   </p:notesMasterIdLst>
   <p:sldIdLst>
     <p:sldId id="257" r:id="rId2"/>
@@ -28,10 +28,14 @@
     <p:sldId id="320" r:id="rId19"/>
     <p:sldId id="321" r:id="rId20"/>
     <p:sldId id="306" r:id="rId21"/>
-    <p:sldId id="307" r:id="rId22"/>
-    <p:sldId id="308" r:id="rId23"/>
-    <p:sldId id="309" r:id="rId24"/>
-    <p:sldId id="284" r:id="rId25"/>
+    <p:sldId id="323" r:id="rId22"/>
+    <p:sldId id="324" r:id="rId23"/>
+    <p:sldId id="322" r:id="rId24"/>
+    <p:sldId id="325" r:id="rId25"/>
+    <p:sldId id="307" r:id="rId26"/>
+    <p:sldId id="308" r:id="rId27"/>
+    <p:sldId id="309" r:id="rId28"/>
+    <p:sldId id="284" r:id="rId29"/>
   </p:sldIdLst>
   <p:sldSz cx="12192000" cy="6858000"/>
   <p:notesSz cx="6858000" cy="9144000"/>
@@ -220,7 +224,7 @@
           <a:p>
             <a:fld id="{EFB7D28E-7638-40DD-9951-FAEDC6EFEA2A}" type="datetimeFigureOut">
               <a:rPr lang="it-IT" smtClean="0"/>
-              <a:t>02/06/2022</a:t>
+              <a:t>07/06/2022</a:t>
             </a:fld>
             <a:endParaRPr lang="it-IT"/>
           </a:p>
@@ -1075,6 +1079,342 @@
 </p:notes>
 </file>
 
+<file path=ppt/notesSlides/notesSlide16.xml><?xml version="1.0" encoding="utf-8"?>
+<p:notes xmlns:a="http://schemas.openxmlformats.org/drawingml/2006/main" xmlns:r="http://schemas.openxmlformats.org/officeDocument/2006/relationships" xmlns:p="http://schemas.openxmlformats.org/presentationml/2006/main">
+  <p:cSld>
+    <p:spTree>
+      <p:nvGrpSpPr>
+        <p:cNvPr id="1" name=""/>
+        <p:cNvGrpSpPr/>
+        <p:nvPr/>
+      </p:nvGrpSpPr>
+      <p:grpSpPr>
+        <a:xfrm>
+          <a:off x="0" y="0"/>
+          <a:ext cx="0" cy="0"/>
+          <a:chOff x="0" y="0"/>
+          <a:chExt cx="0" cy="0"/>
+        </a:xfrm>
+      </p:grpSpPr>
+      <p:sp>
+        <p:nvSpPr>
+          <p:cNvPr id="2" name="Segnaposto immagine diapositiva 1"/>
+          <p:cNvSpPr>
+            <a:spLocks noGrp="1" noRot="1" noChangeAspect="1"/>
+          </p:cNvSpPr>
+          <p:nvPr>
+            <p:ph type="sldImg"/>
+          </p:nvPr>
+        </p:nvSpPr>
+        <p:spPr/>
+      </p:sp>
+      <p:sp>
+        <p:nvSpPr>
+          <p:cNvPr id="3" name="Segnaposto note 2"/>
+          <p:cNvSpPr>
+            <a:spLocks noGrp="1"/>
+          </p:cNvSpPr>
+          <p:nvPr>
+            <p:ph type="body" idx="1"/>
+          </p:nvPr>
+        </p:nvSpPr>
+        <p:spPr/>
+        <p:txBody>
+          <a:bodyPr/>
+          <a:lstStyle/>
+          <a:p>
+            <a:endParaRPr lang="it-IT" dirty="0"/>
+          </a:p>
+        </p:txBody>
+      </p:sp>
+      <p:sp>
+        <p:nvSpPr>
+          <p:cNvPr id="4" name="Segnaposto numero diapositiva 3"/>
+          <p:cNvSpPr>
+            <a:spLocks noGrp="1"/>
+          </p:cNvSpPr>
+          <p:nvPr>
+            <p:ph type="sldNum" sz="quarter" idx="5"/>
+          </p:nvPr>
+        </p:nvSpPr>
+        <p:spPr/>
+        <p:txBody>
+          <a:bodyPr/>
+          <a:lstStyle/>
+          <a:p>
+            <a:fld id="{0BC78E95-8A02-4863-86BC-3BDFF2A12A63}" type="slidenum">
+              <a:rPr lang="it-IT" smtClean="0"/>
+              <a:t>21</a:t>
+            </a:fld>
+            <a:endParaRPr lang="it-IT"/>
+          </a:p>
+        </p:txBody>
+      </p:sp>
+    </p:spTree>
+    <p:extLst>
+      <p:ext uri="{BB962C8B-B14F-4D97-AF65-F5344CB8AC3E}">
+        <p14:creationId xmlns:p14="http://schemas.microsoft.com/office/powerpoint/2010/main" val="4190251552"/>
+      </p:ext>
+    </p:extLst>
+  </p:cSld>
+  <p:clrMapOvr>
+    <a:masterClrMapping/>
+  </p:clrMapOvr>
+</p:notes>
+</file>
+
+<file path=ppt/notesSlides/notesSlide17.xml><?xml version="1.0" encoding="utf-8"?>
+<p:notes xmlns:a="http://schemas.openxmlformats.org/drawingml/2006/main" xmlns:r="http://schemas.openxmlformats.org/officeDocument/2006/relationships" xmlns:p="http://schemas.openxmlformats.org/presentationml/2006/main">
+  <p:cSld>
+    <p:spTree>
+      <p:nvGrpSpPr>
+        <p:cNvPr id="1" name=""/>
+        <p:cNvGrpSpPr/>
+        <p:nvPr/>
+      </p:nvGrpSpPr>
+      <p:grpSpPr>
+        <a:xfrm>
+          <a:off x="0" y="0"/>
+          <a:ext cx="0" cy="0"/>
+          <a:chOff x="0" y="0"/>
+          <a:chExt cx="0" cy="0"/>
+        </a:xfrm>
+      </p:grpSpPr>
+      <p:sp>
+        <p:nvSpPr>
+          <p:cNvPr id="2" name="Segnaposto immagine diapositiva 1"/>
+          <p:cNvSpPr>
+            <a:spLocks noGrp="1" noRot="1" noChangeAspect="1"/>
+          </p:cNvSpPr>
+          <p:nvPr>
+            <p:ph type="sldImg"/>
+          </p:nvPr>
+        </p:nvSpPr>
+        <p:spPr/>
+      </p:sp>
+      <p:sp>
+        <p:nvSpPr>
+          <p:cNvPr id="3" name="Segnaposto note 2"/>
+          <p:cNvSpPr>
+            <a:spLocks noGrp="1"/>
+          </p:cNvSpPr>
+          <p:nvPr>
+            <p:ph type="body" idx="1"/>
+          </p:nvPr>
+        </p:nvSpPr>
+        <p:spPr/>
+        <p:txBody>
+          <a:bodyPr/>
+          <a:lstStyle/>
+          <a:p>
+            <a:endParaRPr lang="it-IT"/>
+          </a:p>
+        </p:txBody>
+      </p:sp>
+      <p:sp>
+        <p:nvSpPr>
+          <p:cNvPr id="4" name="Segnaposto numero diapositiva 3"/>
+          <p:cNvSpPr>
+            <a:spLocks noGrp="1"/>
+          </p:cNvSpPr>
+          <p:nvPr>
+            <p:ph type="sldNum" sz="quarter" idx="5"/>
+          </p:nvPr>
+        </p:nvSpPr>
+        <p:spPr/>
+        <p:txBody>
+          <a:bodyPr/>
+          <a:lstStyle/>
+          <a:p>
+            <a:fld id="{0BC78E95-8A02-4863-86BC-3BDFF2A12A63}" type="slidenum">
+              <a:rPr lang="it-IT" smtClean="0"/>
+              <a:t>22</a:t>
+            </a:fld>
+            <a:endParaRPr lang="it-IT"/>
+          </a:p>
+        </p:txBody>
+      </p:sp>
+    </p:spTree>
+    <p:extLst>
+      <p:ext uri="{BB962C8B-B14F-4D97-AF65-F5344CB8AC3E}">
+        <p14:creationId xmlns:p14="http://schemas.microsoft.com/office/powerpoint/2010/main" val="3802968371"/>
+      </p:ext>
+    </p:extLst>
+  </p:cSld>
+  <p:clrMapOvr>
+    <a:masterClrMapping/>
+  </p:clrMapOvr>
+</p:notes>
+</file>
+
+<file path=ppt/notesSlides/notesSlide18.xml><?xml version="1.0" encoding="utf-8"?>
+<p:notes xmlns:a="http://schemas.openxmlformats.org/drawingml/2006/main" xmlns:r="http://schemas.openxmlformats.org/officeDocument/2006/relationships" xmlns:p="http://schemas.openxmlformats.org/presentationml/2006/main">
+  <p:cSld>
+    <p:spTree>
+      <p:nvGrpSpPr>
+        <p:cNvPr id="1" name=""/>
+        <p:cNvGrpSpPr/>
+        <p:nvPr/>
+      </p:nvGrpSpPr>
+      <p:grpSpPr>
+        <a:xfrm>
+          <a:off x="0" y="0"/>
+          <a:ext cx="0" cy="0"/>
+          <a:chOff x="0" y="0"/>
+          <a:chExt cx="0" cy="0"/>
+        </a:xfrm>
+      </p:grpSpPr>
+      <p:sp>
+        <p:nvSpPr>
+          <p:cNvPr id="2" name="Segnaposto immagine diapositiva 1"/>
+          <p:cNvSpPr>
+            <a:spLocks noGrp="1" noRot="1" noChangeAspect="1"/>
+          </p:cNvSpPr>
+          <p:nvPr>
+            <p:ph type="sldImg"/>
+          </p:nvPr>
+        </p:nvSpPr>
+        <p:spPr/>
+      </p:sp>
+      <p:sp>
+        <p:nvSpPr>
+          <p:cNvPr id="3" name="Segnaposto note 2"/>
+          <p:cNvSpPr>
+            <a:spLocks noGrp="1"/>
+          </p:cNvSpPr>
+          <p:nvPr>
+            <p:ph type="body" idx="1"/>
+          </p:nvPr>
+        </p:nvSpPr>
+        <p:spPr/>
+        <p:txBody>
+          <a:bodyPr/>
+          <a:lstStyle/>
+          <a:p>
+            <a:endParaRPr lang="it-IT"/>
+          </a:p>
+        </p:txBody>
+      </p:sp>
+      <p:sp>
+        <p:nvSpPr>
+          <p:cNvPr id="4" name="Segnaposto numero diapositiva 3"/>
+          <p:cNvSpPr>
+            <a:spLocks noGrp="1"/>
+          </p:cNvSpPr>
+          <p:nvPr>
+            <p:ph type="sldNum" sz="quarter" idx="5"/>
+          </p:nvPr>
+        </p:nvSpPr>
+        <p:spPr/>
+        <p:txBody>
+          <a:bodyPr/>
+          <a:lstStyle/>
+          <a:p>
+            <a:fld id="{0BC78E95-8A02-4863-86BC-3BDFF2A12A63}" type="slidenum">
+              <a:rPr lang="it-IT" smtClean="0"/>
+              <a:t>23</a:t>
+            </a:fld>
+            <a:endParaRPr lang="it-IT"/>
+          </a:p>
+        </p:txBody>
+      </p:sp>
+    </p:spTree>
+    <p:extLst>
+      <p:ext uri="{BB962C8B-B14F-4D97-AF65-F5344CB8AC3E}">
+        <p14:creationId xmlns:p14="http://schemas.microsoft.com/office/powerpoint/2010/main" val="2044871826"/>
+      </p:ext>
+    </p:extLst>
+  </p:cSld>
+  <p:clrMapOvr>
+    <a:masterClrMapping/>
+  </p:clrMapOvr>
+</p:notes>
+</file>
+
+<file path=ppt/notesSlides/notesSlide19.xml><?xml version="1.0" encoding="utf-8"?>
+<p:notes xmlns:a="http://schemas.openxmlformats.org/drawingml/2006/main" xmlns:r="http://schemas.openxmlformats.org/officeDocument/2006/relationships" xmlns:p="http://schemas.openxmlformats.org/presentationml/2006/main">
+  <p:cSld>
+    <p:spTree>
+      <p:nvGrpSpPr>
+        <p:cNvPr id="1" name=""/>
+        <p:cNvGrpSpPr/>
+        <p:nvPr/>
+      </p:nvGrpSpPr>
+      <p:grpSpPr>
+        <a:xfrm>
+          <a:off x="0" y="0"/>
+          <a:ext cx="0" cy="0"/>
+          <a:chOff x="0" y="0"/>
+          <a:chExt cx="0" cy="0"/>
+        </a:xfrm>
+      </p:grpSpPr>
+      <p:sp>
+        <p:nvSpPr>
+          <p:cNvPr id="2" name="Segnaposto immagine diapositiva 1"/>
+          <p:cNvSpPr>
+            <a:spLocks noGrp="1" noRot="1" noChangeAspect="1"/>
+          </p:cNvSpPr>
+          <p:nvPr>
+            <p:ph type="sldImg"/>
+          </p:nvPr>
+        </p:nvSpPr>
+        <p:spPr/>
+      </p:sp>
+      <p:sp>
+        <p:nvSpPr>
+          <p:cNvPr id="3" name="Segnaposto note 2"/>
+          <p:cNvSpPr>
+            <a:spLocks noGrp="1"/>
+          </p:cNvSpPr>
+          <p:nvPr>
+            <p:ph type="body" idx="1"/>
+          </p:nvPr>
+        </p:nvSpPr>
+        <p:spPr/>
+        <p:txBody>
+          <a:bodyPr/>
+          <a:lstStyle/>
+          <a:p>
+            <a:endParaRPr lang="it-IT"/>
+          </a:p>
+        </p:txBody>
+      </p:sp>
+      <p:sp>
+        <p:nvSpPr>
+          <p:cNvPr id="4" name="Segnaposto numero diapositiva 3"/>
+          <p:cNvSpPr>
+            <a:spLocks noGrp="1"/>
+          </p:cNvSpPr>
+          <p:nvPr>
+            <p:ph type="sldNum" sz="quarter" idx="5"/>
+          </p:nvPr>
+        </p:nvSpPr>
+        <p:spPr/>
+        <p:txBody>
+          <a:bodyPr/>
+          <a:lstStyle/>
+          <a:p>
+            <a:fld id="{0BC78E95-8A02-4863-86BC-3BDFF2A12A63}" type="slidenum">
+              <a:rPr lang="it-IT" smtClean="0"/>
+              <a:t>24</a:t>
+            </a:fld>
+            <a:endParaRPr lang="it-IT"/>
+          </a:p>
+        </p:txBody>
+      </p:sp>
+    </p:spTree>
+    <p:extLst>
+      <p:ext uri="{BB962C8B-B14F-4D97-AF65-F5344CB8AC3E}">
+        <p14:creationId xmlns:p14="http://schemas.microsoft.com/office/powerpoint/2010/main" val="2592366959"/>
+      </p:ext>
+    </p:extLst>
+  </p:cSld>
+  <p:clrMapOvr>
+    <a:masterClrMapping/>
+  </p:clrMapOvr>
+</p:notes>
+</file>
+
 <file path=ppt/notesSlides/notesSlide2.xml><?xml version="1.0" encoding="utf-8"?>
 <p:notes xmlns:a="http://schemas.openxmlformats.org/drawingml/2006/main" xmlns:r="http://schemas.openxmlformats.org/officeDocument/2006/relationships" xmlns:p="http://schemas.openxmlformats.org/presentationml/2006/main">
   <p:cSld>
@@ -1894,7 +2234,7 @@
           <a:p>
             <a:fld id="{F5AF2708-59DE-4D08-9295-20056C9D5A6B}" type="datetimeFigureOut">
               <a:rPr lang="it-IT" smtClean="0"/>
-              <a:t>02/06/2022</a:t>
+              <a:t>07/06/2022</a:t>
             </a:fld>
             <a:endParaRPr lang="it-IT"/>
           </a:p>
@@ -2092,7 +2432,7 @@
           <a:p>
             <a:fld id="{F5AF2708-59DE-4D08-9295-20056C9D5A6B}" type="datetimeFigureOut">
               <a:rPr lang="it-IT" smtClean="0"/>
-              <a:t>02/06/2022</a:t>
+              <a:t>07/06/2022</a:t>
             </a:fld>
             <a:endParaRPr lang="it-IT"/>
           </a:p>
@@ -2300,7 +2640,7 @@
           <a:p>
             <a:fld id="{F5AF2708-59DE-4D08-9295-20056C9D5A6B}" type="datetimeFigureOut">
               <a:rPr lang="it-IT" smtClean="0"/>
-              <a:t>02/06/2022</a:t>
+              <a:t>07/06/2022</a:t>
             </a:fld>
             <a:endParaRPr lang="it-IT"/>
           </a:p>
@@ -2498,7 +2838,7 @@
           <a:p>
             <a:fld id="{F5AF2708-59DE-4D08-9295-20056C9D5A6B}" type="datetimeFigureOut">
               <a:rPr lang="it-IT" smtClean="0"/>
-              <a:t>02/06/2022</a:t>
+              <a:t>07/06/2022</a:t>
             </a:fld>
             <a:endParaRPr lang="it-IT"/>
           </a:p>
@@ -2773,7 +3113,7 @@
           <a:p>
             <a:fld id="{F5AF2708-59DE-4D08-9295-20056C9D5A6B}" type="datetimeFigureOut">
               <a:rPr lang="it-IT" smtClean="0"/>
-              <a:t>02/06/2022</a:t>
+              <a:t>07/06/2022</a:t>
             </a:fld>
             <a:endParaRPr lang="it-IT"/>
           </a:p>
@@ -3038,7 +3378,7 @@
           <a:p>
             <a:fld id="{F5AF2708-59DE-4D08-9295-20056C9D5A6B}" type="datetimeFigureOut">
               <a:rPr lang="it-IT" smtClean="0"/>
-              <a:t>02/06/2022</a:t>
+              <a:t>07/06/2022</a:t>
             </a:fld>
             <a:endParaRPr lang="it-IT"/>
           </a:p>
@@ -3450,7 +3790,7 @@
           <a:p>
             <a:fld id="{F5AF2708-59DE-4D08-9295-20056C9D5A6B}" type="datetimeFigureOut">
               <a:rPr lang="it-IT" smtClean="0"/>
-              <a:t>02/06/2022</a:t>
+              <a:t>07/06/2022</a:t>
             </a:fld>
             <a:endParaRPr lang="it-IT"/>
           </a:p>
@@ -3591,7 +3931,7 @@
           <a:p>
             <a:fld id="{F5AF2708-59DE-4D08-9295-20056C9D5A6B}" type="datetimeFigureOut">
               <a:rPr lang="it-IT" smtClean="0"/>
-              <a:t>02/06/2022</a:t>
+              <a:t>07/06/2022</a:t>
             </a:fld>
             <a:endParaRPr lang="it-IT"/>
           </a:p>
@@ -3704,7 +4044,7 @@
           <a:p>
             <a:fld id="{F5AF2708-59DE-4D08-9295-20056C9D5A6B}" type="datetimeFigureOut">
               <a:rPr lang="it-IT" smtClean="0"/>
-              <a:t>02/06/2022</a:t>
+              <a:t>07/06/2022</a:t>
             </a:fld>
             <a:endParaRPr lang="it-IT"/>
           </a:p>
@@ -4015,7 +4355,7 @@
           <a:p>
             <a:fld id="{F5AF2708-59DE-4D08-9295-20056C9D5A6B}" type="datetimeFigureOut">
               <a:rPr lang="it-IT" smtClean="0"/>
-              <a:t>02/06/2022</a:t>
+              <a:t>07/06/2022</a:t>
             </a:fld>
             <a:endParaRPr lang="it-IT"/>
           </a:p>
@@ -4303,7 +4643,7 @@
           <a:p>
             <a:fld id="{F5AF2708-59DE-4D08-9295-20056C9D5A6B}" type="datetimeFigureOut">
               <a:rPr lang="it-IT" smtClean="0"/>
-              <a:t>02/06/2022</a:t>
+              <a:t>07/06/2022</a:t>
             </a:fld>
             <a:endParaRPr lang="it-IT"/>
           </a:p>
@@ -4544,7 +4884,7 @@
           <a:p>
             <a:fld id="{F5AF2708-59DE-4D08-9295-20056C9D5A6B}" type="datetimeFigureOut">
               <a:rPr lang="it-IT" smtClean="0"/>
-              <a:t>02/06/2022</a:t>
+              <a:t>07/06/2022</a:t>
             </a:fld>
             <a:endParaRPr lang="it-IT"/>
           </a:p>
@@ -8137,7 +8477,7 @@
                 <a:latin typeface="Poppins Medium" panose="00000600000000000000" pitchFamily="2" charset="0"/>
                 <a:cs typeface="Poppins Medium" panose="00000600000000000000" pitchFamily="2" charset="0"/>
               </a:rPr>
-              <a:t>Così come descritto  è descritto anche nelle linee guida del progetto è bene NON sottoscrivere PR al ramo master.</a:t>
+              <a:t>Così come è descritto anche nelle linee guida del progetto è bene NON sottoscrivere PR al ramo master.</a:t>
             </a:r>
           </a:p>
           <a:p>
@@ -8919,7 +9259,7 @@
         </p:nvSpPr>
         <p:spPr>
           <a:xfrm>
-            <a:off x="0" y="136525"/>
+            <a:off x="3072" y="-1039"/>
             <a:ext cx="12188928" cy="6859039"/>
           </a:xfrm>
           <a:prstGeom prst="rect">
@@ -8928,6 +9268,9 @@
           <a:solidFill>
             <a:srgbClr val="002060"/>
           </a:solidFill>
+          <a:ln>
+            <a:noFill/>
+          </a:ln>
         </p:spPr>
         <p:style>
           <a:lnRef idx="2">
@@ -9252,10 +9595,10 @@
       </p:pic>
       <p:pic>
         <p:nvPicPr>
-          <p:cNvPr id="14" name="Immagine 13" descr="Immagine che contiene testo, silhouette, clipart&#10;&#10;Descrizione generata automaticamente">
-            <a:extLst>
-              <a:ext uri="{FF2B5EF4-FFF2-40B4-BE49-F238E27FC236}">
-                <a16:creationId xmlns:a16="http://schemas.microsoft.com/office/drawing/2014/main" id="{345F4737-889A-EA38-B52D-DEE1F30A07B4}"/>
+          <p:cNvPr id="11" name="Immagine 10">
+            <a:extLst>
+              <a:ext uri="{FF2B5EF4-FFF2-40B4-BE49-F238E27FC236}">
+                <a16:creationId xmlns:a16="http://schemas.microsoft.com/office/drawing/2014/main" id="{F65799E3-1F3C-6611-83B8-C1B76AD9E7EB}"/>
               </a:ext>
             </a:extLst>
           </p:cNvPr>
@@ -9278,8 +9621,8 @@
         </p:blipFill>
         <p:spPr>
           <a:xfrm>
-            <a:off x="7160184" y="2335591"/>
-            <a:ext cx="4765133" cy="4765133"/>
+            <a:off x="6743933" y="2893759"/>
+            <a:ext cx="3733333" cy="3733333"/>
           </a:xfrm>
           <a:prstGeom prst="rect">
             <a:avLst/>
@@ -10030,7 +10373,7 @@
                 <a:latin typeface="Poppins Medium" panose="00000600000000000000" pitchFamily="2" charset="0"/>
                 <a:cs typeface="Poppins Medium" panose="00000600000000000000" pitchFamily="2" charset="0"/>
               </a:rPr>
-              <a:t> Action è uno strumento che permette di configurare la pipeline di </a:t>
+              <a:t> Actions è uno strumento che permette di configurare la pipeline di </a:t>
             </a:r>
             <a:r>
               <a:rPr lang="it-IT" sz="2400" dirty="0" err="1">
@@ -11718,6 +12061,9 @@
           <a:solidFill>
             <a:srgbClr val="002060"/>
           </a:solidFill>
+          <a:ln>
+            <a:noFill/>
+          </a:ln>
         </p:spPr>
         <p:style>
           <a:lnRef idx="2">
@@ -11829,7 +12175,7 @@
                 <a:ea typeface="Calibri Light"/>
                 <a:cs typeface="Poppins Medium"/>
               </a:rPr>
-              <a:t>SYSTEM</a:t>
+              <a:t>SYSTEM:</a:t>
             </a:r>
             <a:br>
               <a:rPr lang="it-IT" sz="5300" b="1" dirty="0">
@@ -12100,6 +12446,9 @@
           <a:solidFill>
             <a:srgbClr val="002060"/>
           </a:solidFill>
+          <a:ln>
+            <a:noFill/>
+          </a:ln>
         </p:spPr>
         <p:style>
           <a:lnRef idx="2">
@@ -12387,10 +12736,95 @@
       </p:grpSpPr>
       <p:sp>
         <p:nvSpPr>
-          <p:cNvPr id="9" name="Rettangolo 8">
-            <a:extLst>
-              <a:ext uri="{FF2B5EF4-FFF2-40B4-BE49-F238E27FC236}">
-                <a16:creationId xmlns:a16="http://schemas.microsoft.com/office/drawing/2014/main" id="{75A649AD-BFC8-D407-B3D8-768C796B24EE}"/>
+          <p:cNvPr id="25" name="Segnaposto data 24">
+            <a:extLst>
+              <a:ext uri="{FF2B5EF4-FFF2-40B4-BE49-F238E27FC236}">
+                <a16:creationId xmlns:a16="http://schemas.microsoft.com/office/drawing/2014/main" id="{115DF917-AC48-486A-81F6-CF2DBBF5CD89}"/>
+              </a:ext>
+            </a:extLst>
+          </p:cNvPr>
+          <p:cNvSpPr>
+            <a:spLocks noGrp="1"/>
+          </p:cNvSpPr>
+          <p:nvPr>
+            <p:ph type="dt" sz="half" idx="10"/>
+          </p:nvPr>
+        </p:nvSpPr>
+        <p:spPr/>
+        <p:txBody>
+          <a:bodyPr/>
+          <a:lstStyle/>
+          <a:p>
+            <a:r>
+              <a:rPr lang="it-IT" sz="1600">
+                <a:solidFill>
+                  <a:schemeClr val="tx1"/>
+                </a:solidFill>
+                <a:latin typeface="Poppins Medium" panose="00000600000000000000" pitchFamily="2" charset="0"/>
+                <a:cs typeface="Poppins Medium" panose="00000600000000000000" pitchFamily="2" charset="0"/>
+              </a:rPr>
+              <a:t>31 Maggio 2022</a:t>
+            </a:r>
+            <a:endParaRPr lang="de-DE" sz="1600">
+              <a:solidFill>
+                <a:schemeClr val="tx1"/>
+              </a:solidFill>
+              <a:latin typeface="Poppins Medium" panose="00000600000000000000" pitchFamily="2" charset="0"/>
+              <a:cs typeface="Poppins Medium" panose="00000600000000000000" pitchFamily="2" charset="0"/>
+            </a:endParaRPr>
+          </a:p>
+        </p:txBody>
+      </p:sp>
+      <p:sp>
+        <p:nvSpPr>
+          <p:cNvPr id="27" name="Segnaposto numero diapositiva 26">
+            <a:extLst>
+              <a:ext uri="{FF2B5EF4-FFF2-40B4-BE49-F238E27FC236}">
+                <a16:creationId xmlns:a16="http://schemas.microsoft.com/office/drawing/2014/main" id="{F9C2EE25-215B-477C-AC6E-D2639B7A24B6}"/>
+              </a:ext>
+            </a:extLst>
+          </p:cNvPr>
+          <p:cNvSpPr>
+            <a:spLocks noGrp="1"/>
+          </p:cNvSpPr>
+          <p:nvPr>
+            <p:ph type="sldNum" sz="quarter" idx="12"/>
+          </p:nvPr>
+        </p:nvSpPr>
+        <p:spPr/>
+        <p:txBody>
+          <a:bodyPr/>
+          <a:lstStyle/>
+          <a:p>
+            <a:fld id="{66CD45B7-DFE2-4393-8D37-380FC36BF3AA}" type="slidenum">
+              <a:rPr lang="de-DE" sz="1600" smtClean="0">
+                <a:solidFill>
+                  <a:schemeClr val="tx1"/>
+                </a:solidFill>
+                <a:latin typeface="Poppins Medium" panose="00000600000000000000" pitchFamily="2" charset="0"/>
+                <a:cs typeface="Poppins Medium" panose="00000600000000000000" pitchFamily="2" charset="0"/>
+              </a:rPr>
+              <a:t>21</a:t>
+            </a:fld>
+            <a:r>
+              <a:rPr lang="de-DE" sz="1600">
+                <a:solidFill>
+                  <a:schemeClr val="tx1"/>
+                </a:solidFill>
+                <a:latin typeface="Poppins Medium" panose="00000600000000000000" pitchFamily="2" charset="0"/>
+                <a:cs typeface="Poppins Medium" panose="00000600000000000000" pitchFamily="2" charset="0"/>
+              </a:rPr>
+              <a:t>/16</a:t>
+            </a:r>
+          </a:p>
+        </p:txBody>
+      </p:sp>
+      <p:sp>
+        <p:nvSpPr>
+          <p:cNvPr id="12" name="Rettangolo 11">
+            <a:extLst>
+              <a:ext uri="{FF2B5EF4-FFF2-40B4-BE49-F238E27FC236}">
+                <a16:creationId xmlns:a16="http://schemas.microsoft.com/office/drawing/2014/main" id="{F0FAD030-2623-A89C-4FA1-55CE81C0AE08}"/>
               </a:ext>
             </a:extLst>
           </p:cNvPr>
@@ -12399,8 +12833,8 @@
         </p:nvSpPr>
         <p:spPr>
           <a:xfrm>
-            <a:off x="1" y="-1039"/>
-            <a:ext cx="12188928" cy="6859039"/>
+            <a:off x="0" y="0"/>
+            <a:ext cx="12184913" cy="1034891"/>
           </a:xfrm>
           <a:prstGeom prst="rect">
             <a:avLst/>
@@ -12408,6 +12842,9 @@
           <a:solidFill>
             <a:srgbClr val="002060"/>
           </a:solidFill>
+          <a:ln>
+            <a:noFill/>
+          </a:ln>
         </p:spPr>
         <p:style>
           <a:lnRef idx="2">
@@ -12430,6 +12867,3121 @@
           <a:lstStyle/>
           <a:p>
             <a:pPr algn="ctr"/>
+            <a:endParaRPr lang="it-IT"/>
+          </a:p>
+        </p:txBody>
+      </p:sp>
+      <p:sp>
+        <p:nvSpPr>
+          <p:cNvPr id="13" name="Titolo 1">
+            <a:extLst>
+              <a:ext uri="{FF2B5EF4-FFF2-40B4-BE49-F238E27FC236}">
+                <a16:creationId xmlns:a16="http://schemas.microsoft.com/office/drawing/2014/main" id="{A0F14F07-00BE-A130-44A5-463A5F98673C}"/>
+              </a:ext>
+            </a:extLst>
+          </p:cNvPr>
+          <p:cNvSpPr>
+            <a:spLocks noGrp="1"/>
+          </p:cNvSpPr>
+          <p:nvPr>
+            <p:ph type="title"/>
+          </p:nvPr>
+        </p:nvSpPr>
+        <p:spPr>
+          <a:xfrm>
+            <a:off x="272535" y="163591"/>
+            <a:ext cx="10176803" cy="707708"/>
+          </a:xfrm>
+        </p:spPr>
+        <p:txBody>
+          <a:bodyPr anchor="b">
+            <a:normAutofit/>
+          </a:bodyPr>
+          <a:lstStyle/>
+          <a:p>
+            <a:r>
+              <a:rPr lang="it-IT" sz="4000" b="1" dirty="0">
+                <a:solidFill>
+                  <a:schemeClr val="bg1"/>
+                </a:solidFill>
+                <a:latin typeface="Poppins"/>
+                <a:cs typeface="Poppins"/>
+              </a:rPr>
+              <a:t>Testing</a:t>
+            </a:r>
+          </a:p>
+        </p:txBody>
+      </p:sp>
+      <p:sp>
+        <p:nvSpPr>
+          <p:cNvPr id="8" name="Segnaposto contenuto 6">
+            <a:extLst>
+              <a:ext uri="{FF2B5EF4-FFF2-40B4-BE49-F238E27FC236}">
+                <a16:creationId xmlns:a16="http://schemas.microsoft.com/office/drawing/2014/main" id="{F832EED3-9182-E3BD-D2D5-1723AFD8A0BD}"/>
+              </a:ext>
+            </a:extLst>
+          </p:cNvPr>
+          <p:cNvSpPr txBox="1">
+            <a:spLocks/>
+          </p:cNvSpPr>
+          <p:nvPr/>
+        </p:nvSpPr>
+        <p:spPr>
+          <a:xfrm>
+            <a:off x="834656" y="2005012"/>
+            <a:ext cx="10515600" cy="4351338"/>
+          </a:xfrm>
+          <a:prstGeom prst="rect">
+            <a:avLst/>
+          </a:prstGeom>
+        </p:spPr>
+        <p:txBody>
+          <a:bodyPr vert="horz" lIns="91440" tIns="45720" rIns="91440" bIns="45720" rtlCol="0">
+            <a:normAutofit/>
+          </a:bodyPr>
+          <a:lstStyle>
+            <a:lvl1pPr marL="228600" indent="-228600" algn="l" defTabSz="914400" rtl="0" eaLnBrk="1" latinLnBrk="0" hangingPunct="1">
+              <a:lnSpc>
+                <a:spcPct val="90000"/>
+              </a:lnSpc>
+              <a:spcBef>
+                <a:spcPts val="1000"/>
+              </a:spcBef>
+              <a:buFont typeface="Arial" panose="020B0604020202020204" pitchFamily="34" charset="0"/>
+              <a:buChar char="•"/>
+              <a:defRPr sz="2800" kern="1200">
+                <a:solidFill>
+                  <a:schemeClr val="tx1"/>
+                </a:solidFill>
+                <a:latin typeface="+mn-lt"/>
+                <a:ea typeface="+mn-ea"/>
+                <a:cs typeface="+mn-cs"/>
+              </a:defRPr>
+            </a:lvl1pPr>
+            <a:lvl2pPr marL="685800" indent="-228600" algn="l" defTabSz="914400" rtl="0" eaLnBrk="1" latinLnBrk="0" hangingPunct="1">
+              <a:lnSpc>
+                <a:spcPct val="90000"/>
+              </a:lnSpc>
+              <a:spcBef>
+                <a:spcPts val="500"/>
+              </a:spcBef>
+              <a:buFont typeface="Arial" panose="020B0604020202020204" pitchFamily="34" charset="0"/>
+              <a:buChar char="•"/>
+              <a:defRPr sz="2400" kern="1200">
+                <a:solidFill>
+                  <a:schemeClr val="tx1"/>
+                </a:solidFill>
+                <a:latin typeface="+mn-lt"/>
+                <a:ea typeface="+mn-ea"/>
+                <a:cs typeface="+mn-cs"/>
+              </a:defRPr>
+            </a:lvl2pPr>
+            <a:lvl3pPr marL="1143000" indent="-228600" algn="l" defTabSz="914400" rtl="0" eaLnBrk="1" latinLnBrk="0" hangingPunct="1">
+              <a:lnSpc>
+                <a:spcPct val="90000"/>
+              </a:lnSpc>
+              <a:spcBef>
+                <a:spcPts val="500"/>
+              </a:spcBef>
+              <a:buFont typeface="Arial" panose="020B0604020202020204" pitchFamily="34" charset="0"/>
+              <a:buChar char="•"/>
+              <a:defRPr sz="2000" kern="1200">
+                <a:solidFill>
+                  <a:schemeClr val="tx1"/>
+                </a:solidFill>
+                <a:latin typeface="+mn-lt"/>
+                <a:ea typeface="+mn-ea"/>
+                <a:cs typeface="+mn-cs"/>
+              </a:defRPr>
+            </a:lvl3pPr>
+            <a:lvl4pPr marL="1600200" indent="-228600" algn="l" defTabSz="914400" rtl="0" eaLnBrk="1" latinLnBrk="0" hangingPunct="1">
+              <a:lnSpc>
+                <a:spcPct val="90000"/>
+              </a:lnSpc>
+              <a:spcBef>
+                <a:spcPts val="500"/>
+              </a:spcBef>
+              <a:buFont typeface="Arial" panose="020B0604020202020204" pitchFamily="34" charset="0"/>
+              <a:buChar char="•"/>
+              <a:defRPr sz="1800" kern="1200">
+                <a:solidFill>
+                  <a:schemeClr val="tx1"/>
+                </a:solidFill>
+                <a:latin typeface="+mn-lt"/>
+                <a:ea typeface="+mn-ea"/>
+                <a:cs typeface="+mn-cs"/>
+              </a:defRPr>
+            </a:lvl4pPr>
+            <a:lvl5pPr marL="2057400" indent="-228600" algn="l" defTabSz="914400" rtl="0" eaLnBrk="1" latinLnBrk="0" hangingPunct="1">
+              <a:lnSpc>
+                <a:spcPct val="90000"/>
+              </a:lnSpc>
+              <a:spcBef>
+                <a:spcPts val="500"/>
+              </a:spcBef>
+              <a:buFont typeface="Arial" panose="020B0604020202020204" pitchFamily="34" charset="0"/>
+              <a:buChar char="•"/>
+              <a:defRPr sz="1800" kern="1200">
+                <a:solidFill>
+                  <a:schemeClr val="tx1"/>
+                </a:solidFill>
+                <a:latin typeface="+mn-lt"/>
+                <a:ea typeface="+mn-ea"/>
+                <a:cs typeface="+mn-cs"/>
+              </a:defRPr>
+            </a:lvl5pPr>
+            <a:lvl6pPr marL="2514600" indent="-228600" algn="l" defTabSz="914400" rtl="0" eaLnBrk="1" latinLnBrk="0" hangingPunct="1">
+              <a:lnSpc>
+                <a:spcPct val="90000"/>
+              </a:lnSpc>
+              <a:spcBef>
+                <a:spcPts val="500"/>
+              </a:spcBef>
+              <a:buFont typeface="Arial" panose="020B0604020202020204" pitchFamily="34" charset="0"/>
+              <a:buChar char="•"/>
+              <a:defRPr sz="1800" kern="1200">
+                <a:solidFill>
+                  <a:schemeClr val="tx1"/>
+                </a:solidFill>
+                <a:latin typeface="+mn-lt"/>
+                <a:ea typeface="+mn-ea"/>
+                <a:cs typeface="+mn-cs"/>
+              </a:defRPr>
+            </a:lvl6pPr>
+            <a:lvl7pPr marL="2971800" indent="-228600" algn="l" defTabSz="914400" rtl="0" eaLnBrk="1" latinLnBrk="0" hangingPunct="1">
+              <a:lnSpc>
+                <a:spcPct val="90000"/>
+              </a:lnSpc>
+              <a:spcBef>
+                <a:spcPts val="500"/>
+              </a:spcBef>
+              <a:buFont typeface="Arial" panose="020B0604020202020204" pitchFamily="34" charset="0"/>
+              <a:buChar char="•"/>
+              <a:defRPr sz="1800" kern="1200">
+                <a:solidFill>
+                  <a:schemeClr val="tx1"/>
+                </a:solidFill>
+                <a:latin typeface="+mn-lt"/>
+                <a:ea typeface="+mn-ea"/>
+                <a:cs typeface="+mn-cs"/>
+              </a:defRPr>
+            </a:lvl7pPr>
+            <a:lvl8pPr marL="3429000" indent="-228600" algn="l" defTabSz="914400" rtl="0" eaLnBrk="1" latinLnBrk="0" hangingPunct="1">
+              <a:lnSpc>
+                <a:spcPct val="90000"/>
+              </a:lnSpc>
+              <a:spcBef>
+                <a:spcPts val="500"/>
+              </a:spcBef>
+              <a:buFont typeface="Arial" panose="020B0604020202020204" pitchFamily="34" charset="0"/>
+              <a:buChar char="•"/>
+              <a:defRPr sz="1800" kern="1200">
+                <a:solidFill>
+                  <a:schemeClr val="tx1"/>
+                </a:solidFill>
+                <a:latin typeface="+mn-lt"/>
+                <a:ea typeface="+mn-ea"/>
+                <a:cs typeface="+mn-cs"/>
+              </a:defRPr>
+            </a:lvl8pPr>
+            <a:lvl9pPr marL="3886200" indent="-228600" algn="l" defTabSz="914400" rtl="0" eaLnBrk="1" latinLnBrk="0" hangingPunct="1">
+              <a:lnSpc>
+                <a:spcPct val="90000"/>
+              </a:lnSpc>
+              <a:spcBef>
+                <a:spcPts val="500"/>
+              </a:spcBef>
+              <a:buFont typeface="Arial" panose="020B0604020202020204" pitchFamily="34" charset="0"/>
+              <a:buChar char="•"/>
+              <a:defRPr sz="1800" kern="1200">
+                <a:solidFill>
+                  <a:schemeClr val="tx1"/>
+                </a:solidFill>
+                <a:latin typeface="+mn-lt"/>
+                <a:ea typeface="+mn-ea"/>
+                <a:cs typeface="+mn-cs"/>
+              </a:defRPr>
+            </a:lvl9pPr>
+          </a:lstStyle>
+          <a:p>
+            <a:pPr marL="0" indent="0">
+              <a:buFont typeface="Arial" panose="020B0604020202020204" pitchFamily="34" charset="0"/>
+              <a:buNone/>
+            </a:pPr>
+            <a:endParaRPr lang="it-IT" sz="2400" dirty="0">
+              <a:latin typeface="Poppins Medium" panose="00000600000000000000" pitchFamily="2" charset="0"/>
+              <a:cs typeface="Poppins Medium" panose="00000600000000000000" pitchFamily="2" charset="0"/>
+            </a:endParaRPr>
+          </a:p>
+          <a:p>
+            <a:pPr marL="0" indent="0">
+              <a:buFont typeface="Arial" panose="020B0604020202020204" pitchFamily="34" charset="0"/>
+              <a:buNone/>
+            </a:pPr>
+            <a:endParaRPr lang="it-IT" sz="2400" dirty="0">
+              <a:latin typeface="Poppins Medium" panose="00000600000000000000" pitchFamily="2" charset="0"/>
+              <a:cs typeface="Poppins Medium" panose="00000600000000000000" pitchFamily="2" charset="0"/>
+            </a:endParaRPr>
+          </a:p>
+          <a:p>
+            <a:pPr marL="0" indent="0">
+              <a:buFont typeface="Arial" panose="020B0604020202020204" pitchFamily="34" charset="0"/>
+              <a:buNone/>
+            </a:pPr>
+            <a:endParaRPr lang="it-IT" sz="2400" dirty="0">
+              <a:latin typeface="Poppins Medium" panose="00000600000000000000" pitchFamily="2" charset="0"/>
+              <a:cs typeface="Poppins Medium" panose="00000600000000000000" pitchFamily="2" charset="0"/>
+            </a:endParaRPr>
+          </a:p>
+          <a:p>
+            <a:pPr marL="0" indent="0">
+              <a:buFont typeface="Arial" panose="020B0604020202020204" pitchFamily="34" charset="0"/>
+              <a:buNone/>
+            </a:pPr>
+            <a:endParaRPr lang="it-IT" dirty="0">
+              <a:solidFill>
+                <a:schemeClr val="accent1">
+                  <a:lumMod val="75000"/>
+                </a:schemeClr>
+              </a:solidFill>
+            </a:endParaRPr>
+          </a:p>
+        </p:txBody>
+      </p:sp>
+      <p:sp>
+        <p:nvSpPr>
+          <p:cNvPr id="2" name="CasellaDiTesto 1">
+            <a:extLst>
+              <a:ext uri="{FF2B5EF4-FFF2-40B4-BE49-F238E27FC236}">
+                <a16:creationId xmlns:a16="http://schemas.microsoft.com/office/drawing/2014/main" id="{F78FA623-F1AB-90BF-FE24-8A765E15358E}"/>
+              </a:ext>
+            </a:extLst>
+          </p:cNvPr>
+          <p:cNvSpPr txBox="1"/>
+          <p:nvPr/>
+        </p:nvSpPr>
+        <p:spPr>
+          <a:xfrm>
+            <a:off x="466928" y="1303506"/>
+            <a:ext cx="10373353" cy="1815882"/>
+          </a:xfrm>
+          <a:prstGeom prst="rect">
+            <a:avLst/>
+          </a:prstGeom>
+          <a:noFill/>
+        </p:spPr>
+        <p:txBody>
+          <a:bodyPr wrap="none" rtlCol="0">
+            <a:spAutoFit/>
+          </a:bodyPr>
+          <a:lstStyle/>
+          <a:p>
+            <a:pPr marL="285750" indent="-285750">
+              <a:buFont typeface="Arial" panose="020B0604020202020204" pitchFamily="34" charset="0"/>
+              <a:buChar char="•"/>
+            </a:pPr>
+            <a:r>
+              <a:rPr lang="it-IT" sz="2800" dirty="0">
+                <a:latin typeface="Poppins Medium" panose="00000600000000000000" pitchFamily="2" charset="0"/>
+                <a:cs typeface="Poppins Medium" panose="00000600000000000000" pitchFamily="2" charset="0"/>
+              </a:rPr>
+              <a:t>Il testing del codice utilizza le librerie Jasmine e Karma</a:t>
+            </a:r>
+          </a:p>
+          <a:p>
+            <a:pPr marL="285750" indent="-285750">
+              <a:buFont typeface="Arial" panose="020B0604020202020204" pitchFamily="34" charset="0"/>
+              <a:buChar char="•"/>
+            </a:pPr>
+            <a:r>
+              <a:rPr lang="it-IT" sz="2800" dirty="0">
+                <a:latin typeface="Poppins Medium" panose="00000600000000000000" pitchFamily="2" charset="0"/>
+                <a:cs typeface="Poppins Medium" panose="00000600000000000000" pitchFamily="2" charset="0"/>
+              </a:rPr>
+              <a:t>Sono tutti contenuti nell’apposita cartella </a:t>
+            </a:r>
+            <a:r>
+              <a:rPr lang="it-IT" sz="2800" b="1" dirty="0">
+                <a:latin typeface="Miriam Fixed" panose="020B0604020202020204" pitchFamily="49" charset="-79"/>
+                <a:cs typeface="Miriam Fixed" panose="020B0604020202020204" pitchFamily="49" charset="-79"/>
+              </a:rPr>
+              <a:t>/test</a:t>
+            </a:r>
+          </a:p>
+          <a:p>
+            <a:pPr marL="285750" indent="-285750">
+              <a:buFont typeface="Arial" panose="020B0604020202020204" pitchFamily="34" charset="0"/>
+              <a:buChar char="•"/>
+            </a:pPr>
+            <a:r>
+              <a:rPr lang="it-IT" sz="2800" dirty="0">
+                <a:latin typeface="Poppins Medium" panose="00000600000000000000" pitchFamily="2" charset="0"/>
+                <a:cs typeface="Poppins Medium" panose="00000600000000000000" pitchFamily="2" charset="0"/>
+              </a:rPr>
+              <a:t>Vengono eseguiti dalla build </a:t>
+            </a:r>
+            <a:r>
+              <a:rPr lang="it-IT" sz="2800" dirty="0" err="1">
+                <a:latin typeface="Poppins Medium" panose="00000600000000000000" pitchFamily="2" charset="0"/>
+                <a:cs typeface="Poppins Medium" panose="00000600000000000000" pitchFamily="2" charset="0"/>
+              </a:rPr>
+              <a:t>automation</a:t>
+            </a:r>
+            <a:r>
+              <a:rPr lang="it-IT" sz="2800" dirty="0">
+                <a:latin typeface="Poppins Medium" panose="00000600000000000000" pitchFamily="2" charset="0"/>
+                <a:cs typeface="Poppins Medium" panose="00000600000000000000" pitchFamily="2" charset="0"/>
+              </a:rPr>
+              <a:t> nei momenti </a:t>
+            </a:r>
+          </a:p>
+          <a:p>
+            <a:r>
+              <a:rPr lang="it-IT" sz="2800" dirty="0">
+                <a:latin typeface="Poppins Medium" panose="00000600000000000000" pitchFamily="2" charset="0"/>
+                <a:cs typeface="Poppins Medium" panose="00000600000000000000" pitchFamily="2" charset="0"/>
+              </a:rPr>
+              <a:t>   di </a:t>
+            </a:r>
+            <a:r>
+              <a:rPr lang="it-IT" sz="2800" b="1" dirty="0" err="1">
+                <a:latin typeface="Miriam Fixed" panose="020B0509050101010101" pitchFamily="49" charset="-79"/>
+                <a:cs typeface="Miriam Fixed" panose="020B0509050101010101" pitchFamily="49" charset="-79"/>
+              </a:rPr>
+              <a:t>push</a:t>
+            </a:r>
+            <a:r>
+              <a:rPr lang="it-IT" sz="2800" dirty="0">
+                <a:latin typeface="Poppins Medium" panose="00000600000000000000" pitchFamily="2" charset="0"/>
+                <a:cs typeface="Poppins Medium" panose="00000600000000000000" pitchFamily="2" charset="0"/>
+              </a:rPr>
+              <a:t> o </a:t>
+            </a:r>
+            <a:r>
+              <a:rPr lang="it-IT" sz="2800" b="1" dirty="0">
+                <a:latin typeface="Miriam Fixed" panose="020B0509050101010101" pitchFamily="49" charset="-79"/>
+                <a:cs typeface="Miriam Fixed" panose="020B0509050101010101" pitchFamily="49" charset="-79"/>
+              </a:rPr>
+              <a:t>pull </a:t>
+            </a:r>
+            <a:r>
+              <a:rPr lang="it-IT" sz="2800" b="1" dirty="0" err="1">
+                <a:latin typeface="Miriam Fixed" panose="020B0509050101010101" pitchFamily="49" charset="-79"/>
+                <a:cs typeface="Miriam Fixed" panose="020B0509050101010101" pitchFamily="49" charset="-79"/>
+              </a:rPr>
+              <a:t>request</a:t>
+            </a:r>
+            <a:endParaRPr lang="it-IT" sz="2800" b="1" dirty="0">
+              <a:latin typeface="Miriam Fixed" panose="020B0509050101010101" pitchFamily="49" charset="-79"/>
+              <a:cs typeface="Miriam Fixed" panose="020B0509050101010101" pitchFamily="49" charset="-79"/>
+            </a:endParaRPr>
+          </a:p>
+        </p:txBody>
+      </p:sp>
+      <p:sp>
+        <p:nvSpPr>
+          <p:cNvPr id="3" name="CasellaDiTesto 2">
+            <a:extLst>
+              <a:ext uri="{FF2B5EF4-FFF2-40B4-BE49-F238E27FC236}">
+                <a16:creationId xmlns:a16="http://schemas.microsoft.com/office/drawing/2014/main" id="{5E7147C4-E93A-EFEC-0CE7-BE9C6AD74255}"/>
+              </a:ext>
+            </a:extLst>
+          </p:cNvPr>
+          <p:cNvSpPr txBox="1"/>
+          <p:nvPr/>
+        </p:nvSpPr>
+        <p:spPr>
+          <a:xfrm>
+            <a:off x="1235412" y="3244334"/>
+            <a:ext cx="628442" cy="369332"/>
+          </a:xfrm>
+          <a:prstGeom prst="rect">
+            <a:avLst/>
+          </a:prstGeom>
+          <a:noFill/>
+        </p:spPr>
+        <p:txBody>
+          <a:bodyPr wrap="none" rtlCol="0">
+            <a:spAutoFit/>
+          </a:bodyPr>
+          <a:lstStyle/>
+          <a:p>
+            <a:r>
+              <a:rPr lang="it-IT" dirty="0"/>
+              <a:t>test/</a:t>
+            </a:r>
+          </a:p>
+        </p:txBody>
+      </p:sp>
+      <p:cxnSp>
+        <p:nvCxnSpPr>
+          <p:cNvPr id="5" name="Connettore diritto 4">
+            <a:extLst>
+              <a:ext uri="{FF2B5EF4-FFF2-40B4-BE49-F238E27FC236}">
+                <a16:creationId xmlns:a16="http://schemas.microsoft.com/office/drawing/2014/main" id="{07D182DC-1FC8-B814-F02C-879DBB26A13A}"/>
+              </a:ext>
+            </a:extLst>
+          </p:cNvPr>
+          <p:cNvCxnSpPr>
+            <a:cxnSpLocks/>
+            <a:stCxn id="3" idx="2"/>
+          </p:cNvCxnSpPr>
+          <p:nvPr/>
+        </p:nvCxnSpPr>
+        <p:spPr>
+          <a:xfrm flipH="1">
+            <a:off x="1549632" y="3613666"/>
+            <a:ext cx="1" cy="2213202"/>
+          </a:xfrm>
+          <a:prstGeom prst="line">
+            <a:avLst/>
+          </a:prstGeom>
+          <a:ln w="38100"/>
+        </p:spPr>
+        <p:style>
+          <a:lnRef idx="1">
+            <a:schemeClr val="dk1"/>
+          </a:lnRef>
+          <a:fillRef idx="0">
+            <a:schemeClr val="dk1"/>
+          </a:fillRef>
+          <a:effectRef idx="0">
+            <a:schemeClr val="dk1"/>
+          </a:effectRef>
+          <a:fontRef idx="minor">
+            <a:schemeClr val="tx1"/>
+          </a:fontRef>
+        </p:style>
+      </p:cxnSp>
+      <p:cxnSp>
+        <p:nvCxnSpPr>
+          <p:cNvPr id="7" name="Connettore diritto 6">
+            <a:extLst>
+              <a:ext uri="{FF2B5EF4-FFF2-40B4-BE49-F238E27FC236}">
+                <a16:creationId xmlns:a16="http://schemas.microsoft.com/office/drawing/2014/main" id="{6CD1E8EB-045D-B9BA-145A-ECF55F6542C4}"/>
+              </a:ext>
+            </a:extLst>
+          </p:cNvPr>
+          <p:cNvCxnSpPr>
+            <a:cxnSpLocks/>
+            <a:endCxn id="17" idx="1"/>
+          </p:cNvCxnSpPr>
+          <p:nvPr/>
+        </p:nvCxnSpPr>
+        <p:spPr>
+          <a:xfrm>
+            <a:off x="1549633" y="3978613"/>
+            <a:ext cx="2287933" cy="0"/>
+          </a:xfrm>
+          <a:prstGeom prst="line">
+            <a:avLst/>
+          </a:prstGeom>
+          <a:ln w="28575"/>
+        </p:spPr>
+        <p:style>
+          <a:lnRef idx="1">
+            <a:schemeClr val="dk1"/>
+          </a:lnRef>
+          <a:fillRef idx="0">
+            <a:schemeClr val="dk1"/>
+          </a:fillRef>
+          <a:effectRef idx="0">
+            <a:schemeClr val="dk1"/>
+          </a:effectRef>
+          <a:fontRef idx="minor">
+            <a:schemeClr val="tx1"/>
+          </a:fontRef>
+        </p:style>
+      </p:cxnSp>
+      <p:cxnSp>
+        <p:nvCxnSpPr>
+          <p:cNvPr id="14" name="Connettore diritto 13">
+            <a:extLst>
+              <a:ext uri="{FF2B5EF4-FFF2-40B4-BE49-F238E27FC236}">
+                <a16:creationId xmlns:a16="http://schemas.microsoft.com/office/drawing/2014/main" id="{906E2B17-1592-657A-7EBF-39323E294DE7}"/>
+              </a:ext>
+            </a:extLst>
+          </p:cNvPr>
+          <p:cNvCxnSpPr>
+            <a:cxnSpLocks/>
+            <a:endCxn id="18" idx="1"/>
+          </p:cNvCxnSpPr>
+          <p:nvPr/>
+        </p:nvCxnSpPr>
+        <p:spPr>
+          <a:xfrm flipV="1">
+            <a:off x="1549633" y="4424165"/>
+            <a:ext cx="1631311" cy="8405"/>
+          </a:xfrm>
+          <a:prstGeom prst="line">
+            <a:avLst/>
+          </a:prstGeom>
+          <a:ln w="28575"/>
+        </p:spPr>
+        <p:style>
+          <a:lnRef idx="1">
+            <a:schemeClr val="dk1"/>
+          </a:lnRef>
+          <a:fillRef idx="0">
+            <a:schemeClr val="dk1"/>
+          </a:fillRef>
+          <a:effectRef idx="0">
+            <a:schemeClr val="dk1"/>
+          </a:effectRef>
+          <a:fontRef idx="minor">
+            <a:schemeClr val="tx1"/>
+          </a:fontRef>
+        </p:style>
+      </p:cxnSp>
+      <p:cxnSp>
+        <p:nvCxnSpPr>
+          <p:cNvPr id="15" name="Connettore diritto 14">
+            <a:extLst>
+              <a:ext uri="{FF2B5EF4-FFF2-40B4-BE49-F238E27FC236}">
+                <a16:creationId xmlns:a16="http://schemas.microsoft.com/office/drawing/2014/main" id="{0F2A67A3-1F74-0958-E1D8-CFF534F07C07}"/>
+              </a:ext>
+            </a:extLst>
+          </p:cNvPr>
+          <p:cNvCxnSpPr/>
+          <p:nvPr/>
+        </p:nvCxnSpPr>
+        <p:spPr>
+          <a:xfrm>
+            <a:off x="1549632" y="4832135"/>
+            <a:ext cx="843371" cy="0"/>
+          </a:xfrm>
+          <a:prstGeom prst="line">
+            <a:avLst/>
+          </a:prstGeom>
+          <a:ln w="28575"/>
+        </p:spPr>
+        <p:style>
+          <a:lnRef idx="1">
+            <a:schemeClr val="dk1"/>
+          </a:lnRef>
+          <a:fillRef idx="0">
+            <a:schemeClr val="dk1"/>
+          </a:fillRef>
+          <a:effectRef idx="0">
+            <a:schemeClr val="dk1"/>
+          </a:effectRef>
+          <a:fontRef idx="minor">
+            <a:schemeClr val="tx1"/>
+          </a:fontRef>
+        </p:style>
+      </p:cxnSp>
+      <p:cxnSp>
+        <p:nvCxnSpPr>
+          <p:cNvPr id="16" name="Connettore diritto 15">
+            <a:extLst>
+              <a:ext uri="{FF2B5EF4-FFF2-40B4-BE49-F238E27FC236}">
+                <a16:creationId xmlns:a16="http://schemas.microsoft.com/office/drawing/2014/main" id="{AC91ED33-7A5E-AF64-D4F2-83F97115363A}"/>
+              </a:ext>
+            </a:extLst>
+          </p:cNvPr>
+          <p:cNvCxnSpPr>
+            <a:cxnSpLocks/>
+          </p:cNvCxnSpPr>
+          <p:nvPr/>
+        </p:nvCxnSpPr>
+        <p:spPr>
+          <a:xfrm>
+            <a:off x="1549632" y="5265905"/>
+            <a:ext cx="421685" cy="0"/>
+          </a:xfrm>
+          <a:prstGeom prst="line">
+            <a:avLst/>
+          </a:prstGeom>
+          <a:ln w="28575"/>
+        </p:spPr>
+        <p:style>
+          <a:lnRef idx="1">
+            <a:schemeClr val="dk1"/>
+          </a:lnRef>
+          <a:fillRef idx="0">
+            <a:schemeClr val="dk1"/>
+          </a:fillRef>
+          <a:effectRef idx="0">
+            <a:schemeClr val="dk1"/>
+          </a:effectRef>
+          <a:fontRef idx="minor">
+            <a:schemeClr val="tx1"/>
+          </a:fontRef>
+        </p:style>
+      </p:cxnSp>
+      <p:sp>
+        <p:nvSpPr>
+          <p:cNvPr id="17" name="CasellaDiTesto 16">
+            <a:extLst>
+              <a:ext uri="{FF2B5EF4-FFF2-40B4-BE49-F238E27FC236}">
+                <a16:creationId xmlns:a16="http://schemas.microsoft.com/office/drawing/2014/main" id="{9337FD7E-19FC-E290-1A4A-EBC232AB2BB9}"/>
+              </a:ext>
+            </a:extLst>
+          </p:cNvPr>
+          <p:cNvSpPr txBox="1"/>
+          <p:nvPr/>
+        </p:nvSpPr>
+        <p:spPr>
+          <a:xfrm>
+            <a:off x="3837566" y="3793947"/>
+            <a:ext cx="622286" cy="369332"/>
+          </a:xfrm>
+          <a:prstGeom prst="rect">
+            <a:avLst/>
+          </a:prstGeom>
+          <a:noFill/>
+        </p:spPr>
+        <p:txBody>
+          <a:bodyPr wrap="none" rtlCol="0">
+            <a:spAutoFit/>
+          </a:bodyPr>
+          <a:lstStyle/>
+          <a:p>
+            <a:r>
+              <a:rPr lang="it-IT" dirty="0"/>
+              <a:t>e2e/</a:t>
+            </a:r>
+          </a:p>
+        </p:txBody>
+      </p:sp>
+      <p:sp>
+        <p:nvSpPr>
+          <p:cNvPr id="18" name="CasellaDiTesto 17">
+            <a:extLst>
+              <a:ext uri="{FF2B5EF4-FFF2-40B4-BE49-F238E27FC236}">
+                <a16:creationId xmlns:a16="http://schemas.microsoft.com/office/drawing/2014/main" id="{B45EBA5B-82A8-DA2E-FF59-48C55519A74F}"/>
+              </a:ext>
+            </a:extLst>
+          </p:cNvPr>
+          <p:cNvSpPr txBox="1"/>
+          <p:nvPr/>
+        </p:nvSpPr>
+        <p:spPr>
+          <a:xfrm>
+            <a:off x="3180944" y="4239499"/>
+            <a:ext cx="967765" cy="369332"/>
+          </a:xfrm>
+          <a:prstGeom prst="rect">
+            <a:avLst/>
+          </a:prstGeom>
+          <a:noFill/>
+        </p:spPr>
+        <p:txBody>
+          <a:bodyPr wrap="none" rtlCol="0">
+            <a:spAutoFit/>
+          </a:bodyPr>
+          <a:lstStyle/>
+          <a:p>
+            <a:r>
+              <a:rPr lang="it-IT" dirty="0" err="1"/>
+              <a:t>helpers</a:t>
+            </a:r>
+            <a:r>
+              <a:rPr lang="it-IT" dirty="0"/>
+              <a:t>/</a:t>
+            </a:r>
+          </a:p>
+        </p:txBody>
+      </p:sp>
+      <p:sp>
+        <p:nvSpPr>
+          <p:cNvPr id="19" name="CasellaDiTesto 18">
+            <a:extLst>
+              <a:ext uri="{FF2B5EF4-FFF2-40B4-BE49-F238E27FC236}">
+                <a16:creationId xmlns:a16="http://schemas.microsoft.com/office/drawing/2014/main" id="{AB0021CB-5B37-396B-972B-80E6411B3AD3}"/>
+              </a:ext>
+            </a:extLst>
+          </p:cNvPr>
+          <p:cNvSpPr txBox="1"/>
+          <p:nvPr/>
+        </p:nvSpPr>
+        <p:spPr>
+          <a:xfrm>
+            <a:off x="2393003" y="4640254"/>
+            <a:ext cx="1175386" cy="369332"/>
+          </a:xfrm>
+          <a:prstGeom prst="rect">
+            <a:avLst/>
+          </a:prstGeom>
+          <a:noFill/>
+        </p:spPr>
+        <p:txBody>
+          <a:bodyPr wrap="none" rtlCol="0">
+            <a:spAutoFit/>
+          </a:bodyPr>
+          <a:lstStyle/>
+          <a:p>
+            <a:r>
+              <a:rPr lang="it-IT" dirty="0" err="1"/>
+              <a:t>transition</a:t>
+            </a:r>
+            <a:r>
+              <a:rPr lang="it-IT" dirty="0"/>
+              <a:t>/</a:t>
+            </a:r>
+          </a:p>
+        </p:txBody>
+      </p:sp>
+      <p:sp>
+        <p:nvSpPr>
+          <p:cNvPr id="20" name="CasellaDiTesto 19">
+            <a:extLst>
+              <a:ext uri="{FF2B5EF4-FFF2-40B4-BE49-F238E27FC236}">
+                <a16:creationId xmlns:a16="http://schemas.microsoft.com/office/drawing/2014/main" id="{23E13866-01A2-CE76-AE3E-8D65A7C5CDF4}"/>
+              </a:ext>
+            </a:extLst>
+          </p:cNvPr>
+          <p:cNvSpPr txBox="1"/>
+          <p:nvPr/>
+        </p:nvSpPr>
+        <p:spPr>
+          <a:xfrm>
+            <a:off x="2015078" y="5069058"/>
+            <a:ext cx="647934" cy="369332"/>
+          </a:xfrm>
+          <a:prstGeom prst="rect">
+            <a:avLst/>
+          </a:prstGeom>
+          <a:noFill/>
+        </p:spPr>
+        <p:txBody>
+          <a:bodyPr wrap="none" rtlCol="0">
+            <a:spAutoFit/>
+          </a:bodyPr>
+          <a:lstStyle/>
+          <a:p>
+            <a:r>
+              <a:rPr lang="it-IT" dirty="0" err="1"/>
+              <a:t>unit</a:t>
+            </a:r>
+            <a:r>
+              <a:rPr lang="it-IT" dirty="0"/>
+              <a:t>/</a:t>
+            </a:r>
+          </a:p>
+        </p:txBody>
+      </p:sp>
+      <p:pic>
+        <p:nvPicPr>
+          <p:cNvPr id="23" name="Elemento grafico 22" descr="Elenco di controllo contorno">
+            <a:extLst>
+              <a:ext uri="{FF2B5EF4-FFF2-40B4-BE49-F238E27FC236}">
+                <a16:creationId xmlns:a16="http://schemas.microsoft.com/office/drawing/2014/main" id="{029415D0-505E-EED2-3AD9-C1D2B8C6EDE9}"/>
+              </a:ext>
+            </a:extLst>
+          </p:cNvPr>
+          <p:cNvPicPr>
+            <a:picLocks noChangeAspect="1"/>
+          </p:cNvPicPr>
+          <p:nvPr/>
+        </p:nvPicPr>
+        <p:blipFill>
+          <a:blip r:embed="rId3">
+            <a:extLst>
+              <a:ext uri="{28A0092B-C50C-407E-A947-70E740481C1C}">
+                <a14:useLocalDpi xmlns:a14="http://schemas.microsoft.com/office/drawing/2010/main" val="0"/>
+              </a:ext>
+              <a:ext uri="{96DAC541-7B7A-43D3-8B79-37D633B846F1}">
+                <asvg:svgBlip xmlns:asvg="http://schemas.microsoft.com/office/drawing/2016/SVG/main" r:embed="rId4"/>
+              </a:ext>
+            </a:extLst>
+          </a:blip>
+          <a:stretch>
+            <a:fillRect/>
+          </a:stretch>
+        </p:blipFill>
+        <p:spPr>
+          <a:xfrm>
+            <a:off x="4848874" y="3572024"/>
+            <a:ext cx="2133625" cy="2133625"/>
+          </a:xfrm>
+          <a:prstGeom prst="rect">
+            <a:avLst/>
+          </a:prstGeom>
+        </p:spPr>
+      </p:pic>
+      <p:pic>
+        <p:nvPicPr>
+          <p:cNvPr id="1026" name="Picture 2" descr="Jasmine (JavaScript testing framework) - Wikipedia">
+            <a:extLst>
+              <a:ext uri="{FF2B5EF4-FFF2-40B4-BE49-F238E27FC236}">
+                <a16:creationId xmlns:a16="http://schemas.microsoft.com/office/drawing/2014/main" id="{3753919C-FAEB-CDD3-7FDD-DD1E284A4240}"/>
+              </a:ext>
+            </a:extLst>
+          </p:cNvPr>
+          <p:cNvPicPr>
+            <a:picLocks noChangeAspect="1" noChangeArrowheads="1"/>
+          </p:cNvPicPr>
+          <p:nvPr/>
+        </p:nvPicPr>
+        <p:blipFill>
+          <a:blip r:embed="rId5">
+            <a:extLst>
+              <a:ext uri="{28A0092B-C50C-407E-A947-70E740481C1C}">
+                <a14:useLocalDpi xmlns:a14="http://schemas.microsoft.com/office/drawing/2010/main" val="0"/>
+              </a:ext>
+            </a:extLst>
+          </a:blip>
+          <a:srcRect/>
+          <a:stretch>
+            <a:fillRect/>
+          </a:stretch>
+        </p:blipFill>
+        <p:spPr bwMode="auto">
+          <a:xfrm>
+            <a:off x="7312004" y="4011770"/>
+            <a:ext cx="1259361" cy="1254135"/>
+          </a:xfrm>
+          <a:prstGeom prst="rect">
+            <a:avLst/>
+          </a:prstGeom>
+          <a:noFill/>
+          <a:extLst>
+            <a:ext uri="{909E8E84-426E-40DD-AFC4-6F175D3DCCD1}">
+              <a14:hiddenFill xmlns:a14="http://schemas.microsoft.com/office/drawing/2010/main">
+                <a:solidFill>
+                  <a:srgbClr val="FFFFFF"/>
+                </a:solidFill>
+              </a14:hiddenFill>
+            </a:ext>
+          </a:extLst>
+        </p:spPr>
+      </p:pic>
+      <p:pic>
+        <p:nvPicPr>
+          <p:cNvPr id="1028" name="Picture 4" descr="Faster Karma test runs that work in VSTS with Chrome headless browser |  Volare Software">
+            <a:extLst>
+              <a:ext uri="{FF2B5EF4-FFF2-40B4-BE49-F238E27FC236}">
+                <a16:creationId xmlns:a16="http://schemas.microsoft.com/office/drawing/2014/main" id="{0A5F3F3B-1032-2540-7E18-7B3A513565C1}"/>
+              </a:ext>
+            </a:extLst>
+          </p:cNvPr>
+          <p:cNvPicPr>
+            <a:picLocks noChangeAspect="1" noChangeArrowheads="1"/>
+          </p:cNvPicPr>
+          <p:nvPr/>
+        </p:nvPicPr>
+        <p:blipFill rotWithShape="1">
+          <a:blip r:embed="rId6">
+            <a:extLst>
+              <a:ext uri="{28A0092B-C50C-407E-A947-70E740481C1C}">
+                <a14:useLocalDpi xmlns:a14="http://schemas.microsoft.com/office/drawing/2010/main" val="0"/>
+              </a:ext>
+            </a:extLst>
+          </a:blip>
+          <a:srcRect r="67863"/>
+          <a:stretch/>
+        </p:blipFill>
+        <p:spPr bwMode="auto">
+          <a:xfrm>
+            <a:off x="9048829" y="3688775"/>
+            <a:ext cx="2041692" cy="1733550"/>
+          </a:xfrm>
+          <a:prstGeom prst="rect">
+            <a:avLst/>
+          </a:prstGeom>
+          <a:noFill/>
+          <a:extLst>
+            <a:ext uri="{909E8E84-426E-40DD-AFC4-6F175D3DCCD1}">
+              <a14:hiddenFill xmlns:a14="http://schemas.microsoft.com/office/drawing/2010/main">
+                <a:solidFill>
+                  <a:srgbClr val="FFFFFF"/>
+                </a:solidFill>
+              </a14:hiddenFill>
+            </a:ext>
+          </a:extLst>
+        </p:spPr>
+      </p:pic>
+    </p:spTree>
+    <p:extLst>
+      <p:ext uri="{BB962C8B-B14F-4D97-AF65-F5344CB8AC3E}">
+        <p14:creationId xmlns:p14="http://schemas.microsoft.com/office/powerpoint/2010/main" val="461683041"/>
+      </p:ext>
+    </p:extLst>
+  </p:cSld>
+  <p:clrMapOvr>
+    <a:masterClrMapping/>
+  </p:clrMapOvr>
+</p:sld>
+</file>
+
+<file path=ppt/slides/slide22.xml><?xml version="1.0" encoding="utf-8"?>
+<p:sld xmlns:a="http://schemas.openxmlformats.org/drawingml/2006/main" xmlns:r="http://schemas.openxmlformats.org/officeDocument/2006/relationships" xmlns:p="http://schemas.openxmlformats.org/presentationml/2006/main">
+  <p:cSld>
+    <p:spTree>
+      <p:nvGrpSpPr>
+        <p:cNvPr id="1" name=""/>
+        <p:cNvGrpSpPr/>
+        <p:nvPr/>
+      </p:nvGrpSpPr>
+      <p:grpSpPr>
+        <a:xfrm>
+          <a:off x="0" y="0"/>
+          <a:ext cx="0" cy="0"/>
+          <a:chOff x="0" y="0"/>
+          <a:chExt cx="0" cy="0"/>
+        </a:xfrm>
+      </p:grpSpPr>
+      <p:sp>
+        <p:nvSpPr>
+          <p:cNvPr id="5" name="Rettangolo 4">
+            <a:extLst>
+              <a:ext uri="{FF2B5EF4-FFF2-40B4-BE49-F238E27FC236}">
+                <a16:creationId xmlns:a16="http://schemas.microsoft.com/office/drawing/2014/main" id="{9A842114-09C4-1163-9EB1-26B61876A512}"/>
+              </a:ext>
+            </a:extLst>
+          </p:cNvPr>
+          <p:cNvSpPr/>
+          <p:nvPr/>
+        </p:nvSpPr>
+        <p:spPr>
+          <a:xfrm>
+            <a:off x="705820" y="2910392"/>
+            <a:ext cx="10767993" cy="336035"/>
+          </a:xfrm>
+          <a:prstGeom prst="rect">
+            <a:avLst/>
+          </a:prstGeom>
+        </p:spPr>
+        <p:style>
+          <a:lnRef idx="2">
+            <a:schemeClr val="dk1"/>
+          </a:lnRef>
+          <a:fillRef idx="1">
+            <a:schemeClr val="lt1"/>
+          </a:fillRef>
+          <a:effectRef idx="0">
+            <a:schemeClr val="dk1"/>
+          </a:effectRef>
+          <a:fontRef idx="minor">
+            <a:schemeClr val="dk1"/>
+          </a:fontRef>
+        </p:style>
+        <p:txBody>
+          <a:bodyPr rtlCol="0" anchor="ctr"/>
+          <a:lstStyle/>
+          <a:p>
+            <a:pPr algn="ctr"/>
+            <a:endParaRPr lang="it-IT"/>
+          </a:p>
+        </p:txBody>
+      </p:sp>
+      <p:sp>
+        <p:nvSpPr>
+          <p:cNvPr id="25" name="Segnaposto data 24">
+            <a:extLst>
+              <a:ext uri="{FF2B5EF4-FFF2-40B4-BE49-F238E27FC236}">
+                <a16:creationId xmlns:a16="http://schemas.microsoft.com/office/drawing/2014/main" id="{115DF917-AC48-486A-81F6-CF2DBBF5CD89}"/>
+              </a:ext>
+            </a:extLst>
+          </p:cNvPr>
+          <p:cNvSpPr>
+            <a:spLocks noGrp="1"/>
+          </p:cNvSpPr>
+          <p:nvPr>
+            <p:ph type="dt" sz="half" idx="10"/>
+          </p:nvPr>
+        </p:nvSpPr>
+        <p:spPr/>
+        <p:txBody>
+          <a:bodyPr/>
+          <a:lstStyle/>
+          <a:p>
+            <a:r>
+              <a:rPr lang="it-IT" sz="1600">
+                <a:solidFill>
+                  <a:schemeClr val="tx1"/>
+                </a:solidFill>
+                <a:latin typeface="Poppins Medium" panose="00000600000000000000" pitchFamily="2" charset="0"/>
+                <a:cs typeface="Poppins Medium" panose="00000600000000000000" pitchFamily="2" charset="0"/>
+              </a:rPr>
+              <a:t>31 Maggio 2022</a:t>
+            </a:r>
+            <a:endParaRPr lang="de-DE" sz="1600">
+              <a:solidFill>
+                <a:schemeClr val="tx1"/>
+              </a:solidFill>
+              <a:latin typeface="Poppins Medium" panose="00000600000000000000" pitchFamily="2" charset="0"/>
+              <a:cs typeface="Poppins Medium" panose="00000600000000000000" pitchFamily="2" charset="0"/>
+            </a:endParaRPr>
+          </a:p>
+        </p:txBody>
+      </p:sp>
+      <p:sp>
+        <p:nvSpPr>
+          <p:cNvPr id="27" name="Segnaposto numero diapositiva 26">
+            <a:extLst>
+              <a:ext uri="{FF2B5EF4-FFF2-40B4-BE49-F238E27FC236}">
+                <a16:creationId xmlns:a16="http://schemas.microsoft.com/office/drawing/2014/main" id="{F9C2EE25-215B-477C-AC6E-D2639B7A24B6}"/>
+              </a:ext>
+            </a:extLst>
+          </p:cNvPr>
+          <p:cNvSpPr>
+            <a:spLocks noGrp="1"/>
+          </p:cNvSpPr>
+          <p:nvPr>
+            <p:ph type="sldNum" sz="quarter" idx="12"/>
+          </p:nvPr>
+        </p:nvSpPr>
+        <p:spPr/>
+        <p:txBody>
+          <a:bodyPr/>
+          <a:lstStyle/>
+          <a:p>
+            <a:fld id="{66CD45B7-DFE2-4393-8D37-380FC36BF3AA}" type="slidenum">
+              <a:rPr lang="de-DE" sz="1600" smtClean="0">
+                <a:solidFill>
+                  <a:schemeClr val="tx1"/>
+                </a:solidFill>
+                <a:latin typeface="Poppins Medium" panose="00000600000000000000" pitchFamily="2" charset="0"/>
+                <a:cs typeface="Poppins Medium" panose="00000600000000000000" pitchFamily="2" charset="0"/>
+              </a:rPr>
+              <a:t>22</a:t>
+            </a:fld>
+            <a:r>
+              <a:rPr lang="de-DE" sz="1600">
+                <a:solidFill>
+                  <a:schemeClr val="tx1"/>
+                </a:solidFill>
+                <a:latin typeface="Poppins Medium" panose="00000600000000000000" pitchFamily="2" charset="0"/>
+                <a:cs typeface="Poppins Medium" panose="00000600000000000000" pitchFamily="2" charset="0"/>
+              </a:rPr>
+              <a:t>/16</a:t>
+            </a:r>
+          </a:p>
+        </p:txBody>
+      </p:sp>
+      <p:sp>
+        <p:nvSpPr>
+          <p:cNvPr id="12" name="Rettangolo 11">
+            <a:extLst>
+              <a:ext uri="{FF2B5EF4-FFF2-40B4-BE49-F238E27FC236}">
+                <a16:creationId xmlns:a16="http://schemas.microsoft.com/office/drawing/2014/main" id="{F0FAD030-2623-A89C-4FA1-55CE81C0AE08}"/>
+              </a:ext>
+            </a:extLst>
+          </p:cNvPr>
+          <p:cNvSpPr/>
+          <p:nvPr/>
+        </p:nvSpPr>
+        <p:spPr>
+          <a:xfrm>
+            <a:off x="0" y="0"/>
+            <a:ext cx="12184913" cy="1034891"/>
+          </a:xfrm>
+          <a:prstGeom prst="rect">
+            <a:avLst/>
+          </a:prstGeom>
+          <a:solidFill>
+            <a:srgbClr val="002060"/>
+          </a:solidFill>
+          <a:ln>
+            <a:noFill/>
+          </a:ln>
+        </p:spPr>
+        <p:style>
+          <a:lnRef idx="2">
+            <a:schemeClr val="accent3">
+              <a:shade val="50000"/>
+            </a:schemeClr>
+          </a:lnRef>
+          <a:fillRef idx="1">
+            <a:schemeClr val="accent3"/>
+          </a:fillRef>
+          <a:effectRef idx="0">
+            <a:schemeClr val="accent3"/>
+          </a:effectRef>
+          <a:fontRef idx="minor">
+            <a:schemeClr val="lt1"/>
+          </a:fontRef>
+        </p:style>
+        <p:txBody>
+          <a:bodyPr rtlCol="0" anchor="ctr"/>
+          <a:lstStyle/>
+          <a:p>
+            <a:pPr algn="ctr"/>
+            <a:endParaRPr lang="it-IT"/>
+          </a:p>
+        </p:txBody>
+      </p:sp>
+      <p:sp>
+        <p:nvSpPr>
+          <p:cNvPr id="13" name="Titolo 1">
+            <a:extLst>
+              <a:ext uri="{FF2B5EF4-FFF2-40B4-BE49-F238E27FC236}">
+                <a16:creationId xmlns:a16="http://schemas.microsoft.com/office/drawing/2014/main" id="{A0F14F07-00BE-A130-44A5-463A5F98673C}"/>
+              </a:ext>
+            </a:extLst>
+          </p:cNvPr>
+          <p:cNvSpPr>
+            <a:spLocks noGrp="1"/>
+          </p:cNvSpPr>
+          <p:nvPr>
+            <p:ph type="title"/>
+          </p:nvPr>
+        </p:nvSpPr>
+        <p:spPr>
+          <a:xfrm>
+            <a:off x="272535" y="163591"/>
+            <a:ext cx="10176803" cy="707708"/>
+          </a:xfrm>
+        </p:spPr>
+        <p:txBody>
+          <a:bodyPr anchor="b">
+            <a:normAutofit/>
+          </a:bodyPr>
+          <a:lstStyle/>
+          <a:p>
+            <a:r>
+              <a:rPr lang="it-IT" sz="4000" b="1" dirty="0">
+                <a:solidFill>
+                  <a:schemeClr val="bg1"/>
+                </a:solidFill>
+                <a:latin typeface="Poppins"/>
+                <a:cs typeface="Poppins"/>
+              </a:rPr>
+              <a:t>Test statici</a:t>
+            </a:r>
+          </a:p>
+        </p:txBody>
+      </p:sp>
+      <p:sp>
+        <p:nvSpPr>
+          <p:cNvPr id="8" name="Segnaposto contenuto 6">
+            <a:extLst>
+              <a:ext uri="{FF2B5EF4-FFF2-40B4-BE49-F238E27FC236}">
+                <a16:creationId xmlns:a16="http://schemas.microsoft.com/office/drawing/2014/main" id="{F832EED3-9182-E3BD-D2D5-1723AFD8A0BD}"/>
+              </a:ext>
+            </a:extLst>
+          </p:cNvPr>
+          <p:cNvSpPr txBox="1">
+            <a:spLocks/>
+          </p:cNvSpPr>
+          <p:nvPr/>
+        </p:nvSpPr>
+        <p:spPr>
+          <a:xfrm>
+            <a:off x="834656" y="2005012"/>
+            <a:ext cx="10515600" cy="4351338"/>
+          </a:xfrm>
+          <a:prstGeom prst="rect">
+            <a:avLst/>
+          </a:prstGeom>
+        </p:spPr>
+        <p:txBody>
+          <a:bodyPr vert="horz" lIns="91440" tIns="45720" rIns="91440" bIns="45720" rtlCol="0">
+            <a:normAutofit/>
+          </a:bodyPr>
+          <a:lstStyle>
+            <a:lvl1pPr marL="228600" indent="-228600" algn="l" defTabSz="914400" rtl="0" eaLnBrk="1" latinLnBrk="0" hangingPunct="1">
+              <a:lnSpc>
+                <a:spcPct val="90000"/>
+              </a:lnSpc>
+              <a:spcBef>
+                <a:spcPts val="1000"/>
+              </a:spcBef>
+              <a:buFont typeface="Arial" panose="020B0604020202020204" pitchFamily="34" charset="0"/>
+              <a:buChar char="•"/>
+              <a:defRPr sz="2800" kern="1200">
+                <a:solidFill>
+                  <a:schemeClr val="tx1"/>
+                </a:solidFill>
+                <a:latin typeface="+mn-lt"/>
+                <a:ea typeface="+mn-ea"/>
+                <a:cs typeface="+mn-cs"/>
+              </a:defRPr>
+            </a:lvl1pPr>
+            <a:lvl2pPr marL="685800" indent="-228600" algn="l" defTabSz="914400" rtl="0" eaLnBrk="1" latinLnBrk="0" hangingPunct="1">
+              <a:lnSpc>
+                <a:spcPct val="90000"/>
+              </a:lnSpc>
+              <a:spcBef>
+                <a:spcPts val="500"/>
+              </a:spcBef>
+              <a:buFont typeface="Arial" panose="020B0604020202020204" pitchFamily="34" charset="0"/>
+              <a:buChar char="•"/>
+              <a:defRPr sz="2400" kern="1200">
+                <a:solidFill>
+                  <a:schemeClr val="tx1"/>
+                </a:solidFill>
+                <a:latin typeface="+mn-lt"/>
+                <a:ea typeface="+mn-ea"/>
+                <a:cs typeface="+mn-cs"/>
+              </a:defRPr>
+            </a:lvl2pPr>
+            <a:lvl3pPr marL="1143000" indent="-228600" algn="l" defTabSz="914400" rtl="0" eaLnBrk="1" latinLnBrk="0" hangingPunct="1">
+              <a:lnSpc>
+                <a:spcPct val="90000"/>
+              </a:lnSpc>
+              <a:spcBef>
+                <a:spcPts val="500"/>
+              </a:spcBef>
+              <a:buFont typeface="Arial" panose="020B0604020202020204" pitchFamily="34" charset="0"/>
+              <a:buChar char="•"/>
+              <a:defRPr sz="2000" kern="1200">
+                <a:solidFill>
+                  <a:schemeClr val="tx1"/>
+                </a:solidFill>
+                <a:latin typeface="+mn-lt"/>
+                <a:ea typeface="+mn-ea"/>
+                <a:cs typeface="+mn-cs"/>
+              </a:defRPr>
+            </a:lvl3pPr>
+            <a:lvl4pPr marL="1600200" indent="-228600" algn="l" defTabSz="914400" rtl="0" eaLnBrk="1" latinLnBrk="0" hangingPunct="1">
+              <a:lnSpc>
+                <a:spcPct val="90000"/>
+              </a:lnSpc>
+              <a:spcBef>
+                <a:spcPts val="500"/>
+              </a:spcBef>
+              <a:buFont typeface="Arial" panose="020B0604020202020204" pitchFamily="34" charset="0"/>
+              <a:buChar char="•"/>
+              <a:defRPr sz="1800" kern="1200">
+                <a:solidFill>
+                  <a:schemeClr val="tx1"/>
+                </a:solidFill>
+                <a:latin typeface="+mn-lt"/>
+                <a:ea typeface="+mn-ea"/>
+                <a:cs typeface="+mn-cs"/>
+              </a:defRPr>
+            </a:lvl4pPr>
+            <a:lvl5pPr marL="2057400" indent="-228600" algn="l" defTabSz="914400" rtl="0" eaLnBrk="1" latinLnBrk="0" hangingPunct="1">
+              <a:lnSpc>
+                <a:spcPct val="90000"/>
+              </a:lnSpc>
+              <a:spcBef>
+                <a:spcPts val="500"/>
+              </a:spcBef>
+              <a:buFont typeface="Arial" panose="020B0604020202020204" pitchFamily="34" charset="0"/>
+              <a:buChar char="•"/>
+              <a:defRPr sz="1800" kern="1200">
+                <a:solidFill>
+                  <a:schemeClr val="tx1"/>
+                </a:solidFill>
+                <a:latin typeface="+mn-lt"/>
+                <a:ea typeface="+mn-ea"/>
+                <a:cs typeface="+mn-cs"/>
+              </a:defRPr>
+            </a:lvl5pPr>
+            <a:lvl6pPr marL="2514600" indent="-228600" algn="l" defTabSz="914400" rtl="0" eaLnBrk="1" latinLnBrk="0" hangingPunct="1">
+              <a:lnSpc>
+                <a:spcPct val="90000"/>
+              </a:lnSpc>
+              <a:spcBef>
+                <a:spcPts val="500"/>
+              </a:spcBef>
+              <a:buFont typeface="Arial" panose="020B0604020202020204" pitchFamily="34" charset="0"/>
+              <a:buChar char="•"/>
+              <a:defRPr sz="1800" kern="1200">
+                <a:solidFill>
+                  <a:schemeClr val="tx1"/>
+                </a:solidFill>
+                <a:latin typeface="+mn-lt"/>
+                <a:ea typeface="+mn-ea"/>
+                <a:cs typeface="+mn-cs"/>
+              </a:defRPr>
+            </a:lvl6pPr>
+            <a:lvl7pPr marL="2971800" indent="-228600" algn="l" defTabSz="914400" rtl="0" eaLnBrk="1" latinLnBrk="0" hangingPunct="1">
+              <a:lnSpc>
+                <a:spcPct val="90000"/>
+              </a:lnSpc>
+              <a:spcBef>
+                <a:spcPts val="500"/>
+              </a:spcBef>
+              <a:buFont typeface="Arial" panose="020B0604020202020204" pitchFamily="34" charset="0"/>
+              <a:buChar char="•"/>
+              <a:defRPr sz="1800" kern="1200">
+                <a:solidFill>
+                  <a:schemeClr val="tx1"/>
+                </a:solidFill>
+                <a:latin typeface="+mn-lt"/>
+                <a:ea typeface="+mn-ea"/>
+                <a:cs typeface="+mn-cs"/>
+              </a:defRPr>
+            </a:lvl7pPr>
+            <a:lvl8pPr marL="3429000" indent="-228600" algn="l" defTabSz="914400" rtl="0" eaLnBrk="1" latinLnBrk="0" hangingPunct="1">
+              <a:lnSpc>
+                <a:spcPct val="90000"/>
+              </a:lnSpc>
+              <a:spcBef>
+                <a:spcPts val="500"/>
+              </a:spcBef>
+              <a:buFont typeface="Arial" panose="020B0604020202020204" pitchFamily="34" charset="0"/>
+              <a:buChar char="•"/>
+              <a:defRPr sz="1800" kern="1200">
+                <a:solidFill>
+                  <a:schemeClr val="tx1"/>
+                </a:solidFill>
+                <a:latin typeface="+mn-lt"/>
+                <a:ea typeface="+mn-ea"/>
+                <a:cs typeface="+mn-cs"/>
+              </a:defRPr>
+            </a:lvl8pPr>
+            <a:lvl9pPr marL="3886200" indent="-228600" algn="l" defTabSz="914400" rtl="0" eaLnBrk="1" latinLnBrk="0" hangingPunct="1">
+              <a:lnSpc>
+                <a:spcPct val="90000"/>
+              </a:lnSpc>
+              <a:spcBef>
+                <a:spcPts val="500"/>
+              </a:spcBef>
+              <a:buFont typeface="Arial" panose="020B0604020202020204" pitchFamily="34" charset="0"/>
+              <a:buChar char="•"/>
+              <a:defRPr sz="1800" kern="1200">
+                <a:solidFill>
+                  <a:schemeClr val="tx1"/>
+                </a:solidFill>
+                <a:latin typeface="+mn-lt"/>
+                <a:ea typeface="+mn-ea"/>
+                <a:cs typeface="+mn-cs"/>
+              </a:defRPr>
+            </a:lvl9pPr>
+          </a:lstStyle>
+          <a:p>
+            <a:pPr marL="0" indent="0">
+              <a:buFont typeface="Arial" panose="020B0604020202020204" pitchFamily="34" charset="0"/>
+              <a:buNone/>
+            </a:pPr>
+            <a:endParaRPr lang="it-IT" sz="2400" dirty="0">
+              <a:latin typeface="Poppins Medium" panose="00000600000000000000" pitchFamily="2" charset="0"/>
+              <a:cs typeface="Poppins Medium" panose="00000600000000000000" pitchFamily="2" charset="0"/>
+            </a:endParaRPr>
+          </a:p>
+          <a:p>
+            <a:pPr marL="0" indent="0">
+              <a:buFont typeface="Arial" panose="020B0604020202020204" pitchFamily="34" charset="0"/>
+              <a:buNone/>
+            </a:pPr>
+            <a:endParaRPr lang="it-IT" sz="2400" dirty="0">
+              <a:latin typeface="Poppins Medium" panose="00000600000000000000" pitchFamily="2" charset="0"/>
+              <a:cs typeface="Poppins Medium" panose="00000600000000000000" pitchFamily="2" charset="0"/>
+            </a:endParaRPr>
+          </a:p>
+          <a:p>
+            <a:pPr marL="0" indent="0">
+              <a:buFont typeface="Arial" panose="020B0604020202020204" pitchFamily="34" charset="0"/>
+              <a:buNone/>
+            </a:pPr>
+            <a:endParaRPr lang="it-IT" sz="2400" dirty="0">
+              <a:latin typeface="Poppins Medium" panose="00000600000000000000" pitchFamily="2" charset="0"/>
+              <a:cs typeface="Poppins Medium" panose="00000600000000000000" pitchFamily="2" charset="0"/>
+            </a:endParaRPr>
+          </a:p>
+          <a:p>
+            <a:pPr marL="0" indent="0">
+              <a:buFont typeface="Arial" panose="020B0604020202020204" pitchFamily="34" charset="0"/>
+              <a:buNone/>
+            </a:pPr>
+            <a:endParaRPr lang="it-IT" dirty="0">
+              <a:solidFill>
+                <a:schemeClr val="accent1">
+                  <a:lumMod val="75000"/>
+                </a:schemeClr>
+              </a:solidFill>
+            </a:endParaRPr>
+          </a:p>
+        </p:txBody>
+      </p:sp>
+      <p:sp>
+        <p:nvSpPr>
+          <p:cNvPr id="7" name="CasellaDiTesto 6">
+            <a:extLst>
+              <a:ext uri="{FF2B5EF4-FFF2-40B4-BE49-F238E27FC236}">
+                <a16:creationId xmlns:a16="http://schemas.microsoft.com/office/drawing/2014/main" id="{E6FB2B4F-8CA7-939A-88C9-9343E9326CC3}"/>
+              </a:ext>
+            </a:extLst>
+          </p:cNvPr>
+          <p:cNvSpPr txBox="1"/>
+          <p:nvPr/>
+        </p:nvSpPr>
+        <p:spPr>
+          <a:xfrm>
+            <a:off x="466928" y="1303506"/>
+            <a:ext cx="10972876" cy="1384995"/>
+          </a:xfrm>
+          <a:prstGeom prst="rect">
+            <a:avLst/>
+          </a:prstGeom>
+          <a:noFill/>
+        </p:spPr>
+        <p:txBody>
+          <a:bodyPr wrap="none" rtlCol="0">
+            <a:spAutoFit/>
+          </a:bodyPr>
+          <a:lstStyle/>
+          <a:p>
+            <a:pPr marL="285750" indent="-285750">
+              <a:buFont typeface="Arial" panose="020B0604020202020204" pitchFamily="34" charset="0"/>
+              <a:buChar char="•"/>
+            </a:pPr>
+            <a:r>
+              <a:rPr lang="it-IT" sz="2800" dirty="0">
+                <a:latin typeface="Poppins Medium" panose="00000600000000000000" pitchFamily="2" charset="0"/>
+                <a:cs typeface="Poppins Medium" panose="00000600000000000000" pitchFamily="2" charset="0"/>
+              </a:rPr>
+              <a:t>Il test statici vengono eseguiti attraverso il comando </a:t>
+            </a:r>
+          </a:p>
+          <a:p>
+            <a:r>
+              <a:rPr lang="it-IT" sz="2800" b="1" dirty="0">
+                <a:latin typeface="Poppins Medium" panose="00000600000000000000" pitchFamily="2" charset="0"/>
+                <a:cs typeface="Poppins Medium" panose="00000600000000000000" pitchFamily="2" charset="0"/>
+              </a:rPr>
+              <a:t>     </a:t>
+            </a:r>
+            <a:r>
+              <a:rPr lang="it-IT" sz="2800" b="1" dirty="0" err="1">
+                <a:latin typeface="Miriam Fixed" panose="020B0509050101010101" pitchFamily="49" charset="-79"/>
+                <a:cs typeface="Miriam Fixed" panose="020B0509050101010101" pitchFamily="49" charset="-79"/>
+              </a:rPr>
+              <a:t>pnpm</a:t>
+            </a:r>
+            <a:r>
+              <a:rPr lang="it-IT" sz="2800" b="1" dirty="0">
+                <a:latin typeface="Miriam Fixed" panose="020B0509050101010101" pitchFamily="49" charset="-79"/>
+                <a:cs typeface="Miriam Fixed" panose="020B0509050101010101" pitchFamily="49" charset="-79"/>
+              </a:rPr>
+              <a:t> </a:t>
+            </a:r>
+            <a:r>
+              <a:rPr lang="it-IT" sz="2800" b="1" dirty="0" err="1">
+                <a:latin typeface="Miriam Fixed" panose="020B0509050101010101" pitchFamily="49" charset="-79"/>
+                <a:cs typeface="Miriam Fixed" panose="020B0509050101010101" pitchFamily="49" charset="-79"/>
+              </a:rPr>
+              <a:t>run</a:t>
+            </a:r>
+            <a:r>
+              <a:rPr lang="it-IT" sz="2800" b="1" dirty="0">
+                <a:latin typeface="Miriam Fixed" panose="020B0509050101010101" pitchFamily="49" charset="-79"/>
+                <a:cs typeface="Miriam Fixed" panose="020B0509050101010101" pitchFamily="49" charset="-79"/>
+              </a:rPr>
+              <a:t> </a:t>
+            </a:r>
+            <a:r>
+              <a:rPr lang="it-IT" sz="2800" b="1" dirty="0" err="1">
+                <a:latin typeface="Miriam Fixed" panose="020B0509050101010101" pitchFamily="49" charset="-79"/>
+                <a:cs typeface="Miriam Fixed" panose="020B0509050101010101" pitchFamily="49" charset="-79"/>
+              </a:rPr>
+              <a:t>ts</a:t>
+            </a:r>
+            <a:r>
+              <a:rPr lang="it-IT" sz="2800" b="1" dirty="0">
+                <a:latin typeface="Miriam Fixed" panose="020B0509050101010101" pitchFamily="49" charset="-79"/>
+                <a:cs typeface="Miriam Fixed" panose="020B0509050101010101" pitchFamily="49" charset="-79"/>
+              </a:rPr>
+              <a:t>-check</a:t>
+            </a:r>
+          </a:p>
+          <a:p>
+            <a:pPr marL="285750" indent="-285750">
+              <a:buFont typeface="Arial" panose="020B0604020202020204" pitchFamily="34" charset="0"/>
+              <a:buChar char="•"/>
+            </a:pPr>
+            <a:r>
+              <a:rPr lang="it-IT" sz="2800" dirty="0">
+                <a:latin typeface="Poppins Medium" panose="00000600000000000000" pitchFamily="2" charset="0"/>
+                <a:cs typeface="Poppins Medium" panose="00000600000000000000" pitchFamily="2" charset="0"/>
+              </a:rPr>
+              <a:t>Le regole sono contenute nell’apposito file </a:t>
+            </a:r>
+            <a:r>
+              <a:rPr lang="it-IT" sz="2800" b="1" dirty="0" err="1">
+                <a:latin typeface="Miriam Fixed" panose="020B0509050101010101" pitchFamily="49" charset="-79"/>
+                <a:cs typeface="Miriam Fixed" panose="020B0509050101010101" pitchFamily="49" charset="-79"/>
+              </a:rPr>
+              <a:t>tsconfig.json</a:t>
+            </a:r>
+            <a:endParaRPr lang="it-IT" sz="2800" b="1" dirty="0">
+              <a:latin typeface="Miriam Fixed" panose="020B0509050101010101" pitchFamily="49" charset="-79"/>
+              <a:cs typeface="Miriam Fixed" panose="020B0509050101010101" pitchFamily="49" charset="-79"/>
+            </a:endParaRPr>
+          </a:p>
+        </p:txBody>
+      </p:sp>
+      <p:pic>
+        <p:nvPicPr>
+          <p:cNvPr id="3" name="Immagine 2">
+            <a:extLst>
+              <a:ext uri="{FF2B5EF4-FFF2-40B4-BE49-F238E27FC236}">
+                <a16:creationId xmlns:a16="http://schemas.microsoft.com/office/drawing/2014/main" id="{4636AC5E-7739-C0E0-A2CD-EBACA35E8419}"/>
+              </a:ext>
+            </a:extLst>
+          </p:cNvPr>
+          <p:cNvPicPr>
+            <a:picLocks noChangeAspect="1"/>
+          </p:cNvPicPr>
+          <p:nvPr/>
+        </p:nvPicPr>
+        <p:blipFill>
+          <a:blip r:embed="rId3">
+            <a:extLst>
+              <a:ext uri="{28A0092B-C50C-407E-A947-70E740481C1C}">
+                <a14:useLocalDpi xmlns:a14="http://schemas.microsoft.com/office/drawing/2010/main" val="0"/>
+              </a:ext>
+            </a:extLst>
+          </a:blip>
+          <a:stretch>
+            <a:fillRect/>
+          </a:stretch>
+        </p:blipFill>
+        <p:spPr>
+          <a:xfrm>
+            <a:off x="708459" y="3246427"/>
+            <a:ext cx="10767993" cy="403895"/>
+          </a:xfrm>
+          <a:prstGeom prst="rect">
+            <a:avLst/>
+          </a:prstGeom>
+        </p:spPr>
+      </p:pic>
+      <p:sp>
+        <p:nvSpPr>
+          <p:cNvPr id="4" name="CasellaDiTesto 3">
+            <a:extLst>
+              <a:ext uri="{FF2B5EF4-FFF2-40B4-BE49-F238E27FC236}">
+                <a16:creationId xmlns:a16="http://schemas.microsoft.com/office/drawing/2014/main" id="{601764C5-2C7F-023A-68C7-A8F2C0354F8F}"/>
+              </a:ext>
+            </a:extLst>
+          </p:cNvPr>
+          <p:cNvSpPr txBox="1"/>
+          <p:nvPr/>
+        </p:nvSpPr>
+        <p:spPr>
+          <a:xfrm>
+            <a:off x="708459" y="2910392"/>
+            <a:ext cx="1838965" cy="369332"/>
+          </a:xfrm>
+          <a:prstGeom prst="rect">
+            <a:avLst/>
+          </a:prstGeom>
+          <a:noFill/>
+        </p:spPr>
+        <p:txBody>
+          <a:bodyPr wrap="none" rtlCol="0">
+            <a:spAutoFit/>
+          </a:bodyPr>
+          <a:lstStyle/>
+          <a:p>
+            <a:r>
+              <a:rPr lang="it-IT" b="1" dirty="0" err="1">
+                <a:latin typeface="Miriam Fixed" panose="020B0509050101010101" pitchFamily="49" charset="-79"/>
+                <a:cs typeface="Miriam Fixed" panose="020B0509050101010101" pitchFamily="49" charset="-79"/>
+              </a:rPr>
+              <a:t>package.json</a:t>
+            </a:r>
+            <a:endParaRPr lang="it-IT" b="1" dirty="0">
+              <a:latin typeface="Miriam Fixed" panose="020B0509050101010101" pitchFamily="49" charset="-79"/>
+              <a:cs typeface="Miriam Fixed" panose="020B0509050101010101" pitchFamily="49" charset="-79"/>
+            </a:endParaRPr>
+          </a:p>
+        </p:txBody>
+      </p:sp>
+      <p:pic>
+        <p:nvPicPr>
+          <p:cNvPr id="9" name="Immagine 8">
+            <a:extLst>
+              <a:ext uri="{FF2B5EF4-FFF2-40B4-BE49-F238E27FC236}">
+                <a16:creationId xmlns:a16="http://schemas.microsoft.com/office/drawing/2014/main" id="{B2AB8669-3217-7F10-8D0F-79BEA17C65D2}"/>
+              </a:ext>
+            </a:extLst>
+          </p:cNvPr>
+          <p:cNvPicPr>
+            <a:picLocks noChangeAspect="1"/>
+          </p:cNvPicPr>
+          <p:nvPr/>
+        </p:nvPicPr>
+        <p:blipFill>
+          <a:blip r:embed="rId4">
+            <a:extLst>
+              <a:ext uri="{28A0092B-C50C-407E-A947-70E740481C1C}">
+                <a14:useLocalDpi xmlns:a14="http://schemas.microsoft.com/office/drawing/2010/main" val="0"/>
+              </a:ext>
+            </a:extLst>
+          </a:blip>
+          <a:stretch>
+            <a:fillRect/>
+          </a:stretch>
+        </p:blipFill>
+        <p:spPr>
+          <a:xfrm>
+            <a:off x="705821" y="4307969"/>
+            <a:ext cx="10780360" cy="1745131"/>
+          </a:xfrm>
+          <a:prstGeom prst="rect">
+            <a:avLst/>
+          </a:prstGeom>
+        </p:spPr>
+      </p:pic>
+      <p:sp>
+        <p:nvSpPr>
+          <p:cNvPr id="14" name="Rettangolo 13">
+            <a:extLst>
+              <a:ext uri="{FF2B5EF4-FFF2-40B4-BE49-F238E27FC236}">
+                <a16:creationId xmlns:a16="http://schemas.microsoft.com/office/drawing/2014/main" id="{B20720C0-891C-25B5-5199-D1982D3F659A}"/>
+              </a:ext>
+            </a:extLst>
+          </p:cNvPr>
+          <p:cNvSpPr/>
+          <p:nvPr/>
+        </p:nvSpPr>
+        <p:spPr>
+          <a:xfrm>
+            <a:off x="718187" y="3985263"/>
+            <a:ext cx="10767993" cy="336035"/>
+          </a:xfrm>
+          <a:prstGeom prst="rect">
+            <a:avLst/>
+          </a:prstGeom>
+        </p:spPr>
+        <p:style>
+          <a:lnRef idx="2">
+            <a:schemeClr val="dk1"/>
+          </a:lnRef>
+          <a:fillRef idx="1">
+            <a:schemeClr val="lt1"/>
+          </a:fillRef>
+          <a:effectRef idx="0">
+            <a:schemeClr val="dk1"/>
+          </a:effectRef>
+          <a:fontRef idx="minor">
+            <a:schemeClr val="dk1"/>
+          </a:fontRef>
+        </p:style>
+        <p:txBody>
+          <a:bodyPr rtlCol="0" anchor="ctr"/>
+          <a:lstStyle/>
+          <a:p>
+            <a:pPr algn="ctr"/>
+            <a:endParaRPr lang="it-IT"/>
+          </a:p>
+        </p:txBody>
+      </p:sp>
+      <p:sp>
+        <p:nvSpPr>
+          <p:cNvPr id="15" name="CasellaDiTesto 14">
+            <a:extLst>
+              <a:ext uri="{FF2B5EF4-FFF2-40B4-BE49-F238E27FC236}">
+                <a16:creationId xmlns:a16="http://schemas.microsoft.com/office/drawing/2014/main" id="{5C0B5C74-DE65-AD02-8C09-BA55D01571ED}"/>
+              </a:ext>
+            </a:extLst>
+          </p:cNvPr>
+          <p:cNvSpPr txBox="1"/>
+          <p:nvPr/>
+        </p:nvSpPr>
+        <p:spPr>
+          <a:xfrm>
+            <a:off x="720826" y="3985263"/>
+            <a:ext cx="1976823" cy="369332"/>
+          </a:xfrm>
+          <a:prstGeom prst="rect">
+            <a:avLst/>
+          </a:prstGeom>
+          <a:noFill/>
+        </p:spPr>
+        <p:txBody>
+          <a:bodyPr wrap="none" rtlCol="0">
+            <a:spAutoFit/>
+          </a:bodyPr>
+          <a:lstStyle/>
+          <a:p>
+            <a:r>
+              <a:rPr lang="it-IT" b="1" dirty="0" err="1">
+                <a:latin typeface="Miriam Fixed" panose="020B0509050101010101" pitchFamily="49" charset="-79"/>
+                <a:cs typeface="Miriam Fixed" panose="020B0509050101010101" pitchFamily="49" charset="-79"/>
+              </a:rPr>
+              <a:t>tsconfig.json</a:t>
+            </a:r>
+            <a:endParaRPr lang="it-IT" b="1" dirty="0">
+              <a:latin typeface="Miriam Fixed" panose="020B0509050101010101" pitchFamily="49" charset="-79"/>
+              <a:cs typeface="Miriam Fixed" panose="020B0509050101010101" pitchFamily="49" charset="-79"/>
+            </a:endParaRPr>
+          </a:p>
+        </p:txBody>
+      </p:sp>
+    </p:spTree>
+    <p:extLst>
+      <p:ext uri="{BB962C8B-B14F-4D97-AF65-F5344CB8AC3E}">
+        <p14:creationId xmlns:p14="http://schemas.microsoft.com/office/powerpoint/2010/main" val="2296389326"/>
+      </p:ext>
+    </p:extLst>
+  </p:cSld>
+  <p:clrMapOvr>
+    <a:masterClrMapping/>
+  </p:clrMapOvr>
+</p:sld>
+</file>
+
+<file path=ppt/slides/slide23.xml><?xml version="1.0" encoding="utf-8"?>
+<p:sld xmlns:a="http://schemas.openxmlformats.org/drawingml/2006/main" xmlns:r="http://schemas.openxmlformats.org/officeDocument/2006/relationships" xmlns:p="http://schemas.openxmlformats.org/presentationml/2006/main">
+  <p:cSld>
+    <p:spTree>
+      <p:nvGrpSpPr>
+        <p:cNvPr id="1" name=""/>
+        <p:cNvGrpSpPr/>
+        <p:nvPr/>
+      </p:nvGrpSpPr>
+      <p:grpSpPr>
+        <a:xfrm>
+          <a:off x="0" y="0"/>
+          <a:ext cx="0" cy="0"/>
+          <a:chOff x="0" y="0"/>
+          <a:chExt cx="0" cy="0"/>
+        </a:xfrm>
+      </p:grpSpPr>
+      <p:sp>
+        <p:nvSpPr>
+          <p:cNvPr id="25" name="Segnaposto data 24">
+            <a:extLst>
+              <a:ext uri="{FF2B5EF4-FFF2-40B4-BE49-F238E27FC236}">
+                <a16:creationId xmlns:a16="http://schemas.microsoft.com/office/drawing/2014/main" id="{115DF917-AC48-486A-81F6-CF2DBBF5CD89}"/>
+              </a:ext>
+            </a:extLst>
+          </p:cNvPr>
+          <p:cNvSpPr>
+            <a:spLocks noGrp="1"/>
+          </p:cNvSpPr>
+          <p:nvPr>
+            <p:ph type="dt" sz="half" idx="10"/>
+          </p:nvPr>
+        </p:nvSpPr>
+        <p:spPr/>
+        <p:txBody>
+          <a:bodyPr/>
+          <a:lstStyle/>
+          <a:p>
+            <a:r>
+              <a:rPr lang="it-IT" sz="1600">
+                <a:solidFill>
+                  <a:schemeClr val="tx1"/>
+                </a:solidFill>
+                <a:latin typeface="Poppins Medium" panose="00000600000000000000" pitchFamily="2" charset="0"/>
+                <a:cs typeface="Poppins Medium" panose="00000600000000000000" pitchFamily="2" charset="0"/>
+              </a:rPr>
+              <a:t>31 Maggio 2022</a:t>
+            </a:r>
+            <a:endParaRPr lang="de-DE" sz="1600">
+              <a:solidFill>
+                <a:schemeClr val="tx1"/>
+              </a:solidFill>
+              <a:latin typeface="Poppins Medium" panose="00000600000000000000" pitchFamily="2" charset="0"/>
+              <a:cs typeface="Poppins Medium" panose="00000600000000000000" pitchFamily="2" charset="0"/>
+            </a:endParaRPr>
+          </a:p>
+        </p:txBody>
+      </p:sp>
+      <p:sp>
+        <p:nvSpPr>
+          <p:cNvPr id="27" name="Segnaposto numero diapositiva 26">
+            <a:extLst>
+              <a:ext uri="{FF2B5EF4-FFF2-40B4-BE49-F238E27FC236}">
+                <a16:creationId xmlns:a16="http://schemas.microsoft.com/office/drawing/2014/main" id="{F9C2EE25-215B-477C-AC6E-D2639B7A24B6}"/>
+              </a:ext>
+            </a:extLst>
+          </p:cNvPr>
+          <p:cNvSpPr>
+            <a:spLocks noGrp="1"/>
+          </p:cNvSpPr>
+          <p:nvPr>
+            <p:ph type="sldNum" sz="quarter" idx="12"/>
+          </p:nvPr>
+        </p:nvSpPr>
+        <p:spPr/>
+        <p:txBody>
+          <a:bodyPr/>
+          <a:lstStyle/>
+          <a:p>
+            <a:fld id="{66CD45B7-DFE2-4393-8D37-380FC36BF3AA}" type="slidenum">
+              <a:rPr lang="de-DE" sz="1600" smtClean="0">
+                <a:solidFill>
+                  <a:schemeClr val="tx1"/>
+                </a:solidFill>
+                <a:latin typeface="Poppins Medium" panose="00000600000000000000" pitchFamily="2" charset="0"/>
+                <a:cs typeface="Poppins Medium" panose="00000600000000000000" pitchFamily="2" charset="0"/>
+              </a:rPr>
+              <a:t>23</a:t>
+            </a:fld>
+            <a:r>
+              <a:rPr lang="de-DE" sz="1600">
+                <a:solidFill>
+                  <a:schemeClr val="tx1"/>
+                </a:solidFill>
+                <a:latin typeface="Poppins Medium" panose="00000600000000000000" pitchFamily="2" charset="0"/>
+                <a:cs typeface="Poppins Medium" panose="00000600000000000000" pitchFamily="2" charset="0"/>
+              </a:rPr>
+              <a:t>/16</a:t>
+            </a:r>
+          </a:p>
+        </p:txBody>
+      </p:sp>
+      <p:sp>
+        <p:nvSpPr>
+          <p:cNvPr id="12" name="Rettangolo 11">
+            <a:extLst>
+              <a:ext uri="{FF2B5EF4-FFF2-40B4-BE49-F238E27FC236}">
+                <a16:creationId xmlns:a16="http://schemas.microsoft.com/office/drawing/2014/main" id="{F0FAD030-2623-A89C-4FA1-55CE81C0AE08}"/>
+              </a:ext>
+            </a:extLst>
+          </p:cNvPr>
+          <p:cNvSpPr/>
+          <p:nvPr/>
+        </p:nvSpPr>
+        <p:spPr>
+          <a:xfrm>
+            <a:off x="0" y="0"/>
+            <a:ext cx="12184913" cy="1034891"/>
+          </a:xfrm>
+          <a:prstGeom prst="rect">
+            <a:avLst/>
+          </a:prstGeom>
+          <a:solidFill>
+            <a:srgbClr val="002060"/>
+          </a:solidFill>
+          <a:ln>
+            <a:noFill/>
+          </a:ln>
+        </p:spPr>
+        <p:style>
+          <a:lnRef idx="2">
+            <a:schemeClr val="accent3">
+              <a:shade val="50000"/>
+            </a:schemeClr>
+          </a:lnRef>
+          <a:fillRef idx="1">
+            <a:schemeClr val="accent3"/>
+          </a:fillRef>
+          <a:effectRef idx="0">
+            <a:schemeClr val="accent3"/>
+          </a:effectRef>
+          <a:fontRef idx="minor">
+            <a:schemeClr val="lt1"/>
+          </a:fontRef>
+        </p:style>
+        <p:txBody>
+          <a:bodyPr rtlCol="0" anchor="ctr"/>
+          <a:lstStyle/>
+          <a:p>
+            <a:pPr algn="ctr"/>
+            <a:endParaRPr lang="it-IT"/>
+          </a:p>
+        </p:txBody>
+      </p:sp>
+      <p:sp>
+        <p:nvSpPr>
+          <p:cNvPr id="13" name="Titolo 1">
+            <a:extLst>
+              <a:ext uri="{FF2B5EF4-FFF2-40B4-BE49-F238E27FC236}">
+                <a16:creationId xmlns:a16="http://schemas.microsoft.com/office/drawing/2014/main" id="{A0F14F07-00BE-A130-44A5-463A5F98673C}"/>
+              </a:ext>
+            </a:extLst>
+          </p:cNvPr>
+          <p:cNvSpPr>
+            <a:spLocks noGrp="1"/>
+          </p:cNvSpPr>
+          <p:nvPr>
+            <p:ph type="title"/>
+          </p:nvPr>
+        </p:nvSpPr>
+        <p:spPr>
+          <a:xfrm>
+            <a:off x="272535" y="163591"/>
+            <a:ext cx="10176803" cy="707708"/>
+          </a:xfrm>
+        </p:spPr>
+        <p:txBody>
+          <a:bodyPr anchor="b">
+            <a:normAutofit/>
+          </a:bodyPr>
+          <a:lstStyle/>
+          <a:p>
+            <a:r>
+              <a:rPr lang="it-IT" sz="4000" b="1" dirty="0">
+                <a:solidFill>
+                  <a:schemeClr val="bg1"/>
+                </a:solidFill>
+                <a:latin typeface="Poppins"/>
+                <a:cs typeface="Poppins"/>
+              </a:rPr>
+              <a:t>Test di unità</a:t>
+            </a:r>
+          </a:p>
+        </p:txBody>
+      </p:sp>
+      <p:sp>
+        <p:nvSpPr>
+          <p:cNvPr id="8" name="Segnaposto contenuto 6">
+            <a:extLst>
+              <a:ext uri="{FF2B5EF4-FFF2-40B4-BE49-F238E27FC236}">
+                <a16:creationId xmlns:a16="http://schemas.microsoft.com/office/drawing/2014/main" id="{F832EED3-9182-E3BD-D2D5-1723AFD8A0BD}"/>
+              </a:ext>
+            </a:extLst>
+          </p:cNvPr>
+          <p:cNvSpPr txBox="1">
+            <a:spLocks/>
+          </p:cNvSpPr>
+          <p:nvPr/>
+        </p:nvSpPr>
+        <p:spPr>
+          <a:xfrm>
+            <a:off x="834656" y="2005012"/>
+            <a:ext cx="10515600" cy="4351338"/>
+          </a:xfrm>
+          <a:prstGeom prst="rect">
+            <a:avLst/>
+          </a:prstGeom>
+        </p:spPr>
+        <p:txBody>
+          <a:bodyPr vert="horz" lIns="91440" tIns="45720" rIns="91440" bIns="45720" rtlCol="0">
+            <a:normAutofit/>
+          </a:bodyPr>
+          <a:lstStyle>
+            <a:lvl1pPr marL="228600" indent="-228600" algn="l" defTabSz="914400" rtl="0" eaLnBrk="1" latinLnBrk="0" hangingPunct="1">
+              <a:lnSpc>
+                <a:spcPct val="90000"/>
+              </a:lnSpc>
+              <a:spcBef>
+                <a:spcPts val="1000"/>
+              </a:spcBef>
+              <a:buFont typeface="Arial" panose="020B0604020202020204" pitchFamily="34" charset="0"/>
+              <a:buChar char="•"/>
+              <a:defRPr sz="2800" kern="1200">
+                <a:solidFill>
+                  <a:schemeClr val="tx1"/>
+                </a:solidFill>
+                <a:latin typeface="+mn-lt"/>
+                <a:ea typeface="+mn-ea"/>
+                <a:cs typeface="+mn-cs"/>
+              </a:defRPr>
+            </a:lvl1pPr>
+            <a:lvl2pPr marL="685800" indent="-228600" algn="l" defTabSz="914400" rtl="0" eaLnBrk="1" latinLnBrk="0" hangingPunct="1">
+              <a:lnSpc>
+                <a:spcPct val="90000"/>
+              </a:lnSpc>
+              <a:spcBef>
+                <a:spcPts val="500"/>
+              </a:spcBef>
+              <a:buFont typeface="Arial" panose="020B0604020202020204" pitchFamily="34" charset="0"/>
+              <a:buChar char="•"/>
+              <a:defRPr sz="2400" kern="1200">
+                <a:solidFill>
+                  <a:schemeClr val="tx1"/>
+                </a:solidFill>
+                <a:latin typeface="+mn-lt"/>
+                <a:ea typeface="+mn-ea"/>
+                <a:cs typeface="+mn-cs"/>
+              </a:defRPr>
+            </a:lvl2pPr>
+            <a:lvl3pPr marL="1143000" indent="-228600" algn="l" defTabSz="914400" rtl="0" eaLnBrk="1" latinLnBrk="0" hangingPunct="1">
+              <a:lnSpc>
+                <a:spcPct val="90000"/>
+              </a:lnSpc>
+              <a:spcBef>
+                <a:spcPts val="500"/>
+              </a:spcBef>
+              <a:buFont typeface="Arial" panose="020B0604020202020204" pitchFamily="34" charset="0"/>
+              <a:buChar char="•"/>
+              <a:defRPr sz="2000" kern="1200">
+                <a:solidFill>
+                  <a:schemeClr val="tx1"/>
+                </a:solidFill>
+                <a:latin typeface="+mn-lt"/>
+                <a:ea typeface="+mn-ea"/>
+                <a:cs typeface="+mn-cs"/>
+              </a:defRPr>
+            </a:lvl3pPr>
+            <a:lvl4pPr marL="1600200" indent="-228600" algn="l" defTabSz="914400" rtl="0" eaLnBrk="1" latinLnBrk="0" hangingPunct="1">
+              <a:lnSpc>
+                <a:spcPct val="90000"/>
+              </a:lnSpc>
+              <a:spcBef>
+                <a:spcPts val="500"/>
+              </a:spcBef>
+              <a:buFont typeface="Arial" panose="020B0604020202020204" pitchFamily="34" charset="0"/>
+              <a:buChar char="•"/>
+              <a:defRPr sz="1800" kern="1200">
+                <a:solidFill>
+                  <a:schemeClr val="tx1"/>
+                </a:solidFill>
+                <a:latin typeface="+mn-lt"/>
+                <a:ea typeface="+mn-ea"/>
+                <a:cs typeface="+mn-cs"/>
+              </a:defRPr>
+            </a:lvl4pPr>
+            <a:lvl5pPr marL="2057400" indent="-228600" algn="l" defTabSz="914400" rtl="0" eaLnBrk="1" latinLnBrk="0" hangingPunct="1">
+              <a:lnSpc>
+                <a:spcPct val="90000"/>
+              </a:lnSpc>
+              <a:spcBef>
+                <a:spcPts val="500"/>
+              </a:spcBef>
+              <a:buFont typeface="Arial" panose="020B0604020202020204" pitchFamily="34" charset="0"/>
+              <a:buChar char="•"/>
+              <a:defRPr sz="1800" kern="1200">
+                <a:solidFill>
+                  <a:schemeClr val="tx1"/>
+                </a:solidFill>
+                <a:latin typeface="+mn-lt"/>
+                <a:ea typeface="+mn-ea"/>
+                <a:cs typeface="+mn-cs"/>
+              </a:defRPr>
+            </a:lvl5pPr>
+            <a:lvl6pPr marL="2514600" indent="-228600" algn="l" defTabSz="914400" rtl="0" eaLnBrk="1" latinLnBrk="0" hangingPunct="1">
+              <a:lnSpc>
+                <a:spcPct val="90000"/>
+              </a:lnSpc>
+              <a:spcBef>
+                <a:spcPts val="500"/>
+              </a:spcBef>
+              <a:buFont typeface="Arial" panose="020B0604020202020204" pitchFamily="34" charset="0"/>
+              <a:buChar char="•"/>
+              <a:defRPr sz="1800" kern="1200">
+                <a:solidFill>
+                  <a:schemeClr val="tx1"/>
+                </a:solidFill>
+                <a:latin typeface="+mn-lt"/>
+                <a:ea typeface="+mn-ea"/>
+                <a:cs typeface="+mn-cs"/>
+              </a:defRPr>
+            </a:lvl6pPr>
+            <a:lvl7pPr marL="2971800" indent="-228600" algn="l" defTabSz="914400" rtl="0" eaLnBrk="1" latinLnBrk="0" hangingPunct="1">
+              <a:lnSpc>
+                <a:spcPct val="90000"/>
+              </a:lnSpc>
+              <a:spcBef>
+                <a:spcPts val="500"/>
+              </a:spcBef>
+              <a:buFont typeface="Arial" panose="020B0604020202020204" pitchFamily="34" charset="0"/>
+              <a:buChar char="•"/>
+              <a:defRPr sz="1800" kern="1200">
+                <a:solidFill>
+                  <a:schemeClr val="tx1"/>
+                </a:solidFill>
+                <a:latin typeface="+mn-lt"/>
+                <a:ea typeface="+mn-ea"/>
+                <a:cs typeface="+mn-cs"/>
+              </a:defRPr>
+            </a:lvl7pPr>
+            <a:lvl8pPr marL="3429000" indent="-228600" algn="l" defTabSz="914400" rtl="0" eaLnBrk="1" latinLnBrk="0" hangingPunct="1">
+              <a:lnSpc>
+                <a:spcPct val="90000"/>
+              </a:lnSpc>
+              <a:spcBef>
+                <a:spcPts val="500"/>
+              </a:spcBef>
+              <a:buFont typeface="Arial" panose="020B0604020202020204" pitchFamily="34" charset="0"/>
+              <a:buChar char="•"/>
+              <a:defRPr sz="1800" kern="1200">
+                <a:solidFill>
+                  <a:schemeClr val="tx1"/>
+                </a:solidFill>
+                <a:latin typeface="+mn-lt"/>
+                <a:ea typeface="+mn-ea"/>
+                <a:cs typeface="+mn-cs"/>
+              </a:defRPr>
+            </a:lvl8pPr>
+            <a:lvl9pPr marL="3886200" indent="-228600" algn="l" defTabSz="914400" rtl="0" eaLnBrk="1" latinLnBrk="0" hangingPunct="1">
+              <a:lnSpc>
+                <a:spcPct val="90000"/>
+              </a:lnSpc>
+              <a:spcBef>
+                <a:spcPts val="500"/>
+              </a:spcBef>
+              <a:buFont typeface="Arial" panose="020B0604020202020204" pitchFamily="34" charset="0"/>
+              <a:buChar char="•"/>
+              <a:defRPr sz="1800" kern="1200">
+                <a:solidFill>
+                  <a:schemeClr val="tx1"/>
+                </a:solidFill>
+                <a:latin typeface="+mn-lt"/>
+                <a:ea typeface="+mn-ea"/>
+                <a:cs typeface="+mn-cs"/>
+              </a:defRPr>
+            </a:lvl9pPr>
+          </a:lstStyle>
+          <a:p>
+            <a:pPr marL="0" indent="0">
+              <a:buFont typeface="Arial" panose="020B0604020202020204" pitchFamily="34" charset="0"/>
+              <a:buNone/>
+            </a:pPr>
+            <a:endParaRPr lang="it-IT" sz="2400" dirty="0">
+              <a:latin typeface="Poppins Medium" panose="00000600000000000000" pitchFamily="2" charset="0"/>
+              <a:cs typeface="Poppins Medium" panose="00000600000000000000" pitchFamily="2" charset="0"/>
+            </a:endParaRPr>
+          </a:p>
+          <a:p>
+            <a:pPr marL="0" indent="0">
+              <a:buFont typeface="Arial" panose="020B0604020202020204" pitchFamily="34" charset="0"/>
+              <a:buNone/>
+            </a:pPr>
+            <a:endParaRPr lang="it-IT" sz="2400" dirty="0">
+              <a:latin typeface="Poppins Medium" panose="00000600000000000000" pitchFamily="2" charset="0"/>
+              <a:cs typeface="Poppins Medium" panose="00000600000000000000" pitchFamily="2" charset="0"/>
+            </a:endParaRPr>
+          </a:p>
+          <a:p>
+            <a:pPr marL="0" indent="0">
+              <a:buFont typeface="Arial" panose="020B0604020202020204" pitchFamily="34" charset="0"/>
+              <a:buNone/>
+            </a:pPr>
+            <a:endParaRPr lang="it-IT" sz="2400" dirty="0">
+              <a:latin typeface="Poppins Medium" panose="00000600000000000000" pitchFamily="2" charset="0"/>
+              <a:cs typeface="Poppins Medium" panose="00000600000000000000" pitchFamily="2" charset="0"/>
+            </a:endParaRPr>
+          </a:p>
+          <a:p>
+            <a:pPr marL="0" indent="0">
+              <a:buFont typeface="Arial" panose="020B0604020202020204" pitchFamily="34" charset="0"/>
+              <a:buNone/>
+            </a:pPr>
+            <a:endParaRPr lang="it-IT" dirty="0">
+              <a:solidFill>
+                <a:schemeClr val="accent1">
+                  <a:lumMod val="75000"/>
+                </a:schemeClr>
+              </a:solidFill>
+            </a:endParaRPr>
+          </a:p>
+        </p:txBody>
+      </p:sp>
+      <p:sp>
+        <p:nvSpPr>
+          <p:cNvPr id="10" name="CasellaDiTesto 9">
+            <a:extLst>
+              <a:ext uri="{FF2B5EF4-FFF2-40B4-BE49-F238E27FC236}">
+                <a16:creationId xmlns:a16="http://schemas.microsoft.com/office/drawing/2014/main" id="{A7CDDB9E-ADE5-C99D-F37A-B5643C4976DA}"/>
+              </a:ext>
+            </a:extLst>
+          </p:cNvPr>
+          <p:cNvSpPr txBox="1"/>
+          <p:nvPr/>
+        </p:nvSpPr>
+        <p:spPr>
+          <a:xfrm>
+            <a:off x="486383" y="1582158"/>
+            <a:ext cx="8682185" cy="954107"/>
+          </a:xfrm>
+          <a:prstGeom prst="rect">
+            <a:avLst/>
+          </a:prstGeom>
+          <a:noFill/>
+        </p:spPr>
+        <p:txBody>
+          <a:bodyPr wrap="none" rtlCol="0">
+            <a:spAutoFit/>
+          </a:bodyPr>
+          <a:lstStyle/>
+          <a:p>
+            <a:pPr marL="285750" indent="-285750">
+              <a:buFont typeface="Arial" panose="020B0604020202020204" pitchFamily="34" charset="0"/>
+              <a:buChar char="•"/>
+            </a:pPr>
+            <a:r>
+              <a:rPr lang="it-IT" sz="2800" dirty="0">
+                <a:latin typeface="Poppins Medium" panose="00000600000000000000" pitchFamily="2" charset="0"/>
+                <a:cs typeface="Poppins Medium" panose="00000600000000000000" pitchFamily="2" charset="0"/>
+              </a:rPr>
+              <a:t>Suddivisi nelle cartelle </a:t>
+            </a:r>
+            <a:r>
+              <a:rPr lang="it-IT" sz="2800" b="1" dirty="0">
+                <a:latin typeface="Miriam Fixed" panose="020B0509050101010101" pitchFamily="49" charset="-79"/>
+                <a:cs typeface="Miriam Fixed" panose="020B0509050101010101" pitchFamily="49" charset="-79"/>
+              </a:rPr>
+              <a:t>\features</a:t>
+            </a:r>
+            <a:r>
+              <a:rPr lang="it-IT" sz="2800" dirty="0">
+                <a:latin typeface="Poppins Medium" panose="00000600000000000000" pitchFamily="2" charset="0"/>
+                <a:cs typeface="Poppins Medium" panose="00000600000000000000" pitchFamily="2" charset="0"/>
+              </a:rPr>
+              <a:t> e </a:t>
+            </a:r>
+            <a:r>
+              <a:rPr lang="it-IT" sz="2800" b="1" dirty="0">
+                <a:latin typeface="Miriam Fixed" panose="020B0509050101010101" pitchFamily="49" charset="-79"/>
+                <a:cs typeface="Miriam Fixed" panose="020B0509050101010101" pitchFamily="49" charset="-79"/>
+              </a:rPr>
+              <a:t>\</a:t>
+            </a:r>
+            <a:r>
+              <a:rPr lang="it-IT" sz="2800" b="1" dirty="0" err="1">
+                <a:latin typeface="Miriam Fixed" panose="020B0509050101010101" pitchFamily="49" charset="-79"/>
+                <a:cs typeface="Miriam Fixed" panose="020B0509050101010101" pitchFamily="49" charset="-79"/>
+              </a:rPr>
+              <a:t>modules</a:t>
+            </a:r>
+            <a:endParaRPr lang="it-IT" sz="2800" b="1" dirty="0">
+              <a:latin typeface="Miriam Fixed" panose="020B0509050101010101" pitchFamily="49" charset="-79"/>
+              <a:cs typeface="Miriam Fixed" panose="020B0509050101010101" pitchFamily="49" charset="-79"/>
+            </a:endParaRPr>
+          </a:p>
+          <a:p>
+            <a:pPr marL="285750" indent="-285750">
+              <a:buFont typeface="Arial" panose="020B0604020202020204" pitchFamily="34" charset="0"/>
+              <a:buChar char="•"/>
+            </a:pPr>
+            <a:r>
+              <a:rPr lang="it-IT" sz="2800" dirty="0">
+                <a:latin typeface="Poppins Medium" panose="00000600000000000000" pitchFamily="2" charset="0"/>
+                <a:cs typeface="Poppins Medium" panose="00000600000000000000" pitchFamily="2" charset="0"/>
+              </a:rPr>
+              <a:t>Seguono il pattern AAA (</a:t>
+            </a:r>
+            <a:r>
+              <a:rPr lang="it-IT" sz="2800" dirty="0" err="1">
+                <a:latin typeface="Poppins Medium" panose="00000600000000000000" pitchFamily="2" charset="0"/>
+                <a:cs typeface="Poppins Medium" panose="00000600000000000000" pitchFamily="2" charset="0"/>
+              </a:rPr>
+              <a:t>Arrange</a:t>
+            </a:r>
+            <a:r>
+              <a:rPr lang="it-IT" sz="2800" dirty="0">
+                <a:latin typeface="Poppins Medium" panose="00000600000000000000" pitchFamily="2" charset="0"/>
+                <a:cs typeface="Poppins Medium" panose="00000600000000000000" pitchFamily="2" charset="0"/>
+              </a:rPr>
+              <a:t> Act </a:t>
+            </a:r>
+            <a:r>
+              <a:rPr lang="it-IT" sz="2800" dirty="0" err="1">
+                <a:latin typeface="Poppins Medium" panose="00000600000000000000" pitchFamily="2" charset="0"/>
+                <a:cs typeface="Poppins Medium" panose="00000600000000000000" pitchFamily="2" charset="0"/>
+              </a:rPr>
+              <a:t>Assert</a:t>
+            </a:r>
+            <a:r>
+              <a:rPr lang="it-IT" sz="2800" dirty="0">
+                <a:latin typeface="Poppins Medium" panose="00000600000000000000" pitchFamily="2" charset="0"/>
+                <a:cs typeface="Poppins Medium" panose="00000600000000000000" pitchFamily="2" charset="0"/>
+              </a:rPr>
+              <a:t>)</a:t>
+            </a:r>
+          </a:p>
+        </p:txBody>
+      </p:sp>
+      <p:pic>
+        <p:nvPicPr>
+          <p:cNvPr id="4" name="Immagine 3" descr="Immagine che contiene testo&#10;&#10;Descrizione generata automaticamente">
+            <a:extLst>
+              <a:ext uri="{FF2B5EF4-FFF2-40B4-BE49-F238E27FC236}">
+                <a16:creationId xmlns:a16="http://schemas.microsoft.com/office/drawing/2014/main" id="{9186C85A-FBD8-E413-A97D-4ABF177FFCA9}"/>
+              </a:ext>
+            </a:extLst>
+          </p:cNvPr>
+          <p:cNvPicPr>
+            <a:picLocks noChangeAspect="1"/>
+          </p:cNvPicPr>
+          <p:nvPr/>
+        </p:nvPicPr>
+        <p:blipFill>
+          <a:blip r:embed="rId3">
+            <a:extLst>
+              <a:ext uri="{28A0092B-C50C-407E-A947-70E740481C1C}">
+                <a14:useLocalDpi xmlns:a14="http://schemas.microsoft.com/office/drawing/2010/main" val="0"/>
+              </a:ext>
+            </a:extLst>
+          </a:blip>
+          <a:stretch>
+            <a:fillRect/>
+          </a:stretch>
+        </p:blipFill>
+        <p:spPr>
+          <a:xfrm>
+            <a:off x="1344555" y="3083532"/>
+            <a:ext cx="5791702" cy="1531753"/>
+          </a:xfrm>
+          <a:prstGeom prst="rect">
+            <a:avLst/>
+          </a:prstGeom>
+        </p:spPr>
+      </p:pic>
+      <p:pic>
+        <p:nvPicPr>
+          <p:cNvPr id="2050" name="Picture 2" descr="What is Unit Testing? An Introduction to Unit Testing - TestLodge Blog">
+            <a:extLst>
+              <a:ext uri="{FF2B5EF4-FFF2-40B4-BE49-F238E27FC236}">
+                <a16:creationId xmlns:a16="http://schemas.microsoft.com/office/drawing/2014/main" id="{9E374E79-900E-8085-7875-A975E51BAC68}"/>
+              </a:ext>
+            </a:extLst>
+          </p:cNvPr>
+          <p:cNvPicPr>
+            <a:picLocks noChangeAspect="1" noChangeArrowheads="1"/>
+          </p:cNvPicPr>
+          <p:nvPr/>
+        </p:nvPicPr>
+        <p:blipFill>
+          <a:blip r:embed="rId4">
+            <a:extLst>
+              <a:ext uri="{28A0092B-C50C-407E-A947-70E740481C1C}">
+                <a14:useLocalDpi xmlns:a14="http://schemas.microsoft.com/office/drawing/2010/main" val="0"/>
+              </a:ext>
+            </a:extLst>
+          </a:blip>
+          <a:srcRect/>
+          <a:stretch>
+            <a:fillRect/>
+          </a:stretch>
+        </p:blipFill>
+        <p:spPr bwMode="auto">
+          <a:xfrm>
+            <a:off x="8021327" y="3504574"/>
+            <a:ext cx="3112998" cy="1634324"/>
+          </a:xfrm>
+          <a:prstGeom prst="rect">
+            <a:avLst/>
+          </a:prstGeom>
+          <a:noFill/>
+          <a:effectLst>
+            <a:softEdge rad="63500"/>
+          </a:effectLst>
+          <a:extLst>
+            <a:ext uri="{909E8E84-426E-40DD-AFC4-6F175D3DCCD1}">
+              <a14:hiddenFill xmlns:a14="http://schemas.microsoft.com/office/drawing/2010/main">
+                <a:solidFill>
+                  <a:srgbClr val="FFFFFF"/>
+                </a:solidFill>
+              </a14:hiddenFill>
+            </a:ext>
+          </a:extLst>
+        </p:spPr>
+      </p:pic>
+    </p:spTree>
+    <p:extLst>
+      <p:ext uri="{BB962C8B-B14F-4D97-AF65-F5344CB8AC3E}">
+        <p14:creationId xmlns:p14="http://schemas.microsoft.com/office/powerpoint/2010/main" val="689737201"/>
+      </p:ext>
+    </p:extLst>
+  </p:cSld>
+  <p:clrMapOvr>
+    <a:masterClrMapping/>
+  </p:clrMapOvr>
+</p:sld>
+</file>
+
+<file path=ppt/slides/slide24.xml><?xml version="1.0" encoding="utf-8"?>
+<p:sld xmlns:a="http://schemas.openxmlformats.org/drawingml/2006/main" xmlns:r="http://schemas.openxmlformats.org/officeDocument/2006/relationships" xmlns:p="http://schemas.openxmlformats.org/presentationml/2006/main">
+  <p:cSld>
+    <p:spTree>
+      <p:nvGrpSpPr>
+        <p:cNvPr id="1" name=""/>
+        <p:cNvGrpSpPr/>
+        <p:nvPr/>
+      </p:nvGrpSpPr>
+      <p:grpSpPr>
+        <a:xfrm>
+          <a:off x="0" y="0"/>
+          <a:ext cx="0" cy="0"/>
+          <a:chOff x="0" y="0"/>
+          <a:chExt cx="0" cy="0"/>
+        </a:xfrm>
+      </p:grpSpPr>
+      <p:sp>
+        <p:nvSpPr>
+          <p:cNvPr id="25" name="Segnaposto data 24">
+            <a:extLst>
+              <a:ext uri="{FF2B5EF4-FFF2-40B4-BE49-F238E27FC236}">
+                <a16:creationId xmlns:a16="http://schemas.microsoft.com/office/drawing/2014/main" id="{115DF917-AC48-486A-81F6-CF2DBBF5CD89}"/>
+              </a:ext>
+            </a:extLst>
+          </p:cNvPr>
+          <p:cNvSpPr>
+            <a:spLocks noGrp="1"/>
+          </p:cNvSpPr>
+          <p:nvPr>
+            <p:ph type="dt" sz="half" idx="10"/>
+          </p:nvPr>
+        </p:nvSpPr>
+        <p:spPr/>
+        <p:txBody>
+          <a:bodyPr/>
+          <a:lstStyle/>
+          <a:p>
+            <a:r>
+              <a:rPr lang="it-IT" sz="1600">
+                <a:solidFill>
+                  <a:schemeClr val="tx1"/>
+                </a:solidFill>
+                <a:latin typeface="Poppins Medium" panose="00000600000000000000" pitchFamily="2" charset="0"/>
+                <a:cs typeface="Poppins Medium" panose="00000600000000000000" pitchFamily="2" charset="0"/>
+              </a:rPr>
+              <a:t>31 Maggio 2022</a:t>
+            </a:r>
+            <a:endParaRPr lang="de-DE" sz="1600">
+              <a:solidFill>
+                <a:schemeClr val="tx1"/>
+              </a:solidFill>
+              <a:latin typeface="Poppins Medium" panose="00000600000000000000" pitchFamily="2" charset="0"/>
+              <a:cs typeface="Poppins Medium" panose="00000600000000000000" pitchFamily="2" charset="0"/>
+            </a:endParaRPr>
+          </a:p>
+        </p:txBody>
+      </p:sp>
+      <p:sp>
+        <p:nvSpPr>
+          <p:cNvPr id="27" name="Segnaposto numero diapositiva 26">
+            <a:extLst>
+              <a:ext uri="{FF2B5EF4-FFF2-40B4-BE49-F238E27FC236}">
+                <a16:creationId xmlns:a16="http://schemas.microsoft.com/office/drawing/2014/main" id="{F9C2EE25-215B-477C-AC6E-D2639B7A24B6}"/>
+              </a:ext>
+            </a:extLst>
+          </p:cNvPr>
+          <p:cNvSpPr>
+            <a:spLocks noGrp="1"/>
+          </p:cNvSpPr>
+          <p:nvPr>
+            <p:ph type="sldNum" sz="quarter" idx="12"/>
+          </p:nvPr>
+        </p:nvSpPr>
+        <p:spPr/>
+        <p:txBody>
+          <a:bodyPr/>
+          <a:lstStyle/>
+          <a:p>
+            <a:fld id="{66CD45B7-DFE2-4393-8D37-380FC36BF3AA}" type="slidenum">
+              <a:rPr lang="de-DE" sz="1600" smtClean="0">
+                <a:solidFill>
+                  <a:schemeClr val="tx1"/>
+                </a:solidFill>
+                <a:latin typeface="Poppins Medium" panose="00000600000000000000" pitchFamily="2" charset="0"/>
+                <a:cs typeface="Poppins Medium" panose="00000600000000000000" pitchFamily="2" charset="0"/>
+              </a:rPr>
+              <a:t>24</a:t>
+            </a:fld>
+            <a:r>
+              <a:rPr lang="de-DE" sz="1600">
+                <a:solidFill>
+                  <a:schemeClr val="tx1"/>
+                </a:solidFill>
+                <a:latin typeface="Poppins Medium" panose="00000600000000000000" pitchFamily="2" charset="0"/>
+                <a:cs typeface="Poppins Medium" panose="00000600000000000000" pitchFamily="2" charset="0"/>
+              </a:rPr>
+              <a:t>/16</a:t>
+            </a:r>
+          </a:p>
+        </p:txBody>
+      </p:sp>
+      <p:sp>
+        <p:nvSpPr>
+          <p:cNvPr id="12" name="Rettangolo 11">
+            <a:extLst>
+              <a:ext uri="{FF2B5EF4-FFF2-40B4-BE49-F238E27FC236}">
+                <a16:creationId xmlns:a16="http://schemas.microsoft.com/office/drawing/2014/main" id="{F0FAD030-2623-A89C-4FA1-55CE81C0AE08}"/>
+              </a:ext>
+            </a:extLst>
+          </p:cNvPr>
+          <p:cNvSpPr/>
+          <p:nvPr/>
+        </p:nvSpPr>
+        <p:spPr>
+          <a:xfrm>
+            <a:off x="0" y="0"/>
+            <a:ext cx="12184913" cy="1034891"/>
+          </a:xfrm>
+          <a:prstGeom prst="rect">
+            <a:avLst/>
+          </a:prstGeom>
+          <a:solidFill>
+            <a:srgbClr val="002060"/>
+          </a:solidFill>
+          <a:ln>
+            <a:noFill/>
+          </a:ln>
+        </p:spPr>
+        <p:style>
+          <a:lnRef idx="2">
+            <a:schemeClr val="accent3">
+              <a:shade val="50000"/>
+            </a:schemeClr>
+          </a:lnRef>
+          <a:fillRef idx="1">
+            <a:schemeClr val="accent3"/>
+          </a:fillRef>
+          <a:effectRef idx="0">
+            <a:schemeClr val="accent3"/>
+          </a:effectRef>
+          <a:fontRef idx="minor">
+            <a:schemeClr val="lt1"/>
+          </a:fontRef>
+        </p:style>
+        <p:txBody>
+          <a:bodyPr rtlCol="0" anchor="ctr"/>
+          <a:lstStyle/>
+          <a:p>
+            <a:pPr algn="ctr"/>
+            <a:endParaRPr lang="it-IT"/>
+          </a:p>
+        </p:txBody>
+      </p:sp>
+      <p:sp>
+        <p:nvSpPr>
+          <p:cNvPr id="13" name="Titolo 1">
+            <a:extLst>
+              <a:ext uri="{FF2B5EF4-FFF2-40B4-BE49-F238E27FC236}">
+                <a16:creationId xmlns:a16="http://schemas.microsoft.com/office/drawing/2014/main" id="{A0F14F07-00BE-A130-44A5-463A5F98673C}"/>
+              </a:ext>
+            </a:extLst>
+          </p:cNvPr>
+          <p:cNvSpPr>
+            <a:spLocks noGrp="1"/>
+          </p:cNvSpPr>
+          <p:nvPr>
+            <p:ph type="title"/>
+          </p:nvPr>
+        </p:nvSpPr>
+        <p:spPr>
+          <a:xfrm>
+            <a:off x="272535" y="163591"/>
+            <a:ext cx="10176803" cy="707708"/>
+          </a:xfrm>
+        </p:spPr>
+        <p:txBody>
+          <a:bodyPr anchor="b">
+            <a:normAutofit/>
+          </a:bodyPr>
+          <a:lstStyle/>
+          <a:p>
+            <a:r>
+              <a:rPr lang="it-IT" sz="4000" b="1" dirty="0">
+                <a:solidFill>
+                  <a:schemeClr val="bg1"/>
+                </a:solidFill>
+                <a:latin typeface="Poppins"/>
+                <a:cs typeface="Poppins"/>
+              </a:rPr>
+              <a:t>Test </a:t>
+            </a:r>
+            <a:r>
+              <a:rPr lang="it-IT" sz="4000" b="1">
+                <a:solidFill>
+                  <a:schemeClr val="bg1"/>
+                </a:solidFill>
+                <a:latin typeface="Poppins"/>
+                <a:cs typeface="Poppins"/>
+              </a:rPr>
+              <a:t>di integrazione</a:t>
+            </a:r>
+            <a:endParaRPr lang="it-IT" sz="4000" b="1" dirty="0">
+              <a:solidFill>
+                <a:schemeClr val="bg1"/>
+              </a:solidFill>
+              <a:latin typeface="Poppins"/>
+              <a:cs typeface="Poppins"/>
+            </a:endParaRPr>
+          </a:p>
+        </p:txBody>
+      </p:sp>
+      <p:sp>
+        <p:nvSpPr>
+          <p:cNvPr id="8" name="Segnaposto contenuto 6">
+            <a:extLst>
+              <a:ext uri="{FF2B5EF4-FFF2-40B4-BE49-F238E27FC236}">
+                <a16:creationId xmlns:a16="http://schemas.microsoft.com/office/drawing/2014/main" id="{F832EED3-9182-E3BD-D2D5-1723AFD8A0BD}"/>
+              </a:ext>
+            </a:extLst>
+          </p:cNvPr>
+          <p:cNvSpPr txBox="1">
+            <a:spLocks/>
+          </p:cNvSpPr>
+          <p:nvPr/>
+        </p:nvSpPr>
+        <p:spPr>
+          <a:xfrm>
+            <a:off x="834656" y="2005012"/>
+            <a:ext cx="10515600" cy="4351338"/>
+          </a:xfrm>
+          <a:prstGeom prst="rect">
+            <a:avLst/>
+          </a:prstGeom>
+        </p:spPr>
+        <p:txBody>
+          <a:bodyPr vert="horz" lIns="91440" tIns="45720" rIns="91440" bIns="45720" rtlCol="0">
+            <a:normAutofit/>
+          </a:bodyPr>
+          <a:lstStyle>
+            <a:lvl1pPr marL="228600" indent="-228600" algn="l" defTabSz="914400" rtl="0" eaLnBrk="1" latinLnBrk="0" hangingPunct="1">
+              <a:lnSpc>
+                <a:spcPct val="90000"/>
+              </a:lnSpc>
+              <a:spcBef>
+                <a:spcPts val="1000"/>
+              </a:spcBef>
+              <a:buFont typeface="Arial" panose="020B0604020202020204" pitchFamily="34" charset="0"/>
+              <a:buChar char="•"/>
+              <a:defRPr sz="2800" kern="1200">
+                <a:solidFill>
+                  <a:schemeClr val="tx1"/>
+                </a:solidFill>
+                <a:latin typeface="+mn-lt"/>
+                <a:ea typeface="+mn-ea"/>
+                <a:cs typeface="+mn-cs"/>
+              </a:defRPr>
+            </a:lvl1pPr>
+            <a:lvl2pPr marL="685800" indent="-228600" algn="l" defTabSz="914400" rtl="0" eaLnBrk="1" latinLnBrk="0" hangingPunct="1">
+              <a:lnSpc>
+                <a:spcPct val="90000"/>
+              </a:lnSpc>
+              <a:spcBef>
+                <a:spcPts val="500"/>
+              </a:spcBef>
+              <a:buFont typeface="Arial" panose="020B0604020202020204" pitchFamily="34" charset="0"/>
+              <a:buChar char="•"/>
+              <a:defRPr sz="2400" kern="1200">
+                <a:solidFill>
+                  <a:schemeClr val="tx1"/>
+                </a:solidFill>
+                <a:latin typeface="+mn-lt"/>
+                <a:ea typeface="+mn-ea"/>
+                <a:cs typeface="+mn-cs"/>
+              </a:defRPr>
+            </a:lvl2pPr>
+            <a:lvl3pPr marL="1143000" indent="-228600" algn="l" defTabSz="914400" rtl="0" eaLnBrk="1" latinLnBrk="0" hangingPunct="1">
+              <a:lnSpc>
+                <a:spcPct val="90000"/>
+              </a:lnSpc>
+              <a:spcBef>
+                <a:spcPts val="500"/>
+              </a:spcBef>
+              <a:buFont typeface="Arial" panose="020B0604020202020204" pitchFamily="34" charset="0"/>
+              <a:buChar char="•"/>
+              <a:defRPr sz="2000" kern="1200">
+                <a:solidFill>
+                  <a:schemeClr val="tx1"/>
+                </a:solidFill>
+                <a:latin typeface="+mn-lt"/>
+                <a:ea typeface="+mn-ea"/>
+                <a:cs typeface="+mn-cs"/>
+              </a:defRPr>
+            </a:lvl3pPr>
+            <a:lvl4pPr marL="1600200" indent="-228600" algn="l" defTabSz="914400" rtl="0" eaLnBrk="1" latinLnBrk="0" hangingPunct="1">
+              <a:lnSpc>
+                <a:spcPct val="90000"/>
+              </a:lnSpc>
+              <a:spcBef>
+                <a:spcPts val="500"/>
+              </a:spcBef>
+              <a:buFont typeface="Arial" panose="020B0604020202020204" pitchFamily="34" charset="0"/>
+              <a:buChar char="•"/>
+              <a:defRPr sz="1800" kern="1200">
+                <a:solidFill>
+                  <a:schemeClr val="tx1"/>
+                </a:solidFill>
+                <a:latin typeface="+mn-lt"/>
+                <a:ea typeface="+mn-ea"/>
+                <a:cs typeface="+mn-cs"/>
+              </a:defRPr>
+            </a:lvl4pPr>
+            <a:lvl5pPr marL="2057400" indent="-228600" algn="l" defTabSz="914400" rtl="0" eaLnBrk="1" latinLnBrk="0" hangingPunct="1">
+              <a:lnSpc>
+                <a:spcPct val="90000"/>
+              </a:lnSpc>
+              <a:spcBef>
+                <a:spcPts val="500"/>
+              </a:spcBef>
+              <a:buFont typeface="Arial" panose="020B0604020202020204" pitchFamily="34" charset="0"/>
+              <a:buChar char="•"/>
+              <a:defRPr sz="1800" kern="1200">
+                <a:solidFill>
+                  <a:schemeClr val="tx1"/>
+                </a:solidFill>
+                <a:latin typeface="+mn-lt"/>
+                <a:ea typeface="+mn-ea"/>
+                <a:cs typeface="+mn-cs"/>
+              </a:defRPr>
+            </a:lvl5pPr>
+            <a:lvl6pPr marL="2514600" indent="-228600" algn="l" defTabSz="914400" rtl="0" eaLnBrk="1" latinLnBrk="0" hangingPunct="1">
+              <a:lnSpc>
+                <a:spcPct val="90000"/>
+              </a:lnSpc>
+              <a:spcBef>
+                <a:spcPts val="500"/>
+              </a:spcBef>
+              <a:buFont typeface="Arial" panose="020B0604020202020204" pitchFamily="34" charset="0"/>
+              <a:buChar char="•"/>
+              <a:defRPr sz="1800" kern="1200">
+                <a:solidFill>
+                  <a:schemeClr val="tx1"/>
+                </a:solidFill>
+                <a:latin typeface="+mn-lt"/>
+                <a:ea typeface="+mn-ea"/>
+                <a:cs typeface="+mn-cs"/>
+              </a:defRPr>
+            </a:lvl6pPr>
+            <a:lvl7pPr marL="2971800" indent="-228600" algn="l" defTabSz="914400" rtl="0" eaLnBrk="1" latinLnBrk="0" hangingPunct="1">
+              <a:lnSpc>
+                <a:spcPct val="90000"/>
+              </a:lnSpc>
+              <a:spcBef>
+                <a:spcPts val="500"/>
+              </a:spcBef>
+              <a:buFont typeface="Arial" panose="020B0604020202020204" pitchFamily="34" charset="0"/>
+              <a:buChar char="•"/>
+              <a:defRPr sz="1800" kern="1200">
+                <a:solidFill>
+                  <a:schemeClr val="tx1"/>
+                </a:solidFill>
+                <a:latin typeface="+mn-lt"/>
+                <a:ea typeface="+mn-ea"/>
+                <a:cs typeface="+mn-cs"/>
+              </a:defRPr>
+            </a:lvl7pPr>
+            <a:lvl8pPr marL="3429000" indent="-228600" algn="l" defTabSz="914400" rtl="0" eaLnBrk="1" latinLnBrk="0" hangingPunct="1">
+              <a:lnSpc>
+                <a:spcPct val="90000"/>
+              </a:lnSpc>
+              <a:spcBef>
+                <a:spcPts val="500"/>
+              </a:spcBef>
+              <a:buFont typeface="Arial" panose="020B0604020202020204" pitchFamily="34" charset="0"/>
+              <a:buChar char="•"/>
+              <a:defRPr sz="1800" kern="1200">
+                <a:solidFill>
+                  <a:schemeClr val="tx1"/>
+                </a:solidFill>
+                <a:latin typeface="+mn-lt"/>
+                <a:ea typeface="+mn-ea"/>
+                <a:cs typeface="+mn-cs"/>
+              </a:defRPr>
+            </a:lvl8pPr>
+            <a:lvl9pPr marL="3886200" indent="-228600" algn="l" defTabSz="914400" rtl="0" eaLnBrk="1" latinLnBrk="0" hangingPunct="1">
+              <a:lnSpc>
+                <a:spcPct val="90000"/>
+              </a:lnSpc>
+              <a:spcBef>
+                <a:spcPts val="500"/>
+              </a:spcBef>
+              <a:buFont typeface="Arial" panose="020B0604020202020204" pitchFamily="34" charset="0"/>
+              <a:buChar char="•"/>
+              <a:defRPr sz="1800" kern="1200">
+                <a:solidFill>
+                  <a:schemeClr val="tx1"/>
+                </a:solidFill>
+                <a:latin typeface="+mn-lt"/>
+                <a:ea typeface="+mn-ea"/>
+                <a:cs typeface="+mn-cs"/>
+              </a:defRPr>
+            </a:lvl9pPr>
+          </a:lstStyle>
+          <a:p>
+            <a:pPr marL="0" indent="0">
+              <a:buFont typeface="Arial" panose="020B0604020202020204" pitchFamily="34" charset="0"/>
+              <a:buNone/>
+            </a:pPr>
+            <a:endParaRPr lang="it-IT" sz="2400" dirty="0">
+              <a:latin typeface="Poppins Medium" panose="00000600000000000000" pitchFamily="2" charset="0"/>
+              <a:cs typeface="Poppins Medium" panose="00000600000000000000" pitchFamily="2" charset="0"/>
+            </a:endParaRPr>
+          </a:p>
+          <a:p>
+            <a:pPr marL="0" indent="0">
+              <a:buFont typeface="Arial" panose="020B0604020202020204" pitchFamily="34" charset="0"/>
+              <a:buNone/>
+            </a:pPr>
+            <a:endParaRPr lang="it-IT" sz="2400" dirty="0">
+              <a:latin typeface="Poppins Medium" panose="00000600000000000000" pitchFamily="2" charset="0"/>
+              <a:cs typeface="Poppins Medium" panose="00000600000000000000" pitchFamily="2" charset="0"/>
+            </a:endParaRPr>
+          </a:p>
+          <a:p>
+            <a:pPr marL="0" indent="0">
+              <a:buFont typeface="Arial" panose="020B0604020202020204" pitchFamily="34" charset="0"/>
+              <a:buNone/>
+            </a:pPr>
+            <a:endParaRPr lang="it-IT" sz="2400" dirty="0">
+              <a:latin typeface="Poppins Medium" panose="00000600000000000000" pitchFamily="2" charset="0"/>
+              <a:cs typeface="Poppins Medium" panose="00000600000000000000" pitchFamily="2" charset="0"/>
+            </a:endParaRPr>
+          </a:p>
+          <a:p>
+            <a:pPr marL="0" indent="0">
+              <a:buFont typeface="Arial" panose="020B0604020202020204" pitchFamily="34" charset="0"/>
+              <a:buNone/>
+            </a:pPr>
+            <a:endParaRPr lang="it-IT" dirty="0">
+              <a:solidFill>
+                <a:schemeClr val="accent1">
+                  <a:lumMod val="75000"/>
+                </a:schemeClr>
+              </a:solidFill>
+            </a:endParaRPr>
+          </a:p>
+        </p:txBody>
+      </p:sp>
+      <p:sp>
+        <p:nvSpPr>
+          <p:cNvPr id="10" name="CasellaDiTesto 9">
+            <a:extLst>
+              <a:ext uri="{FF2B5EF4-FFF2-40B4-BE49-F238E27FC236}">
+                <a16:creationId xmlns:a16="http://schemas.microsoft.com/office/drawing/2014/main" id="{A7CDDB9E-ADE5-C99D-F37A-B5643C4976DA}"/>
+              </a:ext>
+            </a:extLst>
+          </p:cNvPr>
+          <p:cNvSpPr txBox="1"/>
+          <p:nvPr/>
+        </p:nvSpPr>
+        <p:spPr>
+          <a:xfrm>
+            <a:off x="486383" y="1582158"/>
+            <a:ext cx="8682185" cy="954107"/>
+          </a:xfrm>
+          <a:prstGeom prst="rect">
+            <a:avLst/>
+          </a:prstGeom>
+          <a:noFill/>
+        </p:spPr>
+        <p:txBody>
+          <a:bodyPr wrap="none" rtlCol="0">
+            <a:spAutoFit/>
+          </a:bodyPr>
+          <a:lstStyle/>
+          <a:p>
+            <a:pPr marL="285750" indent="-285750">
+              <a:buFont typeface="Arial" panose="020B0604020202020204" pitchFamily="34" charset="0"/>
+              <a:buChar char="•"/>
+            </a:pPr>
+            <a:r>
+              <a:rPr lang="it-IT" sz="2800" dirty="0">
+                <a:latin typeface="Poppins Medium" panose="00000600000000000000" pitchFamily="2" charset="0"/>
+                <a:cs typeface="Poppins Medium" panose="00000600000000000000" pitchFamily="2" charset="0"/>
+              </a:rPr>
+              <a:t>Suddivisi nelle cartelle </a:t>
+            </a:r>
+            <a:r>
+              <a:rPr lang="it-IT" sz="2800" b="1" dirty="0">
+                <a:latin typeface="Miriam Fixed" panose="020B0509050101010101" pitchFamily="49" charset="-79"/>
+                <a:cs typeface="Miriam Fixed" panose="020B0509050101010101" pitchFamily="49" charset="-79"/>
+              </a:rPr>
+              <a:t>\features</a:t>
+            </a:r>
+            <a:r>
+              <a:rPr lang="it-IT" sz="2800" dirty="0">
+                <a:latin typeface="Poppins Medium" panose="00000600000000000000" pitchFamily="2" charset="0"/>
+                <a:cs typeface="Poppins Medium" panose="00000600000000000000" pitchFamily="2" charset="0"/>
+              </a:rPr>
+              <a:t> e </a:t>
+            </a:r>
+            <a:r>
+              <a:rPr lang="it-IT" sz="2800" b="1" dirty="0">
+                <a:latin typeface="Miriam Fixed" panose="020B0509050101010101" pitchFamily="49" charset="-79"/>
+                <a:cs typeface="Miriam Fixed" panose="020B0509050101010101" pitchFamily="49" charset="-79"/>
+              </a:rPr>
+              <a:t>\</a:t>
+            </a:r>
+            <a:r>
+              <a:rPr lang="it-IT" sz="2800" b="1" dirty="0" err="1">
+                <a:latin typeface="Miriam Fixed" panose="020B0509050101010101" pitchFamily="49" charset="-79"/>
+                <a:cs typeface="Miriam Fixed" panose="020B0509050101010101" pitchFamily="49" charset="-79"/>
+              </a:rPr>
+              <a:t>modules</a:t>
+            </a:r>
+            <a:endParaRPr lang="it-IT" sz="2800" b="1" dirty="0">
+              <a:latin typeface="Miriam Fixed" panose="020B0509050101010101" pitchFamily="49" charset="-79"/>
+              <a:cs typeface="Miriam Fixed" panose="020B0509050101010101" pitchFamily="49" charset="-79"/>
+            </a:endParaRPr>
+          </a:p>
+          <a:p>
+            <a:pPr marL="285750" indent="-285750">
+              <a:buFont typeface="Arial" panose="020B0604020202020204" pitchFamily="34" charset="0"/>
+              <a:buChar char="•"/>
+            </a:pPr>
+            <a:r>
+              <a:rPr lang="it-IT" sz="2800" dirty="0">
+                <a:latin typeface="Poppins Medium" panose="00000600000000000000" pitchFamily="2" charset="0"/>
+                <a:cs typeface="Poppins Medium" panose="00000600000000000000" pitchFamily="2" charset="0"/>
+              </a:rPr>
+              <a:t>Seguono il pattern AAA (</a:t>
+            </a:r>
+            <a:r>
+              <a:rPr lang="it-IT" sz="2800" dirty="0" err="1">
+                <a:latin typeface="Poppins Medium" panose="00000600000000000000" pitchFamily="2" charset="0"/>
+                <a:cs typeface="Poppins Medium" panose="00000600000000000000" pitchFamily="2" charset="0"/>
+              </a:rPr>
+              <a:t>Arrange</a:t>
+            </a:r>
+            <a:r>
+              <a:rPr lang="it-IT" sz="2800" dirty="0">
+                <a:latin typeface="Poppins Medium" panose="00000600000000000000" pitchFamily="2" charset="0"/>
+                <a:cs typeface="Poppins Medium" panose="00000600000000000000" pitchFamily="2" charset="0"/>
+              </a:rPr>
+              <a:t> Act </a:t>
+            </a:r>
+            <a:r>
+              <a:rPr lang="it-IT" sz="2800" dirty="0" err="1">
+                <a:latin typeface="Poppins Medium" panose="00000600000000000000" pitchFamily="2" charset="0"/>
+                <a:cs typeface="Poppins Medium" panose="00000600000000000000" pitchFamily="2" charset="0"/>
+              </a:rPr>
+              <a:t>Assert</a:t>
+            </a:r>
+            <a:r>
+              <a:rPr lang="it-IT" sz="2800" dirty="0">
+                <a:latin typeface="Poppins Medium" panose="00000600000000000000" pitchFamily="2" charset="0"/>
+                <a:cs typeface="Poppins Medium" panose="00000600000000000000" pitchFamily="2" charset="0"/>
+              </a:rPr>
+              <a:t>)</a:t>
+            </a:r>
+          </a:p>
+        </p:txBody>
+      </p:sp>
+      <p:pic>
+        <p:nvPicPr>
+          <p:cNvPr id="4" name="Immagine 3" descr="Immagine che contiene testo&#10;&#10;Descrizione generata automaticamente">
+            <a:extLst>
+              <a:ext uri="{FF2B5EF4-FFF2-40B4-BE49-F238E27FC236}">
+                <a16:creationId xmlns:a16="http://schemas.microsoft.com/office/drawing/2014/main" id="{9186C85A-FBD8-E413-A97D-4ABF177FFCA9}"/>
+              </a:ext>
+            </a:extLst>
+          </p:cNvPr>
+          <p:cNvPicPr>
+            <a:picLocks noChangeAspect="1"/>
+          </p:cNvPicPr>
+          <p:nvPr/>
+        </p:nvPicPr>
+        <p:blipFill>
+          <a:blip r:embed="rId3">
+            <a:extLst>
+              <a:ext uri="{28A0092B-C50C-407E-A947-70E740481C1C}">
+                <a14:useLocalDpi xmlns:a14="http://schemas.microsoft.com/office/drawing/2010/main" val="0"/>
+              </a:ext>
+            </a:extLst>
+          </a:blip>
+          <a:stretch>
+            <a:fillRect/>
+          </a:stretch>
+        </p:blipFill>
+        <p:spPr>
+          <a:xfrm>
+            <a:off x="1344555" y="3083532"/>
+            <a:ext cx="5791702" cy="1531753"/>
+          </a:xfrm>
+          <a:prstGeom prst="rect">
+            <a:avLst/>
+          </a:prstGeom>
+        </p:spPr>
+      </p:pic>
+      <p:pic>
+        <p:nvPicPr>
+          <p:cNvPr id="2050" name="Picture 2" descr="What is Unit Testing? An Introduction to Unit Testing - TestLodge Blog">
+            <a:extLst>
+              <a:ext uri="{FF2B5EF4-FFF2-40B4-BE49-F238E27FC236}">
+                <a16:creationId xmlns:a16="http://schemas.microsoft.com/office/drawing/2014/main" id="{9E374E79-900E-8085-7875-A975E51BAC68}"/>
+              </a:ext>
+            </a:extLst>
+          </p:cNvPr>
+          <p:cNvPicPr>
+            <a:picLocks noChangeAspect="1" noChangeArrowheads="1"/>
+          </p:cNvPicPr>
+          <p:nvPr/>
+        </p:nvPicPr>
+        <p:blipFill>
+          <a:blip r:embed="rId4">
+            <a:extLst>
+              <a:ext uri="{28A0092B-C50C-407E-A947-70E740481C1C}">
+                <a14:useLocalDpi xmlns:a14="http://schemas.microsoft.com/office/drawing/2010/main" val="0"/>
+              </a:ext>
+            </a:extLst>
+          </a:blip>
+          <a:srcRect/>
+          <a:stretch>
+            <a:fillRect/>
+          </a:stretch>
+        </p:blipFill>
+        <p:spPr bwMode="auto">
+          <a:xfrm>
+            <a:off x="8021327" y="3504574"/>
+            <a:ext cx="3112998" cy="1634324"/>
+          </a:xfrm>
+          <a:prstGeom prst="rect">
+            <a:avLst/>
+          </a:prstGeom>
+          <a:noFill/>
+          <a:effectLst>
+            <a:softEdge rad="63500"/>
+          </a:effectLst>
+          <a:extLst>
+            <a:ext uri="{909E8E84-426E-40DD-AFC4-6F175D3DCCD1}">
+              <a14:hiddenFill xmlns:a14="http://schemas.microsoft.com/office/drawing/2010/main">
+                <a:solidFill>
+                  <a:srgbClr val="FFFFFF"/>
+                </a:solidFill>
+              </a14:hiddenFill>
+            </a:ext>
+          </a:extLst>
+        </p:spPr>
+      </p:pic>
+    </p:spTree>
+    <p:extLst>
+      <p:ext uri="{BB962C8B-B14F-4D97-AF65-F5344CB8AC3E}">
+        <p14:creationId xmlns:p14="http://schemas.microsoft.com/office/powerpoint/2010/main" val="1092453689"/>
+      </p:ext>
+    </p:extLst>
+  </p:cSld>
+  <p:clrMapOvr>
+    <a:masterClrMapping/>
+  </p:clrMapOvr>
+</p:sld>
+</file>
+
+<file path=ppt/slides/slide25.xml><?xml version="1.0" encoding="utf-8"?>
+<p:sld xmlns:a="http://schemas.openxmlformats.org/drawingml/2006/main" xmlns:r="http://schemas.openxmlformats.org/officeDocument/2006/relationships" xmlns:p="http://schemas.openxmlformats.org/presentationml/2006/main">
+  <p:cSld>
+    <p:spTree>
+      <p:nvGrpSpPr>
+        <p:cNvPr id="1" name=""/>
+        <p:cNvGrpSpPr/>
+        <p:nvPr/>
+      </p:nvGrpSpPr>
+      <p:grpSpPr>
+        <a:xfrm>
+          <a:off x="0" y="0"/>
+          <a:ext cx="0" cy="0"/>
+          <a:chOff x="0" y="0"/>
+          <a:chExt cx="0" cy="0"/>
+        </a:xfrm>
+      </p:grpSpPr>
+      <p:sp>
+        <p:nvSpPr>
+          <p:cNvPr id="9" name="Rettangolo 8">
+            <a:extLst>
+              <a:ext uri="{FF2B5EF4-FFF2-40B4-BE49-F238E27FC236}">
+                <a16:creationId xmlns:a16="http://schemas.microsoft.com/office/drawing/2014/main" id="{75A649AD-BFC8-D407-B3D8-768C796B24EE}"/>
+              </a:ext>
+            </a:extLst>
+          </p:cNvPr>
+          <p:cNvSpPr/>
+          <p:nvPr/>
+        </p:nvSpPr>
+        <p:spPr>
+          <a:xfrm>
+            <a:off x="1" y="-1039"/>
+            <a:ext cx="12188928" cy="6859039"/>
+          </a:xfrm>
+          <a:prstGeom prst="rect">
+            <a:avLst/>
+          </a:prstGeom>
+          <a:solidFill>
+            <a:srgbClr val="002060"/>
+          </a:solidFill>
+          <a:ln>
+            <a:noFill/>
+          </a:ln>
+        </p:spPr>
+        <p:style>
+          <a:lnRef idx="2">
+            <a:schemeClr val="accent3">
+              <a:shade val="50000"/>
+            </a:schemeClr>
+          </a:lnRef>
+          <a:fillRef idx="1">
+            <a:schemeClr val="accent3"/>
+          </a:fillRef>
+          <a:effectRef idx="0">
+            <a:schemeClr val="accent3"/>
+          </a:effectRef>
+          <a:fontRef idx="minor">
+            <a:schemeClr val="lt1"/>
+          </a:fontRef>
+        </p:style>
+        <p:txBody>
+          <a:bodyPr rtlCol="0" anchor="ctr"/>
+          <a:lstStyle/>
+          <a:p>
+            <a:pPr algn="ctr"/>
             <a:endParaRPr lang="it-IT">
               <a:latin typeface="Poppins Medium" panose="00000600000000000000" pitchFamily="2" charset="0"/>
               <a:cs typeface="Poppins Medium" panose="00000600000000000000" pitchFamily="2" charset="0"/>
@@ -12602,7 +16154,7 @@
                 <a:cs typeface="Poppins Medium" panose="00000600000000000000" pitchFamily="2" charset="0"/>
               </a:rPr>
               <a:pPr/>
-              <a:t>21</a:t>
+              <a:t>25</a:t>
             </a:fld>
             <a:r>
               <a:rPr lang="de-DE" sz="1600">
@@ -12676,7 +16228,7 @@
 </p:sld>
 </file>
 
-<file path=ppt/slides/slide22.xml><?xml version="1.0" encoding="utf-8"?>
+<file path=ppt/slides/slide26.xml><?xml version="1.0" encoding="utf-8"?>
 <p:sld xmlns:a="http://schemas.openxmlformats.org/drawingml/2006/main" xmlns:r="http://schemas.openxmlformats.org/officeDocument/2006/relationships" xmlns:p="http://schemas.openxmlformats.org/presentationml/2006/main">
   <p:cSld>
     <p:spTree>
@@ -12716,6 +16268,9 @@
           <a:solidFill>
             <a:srgbClr val="002060"/>
           </a:solidFill>
+          <a:ln>
+            <a:noFill/>
+          </a:ln>
         </p:spPr>
         <p:style>
           <a:lnRef idx="2">
@@ -12910,7 +16465,7 @@
                 <a:cs typeface="Poppins Medium" panose="00000600000000000000" pitchFamily="2" charset="0"/>
               </a:rPr>
               <a:pPr/>
-              <a:t>22</a:t>
+              <a:t>26</a:t>
             </a:fld>
             <a:r>
               <a:rPr lang="de-DE" sz="1600">
@@ -12984,7 +16539,7 @@
 </p:sld>
 </file>
 
-<file path=ppt/slides/slide23.xml><?xml version="1.0" encoding="utf-8"?>
+<file path=ppt/slides/slide27.xml><?xml version="1.0" encoding="utf-8"?>
 <p:sld xmlns:a="http://schemas.openxmlformats.org/drawingml/2006/main" xmlns:r="http://schemas.openxmlformats.org/officeDocument/2006/relationships" xmlns:p="http://schemas.openxmlformats.org/presentationml/2006/main">
   <p:cSld>
     <p:spTree>
@@ -13024,6 +16579,9 @@
           <a:solidFill>
             <a:srgbClr val="002060"/>
           </a:solidFill>
+          <a:ln>
+            <a:noFill/>
+          </a:ln>
         </p:spPr>
         <p:style>
           <a:lnRef idx="2">
@@ -13239,7 +16797,7 @@
                 <a:cs typeface="Poppins Medium" panose="00000600000000000000" pitchFamily="2" charset="0"/>
               </a:rPr>
               <a:pPr/>
-              <a:t>23</a:t>
+              <a:t>27</a:t>
             </a:fld>
             <a:r>
               <a:rPr lang="de-DE" sz="1600">
@@ -13313,7 +16871,7 @@
 </p:sld>
 </file>
 
-<file path=ppt/slides/slide24.xml><?xml version="1.0" encoding="utf-8"?>
+<file path=ppt/slides/slide28.xml><?xml version="1.0" encoding="utf-8"?>
 <p:sld xmlns:a="http://schemas.openxmlformats.org/drawingml/2006/main" xmlns:r="http://schemas.openxmlformats.org/officeDocument/2006/relationships" xmlns:p="http://schemas.openxmlformats.org/presentationml/2006/main">
   <p:cSld>
     <p:spTree>
@@ -13353,6 +16911,9 @@
           <a:solidFill>
             <a:srgbClr val="002060"/>
           </a:solidFill>
+          <a:ln>
+            <a:noFill/>
+          </a:ln>
         </p:spPr>
         <p:style>
           <a:lnRef idx="2">
@@ -13564,7 +17125,7 @@
                 <a:cs typeface="Poppins Medium" panose="00000600000000000000" pitchFamily="2" charset="0"/>
               </a:rPr>
               <a:pPr/>
-              <a:t>24</a:t>
+              <a:t>28</a:t>
             </a:fld>
             <a:r>
               <a:rPr lang="de-DE" sz="1600">
@@ -15276,7 +18837,7 @@
                 <a:latin typeface="Poppins Medium" panose="00000600000000000000" pitchFamily="2" charset="0"/>
                 <a:cs typeface="Poppins Medium" panose="00000600000000000000" pitchFamily="2" charset="0"/>
               </a:rPr>
-              <a:t>, Feature, </a:t>
+              <a:t>, Feature)</a:t>
             </a:r>
           </a:p>
           <a:p>
@@ -15683,7 +19244,7 @@
                 <a:latin typeface="Poppins Medium" panose="00000600000000000000" pitchFamily="2" charset="0"/>
                 <a:cs typeface="Poppins Medium" panose="00000600000000000000" pitchFamily="2" charset="0"/>
               </a:rPr>
-              <a:t>Le release sono gestite direttamente dai sponsor principali del progetto.</a:t>
+              <a:t>Le release sono gestite direttamente dagli sponsor principali del progetto.</a:t>
             </a:r>
           </a:p>
           <a:p>

--- a/MTSSAssignment3.pptx
+++ b/MTSSAssignment3.pptx
@@ -5,7 +5,7 @@
     <p:sldMasterId id="2147483648" r:id="rId1"/>
   </p:sldMasterIdLst>
   <p:notesMasterIdLst>
-    <p:notesMasterId r:id="rId30"/>
+    <p:notesMasterId r:id="rId32"/>
   </p:notesMasterIdLst>
   <p:sldIdLst>
     <p:sldId id="257" r:id="rId2"/>
@@ -31,11 +31,13 @@
     <p:sldId id="323" r:id="rId22"/>
     <p:sldId id="324" r:id="rId23"/>
     <p:sldId id="322" r:id="rId24"/>
-    <p:sldId id="325" r:id="rId25"/>
-    <p:sldId id="307" r:id="rId26"/>
-    <p:sldId id="308" r:id="rId27"/>
-    <p:sldId id="309" r:id="rId28"/>
-    <p:sldId id="284" r:id="rId29"/>
+    <p:sldId id="326" r:id="rId25"/>
+    <p:sldId id="328" r:id="rId26"/>
+    <p:sldId id="329" r:id="rId27"/>
+    <p:sldId id="307" r:id="rId28"/>
+    <p:sldId id="308" r:id="rId29"/>
+    <p:sldId id="309" r:id="rId30"/>
+    <p:sldId id="284" r:id="rId31"/>
   </p:sldIdLst>
   <p:sldSz cx="12192000" cy="6858000"/>
   <p:notesSz cx="6858000" cy="9144000"/>
@@ -224,7 +226,7 @@
           <a:p>
             <a:fld id="{EFB7D28E-7638-40DD-9951-FAEDC6EFEA2A}" type="datetimeFigureOut">
               <a:rPr lang="it-IT" smtClean="0"/>
-              <a:t>07/06/2022</a:t>
+              <a:t>08/06/2022</a:t>
             </a:fld>
             <a:endParaRPr lang="it-IT"/>
           </a:p>
@@ -1405,7 +1407,7 @@
     </p:spTree>
     <p:extLst>
       <p:ext uri="{BB962C8B-B14F-4D97-AF65-F5344CB8AC3E}">
-        <p14:creationId xmlns:p14="http://schemas.microsoft.com/office/powerpoint/2010/main" val="2592366959"/>
+        <p14:creationId xmlns:p14="http://schemas.microsoft.com/office/powerpoint/2010/main" val="2656800793"/>
       </p:ext>
     </p:extLst>
   </p:cSld>
@@ -1490,6 +1492,174 @@
     <p:extLst>
       <p:ext uri="{BB962C8B-B14F-4D97-AF65-F5344CB8AC3E}">
         <p14:creationId xmlns:p14="http://schemas.microsoft.com/office/powerpoint/2010/main" val="3746452285"/>
+      </p:ext>
+    </p:extLst>
+  </p:cSld>
+  <p:clrMapOvr>
+    <a:masterClrMapping/>
+  </p:clrMapOvr>
+</p:notes>
+</file>
+
+<file path=ppt/notesSlides/notesSlide20.xml><?xml version="1.0" encoding="utf-8"?>
+<p:notes xmlns:a="http://schemas.openxmlformats.org/drawingml/2006/main" xmlns:r="http://schemas.openxmlformats.org/officeDocument/2006/relationships" xmlns:p="http://schemas.openxmlformats.org/presentationml/2006/main">
+  <p:cSld>
+    <p:spTree>
+      <p:nvGrpSpPr>
+        <p:cNvPr id="1" name=""/>
+        <p:cNvGrpSpPr/>
+        <p:nvPr/>
+      </p:nvGrpSpPr>
+      <p:grpSpPr>
+        <a:xfrm>
+          <a:off x="0" y="0"/>
+          <a:ext cx="0" cy="0"/>
+          <a:chOff x="0" y="0"/>
+          <a:chExt cx="0" cy="0"/>
+        </a:xfrm>
+      </p:grpSpPr>
+      <p:sp>
+        <p:nvSpPr>
+          <p:cNvPr id="2" name="Segnaposto immagine diapositiva 1"/>
+          <p:cNvSpPr>
+            <a:spLocks noGrp="1" noRot="1" noChangeAspect="1"/>
+          </p:cNvSpPr>
+          <p:nvPr>
+            <p:ph type="sldImg"/>
+          </p:nvPr>
+        </p:nvSpPr>
+        <p:spPr/>
+      </p:sp>
+      <p:sp>
+        <p:nvSpPr>
+          <p:cNvPr id="3" name="Segnaposto note 2"/>
+          <p:cNvSpPr>
+            <a:spLocks noGrp="1"/>
+          </p:cNvSpPr>
+          <p:nvPr>
+            <p:ph type="body" idx="1"/>
+          </p:nvPr>
+        </p:nvSpPr>
+        <p:spPr/>
+        <p:txBody>
+          <a:bodyPr/>
+          <a:lstStyle/>
+          <a:p>
+            <a:endParaRPr lang="it-IT"/>
+          </a:p>
+        </p:txBody>
+      </p:sp>
+      <p:sp>
+        <p:nvSpPr>
+          <p:cNvPr id="4" name="Segnaposto numero diapositiva 3"/>
+          <p:cNvSpPr>
+            <a:spLocks noGrp="1"/>
+          </p:cNvSpPr>
+          <p:nvPr>
+            <p:ph type="sldNum" sz="quarter" idx="5"/>
+          </p:nvPr>
+        </p:nvSpPr>
+        <p:spPr/>
+        <p:txBody>
+          <a:bodyPr/>
+          <a:lstStyle/>
+          <a:p>
+            <a:fld id="{0BC78E95-8A02-4863-86BC-3BDFF2A12A63}" type="slidenum">
+              <a:rPr lang="it-IT" smtClean="0"/>
+              <a:t>25</a:t>
+            </a:fld>
+            <a:endParaRPr lang="it-IT"/>
+          </a:p>
+        </p:txBody>
+      </p:sp>
+    </p:spTree>
+    <p:extLst>
+      <p:ext uri="{BB962C8B-B14F-4D97-AF65-F5344CB8AC3E}">
+        <p14:creationId xmlns:p14="http://schemas.microsoft.com/office/powerpoint/2010/main" val="973311620"/>
+      </p:ext>
+    </p:extLst>
+  </p:cSld>
+  <p:clrMapOvr>
+    <a:masterClrMapping/>
+  </p:clrMapOvr>
+</p:notes>
+</file>
+
+<file path=ppt/notesSlides/notesSlide21.xml><?xml version="1.0" encoding="utf-8"?>
+<p:notes xmlns:a="http://schemas.openxmlformats.org/drawingml/2006/main" xmlns:r="http://schemas.openxmlformats.org/officeDocument/2006/relationships" xmlns:p="http://schemas.openxmlformats.org/presentationml/2006/main">
+  <p:cSld>
+    <p:spTree>
+      <p:nvGrpSpPr>
+        <p:cNvPr id="1" name=""/>
+        <p:cNvGrpSpPr/>
+        <p:nvPr/>
+      </p:nvGrpSpPr>
+      <p:grpSpPr>
+        <a:xfrm>
+          <a:off x="0" y="0"/>
+          <a:ext cx="0" cy="0"/>
+          <a:chOff x="0" y="0"/>
+          <a:chExt cx="0" cy="0"/>
+        </a:xfrm>
+      </p:grpSpPr>
+      <p:sp>
+        <p:nvSpPr>
+          <p:cNvPr id="2" name="Segnaposto immagine diapositiva 1"/>
+          <p:cNvSpPr>
+            <a:spLocks noGrp="1" noRot="1" noChangeAspect="1"/>
+          </p:cNvSpPr>
+          <p:nvPr>
+            <p:ph type="sldImg"/>
+          </p:nvPr>
+        </p:nvSpPr>
+        <p:spPr/>
+      </p:sp>
+      <p:sp>
+        <p:nvSpPr>
+          <p:cNvPr id="3" name="Segnaposto note 2"/>
+          <p:cNvSpPr>
+            <a:spLocks noGrp="1"/>
+          </p:cNvSpPr>
+          <p:nvPr>
+            <p:ph type="body" idx="1"/>
+          </p:nvPr>
+        </p:nvSpPr>
+        <p:spPr/>
+        <p:txBody>
+          <a:bodyPr/>
+          <a:lstStyle/>
+          <a:p>
+            <a:endParaRPr lang="it-IT"/>
+          </a:p>
+        </p:txBody>
+      </p:sp>
+      <p:sp>
+        <p:nvSpPr>
+          <p:cNvPr id="4" name="Segnaposto numero diapositiva 3"/>
+          <p:cNvSpPr>
+            <a:spLocks noGrp="1"/>
+          </p:cNvSpPr>
+          <p:nvPr>
+            <p:ph type="sldNum" sz="quarter" idx="5"/>
+          </p:nvPr>
+        </p:nvSpPr>
+        <p:spPr/>
+        <p:txBody>
+          <a:bodyPr/>
+          <a:lstStyle/>
+          <a:p>
+            <a:fld id="{0BC78E95-8A02-4863-86BC-3BDFF2A12A63}" type="slidenum">
+              <a:rPr lang="it-IT" smtClean="0"/>
+              <a:t>26</a:t>
+            </a:fld>
+            <a:endParaRPr lang="it-IT"/>
+          </a:p>
+        </p:txBody>
+      </p:sp>
+    </p:spTree>
+    <p:extLst>
+      <p:ext uri="{BB962C8B-B14F-4D97-AF65-F5344CB8AC3E}">
+        <p14:creationId xmlns:p14="http://schemas.microsoft.com/office/powerpoint/2010/main" val="2527015562"/>
       </p:ext>
     </p:extLst>
   </p:cSld>
@@ -2234,7 +2404,7 @@
           <a:p>
             <a:fld id="{F5AF2708-59DE-4D08-9295-20056C9D5A6B}" type="datetimeFigureOut">
               <a:rPr lang="it-IT" smtClean="0"/>
-              <a:t>07/06/2022</a:t>
+              <a:t>08/06/2022</a:t>
             </a:fld>
             <a:endParaRPr lang="it-IT"/>
           </a:p>
@@ -2432,7 +2602,7 @@
           <a:p>
             <a:fld id="{F5AF2708-59DE-4D08-9295-20056C9D5A6B}" type="datetimeFigureOut">
               <a:rPr lang="it-IT" smtClean="0"/>
-              <a:t>07/06/2022</a:t>
+              <a:t>08/06/2022</a:t>
             </a:fld>
             <a:endParaRPr lang="it-IT"/>
           </a:p>
@@ -2640,7 +2810,7 @@
           <a:p>
             <a:fld id="{F5AF2708-59DE-4D08-9295-20056C9D5A6B}" type="datetimeFigureOut">
               <a:rPr lang="it-IT" smtClean="0"/>
-              <a:t>07/06/2022</a:t>
+              <a:t>08/06/2022</a:t>
             </a:fld>
             <a:endParaRPr lang="it-IT"/>
           </a:p>
@@ -2838,7 +3008,7 @@
           <a:p>
             <a:fld id="{F5AF2708-59DE-4D08-9295-20056C9D5A6B}" type="datetimeFigureOut">
               <a:rPr lang="it-IT" smtClean="0"/>
-              <a:t>07/06/2022</a:t>
+              <a:t>08/06/2022</a:t>
             </a:fld>
             <a:endParaRPr lang="it-IT"/>
           </a:p>
@@ -3113,7 +3283,7 @@
           <a:p>
             <a:fld id="{F5AF2708-59DE-4D08-9295-20056C9D5A6B}" type="datetimeFigureOut">
               <a:rPr lang="it-IT" smtClean="0"/>
-              <a:t>07/06/2022</a:t>
+              <a:t>08/06/2022</a:t>
             </a:fld>
             <a:endParaRPr lang="it-IT"/>
           </a:p>
@@ -3378,7 +3548,7 @@
           <a:p>
             <a:fld id="{F5AF2708-59DE-4D08-9295-20056C9D5A6B}" type="datetimeFigureOut">
               <a:rPr lang="it-IT" smtClean="0"/>
-              <a:t>07/06/2022</a:t>
+              <a:t>08/06/2022</a:t>
             </a:fld>
             <a:endParaRPr lang="it-IT"/>
           </a:p>
@@ -3790,7 +3960,7 @@
           <a:p>
             <a:fld id="{F5AF2708-59DE-4D08-9295-20056C9D5A6B}" type="datetimeFigureOut">
               <a:rPr lang="it-IT" smtClean="0"/>
-              <a:t>07/06/2022</a:t>
+              <a:t>08/06/2022</a:t>
             </a:fld>
             <a:endParaRPr lang="it-IT"/>
           </a:p>
@@ -3931,7 +4101,7 @@
           <a:p>
             <a:fld id="{F5AF2708-59DE-4D08-9295-20056C9D5A6B}" type="datetimeFigureOut">
               <a:rPr lang="it-IT" smtClean="0"/>
-              <a:t>07/06/2022</a:t>
+              <a:t>08/06/2022</a:t>
             </a:fld>
             <a:endParaRPr lang="it-IT"/>
           </a:p>
@@ -4044,7 +4214,7 @@
           <a:p>
             <a:fld id="{F5AF2708-59DE-4D08-9295-20056C9D5A6B}" type="datetimeFigureOut">
               <a:rPr lang="it-IT" smtClean="0"/>
-              <a:t>07/06/2022</a:t>
+              <a:t>08/06/2022</a:t>
             </a:fld>
             <a:endParaRPr lang="it-IT"/>
           </a:p>
@@ -4355,7 +4525,7 @@
           <a:p>
             <a:fld id="{F5AF2708-59DE-4D08-9295-20056C9D5A6B}" type="datetimeFigureOut">
               <a:rPr lang="it-IT" smtClean="0"/>
-              <a:t>07/06/2022</a:t>
+              <a:t>08/06/2022</a:t>
             </a:fld>
             <a:endParaRPr lang="it-IT"/>
           </a:p>
@@ -4643,7 +4813,7 @@
           <a:p>
             <a:fld id="{F5AF2708-59DE-4D08-9295-20056C9D5A6B}" type="datetimeFigureOut">
               <a:rPr lang="it-IT" smtClean="0"/>
-              <a:t>07/06/2022</a:t>
+              <a:t>08/06/2022</a:t>
             </a:fld>
             <a:endParaRPr lang="it-IT"/>
           </a:p>
@@ -4884,7 +5054,7 @@
           <a:p>
             <a:fld id="{F5AF2708-59DE-4D08-9295-20056C9D5A6B}" type="datetimeFigureOut">
               <a:rPr lang="it-IT" smtClean="0"/>
-              <a:t>07/06/2022</a:t>
+              <a:t>08/06/2022</a:t>
             </a:fld>
             <a:endParaRPr lang="it-IT"/>
           </a:p>
@@ -13163,7 +13333,7 @@
         <p:spPr>
           <a:xfrm>
             <a:off x="466928" y="1303506"/>
-            <a:ext cx="10373353" cy="1815882"/>
+            <a:ext cx="11740715" cy="3539430"/>
           </a:xfrm>
           <a:prstGeom prst="rect">
             <a:avLst/>
@@ -13171,7 +13341,7 @@
           <a:noFill/>
         </p:spPr>
         <p:txBody>
-          <a:bodyPr wrap="none" rtlCol="0">
+          <a:bodyPr wrap="square" rtlCol="0">
             <a:spAutoFit/>
           </a:bodyPr>
           <a:lstStyle/>
@@ -13185,8 +13355,70 @@
                 <a:latin typeface="Poppins Medium" panose="00000600000000000000" pitchFamily="2" charset="0"/>
                 <a:cs typeface="Poppins Medium" panose="00000600000000000000" pitchFamily="2" charset="0"/>
               </a:rPr>
-              <a:t>Il testing del codice utilizza le librerie Jasmine e Karma</a:t>
-            </a:r>
+              <a:t>Per il testing, il progetto utilizza le librerie:</a:t>
+            </a:r>
+          </a:p>
+          <a:p>
+            <a:r>
+              <a:rPr lang="it-IT" sz="2800" dirty="0">
+                <a:latin typeface="Poppins Medium" panose="00000600000000000000" pitchFamily="2" charset="0"/>
+                <a:cs typeface="Poppins Medium" panose="00000600000000000000" pitchFamily="2" charset="0"/>
+              </a:rPr>
+              <a:t>Jasmine, Karma e </a:t>
+            </a:r>
+            <a:r>
+              <a:rPr lang="it-IT" sz="2800" dirty="0" err="1">
+                <a:latin typeface="Poppins Medium" panose="00000600000000000000" pitchFamily="2" charset="0"/>
+                <a:cs typeface="Poppins Medium" panose="00000600000000000000" pitchFamily="2" charset="0"/>
+              </a:rPr>
+              <a:t>Vitest</a:t>
+            </a:r>
+            <a:endParaRPr lang="it-IT" sz="2800" dirty="0">
+              <a:latin typeface="Poppins Medium" panose="00000600000000000000" pitchFamily="2" charset="0"/>
+              <a:cs typeface="Poppins Medium" panose="00000600000000000000" pitchFamily="2" charset="0"/>
+            </a:endParaRPr>
+          </a:p>
+          <a:p>
+            <a:r>
+              <a:rPr lang="it-IT" sz="2800" dirty="0">
+                <a:latin typeface="Poppins Medium" panose="00000600000000000000" pitchFamily="2" charset="0"/>
+                <a:cs typeface="Poppins Medium" panose="00000600000000000000" pitchFamily="2" charset="0"/>
+                <a:hlinkClick r:id="rId3"/>
+              </a:rPr>
+              <a:t>https://jasmine.github.io/</a:t>
+            </a:r>
+            <a:endParaRPr lang="it-IT" sz="2800" dirty="0">
+              <a:latin typeface="Poppins Medium" panose="00000600000000000000" pitchFamily="2" charset="0"/>
+              <a:cs typeface="Poppins Medium" panose="00000600000000000000" pitchFamily="2" charset="0"/>
+            </a:endParaRPr>
+          </a:p>
+          <a:p>
+            <a:r>
+              <a:rPr lang="it-IT" sz="2800" dirty="0">
+                <a:latin typeface="Poppins Medium" panose="00000600000000000000" pitchFamily="2" charset="0"/>
+                <a:cs typeface="Poppins Medium" panose="00000600000000000000" pitchFamily="2" charset="0"/>
+                <a:hlinkClick r:id="rId4"/>
+              </a:rPr>
+              <a:t>https://karma-runner.github.io/latest/index.html</a:t>
+            </a:r>
+            <a:endParaRPr lang="it-IT" sz="2800" dirty="0">
+              <a:latin typeface="Poppins Medium" panose="00000600000000000000" pitchFamily="2" charset="0"/>
+              <a:cs typeface="Poppins Medium" panose="00000600000000000000" pitchFamily="2" charset="0"/>
+            </a:endParaRPr>
+          </a:p>
+          <a:p>
+            <a:r>
+              <a:rPr lang="it-IT" sz="2800" dirty="0">
+                <a:latin typeface="Poppins Medium" panose="00000600000000000000" pitchFamily="2" charset="0"/>
+                <a:cs typeface="Poppins Medium" panose="00000600000000000000" pitchFamily="2" charset="0"/>
+                <a:hlinkClick r:id="rId5"/>
+              </a:rPr>
+              <a:t>https://vitest.dev/</a:t>
+            </a:r>
+            <a:endParaRPr lang="it-IT" sz="2800" dirty="0">
+              <a:latin typeface="Poppins Medium" panose="00000600000000000000" pitchFamily="2" charset="0"/>
+              <a:cs typeface="Poppins Medium" panose="00000600000000000000" pitchFamily="2" charset="0"/>
+            </a:endParaRPr>
           </a:p>
           <a:p>
             <a:pPr marL="285750" indent="-285750">
@@ -13292,7 +13524,7 @@
         </p:nvSpPr>
         <p:spPr>
           <a:xfrm>
-            <a:off x="1235412" y="3244334"/>
+            <a:off x="9552080" y="1397127"/>
             <a:ext cx="628442" cy="369332"/>
           </a:xfrm>
           <a:prstGeom prst="rect">
@@ -13330,8 +13562,8 @@
         </p:nvCxnSpPr>
         <p:spPr>
           <a:xfrm flipH="1">
-            <a:off x="1549632" y="3613666"/>
-            <a:ext cx="1" cy="2213202"/>
+            <a:off x="9863296" y="1766459"/>
+            <a:ext cx="3005" cy="1125480"/>
           </a:xfrm>
           <a:prstGeom prst="line">
             <a:avLst/>
@@ -13364,14 +13596,13 @@
           </p:cNvPr>
           <p:cNvCxnSpPr>
             <a:cxnSpLocks/>
-            <a:endCxn id="17" idx="1"/>
           </p:cNvCxnSpPr>
           <p:nvPr/>
         </p:nvCxnSpPr>
         <p:spPr>
           <a:xfrm>
-            <a:off x="1549633" y="3978613"/>
-            <a:ext cx="2287933" cy="0"/>
+            <a:off x="9880233" y="1970523"/>
+            <a:ext cx="544691" cy="0"/>
           </a:xfrm>
           <a:prstGeom prst="line">
             <a:avLst/>
@@ -13404,14 +13635,13 @@
           </p:cNvPr>
           <p:cNvCxnSpPr>
             <a:cxnSpLocks/>
-            <a:endCxn id="18" idx="1"/>
           </p:cNvCxnSpPr>
           <p:nvPr/>
         </p:nvCxnSpPr>
         <p:spPr>
-          <a:xfrm flipV="1">
-            <a:off x="1549633" y="4424165"/>
-            <a:ext cx="1631311" cy="8405"/>
+          <a:xfrm>
+            <a:off x="9852654" y="2230407"/>
+            <a:ext cx="406321" cy="0"/>
           </a:xfrm>
           <a:prstGeom prst="line">
             <a:avLst/>
@@ -13442,13 +13672,15 @@
               </a:ext>
             </a:extLst>
           </p:cNvPr>
-          <p:cNvCxnSpPr/>
+          <p:cNvCxnSpPr>
+            <a:cxnSpLocks/>
+          </p:cNvCxnSpPr>
           <p:nvPr/>
         </p:nvCxnSpPr>
         <p:spPr>
           <a:xfrm>
-            <a:off x="1549632" y="4832135"/>
-            <a:ext cx="843371" cy="0"/>
+            <a:off x="9880233" y="2479147"/>
+            <a:ext cx="219663" cy="0"/>
           </a:xfrm>
           <a:prstGeom prst="line">
             <a:avLst/>
@@ -13486,8 +13718,8 @@
         </p:nvCxnSpPr>
         <p:spPr>
           <a:xfrm>
-            <a:off x="1549632" y="5265905"/>
-            <a:ext cx="421685" cy="0"/>
+            <a:off x="9859410" y="2727888"/>
+            <a:ext cx="142934" cy="0"/>
           </a:xfrm>
           <a:prstGeom prst="line">
             <a:avLst/>
@@ -13523,7 +13755,7 @@
         </p:nvSpPr>
         <p:spPr>
           <a:xfrm>
-            <a:off x="3837566" y="3793947"/>
+            <a:off x="10405929" y="1745819"/>
             <a:ext cx="622286" cy="369332"/>
           </a:xfrm>
           <a:prstGeom prst="rect">
@@ -13558,7 +13790,7 @@
         </p:nvSpPr>
         <p:spPr>
           <a:xfrm>
-            <a:off x="3180944" y="4239499"/>
+            <a:off x="10258975" y="2034042"/>
             <a:ext cx="967765" cy="369332"/>
           </a:xfrm>
           <a:prstGeom prst="rect">
@@ -13597,7 +13829,7 @@
         </p:nvSpPr>
         <p:spPr>
           <a:xfrm>
-            <a:off x="2393003" y="4640254"/>
+            <a:off x="10063956" y="2271542"/>
             <a:ext cx="1175386" cy="369332"/>
           </a:xfrm>
           <a:prstGeom prst="rect">
@@ -13636,7 +13868,7 @@
         </p:nvSpPr>
         <p:spPr>
           <a:xfrm>
-            <a:off x="2015078" y="5069058"/>
+            <a:off x="9935008" y="2542284"/>
             <a:ext cx="647934" cy="369332"/>
           </a:xfrm>
           <a:prstGeom prst="rect">
@@ -13663,45 +13895,6 @@
       </p:sp>
       <p:pic>
         <p:nvPicPr>
-          <p:cNvPr id="23" name="Elemento grafico 22" descr="Elenco di controllo contorno">
-            <a:extLst>
-              <a:ext uri="{FF2B5EF4-FFF2-40B4-BE49-F238E27FC236}">
-                <a16:creationId xmlns:a16="http://schemas.microsoft.com/office/drawing/2014/main" id="{029415D0-505E-EED2-3AD9-C1D2B8C6EDE9}"/>
-              </a:ext>
-            </a:extLst>
-          </p:cNvPr>
-          <p:cNvPicPr>
-            <a:picLocks noChangeAspect="1"/>
-          </p:cNvPicPr>
-          <p:nvPr/>
-        </p:nvPicPr>
-        <p:blipFill>
-          <a:blip r:embed="rId3">
-            <a:extLst>
-              <a:ext uri="{28A0092B-C50C-407E-A947-70E740481C1C}">
-                <a14:useLocalDpi xmlns:a14="http://schemas.microsoft.com/office/drawing/2010/main" val="0"/>
-              </a:ext>
-              <a:ext uri="{96DAC541-7B7A-43D3-8B79-37D633B846F1}">
-                <asvg:svgBlip xmlns:asvg="http://schemas.microsoft.com/office/drawing/2016/SVG/main" r:embed="rId4"/>
-              </a:ext>
-            </a:extLst>
-          </a:blip>
-          <a:stretch>
-            <a:fillRect/>
-          </a:stretch>
-        </p:blipFill>
-        <p:spPr>
-          <a:xfrm>
-            <a:off x="4848874" y="3572024"/>
-            <a:ext cx="2133625" cy="2133625"/>
-          </a:xfrm>
-          <a:prstGeom prst="rect">
-            <a:avLst/>
-          </a:prstGeom>
-        </p:spPr>
-      </p:pic>
-      <p:pic>
-        <p:nvPicPr>
           <p:cNvPr id="1026" name="Picture 2" descr="Jasmine (JavaScript testing framework) - Wikipedia">
             <a:extLst>
               <a:ext uri="{FF2B5EF4-FFF2-40B4-BE49-F238E27FC236}">
@@ -13715,7 +13908,7 @@
           <p:nvPr/>
         </p:nvPicPr>
         <p:blipFill>
-          <a:blip r:embed="rId5">
+          <a:blip r:embed="rId6">
             <a:extLst>
               <a:ext uri="{28A0092B-C50C-407E-A947-70E740481C1C}">
                 <a14:useLocalDpi xmlns:a14="http://schemas.microsoft.com/office/drawing/2010/main" val="0"/>
@@ -13729,7 +13922,7 @@
         </p:blipFill>
         <p:spPr bwMode="auto">
           <a:xfrm>
-            <a:off x="7312004" y="4011770"/>
+            <a:off x="7744965" y="4741613"/>
             <a:ext cx="1259361" cy="1254135"/>
           </a:xfrm>
           <a:prstGeom prst="rect">
@@ -13762,7 +13955,7 @@
           <p:nvPr/>
         </p:nvPicPr>
         <p:blipFill rotWithShape="1">
-          <a:blip r:embed="rId6">
+          <a:blip r:embed="rId7">
             <a:extLst>
               <a:ext uri="{28A0092B-C50C-407E-A947-70E740481C1C}">
                 <a14:useLocalDpi xmlns:a14="http://schemas.microsoft.com/office/drawing/2010/main" val="0"/>
@@ -13774,8 +13967,8 @@
         </p:blipFill>
         <p:spPr bwMode="auto">
           <a:xfrm>
-            <a:off x="9048829" y="3688775"/>
-            <a:ext cx="2041692" cy="1733550"/>
+            <a:off x="9307619" y="4657363"/>
+            <a:ext cx="1868017" cy="1586087"/>
           </a:xfrm>
           <a:prstGeom prst="rect">
             <a:avLst/>
@@ -13790,6 +13983,42 @@
               </a14:hiddenFill>
             </a:ext>
           </a:extLst>
+        </p:spPr>
+      </p:pic>
+      <p:pic>
+        <p:nvPicPr>
+          <p:cNvPr id="1034" name="Immagine 1033">
+            <a:extLst>
+              <a:ext uri="{FF2B5EF4-FFF2-40B4-BE49-F238E27FC236}">
+                <a16:creationId xmlns:a16="http://schemas.microsoft.com/office/drawing/2014/main" id="{33D37673-4212-DD4B-F32F-3BAB40616A00}"/>
+              </a:ext>
+            </a:extLst>
+          </p:cNvPr>
+          <p:cNvPicPr>
+            <a:picLocks noChangeAspect="1"/>
+          </p:cNvPicPr>
+          <p:nvPr/>
+        </p:nvPicPr>
+        <p:blipFill>
+          <a:blip r:embed="rId8">
+            <a:extLst>
+              <a:ext uri="{28A0092B-C50C-407E-A947-70E740481C1C}">
+                <a14:useLocalDpi xmlns:a14="http://schemas.microsoft.com/office/drawing/2010/main" val="0"/>
+              </a:ext>
+            </a:extLst>
+          </a:blip>
+          <a:stretch>
+            <a:fillRect/>
+          </a:stretch>
+        </p:blipFill>
+        <p:spPr>
+          <a:xfrm>
+            <a:off x="5692736" y="4570537"/>
+            <a:ext cx="1486197" cy="1596286"/>
+          </a:xfrm>
+          <a:prstGeom prst="rect">
+            <a:avLst/>
+          </a:prstGeom>
         </p:spPr>
       </p:pic>
     </p:spTree>
@@ -15445,25 +15674,8 @@
                 <a:latin typeface="Poppins"/>
                 <a:cs typeface="Poppins"/>
               </a:rPr>
-              <a:t>Test </a:t>
-            </a:r>
-            <a:r>
-              <a:rPr lang="it-IT" sz="4000" b="1">
-                <a:solidFill>
-                  <a:schemeClr val="bg1"/>
-                </a:solidFill>
-                <a:latin typeface="Poppins"/>
-                <a:cs typeface="Poppins"/>
-              </a:rPr>
-              <a:t>di integrazione</a:t>
-            </a:r>
-            <a:endParaRPr lang="it-IT" sz="4000" b="1" dirty="0">
-              <a:solidFill>
-                <a:schemeClr val="bg1"/>
-              </a:solidFill>
-              <a:latin typeface="Poppins"/>
-              <a:cs typeface="Poppins"/>
-            </a:endParaRPr>
+              <a:t>Test End-to-End</a:t>
+            </a:r>
           </a:p>
         </p:txBody>
       </p:sp>
@@ -15718,7 +15930,7 @@
         <p:spPr>
           <a:xfrm>
             <a:off x="486383" y="1582158"/>
-            <a:ext cx="8682185" cy="954107"/>
+            <a:ext cx="11445762" cy="3539430"/>
           </a:xfrm>
           <a:prstGeom prst="rect">
             <a:avLst/>
@@ -15731,99 +15943,73 @@
           </a:bodyPr>
           <a:lstStyle/>
           <a:p>
-            <a:pPr marL="285750" indent="-285750">
-              <a:buFont typeface="Arial" panose="020B0604020202020204" pitchFamily="34" charset="0"/>
-              <a:buChar char="•"/>
-            </a:pPr>
             <a:r>
               <a:rPr lang="it-IT" sz="2800" dirty="0">
                 <a:latin typeface="Poppins Medium" panose="00000600000000000000" pitchFamily="2" charset="0"/>
                 <a:cs typeface="Poppins Medium" panose="00000600000000000000" pitchFamily="2" charset="0"/>
               </a:rPr>
-              <a:t>Suddivisi nelle cartelle </a:t>
-            </a:r>
-            <a:r>
-              <a:rPr lang="it-IT" sz="2800" b="1" dirty="0">
-                <a:latin typeface="Miriam Fixed" panose="020B0509050101010101" pitchFamily="49" charset="-79"/>
-                <a:cs typeface="Miriam Fixed" panose="020B0509050101010101" pitchFamily="49" charset="-79"/>
-              </a:rPr>
-              <a:t>\features</a:t>
-            </a:r>
+              <a:t>I test e2e si trovano nell’omonima cartella test/e2e.</a:t>
+            </a:r>
+          </a:p>
+          <a:p>
             <a:r>
               <a:rPr lang="it-IT" sz="2800" dirty="0">
                 <a:latin typeface="Poppins Medium" panose="00000600000000000000" pitchFamily="2" charset="0"/>
                 <a:cs typeface="Poppins Medium" panose="00000600000000000000" pitchFamily="2" charset="0"/>
               </a:rPr>
-              <a:t> e </a:t>
-            </a:r>
-            <a:r>
-              <a:rPr lang="it-IT" sz="2800" b="1" dirty="0">
-                <a:latin typeface="Miriam Fixed" panose="020B0509050101010101" pitchFamily="49" charset="-79"/>
-                <a:cs typeface="Miriam Fixed" panose="020B0509050101010101" pitchFamily="49" charset="-79"/>
-              </a:rPr>
-              <a:t>\</a:t>
-            </a:r>
-            <a:r>
-              <a:rPr lang="it-IT" sz="2800" b="1" dirty="0" err="1">
-                <a:latin typeface="Miriam Fixed" panose="020B0509050101010101" pitchFamily="49" charset="-79"/>
-                <a:cs typeface="Miriam Fixed" panose="020B0509050101010101" pitchFamily="49" charset="-79"/>
-              </a:rPr>
-              <a:t>modules</a:t>
-            </a:r>
-            <a:endParaRPr lang="it-IT" sz="2800" b="1" dirty="0">
-              <a:latin typeface="Miriam Fixed" panose="020B0509050101010101" pitchFamily="49" charset="-79"/>
-              <a:cs typeface="Miriam Fixed" panose="020B0509050101010101" pitchFamily="49" charset="-79"/>
+              <a:t>I test e2e cercano di simulare l’uso del prodotto vero e proprio.</a:t>
+            </a:r>
+          </a:p>
+          <a:p>
+            <a:r>
+              <a:rPr lang="it-IT" sz="2800" dirty="0">
+                <a:latin typeface="Poppins Medium" panose="00000600000000000000" pitchFamily="2" charset="0"/>
+                <a:cs typeface="Poppins Medium" panose="00000600000000000000" pitchFamily="2" charset="0"/>
+              </a:rPr>
+              <a:t>Nonostante il costo maggiore di questa tipologia di test sono</a:t>
+            </a:r>
+          </a:p>
+          <a:p>
+            <a:r>
+              <a:rPr lang="it-IT" sz="2800" dirty="0">
+                <a:latin typeface="Poppins Medium" panose="00000600000000000000" pitchFamily="2" charset="0"/>
+                <a:cs typeface="Poppins Medium" panose="00000600000000000000" pitchFamily="2" charset="0"/>
+              </a:rPr>
+              <a:t>anche coloro che forniscono il maggior valore aggiunto.</a:t>
+            </a:r>
+          </a:p>
+          <a:p>
+            <a:endParaRPr lang="it-IT" sz="2800" dirty="0">
+              <a:latin typeface="Poppins Medium" panose="00000600000000000000" pitchFamily="2" charset="0"/>
+              <a:cs typeface="Poppins Medium" panose="00000600000000000000" pitchFamily="2" charset="0"/>
             </a:endParaRPr>
           </a:p>
           <a:p>
-            <a:pPr marL="285750" indent="-285750">
-              <a:buFont typeface="Arial" panose="020B0604020202020204" pitchFamily="34" charset="0"/>
-              <a:buChar char="•"/>
-            </a:pPr>
-            <a:r>
-              <a:rPr lang="it-IT" sz="2800" dirty="0">
-                <a:latin typeface="Poppins Medium" panose="00000600000000000000" pitchFamily="2" charset="0"/>
-                <a:cs typeface="Poppins Medium" panose="00000600000000000000" pitchFamily="2" charset="0"/>
-              </a:rPr>
-              <a:t>Seguono il pattern AAA (</a:t>
-            </a:r>
-            <a:r>
-              <a:rPr lang="it-IT" sz="2800" dirty="0" err="1">
-                <a:latin typeface="Poppins Medium" panose="00000600000000000000" pitchFamily="2" charset="0"/>
-                <a:cs typeface="Poppins Medium" panose="00000600000000000000" pitchFamily="2" charset="0"/>
-              </a:rPr>
-              <a:t>Arrange</a:t>
-            </a:r>
-            <a:r>
-              <a:rPr lang="it-IT" sz="2800" dirty="0">
-                <a:latin typeface="Poppins Medium" panose="00000600000000000000" pitchFamily="2" charset="0"/>
-                <a:cs typeface="Poppins Medium" panose="00000600000000000000" pitchFamily="2" charset="0"/>
-              </a:rPr>
-              <a:t> Act </a:t>
-            </a:r>
-            <a:r>
-              <a:rPr lang="it-IT" sz="2800" dirty="0" err="1">
-                <a:latin typeface="Poppins Medium" panose="00000600000000000000" pitchFamily="2" charset="0"/>
-                <a:cs typeface="Poppins Medium" panose="00000600000000000000" pitchFamily="2" charset="0"/>
-              </a:rPr>
-              <a:t>Assert</a:t>
-            </a:r>
-            <a:r>
-              <a:rPr lang="it-IT" sz="2800" dirty="0">
-                <a:latin typeface="Poppins Medium" panose="00000600000000000000" pitchFamily="2" charset="0"/>
-                <a:cs typeface="Poppins Medium" panose="00000600000000000000" pitchFamily="2" charset="0"/>
-              </a:rPr>
-              <a:t>)</a:t>
-            </a:r>
+            <a:endParaRPr lang="it-IT" sz="2800" dirty="0">
+              <a:latin typeface="Poppins Medium" panose="00000600000000000000" pitchFamily="2" charset="0"/>
+              <a:cs typeface="Poppins Medium" panose="00000600000000000000" pitchFamily="2" charset="0"/>
+            </a:endParaRPr>
+          </a:p>
+          <a:p>
+            <a:endParaRPr lang="it-IT" sz="2800" dirty="0">
+              <a:latin typeface="Poppins Medium" panose="00000600000000000000" pitchFamily="2" charset="0"/>
+              <a:cs typeface="Poppins Medium" panose="00000600000000000000" pitchFamily="2" charset="0"/>
+            </a:endParaRPr>
+          </a:p>
+          <a:p>
+            <a:endParaRPr lang="it-IT" sz="2800" dirty="0">
+              <a:latin typeface="Poppins Medium" panose="00000600000000000000" pitchFamily="2" charset="0"/>
+              <a:cs typeface="Poppins Medium" panose="00000600000000000000" pitchFamily="2" charset="0"/>
+            </a:endParaRPr>
           </a:p>
         </p:txBody>
       </p:sp>
       <p:pic>
         <p:nvPicPr>
-          <p:cNvPr id="4" name="Immagine 3" descr="Immagine che contiene testo&#10;&#10;Descrizione generata automaticamente">
-            <a:extLst>
-              <a:ext uri="{FF2B5EF4-FFF2-40B4-BE49-F238E27FC236}">
-                <a16:creationId xmlns:a16="http://schemas.microsoft.com/office/drawing/2014/main" id="{9186C85A-FBD8-E413-A97D-4ABF177FFCA9}"/>
+          <p:cNvPr id="3" name="Immagine 2">
+            <a:extLst>
+              <a:ext uri="{FF2B5EF4-FFF2-40B4-BE49-F238E27FC236}">
+                <a16:creationId xmlns:a16="http://schemas.microsoft.com/office/drawing/2014/main" id="{D2AE6519-83BD-D8AC-9416-404D2648B6DC}"/>
               </a:ext>
             </a:extLst>
           </p:cNvPr>
@@ -15846,68 +16032,18 @@
         </p:blipFill>
         <p:spPr>
           <a:xfrm>
-            <a:off x="1344555" y="3083532"/>
-            <a:ext cx="5791702" cy="1531753"/>
+            <a:off x="4114593" y="3612629"/>
+            <a:ext cx="3955725" cy="2578829"/>
           </a:xfrm>
           <a:prstGeom prst="rect">
             <a:avLst/>
           </a:prstGeom>
         </p:spPr>
       </p:pic>
-      <p:pic>
-        <p:nvPicPr>
-          <p:cNvPr id="2050" name="Picture 2" descr="What is Unit Testing? An Introduction to Unit Testing - TestLodge Blog">
-            <a:extLst>
-              <a:ext uri="{FF2B5EF4-FFF2-40B4-BE49-F238E27FC236}">
-                <a16:creationId xmlns:a16="http://schemas.microsoft.com/office/drawing/2014/main" id="{9E374E79-900E-8085-7875-A975E51BAC68}"/>
-              </a:ext>
-            </a:extLst>
-          </p:cNvPr>
-          <p:cNvPicPr>
-            <a:picLocks noChangeAspect="1" noChangeArrowheads="1"/>
-          </p:cNvPicPr>
-          <p:nvPr/>
-        </p:nvPicPr>
-        <p:blipFill>
-          <a:blip r:embed="rId4">
-            <a:extLst>
-              <a:ext uri="{28A0092B-C50C-407E-A947-70E740481C1C}">
-                <a14:useLocalDpi xmlns:a14="http://schemas.microsoft.com/office/drawing/2010/main" val="0"/>
-              </a:ext>
-            </a:extLst>
-          </a:blip>
-          <a:srcRect/>
-          <a:stretch>
-            <a:fillRect/>
-          </a:stretch>
-        </p:blipFill>
-        <p:spPr bwMode="auto">
-          <a:xfrm>
-            <a:off x="8021327" y="3504574"/>
-            <a:ext cx="3112998" cy="1634324"/>
-          </a:xfrm>
-          <a:prstGeom prst="rect">
-            <a:avLst/>
-          </a:prstGeom>
-          <a:noFill/>
-          <a:effectLst>
-            <a:softEdge rad="63500"/>
-          </a:effectLst>
-          <a:extLst>
-            <a:ext uri="{909E8E84-426E-40DD-AFC4-6F175D3DCCD1}">
-              <a14:hiddenFill xmlns:a14="http://schemas.microsoft.com/office/drawing/2010/main">
-                <a:solidFill>
-                  <a:srgbClr val="FFFFFF"/>
-                </a:solidFill>
-              </a14:hiddenFill>
-            </a:ext>
-          </a:extLst>
-        </p:spPr>
-      </p:pic>
     </p:spTree>
     <p:extLst>
       <p:ext uri="{BB962C8B-B14F-4D97-AF65-F5344CB8AC3E}">
-        <p14:creationId xmlns:p14="http://schemas.microsoft.com/office/powerpoint/2010/main" val="1092453689"/>
+        <p14:creationId xmlns:p14="http://schemas.microsoft.com/office/powerpoint/2010/main" val="1855751596"/>
       </p:ext>
     </p:extLst>
   </p:cSld>
@@ -15918,6 +16054,1223 @@
 </file>
 
 <file path=ppt/slides/slide25.xml><?xml version="1.0" encoding="utf-8"?>
+<p:sld xmlns:a="http://schemas.openxmlformats.org/drawingml/2006/main" xmlns:r="http://schemas.openxmlformats.org/officeDocument/2006/relationships" xmlns:p="http://schemas.openxmlformats.org/presentationml/2006/main">
+  <p:cSld>
+    <p:spTree>
+      <p:nvGrpSpPr>
+        <p:cNvPr id="1" name=""/>
+        <p:cNvGrpSpPr/>
+        <p:nvPr/>
+      </p:nvGrpSpPr>
+      <p:grpSpPr>
+        <a:xfrm>
+          <a:off x="0" y="0"/>
+          <a:ext cx="0" cy="0"/>
+          <a:chOff x="0" y="0"/>
+          <a:chExt cx="0" cy="0"/>
+        </a:xfrm>
+      </p:grpSpPr>
+      <p:sp>
+        <p:nvSpPr>
+          <p:cNvPr id="25" name="Segnaposto data 24">
+            <a:extLst>
+              <a:ext uri="{FF2B5EF4-FFF2-40B4-BE49-F238E27FC236}">
+                <a16:creationId xmlns:a16="http://schemas.microsoft.com/office/drawing/2014/main" id="{115DF917-AC48-486A-81F6-CF2DBBF5CD89}"/>
+              </a:ext>
+            </a:extLst>
+          </p:cNvPr>
+          <p:cNvSpPr>
+            <a:spLocks noGrp="1"/>
+          </p:cNvSpPr>
+          <p:nvPr>
+            <p:ph type="dt" sz="half" idx="10"/>
+          </p:nvPr>
+        </p:nvSpPr>
+        <p:spPr/>
+        <p:txBody>
+          <a:bodyPr/>
+          <a:lstStyle/>
+          <a:p>
+            <a:r>
+              <a:rPr lang="it-IT" sz="1600">
+                <a:solidFill>
+                  <a:schemeClr val="tx1"/>
+                </a:solidFill>
+                <a:latin typeface="Poppins Medium" panose="00000600000000000000" pitchFamily="2" charset="0"/>
+                <a:cs typeface="Poppins Medium" panose="00000600000000000000" pitchFamily="2" charset="0"/>
+              </a:rPr>
+              <a:t>31 Maggio 2022</a:t>
+            </a:r>
+            <a:endParaRPr lang="de-DE" sz="1600">
+              <a:solidFill>
+                <a:schemeClr val="tx1"/>
+              </a:solidFill>
+              <a:latin typeface="Poppins Medium" panose="00000600000000000000" pitchFamily="2" charset="0"/>
+              <a:cs typeface="Poppins Medium" panose="00000600000000000000" pitchFamily="2" charset="0"/>
+            </a:endParaRPr>
+          </a:p>
+        </p:txBody>
+      </p:sp>
+      <p:sp>
+        <p:nvSpPr>
+          <p:cNvPr id="27" name="Segnaposto numero diapositiva 26">
+            <a:extLst>
+              <a:ext uri="{FF2B5EF4-FFF2-40B4-BE49-F238E27FC236}">
+                <a16:creationId xmlns:a16="http://schemas.microsoft.com/office/drawing/2014/main" id="{F9C2EE25-215B-477C-AC6E-D2639B7A24B6}"/>
+              </a:ext>
+            </a:extLst>
+          </p:cNvPr>
+          <p:cNvSpPr>
+            <a:spLocks noGrp="1"/>
+          </p:cNvSpPr>
+          <p:nvPr>
+            <p:ph type="sldNum" sz="quarter" idx="12"/>
+          </p:nvPr>
+        </p:nvSpPr>
+        <p:spPr/>
+        <p:txBody>
+          <a:bodyPr/>
+          <a:lstStyle/>
+          <a:p>
+            <a:fld id="{66CD45B7-DFE2-4393-8D37-380FC36BF3AA}" type="slidenum">
+              <a:rPr lang="de-DE" sz="1600" smtClean="0">
+                <a:solidFill>
+                  <a:schemeClr val="tx1"/>
+                </a:solidFill>
+                <a:latin typeface="Poppins Medium" panose="00000600000000000000" pitchFamily="2" charset="0"/>
+                <a:cs typeface="Poppins Medium" panose="00000600000000000000" pitchFamily="2" charset="0"/>
+              </a:rPr>
+              <a:t>25</a:t>
+            </a:fld>
+            <a:r>
+              <a:rPr lang="de-DE" sz="1600">
+                <a:solidFill>
+                  <a:schemeClr val="tx1"/>
+                </a:solidFill>
+                <a:latin typeface="Poppins Medium" panose="00000600000000000000" pitchFamily="2" charset="0"/>
+                <a:cs typeface="Poppins Medium" panose="00000600000000000000" pitchFamily="2" charset="0"/>
+              </a:rPr>
+              <a:t>/16</a:t>
+            </a:r>
+          </a:p>
+        </p:txBody>
+      </p:sp>
+      <p:sp>
+        <p:nvSpPr>
+          <p:cNvPr id="12" name="Rettangolo 11">
+            <a:extLst>
+              <a:ext uri="{FF2B5EF4-FFF2-40B4-BE49-F238E27FC236}">
+                <a16:creationId xmlns:a16="http://schemas.microsoft.com/office/drawing/2014/main" id="{F0FAD030-2623-A89C-4FA1-55CE81C0AE08}"/>
+              </a:ext>
+            </a:extLst>
+          </p:cNvPr>
+          <p:cNvSpPr/>
+          <p:nvPr/>
+        </p:nvSpPr>
+        <p:spPr>
+          <a:xfrm>
+            <a:off x="0" y="0"/>
+            <a:ext cx="12184913" cy="1034891"/>
+          </a:xfrm>
+          <a:prstGeom prst="rect">
+            <a:avLst/>
+          </a:prstGeom>
+          <a:solidFill>
+            <a:srgbClr val="002060"/>
+          </a:solidFill>
+          <a:ln>
+            <a:noFill/>
+          </a:ln>
+        </p:spPr>
+        <p:style>
+          <a:lnRef idx="2">
+            <a:schemeClr val="accent3">
+              <a:shade val="50000"/>
+            </a:schemeClr>
+          </a:lnRef>
+          <a:fillRef idx="1">
+            <a:schemeClr val="accent3"/>
+          </a:fillRef>
+          <a:effectRef idx="0">
+            <a:schemeClr val="accent3"/>
+          </a:effectRef>
+          <a:fontRef idx="minor">
+            <a:schemeClr val="lt1"/>
+          </a:fontRef>
+        </p:style>
+        <p:txBody>
+          <a:bodyPr rtlCol="0" anchor="ctr"/>
+          <a:lstStyle/>
+          <a:p>
+            <a:pPr algn="ctr"/>
+            <a:endParaRPr lang="it-IT"/>
+          </a:p>
+        </p:txBody>
+      </p:sp>
+      <p:sp>
+        <p:nvSpPr>
+          <p:cNvPr id="13" name="Titolo 1">
+            <a:extLst>
+              <a:ext uri="{FF2B5EF4-FFF2-40B4-BE49-F238E27FC236}">
+                <a16:creationId xmlns:a16="http://schemas.microsoft.com/office/drawing/2014/main" id="{A0F14F07-00BE-A130-44A5-463A5F98673C}"/>
+              </a:ext>
+            </a:extLst>
+          </p:cNvPr>
+          <p:cNvSpPr>
+            <a:spLocks noGrp="1"/>
+          </p:cNvSpPr>
+          <p:nvPr>
+            <p:ph type="title"/>
+          </p:nvPr>
+        </p:nvSpPr>
+        <p:spPr>
+          <a:xfrm>
+            <a:off x="272535" y="163591"/>
+            <a:ext cx="10176803" cy="707708"/>
+          </a:xfrm>
+        </p:spPr>
+        <p:txBody>
+          <a:bodyPr anchor="b">
+            <a:normAutofit/>
+          </a:bodyPr>
+          <a:lstStyle/>
+          <a:p>
+            <a:r>
+              <a:rPr lang="it-IT" sz="4000" b="1" dirty="0">
+                <a:solidFill>
+                  <a:schemeClr val="bg1"/>
+                </a:solidFill>
+                <a:latin typeface="Poppins"/>
+                <a:cs typeface="Poppins"/>
+              </a:rPr>
+              <a:t>Smoke Test</a:t>
+            </a:r>
+          </a:p>
+        </p:txBody>
+      </p:sp>
+      <p:sp>
+        <p:nvSpPr>
+          <p:cNvPr id="8" name="Segnaposto contenuto 6">
+            <a:extLst>
+              <a:ext uri="{FF2B5EF4-FFF2-40B4-BE49-F238E27FC236}">
+                <a16:creationId xmlns:a16="http://schemas.microsoft.com/office/drawing/2014/main" id="{F832EED3-9182-E3BD-D2D5-1723AFD8A0BD}"/>
+              </a:ext>
+            </a:extLst>
+          </p:cNvPr>
+          <p:cNvSpPr txBox="1">
+            <a:spLocks/>
+          </p:cNvSpPr>
+          <p:nvPr/>
+        </p:nvSpPr>
+        <p:spPr>
+          <a:xfrm>
+            <a:off x="834656" y="2005012"/>
+            <a:ext cx="10515600" cy="4351338"/>
+          </a:xfrm>
+          <a:prstGeom prst="rect">
+            <a:avLst/>
+          </a:prstGeom>
+        </p:spPr>
+        <p:txBody>
+          <a:bodyPr vert="horz" lIns="91440" tIns="45720" rIns="91440" bIns="45720" rtlCol="0">
+            <a:normAutofit/>
+          </a:bodyPr>
+          <a:lstStyle>
+            <a:lvl1pPr marL="228600" indent="-228600" algn="l" defTabSz="914400" rtl="0" eaLnBrk="1" latinLnBrk="0" hangingPunct="1">
+              <a:lnSpc>
+                <a:spcPct val="90000"/>
+              </a:lnSpc>
+              <a:spcBef>
+                <a:spcPts val="1000"/>
+              </a:spcBef>
+              <a:buFont typeface="Arial" panose="020B0604020202020204" pitchFamily="34" charset="0"/>
+              <a:buChar char="•"/>
+              <a:defRPr sz="2800" kern="1200">
+                <a:solidFill>
+                  <a:schemeClr val="tx1"/>
+                </a:solidFill>
+                <a:latin typeface="+mn-lt"/>
+                <a:ea typeface="+mn-ea"/>
+                <a:cs typeface="+mn-cs"/>
+              </a:defRPr>
+            </a:lvl1pPr>
+            <a:lvl2pPr marL="685800" indent="-228600" algn="l" defTabSz="914400" rtl="0" eaLnBrk="1" latinLnBrk="0" hangingPunct="1">
+              <a:lnSpc>
+                <a:spcPct val="90000"/>
+              </a:lnSpc>
+              <a:spcBef>
+                <a:spcPts val="500"/>
+              </a:spcBef>
+              <a:buFont typeface="Arial" panose="020B0604020202020204" pitchFamily="34" charset="0"/>
+              <a:buChar char="•"/>
+              <a:defRPr sz="2400" kern="1200">
+                <a:solidFill>
+                  <a:schemeClr val="tx1"/>
+                </a:solidFill>
+                <a:latin typeface="+mn-lt"/>
+                <a:ea typeface="+mn-ea"/>
+                <a:cs typeface="+mn-cs"/>
+              </a:defRPr>
+            </a:lvl2pPr>
+            <a:lvl3pPr marL="1143000" indent="-228600" algn="l" defTabSz="914400" rtl="0" eaLnBrk="1" latinLnBrk="0" hangingPunct="1">
+              <a:lnSpc>
+                <a:spcPct val="90000"/>
+              </a:lnSpc>
+              <a:spcBef>
+                <a:spcPts val="500"/>
+              </a:spcBef>
+              <a:buFont typeface="Arial" panose="020B0604020202020204" pitchFamily="34" charset="0"/>
+              <a:buChar char="•"/>
+              <a:defRPr sz="2000" kern="1200">
+                <a:solidFill>
+                  <a:schemeClr val="tx1"/>
+                </a:solidFill>
+                <a:latin typeface="+mn-lt"/>
+                <a:ea typeface="+mn-ea"/>
+                <a:cs typeface="+mn-cs"/>
+              </a:defRPr>
+            </a:lvl3pPr>
+            <a:lvl4pPr marL="1600200" indent="-228600" algn="l" defTabSz="914400" rtl="0" eaLnBrk="1" latinLnBrk="0" hangingPunct="1">
+              <a:lnSpc>
+                <a:spcPct val="90000"/>
+              </a:lnSpc>
+              <a:spcBef>
+                <a:spcPts val="500"/>
+              </a:spcBef>
+              <a:buFont typeface="Arial" panose="020B0604020202020204" pitchFamily="34" charset="0"/>
+              <a:buChar char="•"/>
+              <a:defRPr sz="1800" kern="1200">
+                <a:solidFill>
+                  <a:schemeClr val="tx1"/>
+                </a:solidFill>
+                <a:latin typeface="+mn-lt"/>
+                <a:ea typeface="+mn-ea"/>
+                <a:cs typeface="+mn-cs"/>
+              </a:defRPr>
+            </a:lvl4pPr>
+            <a:lvl5pPr marL="2057400" indent="-228600" algn="l" defTabSz="914400" rtl="0" eaLnBrk="1" latinLnBrk="0" hangingPunct="1">
+              <a:lnSpc>
+                <a:spcPct val="90000"/>
+              </a:lnSpc>
+              <a:spcBef>
+                <a:spcPts val="500"/>
+              </a:spcBef>
+              <a:buFont typeface="Arial" panose="020B0604020202020204" pitchFamily="34" charset="0"/>
+              <a:buChar char="•"/>
+              <a:defRPr sz="1800" kern="1200">
+                <a:solidFill>
+                  <a:schemeClr val="tx1"/>
+                </a:solidFill>
+                <a:latin typeface="+mn-lt"/>
+                <a:ea typeface="+mn-ea"/>
+                <a:cs typeface="+mn-cs"/>
+              </a:defRPr>
+            </a:lvl5pPr>
+            <a:lvl6pPr marL="2514600" indent="-228600" algn="l" defTabSz="914400" rtl="0" eaLnBrk="1" latinLnBrk="0" hangingPunct="1">
+              <a:lnSpc>
+                <a:spcPct val="90000"/>
+              </a:lnSpc>
+              <a:spcBef>
+                <a:spcPts val="500"/>
+              </a:spcBef>
+              <a:buFont typeface="Arial" panose="020B0604020202020204" pitchFamily="34" charset="0"/>
+              <a:buChar char="•"/>
+              <a:defRPr sz="1800" kern="1200">
+                <a:solidFill>
+                  <a:schemeClr val="tx1"/>
+                </a:solidFill>
+                <a:latin typeface="+mn-lt"/>
+                <a:ea typeface="+mn-ea"/>
+                <a:cs typeface="+mn-cs"/>
+              </a:defRPr>
+            </a:lvl6pPr>
+            <a:lvl7pPr marL="2971800" indent="-228600" algn="l" defTabSz="914400" rtl="0" eaLnBrk="1" latinLnBrk="0" hangingPunct="1">
+              <a:lnSpc>
+                <a:spcPct val="90000"/>
+              </a:lnSpc>
+              <a:spcBef>
+                <a:spcPts val="500"/>
+              </a:spcBef>
+              <a:buFont typeface="Arial" panose="020B0604020202020204" pitchFamily="34" charset="0"/>
+              <a:buChar char="•"/>
+              <a:defRPr sz="1800" kern="1200">
+                <a:solidFill>
+                  <a:schemeClr val="tx1"/>
+                </a:solidFill>
+                <a:latin typeface="+mn-lt"/>
+                <a:ea typeface="+mn-ea"/>
+                <a:cs typeface="+mn-cs"/>
+              </a:defRPr>
+            </a:lvl7pPr>
+            <a:lvl8pPr marL="3429000" indent="-228600" algn="l" defTabSz="914400" rtl="0" eaLnBrk="1" latinLnBrk="0" hangingPunct="1">
+              <a:lnSpc>
+                <a:spcPct val="90000"/>
+              </a:lnSpc>
+              <a:spcBef>
+                <a:spcPts val="500"/>
+              </a:spcBef>
+              <a:buFont typeface="Arial" panose="020B0604020202020204" pitchFamily="34" charset="0"/>
+              <a:buChar char="•"/>
+              <a:defRPr sz="1800" kern="1200">
+                <a:solidFill>
+                  <a:schemeClr val="tx1"/>
+                </a:solidFill>
+                <a:latin typeface="+mn-lt"/>
+                <a:ea typeface="+mn-ea"/>
+                <a:cs typeface="+mn-cs"/>
+              </a:defRPr>
+            </a:lvl8pPr>
+            <a:lvl9pPr marL="3886200" indent="-228600" algn="l" defTabSz="914400" rtl="0" eaLnBrk="1" latinLnBrk="0" hangingPunct="1">
+              <a:lnSpc>
+                <a:spcPct val="90000"/>
+              </a:lnSpc>
+              <a:spcBef>
+                <a:spcPts val="500"/>
+              </a:spcBef>
+              <a:buFont typeface="Arial" panose="020B0604020202020204" pitchFamily="34" charset="0"/>
+              <a:buChar char="•"/>
+              <a:defRPr sz="1800" kern="1200">
+                <a:solidFill>
+                  <a:schemeClr val="tx1"/>
+                </a:solidFill>
+                <a:latin typeface="+mn-lt"/>
+                <a:ea typeface="+mn-ea"/>
+                <a:cs typeface="+mn-cs"/>
+              </a:defRPr>
+            </a:lvl9pPr>
+          </a:lstStyle>
+          <a:p>
+            <a:pPr marL="0" indent="0">
+              <a:buFont typeface="Arial" panose="020B0604020202020204" pitchFamily="34" charset="0"/>
+              <a:buNone/>
+            </a:pPr>
+            <a:endParaRPr lang="it-IT" sz="2400" dirty="0">
+              <a:latin typeface="Poppins Medium" panose="00000600000000000000" pitchFamily="2" charset="0"/>
+              <a:cs typeface="Poppins Medium" panose="00000600000000000000" pitchFamily="2" charset="0"/>
+            </a:endParaRPr>
+          </a:p>
+          <a:p>
+            <a:pPr marL="0" indent="0">
+              <a:buFont typeface="Arial" panose="020B0604020202020204" pitchFamily="34" charset="0"/>
+              <a:buNone/>
+            </a:pPr>
+            <a:endParaRPr lang="it-IT" sz="2400" dirty="0">
+              <a:latin typeface="Poppins Medium" panose="00000600000000000000" pitchFamily="2" charset="0"/>
+              <a:cs typeface="Poppins Medium" panose="00000600000000000000" pitchFamily="2" charset="0"/>
+            </a:endParaRPr>
+          </a:p>
+          <a:p>
+            <a:pPr marL="0" indent="0">
+              <a:buFont typeface="Arial" panose="020B0604020202020204" pitchFamily="34" charset="0"/>
+              <a:buNone/>
+            </a:pPr>
+            <a:endParaRPr lang="it-IT" sz="2400" dirty="0">
+              <a:latin typeface="Poppins Medium" panose="00000600000000000000" pitchFamily="2" charset="0"/>
+              <a:cs typeface="Poppins Medium" panose="00000600000000000000" pitchFamily="2" charset="0"/>
+            </a:endParaRPr>
+          </a:p>
+          <a:p>
+            <a:pPr marL="0" indent="0">
+              <a:buFont typeface="Arial" panose="020B0604020202020204" pitchFamily="34" charset="0"/>
+              <a:buNone/>
+            </a:pPr>
+            <a:endParaRPr lang="it-IT" dirty="0">
+              <a:solidFill>
+                <a:schemeClr val="accent1">
+                  <a:lumMod val="75000"/>
+                </a:schemeClr>
+              </a:solidFill>
+            </a:endParaRPr>
+          </a:p>
+        </p:txBody>
+      </p:sp>
+      <p:sp>
+        <p:nvSpPr>
+          <p:cNvPr id="10" name="CasellaDiTesto 9">
+            <a:extLst>
+              <a:ext uri="{FF2B5EF4-FFF2-40B4-BE49-F238E27FC236}">
+                <a16:creationId xmlns:a16="http://schemas.microsoft.com/office/drawing/2014/main" id="{A7CDDB9E-ADE5-C99D-F37A-B5643C4976DA}"/>
+              </a:ext>
+            </a:extLst>
+          </p:cNvPr>
+          <p:cNvSpPr txBox="1"/>
+          <p:nvPr/>
+        </p:nvSpPr>
+        <p:spPr>
+          <a:xfrm>
+            <a:off x="486383" y="1582158"/>
+            <a:ext cx="11490758" cy="5262979"/>
+          </a:xfrm>
+          <a:prstGeom prst="rect">
+            <a:avLst/>
+          </a:prstGeom>
+          <a:noFill/>
+        </p:spPr>
+        <p:txBody>
+          <a:bodyPr wrap="square" rtlCol="0">
+            <a:spAutoFit/>
+          </a:bodyPr>
+          <a:lstStyle/>
+          <a:p>
+            <a:r>
+              <a:rPr lang="it-IT" sz="2800" dirty="0">
+                <a:latin typeface="Poppins Medium" panose="00000600000000000000" pitchFamily="2" charset="0"/>
+                <a:cs typeface="Poppins Medium" panose="00000600000000000000" pitchFamily="2" charset="0"/>
+              </a:rPr>
+              <a:t>Si ipotizza che uno strumento adatto agli smoke test di questo progetto potrebbe essere la libreria Nightmare.js.</a:t>
+            </a:r>
+          </a:p>
+          <a:p>
+            <a:endParaRPr lang="it-IT" sz="2800" dirty="0">
+              <a:latin typeface="Poppins Medium" panose="00000600000000000000" pitchFamily="2" charset="0"/>
+              <a:cs typeface="Poppins Medium" panose="00000600000000000000" pitchFamily="2" charset="0"/>
+            </a:endParaRPr>
+          </a:p>
+          <a:p>
+            <a:r>
+              <a:rPr lang="it-IT" sz="2800" dirty="0">
+                <a:latin typeface="Poppins Medium" panose="00000600000000000000" pitchFamily="2" charset="0"/>
+                <a:cs typeface="Poppins Medium" panose="00000600000000000000" pitchFamily="2" charset="0"/>
+              </a:rPr>
+              <a:t>In questo modo si possono testare le funzionalità di base del progetto a costi ridotti, riducendo significativamente anche il tempo di build, seguendo la filosofia del </a:t>
+            </a:r>
+            <a:r>
+              <a:rPr lang="it-IT" sz="2800" dirty="0" err="1">
+                <a:latin typeface="Poppins Medium" panose="00000600000000000000" pitchFamily="2" charset="0"/>
+                <a:cs typeface="Poppins Medium" panose="00000600000000000000" pitchFamily="2" charset="0"/>
+              </a:rPr>
+              <a:t>Fail</a:t>
+            </a:r>
+            <a:r>
+              <a:rPr lang="it-IT" sz="2800" dirty="0">
+                <a:latin typeface="Poppins Medium" panose="00000600000000000000" pitchFamily="2" charset="0"/>
+                <a:cs typeface="Poppins Medium" panose="00000600000000000000" pitchFamily="2" charset="0"/>
+              </a:rPr>
+              <a:t>-Fast.</a:t>
+            </a:r>
+          </a:p>
+          <a:p>
+            <a:endParaRPr lang="it-IT" sz="2800" dirty="0">
+              <a:latin typeface="Poppins Medium" panose="00000600000000000000" pitchFamily="2" charset="0"/>
+              <a:cs typeface="Poppins Medium" panose="00000600000000000000" pitchFamily="2" charset="0"/>
+            </a:endParaRPr>
+          </a:p>
+          <a:p>
+            <a:endParaRPr lang="it-IT" sz="2800" dirty="0">
+              <a:latin typeface="Poppins Medium" panose="00000600000000000000" pitchFamily="2" charset="0"/>
+              <a:cs typeface="Poppins Medium" panose="00000600000000000000" pitchFamily="2" charset="0"/>
+              <a:hlinkClick r:id="rId3"/>
+            </a:endParaRPr>
+          </a:p>
+          <a:p>
+            <a:endParaRPr lang="it-IT" sz="2800" dirty="0">
+              <a:latin typeface="Poppins Medium" panose="00000600000000000000" pitchFamily="2" charset="0"/>
+              <a:cs typeface="Poppins Medium" panose="00000600000000000000" pitchFamily="2" charset="0"/>
+              <a:hlinkClick r:id="rId3"/>
+            </a:endParaRPr>
+          </a:p>
+          <a:p>
+            <a:endParaRPr lang="it-IT" sz="2800" dirty="0">
+              <a:latin typeface="Poppins Medium" panose="00000600000000000000" pitchFamily="2" charset="0"/>
+              <a:cs typeface="Poppins Medium" panose="00000600000000000000" pitchFamily="2" charset="0"/>
+              <a:hlinkClick r:id="rId3"/>
+            </a:endParaRPr>
+          </a:p>
+          <a:p>
+            <a:r>
+              <a:rPr lang="it-IT" sz="2800" dirty="0">
+                <a:latin typeface="Poppins Medium" panose="00000600000000000000" pitchFamily="2" charset="0"/>
+                <a:cs typeface="Poppins Medium" panose="00000600000000000000" pitchFamily="2" charset="0"/>
+                <a:hlinkClick r:id="rId3"/>
+              </a:rPr>
+              <a:t>https://github.com/segmentio/nightmare</a:t>
+            </a:r>
+            <a:endParaRPr lang="it-IT" sz="2800" dirty="0">
+              <a:latin typeface="Poppins Medium" panose="00000600000000000000" pitchFamily="2" charset="0"/>
+              <a:cs typeface="Poppins Medium" panose="00000600000000000000" pitchFamily="2" charset="0"/>
+            </a:endParaRPr>
+          </a:p>
+          <a:p>
+            <a:endParaRPr lang="it-IT" sz="2800" dirty="0">
+              <a:latin typeface="Poppins Medium" panose="00000600000000000000" pitchFamily="2" charset="0"/>
+              <a:cs typeface="Poppins Medium" panose="00000600000000000000" pitchFamily="2" charset="0"/>
+            </a:endParaRPr>
+          </a:p>
+        </p:txBody>
+      </p:sp>
+      <p:pic>
+        <p:nvPicPr>
+          <p:cNvPr id="3" name="Immagine 2" descr="Immagine che contiene testo&#10;&#10;Descrizione generata automaticamente">
+            <a:extLst>
+              <a:ext uri="{FF2B5EF4-FFF2-40B4-BE49-F238E27FC236}">
+                <a16:creationId xmlns:a16="http://schemas.microsoft.com/office/drawing/2014/main" id="{A0A57119-60F8-4D61-B062-97E3CE5E0084}"/>
+              </a:ext>
+            </a:extLst>
+          </p:cNvPr>
+          <p:cNvPicPr>
+            <a:picLocks noChangeAspect="1"/>
+          </p:cNvPicPr>
+          <p:nvPr/>
+        </p:nvPicPr>
+        <p:blipFill>
+          <a:blip r:embed="rId4">
+            <a:extLst>
+              <a:ext uri="{28A0092B-C50C-407E-A947-70E740481C1C}">
+                <a14:useLocalDpi xmlns:a14="http://schemas.microsoft.com/office/drawing/2010/main" val="0"/>
+              </a:ext>
+            </a:extLst>
+          </a:blip>
+          <a:stretch>
+            <a:fillRect/>
+          </a:stretch>
+        </p:blipFill>
+        <p:spPr>
+          <a:xfrm>
+            <a:off x="4444071" y="4500930"/>
+            <a:ext cx="3575381" cy="1095161"/>
+          </a:xfrm>
+          <a:prstGeom prst="rect">
+            <a:avLst/>
+          </a:prstGeom>
+        </p:spPr>
+      </p:pic>
+    </p:spTree>
+    <p:extLst>
+      <p:ext uri="{BB962C8B-B14F-4D97-AF65-F5344CB8AC3E}">
+        <p14:creationId xmlns:p14="http://schemas.microsoft.com/office/powerpoint/2010/main" val="3565709114"/>
+      </p:ext>
+    </p:extLst>
+  </p:cSld>
+  <p:clrMapOvr>
+    <a:masterClrMapping/>
+  </p:clrMapOvr>
+</p:sld>
+</file>
+
+<file path=ppt/slides/slide26.xml><?xml version="1.0" encoding="utf-8"?>
+<p:sld xmlns:a="http://schemas.openxmlformats.org/drawingml/2006/main" xmlns:r="http://schemas.openxmlformats.org/officeDocument/2006/relationships" xmlns:p="http://schemas.openxmlformats.org/presentationml/2006/main">
+  <p:cSld>
+    <p:spTree>
+      <p:nvGrpSpPr>
+        <p:cNvPr id="1" name=""/>
+        <p:cNvGrpSpPr/>
+        <p:nvPr/>
+      </p:nvGrpSpPr>
+      <p:grpSpPr>
+        <a:xfrm>
+          <a:off x="0" y="0"/>
+          <a:ext cx="0" cy="0"/>
+          <a:chOff x="0" y="0"/>
+          <a:chExt cx="0" cy="0"/>
+        </a:xfrm>
+      </p:grpSpPr>
+      <p:sp>
+        <p:nvSpPr>
+          <p:cNvPr id="25" name="Segnaposto data 24">
+            <a:extLst>
+              <a:ext uri="{FF2B5EF4-FFF2-40B4-BE49-F238E27FC236}">
+                <a16:creationId xmlns:a16="http://schemas.microsoft.com/office/drawing/2014/main" id="{115DF917-AC48-486A-81F6-CF2DBBF5CD89}"/>
+              </a:ext>
+            </a:extLst>
+          </p:cNvPr>
+          <p:cNvSpPr>
+            <a:spLocks noGrp="1"/>
+          </p:cNvSpPr>
+          <p:nvPr>
+            <p:ph type="dt" sz="half" idx="10"/>
+          </p:nvPr>
+        </p:nvSpPr>
+        <p:spPr/>
+        <p:txBody>
+          <a:bodyPr/>
+          <a:lstStyle/>
+          <a:p>
+            <a:r>
+              <a:rPr lang="it-IT" sz="1600">
+                <a:solidFill>
+                  <a:schemeClr val="tx1"/>
+                </a:solidFill>
+                <a:latin typeface="Poppins Medium" panose="00000600000000000000" pitchFamily="2" charset="0"/>
+                <a:cs typeface="Poppins Medium" panose="00000600000000000000" pitchFamily="2" charset="0"/>
+              </a:rPr>
+              <a:t>31 Maggio 2022</a:t>
+            </a:r>
+            <a:endParaRPr lang="de-DE" sz="1600">
+              <a:solidFill>
+                <a:schemeClr val="tx1"/>
+              </a:solidFill>
+              <a:latin typeface="Poppins Medium" panose="00000600000000000000" pitchFamily="2" charset="0"/>
+              <a:cs typeface="Poppins Medium" panose="00000600000000000000" pitchFamily="2" charset="0"/>
+            </a:endParaRPr>
+          </a:p>
+        </p:txBody>
+      </p:sp>
+      <p:sp>
+        <p:nvSpPr>
+          <p:cNvPr id="27" name="Segnaposto numero diapositiva 26">
+            <a:extLst>
+              <a:ext uri="{FF2B5EF4-FFF2-40B4-BE49-F238E27FC236}">
+                <a16:creationId xmlns:a16="http://schemas.microsoft.com/office/drawing/2014/main" id="{F9C2EE25-215B-477C-AC6E-D2639B7A24B6}"/>
+              </a:ext>
+            </a:extLst>
+          </p:cNvPr>
+          <p:cNvSpPr>
+            <a:spLocks noGrp="1"/>
+          </p:cNvSpPr>
+          <p:nvPr>
+            <p:ph type="sldNum" sz="quarter" idx="12"/>
+          </p:nvPr>
+        </p:nvSpPr>
+        <p:spPr/>
+        <p:txBody>
+          <a:bodyPr/>
+          <a:lstStyle/>
+          <a:p>
+            <a:fld id="{66CD45B7-DFE2-4393-8D37-380FC36BF3AA}" type="slidenum">
+              <a:rPr lang="de-DE" sz="1600" smtClean="0">
+                <a:solidFill>
+                  <a:schemeClr val="tx1"/>
+                </a:solidFill>
+                <a:latin typeface="Poppins Medium" panose="00000600000000000000" pitchFamily="2" charset="0"/>
+                <a:cs typeface="Poppins Medium" panose="00000600000000000000" pitchFamily="2" charset="0"/>
+              </a:rPr>
+              <a:t>26</a:t>
+            </a:fld>
+            <a:r>
+              <a:rPr lang="de-DE" sz="1600">
+                <a:solidFill>
+                  <a:schemeClr val="tx1"/>
+                </a:solidFill>
+                <a:latin typeface="Poppins Medium" panose="00000600000000000000" pitchFamily="2" charset="0"/>
+                <a:cs typeface="Poppins Medium" panose="00000600000000000000" pitchFamily="2" charset="0"/>
+              </a:rPr>
+              <a:t>/16</a:t>
+            </a:r>
+          </a:p>
+        </p:txBody>
+      </p:sp>
+      <p:sp>
+        <p:nvSpPr>
+          <p:cNvPr id="12" name="Rettangolo 11">
+            <a:extLst>
+              <a:ext uri="{FF2B5EF4-FFF2-40B4-BE49-F238E27FC236}">
+                <a16:creationId xmlns:a16="http://schemas.microsoft.com/office/drawing/2014/main" id="{F0FAD030-2623-A89C-4FA1-55CE81C0AE08}"/>
+              </a:ext>
+            </a:extLst>
+          </p:cNvPr>
+          <p:cNvSpPr/>
+          <p:nvPr/>
+        </p:nvSpPr>
+        <p:spPr>
+          <a:xfrm>
+            <a:off x="0" y="0"/>
+            <a:ext cx="12184913" cy="1034891"/>
+          </a:xfrm>
+          <a:prstGeom prst="rect">
+            <a:avLst/>
+          </a:prstGeom>
+          <a:solidFill>
+            <a:srgbClr val="002060"/>
+          </a:solidFill>
+          <a:ln>
+            <a:noFill/>
+          </a:ln>
+        </p:spPr>
+        <p:style>
+          <a:lnRef idx="2">
+            <a:schemeClr val="accent3">
+              <a:shade val="50000"/>
+            </a:schemeClr>
+          </a:lnRef>
+          <a:fillRef idx="1">
+            <a:schemeClr val="accent3"/>
+          </a:fillRef>
+          <a:effectRef idx="0">
+            <a:schemeClr val="accent3"/>
+          </a:effectRef>
+          <a:fontRef idx="minor">
+            <a:schemeClr val="lt1"/>
+          </a:fontRef>
+        </p:style>
+        <p:txBody>
+          <a:bodyPr rtlCol="0" anchor="ctr"/>
+          <a:lstStyle/>
+          <a:p>
+            <a:pPr algn="ctr"/>
+            <a:endParaRPr lang="it-IT"/>
+          </a:p>
+        </p:txBody>
+      </p:sp>
+      <p:sp>
+        <p:nvSpPr>
+          <p:cNvPr id="13" name="Titolo 1">
+            <a:extLst>
+              <a:ext uri="{FF2B5EF4-FFF2-40B4-BE49-F238E27FC236}">
+                <a16:creationId xmlns:a16="http://schemas.microsoft.com/office/drawing/2014/main" id="{A0F14F07-00BE-A130-44A5-463A5F98673C}"/>
+              </a:ext>
+            </a:extLst>
+          </p:cNvPr>
+          <p:cNvSpPr>
+            <a:spLocks noGrp="1"/>
+          </p:cNvSpPr>
+          <p:nvPr>
+            <p:ph type="title"/>
+          </p:nvPr>
+        </p:nvSpPr>
+        <p:spPr>
+          <a:xfrm>
+            <a:off x="272535" y="163591"/>
+            <a:ext cx="10176803" cy="707708"/>
+          </a:xfrm>
+        </p:spPr>
+        <p:txBody>
+          <a:bodyPr anchor="b">
+            <a:normAutofit/>
+          </a:bodyPr>
+          <a:lstStyle/>
+          <a:p>
+            <a:r>
+              <a:rPr lang="it-IT" sz="4000" b="1" dirty="0">
+                <a:solidFill>
+                  <a:schemeClr val="bg1"/>
+                </a:solidFill>
+                <a:latin typeface="Poppins"/>
+                <a:cs typeface="Poppins"/>
+              </a:rPr>
+              <a:t>Copertura</a:t>
+            </a:r>
+          </a:p>
+        </p:txBody>
+      </p:sp>
+      <p:sp>
+        <p:nvSpPr>
+          <p:cNvPr id="8" name="Segnaposto contenuto 6">
+            <a:extLst>
+              <a:ext uri="{FF2B5EF4-FFF2-40B4-BE49-F238E27FC236}">
+                <a16:creationId xmlns:a16="http://schemas.microsoft.com/office/drawing/2014/main" id="{F832EED3-9182-E3BD-D2D5-1723AFD8A0BD}"/>
+              </a:ext>
+            </a:extLst>
+          </p:cNvPr>
+          <p:cNvSpPr txBox="1">
+            <a:spLocks/>
+          </p:cNvSpPr>
+          <p:nvPr/>
+        </p:nvSpPr>
+        <p:spPr>
+          <a:xfrm>
+            <a:off x="834656" y="2005012"/>
+            <a:ext cx="10515600" cy="4351338"/>
+          </a:xfrm>
+          <a:prstGeom prst="rect">
+            <a:avLst/>
+          </a:prstGeom>
+        </p:spPr>
+        <p:txBody>
+          <a:bodyPr vert="horz" lIns="91440" tIns="45720" rIns="91440" bIns="45720" rtlCol="0">
+            <a:normAutofit/>
+          </a:bodyPr>
+          <a:lstStyle>
+            <a:lvl1pPr marL="228600" indent="-228600" algn="l" defTabSz="914400" rtl="0" eaLnBrk="1" latinLnBrk="0" hangingPunct="1">
+              <a:lnSpc>
+                <a:spcPct val="90000"/>
+              </a:lnSpc>
+              <a:spcBef>
+                <a:spcPts val="1000"/>
+              </a:spcBef>
+              <a:buFont typeface="Arial" panose="020B0604020202020204" pitchFamily="34" charset="0"/>
+              <a:buChar char="•"/>
+              <a:defRPr sz="2800" kern="1200">
+                <a:solidFill>
+                  <a:schemeClr val="tx1"/>
+                </a:solidFill>
+                <a:latin typeface="+mn-lt"/>
+                <a:ea typeface="+mn-ea"/>
+                <a:cs typeface="+mn-cs"/>
+              </a:defRPr>
+            </a:lvl1pPr>
+            <a:lvl2pPr marL="685800" indent="-228600" algn="l" defTabSz="914400" rtl="0" eaLnBrk="1" latinLnBrk="0" hangingPunct="1">
+              <a:lnSpc>
+                <a:spcPct val="90000"/>
+              </a:lnSpc>
+              <a:spcBef>
+                <a:spcPts val="500"/>
+              </a:spcBef>
+              <a:buFont typeface="Arial" panose="020B0604020202020204" pitchFamily="34" charset="0"/>
+              <a:buChar char="•"/>
+              <a:defRPr sz="2400" kern="1200">
+                <a:solidFill>
+                  <a:schemeClr val="tx1"/>
+                </a:solidFill>
+                <a:latin typeface="+mn-lt"/>
+                <a:ea typeface="+mn-ea"/>
+                <a:cs typeface="+mn-cs"/>
+              </a:defRPr>
+            </a:lvl2pPr>
+            <a:lvl3pPr marL="1143000" indent="-228600" algn="l" defTabSz="914400" rtl="0" eaLnBrk="1" latinLnBrk="0" hangingPunct="1">
+              <a:lnSpc>
+                <a:spcPct val="90000"/>
+              </a:lnSpc>
+              <a:spcBef>
+                <a:spcPts val="500"/>
+              </a:spcBef>
+              <a:buFont typeface="Arial" panose="020B0604020202020204" pitchFamily="34" charset="0"/>
+              <a:buChar char="•"/>
+              <a:defRPr sz="2000" kern="1200">
+                <a:solidFill>
+                  <a:schemeClr val="tx1"/>
+                </a:solidFill>
+                <a:latin typeface="+mn-lt"/>
+                <a:ea typeface="+mn-ea"/>
+                <a:cs typeface="+mn-cs"/>
+              </a:defRPr>
+            </a:lvl3pPr>
+            <a:lvl4pPr marL="1600200" indent="-228600" algn="l" defTabSz="914400" rtl="0" eaLnBrk="1" latinLnBrk="0" hangingPunct="1">
+              <a:lnSpc>
+                <a:spcPct val="90000"/>
+              </a:lnSpc>
+              <a:spcBef>
+                <a:spcPts val="500"/>
+              </a:spcBef>
+              <a:buFont typeface="Arial" panose="020B0604020202020204" pitchFamily="34" charset="0"/>
+              <a:buChar char="•"/>
+              <a:defRPr sz="1800" kern="1200">
+                <a:solidFill>
+                  <a:schemeClr val="tx1"/>
+                </a:solidFill>
+                <a:latin typeface="+mn-lt"/>
+                <a:ea typeface="+mn-ea"/>
+                <a:cs typeface="+mn-cs"/>
+              </a:defRPr>
+            </a:lvl4pPr>
+            <a:lvl5pPr marL="2057400" indent="-228600" algn="l" defTabSz="914400" rtl="0" eaLnBrk="1" latinLnBrk="0" hangingPunct="1">
+              <a:lnSpc>
+                <a:spcPct val="90000"/>
+              </a:lnSpc>
+              <a:spcBef>
+                <a:spcPts val="500"/>
+              </a:spcBef>
+              <a:buFont typeface="Arial" panose="020B0604020202020204" pitchFamily="34" charset="0"/>
+              <a:buChar char="•"/>
+              <a:defRPr sz="1800" kern="1200">
+                <a:solidFill>
+                  <a:schemeClr val="tx1"/>
+                </a:solidFill>
+                <a:latin typeface="+mn-lt"/>
+                <a:ea typeface="+mn-ea"/>
+                <a:cs typeface="+mn-cs"/>
+              </a:defRPr>
+            </a:lvl5pPr>
+            <a:lvl6pPr marL="2514600" indent="-228600" algn="l" defTabSz="914400" rtl="0" eaLnBrk="1" latinLnBrk="0" hangingPunct="1">
+              <a:lnSpc>
+                <a:spcPct val="90000"/>
+              </a:lnSpc>
+              <a:spcBef>
+                <a:spcPts val="500"/>
+              </a:spcBef>
+              <a:buFont typeface="Arial" panose="020B0604020202020204" pitchFamily="34" charset="0"/>
+              <a:buChar char="•"/>
+              <a:defRPr sz="1800" kern="1200">
+                <a:solidFill>
+                  <a:schemeClr val="tx1"/>
+                </a:solidFill>
+                <a:latin typeface="+mn-lt"/>
+                <a:ea typeface="+mn-ea"/>
+                <a:cs typeface="+mn-cs"/>
+              </a:defRPr>
+            </a:lvl6pPr>
+            <a:lvl7pPr marL="2971800" indent="-228600" algn="l" defTabSz="914400" rtl="0" eaLnBrk="1" latinLnBrk="0" hangingPunct="1">
+              <a:lnSpc>
+                <a:spcPct val="90000"/>
+              </a:lnSpc>
+              <a:spcBef>
+                <a:spcPts val="500"/>
+              </a:spcBef>
+              <a:buFont typeface="Arial" panose="020B0604020202020204" pitchFamily="34" charset="0"/>
+              <a:buChar char="•"/>
+              <a:defRPr sz="1800" kern="1200">
+                <a:solidFill>
+                  <a:schemeClr val="tx1"/>
+                </a:solidFill>
+                <a:latin typeface="+mn-lt"/>
+                <a:ea typeface="+mn-ea"/>
+                <a:cs typeface="+mn-cs"/>
+              </a:defRPr>
+            </a:lvl7pPr>
+            <a:lvl8pPr marL="3429000" indent="-228600" algn="l" defTabSz="914400" rtl="0" eaLnBrk="1" latinLnBrk="0" hangingPunct="1">
+              <a:lnSpc>
+                <a:spcPct val="90000"/>
+              </a:lnSpc>
+              <a:spcBef>
+                <a:spcPts val="500"/>
+              </a:spcBef>
+              <a:buFont typeface="Arial" panose="020B0604020202020204" pitchFamily="34" charset="0"/>
+              <a:buChar char="•"/>
+              <a:defRPr sz="1800" kern="1200">
+                <a:solidFill>
+                  <a:schemeClr val="tx1"/>
+                </a:solidFill>
+                <a:latin typeface="+mn-lt"/>
+                <a:ea typeface="+mn-ea"/>
+                <a:cs typeface="+mn-cs"/>
+              </a:defRPr>
+            </a:lvl8pPr>
+            <a:lvl9pPr marL="3886200" indent="-228600" algn="l" defTabSz="914400" rtl="0" eaLnBrk="1" latinLnBrk="0" hangingPunct="1">
+              <a:lnSpc>
+                <a:spcPct val="90000"/>
+              </a:lnSpc>
+              <a:spcBef>
+                <a:spcPts val="500"/>
+              </a:spcBef>
+              <a:buFont typeface="Arial" panose="020B0604020202020204" pitchFamily="34" charset="0"/>
+              <a:buChar char="•"/>
+              <a:defRPr sz="1800" kern="1200">
+                <a:solidFill>
+                  <a:schemeClr val="tx1"/>
+                </a:solidFill>
+                <a:latin typeface="+mn-lt"/>
+                <a:ea typeface="+mn-ea"/>
+                <a:cs typeface="+mn-cs"/>
+              </a:defRPr>
+            </a:lvl9pPr>
+          </a:lstStyle>
+          <a:p>
+            <a:pPr marL="0" indent="0">
+              <a:buFont typeface="Arial" panose="020B0604020202020204" pitchFamily="34" charset="0"/>
+              <a:buNone/>
+            </a:pPr>
+            <a:endParaRPr lang="it-IT" sz="2400" dirty="0">
+              <a:latin typeface="Poppins Medium" panose="00000600000000000000" pitchFamily="2" charset="0"/>
+              <a:cs typeface="Poppins Medium" panose="00000600000000000000" pitchFamily="2" charset="0"/>
+            </a:endParaRPr>
+          </a:p>
+          <a:p>
+            <a:pPr marL="0" indent="0">
+              <a:buFont typeface="Arial" panose="020B0604020202020204" pitchFamily="34" charset="0"/>
+              <a:buNone/>
+            </a:pPr>
+            <a:endParaRPr lang="it-IT" sz="2400" dirty="0">
+              <a:latin typeface="Poppins Medium" panose="00000600000000000000" pitchFamily="2" charset="0"/>
+              <a:cs typeface="Poppins Medium" panose="00000600000000000000" pitchFamily="2" charset="0"/>
+            </a:endParaRPr>
+          </a:p>
+          <a:p>
+            <a:pPr marL="0" indent="0">
+              <a:buFont typeface="Arial" panose="020B0604020202020204" pitchFamily="34" charset="0"/>
+              <a:buNone/>
+            </a:pPr>
+            <a:endParaRPr lang="it-IT" sz="2400" dirty="0">
+              <a:latin typeface="Poppins Medium" panose="00000600000000000000" pitchFamily="2" charset="0"/>
+              <a:cs typeface="Poppins Medium" panose="00000600000000000000" pitchFamily="2" charset="0"/>
+            </a:endParaRPr>
+          </a:p>
+          <a:p>
+            <a:pPr marL="0" indent="0">
+              <a:buFont typeface="Arial" panose="020B0604020202020204" pitchFamily="34" charset="0"/>
+              <a:buNone/>
+            </a:pPr>
+            <a:endParaRPr lang="it-IT" dirty="0">
+              <a:solidFill>
+                <a:schemeClr val="accent1">
+                  <a:lumMod val="75000"/>
+                </a:schemeClr>
+              </a:solidFill>
+            </a:endParaRPr>
+          </a:p>
+        </p:txBody>
+      </p:sp>
+      <p:sp>
+        <p:nvSpPr>
+          <p:cNvPr id="10" name="CasellaDiTesto 9">
+            <a:extLst>
+              <a:ext uri="{FF2B5EF4-FFF2-40B4-BE49-F238E27FC236}">
+                <a16:creationId xmlns:a16="http://schemas.microsoft.com/office/drawing/2014/main" id="{A7CDDB9E-ADE5-C99D-F37A-B5643C4976DA}"/>
+              </a:ext>
+            </a:extLst>
+          </p:cNvPr>
+          <p:cNvSpPr txBox="1"/>
+          <p:nvPr/>
+        </p:nvSpPr>
+        <p:spPr>
+          <a:xfrm>
+            <a:off x="486383" y="1582157"/>
+            <a:ext cx="11415807" cy="2246769"/>
+          </a:xfrm>
+          <a:prstGeom prst="rect">
+            <a:avLst/>
+          </a:prstGeom>
+          <a:noFill/>
+        </p:spPr>
+        <p:txBody>
+          <a:bodyPr wrap="square" rtlCol="0">
+            <a:spAutoFit/>
+          </a:bodyPr>
+          <a:lstStyle/>
+          <a:p>
+            <a:pPr marL="285750" indent="-285750">
+              <a:buFont typeface="Arial" panose="020B0604020202020204" pitchFamily="34" charset="0"/>
+              <a:buChar char="•"/>
+            </a:pPr>
+            <a:r>
+              <a:rPr lang="it-IT" sz="2800" dirty="0">
+                <a:latin typeface="Poppins Medium" panose="00000600000000000000" pitchFamily="2" charset="0"/>
+                <a:cs typeface="Poppins Medium" panose="00000600000000000000" pitchFamily="2" charset="0"/>
+              </a:rPr>
+              <a:t>Il progetto attualmente ha una copertura che si aggira sul 97%, nonostante ciò non si può affermare </a:t>
+            </a:r>
+            <a:r>
+              <a:rPr lang="it-IT" sz="2800" dirty="0" err="1">
+                <a:latin typeface="Poppins Medium" panose="00000600000000000000" pitchFamily="2" charset="0"/>
+                <a:cs typeface="Poppins Medium" panose="00000600000000000000" pitchFamily="2" charset="0"/>
+              </a:rPr>
+              <a:t>nè</a:t>
+            </a:r>
+            <a:r>
+              <a:rPr lang="it-IT" sz="2800" dirty="0">
+                <a:latin typeface="Poppins Medium" panose="00000600000000000000" pitchFamily="2" charset="0"/>
+                <a:cs typeface="Poppins Medium" panose="00000600000000000000" pitchFamily="2" charset="0"/>
+              </a:rPr>
+              <a:t> l’esaustività di tali test, </a:t>
+            </a:r>
+            <a:r>
+              <a:rPr lang="it-IT" sz="2800" dirty="0" err="1">
+                <a:latin typeface="Poppins Medium" panose="00000600000000000000" pitchFamily="2" charset="0"/>
+                <a:cs typeface="Poppins Medium" panose="00000600000000000000" pitchFamily="2" charset="0"/>
+              </a:rPr>
+              <a:t>nè</a:t>
+            </a:r>
+            <a:r>
+              <a:rPr lang="it-IT" sz="2800" dirty="0">
+                <a:latin typeface="Poppins Medium" panose="00000600000000000000" pitchFamily="2" charset="0"/>
+                <a:cs typeface="Poppins Medium" panose="00000600000000000000" pitchFamily="2" charset="0"/>
+              </a:rPr>
+              <a:t> la loro qualità.</a:t>
+            </a:r>
+          </a:p>
+          <a:p>
+            <a:pPr marL="285750" indent="-285750">
+              <a:buFont typeface="Arial" panose="020B0604020202020204" pitchFamily="34" charset="0"/>
+              <a:buChar char="•"/>
+            </a:pPr>
+            <a:r>
+              <a:rPr lang="it-IT" sz="2800" dirty="0">
+                <a:latin typeface="Poppins Medium" panose="00000600000000000000" pitchFamily="2" charset="0"/>
+                <a:cs typeface="Poppins Medium" panose="00000600000000000000" pitchFamily="2" charset="0"/>
+              </a:rPr>
+              <a:t>Lo strumento utilizzato è </a:t>
+            </a:r>
+            <a:r>
+              <a:rPr lang="it-IT" sz="2800" dirty="0" err="1">
+                <a:latin typeface="Poppins Medium" panose="00000600000000000000" pitchFamily="2" charset="0"/>
+                <a:cs typeface="Poppins Medium" panose="00000600000000000000" pitchFamily="2" charset="0"/>
+              </a:rPr>
+              <a:t>Codecov</a:t>
+            </a:r>
+            <a:r>
+              <a:rPr lang="it-IT" sz="2800" dirty="0">
+                <a:latin typeface="Poppins Medium" panose="00000600000000000000" pitchFamily="2" charset="0"/>
+                <a:cs typeface="Poppins Medium" panose="00000600000000000000" pitchFamily="2" charset="0"/>
+              </a:rPr>
+              <a:t>:</a:t>
+            </a:r>
+          </a:p>
+          <a:p>
+            <a:pPr marL="285750" indent="-285750">
+              <a:buFont typeface="Arial" panose="020B0604020202020204" pitchFamily="34" charset="0"/>
+              <a:buChar char="•"/>
+            </a:pPr>
+            <a:endParaRPr lang="it-IT" sz="2800" dirty="0">
+              <a:latin typeface="Poppins Medium" panose="00000600000000000000" pitchFamily="2" charset="0"/>
+              <a:cs typeface="Poppins Medium" panose="00000600000000000000" pitchFamily="2" charset="0"/>
+            </a:endParaRPr>
+          </a:p>
+        </p:txBody>
+      </p:sp>
+      <p:pic>
+        <p:nvPicPr>
+          <p:cNvPr id="3" name="Immagine 2">
+            <a:extLst>
+              <a:ext uri="{FF2B5EF4-FFF2-40B4-BE49-F238E27FC236}">
+                <a16:creationId xmlns:a16="http://schemas.microsoft.com/office/drawing/2014/main" id="{E34765A9-ABBE-E3E1-E597-A4CE060A2A9E}"/>
+              </a:ext>
+            </a:extLst>
+          </p:cNvPr>
+          <p:cNvPicPr>
+            <a:picLocks noChangeAspect="1"/>
+          </p:cNvPicPr>
+          <p:nvPr/>
+        </p:nvPicPr>
+        <p:blipFill>
+          <a:blip r:embed="rId3">
+            <a:extLst>
+              <a:ext uri="{28A0092B-C50C-407E-A947-70E740481C1C}">
+                <a14:useLocalDpi xmlns:a14="http://schemas.microsoft.com/office/drawing/2010/main" val="0"/>
+              </a:ext>
+            </a:extLst>
+          </a:blip>
+          <a:stretch>
+            <a:fillRect/>
+          </a:stretch>
+        </p:blipFill>
+        <p:spPr>
+          <a:xfrm flipH="1">
+            <a:off x="10124185" y="2705541"/>
+            <a:ext cx="1226071" cy="1226071"/>
+          </a:xfrm>
+          <a:prstGeom prst="rect">
+            <a:avLst/>
+          </a:prstGeom>
+        </p:spPr>
+      </p:pic>
+      <p:pic>
+        <p:nvPicPr>
+          <p:cNvPr id="9" name="Immagine 8">
+            <a:extLst>
+              <a:ext uri="{FF2B5EF4-FFF2-40B4-BE49-F238E27FC236}">
+                <a16:creationId xmlns:a16="http://schemas.microsoft.com/office/drawing/2014/main" id="{0F1F079A-30CB-3E06-C726-43C083A38D49}"/>
+              </a:ext>
+            </a:extLst>
+          </p:cNvPr>
+          <p:cNvPicPr>
+            <a:picLocks noChangeAspect="1"/>
+          </p:cNvPicPr>
+          <p:nvPr/>
+        </p:nvPicPr>
+        <p:blipFill>
+          <a:blip r:embed="rId4">
+            <a:extLst>
+              <a:ext uri="{28A0092B-C50C-407E-A947-70E740481C1C}">
+                <a14:useLocalDpi xmlns:a14="http://schemas.microsoft.com/office/drawing/2010/main" val="0"/>
+              </a:ext>
+            </a:extLst>
+          </a:blip>
+          <a:stretch>
+            <a:fillRect/>
+          </a:stretch>
+        </p:blipFill>
+        <p:spPr>
+          <a:xfrm>
+            <a:off x="815138" y="3395583"/>
+            <a:ext cx="8793557" cy="2960766"/>
+          </a:xfrm>
+          <a:prstGeom prst="rect">
+            <a:avLst/>
+          </a:prstGeom>
+        </p:spPr>
+      </p:pic>
+    </p:spTree>
+    <p:extLst>
+      <p:ext uri="{BB962C8B-B14F-4D97-AF65-F5344CB8AC3E}">
+        <p14:creationId xmlns:p14="http://schemas.microsoft.com/office/powerpoint/2010/main" val="1214305930"/>
+      </p:ext>
+    </p:extLst>
+  </p:cSld>
+  <p:clrMapOvr>
+    <a:masterClrMapping/>
+  </p:clrMapOvr>
+</p:sld>
+</file>
+
+<file path=ppt/slides/slide27.xml><?xml version="1.0" encoding="utf-8"?>
 <p:sld xmlns:a="http://schemas.openxmlformats.org/drawingml/2006/main" xmlns:r="http://schemas.openxmlformats.org/officeDocument/2006/relationships" xmlns:p="http://schemas.openxmlformats.org/presentationml/2006/main">
   <p:cSld>
     <p:spTree>
@@ -16154,7 +17507,7 @@
                 <a:cs typeface="Poppins Medium" panose="00000600000000000000" pitchFamily="2" charset="0"/>
               </a:rPr>
               <a:pPr/>
-              <a:t>25</a:t>
+              <a:t>27</a:t>
             </a:fld>
             <a:r>
               <a:rPr lang="de-DE" sz="1600">
@@ -16228,7 +17581,7 @@
 </p:sld>
 </file>
 
-<file path=ppt/slides/slide26.xml><?xml version="1.0" encoding="utf-8"?>
+<file path=ppt/slides/slide28.xml><?xml version="1.0" encoding="utf-8"?>
 <p:sld xmlns:a="http://schemas.openxmlformats.org/drawingml/2006/main" xmlns:r="http://schemas.openxmlformats.org/officeDocument/2006/relationships" xmlns:p="http://schemas.openxmlformats.org/presentationml/2006/main">
   <p:cSld>
     <p:spTree>
@@ -16465,7 +17818,7 @@
                 <a:cs typeface="Poppins Medium" panose="00000600000000000000" pitchFamily="2" charset="0"/>
               </a:rPr>
               <a:pPr/>
-              <a:t>26</a:t>
+              <a:t>28</a:t>
             </a:fld>
             <a:r>
               <a:rPr lang="de-DE" sz="1600">
@@ -16539,7 +17892,7 @@
 </p:sld>
 </file>
 
-<file path=ppt/slides/slide27.xml><?xml version="1.0" encoding="utf-8"?>
+<file path=ppt/slides/slide29.xml><?xml version="1.0" encoding="utf-8"?>
 <p:sld xmlns:a="http://schemas.openxmlformats.org/drawingml/2006/main" xmlns:r="http://schemas.openxmlformats.org/officeDocument/2006/relationships" xmlns:p="http://schemas.openxmlformats.org/presentationml/2006/main">
   <p:cSld>
     <p:spTree>
@@ -16797,7 +18150,7 @@
                 <a:cs typeface="Poppins Medium" panose="00000600000000000000" pitchFamily="2" charset="0"/>
               </a:rPr>
               <a:pPr/>
-              <a:t>27</a:t>
+              <a:t>29</a:t>
             </a:fld>
             <a:r>
               <a:rPr lang="de-DE" sz="1600">
@@ -16871,7 +18224,376 @@
 </p:sld>
 </file>
 
-<file path=ppt/slides/slide28.xml><?xml version="1.0" encoding="utf-8"?>
+<file path=ppt/slides/slide3.xml><?xml version="1.0" encoding="utf-8"?>
+<p:sld xmlns:a="http://schemas.openxmlformats.org/drawingml/2006/main" xmlns:r="http://schemas.openxmlformats.org/officeDocument/2006/relationships" xmlns:p="http://schemas.openxmlformats.org/presentationml/2006/main">
+  <p:cSld>
+    <p:spTree>
+      <p:nvGrpSpPr>
+        <p:cNvPr id="1" name=""/>
+        <p:cNvGrpSpPr/>
+        <p:nvPr/>
+      </p:nvGrpSpPr>
+      <p:grpSpPr>
+        <a:xfrm>
+          <a:off x="0" y="0"/>
+          <a:ext cx="0" cy="0"/>
+          <a:chOff x="0" y="0"/>
+          <a:chExt cx="0" cy="0"/>
+        </a:xfrm>
+      </p:grpSpPr>
+      <p:sp>
+        <p:nvSpPr>
+          <p:cNvPr id="7" name="Segnaposto contenuto 6">
+            <a:extLst>
+              <a:ext uri="{FF2B5EF4-FFF2-40B4-BE49-F238E27FC236}">
+                <a16:creationId xmlns:a16="http://schemas.microsoft.com/office/drawing/2014/main" id="{02FC6CA0-25CF-64B7-760B-56A8388FA257}"/>
+              </a:ext>
+            </a:extLst>
+          </p:cNvPr>
+          <p:cNvSpPr>
+            <a:spLocks noGrp="1"/>
+          </p:cNvSpPr>
+          <p:nvPr>
+            <p:ph idx="1"/>
+          </p:nvPr>
+        </p:nvSpPr>
+        <p:spPr/>
+        <p:txBody>
+          <a:bodyPr/>
+          <a:lstStyle/>
+          <a:p>
+            <a:pPr marL="0" indent="0">
+              <a:buNone/>
+            </a:pPr>
+            <a:r>
+              <a:rPr lang="it-IT" sz="2400" dirty="0">
+                <a:latin typeface="Poppins Medium" panose="00000600000000000000" pitchFamily="2" charset="0"/>
+                <a:cs typeface="Poppins Medium" panose="00000600000000000000" pitchFamily="2" charset="0"/>
+              </a:rPr>
+              <a:t>Per aprire una </a:t>
+            </a:r>
+            <a:r>
+              <a:rPr lang="it-IT" sz="2400" dirty="0" err="1">
+                <a:latin typeface="Poppins Medium" panose="00000600000000000000" pitchFamily="2" charset="0"/>
+                <a:cs typeface="Poppins Medium" panose="00000600000000000000" pitchFamily="2" charset="0"/>
+              </a:rPr>
+              <a:t>issue</a:t>
+            </a:r>
+            <a:r>
+              <a:rPr lang="it-IT" sz="2400" dirty="0">
+                <a:latin typeface="Poppins Medium" panose="00000600000000000000" pitchFamily="2" charset="0"/>
+                <a:cs typeface="Poppins Medium" panose="00000600000000000000" pitchFamily="2" charset="0"/>
+              </a:rPr>
+              <a:t> si deve usare:</a:t>
+            </a:r>
+          </a:p>
+          <a:p>
+            <a:pPr marL="0" indent="0">
+              <a:buNone/>
+            </a:pPr>
+            <a:r>
+              <a:rPr lang="it-IT" sz="2400" dirty="0">
+                <a:solidFill>
+                  <a:schemeClr val="accent1">
+                    <a:lumMod val="75000"/>
+                  </a:schemeClr>
+                </a:solidFill>
+                <a:latin typeface="Poppins" panose="00000500000000000000" pitchFamily="2" charset="0"/>
+                <a:cs typeface="Poppins" panose="00000500000000000000" pitchFamily="2" charset="0"/>
+                <a:hlinkClick r:id="rId3"/>
+              </a:rPr>
+              <a:t>https://new-issue.vuejs.org/?repo=vuejs/core#</a:t>
+            </a:r>
+            <a:endParaRPr lang="it-IT" sz="2400" dirty="0">
+              <a:solidFill>
+                <a:schemeClr val="accent1">
+                  <a:lumMod val="75000"/>
+                </a:schemeClr>
+              </a:solidFill>
+              <a:latin typeface="Poppins" panose="00000500000000000000" pitchFamily="2" charset="0"/>
+              <a:cs typeface="Poppins" panose="00000500000000000000" pitchFamily="2" charset="0"/>
+            </a:endParaRPr>
+          </a:p>
+          <a:p>
+            <a:pPr marL="0" indent="0">
+              <a:buNone/>
+            </a:pPr>
+            <a:endParaRPr lang="it-IT" dirty="0">
+              <a:solidFill>
+                <a:schemeClr val="accent1">
+                  <a:lumMod val="75000"/>
+                </a:schemeClr>
+              </a:solidFill>
+            </a:endParaRPr>
+          </a:p>
+        </p:txBody>
+      </p:sp>
+      <p:sp>
+        <p:nvSpPr>
+          <p:cNvPr id="25" name="Segnaposto data 24">
+            <a:extLst>
+              <a:ext uri="{FF2B5EF4-FFF2-40B4-BE49-F238E27FC236}">
+                <a16:creationId xmlns:a16="http://schemas.microsoft.com/office/drawing/2014/main" id="{115DF917-AC48-486A-81F6-CF2DBBF5CD89}"/>
+              </a:ext>
+            </a:extLst>
+          </p:cNvPr>
+          <p:cNvSpPr>
+            <a:spLocks noGrp="1"/>
+          </p:cNvSpPr>
+          <p:nvPr>
+            <p:ph type="dt" sz="half" idx="10"/>
+          </p:nvPr>
+        </p:nvSpPr>
+        <p:spPr/>
+        <p:txBody>
+          <a:bodyPr/>
+          <a:lstStyle/>
+          <a:p>
+            <a:r>
+              <a:rPr lang="it-IT" sz="1600">
+                <a:solidFill>
+                  <a:schemeClr val="tx1"/>
+                </a:solidFill>
+                <a:latin typeface="Poppins Medium" panose="00000600000000000000" pitchFamily="2" charset="0"/>
+                <a:cs typeface="Poppins Medium" panose="00000600000000000000" pitchFamily="2" charset="0"/>
+              </a:rPr>
+              <a:t>31 Maggio 2022</a:t>
+            </a:r>
+            <a:endParaRPr lang="de-DE" sz="1600">
+              <a:solidFill>
+                <a:schemeClr val="tx1"/>
+              </a:solidFill>
+              <a:latin typeface="Poppins Medium" panose="00000600000000000000" pitchFamily="2" charset="0"/>
+              <a:cs typeface="Poppins Medium" panose="00000600000000000000" pitchFamily="2" charset="0"/>
+            </a:endParaRPr>
+          </a:p>
+        </p:txBody>
+      </p:sp>
+      <p:sp>
+        <p:nvSpPr>
+          <p:cNvPr id="27" name="Segnaposto numero diapositiva 26">
+            <a:extLst>
+              <a:ext uri="{FF2B5EF4-FFF2-40B4-BE49-F238E27FC236}">
+                <a16:creationId xmlns:a16="http://schemas.microsoft.com/office/drawing/2014/main" id="{F9C2EE25-215B-477C-AC6E-D2639B7A24B6}"/>
+              </a:ext>
+            </a:extLst>
+          </p:cNvPr>
+          <p:cNvSpPr>
+            <a:spLocks noGrp="1"/>
+          </p:cNvSpPr>
+          <p:nvPr>
+            <p:ph type="sldNum" sz="quarter" idx="12"/>
+          </p:nvPr>
+        </p:nvSpPr>
+        <p:spPr/>
+        <p:txBody>
+          <a:bodyPr/>
+          <a:lstStyle/>
+          <a:p>
+            <a:fld id="{66CD45B7-DFE2-4393-8D37-380FC36BF3AA}" type="slidenum">
+              <a:rPr lang="de-DE" sz="1600" smtClean="0">
+                <a:solidFill>
+                  <a:schemeClr val="tx1"/>
+                </a:solidFill>
+                <a:latin typeface="Poppins Medium" panose="00000600000000000000" pitchFamily="2" charset="0"/>
+                <a:cs typeface="Poppins Medium" panose="00000600000000000000" pitchFamily="2" charset="0"/>
+              </a:rPr>
+              <a:t>3</a:t>
+            </a:fld>
+            <a:r>
+              <a:rPr lang="de-DE" sz="1600">
+                <a:solidFill>
+                  <a:schemeClr val="tx1"/>
+                </a:solidFill>
+                <a:latin typeface="Poppins Medium" panose="00000600000000000000" pitchFamily="2" charset="0"/>
+                <a:cs typeface="Poppins Medium" panose="00000600000000000000" pitchFamily="2" charset="0"/>
+              </a:rPr>
+              <a:t>/16</a:t>
+            </a:r>
+          </a:p>
+        </p:txBody>
+      </p:sp>
+      <p:pic>
+        <p:nvPicPr>
+          <p:cNvPr id="9" name="Immagine 8" descr="Immagine che contiene testo&#10;&#10;Descrizione generata automaticamente">
+            <a:extLst>
+              <a:ext uri="{FF2B5EF4-FFF2-40B4-BE49-F238E27FC236}">
+                <a16:creationId xmlns:a16="http://schemas.microsoft.com/office/drawing/2014/main" id="{F95EC3CA-A266-0594-7DBD-E728DB78F0E8}"/>
+              </a:ext>
+            </a:extLst>
+          </p:cNvPr>
+          <p:cNvPicPr>
+            <a:picLocks noChangeAspect="1"/>
+          </p:cNvPicPr>
+          <p:nvPr/>
+        </p:nvPicPr>
+        <p:blipFill>
+          <a:blip r:embed="rId4">
+            <a:extLst>
+              <a:ext uri="{28A0092B-C50C-407E-A947-70E740481C1C}">
+                <a14:useLocalDpi xmlns:a14="http://schemas.microsoft.com/office/drawing/2010/main" val="0"/>
+              </a:ext>
+            </a:extLst>
+          </a:blip>
+          <a:stretch>
+            <a:fillRect/>
+          </a:stretch>
+        </p:blipFill>
+        <p:spPr>
+          <a:xfrm>
+            <a:off x="838200" y="2903620"/>
+            <a:ext cx="7292926" cy="3247695"/>
+          </a:xfrm>
+          <a:prstGeom prst="rect">
+            <a:avLst/>
+          </a:prstGeom>
+        </p:spPr>
+      </p:pic>
+      <p:sp>
+        <p:nvSpPr>
+          <p:cNvPr id="24" name="Rettangolo 23">
+            <a:extLst>
+              <a:ext uri="{FF2B5EF4-FFF2-40B4-BE49-F238E27FC236}">
+                <a16:creationId xmlns:a16="http://schemas.microsoft.com/office/drawing/2014/main" id="{71C5E46E-415B-CDB4-BE22-19B4CD41D603}"/>
+              </a:ext>
+            </a:extLst>
+          </p:cNvPr>
+          <p:cNvSpPr/>
+          <p:nvPr/>
+        </p:nvSpPr>
+        <p:spPr>
+          <a:xfrm>
+            <a:off x="0" y="0"/>
+            <a:ext cx="12184913" cy="1034891"/>
+          </a:xfrm>
+          <a:prstGeom prst="rect">
+            <a:avLst/>
+          </a:prstGeom>
+          <a:solidFill>
+            <a:srgbClr val="002060"/>
+          </a:solidFill>
+          <a:ln>
+            <a:noFill/>
+          </a:ln>
+        </p:spPr>
+        <p:style>
+          <a:lnRef idx="2">
+            <a:schemeClr val="accent3">
+              <a:shade val="50000"/>
+            </a:schemeClr>
+          </a:lnRef>
+          <a:fillRef idx="1">
+            <a:schemeClr val="accent3"/>
+          </a:fillRef>
+          <a:effectRef idx="0">
+            <a:schemeClr val="accent3"/>
+          </a:effectRef>
+          <a:fontRef idx="minor">
+            <a:schemeClr val="lt1"/>
+          </a:fontRef>
+        </p:style>
+        <p:txBody>
+          <a:bodyPr rtlCol="0" anchor="ctr"/>
+          <a:lstStyle/>
+          <a:p>
+            <a:pPr algn="ctr"/>
+            <a:endParaRPr lang="it-IT"/>
+          </a:p>
+        </p:txBody>
+      </p:sp>
+      <p:sp>
+        <p:nvSpPr>
+          <p:cNvPr id="28" name="Titolo 1">
+            <a:extLst>
+              <a:ext uri="{FF2B5EF4-FFF2-40B4-BE49-F238E27FC236}">
+                <a16:creationId xmlns:a16="http://schemas.microsoft.com/office/drawing/2014/main" id="{B5D7AE2C-90E2-7B91-00EC-386C77D3753C}"/>
+              </a:ext>
+            </a:extLst>
+          </p:cNvPr>
+          <p:cNvSpPr>
+            <a:spLocks noGrp="1"/>
+          </p:cNvSpPr>
+          <p:nvPr>
+            <p:ph type="title"/>
+          </p:nvPr>
+        </p:nvSpPr>
+        <p:spPr>
+          <a:xfrm>
+            <a:off x="272535" y="163591"/>
+            <a:ext cx="10176803" cy="707708"/>
+          </a:xfrm>
+        </p:spPr>
+        <p:txBody>
+          <a:bodyPr anchor="b">
+            <a:normAutofit/>
+          </a:bodyPr>
+          <a:lstStyle/>
+          <a:p>
+            <a:r>
+              <a:rPr lang="it-IT" sz="4000" b="1" dirty="0">
+                <a:solidFill>
+                  <a:schemeClr val="bg1"/>
+                </a:solidFill>
+                <a:effectLst>
+                  <a:outerShdw blurRad="38100" dist="38100" dir="2700000" algn="tl">
+                    <a:srgbClr val="000000">
+                      <a:alpha val="43137"/>
+                    </a:srgbClr>
+                  </a:outerShdw>
+                </a:effectLst>
+                <a:latin typeface="Poppins"/>
+                <a:cs typeface="Poppins"/>
+              </a:rPr>
+              <a:t>Apertura </a:t>
+            </a:r>
+            <a:r>
+              <a:rPr lang="it-IT" sz="4000" b="1" dirty="0" err="1">
+                <a:solidFill>
+                  <a:schemeClr val="bg1"/>
+                </a:solidFill>
+                <a:effectLst>
+                  <a:outerShdw blurRad="38100" dist="38100" dir="2700000" algn="tl">
+                    <a:srgbClr val="000000">
+                      <a:alpha val="43137"/>
+                    </a:srgbClr>
+                  </a:outerShdw>
+                </a:effectLst>
+                <a:latin typeface="Poppins"/>
+                <a:cs typeface="Poppins"/>
+              </a:rPr>
+              <a:t>issues</a:t>
+            </a:r>
+            <a:endParaRPr lang="it-IT" sz="4000" b="1" dirty="0">
+              <a:solidFill>
+                <a:schemeClr val="bg1"/>
+              </a:solidFill>
+              <a:effectLst>
+                <a:outerShdw blurRad="38100" dist="38100" dir="2700000" algn="tl">
+                  <a:srgbClr val="000000">
+                    <a:alpha val="43137"/>
+                  </a:srgbClr>
+                </a:outerShdw>
+              </a:effectLst>
+              <a:latin typeface="Poppins"/>
+              <a:cs typeface="Poppins"/>
+            </a:endParaRPr>
+          </a:p>
+        </p:txBody>
+      </p:sp>
+    </p:spTree>
+    <p:extLst>
+      <p:ext uri="{BB962C8B-B14F-4D97-AF65-F5344CB8AC3E}">
+        <p14:creationId xmlns:p14="http://schemas.microsoft.com/office/powerpoint/2010/main" val="4282466121"/>
+      </p:ext>
+    </p:extLst>
+  </p:cSld>
+  <p:clrMapOvr>
+    <a:masterClrMapping/>
+  </p:clrMapOvr>
+</p:sld>
+</file>
+
+<file path=ppt/slides/slide30.xml><?xml version="1.0" encoding="utf-8"?>
 <p:sld xmlns:a="http://schemas.openxmlformats.org/drawingml/2006/main" xmlns:r="http://schemas.openxmlformats.org/officeDocument/2006/relationships" xmlns:p="http://schemas.openxmlformats.org/presentationml/2006/main">
   <p:cSld>
     <p:spTree>
@@ -17125,7 +18847,7 @@
                 <a:cs typeface="Poppins Medium" panose="00000600000000000000" pitchFamily="2" charset="0"/>
               </a:rPr>
               <a:pPr/>
-              <a:t>28</a:t>
+              <a:t>30</a:t>
             </a:fld>
             <a:r>
               <a:rPr lang="de-DE" sz="1600">
@@ -17151,375 +18873,6 @@
     <p:extLst>
       <p:ext uri="{BB962C8B-B14F-4D97-AF65-F5344CB8AC3E}">
         <p14:creationId xmlns:p14="http://schemas.microsoft.com/office/powerpoint/2010/main" val="753678749"/>
-      </p:ext>
-    </p:extLst>
-  </p:cSld>
-  <p:clrMapOvr>
-    <a:masterClrMapping/>
-  </p:clrMapOvr>
-</p:sld>
-</file>
-
-<file path=ppt/slides/slide3.xml><?xml version="1.0" encoding="utf-8"?>
-<p:sld xmlns:a="http://schemas.openxmlformats.org/drawingml/2006/main" xmlns:r="http://schemas.openxmlformats.org/officeDocument/2006/relationships" xmlns:p="http://schemas.openxmlformats.org/presentationml/2006/main">
-  <p:cSld>
-    <p:spTree>
-      <p:nvGrpSpPr>
-        <p:cNvPr id="1" name=""/>
-        <p:cNvGrpSpPr/>
-        <p:nvPr/>
-      </p:nvGrpSpPr>
-      <p:grpSpPr>
-        <a:xfrm>
-          <a:off x="0" y="0"/>
-          <a:ext cx="0" cy="0"/>
-          <a:chOff x="0" y="0"/>
-          <a:chExt cx="0" cy="0"/>
-        </a:xfrm>
-      </p:grpSpPr>
-      <p:sp>
-        <p:nvSpPr>
-          <p:cNvPr id="7" name="Segnaposto contenuto 6">
-            <a:extLst>
-              <a:ext uri="{FF2B5EF4-FFF2-40B4-BE49-F238E27FC236}">
-                <a16:creationId xmlns:a16="http://schemas.microsoft.com/office/drawing/2014/main" id="{02FC6CA0-25CF-64B7-760B-56A8388FA257}"/>
-              </a:ext>
-            </a:extLst>
-          </p:cNvPr>
-          <p:cNvSpPr>
-            <a:spLocks noGrp="1"/>
-          </p:cNvSpPr>
-          <p:nvPr>
-            <p:ph idx="1"/>
-          </p:nvPr>
-        </p:nvSpPr>
-        <p:spPr/>
-        <p:txBody>
-          <a:bodyPr/>
-          <a:lstStyle/>
-          <a:p>
-            <a:pPr marL="0" indent="0">
-              <a:buNone/>
-            </a:pPr>
-            <a:r>
-              <a:rPr lang="it-IT" sz="2400" dirty="0">
-                <a:latin typeface="Poppins Medium" panose="00000600000000000000" pitchFamily="2" charset="0"/>
-                <a:cs typeface="Poppins Medium" panose="00000600000000000000" pitchFamily="2" charset="0"/>
-              </a:rPr>
-              <a:t>Per aprire una </a:t>
-            </a:r>
-            <a:r>
-              <a:rPr lang="it-IT" sz="2400" dirty="0" err="1">
-                <a:latin typeface="Poppins Medium" panose="00000600000000000000" pitchFamily="2" charset="0"/>
-                <a:cs typeface="Poppins Medium" panose="00000600000000000000" pitchFamily="2" charset="0"/>
-              </a:rPr>
-              <a:t>issue</a:t>
-            </a:r>
-            <a:r>
-              <a:rPr lang="it-IT" sz="2400" dirty="0">
-                <a:latin typeface="Poppins Medium" panose="00000600000000000000" pitchFamily="2" charset="0"/>
-                <a:cs typeface="Poppins Medium" panose="00000600000000000000" pitchFamily="2" charset="0"/>
-              </a:rPr>
-              <a:t> si deve usare:</a:t>
-            </a:r>
-          </a:p>
-          <a:p>
-            <a:pPr marL="0" indent="0">
-              <a:buNone/>
-            </a:pPr>
-            <a:r>
-              <a:rPr lang="it-IT" sz="2400" dirty="0">
-                <a:solidFill>
-                  <a:schemeClr val="accent1">
-                    <a:lumMod val="75000"/>
-                  </a:schemeClr>
-                </a:solidFill>
-                <a:latin typeface="Poppins" panose="00000500000000000000" pitchFamily="2" charset="0"/>
-                <a:cs typeface="Poppins" panose="00000500000000000000" pitchFamily="2" charset="0"/>
-                <a:hlinkClick r:id="rId3"/>
-              </a:rPr>
-              <a:t>https://new-issue.vuejs.org/?repo=vuejs/core#</a:t>
-            </a:r>
-            <a:endParaRPr lang="it-IT" sz="2400" dirty="0">
-              <a:solidFill>
-                <a:schemeClr val="accent1">
-                  <a:lumMod val="75000"/>
-                </a:schemeClr>
-              </a:solidFill>
-              <a:latin typeface="Poppins" panose="00000500000000000000" pitchFamily="2" charset="0"/>
-              <a:cs typeface="Poppins" panose="00000500000000000000" pitchFamily="2" charset="0"/>
-            </a:endParaRPr>
-          </a:p>
-          <a:p>
-            <a:pPr marL="0" indent="0">
-              <a:buNone/>
-            </a:pPr>
-            <a:endParaRPr lang="it-IT" dirty="0">
-              <a:solidFill>
-                <a:schemeClr val="accent1">
-                  <a:lumMod val="75000"/>
-                </a:schemeClr>
-              </a:solidFill>
-            </a:endParaRPr>
-          </a:p>
-        </p:txBody>
-      </p:sp>
-      <p:sp>
-        <p:nvSpPr>
-          <p:cNvPr id="25" name="Segnaposto data 24">
-            <a:extLst>
-              <a:ext uri="{FF2B5EF4-FFF2-40B4-BE49-F238E27FC236}">
-                <a16:creationId xmlns:a16="http://schemas.microsoft.com/office/drawing/2014/main" id="{115DF917-AC48-486A-81F6-CF2DBBF5CD89}"/>
-              </a:ext>
-            </a:extLst>
-          </p:cNvPr>
-          <p:cNvSpPr>
-            <a:spLocks noGrp="1"/>
-          </p:cNvSpPr>
-          <p:nvPr>
-            <p:ph type="dt" sz="half" idx="10"/>
-          </p:nvPr>
-        </p:nvSpPr>
-        <p:spPr/>
-        <p:txBody>
-          <a:bodyPr/>
-          <a:lstStyle/>
-          <a:p>
-            <a:r>
-              <a:rPr lang="it-IT" sz="1600">
-                <a:solidFill>
-                  <a:schemeClr val="tx1"/>
-                </a:solidFill>
-                <a:latin typeface="Poppins Medium" panose="00000600000000000000" pitchFamily="2" charset="0"/>
-                <a:cs typeface="Poppins Medium" panose="00000600000000000000" pitchFamily="2" charset="0"/>
-              </a:rPr>
-              <a:t>31 Maggio 2022</a:t>
-            </a:r>
-            <a:endParaRPr lang="de-DE" sz="1600">
-              <a:solidFill>
-                <a:schemeClr val="tx1"/>
-              </a:solidFill>
-              <a:latin typeface="Poppins Medium" panose="00000600000000000000" pitchFamily="2" charset="0"/>
-              <a:cs typeface="Poppins Medium" panose="00000600000000000000" pitchFamily="2" charset="0"/>
-            </a:endParaRPr>
-          </a:p>
-        </p:txBody>
-      </p:sp>
-      <p:sp>
-        <p:nvSpPr>
-          <p:cNvPr id="27" name="Segnaposto numero diapositiva 26">
-            <a:extLst>
-              <a:ext uri="{FF2B5EF4-FFF2-40B4-BE49-F238E27FC236}">
-                <a16:creationId xmlns:a16="http://schemas.microsoft.com/office/drawing/2014/main" id="{F9C2EE25-215B-477C-AC6E-D2639B7A24B6}"/>
-              </a:ext>
-            </a:extLst>
-          </p:cNvPr>
-          <p:cNvSpPr>
-            <a:spLocks noGrp="1"/>
-          </p:cNvSpPr>
-          <p:nvPr>
-            <p:ph type="sldNum" sz="quarter" idx="12"/>
-          </p:nvPr>
-        </p:nvSpPr>
-        <p:spPr/>
-        <p:txBody>
-          <a:bodyPr/>
-          <a:lstStyle/>
-          <a:p>
-            <a:fld id="{66CD45B7-DFE2-4393-8D37-380FC36BF3AA}" type="slidenum">
-              <a:rPr lang="de-DE" sz="1600" smtClean="0">
-                <a:solidFill>
-                  <a:schemeClr val="tx1"/>
-                </a:solidFill>
-                <a:latin typeface="Poppins Medium" panose="00000600000000000000" pitchFamily="2" charset="0"/>
-                <a:cs typeface="Poppins Medium" panose="00000600000000000000" pitchFamily="2" charset="0"/>
-              </a:rPr>
-              <a:t>3</a:t>
-            </a:fld>
-            <a:r>
-              <a:rPr lang="de-DE" sz="1600">
-                <a:solidFill>
-                  <a:schemeClr val="tx1"/>
-                </a:solidFill>
-                <a:latin typeface="Poppins Medium" panose="00000600000000000000" pitchFamily="2" charset="0"/>
-                <a:cs typeface="Poppins Medium" panose="00000600000000000000" pitchFamily="2" charset="0"/>
-              </a:rPr>
-              <a:t>/16</a:t>
-            </a:r>
-          </a:p>
-        </p:txBody>
-      </p:sp>
-      <p:pic>
-        <p:nvPicPr>
-          <p:cNvPr id="9" name="Immagine 8" descr="Immagine che contiene testo&#10;&#10;Descrizione generata automaticamente">
-            <a:extLst>
-              <a:ext uri="{FF2B5EF4-FFF2-40B4-BE49-F238E27FC236}">
-                <a16:creationId xmlns:a16="http://schemas.microsoft.com/office/drawing/2014/main" id="{F95EC3CA-A266-0594-7DBD-E728DB78F0E8}"/>
-              </a:ext>
-            </a:extLst>
-          </p:cNvPr>
-          <p:cNvPicPr>
-            <a:picLocks noChangeAspect="1"/>
-          </p:cNvPicPr>
-          <p:nvPr/>
-        </p:nvPicPr>
-        <p:blipFill>
-          <a:blip r:embed="rId4">
-            <a:extLst>
-              <a:ext uri="{28A0092B-C50C-407E-A947-70E740481C1C}">
-                <a14:useLocalDpi xmlns:a14="http://schemas.microsoft.com/office/drawing/2010/main" val="0"/>
-              </a:ext>
-            </a:extLst>
-          </a:blip>
-          <a:stretch>
-            <a:fillRect/>
-          </a:stretch>
-        </p:blipFill>
-        <p:spPr>
-          <a:xfrm>
-            <a:off x="838200" y="2903620"/>
-            <a:ext cx="7292926" cy="3247695"/>
-          </a:xfrm>
-          <a:prstGeom prst="rect">
-            <a:avLst/>
-          </a:prstGeom>
-        </p:spPr>
-      </p:pic>
-      <p:sp>
-        <p:nvSpPr>
-          <p:cNvPr id="24" name="Rettangolo 23">
-            <a:extLst>
-              <a:ext uri="{FF2B5EF4-FFF2-40B4-BE49-F238E27FC236}">
-                <a16:creationId xmlns:a16="http://schemas.microsoft.com/office/drawing/2014/main" id="{71C5E46E-415B-CDB4-BE22-19B4CD41D603}"/>
-              </a:ext>
-            </a:extLst>
-          </p:cNvPr>
-          <p:cNvSpPr/>
-          <p:nvPr/>
-        </p:nvSpPr>
-        <p:spPr>
-          <a:xfrm>
-            <a:off x="0" y="0"/>
-            <a:ext cx="12184913" cy="1034891"/>
-          </a:xfrm>
-          <a:prstGeom prst="rect">
-            <a:avLst/>
-          </a:prstGeom>
-          <a:solidFill>
-            <a:srgbClr val="002060"/>
-          </a:solidFill>
-          <a:ln>
-            <a:noFill/>
-          </a:ln>
-        </p:spPr>
-        <p:style>
-          <a:lnRef idx="2">
-            <a:schemeClr val="accent3">
-              <a:shade val="50000"/>
-            </a:schemeClr>
-          </a:lnRef>
-          <a:fillRef idx="1">
-            <a:schemeClr val="accent3"/>
-          </a:fillRef>
-          <a:effectRef idx="0">
-            <a:schemeClr val="accent3"/>
-          </a:effectRef>
-          <a:fontRef idx="minor">
-            <a:schemeClr val="lt1"/>
-          </a:fontRef>
-        </p:style>
-        <p:txBody>
-          <a:bodyPr rtlCol="0" anchor="ctr"/>
-          <a:lstStyle/>
-          <a:p>
-            <a:pPr algn="ctr"/>
-            <a:endParaRPr lang="it-IT"/>
-          </a:p>
-        </p:txBody>
-      </p:sp>
-      <p:sp>
-        <p:nvSpPr>
-          <p:cNvPr id="28" name="Titolo 1">
-            <a:extLst>
-              <a:ext uri="{FF2B5EF4-FFF2-40B4-BE49-F238E27FC236}">
-                <a16:creationId xmlns:a16="http://schemas.microsoft.com/office/drawing/2014/main" id="{B5D7AE2C-90E2-7B91-00EC-386C77D3753C}"/>
-              </a:ext>
-            </a:extLst>
-          </p:cNvPr>
-          <p:cNvSpPr>
-            <a:spLocks noGrp="1"/>
-          </p:cNvSpPr>
-          <p:nvPr>
-            <p:ph type="title"/>
-          </p:nvPr>
-        </p:nvSpPr>
-        <p:spPr>
-          <a:xfrm>
-            <a:off x="272535" y="163591"/>
-            <a:ext cx="10176803" cy="707708"/>
-          </a:xfrm>
-        </p:spPr>
-        <p:txBody>
-          <a:bodyPr anchor="b">
-            <a:normAutofit/>
-          </a:bodyPr>
-          <a:lstStyle/>
-          <a:p>
-            <a:r>
-              <a:rPr lang="it-IT" sz="4000" b="1" dirty="0">
-                <a:solidFill>
-                  <a:schemeClr val="bg1"/>
-                </a:solidFill>
-                <a:effectLst>
-                  <a:outerShdw blurRad="38100" dist="38100" dir="2700000" algn="tl">
-                    <a:srgbClr val="000000">
-                      <a:alpha val="43137"/>
-                    </a:srgbClr>
-                  </a:outerShdw>
-                </a:effectLst>
-                <a:latin typeface="Poppins"/>
-                <a:cs typeface="Poppins"/>
-              </a:rPr>
-              <a:t>Apertura </a:t>
-            </a:r>
-            <a:r>
-              <a:rPr lang="it-IT" sz="4000" b="1" dirty="0" err="1">
-                <a:solidFill>
-                  <a:schemeClr val="bg1"/>
-                </a:solidFill>
-                <a:effectLst>
-                  <a:outerShdw blurRad="38100" dist="38100" dir="2700000" algn="tl">
-                    <a:srgbClr val="000000">
-                      <a:alpha val="43137"/>
-                    </a:srgbClr>
-                  </a:outerShdw>
-                </a:effectLst>
-                <a:latin typeface="Poppins"/>
-                <a:cs typeface="Poppins"/>
-              </a:rPr>
-              <a:t>issues</a:t>
-            </a:r>
-            <a:endParaRPr lang="it-IT" sz="4000" b="1" dirty="0">
-              <a:solidFill>
-                <a:schemeClr val="bg1"/>
-              </a:solidFill>
-              <a:effectLst>
-                <a:outerShdw blurRad="38100" dist="38100" dir="2700000" algn="tl">
-                  <a:srgbClr val="000000">
-                    <a:alpha val="43137"/>
-                  </a:srgbClr>
-                </a:outerShdw>
-              </a:effectLst>
-              <a:latin typeface="Poppins"/>
-              <a:cs typeface="Poppins"/>
-            </a:endParaRPr>
-          </a:p>
-        </p:txBody>
-      </p:sp>
-    </p:spTree>
-    <p:extLst>
-      <p:ext uri="{BB962C8B-B14F-4D97-AF65-F5344CB8AC3E}">
-        <p14:creationId xmlns:p14="http://schemas.microsoft.com/office/powerpoint/2010/main" val="4282466121"/>
       </p:ext>
     </p:extLst>
   </p:cSld>

--- a/MTSSAssignment3.pptx
+++ b/MTSSAssignment3.pptx
@@ -5,7 +5,7 @@
     <p:sldMasterId id="2147483648" r:id="rId1"/>
   </p:sldMasterIdLst>
   <p:notesMasterIdLst>
-    <p:notesMasterId r:id="rId32"/>
+    <p:notesMasterId r:id="rId36"/>
   </p:notesMasterIdLst>
   <p:sldIdLst>
     <p:sldId id="257" r:id="rId2"/>
@@ -35,9 +35,13 @@
     <p:sldId id="328" r:id="rId26"/>
     <p:sldId id="329" r:id="rId27"/>
     <p:sldId id="307" r:id="rId28"/>
-    <p:sldId id="308" r:id="rId29"/>
-    <p:sldId id="309" r:id="rId30"/>
-    <p:sldId id="284" r:id="rId31"/>
+    <p:sldId id="330" r:id="rId29"/>
+    <p:sldId id="308" r:id="rId30"/>
+    <p:sldId id="331" r:id="rId31"/>
+    <p:sldId id="332" r:id="rId32"/>
+    <p:sldId id="309" r:id="rId33"/>
+    <p:sldId id="333" r:id="rId34"/>
+    <p:sldId id="284" r:id="rId35"/>
   </p:sldIdLst>
   <p:sldSz cx="12192000" cy="6858000"/>
   <p:notesSz cx="6858000" cy="9144000"/>
@@ -226,7 +230,7 @@
           <a:p>
             <a:fld id="{EFB7D28E-7638-40DD-9951-FAEDC6EFEA2A}" type="datetimeFigureOut">
               <a:rPr lang="it-IT" smtClean="0"/>
-              <a:t>08/06/2022</a:t>
+              <a:t>09/06/2022</a:t>
             </a:fld>
             <a:endParaRPr lang="it-IT"/>
           </a:p>
@@ -1669,6 +1673,342 @@
 </p:notes>
 </file>
 
+<file path=ppt/notesSlides/notesSlide22.xml><?xml version="1.0" encoding="utf-8"?>
+<p:notes xmlns:a="http://schemas.openxmlformats.org/drawingml/2006/main" xmlns:r="http://schemas.openxmlformats.org/officeDocument/2006/relationships" xmlns:p="http://schemas.openxmlformats.org/presentationml/2006/main">
+  <p:cSld>
+    <p:spTree>
+      <p:nvGrpSpPr>
+        <p:cNvPr id="1" name=""/>
+        <p:cNvGrpSpPr/>
+        <p:nvPr/>
+      </p:nvGrpSpPr>
+      <p:grpSpPr>
+        <a:xfrm>
+          <a:off x="0" y="0"/>
+          <a:ext cx="0" cy="0"/>
+          <a:chOff x="0" y="0"/>
+          <a:chExt cx="0" cy="0"/>
+        </a:xfrm>
+      </p:grpSpPr>
+      <p:sp>
+        <p:nvSpPr>
+          <p:cNvPr id="2" name="Segnaposto immagine diapositiva 1"/>
+          <p:cNvSpPr>
+            <a:spLocks noGrp="1" noRot="1" noChangeAspect="1"/>
+          </p:cNvSpPr>
+          <p:nvPr>
+            <p:ph type="sldImg"/>
+          </p:nvPr>
+        </p:nvSpPr>
+        <p:spPr/>
+      </p:sp>
+      <p:sp>
+        <p:nvSpPr>
+          <p:cNvPr id="3" name="Segnaposto note 2"/>
+          <p:cNvSpPr>
+            <a:spLocks noGrp="1"/>
+          </p:cNvSpPr>
+          <p:nvPr>
+            <p:ph type="body" idx="1"/>
+          </p:nvPr>
+        </p:nvSpPr>
+        <p:spPr/>
+        <p:txBody>
+          <a:bodyPr/>
+          <a:lstStyle/>
+          <a:p>
+            <a:endParaRPr lang="it-IT"/>
+          </a:p>
+        </p:txBody>
+      </p:sp>
+      <p:sp>
+        <p:nvSpPr>
+          <p:cNvPr id="4" name="Segnaposto numero diapositiva 3"/>
+          <p:cNvSpPr>
+            <a:spLocks noGrp="1"/>
+          </p:cNvSpPr>
+          <p:nvPr>
+            <p:ph type="sldNum" sz="quarter" idx="5"/>
+          </p:nvPr>
+        </p:nvSpPr>
+        <p:spPr/>
+        <p:txBody>
+          <a:bodyPr/>
+          <a:lstStyle/>
+          <a:p>
+            <a:fld id="{0BC78E95-8A02-4863-86BC-3BDFF2A12A63}" type="slidenum">
+              <a:rPr lang="it-IT" smtClean="0"/>
+              <a:t>28</a:t>
+            </a:fld>
+            <a:endParaRPr lang="it-IT"/>
+          </a:p>
+        </p:txBody>
+      </p:sp>
+    </p:spTree>
+    <p:extLst>
+      <p:ext uri="{BB962C8B-B14F-4D97-AF65-F5344CB8AC3E}">
+        <p14:creationId xmlns:p14="http://schemas.microsoft.com/office/powerpoint/2010/main" val="866664213"/>
+      </p:ext>
+    </p:extLst>
+  </p:cSld>
+  <p:clrMapOvr>
+    <a:masterClrMapping/>
+  </p:clrMapOvr>
+</p:notes>
+</file>
+
+<file path=ppt/notesSlides/notesSlide23.xml><?xml version="1.0" encoding="utf-8"?>
+<p:notes xmlns:a="http://schemas.openxmlformats.org/drawingml/2006/main" xmlns:r="http://schemas.openxmlformats.org/officeDocument/2006/relationships" xmlns:p="http://schemas.openxmlformats.org/presentationml/2006/main">
+  <p:cSld>
+    <p:spTree>
+      <p:nvGrpSpPr>
+        <p:cNvPr id="1" name=""/>
+        <p:cNvGrpSpPr/>
+        <p:nvPr/>
+      </p:nvGrpSpPr>
+      <p:grpSpPr>
+        <a:xfrm>
+          <a:off x="0" y="0"/>
+          <a:ext cx="0" cy="0"/>
+          <a:chOff x="0" y="0"/>
+          <a:chExt cx="0" cy="0"/>
+        </a:xfrm>
+      </p:grpSpPr>
+      <p:sp>
+        <p:nvSpPr>
+          <p:cNvPr id="2" name="Segnaposto immagine diapositiva 1"/>
+          <p:cNvSpPr>
+            <a:spLocks noGrp="1" noRot="1" noChangeAspect="1"/>
+          </p:cNvSpPr>
+          <p:nvPr>
+            <p:ph type="sldImg"/>
+          </p:nvPr>
+        </p:nvSpPr>
+        <p:spPr/>
+      </p:sp>
+      <p:sp>
+        <p:nvSpPr>
+          <p:cNvPr id="3" name="Segnaposto note 2"/>
+          <p:cNvSpPr>
+            <a:spLocks noGrp="1"/>
+          </p:cNvSpPr>
+          <p:nvPr>
+            <p:ph type="body" idx="1"/>
+          </p:nvPr>
+        </p:nvSpPr>
+        <p:spPr/>
+        <p:txBody>
+          <a:bodyPr/>
+          <a:lstStyle/>
+          <a:p>
+            <a:endParaRPr lang="it-IT"/>
+          </a:p>
+        </p:txBody>
+      </p:sp>
+      <p:sp>
+        <p:nvSpPr>
+          <p:cNvPr id="4" name="Segnaposto numero diapositiva 3"/>
+          <p:cNvSpPr>
+            <a:spLocks noGrp="1"/>
+          </p:cNvSpPr>
+          <p:nvPr>
+            <p:ph type="sldNum" sz="quarter" idx="5"/>
+          </p:nvPr>
+        </p:nvSpPr>
+        <p:spPr/>
+        <p:txBody>
+          <a:bodyPr/>
+          <a:lstStyle/>
+          <a:p>
+            <a:fld id="{0BC78E95-8A02-4863-86BC-3BDFF2A12A63}" type="slidenum">
+              <a:rPr lang="it-IT" smtClean="0"/>
+              <a:t>30</a:t>
+            </a:fld>
+            <a:endParaRPr lang="it-IT"/>
+          </a:p>
+        </p:txBody>
+      </p:sp>
+    </p:spTree>
+    <p:extLst>
+      <p:ext uri="{BB962C8B-B14F-4D97-AF65-F5344CB8AC3E}">
+        <p14:creationId xmlns:p14="http://schemas.microsoft.com/office/powerpoint/2010/main" val="910933284"/>
+      </p:ext>
+    </p:extLst>
+  </p:cSld>
+  <p:clrMapOvr>
+    <a:masterClrMapping/>
+  </p:clrMapOvr>
+</p:notes>
+</file>
+
+<file path=ppt/notesSlides/notesSlide24.xml><?xml version="1.0" encoding="utf-8"?>
+<p:notes xmlns:a="http://schemas.openxmlformats.org/drawingml/2006/main" xmlns:r="http://schemas.openxmlformats.org/officeDocument/2006/relationships" xmlns:p="http://schemas.openxmlformats.org/presentationml/2006/main">
+  <p:cSld>
+    <p:spTree>
+      <p:nvGrpSpPr>
+        <p:cNvPr id="1" name=""/>
+        <p:cNvGrpSpPr/>
+        <p:nvPr/>
+      </p:nvGrpSpPr>
+      <p:grpSpPr>
+        <a:xfrm>
+          <a:off x="0" y="0"/>
+          <a:ext cx="0" cy="0"/>
+          <a:chOff x="0" y="0"/>
+          <a:chExt cx="0" cy="0"/>
+        </a:xfrm>
+      </p:grpSpPr>
+      <p:sp>
+        <p:nvSpPr>
+          <p:cNvPr id="2" name="Segnaposto immagine diapositiva 1"/>
+          <p:cNvSpPr>
+            <a:spLocks noGrp="1" noRot="1" noChangeAspect="1"/>
+          </p:cNvSpPr>
+          <p:nvPr>
+            <p:ph type="sldImg"/>
+          </p:nvPr>
+        </p:nvSpPr>
+        <p:spPr/>
+      </p:sp>
+      <p:sp>
+        <p:nvSpPr>
+          <p:cNvPr id="3" name="Segnaposto note 2"/>
+          <p:cNvSpPr>
+            <a:spLocks noGrp="1"/>
+          </p:cNvSpPr>
+          <p:nvPr>
+            <p:ph type="body" idx="1"/>
+          </p:nvPr>
+        </p:nvSpPr>
+        <p:spPr/>
+        <p:txBody>
+          <a:bodyPr/>
+          <a:lstStyle/>
+          <a:p>
+            <a:endParaRPr lang="it-IT"/>
+          </a:p>
+        </p:txBody>
+      </p:sp>
+      <p:sp>
+        <p:nvSpPr>
+          <p:cNvPr id="4" name="Segnaposto numero diapositiva 3"/>
+          <p:cNvSpPr>
+            <a:spLocks noGrp="1"/>
+          </p:cNvSpPr>
+          <p:nvPr>
+            <p:ph type="sldNum" sz="quarter" idx="5"/>
+          </p:nvPr>
+        </p:nvSpPr>
+        <p:spPr/>
+        <p:txBody>
+          <a:bodyPr/>
+          <a:lstStyle/>
+          <a:p>
+            <a:fld id="{0BC78E95-8A02-4863-86BC-3BDFF2A12A63}" type="slidenum">
+              <a:rPr lang="it-IT" smtClean="0"/>
+              <a:t>31</a:t>
+            </a:fld>
+            <a:endParaRPr lang="it-IT"/>
+          </a:p>
+        </p:txBody>
+      </p:sp>
+    </p:spTree>
+    <p:extLst>
+      <p:ext uri="{BB962C8B-B14F-4D97-AF65-F5344CB8AC3E}">
+        <p14:creationId xmlns:p14="http://schemas.microsoft.com/office/powerpoint/2010/main" val="3174189577"/>
+      </p:ext>
+    </p:extLst>
+  </p:cSld>
+  <p:clrMapOvr>
+    <a:masterClrMapping/>
+  </p:clrMapOvr>
+</p:notes>
+</file>
+
+<file path=ppt/notesSlides/notesSlide25.xml><?xml version="1.0" encoding="utf-8"?>
+<p:notes xmlns:a="http://schemas.openxmlformats.org/drawingml/2006/main" xmlns:r="http://schemas.openxmlformats.org/officeDocument/2006/relationships" xmlns:p="http://schemas.openxmlformats.org/presentationml/2006/main">
+  <p:cSld>
+    <p:spTree>
+      <p:nvGrpSpPr>
+        <p:cNvPr id="1" name=""/>
+        <p:cNvGrpSpPr/>
+        <p:nvPr/>
+      </p:nvGrpSpPr>
+      <p:grpSpPr>
+        <a:xfrm>
+          <a:off x="0" y="0"/>
+          <a:ext cx="0" cy="0"/>
+          <a:chOff x="0" y="0"/>
+          <a:chExt cx="0" cy="0"/>
+        </a:xfrm>
+      </p:grpSpPr>
+      <p:sp>
+        <p:nvSpPr>
+          <p:cNvPr id="2" name="Segnaposto immagine diapositiva 1"/>
+          <p:cNvSpPr>
+            <a:spLocks noGrp="1" noRot="1" noChangeAspect="1"/>
+          </p:cNvSpPr>
+          <p:nvPr>
+            <p:ph type="sldImg"/>
+          </p:nvPr>
+        </p:nvSpPr>
+        <p:spPr/>
+      </p:sp>
+      <p:sp>
+        <p:nvSpPr>
+          <p:cNvPr id="3" name="Segnaposto note 2"/>
+          <p:cNvSpPr>
+            <a:spLocks noGrp="1"/>
+          </p:cNvSpPr>
+          <p:nvPr>
+            <p:ph type="body" idx="1"/>
+          </p:nvPr>
+        </p:nvSpPr>
+        <p:spPr/>
+        <p:txBody>
+          <a:bodyPr/>
+          <a:lstStyle/>
+          <a:p>
+            <a:endParaRPr lang="it-IT" dirty="0"/>
+          </a:p>
+        </p:txBody>
+      </p:sp>
+      <p:sp>
+        <p:nvSpPr>
+          <p:cNvPr id="4" name="Segnaposto numero diapositiva 3"/>
+          <p:cNvSpPr>
+            <a:spLocks noGrp="1"/>
+          </p:cNvSpPr>
+          <p:nvPr>
+            <p:ph type="sldNum" sz="quarter" idx="5"/>
+          </p:nvPr>
+        </p:nvSpPr>
+        <p:spPr/>
+        <p:txBody>
+          <a:bodyPr/>
+          <a:lstStyle/>
+          <a:p>
+            <a:fld id="{0BC78E95-8A02-4863-86BC-3BDFF2A12A63}" type="slidenum">
+              <a:rPr lang="it-IT" smtClean="0"/>
+              <a:t>33</a:t>
+            </a:fld>
+            <a:endParaRPr lang="it-IT"/>
+          </a:p>
+        </p:txBody>
+      </p:sp>
+    </p:spTree>
+    <p:extLst>
+      <p:ext uri="{BB962C8B-B14F-4D97-AF65-F5344CB8AC3E}">
+        <p14:creationId xmlns:p14="http://schemas.microsoft.com/office/powerpoint/2010/main" val="4162455105"/>
+      </p:ext>
+    </p:extLst>
+  </p:cSld>
+  <p:clrMapOvr>
+    <a:masterClrMapping/>
+  </p:clrMapOvr>
+</p:notes>
+</file>
+
 <file path=ppt/notesSlides/notesSlide3.xml><?xml version="1.0" encoding="utf-8"?>
 <p:notes xmlns:a="http://schemas.openxmlformats.org/drawingml/2006/main" xmlns:r="http://schemas.openxmlformats.org/officeDocument/2006/relationships" xmlns:p="http://schemas.openxmlformats.org/presentationml/2006/main">
   <p:cSld>
@@ -2404,7 +2744,7 @@
           <a:p>
             <a:fld id="{F5AF2708-59DE-4D08-9295-20056C9D5A6B}" type="datetimeFigureOut">
               <a:rPr lang="it-IT" smtClean="0"/>
-              <a:t>08/06/2022</a:t>
+              <a:t>09/06/2022</a:t>
             </a:fld>
             <a:endParaRPr lang="it-IT"/>
           </a:p>
@@ -2602,7 +2942,7 @@
           <a:p>
             <a:fld id="{F5AF2708-59DE-4D08-9295-20056C9D5A6B}" type="datetimeFigureOut">
               <a:rPr lang="it-IT" smtClean="0"/>
-              <a:t>08/06/2022</a:t>
+              <a:t>09/06/2022</a:t>
             </a:fld>
             <a:endParaRPr lang="it-IT"/>
           </a:p>
@@ -2810,7 +3150,7 @@
           <a:p>
             <a:fld id="{F5AF2708-59DE-4D08-9295-20056C9D5A6B}" type="datetimeFigureOut">
               <a:rPr lang="it-IT" smtClean="0"/>
-              <a:t>08/06/2022</a:t>
+              <a:t>09/06/2022</a:t>
             </a:fld>
             <a:endParaRPr lang="it-IT"/>
           </a:p>
@@ -3008,7 +3348,7 @@
           <a:p>
             <a:fld id="{F5AF2708-59DE-4D08-9295-20056C9D5A6B}" type="datetimeFigureOut">
               <a:rPr lang="it-IT" smtClean="0"/>
-              <a:t>08/06/2022</a:t>
+              <a:t>09/06/2022</a:t>
             </a:fld>
             <a:endParaRPr lang="it-IT"/>
           </a:p>
@@ -3283,7 +3623,7 @@
           <a:p>
             <a:fld id="{F5AF2708-59DE-4D08-9295-20056C9D5A6B}" type="datetimeFigureOut">
               <a:rPr lang="it-IT" smtClean="0"/>
-              <a:t>08/06/2022</a:t>
+              <a:t>09/06/2022</a:t>
             </a:fld>
             <a:endParaRPr lang="it-IT"/>
           </a:p>
@@ -3548,7 +3888,7 @@
           <a:p>
             <a:fld id="{F5AF2708-59DE-4D08-9295-20056C9D5A6B}" type="datetimeFigureOut">
               <a:rPr lang="it-IT" smtClean="0"/>
-              <a:t>08/06/2022</a:t>
+              <a:t>09/06/2022</a:t>
             </a:fld>
             <a:endParaRPr lang="it-IT"/>
           </a:p>
@@ -3960,7 +4300,7 @@
           <a:p>
             <a:fld id="{F5AF2708-59DE-4D08-9295-20056C9D5A6B}" type="datetimeFigureOut">
               <a:rPr lang="it-IT" smtClean="0"/>
-              <a:t>08/06/2022</a:t>
+              <a:t>09/06/2022</a:t>
             </a:fld>
             <a:endParaRPr lang="it-IT"/>
           </a:p>
@@ -4101,7 +4441,7 @@
           <a:p>
             <a:fld id="{F5AF2708-59DE-4D08-9295-20056C9D5A6B}" type="datetimeFigureOut">
               <a:rPr lang="it-IT" smtClean="0"/>
-              <a:t>08/06/2022</a:t>
+              <a:t>09/06/2022</a:t>
             </a:fld>
             <a:endParaRPr lang="it-IT"/>
           </a:p>
@@ -4214,7 +4554,7 @@
           <a:p>
             <a:fld id="{F5AF2708-59DE-4D08-9295-20056C9D5A6B}" type="datetimeFigureOut">
               <a:rPr lang="it-IT" smtClean="0"/>
-              <a:t>08/06/2022</a:t>
+              <a:t>09/06/2022</a:t>
             </a:fld>
             <a:endParaRPr lang="it-IT"/>
           </a:p>
@@ -4525,7 +4865,7 @@
           <a:p>
             <a:fld id="{F5AF2708-59DE-4D08-9295-20056C9D5A6B}" type="datetimeFigureOut">
               <a:rPr lang="it-IT" smtClean="0"/>
-              <a:t>08/06/2022</a:t>
+              <a:t>09/06/2022</a:t>
             </a:fld>
             <a:endParaRPr lang="it-IT"/>
           </a:p>
@@ -4813,7 +5153,7 @@
           <a:p>
             <a:fld id="{F5AF2708-59DE-4D08-9295-20056C9D5A6B}" type="datetimeFigureOut">
               <a:rPr lang="it-IT" smtClean="0"/>
-              <a:t>08/06/2022</a:t>
+              <a:t>09/06/2022</a:t>
             </a:fld>
             <a:endParaRPr lang="it-IT"/>
           </a:p>
@@ -5054,7 +5394,7 @@
           <a:p>
             <a:fld id="{F5AF2708-59DE-4D08-9295-20056C9D5A6B}" type="datetimeFigureOut">
               <a:rPr lang="it-IT" smtClean="0"/>
-              <a:t>08/06/2022</a:t>
+              <a:t>09/06/2022</a:t>
             </a:fld>
             <a:endParaRPr lang="it-IT"/>
           </a:p>
@@ -17257,6 +17597,62 @@
           </a:prstGeom>
         </p:spPr>
       </p:pic>
+      <p:pic>
+        <p:nvPicPr>
+          <p:cNvPr id="4" name="Immagine 3">
+            <a:extLst>
+              <a:ext uri="{FF2B5EF4-FFF2-40B4-BE49-F238E27FC236}">
+                <a16:creationId xmlns:a16="http://schemas.microsoft.com/office/drawing/2014/main" id="{66D7719A-6317-E6AA-4B86-C1F85702792F}"/>
+              </a:ext>
+            </a:extLst>
+          </p:cNvPr>
+          <p:cNvPicPr>
+            <a:picLocks noChangeAspect="1"/>
+          </p:cNvPicPr>
+          <p:nvPr/>
+        </p:nvPicPr>
+        <p:blipFill>
+          <a:blip r:embed="rId5">
+            <a:extLst>
+              <a:ext uri="{BEBA8EAE-BF5A-486C-A8C5-ECC9F3942E4B}">
+                <a14:imgProps xmlns:a14="http://schemas.microsoft.com/office/drawing/2010/main">
+                  <a14:imgLayer r:embed="rId6">
+                    <a14:imgEffect>
+                      <a14:backgroundRemoval t="2703" b="83784" l="5344" r="93130">
+                        <a14:foregroundMark x1="8397" y1="35135" x2="25954" y2="75676"/>
+                        <a14:foregroundMark x1="32824" y1="78378" x2="5344" y2="70270"/>
+                        <a14:foregroundMark x1="5344" y1="70270" x2="9160" y2="32432"/>
+                        <a14:foregroundMark x1="9160" y1="29730" x2="50382" y2="32432"/>
+                        <a14:foregroundMark x1="50382" y1="32432" x2="78626" y2="27027"/>
+                        <a14:foregroundMark x1="78626" y1="27027" x2="79389" y2="29730"/>
+                        <a14:foregroundMark x1="29008" y1="67568" x2="58015" y2="64865"/>
+                        <a14:foregroundMark x1="58015" y1="64865" x2="83969" y2="67568"/>
+                        <a14:foregroundMark x1="83969" y1="67568" x2="91603" y2="24324"/>
+                        <a14:foregroundMark x1="83969" y1="72973" x2="93130" y2="24324"/>
+                      </a14:backgroundRemoval>
+                    </a14:imgEffect>
+                  </a14:imgLayer>
+                </a14:imgProps>
+              </a:ext>
+              <a:ext uri="{28A0092B-C50C-407E-A947-70E740481C1C}">
+                <a14:useLocalDpi xmlns:a14="http://schemas.microsoft.com/office/drawing/2010/main" val="0"/>
+              </a:ext>
+            </a:extLst>
+          </a:blip>
+          <a:stretch>
+            <a:fillRect/>
+          </a:stretch>
+        </p:blipFill>
+        <p:spPr>
+          <a:xfrm>
+            <a:off x="9860494" y="5017432"/>
+            <a:ext cx="1829829" cy="516821"/>
+          </a:xfrm>
+          <a:prstGeom prst="rect">
+            <a:avLst/>
+          </a:prstGeom>
+        </p:spPr>
+      </p:pic>
     </p:spTree>
     <p:extLst>
       <p:ext uri="{BB962C8B-B14F-4D97-AF65-F5344CB8AC3E}">
@@ -17600,6 +17996,695 @@
       </p:grpSpPr>
       <p:sp>
         <p:nvSpPr>
+          <p:cNvPr id="25" name="Segnaposto data 24">
+            <a:extLst>
+              <a:ext uri="{FF2B5EF4-FFF2-40B4-BE49-F238E27FC236}">
+                <a16:creationId xmlns:a16="http://schemas.microsoft.com/office/drawing/2014/main" id="{115DF917-AC48-486A-81F6-CF2DBBF5CD89}"/>
+              </a:ext>
+            </a:extLst>
+          </p:cNvPr>
+          <p:cNvSpPr>
+            <a:spLocks noGrp="1"/>
+          </p:cNvSpPr>
+          <p:nvPr>
+            <p:ph type="dt" sz="half" idx="10"/>
+          </p:nvPr>
+        </p:nvSpPr>
+        <p:spPr/>
+        <p:txBody>
+          <a:bodyPr/>
+          <a:lstStyle/>
+          <a:p>
+            <a:r>
+              <a:rPr lang="it-IT" sz="1600">
+                <a:solidFill>
+                  <a:schemeClr val="tx1"/>
+                </a:solidFill>
+                <a:latin typeface="Poppins Medium" panose="00000600000000000000" pitchFamily="2" charset="0"/>
+                <a:cs typeface="Poppins Medium" panose="00000600000000000000" pitchFamily="2" charset="0"/>
+              </a:rPr>
+              <a:t>31 Maggio 2022</a:t>
+            </a:r>
+            <a:endParaRPr lang="de-DE" sz="1600">
+              <a:solidFill>
+                <a:schemeClr val="tx1"/>
+              </a:solidFill>
+              <a:latin typeface="Poppins Medium" panose="00000600000000000000" pitchFamily="2" charset="0"/>
+              <a:cs typeface="Poppins Medium" panose="00000600000000000000" pitchFamily="2" charset="0"/>
+            </a:endParaRPr>
+          </a:p>
+        </p:txBody>
+      </p:sp>
+      <p:sp>
+        <p:nvSpPr>
+          <p:cNvPr id="27" name="Segnaposto numero diapositiva 26">
+            <a:extLst>
+              <a:ext uri="{FF2B5EF4-FFF2-40B4-BE49-F238E27FC236}">
+                <a16:creationId xmlns:a16="http://schemas.microsoft.com/office/drawing/2014/main" id="{F9C2EE25-215B-477C-AC6E-D2639B7A24B6}"/>
+              </a:ext>
+            </a:extLst>
+          </p:cNvPr>
+          <p:cNvSpPr>
+            <a:spLocks noGrp="1"/>
+          </p:cNvSpPr>
+          <p:nvPr>
+            <p:ph type="sldNum" sz="quarter" idx="12"/>
+          </p:nvPr>
+        </p:nvSpPr>
+        <p:spPr/>
+        <p:txBody>
+          <a:bodyPr/>
+          <a:lstStyle/>
+          <a:p>
+            <a:fld id="{66CD45B7-DFE2-4393-8D37-380FC36BF3AA}" type="slidenum">
+              <a:rPr lang="de-DE" sz="1600" smtClean="0">
+                <a:solidFill>
+                  <a:schemeClr val="tx1"/>
+                </a:solidFill>
+                <a:latin typeface="Poppins Medium" panose="00000600000000000000" pitchFamily="2" charset="0"/>
+                <a:cs typeface="Poppins Medium" panose="00000600000000000000" pitchFamily="2" charset="0"/>
+              </a:rPr>
+              <a:t>28</a:t>
+            </a:fld>
+            <a:r>
+              <a:rPr lang="de-DE" sz="1600">
+                <a:solidFill>
+                  <a:schemeClr val="tx1"/>
+                </a:solidFill>
+                <a:latin typeface="Poppins Medium" panose="00000600000000000000" pitchFamily="2" charset="0"/>
+                <a:cs typeface="Poppins Medium" panose="00000600000000000000" pitchFamily="2" charset="0"/>
+              </a:rPr>
+              <a:t>/16</a:t>
+            </a:r>
+          </a:p>
+        </p:txBody>
+      </p:sp>
+      <p:sp>
+        <p:nvSpPr>
+          <p:cNvPr id="12" name="Rettangolo 11">
+            <a:extLst>
+              <a:ext uri="{FF2B5EF4-FFF2-40B4-BE49-F238E27FC236}">
+                <a16:creationId xmlns:a16="http://schemas.microsoft.com/office/drawing/2014/main" id="{F0FAD030-2623-A89C-4FA1-55CE81C0AE08}"/>
+              </a:ext>
+            </a:extLst>
+          </p:cNvPr>
+          <p:cNvSpPr/>
+          <p:nvPr/>
+        </p:nvSpPr>
+        <p:spPr>
+          <a:xfrm>
+            <a:off x="0" y="0"/>
+            <a:ext cx="12184913" cy="1034891"/>
+          </a:xfrm>
+          <a:prstGeom prst="rect">
+            <a:avLst/>
+          </a:prstGeom>
+          <a:solidFill>
+            <a:srgbClr val="002060"/>
+          </a:solidFill>
+          <a:ln>
+            <a:noFill/>
+          </a:ln>
+        </p:spPr>
+        <p:style>
+          <a:lnRef idx="2">
+            <a:schemeClr val="accent3">
+              <a:shade val="50000"/>
+            </a:schemeClr>
+          </a:lnRef>
+          <a:fillRef idx="1">
+            <a:schemeClr val="accent3"/>
+          </a:fillRef>
+          <a:effectRef idx="0">
+            <a:schemeClr val="accent3"/>
+          </a:effectRef>
+          <a:fontRef idx="minor">
+            <a:schemeClr val="lt1"/>
+          </a:fontRef>
+        </p:style>
+        <p:txBody>
+          <a:bodyPr rtlCol="0" anchor="ctr"/>
+          <a:lstStyle/>
+          <a:p>
+            <a:pPr algn="ctr"/>
+            <a:endParaRPr lang="it-IT"/>
+          </a:p>
+        </p:txBody>
+      </p:sp>
+      <p:sp>
+        <p:nvSpPr>
+          <p:cNvPr id="13" name="Titolo 1">
+            <a:extLst>
+              <a:ext uri="{FF2B5EF4-FFF2-40B4-BE49-F238E27FC236}">
+                <a16:creationId xmlns:a16="http://schemas.microsoft.com/office/drawing/2014/main" id="{A0F14F07-00BE-A130-44A5-463A5F98673C}"/>
+              </a:ext>
+            </a:extLst>
+          </p:cNvPr>
+          <p:cNvSpPr>
+            <a:spLocks noGrp="1"/>
+          </p:cNvSpPr>
+          <p:nvPr>
+            <p:ph type="title"/>
+          </p:nvPr>
+        </p:nvSpPr>
+        <p:spPr>
+          <a:xfrm>
+            <a:off x="272535" y="163591"/>
+            <a:ext cx="10176803" cy="707708"/>
+          </a:xfrm>
+        </p:spPr>
+        <p:txBody>
+          <a:bodyPr anchor="b">
+            <a:normAutofit/>
+          </a:bodyPr>
+          <a:lstStyle/>
+          <a:p>
+            <a:r>
+              <a:rPr lang="it-IT" sz="4000" b="1" dirty="0">
+                <a:solidFill>
+                  <a:schemeClr val="bg1"/>
+                </a:solidFill>
+                <a:latin typeface="Poppins"/>
+                <a:cs typeface="Poppins"/>
+              </a:rPr>
+              <a:t>AR-Strumento utilizzato</a:t>
+            </a:r>
+          </a:p>
+        </p:txBody>
+      </p:sp>
+      <p:sp>
+        <p:nvSpPr>
+          <p:cNvPr id="8" name="Segnaposto contenuto 6">
+            <a:extLst>
+              <a:ext uri="{FF2B5EF4-FFF2-40B4-BE49-F238E27FC236}">
+                <a16:creationId xmlns:a16="http://schemas.microsoft.com/office/drawing/2014/main" id="{F832EED3-9182-E3BD-D2D5-1723AFD8A0BD}"/>
+              </a:ext>
+            </a:extLst>
+          </p:cNvPr>
+          <p:cNvSpPr txBox="1">
+            <a:spLocks/>
+          </p:cNvSpPr>
+          <p:nvPr/>
+        </p:nvSpPr>
+        <p:spPr>
+          <a:xfrm>
+            <a:off x="834656" y="2005012"/>
+            <a:ext cx="10515600" cy="4351338"/>
+          </a:xfrm>
+          <a:prstGeom prst="rect">
+            <a:avLst/>
+          </a:prstGeom>
+        </p:spPr>
+        <p:txBody>
+          <a:bodyPr vert="horz" lIns="91440" tIns="45720" rIns="91440" bIns="45720" rtlCol="0">
+            <a:normAutofit/>
+          </a:bodyPr>
+          <a:lstStyle>
+            <a:lvl1pPr marL="228600" indent="-228600" algn="l" defTabSz="914400" rtl="0" eaLnBrk="1" latinLnBrk="0" hangingPunct="1">
+              <a:lnSpc>
+                <a:spcPct val="90000"/>
+              </a:lnSpc>
+              <a:spcBef>
+                <a:spcPts val="1000"/>
+              </a:spcBef>
+              <a:buFont typeface="Arial" panose="020B0604020202020204" pitchFamily="34" charset="0"/>
+              <a:buChar char="•"/>
+              <a:defRPr sz="2800" kern="1200">
+                <a:solidFill>
+                  <a:schemeClr val="tx1"/>
+                </a:solidFill>
+                <a:latin typeface="+mn-lt"/>
+                <a:ea typeface="+mn-ea"/>
+                <a:cs typeface="+mn-cs"/>
+              </a:defRPr>
+            </a:lvl1pPr>
+            <a:lvl2pPr marL="685800" indent="-228600" algn="l" defTabSz="914400" rtl="0" eaLnBrk="1" latinLnBrk="0" hangingPunct="1">
+              <a:lnSpc>
+                <a:spcPct val="90000"/>
+              </a:lnSpc>
+              <a:spcBef>
+                <a:spcPts val="500"/>
+              </a:spcBef>
+              <a:buFont typeface="Arial" panose="020B0604020202020204" pitchFamily="34" charset="0"/>
+              <a:buChar char="•"/>
+              <a:defRPr sz="2400" kern="1200">
+                <a:solidFill>
+                  <a:schemeClr val="tx1"/>
+                </a:solidFill>
+                <a:latin typeface="+mn-lt"/>
+                <a:ea typeface="+mn-ea"/>
+                <a:cs typeface="+mn-cs"/>
+              </a:defRPr>
+            </a:lvl2pPr>
+            <a:lvl3pPr marL="1143000" indent="-228600" algn="l" defTabSz="914400" rtl="0" eaLnBrk="1" latinLnBrk="0" hangingPunct="1">
+              <a:lnSpc>
+                <a:spcPct val="90000"/>
+              </a:lnSpc>
+              <a:spcBef>
+                <a:spcPts val="500"/>
+              </a:spcBef>
+              <a:buFont typeface="Arial" panose="020B0604020202020204" pitchFamily="34" charset="0"/>
+              <a:buChar char="•"/>
+              <a:defRPr sz="2000" kern="1200">
+                <a:solidFill>
+                  <a:schemeClr val="tx1"/>
+                </a:solidFill>
+                <a:latin typeface="+mn-lt"/>
+                <a:ea typeface="+mn-ea"/>
+                <a:cs typeface="+mn-cs"/>
+              </a:defRPr>
+            </a:lvl3pPr>
+            <a:lvl4pPr marL="1600200" indent="-228600" algn="l" defTabSz="914400" rtl="0" eaLnBrk="1" latinLnBrk="0" hangingPunct="1">
+              <a:lnSpc>
+                <a:spcPct val="90000"/>
+              </a:lnSpc>
+              <a:spcBef>
+                <a:spcPts val="500"/>
+              </a:spcBef>
+              <a:buFont typeface="Arial" panose="020B0604020202020204" pitchFamily="34" charset="0"/>
+              <a:buChar char="•"/>
+              <a:defRPr sz="1800" kern="1200">
+                <a:solidFill>
+                  <a:schemeClr val="tx1"/>
+                </a:solidFill>
+                <a:latin typeface="+mn-lt"/>
+                <a:ea typeface="+mn-ea"/>
+                <a:cs typeface="+mn-cs"/>
+              </a:defRPr>
+            </a:lvl4pPr>
+            <a:lvl5pPr marL="2057400" indent="-228600" algn="l" defTabSz="914400" rtl="0" eaLnBrk="1" latinLnBrk="0" hangingPunct="1">
+              <a:lnSpc>
+                <a:spcPct val="90000"/>
+              </a:lnSpc>
+              <a:spcBef>
+                <a:spcPts val="500"/>
+              </a:spcBef>
+              <a:buFont typeface="Arial" panose="020B0604020202020204" pitchFamily="34" charset="0"/>
+              <a:buChar char="•"/>
+              <a:defRPr sz="1800" kern="1200">
+                <a:solidFill>
+                  <a:schemeClr val="tx1"/>
+                </a:solidFill>
+                <a:latin typeface="+mn-lt"/>
+                <a:ea typeface="+mn-ea"/>
+                <a:cs typeface="+mn-cs"/>
+              </a:defRPr>
+            </a:lvl5pPr>
+            <a:lvl6pPr marL="2514600" indent="-228600" algn="l" defTabSz="914400" rtl="0" eaLnBrk="1" latinLnBrk="0" hangingPunct="1">
+              <a:lnSpc>
+                <a:spcPct val="90000"/>
+              </a:lnSpc>
+              <a:spcBef>
+                <a:spcPts val="500"/>
+              </a:spcBef>
+              <a:buFont typeface="Arial" panose="020B0604020202020204" pitchFamily="34" charset="0"/>
+              <a:buChar char="•"/>
+              <a:defRPr sz="1800" kern="1200">
+                <a:solidFill>
+                  <a:schemeClr val="tx1"/>
+                </a:solidFill>
+                <a:latin typeface="+mn-lt"/>
+                <a:ea typeface="+mn-ea"/>
+                <a:cs typeface="+mn-cs"/>
+              </a:defRPr>
+            </a:lvl6pPr>
+            <a:lvl7pPr marL="2971800" indent="-228600" algn="l" defTabSz="914400" rtl="0" eaLnBrk="1" latinLnBrk="0" hangingPunct="1">
+              <a:lnSpc>
+                <a:spcPct val="90000"/>
+              </a:lnSpc>
+              <a:spcBef>
+                <a:spcPts val="500"/>
+              </a:spcBef>
+              <a:buFont typeface="Arial" panose="020B0604020202020204" pitchFamily="34" charset="0"/>
+              <a:buChar char="•"/>
+              <a:defRPr sz="1800" kern="1200">
+                <a:solidFill>
+                  <a:schemeClr val="tx1"/>
+                </a:solidFill>
+                <a:latin typeface="+mn-lt"/>
+                <a:ea typeface="+mn-ea"/>
+                <a:cs typeface="+mn-cs"/>
+              </a:defRPr>
+            </a:lvl7pPr>
+            <a:lvl8pPr marL="3429000" indent="-228600" algn="l" defTabSz="914400" rtl="0" eaLnBrk="1" latinLnBrk="0" hangingPunct="1">
+              <a:lnSpc>
+                <a:spcPct val="90000"/>
+              </a:lnSpc>
+              <a:spcBef>
+                <a:spcPts val="500"/>
+              </a:spcBef>
+              <a:buFont typeface="Arial" panose="020B0604020202020204" pitchFamily="34" charset="0"/>
+              <a:buChar char="•"/>
+              <a:defRPr sz="1800" kern="1200">
+                <a:solidFill>
+                  <a:schemeClr val="tx1"/>
+                </a:solidFill>
+                <a:latin typeface="+mn-lt"/>
+                <a:ea typeface="+mn-ea"/>
+                <a:cs typeface="+mn-cs"/>
+              </a:defRPr>
+            </a:lvl8pPr>
+            <a:lvl9pPr marL="3886200" indent="-228600" algn="l" defTabSz="914400" rtl="0" eaLnBrk="1" latinLnBrk="0" hangingPunct="1">
+              <a:lnSpc>
+                <a:spcPct val="90000"/>
+              </a:lnSpc>
+              <a:spcBef>
+                <a:spcPts val="500"/>
+              </a:spcBef>
+              <a:buFont typeface="Arial" panose="020B0604020202020204" pitchFamily="34" charset="0"/>
+              <a:buChar char="•"/>
+              <a:defRPr sz="1800" kern="1200">
+                <a:solidFill>
+                  <a:schemeClr val="tx1"/>
+                </a:solidFill>
+                <a:latin typeface="+mn-lt"/>
+                <a:ea typeface="+mn-ea"/>
+                <a:cs typeface="+mn-cs"/>
+              </a:defRPr>
+            </a:lvl9pPr>
+          </a:lstStyle>
+          <a:p>
+            <a:pPr marL="0" indent="0">
+              <a:buFont typeface="Arial" panose="020B0604020202020204" pitchFamily="34" charset="0"/>
+              <a:buNone/>
+            </a:pPr>
+            <a:endParaRPr lang="it-IT" sz="2400" dirty="0">
+              <a:latin typeface="Poppins Medium" panose="00000600000000000000" pitchFamily="2" charset="0"/>
+              <a:cs typeface="Poppins Medium" panose="00000600000000000000" pitchFamily="2" charset="0"/>
+            </a:endParaRPr>
+          </a:p>
+          <a:p>
+            <a:pPr marL="0" indent="0">
+              <a:buFont typeface="Arial" panose="020B0604020202020204" pitchFamily="34" charset="0"/>
+              <a:buNone/>
+            </a:pPr>
+            <a:endParaRPr lang="it-IT" sz="2400" dirty="0">
+              <a:latin typeface="Poppins Medium" panose="00000600000000000000" pitchFamily="2" charset="0"/>
+              <a:cs typeface="Poppins Medium" panose="00000600000000000000" pitchFamily="2" charset="0"/>
+            </a:endParaRPr>
+          </a:p>
+          <a:p>
+            <a:pPr marL="0" indent="0">
+              <a:buFont typeface="Arial" panose="020B0604020202020204" pitchFamily="34" charset="0"/>
+              <a:buNone/>
+            </a:pPr>
+            <a:endParaRPr lang="it-IT" sz="2400" dirty="0">
+              <a:latin typeface="Poppins Medium" panose="00000600000000000000" pitchFamily="2" charset="0"/>
+              <a:cs typeface="Poppins Medium" panose="00000600000000000000" pitchFamily="2" charset="0"/>
+            </a:endParaRPr>
+          </a:p>
+          <a:p>
+            <a:pPr marL="0" indent="0">
+              <a:buFont typeface="Arial" panose="020B0604020202020204" pitchFamily="34" charset="0"/>
+              <a:buNone/>
+            </a:pPr>
+            <a:endParaRPr lang="it-IT" dirty="0">
+              <a:solidFill>
+                <a:schemeClr val="accent1">
+                  <a:lumMod val="75000"/>
+                </a:schemeClr>
+              </a:solidFill>
+            </a:endParaRPr>
+          </a:p>
+        </p:txBody>
+      </p:sp>
+      <p:sp>
+        <p:nvSpPr>
+          <p:cNvPr id="10" name="CasellaDiTesto 9">
+            <a:extLst>
+              <a:ext uri="{FF2B5EF4-FFF2-40B4-BE49-F238E27FC236}">
+                <a16:creationId xmlns:a16="http://schemas.microsoft.com/office/drawing/2014/main" id="{A7CDDB9E-ADE5-C99D-F37A-B5643C4976DA}"/>
+              </a:ext>
+            </a:extLst>
+          </p:cNvPr>
+          <p:cNvSpPr txBox="1"/>
+          <p:nvPr/>
+        </p:nvSpPr>
+        <p:spPr>
+          <a:xfrm>
+            <a:off x="735083" y="1368877"/>
+            <a:ext cx="4881021" cy="2246769"/>
+          </a:xfrm>
+          <a:prstGeom prst="rect">
+            <a:avLst/>
+          </a:prstGeom>
+          <a:noFill/>
+        </p:spPr>
+        <p:txBody>
+          <a:bodyPr wrap="square" rtlCol="0">
+            <a:spAutoFit/>
+          </a:bodyPr>
+          <a:lstStyle/>
+          <a:p>
+            <a:r>
+              <a:rPr lang="it-IT" sz="2800" dirty="0">
+                <a:latin typeface="Poppins Medium" panose="00000600000000000000" pitchFamily="2" charset="0"/>
+                <a:cs typeface="Poppins Medium" panose="00000600000000000000" pitchFamily="2" charset="0"/>
+              </a:rPr>
+              <a:t>Il progetto utilizza il gestore di pacchetti e dipendenze </a:t>
+            </a:r>
+            <a:r>
+              <a:rPr lang="it-IT" sz="2800" dirty="0" err="1">
+                <a:latin typeface="Poppins Medium" panose="00000600000000000000" pitchFamily="2" charset="0"/>
+                <a:cs typeface="Poppins Medium" panose="00000600000000000000" pitchFamily="2" charset="0"/>
+              </a:rPr>
+              <a:t>npm</a:t>
+            </a:r>
+            <a:r>
+              <a:rPr lang="it-IT" sz="2800" dirty="0">
+                <a:latin typeface="Poppins Medium" panose="00000600000000000000" pitchFamily="2" charset="0"/>
+                <a:cs typeface="Poppins Medium" panose="00000600000000000000" pitchFamily="2" charset="0"/>
+              </a:rPr>
+              <a:t>.</a:t>
+            </a:r>
+          </a:p>
+          <a:p>
+            <a:r>
+              <a:rPr lang="it-IT" sz="2800" u="sng" dirty="0">
+                <a:solidFill>
+                  <a:schemeClr val="accent1">
+                    <a:lumMod val="50000"/>
+                  </a:schemeClr>
+                </a:solidFill>
+                <a:latin typeface="Poppins Medium" panose="00000600000000000000" pitchFamily="2" charset="0"/>
+                <a:cs typeface="Poppins Medium" panose="00000600000000000000" pitchFamily="2" charset="0"/>
+              </a:rPr>
+              <a:t>www.npmjs.com</a:t>
+            </a:r>
+          </a:p>
+          <a:p>
+            <a:pPr marL="285750" indent="-285750">
+              <a:buFont typeface="Arial" panose="020B0604020202020204" pitchFamily="34" charset="0"/>
+              <a:buChar char="•"/>
+            </a:pPr>
+            <a:endParaRPr lang="it-IT" sz="2800" dirty="0">
+              <a:latin typeface="Poppins Medium" panose="00000600000000000000" pitchFamily="2" charset="0"/>
+              <a:cs typeface="Poppins Medium" panose="00000600000000000000" pitchFamily="2" charset="0"/>
+            </a:endParaRPr>
+          </a:p>
+        </p:txBody>
+      </p:sp>
+      <p:pic>
+        <p:nvPicPr>
+          <p:cNvPr id="5" name="Immagine 4">
+            <a:extLst>
+              <a:ext uri="{FF2B5EF4-FFF2-40B4-BE49-F238E27FC236}">
+                <a16:creationId xmlns:a16="http://schemas.microsoft.com/office/drawing/2014/main" id="{2956BBD5-331D-AB6E-57E8-9F224D111E64}"/>
+              </a:ext>
+            </a:extLst>
+          </p:cNvPr>
+          <p:cNvPicPr>
+            <a:picLocks noChangeAspect="1"/>
+          </p:cNvPicPr>
+          <p:nvPr/>
+        </p:nvPicPr>
+        <p:blipFill>
+          <a:blip r:embed="rId3">
+            <a:extLst>
+              <a:ext uri="{BEBA8EAE-BF5A-486C-A8C5-ECC9F3942E4B}">
+                <a14:imgProps xmlns:a14="http://schemas.microsoft.com/office/drawing/2010/main">
+                  <a14:imgLayer r:embed="rId4">
+                    <a14:imgEffect>
+                      <a14:backgroundRemoval t="5556" b="88889" l="5983" r="96581">
+                        <a14:foregroundMark x1="35897" y1="72222" x2="14530" y2="69444"/>
+                        <a14:foregroundMark x1="14530" y1="69444" x2="32479" y2="19444"/>
+                        <a14:foregroundMark x1="32479" y1="19444" x2="41026" y2="22222"/>
+                        <a14:foregroundMark x1="17949" y1="75000" x2="29060" y2="16667"/>
+                        <a14:foregroundMark x1="29060" y1="16667" x2="29060" y2="16667"/>
+                        <a14:foregroundMark x1="21368" y1="27778" x2="8547" y2="27778"/>
+                        <a14:foregroundMark x1="17094" y1="72222" x2="5983" y2="30556"/>
+                        <a14:foregroundMark x1="8547" y1="77778" x2="23077" y2="77778"/>
+                        <a14:foregroundMark x1="90406" y1="35862" x2="91453" y2="27778"/>
+                        <a14:foregroundMark x1="85025" y1="77395" x2="86967" y2="62406"/>
+                        <a14:foregroundMark x1="96399" y1="33706" x2="96581" y2="30556"/>
+                        <a14:foregroundMark x1="94017" y1="75000" x2="94908" y2="59550"/>
+                        <a14:backgroundMark x1="97436" y1="33333" x2="98291" y2="58333"/>
+                        <a14:backgroundMark x1="72650" y1="94444" x2="69231" y2="88889"/>
+                        <a14:backgroundMark x1="74359" y1="88889" x2="80342" y2="88889"/>
+                      </a14:backgroundRemoval>
+                    </a14:imgEffect>
+                  </a14:imgLayer>
+                </a14:imgProps>
+              </a:ext>
+              <a:ext uri="{28A0092B-C50C-407E-A947-70E740481C1C}">
+                <a14:useLocalDpi xmlns:a14="http://schemas.microsoft.com/office/drawing/2010/main" val="0"/>
+              </a:ext>
+            </a:extLst>
+          </a:blip>
+          <a:stretch>
+            <a:fillRect/>
+          </a:stretch>
+        </p:blipFill>
+        <p:spPr>
+          <a:xfrm>
+            <a:off x="1959371" y="3348526"/>
+            <a:ext cx="2295277" cy="706240"/>
+          </a:xfrm>
+          <a:prstGeom prst="rect">
+            <a:avLst/>
+          </a:prstGeom>
+        </p:spPr>
+      </p:pic>
+      <p:pic>
+        <p:nvPicPr>
+          <p:cNvPr id="1026" name="Picture 2">
+            <a:extLst>
+              <a:ext uri="{FF2B5EF4-FFF2-40B4-BE49-F238E27FC236}">
+                <a16:creationId xmlns:a16="http://schemas.microsoft.com/office/drawing/2014/main" id="{93DE7F50-7A67-9A5C-7C0F-09A9BF43DDB4}"/>
+              </a:ext>
+            </a:extLst>
+          </p:cNvPr>
+          <p:cNvPicPr>
+            <a:picLocks noChangeAspect="1" noChangeArrowheads="1"/>
+          </p:cNvPicPr>
+          <p:nvPr/>
+        </p:nvPicPr>
+        <p:blipFill>
+          <a:blip r:embed="rId5">
+            <a:extLst>
+              <a:ext uri="{28A0092B-C50C-407E-A947-70E740481C1C}">
+                <a14:useLocalDpi xmlns:a14="http://schemas.microsoft.com/office/drawing/2010/main" val="0"/>
+              </a:ext>
+            </a:extLst>
+          </a:blip>
+          <a:srcRect/>
+          <a:stretch>
+            <a:fillRect/>
+          </a:stretch>
+        </p:blipFill>
+        <p:spPr bwMode="auto">
+          <a:xfrm>
+            <a:off x="735083" y="4135737"/>
+            <a:ext cx="4743855" cy="1844173"/>
+          </a:xfrm>
+          <a:prstGeom prst="rect">
+            <a:avLst/>
+          </a:prstGeom>
+          <a:noFill/>
+          <a:extLst>
+            <a:ext uri="{909E8E84-426E-40DD-AFC4-6F175D3DCCD1}">
+              <a14:hiddenFill xmlns:a14="http://schemas.microsoft.com/office/drawing/2010/main">
+                <a:solidFill>
+                  <a:srgbClr val="FFFFFF"/>
+                </a:solidFill>
+              </a14:hiddenFill>
+            </a:ext>
+          </a:extLst>
+        </p:spPr>
+      </p:pic>
+      <p:pic>
+        <p:nvPicPr>
+          <p:cNvPr id="1028" name="Picture 4" descr="90,233 Cube Illustrations &amp; Clip Art - iStock">
+            <a:extLst>
+              <a:ext uri="{FF2B5EF4-FFF2-40B4-BE49-F238E27FC236}">
+                <a16:creationId xmlns:a16="http://schemas.microsoft.com/office/drawing/2014/main" id="{7731BBA3-90B5-B1B5-7FDE-F9E633308F94}"/>
+              </a:ext>
+            </a:extLst>
+          </p:cNvPr>
+          <p:cNvPicPr>
+            <a:picLocks noChangeAspect="1" noChangeArrowheads="1"/>
+          </p:cNvPicPr>
+          <p:nvPr/>
+        </p:nvPicPr>
+        <p:blipFill>
+          <a:blip r:embed="rId6">
+            <a:extLst>
+              <a:ext uri="{BEBA8EAE-BF5A-486C-A8C5-ECC9F3942E4B}">
+                <a14:imgProps xmlns:a14="http://schemas.microsoft.com/office/drawing/2010/main">
+                  <a14:imgLayer r:embed="rId7">
+                    <a14:imgEffect>
+                      <a14:backgroundRemoval t="8333" b="89869" l="9967" r="89869">
+                        <a14:foregroundMark x1="50490" y1="10131" x2="49837" y2="8333"/>
+                      </a14:backgroundRemoval>
+                    </a14:imgEffect>
+                    <a14:imgEffect>
+                      <a14:colorTemperature colorTemp="4700"/>
+                    </a14:imgEffect>
+                  </a14:imgLayer>
+                </a14:imgProps>
+              </a:ext>
+              <a:ext uri="{28A0092B-C50C-407E-A947-70E740481C1C}">
+                <a14:useLocalDpi xmlns:a14="http://schemas.microsoft.com/office/drawing/2010/main" val="0"/>
+              </a:ext>
+            </a:extLst>
+          </a:blip>
+          <a:srcRect/>
+          <a:stretch>
+            <a:fillRect/>
+          </a:stretch>
+        </p:blipFill>
+        <p:spPr bwMode="auto">
+          <a:xfrm>
+            <a:off x="6290258" y="1141845"/>
+            <a:ext cx="5319298" cy="5319298"/>
+          </a:xfrm>
+          <a:prstGeom prst="rect">
+            <a:avLst/>
+          </a:prstGeom>
+          <a:noFill/>
+          <a:extLst>
+            <a:ext uri="{909E8E84-426E-40DD-AFC4-6F175D3DCCD1}">
+              <a14:hiddenFill xmlns:a14="http://schemas.microsoft.com/office/drawing/2010/main">
+                <a:solidFill>
+                  <a:srgbClr val="FFFFFF"/>
+                </a:solidFill>
+              </a14:hiddenFill>
+            </a:ext>
+          </a:extLst>
+        </p:spPr>
+      </p:pic>
+    </p:spTree>
+    <p:extLst>
+      <p:ext uri="{BB962C8B-B14F-4D97-AF65-F5344CB8AC3E}">
+        <p14:creationId xmlns:p14="http://schemas.microsoft.com/office/powerpoint/2010/main" val="3738660082"/>
+      </p:ext>
+    </p:extLst>
+  </p:cSld>
+  <p:clrMapOvr>
+    <a:masterClrMapping/>
+  </p:clrMapOvr>
+</p:sld>
+</file>
+
+<file path=ppt/slides/slide29.xml><?xml version="1.0" encoding="utf-8"?>
+<p:sld xmlns:a="http://schemas.openxmlformats.org/drawingml/2006/main" xmlns:r="http://schemas.openxmlformats.org/officeDocument/2006/relationships" xmlns:p="http://schemas.openxmlformats.org/presentationml/2006/main">
+  <p:cSld>
+    <p:spTree>
+      <p:nvGrpSpPr>
+        <p:cNvPr id="1" name=""/>
+        <p:cNvGrpSpPr/>
+        <p:nvPr/>
+      </p:nvGrpSpPr>
+      <p:grpSpPr>
+        <a:xfrm>
+          <a:off x="0" y="0"/>
+          <a:ext cx="0" cy="0"/>
+          <a:chOff x="0" y="0"/>
+          <a:chExt cx="0" cy="0"/>
+        </a:xfrm>
+      </p:grpSpPr>
+      <p:sp>
+        <p:nvSpPr>
           <p:cNvPr id="9" name="Rettangolo 8">
             <a:extLst>
               <a:ext uri="{FF2B5EF4-FFF2-40B4-BE49-F238E27FC236}">
@@ -17818,7 +18903,7 @@
                 <a:cs typeface="Poppins Medium" panose="00000600000000000000" pitchFamily="2" charset="0"/>
               </a:rPr>
               <a:pPr/>
-              <a:t>28</a:t>
+              <a:t>29</a:t>
             </a:fld>
             <a:r>
               <a:rPr lang="de-DE" sz="1600">
@@ -17892,7 +18977,1822 @@
 </p:sld>
 </file>
 
-<file path=ppt/slides/slide29.xml><?xml version="1.0" encoding="utf-8"?>
+<file path=ppt/slides/slide3.xml><?xml version="1.0" encoding="utf-8"?>
+<p:sld xmlns:a="http://schemas.openxmlformats.org/drawingml/2006/main" xmlns:r="http://schemas.openxmlformats.org/officeDocument/2006/relationships" xmlns:p="http://schemas.openxmlformats.org/presentationml/2006/main">
+  <p:cSld>
+    <p:spTree>
+      <p:nvGrpSpPr>
+        <p:cNvPr id="1" name=""/>
+        <p:cNvGrpSpPr/>
+        <p:nvPr/>
+      </p:nvGrpSpPr>
+      <p:grpSpPr>
+        <a:xfrm>
+          <a:off x="0" y="0"/>
+          <a:ext cx="0" cy="0"/>
+          <a:chOff x="0" y="0"/>
+          <a:chExt cx="0" cy="0"/>
+        </a:xfrm>
+      </p:grpSpPr>
+      <p:sp>
+        <p:nvSpPr>
+          <p:cNvPr id="7" name="Segnaposto contenuto 6">
+            <a:extLst>
+              <a:ext uri="{FF2B5EF4-FFF2-40B4-BE49-F238E27FC236}">
+                <a16:creationId xmlns:a16="http://schemas.microsoft.com/office/drawing/2014/main" id="{02FC6CA0-25CF-64B7-760B-56A8388FA257}"/>
+              </a:ext>
+            </a:extLst>
+          </p:cNvPr>
+          <p:cNvSpPr>
+            <a:spLocks noGrp="1"/>
+          </p:cNvSpPr>
+          <p:nvPr>
+            <p:ph idx="1"/>
+          </p:nvPr>
+        </p:nvSpPr>
+        <p:spPr/>
+        <p:txBody>
+          <a:bodyPr/>
+          <a:lstStyle/>
+          <a:p>
+            <a:pPr marL="0" indent="0">
+              <a:buNone/>
+            </a:pPr>
+            <a:r>
+              <a:rPr lang="it-IT" sz="2400" dirty="0">
+                <a:latin typeface="Poppins Medium" panose="00000600000000000000" pitchFamily="2" charset="0"/>
+                <a:cs typeface="Poppins Medium" panose="00000600000000000000" pitchFamily="2" charset="0"/>
+              </a:rPr>
+              <a:t>Per aprire una </a:t>
+            </a:r>
+            <a:r>
+              <a:rPr lang="it-IT" sz="2400" dirty="0" err="1">
+                <a:latin typeface="Poppins Medium" panose="00000600000000000000" pitchFamily="2" charset="0"/>
+                <a:cs typeface="Poppins Medium" panose="00000600000000000000" pitchFamily="2" charset="0"/>
+              </a:rPr>
+              <a:t>issue</a:t>
+            </a:r>
+            <a:r>
+              <a:rPr lang="it-IT" sz="2400" dirty="0">
+                <a:latin typeface="Poppins Medium" panose="00000600000000000000" pitchFamily="2" charset="0"/>
+                <a:cs typeface="Poppins Medium" panose="00000600000000000000" pitchFamily="2" charset="0"/>
+              </a:rPr>
+              <a:t> si deve usare:</a:t>
+            </a:r>
+          </a:p>
+          <a:p>
+            <a:pPr marL="0" indent="0">
+              <a:buNone/>
+            </a:pPr>
+            <a:r>
+              <a:rPr lang="it-IT" sz="2400" dirty="0">
+                <a:solidFill>
+                  <a:schemeClr val="accent1">
+                    <a:lumMod val="75000"/>
+                  </a:schemeClr>
+                </a:solidFill>
+                <a:latin typeface="Poppins" panose="00000500000000000000" pitchFamily="2" charset="0"/>
+                <a:cs typeface="Poppins" panose="00000500000000000000" pitchFamily="2" charset="0"/>
+                <a:hlinkClick r:id="rId3"/>
+              </a:rPr>
+              <a:t>https://new-issue.vuejs.org/?repo=vuejs/core#</a:t>
+            </a:r>
+            <a:endParaRPr lang="it-IT" sz="2400" dirty="0">
+              <a:solidFill>
+                <a:schemeClr val="accent1">
+                  <a:lumMod val="75000"/>
+                </a:schemeClr>
+              </a:solidFill>
+              <a:latin typeface="Poppins" panose="00000500000000000000" pitchFamily="2" charset="0"/>
+              <a:cs typeface="Poppins" panose="00000500000000000000" pitchFamily="2" charset="0"/>
+            </a:endParaRPr>
+          </a:p>
+          <a:p>
+            <a:pPr marL="0" indent="0">
+              <a:buNone/>
+            </a:pPr>
+            <a:endParaRPr lang="it-IT" dirty="0">
+              <a:solidFill>
+                <a:schemeClr val="accent1">
+                  <a:lumMod val="75000"/>
+                </a:schemeClr>
+              </a:solidFill>
+            </a:endParaRPr>
+          </a:p>
+        </p:txBody>
+      </p:sp>
+      <p:sp>
+        <p:nvSpPr>
+          <p:cNvPr id="25" name="Segnaposto data 24">
+            <a:extLst>
+              <a:ext uri="{FF2B5EF4-FFF2-40B4-BE49-F238E27FC236}">
+                <a16:creationId xmlns:a16="http://schemas.microsoft.com/office/drawing/2014/main" id="{115DF917-AC48-486A-81F6-CF2DBBF5CD89}"/>
+              </a:ext>
+            </a:extLst>
+          </p:cNvPr>
+          <p:cNvSpPr>
+            <a:spLocks noGrp="1"/>
+          </p:cNvSpPr>
+          <p:nvPr>
+            <p:ph type="dt" sz="half" idx="10"/>
+          </p:nvPr>
+        </p:nvSpPr>
+        <p:spPr/>
+        <p:txBody>
+          <a:bodyPr/>
+          <a:lstStyle/>
+          <a:p>
+            <a:r>
+              <a:rPr lang="it-IT" sz="1600">
+                <a:solidFill>
+                  <a:schemeClr val="tx1"/>
+                </a:solidFill>
+                <a:latin typeface="Poppins Medium" panose="00000600000000000000" pitchFamily="2" charset="0"/>
+                <a:cs typeface="Poppins Medium" panose="00000600000000000000" pitchFamily="2" charset="0"/>
+              </a:rPr>
+              <a:t>31 Maggio 2022</a:t>
+            </a:r>
+            <a:endParaRPr lang="de-DE" sz="1600">
+              <a:solidFill>
+                <a:schemeClr val="tx1"/>
+              </a:solidFill>
+              <a:latin typeface="Poppins Medium" panose="00000600000000000000" pitchFamily="2" charset="0"/>
+              <a:cs typeface="Poppins Medium" panose="00000600000000000000" pitchFamily="2" charset="0"/>
+            </a:endParaRPr>
+          </a:p>
+        </p:txBody>
+      </p:sp>
+      <p:sp>
+        <p:nvSpPr>
+          <p:cNvPr id="27" name="Segnaposto numero diapositiva 26">
+            <a:extLst>
+              <a:ext uri="{FF2B5EF4-FFF2-40B4-BE49-F238E27FC236}">
+                <a16:creationId xmlns:a16="http://schemas.microsoft.com/office/drawing/2014/main" id="{F9C2EE25-215B-477C-AC6E-D2639B7A24B6}"/>
+              </a:ext>
+            </a:extLst>
+          </p:cNvPr>
+          <p:cNvSpPr>
+            <a:spLocks noGrp="1"/>
+          </p:cNvSpPr>
+          <p:nvPr>
+            <p:ph type="sldNum" sz="quarter" idx="12"/>
+          </p:nvPr>
+        </p:nvSpPr>
+        <p:spPr/>
+        <p:txBody>
+          <a:bodyPr/>
+          <a:lstStyle/>
+          <a:p>
+            <a:fld id="{66CD45B7-DFE2-4393-8D37-380FC36BF3AA}" type="slidenum">
+              <a:rPr lang="de-DE" sz="1600" smtClean="0">
+                <a:solidFill>
+                  <a:schemeClr val="tx1"/>
+                </a:solidFill>
+                <a:latin typeface="Poppins Medium" panose="00000600000000000000" pitchFamily="2" charset="0"/>
+                <a:cs typeface="Poppins Medium" panose="00000600000000000000" pitchFamily="2" charset="0"/>
+              </a:rPr>
+              <a:t>3</a:t>
+            </a:fld>
+            <a:r>
+              <a:rPr lang="de-DE" sz="1600">
+                <a:solidFill>
+                  <a:schemeClr val="tx1"/>
+                </a:solidFill>
+                <a:latin typeface="Poppins Medium" panose="00000600000000000000" pitchFamily="2" charset="0"/>
+                <a:cs typeface="Poppins Medium" panose="00000600000000000000" pitchFamily="2" charset="0"/>
+              </a:rPr>
+              <a:t>/16</a:t>
+            </a:r>
+          </a:p>
+        </p:txBody>
+      </p:sp>
+      <p:pic>
+        <p:nvPicPr>
+          <p:cNvPr id="9" name="Immagine 8" descr="Immagine che contiene testo&#10;&#10;Descrizione generata automaticamente">
+            <a:extLst>
+              <a:ext uri="{FF2B5EF4-FFF2-40B4-BE49-F238E27FC236}">
+                <a16:creationId xmlns:a16="http://schemas.microsoft.com/office/drawing/2014/main" id="{F95EC3CA-A266-0594-7DBD-E728DB78F0E8}"/>
+              </a:ext>
+            </a:extLst>
+          </p:cNvPr>
+          <p:cNvPicPr>
+            <a:picLocks noChangeAspect="1"/>
+          </p:cNvPicPr>
+          <p:nvPr/>
+        </p:nvPicPr>
+        <p:blipFill>
+          <a:blip r:embed="rId4">
+            <a:extLst>
+              <a:ext uri="{28A0092B-C50C-407E-A947-70E740481C1C}">
+                <a14:useLocalDpi xmlns:a14="http://schemas.microsoft.com/office/drawing/2010/main" val="0"/>
+              </a:ext>
+            </a:extLst>
+          </a:blip>
+          <a:stretch>
+            <a:fillRect/>
+          </a:stretch>
+        </p:blipFill>
+        <p:spPr>
+          <a:xfrm>
+            <a:off x="838200" y="2903620"/>
+            <a:ext cx="7292926" cy="3247695"/>
+          </a:xfrm>
+          <a:prstGeom prst="rect">
+            <a:avLst/>
+          </a:prstGeom>
+        </p:spPr>
+      </p:pic>
+      <p:sp>
+        <p:nvSpPr>
+          <p:cNvPr id="24" name="Rettangolo 23">
+            <a:extLst>
+              <a:ext uri="{FF2B5EF4-FFF2-40B4-BE49-F238E27FC236}">
+                <a16:creationId xmlns:a16="http://schemas.microsoft.com/office/drawing/2014/main" id="{71C5E46E-415B-CDB4-BE22-19B4CD41D603}"/>
+              </a:ext>
+            </a:extLst>
+          </p:cNvPr>
+          <p:cNvSpPr/>
+          <p:nvPr/>
+        </p:nvSpPr>
+        <p:spPr>
+          <a:xfrm>
+            <a:off x="0" y="0"/>
+            <a:ext cx="12184913" cy="1034891"/>
+          </a:xfrm>
+          <a:prstGeom prst="rect">
+            <a:avLst/>
+          </a:prstGeom>
+          <a:solidFill>
+            <a:srgbClr val="002060"/>
+          </a:solidFill>
+          <a:ln>
+            <a:noFill/>
+          </a:ln>
+        </p:spPr>
+        <p:style>
+          <a:lnRef idx="2">
+            <a:schemeClr val="accent3">
+              <a:shade val="50000"/>
+            </a:schemeClr>
+          </a:lnRef>
+          <a:fillRef idx="1">
+            <a:schemeClr val="accent3"/>
+          </a:fillRef>
+          <a:effectRef idx="0">
+            <a:schemeClr val="accent3"/>
+          </a:effectRef>
+          <a:fontRef idx="minor">
+            <a:schemeClr val="lt1"/>
+          </a:fontRef>
+        </p:style>
+        <p:txBody>
+          <a:bodyPr rtlCol="0" anchor="ctr"/>
+          <a:lstStyle/>
+          <a:p>
+            <a:pPr algn="ctr"/>
+            <a:endParaRPr lang="it-IT"/>
+          </a:p>
+        </p:txBody>
+      </p:sp>
+      <p:sp>
+        <p:nvSpPr>
+          <p:cNvPr id="28" name="Titolo 1">
+            <a:extLst>
+              <a:ext uri="{FF2B5EF4-FFF2-40B4-BE49-F238E27FC236}">
+                <a16:creationId xmlns:a16="http://schemas.microsoft.com/office/drawing/2014/main" id="{B5D7AE2C-90E2-7B91-00EC-386C77D3753C}"/>
+              </a:ext>
+            </a:extLst>
+          </p:cNvPr>
+          <p:cNvSpPr>
+            <a:spLocks noGrp="1"/>
+          </p:cNvSpPr>
+          <p:nvPr>
+            <p:ph type="title"/>
+          </p:nvPr>
+        </p:nvSpPr>
+        <p:spPr>
+          <a:xfrm>
+            <a:off x="272535" y="163591"/>
+            <a:ext cx="10176803" cy="707708"/>
+          </a:xfrm>
+        </p:spPr>
+        <p:txBody>
+          <a:bodyPr anchor="b">
+            <a:normAutofit/>
+          </a:bodyPr>
+          <a:lstStyle/>
+          <a:p>
+            <a:r>
+              <a:rPr lang="it-IT" sz="4000" b="1" dirty="0">
+                <a:solidFill>
+                  <a:schemeClr val="bg1"/>
+                </a:solidFill>
+                <a:effectLst>
+                  <a:outerShdw blurRad="38100" dist="38100" dir="2700000" algn="tl">
+                    <a:srgbClr val="000000">
+                      <a:alpha val="43137"/>
+                    </a:srgbClr>
+                  </a:outerShdw>
+                </a:effectLst>
+                <a:latin typeface="Poppins"/>
+                <a:cs typeface="Poppins"/>
+              </a:rPr>
+              <a:t>Apertura </a:t>
+            </a:r>
+            <a:r>
+              <a:rPr lang="it-IT" sz="4000" b="1" dirty="0" err="1">
+                <a:solidFill>
+                  <a:schemeClr val="bg1"/>
+                </a:solidFill>
+                <a:effectLst>
+                  <a:outerShdw blurRad="38100" dist="38100" dir="2700000" algn="tl">
+                    <a:srgbClr val="000000">
+                      <a:alpha val="43137"/>
+                    </a:srgbClr>
+                  </a:outerShdw>
+                </a:effectLst>
+                <a:latin typeface="Poppins"/>
+                <a:cs typeface="Poppins"/>
+              </a:rPr>
+              <a:t>issues</a:t>
+            </a:r>
+            <a:endParaRPr lang="it-IT" sz="4000" b="1" dirty="0">
+              <a:solidFill>
+                <a:schemeClr val="bg1"/>
+              </a:solidFill>
+              <a:effectLst>
+                <a:outerShdw blurRad="38100" dist="38100" dir="2700000" algn="tl">
+                  <a:srgbClr val="000000">
+                    <a:alpha val="43137"/>
+                  </a:srgbClr>
+                </a:outerShdw>
+              </a:effectLst>
+              <a:latin typeface="Poppins"/>
+              <a:cs typeface="Poppins"/>
+            </a:endParaRPr>
+          </a:p>
+        </p:txBody>
+      </p:sp>
+    </p:spTree>
+    <p:extLst>
+      <p:ext uri="{BB962C8B-B14F-4D97-AF65-F5344CB8AC3E}">
+        <p14:creationId xmlns:p14="http://schemas.microsoft.com/office/powerpoint/2010/main" val="4282466121"/>
+      </p:ext>
+    </p:extLst>
+  </p:cSld>
+  <p:clrMapOvr>
+    <a:masterClrMapping/>
+  </p:clrMapOvr>
+</p:sld>
+</file>
+
+<file path=ppt/slides/slide30.xml><?xml version="1.0" encoding="utf-8"?>
+<p:sld xmlns:a="http://schemas.openxmlformats.org/drawingml/2006/main" xmlns:r="http://schemas.openxmlformats.org/officeDocument/2006/relationships" xmlns:p="http://schemas.openxmlformats.org/presentationml/2006/main">
+  <p:cSld>
+    <p:spTree>
+      <p:nvGrpSpPr>
+        <p:cNvPr id="1" name=""/>
+        <p:cNvGrpSpPr/>
+        <p:nvPr/>
+      </p:nvGrpSpPr>
+      <p:grpSpPr>
+        <a:xfrm>
+          <a:off x="0" y="0"/>
+          <a:ext cx="0" cy="0"/>
+          <a:chOff x="0" y="0"/>
+          <a:chExt cx="0" cy="0"/>
+        </a:xfrm>
+      </p:grpSpPr>
+      <p:sp>
+        <p:nvSpPr>
+          <p:cNvPr id="25" name="Segnaposto data 24">
+            <a:extLst>
+              <a:ext uri="{FF2B5EF4-FFF2-40B4-BE49-F238E27FC236}">
+                <a16:creationId xmlns:a16="http://schemas.microsoft.com/office/drawing/2014/main" id="{115DF917-AC48-486A-81F6-CF2DBBF5CD89}"/>
+              </a:ext>
+            </a:extLst>
+          </p:cNvPr>
+          <p:cNvSpPr>
+            <a:spLocks noGrp="1"/>
+          </p:cNvSpPr>
+          <p:nvPr>
+            <p:ph type="dt" sz="half" idx="10"/>
+          </p:nvPr>
+        </p:nvSpPr>
+        <p:spPr/>
+        <p:txBody>
+          <a:bodyPr/>
+          <a:lstStyle/>
+          <a:p>
+            <a:r>
+              <a:rPr lang="it-IT" sz="1600">
+                <a:solidFill>
+                  <a:schemeClr val="tx1"/>
+                </a:solidFill>
+                <a:latin typeface="Poppins Medium" panose="00000600000000000000" pitchFamily="2" charset="0"/>
+                <a:cs typeface="Poppins Medium" panose="00000600000000000000" pitchFamily="2" charset="0"/>
+              </a:rPr>
+              <a:t>31 Maggio 2022</a:t>
+            </a:r>
+            <a:endParaRPr lang="de-DE" sz="1600">
+              <a:solidFill>
+                <a:schemeClr val="tx1"/>
+              </a:solidFill>
+              <a:latin typeface="Poppins Medium" panose="00000600000000000000" pitchFamily="2" charset="0"/>
+              <a:cs typeface="Poppins Medium" panose="00000600000000000000" pitchFamily="2" charset="0"/>
+            </a:endParaRPr>
+          </a:p>
+        </p:txBody>
+      </p:sp>
+      <p:sp>
+        <p:nvSpPr>
+          <p:cNvPr id="27" name="Segnaposto numero diapositiva 26">
+            <a:extLst>
+              <a:ext uri="{FF2B5EF4-FFF2-40B4-BE49-F238E27FC236}">
+                <a16:creationId xmlns:a16="http://schemas.microsoft.com/office/drawing/2014/main" id="{F9C2EE25-215B-477C-AC6E-D2639B7A24B6}"/>
+              </a:ext>
+            </a:extLst>
+          </p:cNvPr>
+          <p:cNvSpPr>
+            <a:spLocks noGrp="1"/>
+          </p:cNvSpPr>
+          <p:nvPr>
+            <p:ph type="sldNum" sz="quarter" idx="12"/>
+          </p:nvPr>
+        </p:nvSpPr>
+        <p:spPr/>
+        <p:txBody>
+          <a:bodyPr/>
+          <a:lstStyle/>
+          <a:p>
+            <a:fld id="{66CD45B7-DFE2-4393-8D37-380FC36BF3AA}" type="slidenum">
+              <a:rPr lang="de-DE" sz="1600" smtClean="0">
+                <a:solidFill>
+                  <a:schemeClr val="tx1"/>
+                </a:solidFill>
+                <a:latin typeface="Poppins Medium" panose="00000600000000000000" pitchFamily="2" charset="0"/>
+                <a:cs typeface="Poppins Medium" panose="00000600000000000000" pitchFamily="2" charset="0"/>
+              </a:rPr>
+              <a:t>30</a:t>
+            </a:fld>
+            <a:r>
+              <a:rPr lang="de-DE" sz="1600" dirty="0">
+                <a:solidFill>
+                  <a:schemeClr val="tx1"/>
+                </a:solidFill>
+                <a:latin typeface="Poppins Medium" panose="00000600000000000000" pitchFamily="2" charset="0"/>
+                <a:cs typeface="Poppins Medium" panose="00000600000000000000" pitchFamily="2" charset="0"/>
+              </a:rPr>
+              <a:t>/16</a:t>
+            </a:r>
+          </a:p>
+        </p:txBody>
+      </p:sp>
+      <p:sp>
+        <p:nvSpPr>
+          <p:cNvPr id="12" name="Rettangolo 11">
+            <a:extLst>
+              <a:ext uri="{FF2B5EF4-FFF2-40B4-BE49-F238E27FC236}">
+                <a16:creationId xmlns:a16="http://schemas.microsoft.com/office/drawing/2014/main" id="{F0FAD030-2623-A89C-4FA1-55CE81C0AE08}"/>
+              </a:ext>
+            </a:extLst>
+          </p:cNvPr>
+          <p:cNvSpPr/>
+          <p:nvPr/>
+        </p:nvSpPr>
+        <p:spPr>
+          <a:xfrm>
+            <a:off x="0" y="0"/>
+            <a:ext cx="12184913" cy="1034891"/>
+          </a:xfrm>
+          <a:prstGeom prst="rect">
+            <a:avLst/>
+          </a:prstGeom>
+          <a:solidFill>
+            <a:srgbClr val="002060"/>
+          </a:solidFill>
+          <a:ln>
+            <a:noFill/>
+          </a:ln>
+        </p:spPr>
+        <p:style>
+          <a:lnRef idx="2">
+            <a:schemeClr val="accent3">
+              <a:shade val="50000"/>
+            </a:schemeClr>
+          </a:lnRef>
+          <a:fillRef idx="1">
+            <a:schemeClr val="accent3"/>
+          </a:fillRef>
+          <a:effectRef idx="0">
+            <a:schemeClr val="accent3"/>
+          </a:effectRef>
+          <a:fontRef idx="minor">
+            <a:schemeClr val="lt1"/>
+          </a:fontRef>
+        </p:style>
+        <p:txBody>
+          <a:bodyPr rtlCol="0" anchor="ctr"/>
+          <a:lstStyle/>
+          <a:p>
+            <a:pPr algn="ctr"/>
+            <a:endParaRPr lang="it-IT"/>
+          </a:p>
+        </p:txBody>
+      </p:sp>
+      <p:sp>
+        <p:nvSpPr>
+          <p:cNvPr id="13" name="Titolo 1">
+            <a:extLst>
+              <a:ext uri="{FF2B5EF4-FFF2-40B4-BE49-F238E27FC236}">
+                <a16:creationId xmlns:a16="http://schemas.microsoft.com/office/drawing/2014/main" id="{A0F14F07-00BE-A130-44A5-463A5F98673C}"/>
+              </a:ext>
+            </a:extLst>
+          </p:cNvPr>
+          <p:cNvSpPr>
+            <a:spLocks noGrp="1"/>
+          </p:cNvSpPr>
+          <p:nvPr>
+            <p:ph type="title"/>
+          </p:nvPr>
+        </p:nvSpPr>
+        <p:spPr>
+          <a:xfrm>
+            <a:off x="272535" y="163591"/>
+            <a:ext cx="10176803" cy="707708"/>
+          </a:xfrm>
+        </p:spPr>
+        <p:txBody>
+          <a:bodyPr anchor="b">
+            <a:normAutofit/>
+          </a:bodyPr>
+          <a:lstStyle/>
+          <a:p>
+            <a:r>
+              <a:rPr lang="it-IT" sz="4000" b="1" dirty="0">
+                <a:solidFill>
+                  <a:schemeClr val="bg1"/>
+                </a:solidFill>
+                <a:latin typeface="Poppins"/>
+                <a:cs typeface="Poppins"/>
+              </a:rPr>
+              <a:t>CD-Strumento utilizzato</a:t>
+            </a:r>
+          </a:p>
+        </p:txBody>
+      </p:sp>
+      <p:sp>
+        <p:nvSpPr>
+          <p:cNvPr id="8" name="Segnaposto contenuto 6">
+            <a:extLst>
+              <a:ext uri="{FF2B5EF4-FFF2-40B4-BE49-F238E27FC236}">
+                <a16:creationId xmlns:a16="http://schemas.microsoft.com/office/drawing/2014/main" id="{F832EED3-9182-E3BD-D2D5-1723AFD8A0BD}"/>
+              </a:ext>
+            </a:extLst>
+          </p:cNvPr>
+          <p:cNvSpPr txBox="1">
+            <a:spLocks/>
+          </p:cNvSpPr>
+          <p:nvPr/>
+        </p:nvSpPr>
+        <p:spPr>
+          <a:xfrm>
+            <a:off x="834656" y="2005012"/>
+            <a:ext cx="10515600" cy="4351338"/>
+          </a:xfrm>
+          <a:prstGeom prst="rect">
+            <a:avLst/>
+          </a:prstGeom>
+        </p:spPr>
+        <p:txBody>
+          <a:bodyPr vert="horz" lIns="91440" tIns="45720" rIns="91440" bIns="45720" rtlCol="0">
+            <a:normAutofit/>
+          </a:bodyPr>
+          <a:lstStyle>
+            <a:lvl1pPr marL="228600" indent="-228600" algn="l" defTabSz="914400" rtl="0" eaLnBrk="1" latinLnBrk="0" hangingPunct="1">
+              <a:lnSpc>
+                <a:spcPct val="90000"/>
+              </a:lnSpc>
+              <a:spcBef>
+                <a:spcPts val="1000"/>
+              </a:spcBef>
+              <a:buFont typeface="Arial" panose="020B0604020202020204" pitchFamily="34" charset="0"/>
+              <a:buChar char="•"/>
+              <a:defRPr sz="2800" kern="1200">
+                <a:solidFill>
+                  <a:schemeClr val="tx1"/>
+                </a:solidFill>
+                <a:latin typeface="+mn-lt"/>
+                <a:ea typeface="+mn-ea"/>
+                <a:cs typeface="+mn-cs"/>
+              </a:defRPr>
+            </a:lvl1pPr>
+            <a:lvl2pPr marL="685800" indent="-228600" algn="l" defTabSz="914400" rtl="0" eaLnBrk="1" latinLnBrk="0" hangingPunct="1">
+              <a:lnSpc>
+                <a:spcPct val="90000"/>
+              </a:lnSpc>
+              <a:spcBef>
+                <a:spcPts val="500"/>
+              </a:spcBef>
+              <a:buFont typeface="Arial" panose="020B0604020202020204" pitchFamily="34" charset="0"/>
+              <a:buChar char="•"/>
+              <a:defRPr sz="2400" kern="1200">
+                <a:solidFill>
+                  <a:schemeClr val="tx1"/>
+                </a:solidFill>
+                <a:latin typeface="+mn-lt"/>
+                <a:ea typeface="+mn-ea"/>
+                <a:cs typeface="+mn-cs"/>
+              </a:defRPr>
+            </a:lvl2pPr>
+            <a:lvl3pPr marL="1143000" indent="-228600" algn="l" defTabSz="914400" rtl="0" eaLnBrk="1" latinLnBrk="0" hangingPunct="1">
+              <a:lnSpc>
+                <a:spcPct val="90000"/>
+              </a:lnSpc>
+              <a:spcBef>
+                <a:spcPts val="500"/>
+              </a:spcBef>
+              <a:buFont typeface="Arial" panose="020B0604020202020204" pitchFamily="34" charset="0"/>
+              <a:buChar char="•"/>
+              <a:defRPr sz="2000" kern="1200">
+                <a:solidFill>
+                  <a:schemeClr val="tx1"/>
+                </a:solidFill>
+                <a:latin typeface="+mn-lt"/>
+                <a:ea typeface="+mn-ea"/>
+                <a:cs typeface="+mn-cs"/>
+              </a:defRPr>
+            </a:lvl3pPr>
+            <a:lvl4pPr marL="1600200" indent="-228600" algn="l" defTabSz="914400" rtl="0" eaLnBrk="1" latinLnBrk="0" hangingPunct="1">
+              <a:lnSpc>
+                <a:spcPct val="90000"/>
+              </a:lnSpc>
+              <a:spcBef>
+                <a:spcPts val="500"/>
+              </a:spcBef>
+              <a:buFont typeface="Arial" panose="020B0604020202020204" pitchFamily="34" charset="0"/>
+              <a:buChar char="•"/>
+              <a:defRPr sz="1800" kern="1200">
+                <a:solidFill>
+                  <a:schemeClr val="tx1"/>
+                </a:solidFill>
+                <a:latin typeface="+mn-lt"/>
+                <a:ea typeface="+mn-ea"/>
+                <a:cs typeface="+mn-cs"/>
+              </a:defRPr>
+            </a:lvl4pPr>
+            <a:lvl5pPr marL="2057400" indent="-228600" algn="l" defTabSz="914400" rtl="0" eaLnBrk="1" latinLnBrk="0" hangingPunct="1">
+              <a:lnSpc>
+                <a:spcPct val="90000"/>
+              </a:lnSpc>
+              <a:spcBef>
+                <a:spcPts val="500"/>
+              </a:spcBef>
+              <a:buFont typeface="Arial" panose="020B0604020202020204" pitchFamily="34" charset="0"/>
+              <a:buChar char="•"/>
+              <a:defRPr sz="1800" kern="1200">
+                <a:solidFill>
+                  <a:schemeClr val="tx1"/>
+                </a:solidFill>
+                <a:latin typeface="+mn-lt"/>
+                <a:ea typeface="+mn-ea"/>
+                <a:cs typeface="+mn-cs"/>
+              </a:defRPr>
+            </a:lvl5pPr>
+            <a:lvl6pPr marL="2514600" indent="-228600" algn="l" defTabSz="914400" rtl="0" eaLnBrk="1" latinLnBrk="0" hangingPunct="1">
+              <a:lnSpc>
+                <a:spcPct val="90000"/>
+              </a:lnSpc>
+              <a:spcBef>
+                <a:spcPts val="500"/>
+              </a:spcBef>
+              <a:buFont typeface="Arial" panose="020B0604020202020204" pitchFamily="34" charset="0"/>
+              <a:buChar char="•"/>
+              <a:defRPr sz="1800" kern="1200">
+                <a:solidFill>
+                  <a:schemeClr val="tx1"/>
+                </a:solidFill>
+                <a:latin typeface="+mn-lt"/>
+                <a:ea typeface="+mn-ea"/>
+                <a:cs typeface="+mn-cs"/>
+              </a:defRPr>
+            </a:lvl6pPr>
+            <a:lvl7pPr marL="2971800" indent="-228600" algn="l" defTabSz="914400" rtl="0" eaLnBrk="1" latinLnBrk="0" hangingPunct="1">
+              <a:lnSpc>
+                <a:spcPct val="90000"/>
+              </a:lnSpc>
+              <a:spcBef>
+                <a:spcPts val="500"/>
+              </a:spcBef>
+              <a:buFont typeface="Arial" panose="020B0604020202020204" pitchFamily="34" charset="0"/>
+              <a:buChar char="•"/>
+              <a:defRPr sz="1800" kern="1200">
+                <a:solidFill>
+                  <a:schemeClr val="tx1"/>
+                </a:solidFill>
+                <a:latin typeface="+mn-lt"/>
+                <a:ea typeface="+mn-ea"/>
+                <a:cs typeface="+mn-cs"/>
+              </a:defRPr>
+            </a:lvl7pPr>
+            <a:lvl8pPr marL="3429000" indent="-228600" algn="l" defTabSz="914400" rtl="0" eaLnBrk="1" latinLnBrk="0" hangingPunct="1">
+              <a:lnSpc>
+                <a:spcPct val="90000"/>
+              </a:lnSpc>
+              <a:spcBef>
+                <a:spcPts val="500"/>
+              </a:spcBef>
+              <a:buFont typeface="Arial" panose="020B0604020202020204" pitchFamily="34" charset="0"/>
+              <a:buChar char="•"/>
+              <a:defRPr sz="1800" kern="1200">
+                <a:solidFill>
+                  <a:schemeClr val="tx1"/>
+                </a:solidFill>
+                <a:latin typeface="+mn-lt"/>
+                <a:ea typeface="+mn-ea"/>
+                <a:cs typeface="+mn-cs"/>
+              </a:defRPr>
+            </a:lvl8pPr>
+            <a:lvl9pPr marL="3886200" indent="-228600" algn="l" defTabSz="914400" rtl="0" eaLnBrk="1" latinLnBrk="0" hangingPunct="1">
+              <a:lnSpc>
+                <a:spcPct val="90000"/>
+              </a:lnSpc>
+              <a:spcBef>
+                <a:spcPts val="500"/>
+              </a:spcBef>
+              <a:buFont typeface="Arial" panose="020B0604020202020204" pitchFamily="34" charset="0"/>
+              <a:buChar char="•"/>
+              <a:defRPr sz="1800" kern="1200">
+                <a:solidFill>
+                  <a:schemeClr val="tx1"/>
+                </a:solidFill>
+                <a:latin typeface="+mn-lt"/>
+                <a:ea typeface="+mn-ea"/>
+                <a:cs typeface="+mn-cs"/>
+              </a:defRPr>
+            </a:lvl9pPr>
+          </a:lstStyle>
+          <a:p>
+            <a:pPr marL="0" indent="0">
+              <a:buFont typeface="Arial" panose="020B0604020202020204" pitchFamily="34" charset="0"/>
+              <a:buNone/>
+            </a:pPr>
+            <a:endParaRPr lang="it-IT" sz="2400" dirty="0">
+              <a:latin typeface="Poppins Medium" panose="00000600000000000000" pitchFamily="2" charset="0"/>
+              <a:cs typeface="Poppins Medium" panose="00000600000000000000" pitchFamily="2" charset="0"/>
+            </a:endParaRPr>
+          </a:p>
+          <a:p>
+            <a:pPr marL="0" indent="0">
+              <a:buFont typeface="Arial" panose="020B0604020202020204" pitchFamily="34" charset="0"/>
+              <a:buNone/>
+            </a:pPr>
+            <a:endParaRPr lang="it-IT" sz="2400" dirty="0">
+              <a:latin typeface="Poppins Medium" panose="00000600000000000000" pitchFamily="2" charset="0"/>
+              <a:cs typeface="Poppins Medium" panose="00000600000000000000" pitchFamily="2" charset="0"/>
+            </a:endParaRPr>
+          </a:p>
+          <a:p>
+            <a:pPr marL="0" indent="0">
+              <a:buFont typeface="Arial" panose="020B0604020202020204" pitchFamily="34" charset="0"/>
+              <a:buNone/>
+            </a:pPr>
+            <a:endParaRPr lang="it-IT" sz="2400" dirty="0">
+              <a:latin typeface="Poppins Medium" panose="00000600000000000000" pitchFamily="2" charset="0"/>
+              <a:cs typeface="Poppins Medium" panose="00000600000000000000" pitchFamily="2" charset="0"/>
+            </a:endParaRPr>
+          </a:p>
+          <a:p>
+            <a:pPr marL="0" indent="0">
+              <a:buFont typeface="Arial" panose="020B0604020202020204" pitchFamily="34" charset="0"/>
+              <a:buNone/>
+            </a:pPr>
+            <a:endParaRPr lang="it-IT" dirty="0">
+              <a:solidFill>
+                <a:schemeClr val="accent1">
+                  <a:lumMod val="75000"/>
+                </a:schemeClr>
+              </a:solidFill>
+            </a:endParaRPr>
+          </a:p>
+        </p:txBody>
+      </p:sp>
+      <p:sp>
+        <p:nvSpPr>
+          <p:cNvPr id="10" name="CasellaDiTesto 9">
+            <a:extLst>
+              <a:ext uri="{FF2B5EF4-FFF2-40B4-BE49-F238E27FC236}">
+                <a16:creationId xmlns:a16="http://schemas.microsoft.com/office/drawing/2014/main" id="{A7CDDB9E-ADE5-C99D-F37A-B5643C4976DA}"/>
+              </a:ext>
+            </a:extLst>
+          </p:cNvPr>
+          <p:cNvSpPr txBox="1"/>
+          <p:nvPr/>
+        </p:nvSpPr>
+        <p:spPr>
+          <a:xfrm>
+            <a:off x="735081" y="1925905"/>
+            <a:ext cx="6773281" cy="3539430"/>
+          </a:xfrm>
+          <a:prstGeom prst="rect">
+            <a:avLst/>
+          </a:prstGeom>
+          <a:noFill/>
+        </p:spPr>
+        <p:txBody>
+          <a:bodyPr wrap="square" rtlCol="0">
+            <a:spAutoFit/>
+          </a:bodyPr>
+          <a:lstStyle/>
+          <a:p>
+            <a:pPr marL="457200" indent="-457200">
+              <a:buFont typeface="Arial" panose="020B0604020202020204" pitchFamily="34" charset="0"/>
+              <a:buChar char="•"/>
+            </a:pPr>
+            <a:r>
+              <a:rPr lang="it-IT" sz="2800" dirty="0">
+                <a:latin typeface="Poppins Medium" panose="00000600000000000000" pitchFamily="2" charset="0"/>
+                <a:cs typeface="Poppins Medium" panose="00000600000000000000" pitchFamily="2" charset="0"/>
+              </a:rPr>
+              <a:t>Il progetto utilizza la piattaforma di distribuzione continua </a:t>
+            </a:r>
+            <a:r>
+              <a:rPr lang="it-IT" sz="2800" dirty="0" err="1">
+                <a:latin typeface="Poppins Medium" panose="00000600000000000000" pitchFamily="2" charset="0"/>
+                <a:cs typeface="Poppins Medium" panose="00000600000000000000" pitchFamily="2" charset="0"/>
+              </a:rPr>
+              <a:t>CircleCI</a:t>
+            </a:r>
+            <a:r>
+              <a:rPr lang="it-IT" sz="2800" dirty="0">
+                <a:latin typeface="Poppins Medium" panose="00000600000000000000" pitchFamily="2" charset="0"/>
+                <a:cs typeface="Poppins Medium" panose="00000600000000000000" pitchFamily="2" charset="0"/>
+              </a:rPr>
+              <a:t> (</a:t>
+            </a:r>
+            <a:r>
+              <a:rPr lang="it-IT" sz="2800" u="sng" dirty="0">
+                <a:solidFill>
+                  <a:schemeClr val="accent1">
+                    <a:lumMod val="50000"/>
+                  </a:schemeClr>
+                </a:solidFill>
+                <a:latin typeface="Poppins Medium" panose="00000600000000000000" pitchFamily="2" charset="0"/>
+                <a:cs typeface="Poppins Medium" panose="00000600000000000000" pitchFamily="2" charset="0"/>
+              </a:rPr>
+              <a:t>circleci.com).</a:t>
+            </a:r>
+          </a:p>
+          <a:p>
+            <a:pPr marL="457200" indent="-457200">
+              <a:buFont typeface="Arial" panose="020B0604020202020204" pitchFamily="34" charset="0"/>
+              <a:buChar char="•"/>
+            </a:pPr>
+            <a:r>
+              <a:rPr lang="it-IT" sz="2800" dirty="0">
+                <a:latin typeface="Poppins Medium" panose="00000600000000000000" pitchFamily="2" charset="0"/>
+                <a:cs typeface="Poppins Medium" panose="00000600000000000000" pitchFamily="2" charset="0"/>
+              </a:rPr>
+              <a:t>La pipeline CD di Vue.js si può trovare al link: </a:t>
+            </a:r>
+            <a:r>
+              <a:rPr lang="it-IT" sz="2800" u="sng" dirty="0">
+                <a:solidFill>
+                  <a:schemeClr val="accent1">
+                    <a:lumMod val="50000"/>
+                  </a:schemeClr>
+                </a:solidFill>
+                <a:latin typeface="Poppins Medium" panose="00000600000000000000" pitchFamily="2" charset="0"/>
+                <a:cs typeface="Poppins Medium" panose="00000600000000000000" pitchFamily="2" charset="0"/>
+              </a:rPr>
+              <a:t>app.circleci.com/pipelines/github/vuejs/vue?branch=</a:t>
+            </a:r>
+            <a:r>
+              <a:rPr lang="it-IT" sz="2800" u="sng" dirty="0" err="1">
+                <a:solidFill>
+                  <a:schemeClr val="accent1">
+                    <a:lumMod val="50000"/>
+                  </a:schemeClr>
+                </a:solidFill>
+                <a:latin typeface="Poppins Medium" panose="00000600000000000000" pitchFamily="2" charset="0"/>
+                <a:cs typeface="Poppins Medium" panose="00000600000000000000" pitchFamily="2" charset="0"/>
+              </a:rPr>
+              <a:t>dev</a:t>
+            </a:r>
+            <a:r>
+              <a:rPr lang="it-IT" sz="2800" dirty="0">
+                <a:latin typeface="Poppins Medium" panose="00000600000000000000" pitchFamily="2" charset="0"/>
+                <a:cs typeface="Poppins Medium" panose="00000600000000000000" pitchFamily="2" charset="0"/>
+              </a:rPr>
+              <a:t>.</a:t>
+            </a:r>
+            <a:endParaRPr lang="it-IT" sz="2800" u="sng" dirty="0">
+              <a:solidFill>
+                <a:schemeClr val="accent1">
+                  <a:lumMod val="50000"/>
+                </a:schemeClr>
+              </a:solidFill>
+              <a:latin typeface="Poppins Medium" panose="00000600000000000000" pitchFamily="2" charset="0"/>
+              <a:cs typeface="Poppins Medium" panose="00000600000000000000" pitchFamily="2" charset="0"/>
+            </a:endParaRPr>
+          </a:p>
+          <a:p>
+            <a:pPr marL="285750" indent="-285750">
+              <a:buFont typeface="Arial" panose="020B0604020202020204" pitchFamily="34" charset="0"/>
+              <a:buChar char="•"/>
+            </a:pPr>
+            <a:endParaRPr lang="it-IT" sz="2800" dirty="0">
+              <a:latin typeface="Poppins Medium" panose="00000600000000000000" pitchFamily="2" charset="0"/>
+              <a:cs typeface="Poppins Medium" panose="00000600000000000000" pitchFamily="2" charset="0"/>
+            </a:endParaRPr>
+          </a:p>
+        </p:txBody>
+      </p:sp>
+      <p:pic>
+        <p:nvPicPr>
+          <p:cNvPr id="2050" name="Picture 2" descr="CircleCI - Wikipedia">
+            <a:extLst>
+              <a:ext uri="{FF2B5EF4-FFF2-40B4-BE49-F238E27FC236}">
+                <a16:creationId xmlns:a16="http://schemas.microsoft.com/office/drawing/2014/main" id="{F665BB6B-51B4-2AC3-3CF2-73A9AB671260}"/>
+              </a:ext>
+            </a:extLst>
+          </p:cNvPr>
+          <p:cNvPicPr>
+            <a:picLocks noChangeAspect="1" noChangeArrowheads="1"/>
+          </p:cNvPicPr>
+          <p:nvPr/>
+        </p:nvPicPr>
+        <p:blipFill>
+          <a:blip r:embed="rId3">
+            <a:extLst>
+              <a:ext uri="{28A0092B-C50C-407E-A947-70E740481C1C}">
+                <a14:useLocalDpi xmlns:a14="http://schemas.microsoft.com/office/drawing/2010/main" val="0"/>
+              </a:ext>
+            </a:extLst>
+          </a:blip>
+          <a:srcRect/>
+          <a:stretch>
+            <a:fillRect/>
+          </a:stretch>
+        </p:blipFill>
+        <p:spPr bwMode="auto">
+          <a:xfrm>
+            <a:off x="8655584" y="1312633"/>
+            <a:ext cx="2012828" cy="2033065"/>
+          </a:xfrm>
+          <a:prstGeom prst="rect">
+            <a:avLst/>
+          </a:prstGeom>
+          <a:noFill/>
+          <a:extLst>
+            <a:ext uri="{909E8E84-426E-40DD-AFC4-6F175D3DCCD1}">
+              <a14:hiddenFill xmlns:a14="http://schemas.microsoft.com/office/drawing/2010/main">
+                <a:solidFill>
+                  <a:srgbClr val="FFFFFF"/>
+                </a:solidFill>
+              </a14:hiddenFill>
+            </a:ext>
+          </a:extLst>
+        </p:spPr>
+      </p:pic>
+      <p:pic>
+        <p:nvPicPr>
+          <p:cNvPr id="2052" name="Picture 4" descr="Introduzione al Continuous delivery - iProg">
+            <a:extLst>
+              <a:ext uri="{FF2B5EF4-FFF2-40B4-BE49-F238E27FC236}">
+                <a16:creationId xmlns:a16="http://schemas.microsoft.com/office/drawing/2014/main" id="{8DF413FB-0F0F-70AA-A089-10BA48C014D5}"/>
+              </a:ext>
+            </a:extLst>
+          </p:cNvPr>
+          <p:cNvPicPr>
+            <a:picLocks noChangeAspect="1" noChangeArrowheads="1"/>
+          </p:cNvPicPr>
+          <p:nvPr/>
+        </p:nvPicPr>
+        <p:blipFill>
+          <a:blip r:embed="rId4">
+            <a:extLst>
+              <a:ext uri="{28A0092B-C50C-407E-A947-70E740481C1C}">
+                <a14:useLocalDpi xmlns:a14="http://schemas.microsoft.com/office/drawing/2010/main" val="0"/>
+              </a:ext>
+            </a:extLst>
+          </a:blip>
+          <a:srcRect/>
+          <a:stretch>
+            <a:fillRect/>
+          </a:stretch>
+        </p:blipFill>
+        <p:spPr bwMode="auto">
+          <a:xfrm>
+            <a:off x="8365787" y="3355011"/>
+            <a:ext cx="2594042" cy="2594042"/>
+          </a:xfrm>
+          <a:prstGeom prst="rect">
+            <a:avLst/>
+          </a:prstGeom>
+          <a:noFill/>
+          <a:extLst>
+            <a:ext uri="{909E8E84-426E-40DD-AFC4-6F175D3DCCD1}">
+              <a14:hiddenFill xmlns:a14="http://schemas.microsoft.com/office/drawing/2010/main">
+                <a:solidFill>
+                  <a:srgbClr val="FFFFFF"/>
+                </a:solidFill>
+              </a14:hiddenFill>
+            </a:ext>
+          </a:extLst>
+        </p:spPr>
+      </p:pic>
+    </p:spTree>
+    <p:extLst>
+      <p:ext uri="{BB962C8B-B14F-4D97-AF65-F5344CB8AC3E}">
+        <p14:creationId xmlns:p14="http://schemas.microsoft.com/office/powerpoint/2010/main" val="4047996401"/>
+      </p:ext>
+    </p:extLst>
+  </p:cSld>
+  <p:clrMapOvr>
+    <a:masterClrMapping/>
+  </p:clrMapOvr>
+</p:sld>
+</file>
+
+<file path=ppt/slides/slide31.xml><?xml version="1.0" encoding="utf-8"?>
+<p:sld xmlns:a="http://schemas.openxmlformats.org/drawingml/2006/main" xmlns:r="http://schemas.openxmlformats.org/officeDocument/2006/relationships" xmlns:p="http://schemas.openxmlformats.org/presentationml/2006/main">
+  <p:cSld>
+    <p:spTree>
+      <p:nvGrpSpPr>
+        <p:cNvPr id="1" name=""/>
+        <p:cNvGrpSpPr/>
+        <p:nvPr/>
+      </p:nvGrpSpPr>
+      <p:grpSpPr>
+        <a:xfrm>
+          <a:off x="0" y="0"/>
+          <a:ext cx="0" cy="0"/>
+          <a:chOff x="0" y="0"/>
+          <a:chExt cx="0" cy="0"/>
+        </a:xfrm>
+      </p:grpSpPr>
+      <p:sp>
+        <p:nvSpPr>
+          <p:cNvPr id="25" name="Segnaposto data 24">
+            <a:extLst>
+              <a:ext uri="{FF2B5EF4-FFF2-40B4-BE49-F238E27FC236}">
+                <a16:creationId xmlns:a16="http://schemas.microsoft.com/office/drawing/2014/main" id="{115DF917-AC48-486A-81F6-CF2DBBF5CD89}"/>
+              </a:ext>
+            </a:extLst>
+          </p:cNvPr>
+          <p:cNvSpPr>
+            <a:spLocks noGrp="1"/>
+          </p:cNvSpPr>
+          <p:nvPr>
+            <p:ph type="dt" sz="half" idx="10"/>
+          </p:nvPr>
+        </p:nvSpPr>
+        <p:spPr/>
+        <p:txBody>
+          <a:bodyPr/>
+          <a:lstStyle/>
+          <a:p>
+            <a:r>
+              <a:rPr lang="it-IT" sz="1600">
+                <a:solidFill>
+                  <a:schemeClr val="tx1"/>
+                </a:solidFill>
+                <a:latin typeface="Poppins Medium" panose="00000600000000000000" pitchFamily="2" charset="0"/>
+                <a:cs typeface="Poppins Medium" panose="00000600000000000000" pitchFamily="2" charset="0"/>
+              </a:rPr>
+              <a:t>31 Maggio 2022</a:t>
+            </a:r>
+            <a:endParaRPr lang="de-DE" sz="1600">
+              <a:solidFill>
+                <a:schemeClr val="tx1"/>
+              </a:solidFill>
+              <a:latin typeface="Poppins Medium" panose="00000600000000000000" pitchFamily="2" charset="0"/>
+              <a:cs typeface="Poppins Medium" panose="00000600000000000000" pitchFamily="2" charset="0"/>
+            </a:endParaRPr>
+          </a:p>
+        </p:txBody>
+      </p:sp>
+      <p:sp>
+        <p:nvSpPr>
+          <p:cNvPr id="27" name="Segnaposto numero diapositiva 26">
+            <a:extLst>
+              <a:ext uri="{FF2B5EF4-FFF2-40B4-BE49-F238E27FC236}">
+                <a16:creationId xmlns:a16="http://schemas.microsoft.com/office/drawing/2014/main" id="{F9C2EE25-215B-477C-AC6E-D2639B7A24B6}"/>
+              </a:ext>
+            </a:extLst>
+          </p:cNvPr>
+          <p:cNvSpPr>
+            <a:spLocks noGrp="1"/>
+          </p:cNvSpPr>
+          <p:nvPr>
+            <p:ph type="sldNum" sz="quarter" idx="12"/>
+          </p:nvPr>
+        </p:nvSpPr>
+        <p:spPr/>
+        <p:txBody>
+          <a:bodyPr/>
+          <a:lstStyle/>
+          <a:p>
+            <a:fld id="{66CD45B7-DFE2-4393-8D37-380FC36BF3AA}" type="slidenum">
+              <a:rPr lang="de-DE" sz="1600" smtClean="0">
+                <a:solidFill>
+                  <a:schemeClr val="tx1"/>
+                </a:solidFill>
+                <a:latin typeface="Poppins Medium" panose="00000600000000000000" pitchFamily="2" charset="0"/>
+                <a:cs typeface="Poppins Medium" panose="00000600000000000000" pitchFamily="2" charset="0"/>
+              </a:rPr>
+              <a:t>31</a:t>
+            </a:fld>
+            <a:r>
+              <a:rPr lang="de-DE" sz="1600" dirty="0">
+                <a:solidFill>
+                  <a:schemeClr val="tx1"/>
+                </a:solidFill>
+                <a:latin typeface="Poppins Medium" panose="00000600000000000000" pitchFamily="2" charset="0"/>
+                <a:cs typeface="Poppins Medium" panose="00000600000000000000" pitchFamily="2" charset="0"/>
+              </a:rPr>
+              <a:t>/16</a:t>
+            </a:r>
+          </a:p>
+        </p:txBody>
+      </p:sp>
+      <p:sp>
+        <p:nvSpPr>
+          <p:cNvPr id="8" name="Segnaposto contenuto 6">
+            <a:extLst>
+              <a:ext uri="{FF2B5EF4-FFF2-40B4-BE49-F238E27FC236}">
+                <a16:creationId xmlns:a16="http://schemas.microsoft.com/office/drawing/2014/main" id="{F832EED3-9182-E3BD-D2D5-1723AFD8A0BD}"/>
+              </a:ext>
+            </a:extLst>
+          </p:cNvPr>
+          <p:cNvSpPr txBox="1">
+            <a:spLocks/>
+          </p:cNvSpPr>
+          <p:nvPr/>
+        </p:nvSpPr>
+        <p:spPr>
+          <a:xfrm>
+            <a:off x="834656" y="2005012"/>
+            <a:ext cx="10515600" cy="4351338"/>
+          </a:xfrm>
+          <a:prstGeom prst="rect">
+            <a:avLst/>
+          </a:prstGeom>
+        </p:spPr>
+        <p:txBody>
+          <a:bodyPr vert="horz" lIns="91440" tIns="45720" rIns="91440" bIns="45720" rtlCol="0">
+            <a:normAutofit/>
+          </a:bodyPr>
+          <a:lstStyle>
+            <a:lvl1pPr marL="228600" indent="-228600" algn="l" defTabSz="914400" rtl="0" eaLnBrk="1" latinLnBrk="0" hangingPunct="1">
+              <a:lnSpc>
+                <a:spcPct val="90000"/>
+              </a:lnSpc>
+              <a:spcBef>
+                <a:spcPts val="1000"/>
+              </a:spcBef>
+              <a:buFont typeface="Arial" panose="020B0604020202020204" pitchFamily="34" charset="0"/>
+              <a:buChar char="•"/>
+              <a:defRPr sz="2800" kern="1200">
+                <a:solidFill>
+                  <a:schemeClr val="tx1"/>
+                </a:solidFill>
+                <a:latin typeface="+mn-lt"/>
+                <a:ea typeface="+mn-ea"/>
+                <a:cs typeface="+mn-cs"/>
+              </a:defRPr>
+            </a:lvl1pPr>
+            <a:lvl2pPr marL="685800" indent="-228600" algn="l" defTabSz="914400" rtl="0" eaLnBrk="1" latinLnBrk="0" hangingPunct="1">
+              <a:lnSpc>
+                <a:spcPct val="90000"/>
+              </a:lnSpc>
+              <a:spcBef>
+                <a:spcPts val="500"/>
+              </a:spcBef>
+              <a:buFont typeface="Arial" panose="020B0604020202020204" pitchFamily="34" charset="0"/>
+              <a:buChar char="•"/>
+              <a:defRPr sz="2400" kern="1200">
+                <a:solidFill>
+                  <a:schemeClr val="tx1"/>
+                </a:solidFill>
+                <a:latin typeface="+mn-lt"/>
+                <a:ea typeface="+mn-ea"/>
+                <a:cs typeface="+mn-cs"/>
+              </a:defRPr>
+            </a:lvl2pPr>
+            <a:lvl3pPr marL="1143000" indent="-228600" algn="l" defTabSz="914400" rtl="0" eaLnBrk="1" latinLnBrk="0" hangingPunct="1">
+              <a:lnSpc>
+                <a:spcPct val="90000"/>
+              </a:lnSpc>
+              <a:spcBef>
+                <a:spcPts val="500"/>
+              </a:spcBef>
+              <a:buFont typeface="Arial" panose="020B0604020202020204" pitchFamily="34" charset="0"/>
+              <a:buChar char="•"/>
+              <a:defRPr sz="2000" kern="1200">
+                <a:solidFill>
+                  <a:schemeClr val="tx1"/>
+                </a:solidFill>
+                <a:latin typeface="+mn-lt"/>
+                <a:ea typeface="+mn-ea"/>
+                <a:cs typeface="+mn-cs"/>
+              </a:defRPr>
+            </a:lvl3pPr>
+            <a:lvl4pPr marL="1600200" indent="-228600" algn="l" defTabSz="914400" rtl="0" eaLnBrk="1" latinLnBrk="0" hangingPunct="1">
+              <a:lnSpc>
+                <a:spcPct val="90000"/>
+              </a:lnSpc>
+              <a:spcBef>
+                <a:spcPts val="500"/>
+              </a:spcBef>
+              <a:buFont typeface="Arial" panose="020B0604020202020204" pitchFamily="34" charset="0"/>
+              <a:buChar char="•"/>
+              <a:defRPr sz="1800" kern="1200">
+                <a:solidFill>
+                  <a:schemeClr val="tx1"/>
+                </a:solidFill>
+                <a:latin typeface="+mn-lt"/>
+                <a:ea typeface="+mn-ea"/>
+                <a:cs typeface="+mn-cs"/>
+              </a:defRPr>
+            </a:lvl4pPr>
+            <a:lvl5pPr marL="2057400" indent="-228600" algn="l" defTabSz="914400" rtl="0" eaLnBrk="1" latinLnBrk="0" hangingPunct="1">
+              <a:lnSpc>
+                <a:spcPct val="90000"/>
+              </a:lnSpc>
+              <a:spcBef>
+                <a:spcPts val="500"/>
+              </a:spcBef>
+              <a:buFont typeface="Arial" panose="020B0604020202020204" pitchFamily="34" charset="0"/>
+              <a:buChar char="•"/>
+              <a:defRPr sz="1800" kern="1200">
+                <a:solidFill>
+                  <a:schemeClr val="tx1"/>
+                </a:solidFill>
+                <a:latin typeface="+mn-lt"/>
+                <a:ea typeface="+mn-ea"/>
+                <a:cs typeface="+mn-cs"/>
+              </a:defRPr>
+            </a:lvl5pPr>
+            <a:lvl6pPr marL="2514600" indent="-228600" algn="l" defTabSz="914400" rtl="0" eaLnBrk="1" latinLnBrk="0" hangingPunct="1">
+              <a:lnSpc>
+                <a:spcPct val="90000"/>
+              </a:lnSpc>
+              <a:spcBef>
+                <a:spcPts val="500"/>
+              </a:spcBef>
+              <a:buFont typeface="Arial" panose="020B0604020202020204" pitchFamily="34" charset="0"/>
+              <a:buChar char="•"/>
+              <a:defRPr sz="1800" kern="1200">
+                <a:solidFill>
+                  <a:schemeClr val="tx1"/>
+                </a:solidFill>
+                <a:latin typeface="+mn-lt"/>
+                <a:ea typeface="+mn-ea"/>
+                <a:cs typeface="+mn-cs"/>
+              </a:defRPr>
+            </a:lvl6pPr>
+            <a:lvl7pPr marL="2971800" indent="-228600" algn="l" defTabSz="914400" rtl="0" eaLnBrk="1" latinLnBrk="0" hangingPunct="1">
+              <a:lnSpc>
+                <a:spcPct val="90000"/>
+              </a:lnSpc>
+              <a:spcBef>
+                <a:spcPts val="500"/>
+              </a:spcBef>
+              <a:buFont typeface="Arial" panose="020B0604020202020204" pitchFamily="34" charset="0"/>
+              <a:buChar char="•"/>
+              <a:defRPr sz="1800" kern="1200">
+                <a:solidFill>
+                  <a:schemeClr val="tx1"/>
+                </a:solidFill>
+                <a:latin typeface="+mn-lt"/>
+                <a:ea typeface="+mn-ea"/>
+                <a:cs typeface="+mn-cs"/>
+              </a:defRPr>
+            </a:lvl7pPr>
+            <a:lvl8pPr marL="3429000" indent="-228600" algn="l" defTabSz="914400" rtl="0" eaLnBrk="1" latinLnBrk="0" hangingPunct="1">
+              <a:lnSpc>
+                <a:spcPct val="90000"/>
+              </a:lnSpc>
+              <a:spcBef>
+                <a:spcPts val="500"/>
+              </a:spcBef>
+              <a:buFont typeface="Arial" panose="020B0604020202020204" pitchFamily="34" charset="0"/>
+              <a:buChar char="•"/>
+              <a:defRPr sz="1800" kern="1200">
+                <a:solidFill>
+                  <a:schemeClr val="tx1"/>
+                </a:solidFill>
+                <a:latin typeface="+mn-lt"/>
+                <a:ea typeface="+mn-ea"/>
+                <a:cs typeface="+mn-cs"/>
+              </a:defRPr>
+            </a:lvl8pPr>
+            <a:lvl9pPr marL="3886200" indent="-228600" algn="l" defTabSz="914400" rtl="0" eaLnBrk="1" latinLnBrk="0" hangingPunct="1">
+              <a:lnSpc>
+                <a:spcPct val="90000"/>
+              </a:lnSpc>
+              <a:spcBef>
+                <a:spcPts val="500"/>
+              </a:spcBef>
+              <a:buFont typeface="Arial" panose="020B0604020202020204" pitchFamily="34" charset="0"/>
+              <a:buChar char="•"/>
+              <a:defRPr sz="1800" kern="1200">
+                <a:solidFill>
+                  <a:schemeClr val="tx1"/>
+                </a:solidFill>
+                <a:latin typeface="+mn-lt"/>
+                <a:ea typeface="+mn-ea"/>
+                <a:cs typeface="+mn-cs"/>
+              </a:defRPr>
+            </a:lvl9pPr>
+          </a:lstStyle>
+          <a:p>
+            <a:pPr marL="0" indent="0">
+              <a:buFont typeface="Arial" panose="020B0604020202020204" pitchFamily="34" charset="0"/>
+              <a:buNone/>
+            </a:pPr>
+            <a:endParaRPr lang="it-IT" sz="2400" dirty="0">
+              <a:latin typeface="Poppins Medium" panose="00000600000000000000" pitchFamily="2" charset="0"/>
+              <a:cs typeface="Poppins Medium" panose="00000600000000000000" pitchFamily="2" charset="0"/>
+            </a:endParaRPr>
+          </a:p>
+          <a:p>
+            <a:pPr marL="0" indent="0">
+              <a:buFont typeface="Arial" panose="020B0604020202020204" pitchFamily="34" charset="0"/>
+              <a:buNone/>
+            </a:pPr>
+            <a:endParaRPr lang="it-IT" sz="2400" dirty="0">
+              <a:latin typeface="Poppins Medium" panose="00000600000000000000" pitchFamily="2" charset="0"/>
+              <a:cs typeface="Poppins Medium" panose="00000600000000000000" pitchFamily="2" charset="0"/>
+            </a:endParaRPr>
+          </a:p>
+          <a:p>
+            <a:pPr marL="0" indent="0">
+              <a:buFont typeface="Arial" panose="020B0604020202020204" pitchFamily="34" charset="0"/>
+              <a:buNone/>
+            </a:pPr>
+            <a:endParaRPr lang="it-IT" sz="2400" dirty="0">
+              <a:latin typeface="Poppins Medium" panose="00000600000000000000" pitchFamily="2" charset="0"/>
+              <a:cs typeface="Poppins Medium" panose="00000600000000000000" pitchFamily="2" charset="0"/>
+            </a:endParaRPr>
+          </a:p>
+          <a:p>
+            <a:pPr marL="0" indent="0">
+              <a:buFont typeface="Arial" panose="020B0604020202020204" pitchFamily="34" charset="0"/>
+              <a:buNone/>
+            </a:pPr>
+            <a:endParaRPr lang="it-IT" dirty="0">
+              <a:solidFill>
+                <a:schemeClr val="accent1">
+                  <a:lumMod val="75000"/>
+                </a:schemeClr>
+              </a:solidFill>
+            </a:endParaRPr>
+          </a:p>
+        </p:txBody>
+      </p:sp>
+      <p:pic>
+        <p:nvPicPr>
+          <p:cNvPr id="3074" name="Picture 2" descr="Regression Testing Guide: Definition, Process, Tools, Test Cases">
+            <a:extLst>
+              <a:ext uri="{FF2B5EF4-FFF2-40B4-BE49-F238E27FC236}">
+                <a16:creationId xmlns:a16="http://schemas.microsoft.com/office/drawing/2014/main" id="{400AF077-A36B-CEA3-B397-7122A593A7E6}"/>
+              </a:ext>
+            </a:extLst>
+          </p:cNvPr>
+          <p:cNvPicPr>
+            <a:picLocks noChangeAspect="1" noChangeArrowheads="1"/>
+          </p:cNvPicPr>
+          <p:nvPr/>
+        </p:nvPicPr>
+        <p:blipFill rotWithShape="1">
+          <a:blip r:embed="rId3">
+            <a:extLst>
+              <a:ext uri="{28A0092B-C50C-407E-A947-70E740481C1C}">
+                <a14:useLocalDpi xmlns:a14="http://schemas.microsoft.com/office/drawing/2010/main" val="0"/>
+              </a:ext>
+            </a:extLst>
+          </a:blip>
+          <a:srcRect l="42128"/>
+          <a:stretch/>
+        </p:blipFill>
+        <p:spPr bwMode="auto">
+          <a:xfrm>
+            <a:off x="7319740" y="793516"/>
+            <a:ext cx="4409872" cy="4000500"/>
+          </a:xfrm>
+          <a:prstGeom prst="rect">
+            <a:avLst/>
+          </a:prstGeom>
+          <a:noFill/>
+          <a:extLst>
+            <a:ext uri="{909E8E84-426E-40DD-AFC4-6F175D3DCCD1}">
+              <a14:hiddenFill xmlns:a14="http://schemas.microsoft.com/office/drawing/2010/main">
+                <a:solidFill>
+                  <a:srgbClr val="FFFFFF"/>
+                </a:solidFill>
+              </a14:hiddenFill>
+            </a:ext>
+          </a:extLst>
+        </p:spPr>
+      </p:pic>
+      <p:sp>
+        <p:nvSpPr>
+          <p:cNvPr id="11" name="Rettangolo 10">
+            <a:extLst>
+              <a:ext uri="{FF2B5EF4-FFF2-40B4-BE49-F238E27FC236}">
+                <a16:creationId xmlns:a16="http://schemas.microsoft.com/office/drawing/2014/main" id="{A23FDF35-A7D5-3A9C-5DE8-FC43DBA885EC}"/>
+              </a:ext>
+            </a:extLst>
+          </p:cNvPr>
+          <p:cNvSpPr/>
+          <p:nvPr/>
+        </p:nvSpPr>
+        <p:spPr>
+          <a:xfrm>
+            <a:off x="2518143" y="629924"/>
+            <a:ext cx="12184913" cy="1034891"/>
+          </a:xfrm>
+          <a:prstGeom prst="rect">
+            <a:avLst/>
+          </a:prstGeom>
+          <a:solidFill>
+            <a:schemeClr val="bg1"/>
+          </a:solidFill>
+          <a:ln>
+            <a:noFill/>
+          </a:ln>
+        </p:spPr>
+        <p:style>
+          <a:lnRef idx="2">
+            <a:schemeClr val="accent3">
+              <a:shade val="50000"/>
+            </a:schemeClr>
+          </a:lnRef>
+          <a:fillRef idx="1">
+            <a:schemeClr val="accent3"/>
+          </a:fillRef>
+          <a:effectRef idx="0">
+            <a:schemeClr val="accent3"/>
+          </a:effectRef>
+          <a:fontRef idx="minor">
+            <a:schemeClr val="lt1"/>
+          </a:fontRef>
+        </p:style>
+        <p:txBody>
+          <a:bodyPr rtlCol="0" anchor="ctr"/>
+          <a:lstStyle/>
+          <a:p>
+            <a:pPr algn="ctr"/>
+            <a:endParaRPr lang="it-IT"/>
+          </a:p>
+        </p:txBody>
+      </p:sp>
+      <p:sp>
+        <p:nvSpPr>
+          <p:cNvPr id="14" name="Rettangolo 13">
+            <a:extLst>
+              <a:ext uri="{FF2B5EF4-FFF2-40B4-BE49-F238E27FC236}">
+                <a16:creationId xmlns:a16="http://schemas.microsoft.com/office/drawing/2014/main" id="{370D8EC0-1714-CB85-B106-D1B2439C9423}"/>
+              </a:ext>
+            </a:extLst>
+          </p:cNvPr>
+          <p:cNvSpPr/>
+          <p:nvPr/>
+        </p:nvSpPr>
+        <p:spPr>
+          <a:xfrm rot="5190609">
+            <a:off x="5826833" y="6911730"/>
+            <a:ext cx="12184913" cy="1034891"/>
+          </a:xfrm>
+          <a:prstGeom prst="rect">
+            <a:avLst/>
+          </a:prstGeom>
+          <a:solidFill>
+            <a:schemeClr val="bg1"/>
+          </a:solidFill>
+          <a:ln>
+            <a:noFill/>
+          </a:ln>
+        </p:spPr>
+        <p:style>
+          <a:lnRef idx="2">
+            <a:schemeClr val="accent3">
+              <a:shade val="50000"/>
+            </a:schemeClr>
+          </a:lnRef>
+          <a:fillRef idx="1">
+            <a:schemeClr val="accent3"/>
+          </a:fillRef>
+          <a:effectRef idx="0">
+            <a:schemeClr val="accent3"/>
+          </a:effectRef>
+          <a:fontRef idx="minor">
+            <a:schemeClr val="lt1"/>
+          </a:fontRef>
+        </p:style>
+        <p:txBody>
+          <a:bodyPr rtlCol="0" anchor="ctr"/>
+          <a:lstStyle/>
+          <a:p>
+            <a:pPr algn="ctr"/>
+            <a:endParaRPr lang="it-IT"/>
+          </a:p>
+        </p:txBody>
+      </p:sp>
+      <p:sp>
+        <p:nvSpPr>
+          <p:cNvPr id="15" name="Rettangolo 14">
+            <a:extLst>
+              <a:ext uri="{FF2B5EF4-FFF2-40B4-BE49-F238E27FC236}">
+                <a16:creationId xmlns:a16="http://schemas.microsoft.com/office/drawing/2014/main" id="{C0A73AD9-E9CE-4E96-EE70-EA806EB1585D}"/>
+              </a:ext>
+            </a:extLst>
+          </p:cNvPr>
+          <p:cNvSpPr/>
+          <p:nvPr/>
+        </p:nvSpPr>
+        <p:spPr>
+          <a:xfrm>
+            <a:off x="2005820" y="5186848"/>
+            <a:ext cx="12184913" cy="1034891"/>
+          </a:xfrm>
+          <a:prstGeom prst="rect">
+            <a:avLst/>
+          </a:prstGeom>
+          <a:solidFill>
+            <a:schemeClr val="bg1"/>
+          </a:solidFill>
+          <a:ln>
+            <a:noFill/>
+          </a:ln>
+        </p:spPr>
+        <p:style>
+          <a:lnRef idx="2">
+            <a:schemeClr val="accent3">
+              <a:shade val="50000"/>
+            </a:schemeClr>
+          </a:lnRef>
+          <a:fillRef idx="1">
+            <a:schemeClr val="accent3"/>
+          </a:fillRef>
+          <a:effectRef idx="0">
+            <a:schemeClr val="accent3"/>
+          </a:effectRef>
+          <a:fontRef idx="minor">
+            <a:schemeClr val="lt1"/>
+          </a:fontRef>
+        </p:style>
+        <p:txBody>
+          <a:bodyPr rtlCol="0" anchor="ctr"/>
+          <a:lstStyle/>
+          <a:p>
+            <a:pPr algn="ctr"/>
+            <a:endParaRPr lang="it-IT"/>
+          </a:p>
+        </p:txBody>
+      </p:sp>
+      <p:pic>
+        <p:nvPicPr>
+          <p:cNvPr id="3" name="Immagine 2">
+            <a:extLst>
+              <a:ext uri="{FF2B5EF4-FFF2-40B4-BE49-F238E27FC236}">
+                <a16:creationId xmlns:a16="http://schemas.microsoft.com/office/drawing/2014/main" id="{92F7FBD3-054F-3D0B-7BDA-57967C9CB02A}"/>
+              </a:ext>
+            </a:extLst>
+          </p:cNvPr>
+          <p:cNvPicPr>
+            <a:picLocks noChangeAspect="1"/>
+          </p:cNvPicPr>
+          <p:nvPr/>
+        </p:nvPicPr>
+        <p:blipFill>
+          <a:blip r:embed="rId4">
+            <a:extLst>
+              <a:ext uri="{28A0092B-C50C-407E-A947-70E740481C1C}">
+                <a14:useLocalDpi xmlns:a14="http://schemas.microsoft.com/office/drawing/2010/main" val="0"/>
+              </a:ext>
+            </a:extLst>
+          </a:blip>
+          <a:stretch>
+            <a:fillRect/>
+          </a:stretch>
+        </p:blipFill>
+        <p:spPr>
+          <a:xfrm>
+            <a:off x="684862" y="4530495"/>
+            <a:ext cx="10815188" cy="1178096"/>
+          </a:xfrm>
+          <a:prstGeom prst="rect">
+            <a:avLst/>
+          </a:prstGeom>
+        </p:spPr>
+      </p:pic>
+      <p:sp>
+        <p:nvSpPr>
+          <p:cNvPr id="10" name="CasellaDiTesto 9">
+            <a:extLst>
+              <a:ext uri="{FF2B5EF4-FFF2-40B4-BE49-F238E27FC236}">
+                <a16:creationId xmlns:a16="http://schemas.microsoft.com/office/drawing/2014/main" id="{A7CDDB9E-ADE5-C99D-F37A-B5643C4976DA}"/>
+              </a:ext>
+            </a:extLst>
+          </p:cNvPr>
+          <p:cNvSpPr txBox="1"/>
+          <p:nvPr/>
+        </p:nvSpPr>
+        <p:spPr>
+          <a:xfrm>
+            <a:off x="684862" y="1656423"/>
+            <a:ext cx="6366110" cy="2677656"/>
+          </a:xfrm>
+          <a:prstGeom prst="rect">
+            <a:avLst/>
+          </a:prstGeom>
+          <a:noFill/>
+        </p:spPr>
+        <p:txBody>
+          <a:bodyPr wrap="square" rtlCol="0">
+            <a:spAutoFit/>
+          </a:bodyPr>
+          <a:lstStyle/>
+          <a:p>
+            <a:pPr marL="285750" indent="-285750">
+              <a:buFont typeface="Arial" panose="020B0604020202020204" pitchFamily="34" charset="0"/>
+              <a:buChar char="•"/>
+            </a:pPr>
+            <a:r>
+              <a:rPr lang="it-IT" sz="2800" dirty="0" err="1">
+                <a:latin typeface="Poppins" panose="00000800000000000000" pitchFamily="2" charset="0"/>
+                <a:cs typeface="Poppins" panose="00000800000000000000" pitchFamily="2" charset="0"/>
+              </a:rPr>
+              <a:t>weekly_regression_test</a:t>
+            </a:r>
+            <a:r>
+              <a:rPr lang="it-IT" sz="2800" dirty="0">
+                <a:latin typeface="Poppins Medium" panose="00000600000000000000" pitchFamily="2" charset="0"/>
+                <a:cs typeface="Poppins Medium" panose="00000600000000000000" pitchFamily="2" charset="0"/>
+              </a:rPr>
+              <a:t>:   utilizzato per eseguire i test di regressione settimanalmente;</a:t>
+            </a:r>
+          </a:p>
+          <a:p>
+            <a:pPr marL="285750" indent="-285750">
+              <a:buFont typeface="Arial" panose="020B0604020202020204" pitchFamily="34" charset="0"/>
+              <a:buChar char="•"/>
+            </a:pPr>
+            <a:r>
+              <a:rPr lang="it-IT" sz="2800" dirty="0" err="1">
+                <a:latin typeface="Poppins" panose="00000800000000000000" pitchFamily="2" charset="0"/>
+                <a:cs typeface="Poppins" panose="00000800000000000000" pitchFamily="2" charset="0"/>
+              </a:rPr>
+              <a:t>install</a:t>
+            </a:r>
+            <a:r>
+              <a:rPr lang="it-IT" sz="2800" dirty="0">
+                <a:latin typeface="Poppins" panose="00000800000000000000" pitchFamily="2" charset="0"/>
+                <a:cs typeface="Poppins" panose="00000800000000000000" pitchFamily="2" charset="0"/>
+              </a:rPr>
+              <a:t>-and-</a:t>
+            </a:r>
+            <a:r>
+              <a:rPr lang="it-IT" sz="2800" dirty="0" err="1">
+                <a:latin typeface="Poppins" panose="00000800000000000000" pitchFamily="2" charset="0"/>
+                <a:cs typeface="Poppins" panose="00000800000000000000" pitchFamily="2" charset="0"/>
+              </a:rPr>
+              <a:t>parallel</a:t>
+            </a:r>
+            <a:r>
+              <a:rPr lang="it-IT" sz="2800" dirty="0">
+                <a:latin typeface="Poppins" panose="00000800000000000000" pitchFamily="2" charset="0"/>
+                <a:cs typeface="Poppins" panose="00000800000000000000" pitchFamily="2" charset="0"/>
+              </a:rPr>
+              <a:t>-test</a:t>
+            </a:r>
+            <a:r>
+              <a:rPr lang="it-IT" sz="2800" dirty="0">
+                <a:latin typeface="Poppins Medium" panose="00000600000000000000" pitchFamily="2" charset="0"/>
+                <a:cs typeface="Poppins Medium" panose="00000600000000000000" pitchFamily="2" charset="0"/>
+              </a:rPr>
+              <a:t>: esecuzione dei test in parallelo.</a:t>
+            </a:r>
+          </a:p>
+          <a:p>
+            <a:endParaRPr lang="it-IT" sz="2800" dirty="0">
+              <a:latin typeface="Poppins Medium" panose="00000600000000000000" pitchFamily="2" charset="0"/>
+              <a:cs typeface="Poppins Medium" panose="00000600000000000000" pitchFamily="2" charset="0"/>
+            </a:endParaRPr>
+          </a:p>
+        </p:txBody>
+      </p:sp>
+      <p:sp>
+        <p:nvSpPr>
+          <p:cNvPr id="12" name="Rettangolo 11">
+            <a:extLst>
+              <a:ext uri="{FF2B5EF4-FFF2-40B4-BE49-F238E27FC236}">
+                <a16:creationId xmlns:a16="http://schemas.microsoft.com/office/drawing/2014/main" id="{F0FAD030-2623-A89C-4FA1-55CE81C0AE08}"/>
+              </a:ext>
+            </a:extLst>
+          </p:cNvPr>
+          <p:cNvSpPr/>
+          <p:nvPr/>
+        </p:nvSpPr>
+        <p:spPr>
+          <a:xfrm>
+            <a:off x="0" y="0"/>
+            <a:ext cx="12192000" cy="1034891"/>
+          </a:xfrm>
+          <a:prstGeom prst="rect">
+            <a:avLst/>
+          </a:prstGeom>
+          <a:solidFill>
+            <a:srgbClr val="002060"/>
+          </a:solidFill>
+          <a:ln>
+            <a:noFill/>
+          </a:ln>
+        </p:spPr>
+        <p:style>
+          <a:lnRef idx="2">
+            <a:schemeClr val="accent3">
+              <a:shade val="50000"/>
+            </a:schemeClr>
+          </a:lnRef>
+          <a:fillRef idx="1">
+            <a:schemeClr val="accent3"/>
+          </a:fillRef>
+          <a:effectRef idx="0">
+            <a:schemeClr val="accent3"/>
+          </a:effectRef>
+          <a:fontRef idx="minor">
+            <a:schemeClr val="lt1"/>
+          </a:fontRef>
+        </p:style>
+        <p:txBody>
+          <a:bodyPr rtlCol="0" anchor="ctr"/>
+          <a:lstStyle/>
+          <a:p>
+            <a:pPr algn="ctr"/>
+            <a:endParaRPr lang="it-IT"/>
+          </a:p>
+        </p:txBody>
+      </p:sp>
+      <p:sp>
+        <p:nvSpPr>
+          <p:cNvPr id="13" name="Titolo 1">
+            <a:extLst>
+              <a:ext uri="{FF2B5EF4-FFF2-40B4-BE49-F238E27FC236}">
+                <a16:creationId xmlns:a16="http://schemas.microsoft.com/office/drawing/2014/main" id="{A0F14F07-00BE-A130-44A5-463A5F98673C}"/>
+              </a:ext>
+            </a:extLst>
+          </p:cNvPr>
+          <p:cNvSpPr>
+            <a:spLocks noGrp="1"/>
+          </p:cNvSpPr>
+          <p:nvPr>
+            <p:ph type="title"/>
+          </p:nvPr>
+        </p:nvSpPr>
+        <p:spPr>
+          <a:xfrm>
+            <a:off x="272535" y="163591"/>
+            <a:ext cx="10176803" cy="707708"/>
+          </a:xfrm>
+        </p:spPr>
+        <p:txBody>
+          <a:bodyPr anchor="b">
+            <a:normAutofit/>
+          </a:bodyPr>
+          <a:lstStyle/>
+          <a:p>
+            <a:r>
+              <a:rPr lang="it-IT" sz="4000" b="1" dirty="0">
+                <a:solidFill>
+                  <a:schemeClr val="bg1"/>
+                </a:solidFill>
+                <a:latin typeface="Poppins"/>
+                <a:cs typeface="Poppins"/>
+              </a:rPr>
+              <a:t>CD-Pipelines</a:t>
+            </a:r>
+          </a:p>
+        </p:txBody>
+      </p:sp>
+    </p:spTree>
+    <p:extLst>
+      <p:ext uri="{BB962C8B-B14F-4D97-AF65-F5344CB8AC3E}">
+        <p14:creationId xmlns:p14="http://schemas.microsoft.com/office/powerpoint/2010/main" val="3055642496"/>
+      </p:ext>
+    </p:extLst>
+  </p:cSld>
+  <p:clrMapOvr>
+    <a:masterClrMapping/>
+  </p:clrMapOvr>
+</p:sld>
+</file>
+
+<file path=ppt/slides/slide32.xml><?xml version="1.0" encoding="utf-8"?>
 <p:sld xmlns:a="http://schemas.openxmlformats.org/drawingml/2006/main" xmlns:r="http://schemas.openxmlformats.org/officeDocument/2006/relationships" xmlns:p="http://schemas.openxmlformats.org/presentationml/2006/main">
   <p:cSld>
     <p:spTree>
@@ -18150,7 +21050,7 @@
                 <a:cs typeface="Poppins Medium" panose="00000600000000000000" pitchFamily="2" charset="0"/>
               </a:rPr>
               <a:pPr/>
-              <a:t>29</a:t>
+              <a:t>32</a:t>
             </a:fld>
             <a:r>
               <a:rPr lang="de-DE" sz="1600">
@@ -18224,7 +21124,7 @@
 </p:sld>
 </file>
 
-<file path=ppt/slides/slide3.xml><?xml version="1.0" encoding="utf-8"?>
+<file path=ppt/slides/slide33.xml><?xml version="1.0" encoding="utf-8"?>
 <p:sld xmlns:a="http://schemas.openxmlformats.org/drawingml/2006/main" xmlns:r="http://schemas.openxmlformats.org/officeDocument/2006/relationships" xmlns:p="http://schemas.openxmlformats.org/presentationml/2006/main">
   <p:cSld>
     <p:spTree>
@@ -18243,93 +21143,6 @@
       </p:grpSpPr>
       <p:sp>
         <p:nvSpPr>
-          <p:cNvPr id="7" name="Segnaposto contenuto 6">
-            <a:extLst>
-              <a:ext uri="{FF2B5EF4-FFF2-40B4-BE49-F238E27FC236}">
-                <a16:creationId xmlns:a16="http://schemas.microsoft.com/office/drawing/2014/main" id="{02FC6CA0-25CF-64B7-760B-56A8388FA257}"/>
-              </a:ext>
-            </a:extLst>
-          </p:cNvPr>
-          <p:cNvSpPr>
-            <a:spLocks noGrp="1"/>
-          </p:cNvSpPr>
-          <p:nvPr>
-            <p:ph idx="1"/>
-          </p:nvPr>
-        </p:nvSpPr>
-        <p:spPr/>
-        <p:txBody>
-          <a:bodyPr/>
-          <a:lstStyle/>
-          <a:p>
-            <a:pPr marL="0" indent="0">
-              <a:buNone/>
-            </a:pPr>
-            <a:r>
-              <a:rPr lang="it-IT" sz="2400" dirty="0">
-                <a:latin typeface="Poppins Medium" panose="00000600000000000000" pitchFamily="2" charset="0"/>
-                <a:cs typeface="Poppins Medium" panose="00000600000000000000" pitchFamily="2" charset="0"/>
-              </a:rPr>
-              <a:t>Per aprire una </a:t>
-            </a:r>
-            <a:r>
-              <a:rPr lang="it-IT" sz="2400" dirty="0" err="1">
-                <a:latin typeface="Poppins Medium" panose="00000600000000000000" pitchFamily="2" charset="0"/>
-                <a:cs typeface="Poppins Medium" panose="00000600000000000000" pitchFamily="2" charset="0"/>
-              </a:rPr>
-              <a:t>issue</a:t>
-            </a:r>
-            <a:r>
-              <a:rPr lang="it-IT" sz="2400" dirty="0">
-                <a:latin typeface="Poppins Medium" panose="00000600000000000000" pitchFamily="2" charset="0"/>
-                <a:cs typeface="Poppins Medium" panose="00000600000000000000" pitchFamily="2" charset="0"/>
-              </a:rPr>
-              <a:t> si deve usare:</a:t>
-            </a:r>
-          </a:p>
-          <a:p>
-            <a:pPr marL="0" indent="0">
-              <a:buNone/>
-            </a:pPr>
-            <a:r>
-              <a:rPr lang="it-IT" sz="2400" dirty="0">
-                <a:solidFill>
-                  <a:schemeClr val="accent1">
-                    <a:lumMod val="75000"/>
-                  </a:schemeClr>
-                </a:solidFill>
-                <a:latin typeface="Poppins" panose="00000500000000000000" pitchFamily="2" charset="0"/>
-                <a:cs typeface="Poppins" panose="00000500000000000000" pitchFamily="2" charset="0"/>
-                <a:hlinkClick r:id="rId3"/>
-              </a:rPr>
-              <a:t>https://new-issue.vuejs.org/?repo=vuejs/core#</a:t>
-            </a:r>
-            <a:endParaRPr lang="it-IT" sz="2400" dirty="0">
-              <a:solidFill>
-                <a:schemeClr val="accent1">
-                  <a:lumMod val="75000"/>
-                </a:schemeClr>
-              </a:solidFill>
-              <a:latin typeface="Poppins" panose="00000500000000000000" pitchFamily="2" charset="0"/>
-              <a:cs typeface="Poppins" panose="00000500000000000000" pitchFamily="2" charset="0"/>
-            </a:endParaRPr>
-          </a:p>
-          <a:p>
-            <a:pPr marL="0" indent="0">
-              <a:buNone/>
-            </a:pPr>
-            <a:endParaRPr lang="it-IT" dirty="0">
-              <a:solidFill>
-                <a:schemeClr val="accent1">
-                  <a:lumMod val="75000"/>
-                </a:schemeClr>
-              </a:solidFill>
-            </a:endParaRPr>
-          </a:p>
-        </p:txBody>
-      </p:sp>
-      <p:sp>
-        <p:nvSpPr>
           <p:cNvPr id="25" name="Segnaposto data 24">
             <a:extLst>
               <a:ext uri="{FF2B5EF4-FFF2-40B4-BE49-F238E27FC236}">
@@ -18398,10 +21211,10 @@
                 <a:latin typeface="Poppins Medium" panose="00000600000000000000" pitchFamily="2" charset="0"/>
                 <a:cs typeface="Poppins Medium" panose="00000600000000000000" pitchFamily="2" charset="0"/>
               </a:rPr>
-              <a:t>3</a:t>
+              <a:t>33</a:t>
             </a:fld>
             <a:r>
-              <a:rPr lang="de-DE" sz="1600">
+              <a:rPr lang="de-DE" sz="1600" dirty="0">
                 <a:solidFill>
                   <a:schemeClr val="tx1"/>
                 </a:solidFill>
@@ -18413,48 +21226,12 @@
           </a:p>
         </p:txBody>
       </p:sp>
-      <p:pic>
-        <p:nvPicPr>
-          <p:cNvPr id="9" name="Immagine 8" descr="Immagine che contiene testo&#10;&#10;Descrizione generata automaticamente">
-            <a:extLst>
-              <a:ext uri="{FF2B5EF4-FFF2-40B4-BE49-F238E27FC236}">
-                <a16:creationId xmlns:a16="http://schemas.microsoft.com/office/drawing/2014/main" id="{F95EC3CA-A266-0594-7DBD-E728DB78F0E8}"/>
-              </a:ext>
-            </a:extLst>
-          </p:cNvPr>
-          <p:cNvPicPr>
-            <a:picLocks noChangeAspect="1"/>
-          </p:cNvPicPr>
-          <p:nvPr/>
-        </p:nvPicPr>
-        <p:blipFill>
-          <a:blip r:embed="rId4">
-            <a:extLst>
-              <a:ext uri="{28A0092B-C50C-407E-A947-70E740481C1C}">
-                <a14:useLocalDpi xmlns:a14="http://schemas.microsoft.com/office/drawing/2010/main" val="0"/>
-              </a:ext>
-            </a:extLst>
-          </a:blip>
-          <a:stretch>
-            <a:fillRect/>
-          </a:stretch>
-        </p:blipFill>
-        <p:spPr>
-          <a:xfrm>
-            <a:off x="838200" y="2903620"/>
-            <a:ext cx="7292926" cy="3247695"/>
-          </a:xfrm>
-          <a:prstGeom prst="rect">
-            <a:avLst/>
-          </a:prstGeom>
-        </p:spPr>
-      </p:pic>
-      <p:sp>
-        <p:nvSpPr>
-          <p:cNvPr id="24" name="Rettangolo 23">
-            <a:extLst>
-              <a:ext uri="{FF2B5EF4-FFF2-40B4-BE49-F238E27FC236}">
-                <a16:creationId xmlns:a16="http://schemas.microsoft.com/office/drawing/2014/main" id="{71C5E46E-415B-CDB4-BE22-19B4CD41D603}"/>
+      <p:sp>
+        <p:nvSpPr>
+          <p:cNvPr id="12" name="Rettangolo 11">
+            <a:extLst>
+              <a:ext uri="{FF2B5EF4-FFF2-40B4-BE49-F238E27FC236}">
+                <a16:creationId xmlns:a16="http://schemas.microsoft.com/office/drawing/2014/main" id="{F0FAD030-2623-A89C-4FA1-55CE81C0AE08}"/>
               </a:ext>
             </a:extLst>
           </p:cNvPr>
@@ -18503,10 +21280,10 @@
       </p:sp>
       <p:sp>
         <p:nvSpPr>
-          <p:cNvPr id="28" name="Titolo 1">
-            <a:extLst>
-              <a:ext uri="{FF2B5EF4-FFF2-40B4-BE49-F238E27FC236}">
-                <a16:creationId xmlns:a16="http://schemas.microsoft.com/office/drawing/2014/main" id="{B5D7AE2C-90E2-7B91-00EC-386C77D3753C}"/>
+          <p:cNvPr id="13" name="Titolo 1">
+            <a:extLst>
+              <a:ext uri="{FF2B5EF4-FFF2-40B4-BE49-F238E27FC236}">
+                <a16:creationId xmlns:a16="http://schemas.microsoft.com/office/drawing/2014/main" id="{A0F14F07-00BE-A130-44A5-463A5F98673C}"/>
               </a:ext>
             </a:extLst>
           </p:cNvPr>
@@ -18534,56 +21311,393 @@
                 <a:solidFill>
                   <a:schemeClr val="bg1"/>
                 </a:solidFill>
-                <a:effectLst>
-                  <a:outerShdw blurRad="38100" dist="38100" dir="2700000" algn="tl">
-                    <a:srgbClr val="000000">
-                      <a:alpha val="43137"/>
-                    </a:srgbClr>
-                  </a:outerShdw>
-                </a:effectLst>
                 <a:latin typeface="Poppins"/>
                 <a:cs typeface="Poppins"/>
               </a:rPr>
-              <a:t>Apertura </a:t>
-            </a:r>
-            <a:r>
-              <a:rPr lang="it-IT" sz="4000" b="1" dirty="0" err="1">
-                <a:solidFill>
-                  <a:schemeClr val="bg1"/>
-                </a:solidFill>
-                <a:effectLst>
-                  <a:outerShdw blurRad="38100" dist="38100" dir="2700000" algn="tl">
-                    <a:srgbClr val="000000">
-                      <a:alpha val="43137"/>
-                    </a:srgbClr>
-                  </a:outerShdw>
-                </a:effectLst>
-                <a:latin typeface="Poppins"/>
-                <a:cs typeface="Poppins"/>
-              </a:rPr>
-              <a:t>issues</a:t>
-            </a:r>
-            <a:endParaRPr lang="it-IT" sz="4000" b="1" dirty="0">
+              <a:t>CM-Strumento utilizzato</a:t>
+            </a:r>
+          </a:p>
+        </p:txBody>
+      </p:sp>
+      <p:sp>
+        <p:nvSpPr>
+          <p:cNvPr id="8" name="Segnaposto contenuto 6">
+            <a:extLst>
+              <a:ext uri="{FF2B5EF4-FFF2-40B4-BE49-F238E27FC236}">
+                <a16:creationId xmlns:a16="http://schemas.microsoft.com/office/drawing/2014/main" id="{F832EED3-9182-E3BD-D2D5-1723AFD8A0BD}"/>
+              </a:ext>
+            </a:extLst>
+          </p:cNvPr>
+          <p:cNvSpPr txBox="1">
+            <a:spLocks/>
+          </p:cNvSpPr>
+          <p:nvPr/>
+        </p:nvSpPr>
+        <p:spPr>
+          <a:xfrm>
+            <a:off x="834656" y="2005012"/>
+            <a:ext cx="10515600" cy="4351338"/>
+          </a:xfrm>
+          <a:prstGeom prst="rect">
+            <a:avLst/>
+          </a:prstGeom>
+        </p:spPr>
+        <p:txBody>
+          <a:bodyPr vert="horz" lIns="91440" tIns="45720" rIns="91440" bIns="45720" rtlCol="0">
+            <a:normAutofit/>
+          </a:bodyPr>
+          <a:lstStyle>
+            <a:lvl1pPr marL="228600" indent="-228600" algn="l" defTabSz="914400" rtl="0" eaLnBrk="1" latinLnBrk="0" hangingPunct="1">
+              <a:lnSpc>
+                <a:spcPct val="90000"/>
+              </a:lnSpc>
+              <a:spcBef>
+                <a:spcPts val="1000"/>
+              </a:spcBef>
+              <a:buFont typeface="Arial" panose="020B0604020202020204" pitchFamily="34" charset="0"/>
+              <a:buChar char="•"/>
+              <a:defRPr sz="2800" kern="1200">
+                <a:solidFill>
+                  <a:schemeClr val="tx1"/>
+                </a:solidFill>
+                <a:latin typeface="+mn-lt"/>
+                <a:ea typeface="+mn-ea"/>
+                <a:cs typeface="+mn-cs"/>
+              </a:defRPr>
+            </a:lvl1pPr>
+            <a:lvl2pPr marL="685800" indent="-228600" algn="l" defTabSz="914400" rtl="0" eaLnBrk="1" latinLnBrk="0" hangingPunct="1">
+              <a:lnSpc>
+                <a:spcPct val="90000"/>
+              </a:lnSpc>
+              <a:spcBef>
+                <a:spcPts val="500"/>
+              </a:spcBef>
+              <a:buFont typeface="Arial" panose="020B0604020202020204" pitchFamily="34" charset="0"/>
+              <a:buChar char="•"/>
+              <a:defRPr sz="2400" kern="1200">
+                <a:solidFill>
+                  <a:schemeClr val="tx1"/>
+                </a:solidFill>
+                <a:latin typeface="+mn-lt"/>
+                <a:ea typeface="+mn-ea"/>
+                <a:cs typeface="+mn-cs"/>
+              </a:defRPr>
+            </a:lvl2pPr>
+            <a:lvl3pPr marL="1143000" indent="-228600" algn="l" defTabSz="914400" rtl="0" eaLnBrk="1" latinLnBrk="0" hangingPunct="1">
+              <a:lnSpc>
+                <a:spcPct val="90000"/>
+              </a:lnSpc>
+              <a:spcBef>
+                <a:spcPts val="500"/>
+              </a:spcBef>
+              <a:buFont typeface="Arial" panose="020B0604020202020204" pitchFamily="34" charset="0"/>
+              <a:buChar char="•"/>
+              <a:defRPr sz="2000" kern="1200">
+                <a:solidFill>
+                  <a:schemeClr val="tx1"/>
+                </a:solidFill>
+                <a:latin typeface="+mn-lt"/>
+                <a:ea typeface="+mn-ea"/>
+                <a:cs typeface="+mn-cs"/>
+              </a:defRPr>
+            </a:lvl3pPr>
+            <a:lvl4pPr marL="1600200" indent="-228600" algn="l" defTabSz="914400" rtl="0" eaLnBrk="1" latinLnBrk="0" hangingPunct="1">
+              <a:lnSpc>
+                <a:spcPct val="90000"/>
+              </a:lnSpc>
+              <a:spcBef>
+                <a:spcPts val="500"/>
+              </a:spcBef>
+              <a:buFont typeface="Arial" panose="020B0604020202020204" pitchFamily="34" charset="0"/>
+              <a:buChar char="•"/>
+              <a:defRPr sz="1800" kern="1200">
+                <a:solidFill>
+                  <a:schemeClr val="tx1"/>
+                </a:solidFill>
+                <a:latin typeface="+mn-lt"/>
+                <a:ea typeface="+mn-ea"/>
+                <a:cs typeface="+mn-cs"/>
+              </a:defRPr>
+            </a:lvl4pPr>
+            <a:lvl5pPr marL="2057400" indent="-228600" algn="l" defTabSz="914400" rtl="0" eaLnBrk="1" latinLnBrk="0" hangingPunct="1">
+              <a:lnSpc>
+                <a:spcPct val="90000"/>
+              </a:lnSpc>
+              <a:spcBef>
+                <a:spcPts val="500"/>
+              </a:spcBef>
+              <a:buFont typeface="Arial" panose="020B0604020202020204" pitchFamily="34" charset="0"/>
+              <a:buChar char="•"/>
+              <a:defRPr sz="1800" kern="1200">
+                <a:solidFill>
+                  <a:schemeClr val="tx1"/>
+                </a:solidFill>
+                <a:latin typeface="+mn-lt"/>
+                <a:ea typeface="+mn-ea"/>
+                <a:cs typeface="+mn-cs"/>
+              </a:defRPr>
+            </a:lvl5pPr>
+            <a:lvl6pPr marL="2514600" indent="-228600" algn="l" defTabSz="914400" rtl="0" eaLnBrk="1" latinLnBrk="0" hangingPunct="1">
+              <a:lnSpc>
+                <a:spcPct val="90000"/>
+              </a:lnSpc>
+              <a:spcBef>
+                <a:spcPts val="500"/>
+              </a:spcBef>
+              <a:buFont typeface="Arial" panose="020B0604020202020204" pitchFamily="34" charset="0"/>
+              <a:buChar char="•"/>
+              <a:defRPr sz="1800" kern="1200">
+                <a:solidFill>
+                  <a:schemeClr val="tx1"/>
+                </a:solidFill>
+                <a:latin typeface="+mn-lt"/>
+                <a:ea typeface="+mn-ea"/>
+                <a:cs typeface="+mn-cs"/>
+              </a:defRPr>
+            </a:lvl6pPr>
+            <a:lvl7pPr marL="2971800" indent="-228600" algn="l" defTabSz="914400" rtl="0" eaLnBrk="1" latinLnBrk="0" hangingPunct="1">
+              <a:lnSpc>
+                <a:spcPct val="90000"/>
+              </a:lnSpc>
+              <a:spcBef>
+                <a:spcPts val="500"/>
+              </a:spcBef>
+              <a:buFont typeface="Arial" panose="020B0604020202020204" pitchFamily="34" charset="0"/>
+              <a:buChar char="•"/>
+              <a:defRPr sz="1800" kern="1200">
+                <a:solidFill>
+                  <a:schemeClr val="tx1"/>
+                </a:solidFill>
+                <a:latin typeface="+mn-lt"/>
+                <a:ea typeface="+mn-ea"/>
+                <a:cs typeface="+mn-cs"/>
+              </a:defRPr>
+            </a:lvl7pPr>
+            <a:lvl8pPr marL="3429000" indent="-228600" algn="l" defTabSz="914400" rtl="0" eaLnBrk="1" latinLnBrk="0" hangingPunct="1">
+              <a:lnSpc>
+                <a:spcPct val="90000"/>
+              </a:lnSpc>
+              <a:spcBef>
+                <a:spcPts val="500"/>
+              </a:spcBef>
+              <a:buFont typeface="Arial" panose="020B0604020202020204" pitchFamily="34" charset="0"/>
+              <a:buChar char="•"/>
+              <a:defRPr sz="1800" kern="1200">
+                <a:solidFill>
+                  <a:schemeClr val="tx1"/>
+                </a:solidFill>
+                <a:latin typeface="+mn-lt"/>
+                <a:ea typeface="+mn-ea"/>
+                <a:cs typeface="+mn-cs"/>
+              </a:defRPr>
+            </a:lvl8pPr>
+            <a:lvl9pPr marL="3886200" indent="-228600" algn="l" defTabSz="914400" rtl="0" eaLnBrk="1" latinLnBrk="0" hangingPunct="1">
+              <a:lnSpc>
+                <a:spcPct val="90000"/>
+              </a:lnSpc>
+              <a:spcBef>
+                <a:spcPts val="500"/>
+              </a:spcBef>
+              <a:buFont typeface="Arial" panose="020B0604020202020204" pitchFamily="34" charset="0"/>
+              <a:buChar char="•"/>
+              <a:defRPr sz="1800" kern="1200">
+                <a:solidFill>
+                  <a:schemeClr val="tx1"/>
+                </a:solidFill>
+                <a:latin typeface="+mn-lt"/>
+                <a:ea typeface="+mn-ea"/>
+                <a:cs typeface="+mn-cs"/>
+              </a:defRPr>
+            </a:lvl9pPr>
+          </a:lstStyle>
+          <a:p>
+            <a:pPr marL="0" indent="0">
+              <a:buFont typeface="Arial" panose="020B0604020202020204" pitchFamily="34" charset="0"/>
+              <a:buNone/>
+            </a:pPr>
+            <a:endParaRPr lang="it-IT" sz="2400" dirty="0">
+              <a:latin typeface="Poppins Medium" panose="00000600000000000000" pitchFamily="2" charset="0"/>
+              <a:cs typeface="Poppins Medium" panose="00000600000000000000" pitchFamily="2" charset="0"/>
+            </a:endParaRPr>
+          </a:p>
+          <a:p>
+            <a:pPr marL="0" indent="0">
+              <a:buFont typeface="Arial" panose="020B0604020202020204" pitchFamily="34" charset="0"/>
+              <a:buNone/>
+            </a:pPr>
+            <a:endParaRPr lang="it-IT" sz="2400" dirty="0">
+              <a:latin typeface="Poppins Medium" panose="00000600000000000000" pitchFamily="2" charset="0"/>
+              <a:cs typeface="Poppins Medium" panose="00000600000000000000" pitchFamily="2" charset="0"/>
+            </a:endParaRPr>
+          </a:p>
+          <a:p>
+            <a:pPr marL="0" indent="0">
+              <a:buFont typeface="Arial" panose="020B0604020202020204" pitchFamily="34" charset="0"/>
+              <a:buNone/>
+            </a:pPr>
+            <a:endParaRPr lang="it-IT" sz="2400" dirty="0">
+              <a:latin typeface="Poppins Medium" panose="00000600000000000000" pitchFamily="2" charset="0"/>
+              <a:cs typeface="Poppins Medium" panose="00000600000000000000" pitchFamily="2" charset="0"/>
+            </a:endParaRPr>
+          </a:p>
+          <a:p>
+            <a:pPr marL="0" indent="0">
+              <a:buFont typeface="Arial" panose="020B0604020202020204" pitchFamily="34" charset="0"/>
+              <a:buNone/>
+            </a:pPr>
+            <a:endParaRPr lang="it-IT" dirty="0">
               <a:solidFill>
-                <a:schemeClr val="bg1"/>
+                <a:schemeClr val="accent1">
+                  <a:lumMod val="75000"/>
+                </a:schemeClr>
               </a:solidFill>
-              <a:effectLst>
-                <a:outerShdw blurRad="38100" dist="38100" dir="2700000" algn="tl">
-                  <a:srgbClr val="000000">
-                    <a:alpha val="43137"/>
-                  </a:srgbClr>
-                </a:outerShdw>
-              </a:effectLst>
-              <a:latin typeface="Poppins"/>
-              <a:cs typeface="Poppins"/>
             </a:endParaRPr>
           </a:p>
         </p:txBody>
       </p:sp>
+      <p:sp>
+        <p:nvSpPr>
+          <p:cNvPr id="10" name="CasellaDiTesto 9">
+            <a:extLst>
+              <a:ext uri="{FF2B5EF4-FFF2-40B4-BE49-F238E27FC236}">
+                <a16:creationId xmlns:a16="http://schemas.microsoft.com/office/drawing/2014/main" id="{A7CDDB9E-ADE5-C99D-F37A-B5643C4976DA}"/>
+              </a:ext>
+            </a:extLst>
+          </p:cNvPr>
+          <p:cNvSpPr txBox="1"/>
+          <p:nvPr/>
+        </p:nvSpPr>
+        <p:spPr>
+          <a:xfrm>
+            <a:off x="663443" y="2235701"/>
+            <a:ext cx="6784400" cy="2677656"/>
+          </a:xfrm>
+          <a:prstGeom prst="rect">
+            <a:avLst/>
+          </a:prstGeom>
+          <a:noFill/>
+        </p:spPr>
+        <p:txBody>
+          <a:bodyPr wrap="square" rtlCol="0">
+            <a:spAutoFit/>
+          </a:bodyPr>
+          <a:lstStyle/>
+          <a:p>
+            <a:r>
+              <a:rPr lang="it-IT" sz="2800" dirty="0">
+                <a:latin typeface="Poppins Medium" panose="00000600000000000000" pitchFamily="2" charset="0"/>
+                <a:cs typeface="Poppins Medium" panose="00000600000000000000" pitchFamily="2" charset="0"/>
+              </a:rPr>
+              <a:t>Un </a:t>
+            </a:r>
+            <a:r>
+              <a:rPr lang="it-IT" sz="2800" dirty="0" err="1">
+                <a:latin typeface="Poppins Medium" panose="00000600000000000000" pitchFamily="2" charset="0"/>
+                <a:cs typeface="Poppins Medium" panose="00000600000000000000" pitchFamily="2" charset="0"/>
+              </a:rPr>
+              <a:t>Configuration</a:t>
+            </a:r>
+            <a:r>
+              <a:rPr lang="it-IT" sz="2800" dirty="0">
+                <a:latin typeface="Poppins Medium" panose="00000600000000000000" pitchFamily="2" charset="0"/>
+                <a:cs typeface="Poppins Medium" panose="00000600000000000000" pitchFamily="2" charset="0"/>
+              </a:rPr>
+              <a:t> Management Tool che potrebbe essere applicato a questo progetto è Docker (</a:t>
+            </a:r>
+            <a:r>
+              <a:rPr lang="it-IT" sz="2800" u="sng" dirty="0">
+                <a:solidFill>
+                  <a:schemeClr val="accent1">
+                    <a:lumMod val="50000"/>
+                  </a:schemeClr>
+                </a:solidFill>
+                <a:latin typeface="Poppins Medium" panose="00000600000000000000" pitchFamily="2" charset="0"/>
+                <a:cs typeface="Poppins Medium" panose="00000600000000000000" pitchFamily="2" charset="0"/>
+                <a:hlinkClick r:id="rId3"/>
+              </a:rPr>
+              <a:t>www.docker.com</a:t>
+            </a:r>
+            <a:r>
+              <a:rPr lang="it-IT" sz="2800" dirty="0">
+                <a:latin typeface="Poppins Medium" panose="00000600000000000000" pitchFamily="2" charset="0"/>
+                <a:cs typeface="Poppins Medium" panose="00000600000000000000" pitchFamily="2" charset="0"/>
+              </a:rPr>
+              <a:t>).</a:t>
+            </a:r>
+          </a:p>
+          <a:p>
+            <a:pPr marL="457200" indent="-457200">
+              <a:buFont typeface="Arial" panose="020B0604020202020204" pitchFamily="34" charset="0"/>
+              <a:buChar char="•"/>
+            </a:pPr>
+            <a:r>
+              <a:rPr lang="it-IT" sz="2800" dirty="0" err="1">
+                <a:latin typeface="Poppins Medium" panose="00000600000000000000" pitchFamily="2" charset="0"/>
+                <a:cs typeface="Poppins Medium" panose="00000600000000000000" pitchFamily="2" charset="0"/>
+              </a:rPr>
+              <a:t>Infrastracture</a:t>
+            </a:r>
+            <a:r>
+              <a:rPr lang="it-IT" sz="2800" dirty="0">
+                <a:latin typeface="Poppins Medium" panose="00000600000000000000" pitchFamily="2" charset="0"/>
+                <a:cs typeface="Poppins Medium" panose="00000600000000000000" pitchFamily="2" charset="0"/>
+              </a:rPr>
+              <a:t> Update Pattern: IMMUTABLE</a:t>
+            </a:r>
+          </a:p>
+        </p:txBody>
+      </p:sp>
+      <p:pic>
+        <p:nvPicPr>
+          <p:cNvPr id="4098" name="Picture 2" descr="Docker: container per tutte le esigenze ‣ Seeweb">
+            <a:extLst>
+              <a:ext uri="{FF2B5EF4-FFF2-40B4-BE49-F238E27FC236}">
+                <a16:creationId xmlns:a16="http://schemas.microsoft.com/office/drawing/2014/main" id="{401A989B-03EA-2B8F-B893-66BC15ED827A}"/>
+              </a:ext>
+            </a:extLst>
+          </p:cNvPr>
+          <p:cNvPicPr>
+            <a:picLocks noChangeAspect="1" noChangeArrowheads="1"/>
+          </p:cNvPicPr>
+          <p:nvPr/>
+        </p:nvPicPr>
+        <p:blipFill>
+          <a:blip r:embed="rId4">
+            <a:extLst>
+              <a:ext uri="{28A0092B-C50C-407E-A947-70E740481C1C}">
+                <a14:useLocalDpi xmlns:a14="http://schemas.microsoft.com/office/drawing/2010/main" val="0"/>
+              </a:ext>
+            </a:extLst>
+          </a:blip>
+          <a:srcRect/>
+          <a:stretch>
+            <a:fillRect/>
+          </a:stretch>
+        </p:blipFill>
+        <p:spPr bwMode="auto">
+          <a:xfrm>
+            <a:off x="7921407" y="2028328"/>
+            <a:ext cx="3737043" cy="3092403"/>
+          </a:xfrm>
+          <a:prstGeom prst="rect">
+            <a:avLst/>
+          </a:prstGeom>
+          <a:noFill/>
+          <a:extLst>
+            <a:ext uri="{909E8E84-426E-40DD-AFC4-6F175D3DCCD1}">
+              <a14:hiddenFill xmlns:a14="http://schemas.microsoft.com/office/drawing/2010/main">
+                <a:solidFill>
+                  <a:srgbClr val="FFFFFF"/>
+                </a:solidFill>
+              </a14:hiddenFill>
+            </a:ext>
+          </a:extLst>
+        </p:spPr>
+      </p:pic>
     </p:spTree>
     <p:extLst>
       <p:ext uri="{BB962C8B-B14F-4D97-AF65-F5344CB8AC3E}">
-        <p14:creationId xmlns:p14="http://schemas.microsoft.com/office/powerpoint/2010/main" val="4282466121"/>
+        <p14:creationId xmlns:p14="http://schemas.microsoft.com/office/powerpoint/2010/main" val="3865867687"/>
       </p:ext>
     </p:extLst>
   </p:cSld>
@@ -18593,7 +21707,7 @@
 </p:sld>
 </file>
 
-<file path=ppt/slides/slide30.xml><?xml version="1.0" encoding="utf-8"?>
+<file path=ppt/slides/slide34.xml><?xml version="1.0" encoding="utf-8"?>
 <p:sld xmlns:a="http://schemas.openxmlformats.org/drawingml/2006/main" xmlns:r="http://schemas.openxmlformats.org/officeDocument/2006/relationships" xmlns:p="http://schemas.openxmlformats.org/presentationml/2006/main">
   <p:cSld>
     <p:spTree>
@@ -18847,7 +21961,7 @@
                 <a:cs typeface="Poppins Medium" panose="00000600000000000000" pitchFamily="2" charset="0"/>
               </a:rPr>
               <a:pPr/>
-              <a:t>30</a:t>
+              <a:t>34</a:t>
             </a:fld>
             <a:r>
               <a:rPr lang="de-DE" sz="1600">

--- a/MTSSAssignment3.pptx
+++ b/MTSSAssignment3.pptx
@@ -6104,16 +6104,16 @@
           <a:lstStyle/>
           <a:p>
             <a:r>
-              <a:rPr lang="it-IT" sz="1600">
-                <a:solidFill>
-                  <a:schemeClr val="tx1"/>
-                </a:solidFill>
-                <a:latin typeface="Poppins Medium" panose="00000600000000000000" pitchFamily="2" charset="0"/>
-                <a:cs typeface="Poppins Medium" panose="00000600000000000000" pitchFamily="2" charset="0"/>
-              </a:rPr>
-              <a:t>31 Maggio 2022</a:t>
-            </a:r>
-            <a:endParaRPr lang="de-DE" sz="1600">
+              <a:rPr lang="it-IT" sz="1600" dirty="0">
+                <a:solidFill>
+                  <a:schemeClr val="tx1"/>
+                </a:solidFill>
+                <a:latin typeface="Poppins Medium" panose="00000600000000000000" pitchFamily="2" charset="0"/>
+                <a:cs typeface="Poppins Medium" panose="00000600000000000000" pitchFamily="2" charset="0"/>
+              </a:rPr>
+              <a:t>MTSS – 2021/22</a:t>
+            </a:r>
+            <a:endParaRPr lang="de-DE" sz="1600" dirty="0">
               <a:solidFill>
                 <a:schemeClr val="tx1"/>
               </a:solidFill>
@@ -6162,7 +6162,7 @@
               <a:t>1</a:t>
             </a:fld>
             <a:r>
-              <a:rPr lang="de-DE" sz="1600">
+              <a:rPr lang="de-DE" sz="1600" dirty="0">
                 <a:solidFill>
                   <a:schemeClr val="bg1"/>
                 </a:solidFill>
@@ -6176,7 +6176,7 @@
                 <a:latin typeface="Poppins Medium" panose="00000600000000000000" pitchFamily="2" charset="0"/>
                 <a:cs typeface="Poppins Medium" panose="00000600000000000000" pitchFamily="2" charset="0"/>
               </a:rPr>
-              <a:t>/16</a:t>
+              <a:t>/35</a:t>
             </a:r>
           </a:p>
         </p:txBody>
@@ -6532,16 +6532,16 @@
           <a:lstStyle/>
           <a:p>
             <a:r>
-              <a:rPr lang="it-IT" sz="1600">
-                <a:solidFill>
-                  <a:schemeClr val="tx1"/>
-                </a:solidFill>
-                <a:latin typeface="Poppins Medium" panose="00000600000000000000" pitchFamily="2" charset="0"/>
-                <a:cs typeface="Poppins Medium" panose="00000600000000000000" pitchFamily="2" charset="0"/>
-              </a:rPr>
-              <a:t>31 Maggio 2022</a:t>
-            </a:r>
-            <a:endParaRPr lang="de-DE" sz="1600">
+              <a:rPr lang="it-IT" sz="1600" dirty="0">
+                <a:solidFill>
+                  <a:schemeClr val="tx1"/>
+                </a:solidFill>
+                <a:latin typeface="Poppins Medium" panose="00000600000000000000" pitchFamily="2" charset="0"/>
+                <a:cs typeface="Poppins Medium" panose="00000600000000000000" pitchFamily="2" charset="0"/>
+              </a:rPr>
+              <a:t>MTSS – 2021/22</a:t>
+            </a:r>
+            <a:endParaRPr lang="de-DE" sz="1600" dirty="0">
               <a:solidFill>
                 <a:schemeClr val="tx1"/>
               </a:solidFill>
@@ -6583,14 +6583,14 @@
               <a:t>10</a:t>
             </a:fld>
             <a:r>
-              <a:rPr lang="de-DE" sz="1600">
-                <a:solidFill>
-                  <a:schemeClr val="tx1"/>
-                </a:solidFill>
-                <a:latin typeface="Poppins Medium" panose="00000600000000000000" pitchFamily="2" charset="0"/>
-                <a:cs typeface="Poppins Medium" panose="00000600000000000000" pitchFamily="2" charset="0"/>
-              </a:rPr>
-              <a:t>/16</a:t>
+              <a:rPr lang="de-DE" sz="1600" dirty="0">
+                <a:solidFill>
+                  <a:schemeClr val="tx1"/>
+                </a:solidFill>
+                <a:latin typeface="Poppins Medium" panose="00000600000000000000" pitchFamily="2" charset="0"/>
+                <a:cs typeface="Poppins Medium" panose="00000600000000000000" pitchFamily="2" charset="0"/>
+              </a:rPr>
+              <a:t>/35</a:t>
             </a:r>
           </a:p>
         </p:txBody>
@@ -6610,7 +6610,7 @@
         <p:spPr>
           <a:xfrm>
             <a:off x="0" y="0"/>
-            <a:ext cx="12184913" cy="1034891"/>
+            <a:ext cx="12402766" cy="1034891"/>
           </a:xfrm>
           <a:prstGeom prst="rect">
             <a:avLst/>
@@ -6889,16 +6889,16 @@
           <a:lstStyle/>
           <a:p>
             <a:r>
-              <a:rPr lang="it-IT" sz="1600">
-                <a:solidFill>
-                  <a:schemeClr val="tx1"/>
-                </a:solidFill>
-                <a:latin typeface="Poppins Medium" panose="00000600000000000000" pitchFamily="2" charset="0"/>
-                <a:cs typeface="Poppins Medium" panose="00000600000000000000" pitchFamily="2" charset="0"/>
-              </a:rPr>
-              <a:t>31 Maggio 2022</a:t>
-            </a:r>
-            <a:endParaRPr lang="de-DE" sz="1600">
+              <a:rPr lang="it-IT" sz="1600" dirty="0">
+                <a:solidFill>
+                  <a:schemeClr val="tx1"/>
+                </a:solidFill>
+                <a:latin typeface="Poppins Medium" panose="00000600000000000000" pitchFamily="2" charset="0"/>
+                <a:cs typeface="Poppins Medium" panose="00000600000000000000" pitchFamily="2" charset="0"/>
+              </a:rPr>
+              <a:t>MTSS – 2021/22</a:t>
+            </a:r>
+            <a:endParaRPr lang="de-DE" sz="1600" dirty="0">
               <a:solidFill>
                 <a:schemeClr val="tx1"/>
               </a:solidFill>
@@ -6940,14 +6940,14 @@
               <a:t>11</a:t>
             </a:fld>
             <a:r>
-              <a:rPr lang="de-DE" sz="1600">
-                <a:solidFill>
-                  <a:schemeClr val="tx1"/>
-                </a:solidFill>
-                <a:latin typeface="Poppins Medium" panose="00000600000000000000" pitchFamily="2" charset="0"/>
-                <a:cs typeface="Poppins Medium" panose="00000600000000000000" pitchFamily="2" charset="0"/>
-              </a:rPr>
-              <a:t>/16</a:t>
+              <a:rPr lang="de-DE" sz="1600" dirty="0">
+                <a:solidFill>
+                  <a:schemeClr val="tx1"/>
+                </a:solidFill>
+                <a:latin typeface="Poppins Medium" panose="00000600000000000000" pitchFamily="2" charset="0"/>
+                <a:cs typeface="Poppins Medium" panose="00000600000000000000" pitchFamily="2" charset="0"/>
+              </a:rPr>
+              <a:t>/35</a:t>
             </a:r>
           </a:p>
         </p:txBody>
@@ -6967,7 +6967,7 @@
         <p:spPr>
           <a:xfrm>
             <a:off x="0" y="0"/>
-            <a:ext cx="12184913" cy="1034891"/>
+            <a:ext cx="12373583" cy="1034891"/>
           </a:xfrm>
           <a:prstGeom prst="rect">
             <a:avLst/>
@@ -7381,72 +7381,6 @@
               </a:rPr>
               <a:t>)</a:t>
             </a:r>
-          </a:p>
-          <a:p>
-            <a:pPr marL="0" indent="0">
-              <a:buFont typeface="Arial" panose="020B0604020202020204" pitchFamily="34" charset="0"/>
-              <a:buNone/>
-            </a:pPr>
-            <a:endParaRPr lang="it-IT" sz="2400" dirty="0">
-              <a:latin typeface="Poppins Medium" panose="00000600000000000000" pitchFamily="2" charset="0"/>
-              <a:cs typeface="Poppins Medium" panose="00000600000000000000" pitchFamily="2" charset="0"/>
-            </a:endParaRPr>
-          </a:p>
-          <a:p>
-            <a:pPr marL="0" indent="0">
-              <a:buFont typeface="Arial" panose="020B0604020202020204" pitchFamily="34" charset="0"/>
-              <a:buNone/>
-            </a:pPr>
-            <a:endParaRPr lang="it-IT" sz="2400" dirty="0">
-              <a:latin typeface="Poppins Medium" panose="00000600000000000000" pitchFamily="2" charset="0"/>
-              <a:cs typeface="Poppins Medium" panose="00000600000000000000" pitchFamily="2" charset="0"/>
-            </a:endParaRPr>
-          </a:p>
-          <a:p>
-            <a:pPr marL="0" indent="0">
-              <a:buFont typeface="Arial" panose="020B0604020202020204" pitchFamily="34" charset="0"/>
-              <a:buNone/>
-            </a:pPr>
-            <a:endParaRPr lang="it-IT" sz="2400" dirty="0">
-              <a:latin typeface="Poppins Medium" panose="00000600000000000000" pitchFamily="2" charset="0"/>
-              <a:cs typeface="Poppins Medium" panose="00000600000000000000" pitchFamily="2" charset="0"/>
-            </a:endParaRPr>
-          </a:p>
-          <a:p>
-            <a:pPr marL="0" indent="0">
-              <a:buFont typeface="Arial" panose="020B0604020202020204" pitchFamily="34" charset="0"/>
-              <a:buNone/>
-            </a:pPr>
-            <a:endParaRPr lang="it-IT" sz="2400" dirty="0">
-              <a:latin typeface="Poppins Medium" panose="00000600000000000000" pitchFamily="2" charset="0"/>
-              <a:cs typeface="Poppins Medium" panose="00000600000000000000" pitchFamily="2" charset="0"/>
-            </a:endParaRPr>
-          </a:p>
-          <a:p>
-            <a:pPr marL="0" indent="0">
-              <a:buFont typeface="Arial" panose="020B0604020202020204" pitchFamily="34" charset="0"/>
-              <a:buNone/>
-            </a:pPr>
-            <a:endParaRPr lang="it-IT" sz="2400" dirty="0">
-              <a:latin typeface="Poppins Medium" panose="00000600000000000000" pitchFamily="2" charset="0"/>
-              <a:cs typeface="Poppins Medium" panose="00000600000000000000" pitchFamily="2" charset="0"/>
-            </a:endParaRPr>
-          </a:p>
-          <a:p>
-            <a:pPr marL="0" indent="0">
-              <a:buFont typeface="Arial" panose="020B0604020202020204" pitchFamily="34" charset="0"/>
-              <a:buNone/>
-            </a:pPr>
-            <a:endParaRPr lang="it-IT" sz="2400" dirty="0">
-              <a:latin typeface="Poppins Medium" panose="00000600000000000000" pitchFamily="2" charset="0"/>
-              <a:cs typeface="Poppins Medium" panose="00000600000000000000" pitchFamily="2" charset="0"/>
-            </a:endParaRPr>
-          </a:p>
-          <a:p>
-            <a:pPr marL="0" indent="0">
-              <a:buFont typeface="Arial" panose="020B0604020202020204" pitchFamily="34" charset="0"/>
-              <a:buNone/>
-            </a:pPr>
             <a:endParaRPr lang="it-IT" dirty="0">
               <a:solidFill>
                 <a:schemeClr val="accent1">
@@ -7615,16 +7549,16 @@
           <a:lstStyle/>
           <a:p>
             <a:r>
-              <a:rPr lang="it-IT" sz="1600">
-                <a:solidFill>
-                  <a:schemeClr val="tx1"/>
-                </a:solidFill>
-                <a:latin typeface="Poppins Medium" panose="00000600000000000000" pitchFamily="2" charset="0"/>
-                <a:cs typeface="Poppins Medium" panose="00000600000000000000" pitchFamily="2" charset="0"/>
-              </a:rPr>
-              <a:t>31 Maggio 2022</a:t>
-            </a:r>
-            <a:endParaRPr lang="de-DE" sz="1600">
+              <a:rPr lang="it-IT" sz="1600" dirty="0">
+                <a:solidFill>
+                  <a:schemeClr val="tx1"/>
+                </a:solidFill>
+                <a:latin typeface="Poppins Medium" panose="00000600000000000000" pitchFamily="2" charset="0"/>
+                <a:cs typeface="Poppins Medium" panose="00000600000000000000" pitchFamily="2" charset="0"/>
+              </a:rPr>
+              <a:t>MTSS – 2021/22</a:t>
+            </a:r>
+            <a:endParaRPr lang="de-DE" sz="1600" dirty="0">
               <a:solidFill>
                 <a:schemeClr val="tx1"/>
               </a:solidFill>
@@ -7666,14 +7600,14 @@
               <a:t>12</a:t>
             </a:fld>
             <a:r>
-              <a:rPr lang="de-DE" sz="1600">
-                <a:solidFill>
-                  <a:schemeClr val="tx1"/>
-                </a:solidFill>
-                <a:latin typeface="Poppins Medium" panose="00000600000000000000" pitchFamily="2" charset="0"/>
-                <a:cs typeface="Poppins Medium" panose="00000600000000000000" pitchFamily="2" charset="0"/>
-              </a:rPr>
-              <a:t>/16</a:t>
+              <a:rPr lang="de-DE" sz="1600" dirty="0">
+                <a:solidFill>
+                  <a:schemeClr val="tx1"/>
+                </a:solidFill>
+                <a:latin typeface="Poppins Medium" panose="00000600000000000000" pitchFamily="2" charset="0"/>
+                <a:cs typeface="Poppins Medium" panose="00000600000000000000" pitchFamily="2" charset="0"/>
+              </a:rPr>
+              <a:t>/35</a:t>
             </a:r>
           </a:p>
         </p:txBody>
@@ -7693,7 +7627,7 @@
         <p:spPr>
           <a:xfrm>
             <a:off x="0" y="0"/>
-            <a:ext cx="12184913" cy="1034891"/>
+            <a:ext cx="12393038" cy="1034891"/>
           </a:xfrm>
           <a:prstGeom prst="rect">
             <a:avLst/>
@@ -8032,7 +7966,7 @@
           <a:lstStyle/>
           <a:p>
             <a:r>
-              <a:rPr lang="it-IT" sz="1600">
+              <a:rPr lang="it-IT" sz="1600" dirty="0">
                 <a:solidFill>
                   <a:schemeClr val="bg1"/>
                 </a:solidFill>
@@ -8046,9 +7980,9 @@
                 <a:latin typeface="Poppins Medium" panose="00000600000000000000" pitchFamily="2" charset="0"/>
                 <a:cs typeface="Poppins Medium" panose="00000600000000000000" pitchFamily="2" charset="0"/>
               </a:rPr>
-              <a:t>31 Maggio 2022</a:t>
-            </a:r>
-            <a:endParaRPr lang="de-DE" sz="1600">
+              <a:t>MTSS – 2021/22</a:t>
+            </a:r>
+            <a:endParaRPr lang="de-DE" sz="1600" dirty="0">
               <a:solidFill>
                 <a:schemeClr val="bg1"/>
               </a:solidFill>
@@ -8105,7 +8039,7 @@
               <a:t>13</a:t>
             </a:fld>
             <a:r>
-              <a:rPr lang="de-DE" sz="1600">
+              <a:rPr lang="de-DE" sz="1600" dirty="0">
                 <a:solidFill>
                   <a:schemeClr val="bg1"/>
                 </a:solidFill>
@@ -8119,7 +8053,7 @@
                 <a:latin typeface="Poppins Medium" panose="00000600000000000000" pitchFamily="2" charset="0"/>
                 <a:cs typeface="Poppins Medium" panose="00000600000000000000" pitchFamily="2" charset="0"/>
               </a:rPr>
-              <a:t>/16</a:t>
+              <a:t>/35</a:t>
             </a:r>
           </a:p>
         </p:txBody>
@@ -8357,16 +8291,16 @@
           <a:lstStyle/>
           <a:p>
             <a:r>
-              <a:rPr lang="it-IT" sz="1600">
-                <a:solidFill>
-                  <a:schemeClr val="tx1"/>
-                </a:solidFill>
-                <a:latin typeface="Poppins Medium" panose="00000600000000000000" pitchFamily="2" charset="0"/>
-                <a:cs typeface="Poppins Medium" panose="00000600000000000000" pitchFamily="2" charset="0"/>
-              </a:rPr>
-              <a:t>31 Maggio 2022</a:t>
-            </a:r>
-            <a:endParaRPr lang="de-DE" sz="1600">
+              <a:rPr lang="it-IT" sz="1600" dirty="0">
+                <a:solidFill>
+                  <a:schemeClr val="tx1"/>
+                </a:solidFill>
+                <a:latin typeface="Poppins Medium" panose="00000600000000000000" pitchFamily="2" charset="0"/>
+                <a:cs typeface="Poppins Medium" panose="00000600000000000000" pitchFamily="2" charset="0"/>
+              </a:rPr>
+              <a:t>MTSS – 2021/22</a:t>
+            </a:r>
+            <a:endParaRPr lang="de-DE" sz="1600" dirty="0">
               <a:solidFill>
                 <a:schemeClr val="tx1"/>
               </a:solidFill>
@@ -8408,14 +8342,14 @@
               <a:t>14</a:t>
             </a:fld>
             <a:r>
-              <a:rPr lang="de-DE" sz="1600">
-                <a:solidFill>
-                  <a:schemeClr val="tx1"/>
-                </a:solidFill>
-                <a:latin typeface="Poppins Medium" panose="00000600000000000000" pitchFamily="2" charset="0"/>
-                <a:cs typeface="Poppins Medium" panose="00000600000000000000" pitchFamily="2" charset="0"/>
-              </a:rPr>
-              <a:t>/16</a:t>
+              <a:rPr lang="de-DE" sz="1600" dirty="0">
+                <a:solidFill>
+                  <a:schemeClr val="tx1"/>
+                </a:solidFill>
+                <a:latin typeface="Poppins Medium" panose="00000600000000000000" pitchFamily="2" charset="0"/>
+                <a:cs typeface="Poppins Medium" panose="00000600000000000000" pitchFamily="2" charset="0"/>
+              </a:rPr>
+              <a:t>/35</a:t>
             </a:r>
           </a:p>
         </p:txBody>
@@ -8435,7 +8369,7 @@
         <p:spPr>
           <a:xfrm>
             <a:off x="0" y="0"/>
-            <a:ext cx="12184913" cy="1034891"/>
+            <a:ext cx="12305489" cy="1034891"/>
           </a:xfrm>
           <a:prstGeom prst="rect">
             <a:avLst/>
@@ -8911,78 +8845,9 @@
               </a:rPr>
               <a:t>https://git-scm.com/downloads</a:t>
             </a:r>
-          </a:p>
-          <a:p>
-            <a:pPr marL="0" indent="0">
-              <a:buFont typeface="Arial" panose="020B0604020202020204" pitchFamily="34" charset="0"/>
-              <a:buNone/>
-            </a:pPr>
             <a:endParaRPr lang="it-IT" sz="2400" dirty="0">
               <a:latin typeface="Poppins Medium" panose="00000600000000000000" pitchFamily="2" charset="0"/>
               <a:cs typeface="Poppins Medium" panose="00000600000000000000" pitchFamily="2" charset="0"/>
-            </a:endParaRPr>
-          </a:p>
-          <a:p>
-            <a:pPr marL="0" indent="0">
-              <a:buFont typeface="Arial" panose="020B0604020202020204" pitchFamily="34" charset="0"/>
-              <a:buNone/>
-            </a:pPr>
-            <a:endParaRPr lang="it-IT" sz="2400" dirty="0">
-              <a:latin typeface="Poppins Medium" panose="00000600000000000000" pitchFamily="2" charset="0"/>
-              <a:cs typeface="Poppins Medium" panose="00000600000000000000" pitchFamily="2" charset="0"/>
-            </a:endParaRPr>
-          </a:p>
-          <a:p>
-            <a:pPr marL="0" indent="0">
-              <a:buFont typeface="Arial" panose="020B0604020202020204" pitchFamily="34" charset="0"/>
-              <a:buNone/>
-            </a:pPr>
-            <a:endParaRPr lang="it-IT" sz="2400" dirty="0">
-              <a:latin typeface="Poppins Medium" panose="00000600000000000000" pitchFamily="2" charset="0"/>
-              <a:cs typeface="Poppins Medium" panose="00000600000000000000" pitchFamily="2" charset="0"/>
-            </a:endParaRPr>
-          </a:p>
-          <a:p>
-            <a:pPr marL="0" indent="0">
-              <a:buFont typeface="Arial" panose="020B0604020202020204" pitchFamily="34" charset="0"/>
-              <a:buNone/>
-            </a:pPr>
-            <a:endParaRPr lang="it-IT" sz="2400" dirty="0">
-              <a:latin typeface="Poppins Medium" panose="00000600000000000000" pitchFamily="2" charset="0"/>
-              <a:cs typeface="Poppins Medium" panose="00000600000000000000" pitchFamily="2" charset="0"/>
-            </a:endParaRPr>
-          </a:p>
-          <a:p>
-            <a:pPr marL="0" indent="0">
-              <a:buFont typeface="Arial" panose="020B0604020202020204" pitchFamily="34" charset="0"/>
-              <a:buNone/>
-            </a:pPr>
-            <a:endParaRPr lang="it-IT" sz="2400" dirty="0">
-              <a:latin typeface="Poppins Medium" panose="00000600000000000000" pitchFamily="2" charset="0"/>
-              <a:cs typeface="Poppins Medium" panose="00000600000000000000" pitchFamily="2" charset="0"/>
-            </a:endParaRPr>
-          </a:p>
-          <a:p>
-            <a:pPr marL="0" indent="0">
-              <a:buFont typeface="Arial" panose="020B0604020202020204" pitchFamily="34" charset="0"/>
-              <a:buNone/>
-            </a:pPr>
-            <a:endParaRPr lang="it-IT" sz="2400" dirty="0">
-              <a:latin typeface="Poppins Medium" panose="00000600000000000000" pitchFamily="2" charset="0"/>
-              <a:cs typeface="Poppins Medium" panose="00000600000000000000" pitchFamily="2" charset="0"/>
-            </a:endParaRPr>
-          </a:p>
-          <a:p>
-            <a:pPr marL="0" indent="0">
-              <a:buFont typeface="Arial" panose="020B0604020202020204" pitchFamily="34" charset="0"/>
-              <a:buNone/>
-            </a:pPr>
-            <a:endParaRPr lang="it-IT" dirty="0">
-              <a:solidFill>
-                <a:schemeClr val="accent1">
-                  <a:lumMod val="75000"/>
-                </a:schemeClr>
-              </a:solidFill>
             </a:endParaRPr>
           </a:p>
         </p:txBody>
@@ -9039,16 +8904,16 @@
           <a:lstStyle/>
           <a:p>
             <a:r>
-              <a:rPr lang="it-IT" sz="1600">
-                <a:solidFill>
-                  <a:schemeClr val="tx1"/>
-                </a:solidFill>
-                <a:latin typeface="Poppins Medium" panose="00000600000000000000" pitchFamily="2" charset="0"/>
-                <a:cs typeface="Poppins Medium" panose="00000600000000000000" pitchFamily="2" charset="0"/>
-              </a:rPr>
-              <a:t>31 Maggio 2022</a:t>
-            </a:r>
-            <a:endParaRPr lang="de-DE" sz="1600">
+              <a:rPr lang="it-IT" sz="1600" dirty="0">
+                <a:solidFill>
+                  <a:schemeClr val="tx1"/>
+                </a:solidFill>
+                <a:latin typeface="Poppins Medium" panose="00000600000000000000" pitchFamily="2" charset="0"/>
+                <a:cs typeface="Poppins Medium" panose="00000600000000000000" pitchFamily="2" charset="0"/>
+              </a:rPr>
+              <a:t>MTSS – 2021/22</a:t>
+            </a:r>
+            <a:endParaRPr lang="de-DE" sz="1600" dirty="0">
               <a:solidFill>
                 <a:schemeClr val="tx1"/>
               </a:solidFill>
@@ -9090,14 +8955,14 @@
               <a:t>15</a:t>
             </a:fld>
             <a:r>
-              <a:rPr lang="de-DE" sz="1600">
-                <a:solidFill>
-                  <a:schemeClr val="tx1"/>
-                </a:solidFill>
-                <a:latin typeface="Poppins Medium" panose="00000600000000000000" pitchFamily="2" charset="0"/>
-                <a:cs typeface="Poppins Medium" panose="00000600000000000000" pitchFamily="2" charset="0"/>
-              </a:rPr>
-              <a:t>/16</a:t>
+              <a:rPr lang="de-DE" sz="1600" dirty="0">
+                <a:solidFill>
+                  <a:schemeClr val="tx1"/>
+                </a:solidFill>
+                <a:latin typeface="Poppins Medium" panose="00000600000000000000" pitchFamily="2" charset="0"/>
+                <a:cs typeface="Poppins Medium" panose="00000600000000000000" pitchFamily="2" charset="0"/>
+              </a:rPr>
+              <a:t>/35</a:t>
             </a:r>
           </a:p>
         </p:txBody>
@@ -9117,7 +8982,7 @@
         <p:spPr>
           <a:xfrm>
             <a:off x="0" y="0"/>
-            <a:ext cx="12184913" cy="1034891"/>
+            <a:ext cx="12373583" cy="1034891"/>
           </a:xfrm>
           <a:prstGeom prst="rect">
             <a:avLst/>
@@ -9512,56 +9377,6 @@
               </a:rPr>
               <a:t> test» prima di fare la PR, dato che fallirebbe la build automatica di GitHub Actions.</a:t>
             </a:r>
-          </a:p>
-          <a:p>
-            <a:pPr marL="0" indent="0">
-              <a:buFont typeface="Arial" panose="020B0604020202020204" pitchFamily="34" charset="0"/>
-              <a:buNone/>
-            </a:pPr>
-            <a:endParaRPr lang="it-IT" sz="2400" dirty="0">
-              <a:latin typeface="Poppins Medium" panose="00000600000000000000" pitchFamily="2" charset="0"/>
-              <a:cs typeface="Poppins Medium" panose="00000600000000000000" pitchFamily="2" charset="0"/>
-            </a:endParaRPr>
-          </a:p>
-          <a:p>
-            <a:pPr marL="0" indent="0">
-              <a:buFont typeface="Arial" panose="020B0604020202020204" pitchFamily="34" charset="0"/>
-              <a:buNone/>
-            </a:pPr>
-            <a:endParaRPr lang="it-IT" sz="2400" dirty="0">
-              <a:latin typeface="Poppins Medium" panose="00000600000000000000" pitchFamily="2" charset="0"/>
-              <a:cs typeface="Poppins Medium" panose="00000600000000000000" pitchFamily="2" charset="0"/>
-            </a:endParaRPr>
-          </a:p>
-          <a:p>
-            <a:pPr marL="0" indent="0">
-              <a:buFont typeface="Arial" panose="020B0604020202020204" pitchFamily="34" charset="0"/>
-              <a:buNone/>
-            </a:pPr>
-            <a:endParaRPr lang="it-IT" sz="2400" dirty="0">
-              <a:latin typeface="Poppins Medium" panose="00000600000000000000" pitchFamily="2" charset="0"/>
-              <a:cs typeface="Poppins Medium" panose="00000600000000000000" pitchFamily="2" charset="0"/>
-            </a:endParaRPr>
-          </a:p>
-          <a:p>
-            <a:pPr marL="0" indent="0">
-              <a:buFont typeface="Arial" panose="020B0604020202020204" pitchFamily="34" charset="0"/>
-              <a:buNone/>
-            </a:pPr>
-            <a:endParaRPr lang="it-IT" sz="2400" dirty="0">
-              <a:latin typeface="Poppins Medium" panose="00000600000000000000" pitchFamily="2" charset="0"/>
-              <a:cs typeface="Poppins Medium" panose="00000600000000000000" pitchFamily="2" charset="0"/>
-            </a:endParaRPr>
-          </a:p>
-          <a:p>
-            <a:pPr marL="0" indent="0">
-              <a:buFont typeface="Arial" panose="020B0604020202020204" pitchFamily="34" charset="0"/>
-              <a:buNone/>
-            </a:pPr>
-            <a:endParaRPr lang="it-IT" sz="2400" dirty="0">
-              <a:latin typeface="Poppins Medium" panose="00000600000000000000" pitchFamily="2" charset="0"/>
-              <a:cs typeface="Poppins Medium" panose="00000600000000000000" pitchFamily="2" charset="0"/>
-            </a:endParaRPr>
           </a:p>
           <a:p>
             <a:pPr marL="0" indent="0">
@@ -9805,16 +9620,16 @@
           <a:lstStyle/>
           <a:p>
             <a:r>
-              <a:rPr lang="it-IT" sz="1600">
-                <a:solidFill>
-                  <a:schemeClr val="tx1"/>
-                </a:solidFill>
-                <a:latin typeface="Poppins Medium" panose="00000600000000000000" pitchFamily="2" charset="0"/>
-                <a:cs typeface="Poppins Medium" panose="00000600000000000000" pitchFamily="2" charset="0"/>
-              </a:rPr>
-              <a:t>31 Maggio 2022</a:t>
-            </a:r>
-            <a:endParaRPr lang="de-DE" sz="1600">
+              <a:rPr lang="it-IT" sz="1600" dirty="0">
+                <a:solidFill>
+                  <a:schemeClr val="tx1"/>
+                </a:solidFill>
+                <a:latin typeface="Poppins Medium" panose="00000600000000000000" pitchFamily="2" charset="0"/>
+                <a:cs typeface="Poppins Medium" panose="00000600000000000000" pitchFamily="2" charset="0"/>
+              </a:rPr>
+              <a:t>MTSS – 2021/22</a:t>
+            </a:r>
+            <a:endParaRPr lang="de-DE" sz="1600" dirty="0">
               <a:solidFill>
                 <a:schemeClr val="tx1"/>
               </a:solidFill>
@@ -9856,14 +9671,14 @@
               <a:t>16</a:t>
             </a:fld>
             <a:r>
-              <a:rPr lang="de-DE" sz="1600">
-                <a:solidFill>
-                  <a:schemeClr val="tx1"/>
-                </a:solidFill>
-                <a:latin typeface="Poppins Medium" panose="00000600000000000000" pitchFamily="2" charset="0"/>
-                <a:cs typeface="Poppins Medium" panose="00000600000000000000" pitchFamily="2" charset="0"/>
-              </a:rPr>
-              <a:t>/16</a:t>
+              <a:rPr lang="de-DE" sz="1600" dirty="0">
+                <a:solidFill>
+                  <a:schemeClr val="tx1"/>
+                </a:solidFill>
+                <a:latin typeface="Poppins Medium" panose="00000600000000000000" pitchFamily="2" charset="0"/>
+                <a:cs typeface="Poppins Medium" panose="00000600000000000000" pitchFamily="2" charset="0"/>
+              </a:rPr>
+              <a:t>/35</a:t>
             </a:r>
           </a:p>
         </p:txBody>
@@ -9883,7 +9698,7 @@
         <p:spPr>
           <a:xfrm>
             <a:off x="0" y="0"/>
-            <a:ext cx="12184913" cy="1034891"/>
+            <a:ext cx="12422221" cy="1034891"/>
           </a:xfrm>
           <a:prstGeom prst="rect">
             <a:avLst/>
@@ -10298,49 +10113,6 @@
               </a:rPr>
               <a:t>Aspettare l’approvazione degli amministratori per il merge</a:t>
             </a:r>
-          </a:p>
-          <a:p>
-            <a:pPr marL="0" indent="0">
-              <a:buFont typeface="Arial" panose="020B0604020202020204" pitchFamily="34" charset="0"/>
-              <a:buNone/>
-            </a:pPr>
-            <a:endParaRPr lang="it-IT" sz="2400" dirty="0">
-              <a:latin typeface="Poppins Medium" panose="00000600000000000000" pitchFamily="2" charset="0"/>
-              <a:cs typeface="Poppins Medium" panose="00000600000000000000" pitchFamily="2" charset="0"/>
-            </a:endParaRPr>
-          </a:p>
-          <a:p>
-            <a:pPr marL="0" indent="0">
-              <a:buFont typeface="Arial" panose="020B0604020202020204" pitchFamily="34" charset="0"/>
-              <a:buNone/>
-            </a:pPr>
-            <a:endParaRPr lang="it-IT" sz="2400" dirty="0">
-              <a:latin typeface="Poppins Medium" panose="00000600000000000000" pitchFamily="2" charset="0"/>
-              <a:cs typeface="Poppins Medium" panose="00000600000000000000" pitchFamily="2" charset="0"/>
-            </a:endParaRPr>
-          </a:p>
-          <a:p>
-            <a:pPr marL="0" indent="0">
-              <a:buFont typeface="Arial" panose="020B0604020202020204" pitchFamily="34" charset="0"/>
-              <a:buNone/>
-            </a:pPr>
-            <a:endParaRPr lang="it-IT" sz="2400" dirty="0">
-              <a:latin typeface="Poppins Medium" panose="00000600000000000000" pitchFamily="2" charset="0"/>
-              <a:cs typeface="Poppins Medium" panose="00000600000000000000" pitchFamily="2" charset="0"/>
-            </a:endParaRPr>
-          </a:p>
-          <a:p>
-            <a:pPr marL="0" indent="0">
-              <a:buFont typeface="Arial" panose="020B0604020202020204" pitchFamily="34" charset="0"/>
-              <a:buNone/>
-            </a:pPr>
-            <a:endParaRPr lang="it-IT" dirty="0">
-              <a:solidFill>
-                <a:schemeClr val="accent1">
-                  <a:lumMod val="75000"/>
-                </a:schemeClr>
-              </a:solidFill>
-            </a:endParaRPr>
           </a:p>
         </p:txBody>
       </p:sp>
@@ -10649,7 +10421,7 @@
           <a:lstStyle/>
           <a:p>
             <a:r>
-              <a:rPr lang="it-IT" sz="1600">
+              <a:rPr lang="it-IT" sz="1600" dirty="0">
                 <a:solidFill>
                   <a:schemeClr val="bg1"/>
                 </a:solidFill>
@@ -10663,9 +10435,9 @@
                 <a:latin typeface="Poppins Medium" panose="00000600000000000000" pitchFamily="2" charset="0"/>
                 <a:cs typeface="Poppins Medium" panose="00000600000000000000" pitchFamily="2" charset="0"/>
               </a:rPr>
-              <a:t>31 Maggio 2022</a:t>
-            </a:r>
-            <a:endParaRPr lang="de-DE" sz="1600">
+              <a:t>MTSS – 2021/22</a:t>
+            </a:r>
+            <a:endParaRPr lang="de-DE" sz="1600" dirty="0">
               <a:solidFill>
                 <a:schemeClr val="bg1"/>
               </a:solidFill>
@@ -10722,7 +10494,7 @@
               <a:t>17</a:t>
             </a:fld>
             <a:r>
-              <a:rPr lang="de-DE" sz="1600">
+              <a:rPr lang="de-DE" sz="1600" dirty="0">
                 <a:solidFill>
                   <a:schemeClr val="bg1"/>
                 </a:solidFill>
@@ -10736,7 +10508,7 @@
                 <a:latin typeface="Poppins Medium" panose="00000600000000000000" pitchFamily="2" charset="0"/>
                 <a:cs typeface="Poppins Medium" panose="00000600000000000000" pitchFamily="2" charset="0"/>
               </a:rPr>
-              <a:t>/16</a:t>
+              <a:t>/35</a:t>
             </a:r>
           </a:p>
         </p:txBody>
@@ -11009,16 +10781,16 @@
           <a:lstStyle/>
           <a:p>
             <a:r>
-              <a:rPr lang="it-IT" sz="1600">
-                <a:solidFill>
-                  <a:schemeClr val="tx1"/>
-                </a:solidFill>
-                <a:latin typeface="Poppins Medium" panose="00000600000000000000" pitchFamily="2" charset="0"/>
-                <a:cs typeface="Poppins Medium" panose="00000600000000000000" pitchFamily="2" charset="0"/>
-              </a:rPr>
-              <a:t>31 Maggio 2022</a:t>
-            </a:r>
-            <a:endParaRPr lang="de-DE" sz="1600">
+              <a:rPr lang="it-IT" sz="1600" dirty="0">
+                <a:solidFill>
+                  <a:schemeClr val="tx1"/>
+                </a:solidFill>
+                <a:latin typeface="Poppins Medium" panose="00000600000000000000" pitchFamily="2" charset="0"/>
+                <a:cs typeface="Poppins Medium" panose="00000600000000000000" pitchFamily="2" charset="0"/>
+              </a:rPr>
+              <a:t>MTSS – 2021/22</a:t>
+            </a:r>
+            <a:endParaRPr lang="de-DE" sz="1600" dirty="0">
               <a:solidFill>
                 <a:schemeClr val="tx1"/>
               </a:solidFill>
@@ -11060,14 +10832,14 @@
               <a:t>18</a:t>
             </a:fld>
             <a:r>
-              <a:rPr lang="de-DE" sz="1600">
-                <a:solidFill>
-                  <a:schemeClr val="tx1"/>
-                </a:solidFill>
-                <a:latin typeface="Poppins Medium" panose="00000600000000000000" pitchFamily="2" charset="0"/>
-                <a:cs typeface="Poppins Medium" panose="00000600000000000000" pitchFamily="2" charset="0"/>
-              </a:rPr>
-              <a:t>/16</a:t>
+              <a:rPr lang="de-DE" sz="1600" dirty="0">
+                <a:solidFill>
+                  <a:schemeClr val="tx1"/>
+                </a:solidFill>
+                <a:latin typeface="Poppins Medium" panose="00000600000000000000" pitchFamily="2" charset="0"/>
+                <a:cs typeface="Poppins Medium" panose="00000600000000000000" pitchFamily="2" charset="0"/>
+              </a:rPr>
+              <a:t>/35</a:t>
             </a:r>
           </a:p>
         </p:txBody>
@@ -11087,7 +10859,7 @@
         <p:spPr>
           <a:xfrm>
             <a:off x="0" y="0"/>
-            <a:ext cx="12184913" cy="1034891"/>
+            <a:ext cx="12383311" cy="1034891"/>
           </a:xfrm>
           <a:prstGeom prst="rect">
             <a:avLst/>
@@ -11800,69 +11572,6 @@
             <a:endParaRPr lang="it-IT" sz="2400" dirty="0">
               <a:latin typeface="Poppins Medium" panose="00000600000000000000" pitchFamily="2" charset="0"/>
               <a:cs typeface="Poppins Medium" panose="00000600000000000000" pitchFamily="2" charset="0"/>
-            </a:endParaRPr>
-          </a:p>
-          <a:p>
-            <a:pPr marL="0" indent="0">
-              <a:buFont typeface="Arial" panose="020B0604020202020204" pitchFamily="34" charset="0"/>
-              <a:buNone/>
-            </a:pPr>
-            <a:endParaRPr lang="it-IT" sz="2400" dirty="0">
-              <a:latin typeface="Poppins Medium" panose="00000600000000000000" pitchFamily="2" charset="0"/>
-              <a:cs typeface="Poppins Medium" panose="00000600000000000000" pitchFamily="2" charset="0"/>
-            </a:endParaRPr>
-          </a:p>
-          <a:p>
-            <a:pPr marL="0" indent="0">
-              <a:buFont typeface="Arial" panose="020B0604020202020204" pitchFamily="34" charset="0"/>
-              <a:buNone/>
-            </a:pPr>
-            <a:endParaRPr lang="it-IT" sz="2400" dirty="0">
-              <a:latin typeface="Poppins Medium" panose="00000600000000000000" pitchFamily="2" charset="0"/>
-              <a:cs typeface="Poppins Medium" panose="00000600000000000000" pitchFamily="2" charset="0"/>
-            </a:endParaRPr>
-          </a:p>
-          <a:p>
-            <a:pPr marL="0" indent="0">
-              <a:buFont typeface="Arial" panose="020B0604020202020204" pitchFamily="34" charset="0"/>
-              <a:buNone/>
-            </a:pPr>
-            <a:endParaRPr lang="it-IT" sz="2400" dirty="0">
-              <a:latin typeface="Poppins Medium" panose="00000600000000000000" pitchFamily="2" charset="0"/>
-              <a:cs typeface="Poppins Medium" panose="00000600000000000000" pitchFamily="2" charset="0"/>
-            </a:endParaRPr>
-          </a:p>
-          <a:p>
-            <a:pPr marL="0" indent="0">
-              <a:buFont typeface="Arial" panose="020B0604020202020204" pitchFamily="34" charset="0"/>
-              <a:buNone/>
-            </a:pPr>
-            <a:endParaRPr lang="it-IT" sz="2400" dirty="0">
-              <a:latin typeface="Poppins Medium" panose="00000600000000000000" pitchFamily="2" charset="0"/>
-              <a:cs typeface="Poppins Medium" panose="00000600000000000000" pitchFamily="2" charset="0"/>
-            </a:endParaRPr>
-          </a:p>
-          <a:p>
-            <a:pPr marL="0" indent="0">
-              <a:buFont typeface="Arial" panose="020B0604020202020204" pitchFamily="34" charset="0"/>
-              <a:buNone/>
-            </a:pPr>
-            <a:endParaRPr lang="it-IT" sz="2400" dirty="0">
-              <a:latin typeface="Poppins Medium" panose="00000600000000000000" pitchFamily="2" charset="0"/>
-              <a:cs typeface="Poppins Medium" panose="00000600000000000000" pitchFamily="2" charset="0"/>
-            </a:endParaRPr>
-          </a:p>
-          <a:p>
-            <a:pPr marL="0" indent="0">
-              <a:buFont typeface="Arial" panose="020B0604020202020204" pitchFamily="34" charset="0"/>
-              <a:buNone/>
-            </a:pPr>
-            <a:endParaRPr lang="it-IT" dirty="0">
-              <a:solidFill>
-                <a:schemeClr val="accent1">
-                  <a:lumMod val="75000"/>
-                </a:schemeClr>
-              </a:solidFill>
             </a:endParaRPr>
           </a:p>
         </p:txBody>
@@ -11919,16 +11628,16 @@
           <a:lstStyle/>
           <a:p>
             <a:r>
-              <a:rPr lang="it-IT" sz="1600">
-                <a:solidFill>
-                  <a:schemeClr val="tx1"/>
-                </a:solidFill>
-                <a:latin typeface="Poppins Medium" panose="00000600000000000000" pitchFamily="2" charset="0"/>
-                <a:cs typeface="Poppins Medium" panose="00000600000000000000" pitchFamily="2" charset="0"/>
-              </a:rPr>
-              <a:t>31 Maggio 2022</a:t>
-            </a:r>
-            <a:endParaRPr lang="de-DE" sz="1600">
+              <a:rPr lang="it-IT" sz="1600" dirty="0">
+                <a:solidFill>
+                  <a:schemeClr val="tx1"/>
+                </a:solidFill>
+                <a:latin typeface="Poppins Medium" panose="00000600000000000000" pitchFamily="2" charset="0"/>
+                <a:cs typeface="Poppins Medium" panose="00000600000000000000" pitchFamily="2" charset="0"/>
+              </a:rPr>
+              <a:t>MTSS – 2021/22</a:t>
+            </a:r>
+            <a:endParaRPr lang="de-DE" sz="1600" dirty="0">
               <a:solidFill>
                 <a:schemeClr val="tx1"/>
               </a:solidFill>
@@ -11970,14 +11679,14 @@
               <a:t>19</a:t>
             </a:fld>
             <a:r>
-              <a:rPr lang="de-DE" sz="1600">
-                <a:solidFill>
-                  <a:schemeClr val="tx1"/>
-                </a:solidFill>
-                <a:latin typeface="Poppins Medium" panose="00000600000000000000" pitchFamily="2" charset="0"/>
-                <a:cs typeface="Poppins Medium" panose="00000600000000000000" pitchFamily="2" charset="0"/>
-              </a:rPr>
-              <a:t>/16</a:t>
+              <a:rPr lang="de-DE" sz="1600" dirty="0">
+                <a:solidFill>
+                  <a:schemeClr val="tx1"/>
+                </a:solidFill>
+                <a:latin typeface="Poppins Medium" panose="00000600000000000000" pitchFamily="2" charset="0"/>
+                <a:cs typeface="Poppins Medium" panose="00000600000000000000" pitchFamily="2" charset="0"/>
+              </a:rPr>
+              <a:t>/35</a:t>
             </a:r>
           </a:p>
         </p:txBody>
@@ -11997,7 +11706,7 @@
         <p:spPr>
           <a:xfrm>
             <a:off x="0" y="0"/>
-            <a:ext cx="12184913" cy="1034891"/>
+            <a:ext cx="12529226" cy="1034891"/>
           </a:xfrm>
           <a:prstGeom prst="rect">
             <a:avLst/>
@@ -12817,7 +12526,7 @@
                 <a:latin typeface="Poppins Medium" panose="00000600000000000000" pitchFamily="2" charset="0"/>
                 <a:cs typeface="Poppins Medium" panose="00000600000000000000" pitchFamily="2" charset="0"/>
               </a:rPr>
-              <a:t>31 Maggio 2022</a:t>
+              <a:t>MTSS – 2021/22</a:t>
             </a:r>
             <a:endParaRPr lang="de-DE" sz="1600" dirty="0">
               <a:solidFill>
@@ -12861,14 +12570,14 @@
               <a:t>2</a:t>
             </a:fld>
             <a:r>
-              <a:rPr lang="de-DE" sz="1600">
-                <a:solidFill>
-                  <a:schemeClr val="tx1"/>
-                </a:solidFill>
-                <a:latin typeface="Poppins Medium" panose="00000600000000000000" pitchFamily="2" charset="0"/>
-                <a:cs typeface="Poppins Medium" panose="00000600000000000000" pitchFamily="2" charset="0"/>
-              </a:rPr>
-              <a:t>/16</a:t>
+              <a:rPr lang="de-DE" sz="1600" dirty="0">
+                <a:solidFill>
+                  <a:schemeClr val="tx1"/>
+                </a:solidFill>
+                <a:latin typeface="Poppins Medium" panose="00000600000000000000" pitchFamily="2" charset="0"/>
+                <a:cs typeface="Poppins Medium" panose="00000600000000000000" pitchFamily="2" charset="0"/>
+              </a:rPr>
+              <a:t>/35</a:t>
             </a:r>
           </a:p>
         </p:txBody>
@@ -12888,7 +12597,7 @@
         <p:spPr>
           <a:xfrm>
             <a:off x="0" y="0"/>
-            <a:ext cx="12184913" cy="1034891"/>
+            <a:ext cx="12305489" cy="1034891"/>
           </a:xfrm>
           <a:prstGeom prst="rect">
             <a:avLst/>
@@ -13116,16 +12825,16 @@
           <a:lstStyle/>
           <a:p>
             <a:r>
-              <a:rPr lang="it-IT" sz="1600">
-                <a:solidFill>
-                  <a:schemeClr val="tx1"/>
-                </a:solidFill>
-                <a:latin typeface="Poppins Medium" panose="00000600000000000000" pitchFamily="2" charset="0"/>
-                <a:cs typeface="Poppins Medium" panose="00000600000000000000" pitchFamily="2" charset="0"/>
-              </a:rPr>
-              <a:t>31 Maggio 2022</a:t>
-            </a:r>
-            <a:endParaRPr lang="de-DE" sz="1600">
+              <a:rPr lang="it-IT" sz="1600" dirty="0">
+                <a:solidFill>
+                  <a:schemeClr val="tx1"/>
+                </a:solidFill>
+                <a:latin typeface="Poppins Medium" panose="00000600000000000000" pitchFamily="2" charset="0"/>
+                <a:cs typeface="Poppins Medium" panose="00000600000000000000" pitchFamily="2" charset="0"/>
+              </a:rPr>
+              <a:t>MTSS – 2021/22</a:t>
+            </a:r>
+            <a:endParaRPr lang="de-DE" sz="1600" dirty="0">
               <a:solidFill>
                 <a:schemeClr val="tx1"/>
               </a:solidFill>
@@ -13167,14 +12876,14 @@
               <a:t>20</a:t>
             </a:fld>
             <a:r>
-              <a:rPr lang="de-DE" sz="1600">
-                <a:solidFill>
-                  <a:schemeClr val="tx1"/>
-                </a:solidFill>
-                <a:latin typeface="Poppins Medium" panose="00000600000000000000" pitchFamily="2" charset="0"/>
-                <a:cs typeface="Poppins Medium" panose="00000600000000000000" pitchFamily="2" charset="0"/>
-              </a:rPr>
-              <a:t>/16</a:t>
+              <a:rPr lang="de-DE" sz="1600" dirty="0">
+                <a:solidFill>
+                  <a:schemeClr val="tx1"/>
+                </a:solidFill>
+                <a:latin typeface="Poppins Medium" panose="00000600000000000000" pitchFamily="2" charset="0"/>
+                <a:cs typeface="Poppins Medium" panose="00000600000000000000" pitchFamily="2" charset="0"/>
+              </a:rPr>
+              <a:t>/35</a:t>
             </a:r>
           </a:p>
         </p:txBody>
@@ -13194,7 +12903,7 @@
         <p:spPr>
           <a:xfrm>
             <a:off x="0" y="0"/>
-            <a:ext cx="12184913" cy="1034891"/>
+            <a:ext cx="12441677" cy="1034891"/>
           </a:xfrm>
           <a:prstGeom prst="rect">
             <a:avLst/>
@@ -13975,7 +13684,7 @@
           <a:lstStyle/>
           <a:p>
             <a:r>
-              <a:rPr lang="it-IT" sz="1600">
+              <a:rPr lang="it-IT" sz="1600" dirty="0">
                 <a:solidFill>
                   <a:schemeClr val="bg1"/>
                 </a:solidFill>
@@ -13989,9 +13698,9 @@
                 <a:latin typeface="Poppins Medium" panose="00000600000000000000" pitchFamily="2" charset="0"/>
                 <a:cs typeface="Poppins Medium" panose="00000600000000000000" pitchFamily="2" charset="0"/>
               </a:rPr>
-              <a:t>31 Maggio 2022</a:t>
-            </a:r>
-            <a:endParaRPr lang="de-DE" sz="1600">
+              <a:t>MTSS – 2021/22</a:t>
+            </a:r>
+            <a:endParaRPr lang="de-DE" sz="1600" dirty="0">
               <a:solidFill>
                 <a:schemeClr val="bg1"/>
               </a:solidFill>
@@ -14048,7 +13757,7 @@
               <a:t>21</a:t>
             </a:fld>
             <a:r>
-              <a:rPr lang="de-DE" sz="1600">
+              <a:rPr lang="de-DE" sz="1600" dirty="0">
                 <a:solidFill>
                   <a:schemeClr val="bg1"/>
                 </a:solidFill>
@@ -14062,7 +13771,7 @@
                 <a:latin typeface="Poppins Medium" panose="00000600000000000000" pitchFamily="2" charset="0"/>
                 <a:cs typeface="Poppins Medium" panose="00000600000000000000" pitchFamily="2" charset="0"/>
               </a:rPr>
-              <a:t>/16</a:t>
+              <a:t>/35</a:t>
             </a:r>
           </a:p>
         </p:txBody>
@@ -14158,16 +13867,16 @@
           <a:lstStyle/>
           <a:p>
             <a:r>
-              <a:rPr lang="it-IT" sz="1600">
-                <a:solidFill>
-                  <a:schemeClr val="tx1"/>
-                </a:solidFill>
-                <a:latin typeface="Poppins Medium" panose="00000600000000000000" pitchFamily="2" charset="0"/>
-                <a:cs typeface="Poppins Medium" panose="00000600000000000000" pitchFamily="2" charset="0"/>
-              </a:rPr>
-              <a:t>31 Maggio 2022</a:t>
-            </a:r>
-            <a:endParaRPr lang="de-DE" sz="1600">
+              <a:rPr lang="it-IT" sz="1600" dirty="0">
+                <a:solidFill>
+                  <a:schemeClr val="tx1"/>
+                </a:solidFill>
+                <a:latin typeface="Poppins Medium" panose="00000600000000000000" pitchFamily="2" charset="0"/>
+                <a:cs typeface="Poppins Medium" panose="00000600000000000000" pitchFamily="2" charset="0"/>
+              </a:rPr>
+              <a:t>MTSS – 2021/22</a:t>
+            </a:r>
+            <a:endParaRPr lang="de-DE" sz="1600" dirty="0">
               <a:solidFill>
                 <a:schemeClr val="tx1"/>
               </a:solidFill>
@@ -14209,14 +13918,14 @@
               <a:t>22</a:t>
             </a:fld>
             <a:r>
-              <a:rPr lang="de-DE" sz="1600">
-                <a:solidFill>
-                  <a:schemeClr val="tx1"/>
-                </a:solidFill>
-                <a:latin typeface="Poppins Medium" panose="00000600000000000000" pitchFamily="2" charset="0"/>
-                <a:cs typeface="Poppins Medium" panose="00000600000000000000" pitchFamily="2" charset="0"/>
-              </a:rPr>
-              <a:t>/16</a:t>
+              <a:rPr lang="de-DE" sz="1600" dirty="0">
+                <a:solidFill>
+                  <a:schemeClr val="tx1"/>
+                </a:solidFill>
+                <a:latin typeface="Poppins Medium" panose="00000600000000000000" pitchFamily="2" charset="0"/>
+                <a:cs typeface="Poppins Medium" panose="00000600000000000000" pitchFamily="2" charset="0"/>
+              </a:rPr>
+              <a:t>/35</a:t>
             </a:r>
           </a:p>
         </p:txBody>
@@ -14236,7 +13945,7 @@
         <p:spPr>
           <a:xfrm>
             <a:off x="0" y="0"/>
-            <a:ext cx="12184913" cy="1034891"/>
+            <a:ext cx="12431949" cy="1034891"/>
           </a:xfrm>
           <a:prstGeom prst="rect">
             <a:avLst/>
@@ -15345,16 +15054,16 @@
           <a:lstStyle/>
           <a:p>
             <a:r>
-              <a:rPr lang="it-IT" sz="1600">
-                <a:solidFill>
-                  <a:schemeClr val="tx1"/>
-                </a:solidFill>
-                <a:latin typeface="Poppins Medium" panose="00000600000000000000" pitchFamily="2" charset="0"/>
-                <a:cs typeface="Poppins Medium" panose="00000600000000000000" pitchFamily="2" charset="0"/>
-              </a:rPr>
-              <a:t>31 Maggio 2022</a:t>
-            </a:r>
-            <a:endParaRPr lang="de-DE" sz="1600">
+              <a:rPr lang="it-IT" sz="1600" dirty="0">
+                <a:solidFill>
+                  <a:schemeClr val="tx1"/>
+                </a:solidFill>
+                <a:latin typeface="Poppins Medium" panose="00000600000000000000" pitchFamily="2" charset="0"/>
+                <a:cs typeface="Poppins Medium" panose="00000600000000000000" pitchFamily="2" charset="0"/>
+              </a:rPr>
+              <a:t>MTSS – 2021/22</a:t>
+            </a:r>
+            <a:endParaRPr lang="de-DE" sz="1600" dirty="0">
               <a:solidFill>
                 <a:schemeClr val="tx1"/>
               </a:solidFill>
@@ -15396,14 +15105,14 @@
               <a:t>23</a:t>
             </a:fld>
             <a:r>
-              <a:rPr lang="de-DE" sz="1600">
-                <a:solidFill>
-                  <a:schemeClr val="tx1"/>
-                </a:solidFill>
-                <a:latin typeface="Poppins Medium" panose="00000600000000000000" pitchFamily="2" charset="0"/>
-                <a:cs typeface="Poppins Medium" panose="00000600000000000000" pitchFamily="2" charset="0"/>
-              </a:rPr>
-              <a:t>/16</a:t>
+              <a:rPr lang="de-DE" sz="1600" dirty="0">
+                <a:solidFill>
+                  <a:schemeClr val="tx1"/>
+                </a:solidFill>
+                <a:latin typeface="Poppins Medium" panose="00000600000000000000" pitchFamily="2" charset="0"/>
+                <a:cs typeface="Poppins Medium" panose="00000600000000000000" pitchFamily="2" charset="0"/>
+              </a:rPr>
+              <a:t>/35</a:t>
             </a:r>
           </a:p>
         </p:txBody>
@@ -15423,7 +15132,7 @@
         <p:spPr>
           <a:xfrm>
             <a:off x="0" y="0"/>
-            <a:ext cx="12184913" cy="1034891"/>
+            <a:ext cx="12286034" cy="1034891"/>
           </a:xfrm>
           <a:prstGeom prst="rect">
             <a:avLst/>
@@ -16106,16 +15815,16 @@
           <a:lstStyle/>
           <a:p>
             <a:r>
-              <a:rPr lang="it-IT" sz="1600">
-                <a:solidFill>
-                  <a:schemeClr val="tx1"/>
-                </a:solidFill>
-                <a:latin typeface="Poppins Medium" panose="00000600000000000000" pitchFamily="2" charset="0"/>
-                <a:cs typeface="Poppins Medium" panose="00000600000000000000" pitchFamily="2" charset="0"/>
-              </a:rPr>
-              <a:t>31 Maggio 2022</a:t>
-            </a:r>
-            <a:endParaRPr lang="de-DE" sz="1600">
+              <a:rPr lang="it-IT" sz="1600" dirty="0">
+                <a:solidFill>
+                  <a:schemeClr val="tx1"/>
+                </a:solidFill>
+                <a:latin typeface="Poppins Medium" panose="00000600000000000000" pitchFamily="2" charset="0"/>
+                <a:cs typeface="Poppins Medium" panose="00000600000000000000" pitchFamily="2" charset="0"/>
+              </a:rPr>
+              <a:t>MTSS – 2021/22</a:t>
+            </a:r>
+            <a:endParaRPr lang="de-DE" sz="1600" dirty="0">
               <a:solidFill>
                 <a:schemeClr val="tx1"/>
               </a:solidFill>
@@ -16157,14 +15866,14 @@
               <a:t>24</a:t>
             </a:fld>
             <a:r>
-              <a:rPr lang="de-DE" sz="1600">
-                <a:solidFill>
-                  <a:schemeClr val="tx1"/>
-                </a:solidFill>
-                <a:latin typeface="Poppins Medium" panose="00000600000000000000" pitchFamily="2" charset="0"/>
-                <a:cs typeface="Poppins Medium" panose="00000600000000000000" pitchFamily="2" charset="0"/>
-              </a:rPr>
-              <a:t>/16</a:t>
+              <a:rPr lang="de-DE" sz="1600" dirty="0">
+                <a:solidFill>
+                  <a:schemeClr val="tx1"/>
+                </a:solidFill>
+                <a:latin typeface="Poppins Medium" panose="00000600000000000000" pitchFamily="2" charset="0"/>
+                <a:cs typeface="Poppins Medium" panose="00000600000000000000" pitchFamily="2" charset="0"/>
+              </a:rPr>
+              <a:t>/35</a:t>
             </a:r>
           </a:p>
         </p:txBody>
@@ -16184,7 +15893,7 @@
         <p:spPr>
           <a:xfrm>
             <a:off x="0" y="0"/>
-            <a:ext cx="12184913" cy="1034891"/>
+            <a:ext cx="12344400" cy="1034891"/>
           </a:xfrm>
           <a:prstGeom prst="rect">
             <a:avLst/>
@@ -16751,16 +16460,16 @@
           <a:lstStyle/>
           <a:p>
             <a:r>
-              <a:rPr lang="it-IT" sz="1600">
-                <a:solidFill>
-                  <a:schemeClr val="tx1"/>
-                </a:solidFill>
-                <a:latin typeface="Poppins Medium" panose="00000600000000000000" pitchFamily="2" charset="0"/>
-                <a:cs typeface="Poppins Medium" panose="00000600000000000000" pitchFamily="2" charset="0"/>
-              </a:rPr>
-              <a:t>31 Maggio 2022</a:t>
-            </a:r>
-            <a:endParaRPr lang="de-DE" sz="1600">
+              <a:rPr lang="it-IT" sz="1600" dirty="0">
+                <a:solidFill>
+                  <a:schemeClr val="tx1"/>
+                </a:solidFill>
+                <a:latin typeface="Poppins Medium" panose="00000600000000000000" pitchFamily="2" charset="0"/>
+                <a:cs typeface="Poppins Medium" panose="00000600000000000000" pitchFamily="2" charset="0"/>
+              </a:rPr>
+              <a:t>MTSS – 2021/22</a:t>
+            </a:r>
+            <a:endParaRPr lang="de-DE" sz="1600" dirty="0">
               <a:solidFill>
                 <a:schemeClr val="tx1"/>
               </a:solidFill>
@@ -16802,14 +16511,14 @@
               <a:t>25</a:t>
             </a:fld>
             <a:r>
-              <a:rPr lang="de-DE" sz="1600">
-                <a:solidFill>
-                  <a:schemeClr val="tx1"/>
-                </a:solidFill>
-                <a:latin typeface="Poppins Medium" panose="00000600000000000000" pitchFamily="2" charset="0"/>
-                <a:cs typeface="Poppins Medium" panose="00000600000000000000" pitchFamily="2" charset="0"/>
-              </a:rPr>
-              <a:t>/16</a:t>
+              <a:rPr lang="de-DE" sz="1600" dirty="0">
+                <a:solidFill>
+                  <a:schemeClr val="tx1"/>
+                </a:solidFill>
+                <a:latin typeface="Poppins Medium" panose="00000600000000000000" pitchFamily="2" charset="0"/>
+                <a:cs typeface="Poppins Medium" panose="00000600000000000000" pitchFamily="2" charset="0"/>
+              </a:rPr>
+              <a:t>/35</a:t>
             </a:r>
           </a:p>
         </p:txBody>
@@ -16829,7 +16538,7 @@
         <p:spPr>
           <a:xfrm>
             <a:off x="0" y="0"/>
-            <a:ext cx="12184913" cy="1034891"/>
+            <a:ext cx="12383311" cy="1034891"/>
           </a:xfrm>
           <a:prstGeom prst="rect">
             <a:avLst/>
@@ -17158,7 +16867,7 @@
         <p:spPr>
           <a:xfrm>
             <a:off x="486383" y="1640526"/>
-            <a:ext cx="6245157" cy="5262979"/>
+            <a:ext cx="6245157" cy="4401205"/>
           </a:xfrm>
           <a:prstGeom prst="rect">
             <a:avLst/>
@@ -17205,18 +16914,6 @@
               </a:rPr>
               <a:t>anche quelli che forniscono il maggior valore aggiunto.</a:t>
             </a:r>
-          </a:p>
-          <a:p>
-            <a:endParaRPr lang="it-IT" sz="2800" dirty="0">
-              <a:latin typeface="Poppins Medium" panose="00000600000000000000" pitchFamily="2" charset="0"/>
-              <a:cs typeface="Poppins Medium" panose="00000600000000000000" pitchFamily="2" charset="0"/>
-            </a:endParaRPr>
-          </a:p>
-          <a:p>
-            <a:endParaRPr lang="it-IT" sz="2800" dirty="0">
-              <a:latin typeface="Poppins Medium" panose="00000600000000000000" pitchFamily="2" charset="0"/>
-              <a:cs typeface="Poppins Medium" panose="00000600000000000000" pitchFamily="2" charset="0"/>
-            </a:endParaRPr>
           </a:p>
           <a:p>
             <a:endParaRPr lang="it-IT" sz="2800" dirty="0">
@@ -17319,16 +17016,16 @@
           <a:lstStyle/>
           <a:p>
             <a:r>
-              <a:rPr lang="it-IT" sz="1600">
-                <a:solidFill>
-                  <a:schemeClr val="tx1"/>
-                </a:solidFill>
-                <a:latin typeface="Poppins Medium" panose="00000600000000000000" pitchFamily="2" charset="0"/>
-                <a:cs typeface="Poppins Medium" panose="00000600000000000000" pitchFamily="2" charset="0"/>
-              </a:rPr>
-              <a:t>31 Maggio 2022</a:t>
-            </a:r>
-            <a:endParaRPr lang="de-DE" sz="1600">
+              <a:rPr lang="it-IT" sz="1600" dirty="0">
+                <a:solidFill>
+                  <a:schemeClr val="tx1"/>
+                </a:solidFill>
+                <a:latin typeface="Poppins Medium" panose="00000600000000000000" pitchFamily="2" charset="0"/>
+                <a:cs typeface="Poppins Medium" panose="00000600000000000000" pitchFamily="2" charset="0"/>
+              </a:rPr>
+              <a:t>MTSS – 2021/22</a:t>
+            </a:r>
+            <a:endParaRPr lang="de-DE" sz="1600" dirty="0">
               <a:solidFill>
                 <a:schemeClr val="tx1"/>
               </a:solidFill>
@@ -17370,14 +17067,14 @@
               <a:t>26</a:t>
             </a:fld>
             <a:r>
-              <a:rPr lang="de-DE" sz="1600">
-                <a:solidFill>
-                  <a:schemeClr val="tx1"/>
-                </a:solidFill>
-                <a:latin typeface="Poppins Medium" panose="00000600000000000000" pitchFamily="2" charset="0"/>
-                <a:cs typeface="Poppins Medium" panose="00000600000000000000" pitchFamily="2" charset="0"/>
-              </a:rPr>
-              <a:t>/16</a:t>
+              <a:rPr lang="de-DE" sz="1600" dirty="0">
+                <a:solidFill>
+                  <a:schemeClr val="tx1"/>
+                </a:solidFill>
+                <a:latin typeface="Poppins Medium" panose="00000600000000000000" pitchFamily="2" charset="0"/>
+                <a:cs typeface="Poppins Medium" panose="00000600000000000000" pitchFamily="2" charset="0"/>
+              </a:rPr>
+              <a:t>/35</a:t>
             </a:r>
           </a:p>
         </p:txBody>
@@ -17397,7 +17094,7 @@
         <p:spPr>
           <a:xfrm>
             <a:off x="0" y="0"/>
-            <a:ext cx="12184913" cy="1034891"/>
+            <a:ext cx="12276306" cy="1034891"/>
           </a:xfrm>
           <a:prstGeom prst="rect">
             <a:avLst/>
@@ -17893,16 +17590,16 @@
           <a:lstStyle/>
           <a:p>
             <a:r>
-              <a:rPr lang="it-IT" sz="1600">
-                <a:solidFill>
-                  <a:schemeClr val="tx1"/>
-                </a:solidFill>
-                <a:latin typeface="Poppins Medium" panose="00000600000000000000" pitchFamily="2" charset="0"/>
-                <a:cs typeface="Poppins Medium" panose="00000600000000000000" pitchFamily="2" charset="0"/>
-              </a:rPr>
-              <a:t>31 Maggio 2022</a:t>
-            </a:r>
-            <a:endParaRPr lang="de-DE" sz="1600">
+              <a:rPr lang="it-IT" sz="1600" dirty="0">
+                <a:solidFill>
+                  <a:schemeClr val="tx1"/>
+                </a:solidFill>
+                <a:latin typeface="Poppins Medium" panose="00000600000000000000" pitchFamily="2" charset="0"/>
+                <a:cs typeface="Poppins Medium" panose="00000600000000000000" pitchFamily="2" charset="0"/>
+              </a:rPr>
+              <a:t>MTSS – 2021/22</a:t>
+            </a:r>
+            <a:endParaRPr lang="de-DE" sz="1600" dirty="0">
               <a:solidFill>
                 <a:schemeClr val="tx1"/>
               </a:solidFill>
@@ -17944,14 +17641,14 @@
               <a:t>27</a:t>
             </a:fld>
             <a:r>
-              <a:rPr lang="de-DE" sz="1600">
-                <a:solidFill>
-                  <a:schemeClr val="tx1"/>
-                </a:solidFill>
-                <a:latin typeface="Poppins Medium" panose="00000600000000000000" pitchFamily="2" charset="0"/>
-                <a:cs typeface="Poppins Medium" panose="00000600000000000000" pitchFamily="2" charset="0"/>
-              </a:rPr>
-              <a:t>/16</a:t>
+              <a:rPr lang="de-DE" sz="1600" dirty="0">
+                <a:solidFill>
+                  <a:schemeClr val="tx1"/>
+                </a:solidFill>
+                <a:latin typeface="Poppins Medium" panose="00000600000000000000" pitchFamily="2" charset="0"/>
+                <a:cs typeface="Poppins Medium" panose="00000600000000000000" pitchFamily="2" charset="0"/>
+              </a:rPr>
+              <a:t>/35</a:t>
             </a:r>
           </a:p>
         </p:txBody>
@@ -17971,7 +17668,7 @@
         <p:spPr>
           <a:xfrm>
             <a:off x="0" y="0"/>
-            <a:ext cx="12184913" cy="1034891"/>
+            <a:ext cx="12266579" cy="1034891"/>
           </a:xfrm>
           <a:prstGeom prst="rect">
             <a:avLst/>
@@ -18732,7 +18429,7 @@
           <a:lstStyle/>
           <a:p>
             <a:r>
-              <a:rPr lang="it-IT" sz="1600">
+              <a:rPr lang="it-IT" sz="1600" dirty="0">
                 <a:solidFill>
                   <a:schemeClr val="bg1"/>
                 </a:solidFill>
@@ -18746,9 +18443,9 @@
                 <a:latin typeface="Poppins Medium" panose="00000600000000000000" pitchFamily="2" charset="0"/>
                 <a:cs typeface="Poppins Medium" panose="00000600000000000000" pitchFamily="2" charset="0"/>
               </a:rPr>
-              <a:t>31 Maggio 2022</a:t>
-            </a:r>
-            <a:endParaRPr lang="de-DE" sz="1600">
+              <a:t>MTSS – 2021/22</a:t>
+            </a:r>
+            <a:endParaRPr lang="de-DE" sz="1600" dirty="0">
               <a:solidFill>
                 <a:schemeClr val="bg1"/>
               </a:solidFill>
@@ -18805,7 +18502,7 @@
               <a:t>28</a:t>
             </a:fld>
             <a:r>
-              <a:rPr lang="de-DE" sz="1600">
+              <a:rPr lang="de-DE" sz="1600" dirty="0">
                 <a:solidFill>
                   <a:schemeClr val="bg1"/>
                 </a:solidFill>
@@ -18819,7 +18516,7 @@
                 <a:latin typeface="Poppins Medium" panose="00000600000000000000" pitchFamily="2" charset="0"/>
                 <a:cs typeface="Poppins Medium" panose="00000600000000000000" pitchFamily="2" charset="0"/>
               </a:rPr>
-              <a:t>/16</a:t>
+              <a:t>/35</a:t>
             </a:r>
           </a:p>
         </p:txBody>
@@ -18915,16 +18612,16 @@
           <a:lstStyle/>
           <a:p>
             <a:r>
-              <a:rPr lang="it-IT" sz="1600">
-                <a:solidFill>
-                  <a:schemeClr val="tx1"/>
-                </a:solidFill>
-                <a:latin typeface="Poppins Medium" panose="00000600000000000000" pitchFamily="2" charset="0"/>
-                <a:cs typeface="Poppins Medium" panose="00000600000000000000" pitchFamily="2" charset="0"/>
-              </a:rPr>
-              <a:t>31 Maggio 2022</a:t>
-            </a:r>
-            <a:endParaRPr lang="de-DE" sz="1600">
+              <a:rPr lang="it-IT" sz="1600" dirty="0">
+                <a:solidFill>
+                  <a:schemeClr val="tx1"/>
+                </a:solidFill>
+                <a:latin typeface="Poppins Medium" panose="00000600000000000000" pitchFamily="2" charset="0"/>
+                <a:cs typeface="Poppins Medium" panose="00000600000000000000" pitchFamily="2" charset="0"/>
+              </a:rPr>
+              <a:t>MTSS – 2021/22</a:t>
+            </a:r>
+            <a:endParaRPr lang="de-DE" sz="1600" dirty="0">
               <a:solidFill>
                 <a:schemeClr val="tx1"/>
               </a:solidFill>
@@ -18966,14 +18663,14 @@
               <a:t>29</a:t>
             </a:fld>
             <a:r>
-              <a:rPr lang="de-DE" sz="1600">
-                <a:solidFill>
-                  <a:schemeClr val="tx1"/>
-                </a:solidFill>
-                <a:latin typeface="Poppins Medium" panose="00000600000000000000" pitchFamily="2" charset="0"/>
-                <a:cs typeface="Poppins Medium" panose="00000600000000000000" pitchFamily="2" charset="0"/>
-              </a:rPr>
-              <a:t>/16</a:t>
+              <a:rPr lang="de-DE" sz="1600" dirty="0">
+                <a:solidFill>
+                  <a:schemeClr val="tx1"/>
+                </a:solidFill>
+                <a:latin typeface="Poppins Medium" panose="00000600000000000000" pitchFamily="2" charset="0"/>
+                <a:cs typeface="Poppins Medium" panose="00000600000000000000" pitchFamily="2" charset="0"/>
+              </a:rPr>
+              <a:t>/35</a:t>
             </a:r>
           </a:p>
         </p:txBody>
@@ -18993,7 +18690,7 @@
         <p:spPr>
           <a:xfrm>
             <a:off x="0" y="0"/>
-            <a:ext cx="12184913" cy="1034891"/>
+            <a:ext cx="12461132" cy="1034891"/>
           </a:xfrm>
           <a:prstGeom prst="rect">
             <a:avLst/>
@@ -19802,7 +19499,7 @@
           <a:lstStyle/>
           <a:p>
             <a:r>
-              <a:rPr lang="it-IT" sz="1600">
+              <a:rPr lang="it-IT" sz="1600" dirty="0">
                 <a:solidFill>
                   <a:schemeClr val="bg1"/>
                 </a:solidFill>
@@ -19816,9 +19513,9 @@
                 <a:latin typeface="Poppins Medium" panose="00000600000000000000" pitchFamily="2" charset="0"/>
                 <a:cs typeface="Poppins Medium" panose="00000600000000000000" pitchFamily="2" charset="0"/>
               </a:rPr>
-              <a:t>31 Maggio 2022</a:t>
-            </a:r>
-            <a:endParaRPr lang="de-DE" sz="1600">
+              <a:t>MTSS – 2021/22</a:t>
+            </a:r>
+            <a:endParaRPr lang="de-DE" sz="1600" dirty="0">
               <a:solidFill>
                 <a:schemeClr val="bg1"/>
               </a:solidFill>
@@ -19875,7 +19572,7 @@
               <a:t>3</a:t>
             </a:fld>
             <a:r>
-              <a:rPr lang="de-DE" sz="1600">
+              <a:rPr lang="de-DE" sz="1600" dirty="0">
                 <a:solidFill>
                   <a:schemeClr val="bg1"/>
                 </a:solidFill>
@@ -19889,7 +19586,7 @@
                 <a:latin typeface="Poppins Medium" panose="00000600000000000000" pitchFamily="2" charset="0"/>
                 <a:cs typeface="Poppins Medium" panose="00000600000000000000" pitchFamily="2" charset="0"/>
               </a:rPr>
-              <a:t>/16</a:t>
+              <a:t>/35</a:t>
             </a:r>
           </a:p>
         </p:txBody>
@@ -20149,7 +19846,7 @@
           <a:lstStyle/>
           <a:p>
             <a:r>
-              <a:rPr lang="it-IT" sz="1600">
+              <a:rPr lang="it-IT" sz="1600" dirty="0">
                 <a:solidFill>
                   <a:schemeClr val="bg1"/>
                 </a:solidFill>
@@ -20163,9 +19860,9 @@
                 <a:latin typeface="Poppins Medium" panose="00000600000000000000" pitchFamily="2" charset="0"/>
                 <a:cs typeface="Poppins Medium" panose="00000600000000000000" pitchFamily="2" charset="0"/>
               </a:rPr>
-              <a:t>31 Maggio 2022</a:t>
-            </a:r>
-            <a:endParaRPr lang="de-DE" sz="1600">
+              <a:t>MTSS – 2021/22</a:t>
+            </a:r>
+            <a:endParaRPr lang="de-DE" sz="1600" dirty="0">
               <a:solidFill>
                 <a:schemeClr val="bg1"/>
               </a:solidFill>
@@ -20222,7 +19919,7 @@
               <a:t>30</a:t>
             </a:fld>
             <a:r>
-              <a:rPr lang="de-DE" sz="1600">
+              <a:rPr lang="de-DE" sz="1600" dirty="0">
                 <a:solidFill>
                   <a:schemeClr val="bg1"/>
                 </a:solidFill>
@@ -20236,7 +19933,7 @@
                 <a:latin typeface="Poppins Medium" panose="00000600000000000000" pitchFamily="2" charset="0"/>
                 <a:cs typeface="Poppins Medium" panose="00000600000000000000" pitchFamily="2" charset="0"/>
               </a:rPr>
-              <a:t>/16</a:t>
+              <a:t>/35</a:t>
             </a:r>
           </a:p>
         </p:txBody>
@@ -20332,16 +20029,16 @@
           <a:lstStyle/>
           <a:p>
             <a:r>
-              <a:rPr lang="it-IT" sz="1600">
-                <a:solidFill>
-                  <a:schemeClr val="tx1"/>
-                </a:solidFill>
-                <a:latin typeface="Poppins Medium" panose="00000600000000000000" pitchFamily="2" charset="0"/>
-                <a:cs typeface="Poppins Medium" panose="00000600000000000000" pitchFamily="2" charset="0"/>
-              </a:rPr>
-              <a:t>31 Maggio 2022</a:t>
-            </a:r>
-            <a:endParaRPr lang="de-DE" sz="1600">
+              <a:rPr lang="it-IT" sz="1600" dirty="0">
+                <a:solidFill>
+                  <a:schemeClr val="tx1"/>
+                </a:solidFill>
+                <a:latin typeface="Poppins Medium" panose="00000600000000000000" pitchFamily="2" charset="0"/>
+                <a:cs typeface="Poppins Medium" panose="00000600000000000000" pitchFamily="2" charset="0"/>
+              </a:rPr>
+              <a:t>MTSS – 2021/22</a:t>
+            </a:r>
+            <a:endParaRPr lang="de-DE" sz="1600" dirty="0">
               <a:solidFill>
                 <a:schemeClr val="tx1"/>
               </a:solidFill>
@@ -20390,7 +20087,7 @@
                 <a:latin typeface="Poppins Medium" panose="00000600000000000000" pitchFamily="2" charset="0"/>
                 <a:cs typeface="Poppins Medium" panose="00000600000000000000" pitchFamily="2" charset="0"/>
               </a:rPr>
-              <a:t>/16</a:t>
+              <a:t>/35</a:t>
             </a:r>
           </a:p>
         </p:txBody>
@@ -20410,7 +20107,7 @@
         <p:spPr>
           <a:xfrm>
             <a:off x="0" y="0"/>
-            <a:ext cx="12184913" cy="1034891"/>
+            <a:ext cx="12305489" cy="1034891"/>
           </a:xfrm>
           <a:prstGeom prst="rect">
             <a:avLst/>
@@ -21008,16 +20705,16 @@
           <a:lstStyle/>
           <a:p>
             <a:r>
-              <a:rPr lang="it-IT" sz="1600">
-                <a:solidFill>
-                  <a:schemeClr val="tx1"/>
-                </a:solidFill>
-                <a:latin typeface="Poppins Medium" panose="00000600000000000000" pitchFamily="2" charset="0"/>
-                <a:cs typeface="Poppins Medium" panose="00000600000000000000" pitchFamily="2" charset="0"/>
-              </a:rPr>
-              <a:t>31 Maggio 2022</a:t>
-            </a:r>
-            <a:endParaRPr lang="de-DE" sz="1600">
+              <a:rPr lang="it-IT" sz="1600" dirty="0">
+                <a:solidFill>
+                  <a:schemeClr val="tx1"/>
+                </a:solidFill>
+                <a:latin typeface="Poppins Medium" panose="00000600000000000000" pitchFamily="2" charset="0"/>
+                <a:cs typeface="Poppins Medium" panose="00000600000000000000" pitchFamily="2" charset="0"/>
+              </a:rPr>
+              <a:t>MTSS – 2021/22</a:t>
+            </a:r>
+            <a:endParaRPr lang="de-DE" sz="1600" dirty="0">
               <a:solidFill>
                 <a:schemeClr val="tx1"/>
               </a:solidFill>
@@ -21066,7 +20763,7 @@
                 <a:latin typeface="Poppins Medium" panose="00000600000000000000" pitchFamily="2" charset="0"/>
                 <a:cs typeface="Poppins Medium" panose="00000600000000000000" pitchFamily="2" charset="0"/>
               </a:rPr>
-              <a:t>/16</a:t>
+              <a:t>/35</a:t>
             </a:r>
           </a:p>
         </p:txBody>
@@ -21602,8 +21299,8 @@
         </p:nvSpPr>
         <p:spPr>
           <a:xfrm>
-            <a:off x="0" y="0"/>
-            <a:ext cx="12192000" cy="1034891"/>
+            <a:off x="-1" y="0"/>
+            <a:ext cx="12324945" cy="1034891"/>
           </a:xfrm>
           <a:prstGeom prst="rect">
             <a:avLst/>
@@ -21882,7 +21579,7 @@
           <a:lstStyle/>
           <a:p>
             <a:r>
-              <a:rPr lang="it-IT" sz="1600">
+              <a:rPr lang="it-IT" sz="1600" dirty="0">
                 <a:solidFill>
                   <a:schemeClr val="bg1"/>
                 </a:solidFill>
@@ -21896,9 +21593,9 @@
                 <a:latin typeface="Poppins Medium" panose="00000600000000000000" pitchFamily="2" charset="0"/>
                 <a:cs typeface="Poppins Medium" panose="00000600000000000000" pitchFamily="2" charset="0"/>
               </a:rPr>
-              <a:t>31 Maggio 2022</a:t>
-            </a:r>
-            <a:endParaRPr lang="de-DE" sz="1600">
+              <a:t>MTSS – 2021/22</a:t>
+            </a:r>
+            <a:endParaRPr lang="de-DE" sz="1600" dirty="0">
               <a:solidFill>
                 <a:schemeClr val="bg1"/>
               </a:solidFill>
@@ -21955,7 +21652,7 @@
               <a:t>33</a:t>
             </a:fld>
             <a:r>
-              <a:rPr lang="de-DE" sz="1600">
+              <a:rPr lang="de-DE" sz="1600" dirty="0">
                 <a:solidFill>
                   <a:schemeClr val="bg1"/>
                 </a:solidFill>
@@ -21969,7 +21666,7 @@
                 <a:latin typeface="Poppins Medium" panose="00000600000000000000" pitchFamily="2" charset="0"/>
                 <a:cs typeface="Poppins Medium" panose="00000600000000000000" pitchFamily="2" charset="0"/>
               </a:rPr>
-              <a:t>/16</a:t>
+              <a:t>/35</a:t>
             </a:r>
           </a:p>
         </p:txBody>
@@ -22065,16 +21762,16 @@
           <a:lstStyle/>
           <a:p>
             <a:r>
-              <a:rPr lang="it-IT" sz="1600">
-                <a:solidFill>
-                  <a:schemeClr val="tx1"/>
-                </a:solidFill>
-                <a:latin typeface="Poppins Medium" panose="00000600000000000000" pitchFamily="2" charset="0"/>
-                <a:cs typeface="Poppins Medium" panose="00000600000000000000" pitchFamily="2" charset="0"/>
-              </a:rPr>
-              <a:t>31 Maggio 2022</a:t>
-            </a:r>
-            <a:endParaRPr lang="de-DE" sz="1600">
+              <a:rPr lang="it-IT" sz="1600" dirty="0">
+                <a:solidFill>
+                  <a:schemeClr val="tx1"/>
+                </a:solidFill>
+                <a:latin typeface="Poppins Medium" panose="00000600000000000000" pitchFamily="2" charset="0"/>
+                <a:cs typeface="Poppins Medium" panose="00000600000000000000" pitchFamily="2" charset="0"/>
+              </a:rPr>
+              <a:t>MTSS – 2021/22</a:t>
+            </a:r>
+            <a:endParaRPr lang="de-DE" sz="1600" dirty="0">
               <a:solidFill>
                 <a:schemeClr val="tx1"/>
               </a:solidFill>
@@ -22123,7 +21820,7 @@
                 <a:latin typeface="Poppins Medium" panose="00000600000000000000" pitchFamily="2" charset="0"/>
                 <a:cs typeface="Poppins Medium" panose="00000600000000000000" pitchFamily="2" charset="0"/>
               </a:rPr>
-              <a:t>/16</a:t>
+              <a:t>/35</a:t>
             </a:r>
           </a:p>
         </p:txBody>
@@ -22143,7 +21840,7 @@
         <p:spPr>
           <a:xfrm>
             <a:off x="0" y="0"/>
-            <a:ext cx="12184913" cy="1034891"/>
+            <a:ext cx="12276306" cy="1034891"/>
           </a:xfrm>
           <a:prstGeom prst="rect">
             <a:avLst/>
@@ -22793,7 +22490,7 @@
           <a:lstStyle/>
           <a:p>
             <a:r>
-              <a:rPr lang="it-IT" sz="1600">
+              <a:rPr lang="it-IT" sz="1600" dirty="0">
                 <a:solidFill>
                   <a:schemeClr val="bg1"/>
                 </a:solidFill>
@@ -22807,9 +22504,9 @@
                 <a:latin typeface="Poppins Medium" panose="00000600000000000000" pitchFamily="2" charset="0"/>
                 <a:cs typeface="Poppins Medium" panose="00000600000000000000" pitchFamily="2" charset="0"/>
               </a:rPr>
-              <a:t>31 Maggio 2022</a:t>
-            </a:r>
-            <a:endParaRPr lang="de-DE" sz="1600">
+              <a:t>MTSS – 2021/22</a:t>
+            </a:r>
+            <a:endParaRPr lang="de-DE" sz="1600" dirty="0">
               <a:solidFill>
                 <a:schemeClr val="bg1"/>
               </a:solidFill>
@@ -22866,7 +22563,7 @@
               <a:t>35</a:t>
             </a:fld>
             <a:r>
-              <a:rPr lang="de-DE" sz="1600">
+              <a:rPr lang="de-DE" sz="1600" dirty="0">
                 <a:solidFill>
                   <a:schemeClr val="bg1"/>
                 </a:solidFill>
@@ -22880,7 +22577,7 @@
                 <a:latin typeface="Poppins Medium" panose="00000600000000000000" pitchFamily="2" charset="0"/>
                 <a:cs typeface="Poppins Medium" panose="00000600000000000000" pitchFamily="2" charset="0"/>
               </a:rPr>
-              <a:t>/16</a:t>
+              <a:t>/35</a:t>
             </a:r>
           </a:p>
         </p:txBody>
@@ -23024,16 +22721,16 @@
           <a:lstStyle/>
           <a:p>
             <a:r>
-              <a:rPr lang="it-IT" sz="1600">
-                <a:solidFill>
-                  <a:schemeClr val="tx1"/>
-                </a:solidFill>
-                <a:latin typeface="Poppins Medium" panose="00000600000000000000" pitchFamily="2" charset="0"/>
-                <a:cs typeface="Poppins Medium" panose="00000600000000000000" pitchFamily="2" charset="0"/>
-              </a:rPr>
-              <a:t>31 Maggio 2022</a:t>
-            </a:r>
-            <a:endParaRPr lang="de-DE" sz="1600">
+              <a:rPr lang="it-IT" sz="1600" dirty="0">
+                <a:solidFill>
+                  <a:schemeClr val="tx1"/>
+                </a:solidFill>
+                <a:latin typeface="Poppins Medium" panose="00000600000000000000" pitchFamily="2" charset="0"/>
+                <a:cs typeface="Poppins Medium" panose="00000600000000000000" pitchFamily="2" charset="0"/>
+              </a:rPr>
+              <a:t>MTSS – 2021/22</a:t>
+            </a:r>
+            <a:endParaRPr lang="de-DE" sz="1600" dirty="0">
               <a:solidFill>
                 <a:schemeClr val="tx1"/>
               </a:solidFill>
@@ -23075,14 +22772,14 @@
               <a:t>4</a:t>
             </a:fld>
             <a:r>
-              <a:rPr lang="de-DE" sz="1600">
-                <a:solidFill>
-                  <a:schemeClr val="tx1"/>
-                </a:solidFill>
-                <a:latin typeface="Poppins Medium" panose="00000600000000000000" pitchFamily="2" charset="0"/>
-                <a:cs typeface="Poppins Medium" panose="00000600000000000000" pitchFamily="2" charset="0"/>
-              </a:rPr>
-              <a:t>/16</a:t>
+              <a:rPr lang="de-DE" sz="1600" dirty="0">
+                <a:solidFill>
+                  <a:schemeClr val="tx1"/>
+                </a:solidFill>
+                <a:latin typeface="Poppins Medium" panose="00000600000000000000" pitchFamily="2" charset="0"/>
+                <a:cs typeface="Poppins Medium" panose="00000600000000000000" pitchFamily="2" charset="0"/>
+              </a:rPr>
+              <a:t>/35</a:t>
             </a:r>
           </a:p>
         </p:txBody>
@@ -23138,7 +22835,7 @@
         <p:spPr>
           <a:xfrm>
             <a:off x="0" y="0"/>
-            <a:ext cx="12184913" cy="1034891"/>
+            <a:ext cx="12509770" cy="1034891"/>
           </a:xfrm>
           <a:prstGeom prst="rect">
             <a:avLst/>
@@ -23341,16 +23038,16 @@
           <a:lstStyle/>
           <a:p>
             <a:r>
-              <a:rPr lang="it-IT" sz="1600">
-                <a:solidFill>
-                  <a:schemeClr val="tx1"/>
-                </a:solidFill>
-                <a:latin typeface="Poppins Medium" panose="00000600000000000000" pitchFamily="2" charset="0"/>
-                <a:cs typeface="Poppins Medium" panose="00000600000000000000" pitchFamily="2" charset="0"/>
-              </a:rPr>
-              <a:t>31 Maggio 2022</a:t>
-            </a:r>
-            <a:endParaRPr lang="de-DE" sz="1600">
+              <a:rPr lang="it-IT" sz="1600" dirty="0">
+                <a:solidFill>
+                  <a:schemeClr val="tx1"/>
+                </a:solidFill>
+                <a:latin typeface="Poppins Medium" panose="00000600000000000000" pitchFamily="2" charset="0"/>
+                <a:cs typeface="Poppins Medium" panose="00000600000000000000" pitchFamily="2" charset="0"/>
+              </a:rPr>
+              <a:t>MTSS – 2021/22</a:t>
+            </a:r>
+            <a:endParaRPr lang="de-DE" sz="1600" dirty="0">
               <a:solidFill>
                 <a:schemeClr val="tx1"/>
               </a:solidFill>
@@ -23392,14 +23089,14 @@
               <a:t>5</a:t>
             </a:fld>
             <a:r>
-              <a:rPr lang="de-DE" sz="1600">
-                <a:solidFill>
-                  <a:schemeClr val="tx1"/>
-                </a:solidFill>
-                <a:latin typeface="Poppins Medium" panose="00000600000000000000" pitchFamily="2" charset="0"/>
-                <a:cs typeface="Poppins Medium" panose="00000600000000000000" pitchFamily="2" charset="0"/>
-              </a:rPr>
-              <a:t>/16</a:t>
+              <a:rPr lang="de-DE" sz="1600" dirty="0">
+                <a:solidFill>
+                  <a:schemeClr val="tx1"/>
+                </a:solidFill>
+                <a:latin typeface="Poppins Medium" panose="00000600000000000000" pitchFamily="2" charset="0"/>
+                <a:cs typeface="Poppins Medium" panose="00000600000000000000" pitchFamily="2" charset="0"/>
+              </a:rPr>
+              <a:t>/35</a:t>
             </a:r>
           </a:p>
         </p:txBody>
@@ -23419,7 +23116,7 @@
         <p:spPr>
           <a:xfrm>
             <a:off x="0" y="0"/>
-            <a:ext cx="12184913" cy="1034891"/>
+            <a:ext cx="12431949" cy="1034891"/>
           </a:xfrm>
           <a:prstGeom prst="rect">
             <a:avLst/>
@@ -23580,7 +23277,7 @@
         <p:spPr>
           <a:xfrm>
             <a:off x="0" y="0"/>
-            <a:ext cx="12184913" cy="1034891"/>
+            <a:ext cx="12393038" cy="1034891"/>
           </a:xfrm>
           <a:prstGeom prst="rect">
             <a:avLst/>
@@ -23687,16 +23384,16 @@
           <a:lstStyle/>
           <a:p>
             <a:r>
-              <a:rPr lang="it-IT" sz="1600">
-                <a:solidFill>
-                  <a:schemeClr val="tx1"/>
-                </a:solidFill>
-                <a:latin typeface="Poppins Medium" panose="00000600000000000000" pitchFamily="2" charset="0"/>
-                <a:cs typeface="Poppins Medium" panose="00000600000000000000" pitchFamily="2" charset="0"/>
-              </a:rPr>
-              <a:t>31 Maggio 2022</a:t>
-            </a:r>
-            <a:endParaRPr lang="de-DE" sz="1600">
+              <a:rPr lang="it-IT" sz="1600" dirty="0">
+                <a:solidFill>
+                  <a:schemeClr val="tx1"/>
+                </a:solidFill>
+                <a:latin typeface="Poppins Medium" panose="00000600000000000000" pitchFamily="2" charset="0"/>
+                <a:cs typeface="Poppins Medium" panose="00000600000000000000" pitchFamily="2" charset="0"/>
+              </a:rPr>
+              <a:t>MTSS – 2021/22</a:t>
+            </a:r>
+            <a:endParaRPr lang="de-DE" sz="1600" dirty="0">
               <a:solidFill>
                 <a:schemeClr val="tx1"/>
               </a:solidFill>
@@ -23738,14 +23435,14 @@
               <a:t>6</a:t>
             </a:fld>
             <a:r>
-              <a:rPr lang="de-DE" sz="1600">
-                <a:solidFill>
-                  <a:schemeClr val="tx1"/>
-                </a:solidFill>
-                <a:latin typeface="Poppins Medium" panose="00000600000000000000" pitchFamily="2" charset="0"/>
-                <a:cs typeface="Poppins Medium" panose="00000600000000000000" pitchFamily="2" charset="0"/>
-              </a:rPr>
-              <a:t>/16</a:t>
+              <a:rPr lang="de-DE" sz="1600" dirty="0">
+                <a:solidFill>
+                  <a:schemeClr val="tx1"/>
+                </a:solidFill>
+                <a:latin typeface="Poppins Medium" panose="00000600000000000000" pitchFamily="2" charset="0"/>
+                <a:cs typeface="Poppins Medium" panose="00000600000000000000" pitchFamily="2" charset="0"/>
+              </a:rPr>
+              <a:t>/35</a:t>
             </a:r>
           </a:p>
         </p:txBody>
@@ -23926,16 +23623,16 @@
           <a:lstStyle/>
           <a:p>
             <a:r>
-              <a:rPr lang="it-IT" sz="1600">
-                <a:solidFill>
-                  <a:schemeClr val="tx1"/>
-                </a:solidFill>
-                <a:latin typeface="Poppins Medium" panose="00000600000000000000" pitchFamily="2" charset="0"/>
-                <a:cs typeface="Poppins Medium" panose="00000600000000000000" pitchFamily="2" charset="0"/>
-              </a:rPr>
-              <a:t>31 Maggio 2022</a:t>
-            </a:r>
-            <a:endParaRPr lang="de-DE" sz="1600">
+              <a:rPr lang="it-IT" sz="1600" dirty="0">
+                <a:solidFill>
+                  <a:schemeClr val="tx1"/>
+                </a:solidFill>
+                <a:latin typeface="Poppins Medium" panose="00000600000000000000" pitchFamily="2" charset="0"/>
+                <a:cs typeface="Poppins Medium" panose="00000600000000000000" pitchFamily="2" charset="0"/>
+              </a:rPr>
+              <a:t>MTSS – 2021/22</a:t>
+            </a:r>
+            <a:endParaRPr lang="de-DE" sz="1600" dirty="0">
               <a:solidFill>
                 <a:schemeClr val="tx1"/>
               </a:solidFill>
@@ -23977,14 +23674,14 @@
               <a:t>7</a:t>
             </a:fld>
             <a:r>
-              <a:rPr lang="de-DE" sz="1600">
-                <a:solidFill>
-                  <a:schemeClr val="tx1"/>
-                </a:solidFill>
-                <a:latin typeface="Poppins Medium" panose="00000600000000000000" pitchFamily="2" charset="0"/>
-                <a:cs typeface="Poppins Medium" panose="00000600000000000000" pitchFamily="2" charset="0"/>
-              </a:rPr>
-              <a:t>/16</a:t>
+              <a:rPr lang="de-DE" sz="1600" dirty="0">
+                <a:solidFill>
+                  <a:schemeClr val="tx1"/>
+                </a:solidFill>
+                <a:latin typeface="Poppins Medium" panose="00000600000000000000" pitchFamily="2" charset="0"/>
+                <a:cs typeface="Poppins Medium" panose="00000600000000000000" pitchFamily="2" charset="0"/>
+              </a:rPr>
+              <a:t>/35</a:t>
             </a:r>
           </a:p>
         </p:txBody>
@@ -24040,7 +23737,7 @@
         <p:spPr>
           <a:xfrm>
             <a:off x="0" y="0"/>
-            <a:ext cx="12184913" cy="1034891"/>
+            <a:ext cx="12295762" cy="1034891"/>
           </a:xfrm>
           <a:prstGeom prst="rect">
             <a:avLst/>
@@ -24283,16 +23980,16 @@
           <a:lstStyle/>
           <a:p>
             <a:r>
-              <a:rPr lang="it-IT" sz="1600">
-                <a:solidFill>
-                  <a:schemeClr val="tx1"/>
-                </a:solidFill>
-                <a:latin typeface="Poppins Medium" panose="00000600000000000000" pitchFamily="2" charset="0"/>
-                <a:cs typeface="Poppins Medium" panose="00000600000000000000" pitchFamily="2" charset="0"/>
-              </a:rPr>
-              <a:t>31 Maggio 2022</a:t>
-            </a:r>
-            <a:endParaRPr lang="de-DE" sz="1600">
+              <a:rPr lang="it-IT" sz="1600" dirty="0">
+                <a:solidFill>
+                  <a:schemeClr val="tx1"/>
+                </a:solidFill>
+                <a:latin typeface="Poppins Medium" panose="00000600000000000000" pitchFamily="2" charset="0"/>
+                <a:cs typeface="Poppins Medium" panose="00000600000000000000" pitchFamily="2" charset="0"/>
+              </a:rPr>
+              <a:t>MTSS – 2021/22</a:t>
+            </a:r>
+            <a:endParaRPr lang="de-DE" sz="1600" dirty="0">
               <a:solidFill>
                 <a:schemeClr val="tx1"/>
               </a:solidFill>
@@ -24334,14 +24031,14 @@
               <a:t>8</a:t>
             </a:fld>
             <a:r>
-              <a:rPr lang="de-DE" sz="1600">
-                <a:solidFill>
-                  <a:schemeClr val="tx1"/>
-                </a:solidFill>
-                <a:latin typeface="Poppins Medium" panose="00000600000000000000" pitchFamily="2" charset="0"/>
-                <a:cs typeface="Poppins Medium" panose="00000600000000000000" pitchFamily="2" charset="0"/>
-              </a:rPr>
-              <a:t>/16</a:t>
+              <a:rPr lang="de-DE" sz="1600" dirty="0">
+                <a:solidFill>
+                  <a:schemeClr val="tx1"/>
+                </a:solidFill>
+                <a:latin typeface="Poppins Medium" panose="00000600000000000000" pitchFamily="2" charset="0"/>
+                <a:cs typeface="Poppins Medium" panose="00000600000000000000" pitchFamily="2" charset="0"/>
+              </a:rPr>
+              <a:t>/35</a:t>
             </a:r>
           </a:p>
         </p:txBody>
@@ -24397,7 +24094,7 @@
         <p:spPr>
           <a:xfrm>
             <a:off x="0" y="0"/>
-            <a:ext cx="12184913" cy="1034891"/>
+            <a:ext cx="12529226" cy="1034891"/>
           </a:xfrm>
           <a:prstGeom prst="rect">
             <a:avLst/>
@@ -24763,16 +24460,16 @@
           <a:lstStyle/>
           <a:p>
             <a:r>
-              <a:rPr lang="it-IT" sz="1600">
-                <a:solidFill>
-                  <a:schemeClr val="tx1"/>
-                </a:solidFill>
-                <a:latin typeface="Poppins Medium" panose="00000600000000000000" pitchFamily="2" charset="0"/>
-                <a:cs typeface="Poppins Medium" panose="00000600000000000000" pitchFamily="2" charset="0"/>
-              </a:rPr>
-              <a:t>31 Maggio 2022</a:t>
-            </a:r>
-            <a:endParaRPr lang="de-DE" sz="1600">
+              <a:rPr lang="it-IT" sz="1600" dirty="0">
+                <a:solidFill>
+                  <a:schemeClr val="tx1"/>
+                </a:solidFill>
+                <a:latin typeface="Poppins Medium" panose="00000600000000000000" pitchFamily="2" charset="0"/>
+                <a:cs typeface="Poppins Medium" panose="00000600000000000000" pitchFamily="2" charset="0"/>
+              </a:rPr>
+              <a:t>MTSS – 2021/22</a:t>
+            </a:r>
+            <a:endParaRPr lang="de-DE" sz="1600" dirty="0">
               <a:solidFill>
                 <a:schemeClr val="tx1"/>
               </a:solidFill>
@@ -24814,14 +24511,14 @@
               <a:t>9</a:t>
             </a:fld>
             <a:r>
-              <a:rPr lang="de-DE" sz="1600">
-                <a:solidFill>
-                  <a:schemeClr val="tx1"/>
-                </a:solidFill>
-                <a:latin typeface="Poppins Medium" panose="00000600000000000000" pitchFamily="2" charset="0"/>
-                <a:cs typeface="Poppins Medium" panose="00000600000000000000" pitchFamily="2" charset="0"/>
-              </a:rPr>
-              <a:t>/16</a:t>
+              <a:rPr lang="de-DE" sz="1600" dirty="0">
+                <a:solidFill>
+                  <a:schemeClr val="tx1"/>
+                </a:solidFill>
+                <a:latin typeface="Poppins Medium" panose="00000600000000000000" pitchFamily="2" charset="0"/>
+                <a:cs typeface="Poppins Medium" panose="00000600000000000000" pitchFamily="2" charset="0"/>
+              </a:rPr>
+              <a:t>/35</a:t>
             </a:r>
           </a:p>
         </p:txBody>
@@ -24841,7 +24538,7 @@
         <p:spPr>
           <a:xfrm>
             <a:off x="0" y="0"/>
-            <a:ext cx="12184913" cy="1034891"/>
+            <a:ext cx="12470860" cy="1034891"/>
           </a:xfrm>
           <a:prstGeom prst="rect">
             <a:avLst/>
